--- a/LEI/apresentações/checkpoint2/apresLEI_grupo47.pptx
+++ b/LEI/apresentações/checkpoint2/apresLEI_grupo47.pptx
@@ -5,29 +5,28 @@
     <p:sldMasterId id="2147483648" r:id="rId1"/>
   </p:sldMasterIdLst>
   <p:notesMasterIdLst>
-    <p:notesMasterId r:id="rId22"/>
+    <p:notesMasterId r:id="rId21"/>
   </p:notesMasterIdLst>
   <p:sldIdLst>
     <p:sldId id="256" r:id="rId2"/>
     <p:sldId id="257" r:id="rId3"/>
-    <p:sldId id="274" r:id="rId4"/>
-    <p:sldId id="296" r:id="rId5"/>
-    <p:sldId id="266" r:id="rId6"/>
-    <p:sldId id="301" r:id="rId7"/>
-    <p:sldId id="303" r:id="rId8"/>
-    <p:sldId id="304" r:id="rId9"/>
-    <p:sldId id="308" r:id="rId10"/>
-    <p:sldId id="307" r:id="rId11"/>
-    <p:sldId id="310" r:id="rId12"/>
-    <p:sldId id="312" r:id="rId13"/>
-    <p:sldId id="313" r:id="rId14"/>
-    <p:sldId id="314" r:id="rId15"/>
-    <p:sldId id="316" r:id="rId16"/>
-    <p:sldId id="317" r:id="rId17"/>
-    <p:sldId id="318" r:id="rId18"/>
-    <p:sldId id="300" r:id="rId19"/>
-    <p:sldId id="298" r:id="rId20"/>
-    <p:sldId id="295" r:id="rId21"/>
+    <p:sldId id="296" r:id="rId4"/>
+    <p:sldId id="266" r:id="rId5"/>
+    <p:sldId id="301" r:id="rId6"/>
+    <p:sldId id="303" r:id="rId7"/>
+    <p:sldId id="304" r:id="rId8"/>
+    <p:sldId id="308" r:id="rId9"/>
+    <p:sldId id="307" r:id="rId10"/>
+    <p:sldId id="310" r:id="rId11"/>
+    <p:sldId id="312" r:id="rId12"/>
+    <p:sldId id="313" r:id="rId13"/>
+    <p:sldId id="314" r:id="rId14"/>
+    <p:sldId id="316" r:id="rId15"/>
+    <p:sldId id="317" r:id="rId16"/>
+    <p:sldId id="318" r:id="rId17"/>
+    <p:sldId id="319" r:id="rId18"/>
+    <p:sldId id="298" r:id="rId19"/>
+    <p:sldId id="295" r:id="rId20"/>
   </p:sldIdLst>
   <p:sldSz cx="9144000" cy="6858000" type="screen4x3"/>
   <p:notesSz cx="9144000" cy="6858000"/>
@@ -227,7 +226,7 @@
           <a:p>
             <a:fld id="{06D80BC0-DB8E-4343-896B-DB141BAE3B05}" type="datetimeFigureOut">
               <a:rPr lang="pt-PT" smtClean="0"/>
-              <a:t>23/05/2019</a:t>
+              <a:t>26/05/2019</a:t>
             </a:fld>
             <a:endParaRPr lang="pt-PT"/>
           </a:p>
@@ -693,7 +692,7 @@
     </p:spTree>
     <p:extLst>
       <p:ext uri="{BB962C8B-B14F-4D97-AF65-F5344CB8AC3E}">
-        <p14:creationId xmlns:p14="http://schemas.microsoft.com/office/powerpoint/2010/main" val="1773391657"/>
+        <p14:creationId xmlns:p14="http://schemas.microsoft.com/office/powerpoint/2010/main" val="2833325202"/>
       </p:ext>
     </p:extLst>
   </p:cSld>
@@ -777,7 +776,7 @@
     </p:spTree>
     <p:extLst>
       <p:ext uri="{BB962C8B-B14F-4D97-AF65-F5344CB8AC3E}">
-        <p14:creationId xmlns:p14="http://schemas.microsoft.com/office/powerpoint/2010/main" val="2833325202"/>
+        <p14:creationId xmlns:p14="http://schemas.microsoft.com/office/powerpoint/2010/main" val="576819733"/>
       </p:ext>
     </p:extLst>
   </p:cSld>
@@ -861,7 +860,7 @@
     </p:spTree>
     <p:extLst>
       <p:ext uri="{BB962C8B-B14F-4D97-AF65-F5344CB8AC3E}">
-        <p14:creationId xmlns:p14="http://schemas.microsoft.com/office/powerpoint/2010/main" val="576819733"/>
+        <p14:creationId xmlns:p14="http://schemas.microsoft.com/office/powerpoint/2010/main" val="625260533"/>
       </p:ext>
     </p:extLst>
   </p:cSld>
@@ -945,7 +944,7 @@
     </p:spTree>
     <p:extLst>
       <p:ext uri="{BB962C8B-B14F-4D97-AF65-F5344CB8AC3E}">
-        <p14:creationId xmlns:p14="http://schemas.microsoft.com/office/powerpoint/2010/main" val="625260533"/>
+        <p14:creationId xmlns:p14="http://schemas.microsoft.com/office/powerpoint/2010/main" val="2745960851"/>
       </p:ext>
     </p:extLst>
   </p:cSld>
@@ -1029,7 +1028,7 @@
     </p:spTree>
     <p:extLst>
       <p:ext uri="{BB962C8B-B14F-4D97-AF65-F5344CB8AC3E}">
-        <p14:creationId xmlns:p14="http://schemas.microsoft.com/office/powerpoint/2010/main" val="2745960851"/>
+        <p14:creationId xmlns:p14="http://schemas.microsoft.com/office/powerpoint/2010/main" val="3598257146"/>
       </p:ext>
     </p:extLst>
   </p:cSld>
@@ -1113,7 +1112,7 @@
     </p:spTree>
     <p:extLst>
       <p:ext uri="{BB962C8B-B14F-4D97-AF65-F5344CB8AC3E}">
-        <p14:creationId xmlns:p14="http://schemas.microsoft.com/office/powerpoint/2010/main" val="3598257146"/>
+        <p14:creationId xmlns:p14="http://schemas.microsoft.com/office/powerpoint/2010/main" val="1680777646"/>
       </p:ext>
     </p:extLst>
   </p:cSld>
@@ -1197,7 +1196,7 @@
     </p:spTree>
     <p:extLst>
       <p:ext uri="{BB962C8B-B14F-4D97-AF65-F5344CB8AC3E}">
-        <p14:creationId xmlns:p14="http://schemas.microsoft.com/office/powerpoint/2010/main" val="1680777646"/>
+        <p14:creationId xmlns:p14="http://schemas.microsoft.com/office/powerpoint/2010/main" val="3834044200"/>
       </p:ext>
     </p:extLst>
   </p:cSld>
@@ -1281,7 +1280,7 @@
     </p:spTree>
     <p:extLst>
       <p:ext uri="{BB962C8B-B14F-4D97-AF65-F5344CB8AC3E}">
-        <p14:creationId xmlns:p14="http://schemas.microsoft.com/office/powerpoint/2010/main" val="3834044200"/>
+        <p14:creationId xmlns:p14="http://schemas.microsoft.com/office/powerpoint/2010/main" val="4131229080"/>
       </p:ext>
     </p:extLst>
   </p:cSld>
@@ -1356,7 +1355,7 @@
           <a:p>
             <a:fld id="{62C9FF69-D9AD-48B5-8D39-7AA42039F77D}" type="slidenum">
               <a:rPr lang="pt-PT" smtClean="0"/>
-              <a:t>19</a:t>
+              <a:t>18</a:t>
             </a:fld>
             <a:endParaRPr lang="pt-PT"/>
           </a:p>
@@ -1440,7 +1439,7 @@
           <a:p>
             <a:fld id="{62C9FF69-D9AD-48B5-8D39-7AA42039F77D}" type="slidenum">
               <a:rPr lang="pt-PT" smtClean="0"/>
-              <a:t>20</a:t>
+              <a:t>19</a:t>
             </a:fld>
             <a:endParaRPr lang="pt-PT"/>
           </a:p>
@@ -1634,7 +1633,7 @@
     </p:spTree>
     <p:extLst>
       <p:ext uri="{BB962C8B-B14F-4D97-AF65-F5344CB8AC3E}">
-        <p14:creationId xmlns:p14="http://schemas.microsoft.com/office/powerpoint/2010/main" val="596858377"/>
+        <p14:creationId xmlns:p14="http://schemas.microsoft.com/office/powerpoint/2010/main" val="3101131928"/>
       </p:ext>
     </p:extLst>
   </p:cSld>
@@ -1718,7 +1717,7 @@
     </p:spTree>
     <p:extLst>
       <p:ext uri="{BB962C8B-B14F-4D97-AF65-F5344CB8AC3E}">
-        <p14:creationId xmlns:p14="http://schemas.microsoft.com/office/powerpoint/2010/main" val="3101131928"/>
+        <p14:creationId xmlns:p14="http://schemas.microsoft.com/office/powerpoint/2010/main" val="1184834112"/>
       </p:ext>
     </p:extLst>
   </p:cSld>
@@ -1802,7 +1801,7 @@
     </p:spTree>
     <p:extLst>
       <p:ext uri="{BB962C8B-B14F-4D97-AF65-F5344CB8AC3E}">
-        <p14:creationId xmlns:p14="http://schemas.microsoft.com/office/powerpoint/2010/main" val="1184834112"/>
+        <p14:creationId xmlns:p14="http://schemas.microsoft.com/office/powerpoint/2010/main" val="529616876"/>
       </p:ext>
     </p:extLst>
   </p:cSld>
@@ -1886,7 +1885,7 @@
     </p:spTree>
     <p:extLst>
       <p:ext uri="{BB962C8B-B14F-4D97-AF65-F5344CB8AC3E}">
-        <p14:creationId xmlns:p14="http://schemas.microsoft.com/office/powerpoint/2010/main" val="529616876"/>
+        <p14:creationId xmlns:p14="http://schemas.microsoft.com/office/powerpoint/2010/main" val="411784300"/>
       </p:ext>
     </p:extLst>
   </p:cSld>
@@ -1970,7 +1969,7 @@
     </p:spTree>
     <p:extLst>
       <p:ext uri="{BB962C8B-B14F-4D97-AF65-F5344CB8AC3E}">
-        <p14:creationId xmlns:p14="http://schemas.microsoft.com/office/powerpoint/2010/main" val="411784300"/>
+        <p14:creationId xmlns:p14="http://schemas.microsoft.com/office/powerpoint/2010/main" val="3321323267"/>
       </p:ext>
     </p:extLst>
   </p:cSld>
@@ -2054,7 +2053,7 @@
     </p:spTree>
     <p:extLst>
       <p:ext uri="{BB962C8B-B14F-4D97-AF65-F5344CB8AC3E}">
-        <p14:creationId xmlns:p14="http://schemas.microsoft.com/office/powerpoint/2010/main" val="3321323267"/>
+        <p14:creationId xmlns:p14="http://schemas.microsoft.com/office/powerpoint/2010/main" val="1879297051"/>
       </p:ext>
     </p:extLst>
   </p:cSld>
@@ -2138,7 +2137,7 @@
     </p:spTree>
     <p:extLst>
       <p:ext uri="{BB962C8B-B14F-4D97-AF65-F5344CB8AC3E}">
-        <p14:creationId xmlns:p14="http://schemas.microsoft.com/office/powerpoint/2010/main" val="1879297051"/>
+        <p14:creationId xmlns:p14="http://schemas.microsoft.com/office/powerpoint/2010/main" val="1773391657"/>
       </p:ext>
     </p:extLst>
   </p:cSld>
@@ -2287,7 +2286,7 @@
           <a:p>
             <a:fld id="{1D8BD707-D9CF-40AE-B4C6-C98DA3205C09}" type="datetimeFigureOut">
               <a:rPr lang="en-US"/>
-              <a:t>5/23/2019</a:t>
+              <a:t>5/26/2019</a:t>
             </a:fld>
             <a:endParaRPr lang="en-US"/>
           </a:p>
@@ -2458,7 +2457,7 @@
           <a:p>
             <a:fld id="{1D8BD707-D9CF-40AE-B4C6-C98DA3205C09}" type="datetimeFigureOut">
               <a:rPr lang="en-US"/>
-              <a:t>5/23/2019</a:t>
+              <a:t>5/26/2019</a:t>
             </a:fld>
             <a:endParaRPr lang="en-US"/>
           </a:p>
@@ -2898,7 +2897,7 @@
           <a:p>
             <a:fld id="{1D8BD707-D9CF-40AE-B4C6-C98DA3205C09}" type="datetimeFigureOut">
               <a:rPr lang="en-US"/>
-              <a:t>5/23/2019</a:t>
+              <a:t>5/26/2019</a:t>
             </a:fld>
             <a:endParaRPr lang="en-US"/>
           </a:p>
@@ -3104,7 +3103,7 @@
           <a:p>
             <a:fld id="{1D8BD707-D9CF-40AE-B4C6-C98DA3205C09}" type="datetimeFigureOut">
               <a:rPr lang="en-US"/>
-              <a:t>5/23/2019</a:t>
+              <a:t>5/26/2019</a:t>
             </a:fld>
             <a:endParaRPr lang="en-US"/>
           </a:p>
@@ -3223,7 +3222,7 @@
           <a:p>
             <a:fld id="{1D8BD707-D9CF-40AE-B4C6-C98DA3205C09}" type="datetimeFigureOut">
               <a:rPr lang="en-US"/>
-              <a:t>5/23/2019</a:t>
+              <a:t>5/26/2019</a:t>
             </a:fld>
             <a:endParaRPr lang="en-US"/>
           </a:p>
@@ -3442,7 +3441,7 @@
           <a:p>
             <a:fld id="{1D8BD707-D9CF-40AE-B4C6-C98DA3205C09}" type="datetimeFigureOut">
               <a:rPr lang="en-US"/>
-              <a:t>5/23/2019</a:t>
+              <a:t>5/26/2019</a:t>
             </a:fld>
             <a:endParaRPr lang="en-US"/>
           </a:p>
@@ -4409,7 +4408,7 @@
         </p:blipFill>
         <p:spPr>
           <a:xfrm>
-            <a:off x="935940" y="1911433"/>
+            <a:off x="935940" y="1981200"/>
             <a:ext cx="1856212" cy="2438400"/>
           </a:xfrm>
           <a:prstGeom prst="rect">
@@ -4727,7 +4726,27 @@
                 <a:latin typeface="Consolas" panose="020B0609020204030204" pitchFamily="49" charset="0"/>
                 <a:cs typeface="Arial" panose="020B0604020202020204" pitchFamily="34" charset="0"/>
               </a:rPr>
-              <a:t>“Quando é a sessão de abertura?”</a:t>
+              <a:t>“</a:t>
+            </a:r>
+            <a:r>
+              <a:rPr lang="pt-PT" sz="2800" dirty="0">
+                <a:solidFill>
+                  <a:srgbClr val="C00000"/>
+                </a:solidFill>
+                <a:latin typeface="Consolas" panose="020B0609020204030204" pitchFamily="49" charset="0"/>
+                <a:cs typeface="Arial" panose="020B0604020202020204" pitchFamily="34" charset="0"/>
+              </a:rPr>
+              <a:t>Quando</a:t>
+            </a:r>
+            <a:r>
+              <a:rPr lang="pt-PT" sz="2800" dirty="0">
+                <a:solidFill>
+                  <a:srgbClr val="00B050"/>
+                </a:solidFill>
+                <a:latin typeface="Consolas" panose="020B0609020204030204" pitchFamily="49" charset="0"/>
+                <a:cs typeface="Arial" panose="020B0604020202020204" pitchFamily="34" charset="0"/>
+              </a:rPr>
+              <a:t> é a sessão de abertura?”</a:t>
             </a:r>
           </a:p>
         </p:txBody>
@@ -5233,10 +5252,170 @@
           </a:p>
         </p:txBody>
       </p:sp>
+      <p:sp>
+        <p:nvSpPr>
+          <p:cNvPr id="15" name="Retângulo 14">
+            <a:extLst>
+              <a:ext uri="{FF2B5EF4-FFF2-40B4-BE49-F238E27FC236}">
+                <a16:creationId xmlns:a16="http://schemas.microsoft.com/office/drawing/2014/main" id="{A27331D7-D155-485C-BF8E-E852ED1FAF72}"/>
+              </a:ext>
+            </a:extLst>
+          </p:cNvPr>
+          <p:cNvSpPr/>
+          <p:nvPr/>
+        </p:nvSpPr>
+        <p:spPr>
+          <a:xfrm>
+            <a:off x="4228295" y="4742111"/>
+            <a:ext cx="2211414" cy="1077218"/>
+          </a:xfrm>
+          <a:prstGeom prst="rect">
+            <a:avLst/>
+          </a:prstGeom>
+        </p:spPr>
+        <p:txBody>
+          <a:bodyPr wrap="square" numCol="1">
+            <a:spAutoFit/>
+          </a:bodyPr>
+          <a:lstStyle/>
+          <a:p>
+            <a:r>
+              <a:rPr lang="pt-PT" sz="1600" dirty="0">
+                <a:solidFill>
+                  <a:schemeClr val="accent1">
+                    <a:lumMod val="50000"/>
+                  </a:schemeClr>
+                </a:solidFill>
+                <a:latin typeface="Consolas" panose="020B0609020204030204" pitchFamily="49" charset="0"/>
+              </a:rPr>
+              <a:t>Qual → Objeto </a:t>
+            </a:r>
+          </a:p>
+          <a:p>
+            <a:r>
+              <a:rPr lang="pt-PT" sz="1600" dirty="0">
+                <a:solidFill>
+                  <a:schemeClr val="accent1">
+                    <a:lumMod val="50000"/>
+                  </a:schemeClr>
+                </a:solidFill>
+                <a:latin typeface="Consolas" panose="020B0609020204030204" pitchFamily="49" charset="0"/>
+              </a:rPr>
+              <a:t>Em que → Objeto </a:t>
+            </a:r>
+          </a:p>
+          <a:p>
+            <a:r>
+              <a:rPr lang="pt-PT" sz="1600" dirty="0">
+                <a:solidFill>
+                  <a:schemeClr val="accent1">
+                    <a:lumMod val="50000"/>
+                  </a:schemeClr>
+                </a:solidFill>
+                <a:latin typeface="Consolas" panose="020B0609020204030204" pitchFamily="49" charset="0"/>
+              </a:rPr>
+              <a:t>Quais → Objeto </a:t>
+            </a:r>
+          </a:p>
+          <a:p>
+            <a:r>
+              <a:rPr lang="pt-PT" sz="1600" dirty="0">
+                <a:solidFill>
+                  <a:schemeClr val="accent1">
+                    <a:lumMod val="50000"/>
+                  </a:schemeClr>
+                </a:solidFill>
+                <a:latin typeface="Consolas" panose="020B0609020204030204" pitchFamily="49" charset="0"/>
+              </a:rPr>
+              <a:t>O que → Objeto </a:t>
+            </a:r>
+          </a:p>
+        </p:txBody>
+      </p:sp>
+      <p:sp>
+        <p:nvSpPr>
+          <p:cNvPr id="16" name="Retângulo 15">
+            <a:extLst>
+              <a:ext uri="{FF2B5EF4-FFF2-40B4-BE49-F238E27FC236}">
+                <a16:creationId xmlns:a16="http://schemas.microsoft.com/office/drawing/2014/main" id="{4EFDBA69-EB38-4D1A-9E9F-D9CABC66FF15}"/>
+              </a:ext>
+            </a:extLst>
+          </p:cNvPr>
+          <p:cNvSpPr/>
+          <p:nvPr/>
+        </p:nvSpPr>
+        <p:spPr>
+          <a:xfrm>
+            <a:off x="1598585" y="4724400"/>
+            <a:ext cx="2211415" cy="1077218"/>
+          </a:xfrm>
+          <a:prstGeom prst="rect">
+            <a:avLst/>
+          </a:prstGeom>
+        </p:spPr>
+        <p:txBody>
+          <a:bodyPr wrap="square" numCol="1">
+            <a:spAutoFit/>
+          </a:bodyPr>
+          <a:lstStyle/>
+          <a:p>
+            <a:r>
+              <a:rPr lang="pt-PT" sz="1600" dirty="0">
+                <a:solidFill>
+                  <a:schemeClr val="accent1">
+                    <a:lumMod val="50000"/>
+                  </a:schemeClr>
+                </a:solidFill>
+                <a:latin typeface="Consolas" panose="020B0609020204030204" pitchFamily="49" charset="0"/>
+              </a:rPr>
+              <a:t>Quem → Pessoal </a:t>
+            </a:r>
+          </a:p>
+          <a:p>
+            <a:r>
+              <a:rPr lang="pt-PT" sz="1600" dirty="0">
+                <a:solidFill>
+                  <a:schemeClr val="accent1">
+                    <a:lumMod val="50000"/>
+                  </a:schemeClr>
+                </a:solidFill>
+                <a:latin typeface="Consolas" panose="020B0609020204030204" pitchFamily="49" charset="0"/>
+              </a:rPr>
+              <a:t>Quando → Temporal </a:t>
+            </a:r>
+          </a:p>
+          <a:p>
+            <a:r>
+              <a:rPr lang="pt-PT" sz="1600" dirty="0">
+                <a:solidFill>
+                  <a:schemeClr val="accent1">
+                    <a:lumMod val="50000"/>
+                  </a:schemeClr>
+                </a:solidFill>
+                <a:latin typeface="Consolas" panose="020B0609020204030204" pitchFamily="49" charset="0"/>
+              </a:rPr>
+              <a:t>Onde → Local </a:t>
+            </a:r>
+          </a:p>
+          <a:p>
+            <a:r>
+              <a:rPr lang="pt-PT" sz="1600" dirty="0">
+                <a:solidFill>
+                  <a:schemeClr val="accent1">
+                    <a:lumMod val="50000"/>
+                  </a:schemeClr>
+                </a:solidFill>
+                <a:latin typeface="Consolas" panose="020B0609020204030204" pitchFamily="49" charset="0"/>
+              </a:rPr>
+              <a:t>Quantos → Numeral </a:t>
+            </a:r>
+          </a:p>
+        </p:txBody>
+      </p:sp>
     </p:spTree>
     <p:extLst>
       <p:ext uri="{BB962C8B-B14F-4D97-AF65-F5344CB8AC3E}">
-        <p14:creationId xmlns:p14="http://schemas.microsoft.com/office/powerpoint/2010/main" val="1095630818"/>
+        <p14:creationId xmlns:p14="http://schemas.microsoft.com/office/powerpoint/2010/main" val="3568784007"/>
       </p:ext>
     </p:extLst>
   </p:cSld>
@@ -5942,6 +6121,50 @@
       </p:sp>
       <p:sp>
         <p:nvSpPr>
+          <p:cNvPr id="34" name="CaixaDeTexto 33">
+            <a:extLst>
+              <a:ext uri="{FF2B5EF4-FFF2-40B4-BE49-F238E27FC236}">
+                <a16:creationId xmlns:a16="http://schemas.microsoft.com/office/drawing/2014/main" id="{725B04F0-0439-4BF4-802D-1577B5CFC04B}"/>
+              </a:ext>
+            </a:extLst>
+          </p:cNvPr>
+          <p:cNvSpPr txBox="1"/>
+          <p:nvPr/>
+        </p:nvSpPr>
+        <p:spPr>
+          <a:xfrm>
+            <a:off x="1461575" y="4038600"/>
+            <a:ext cx="1466850" cy="369332"/>
+          </a:xfrm>
+          <a:prstGeom prst="rect">
+            <a:avLst/>
+          </a:prstGeom>
+          <a:noFill/>
+        </p:spPr>
+        <p:txBody>
+          <a:bodyPr wrap="square" rtlCol="0" anchor="ctr">
+            <a:spAutoFit/>
+          </a:bodyPr>
+          <a:lstStyle/>
+          <a:p>
+            <a:pPr algn="ctr"/>
+            <a:r>
+              <a:rPr lang="pt-PT" dirty="0">
+                <a:solidFill>
+                  <a:schemeClr val="accent1">
+                    <a:lumMod val="50000"/>
+                  </a:schemeClr>
+                </a:solidFill>
+                <a:latin typeface="Consolas" panose="020B0609020204030204" pitchFamily="49" charset="0"/>
+                <a:cs typeface="Arial" panose="020B0604020202020204" pitchFamily="34" charset="0"/>
+              </a:rPr>
+              <a:t>temporal</a:t>
+            </a:r>
+          </a:p>
+        </p:txBody>
+      </p:sp>
+      <p:sp>
+        <p:nvSpPr>
           <p:cNvPr id="37" name="Parêntese direito 36">
             <a:extLst>
               <a:ext uri="{FF2B5EF4-FFF2-40B4-BE49-F238E27FC236}">
@@ -6108,13 +6331,33 @@
             <a:r>
               <a:rPr lang="pt-PT" sz="1600" dirty="0">
                 <a:solidFill>
+                  <a:srgbClr val="C85C57"/>
+                </a:solidFill>
+                <a:latin typeface="Consolas" panose="020B0609020204030204" pitchFamily="49" charset="0"/>
+              </a:rPr>
+              <a:t>Quando → Temporal</a:t>
+            </a:r>
+            <a:r>
+              <a:rPr lang="pt-PT" sz="1600" dirty="0">
+                <a:solidFill>
+                  <a:srgbClr val="C00000"/>
+                </a:solidFill>
+                <a:latin typeface="Consolas" panose="020B0609020204030204" pitchFamily="49" charset="0"/>
+              </a:rPr>
+              <a:t> </a:t>
+            </a:r>
+          </a:p>
+          <a:p>
+            <a:r>
+              <a:rPr lang="pt-PT" sz="1600" dirty="0">
+                <a:solidFill>
                   <a:schemeClr val="accent1">
                     <a:lumMod val="50000"/>
                   </a:schemeClr>
                 </a:solidFill>
                 <a:latin typeface="Consolas" panose="020B0609020204030204" pitchFamily="49" charset="0"/>
               </a:rPr>
-              <a:t>Quando → Temporal </a:t>
+              <a:t>Onde → Local </a:t>
             </a:r>
           </a:p>
           <a:p>
@@ -6127,19 +6370,6 @@
                 </a:solidFill>
                 <a:latin typeface="Consolas" panose="020B0609020204030204" pitchFamily="49" charset="0"/>
               </a:rPr>
-              <a:t>Onde → Local </a:t>
-            </a:r>
-          </a:p>
-          <a:p>
-            <a:r>
-              <a:rPr lang="pt-PT" sz="1600" dirty="0">
-                <a:solidFill>
-                  <a:schemeClr val="accent1">
-                    <a:lumMod val="50000"/>
-                  </a:schemeClr>
-                </a:solidFill>
-                <a:latin typeface="Consolas" panose="020B0609020204030204" pitchFamily="49" charset="0"/>
-              </a:rPr>
               <a:t>Quantos → Numeral </a:t>
             </a:r>
           </a:p>
@@ -6148,7 +6378,7 @@
     </p:spTree>
     <p:extLst>
       <p:ext uri="{BB962C8B-B14F-4D97-AF65-F5344CB8AC3E}">
-        <p14:creationId xmlns:p14="http://schemas.microsoft.com/office/powerpoint/2010/main" val="3568784007"/>
+        <p14:creationId xmlns:p14="http://schemas.microsoft.com/office/powerpoint/2010/main" val="429375825"/>
       </p:ext>
     </p:extLst>
   </p:cSld>
@@ -6371,7 +6601,7 @@
                 <a:latin typeface="Consolas" panose="020B0609020204030204" pitchFamily="49" charset="0"/>
                 <a:cs typeface="Arial" panose="020B0604020202020204" pitchFamily="34" charset="0"/>
               </a:rPr>
-              <a:t>“</a:t>
+              <a:t>“Quando é a </a:t>
             </a:r>
             <a:r>
               <a:rPr lang="pt-PT" sz="2800" dirty="0">
@@ -6381,7 +6611,7 @@
                 <a:latin typeface="Consolas" panose="020B0609020204030204" pitchFamily="49" charset="0"/>
                 <a:cs typeface="Arial" panose="020B0604020202020204" pitchFamily="34" charset="0"/>
               </a:rPr>
-              <a:t>Quando</a:t>
+              <a:t>sessão de abertura</a:t>
             </a:r>
             <a:r>
               <a:rPr lang="pt-PT" sz="2800" dirty="0">
@@ -6391,7 +6621,7 @@
                 <a:latin typeface="Consolas" panose="020B0609020204030204" pitchFamily="49" charset="0"/>
                 <a:cs typeface="Arial" panose="020B0604020202020204" pitchFamily="34" charset="0"/>
               </a:rPr>
-              <a:t> é a sessão de abertura?”</a:t>
+              <a:t>?”</a:t>
             </a:r>
           </a:p>
         </p:txBody>
@@ -6854,50 +7084,6 @@
       </p:sp>
       <p:sp>
         <p:nvSpPr>
-          <p:cNvPr id="34" name="CaixaDeTexto 33">
-            <a:extLst>
-              <a:ext uri="{FF2B5EF4-FFF2-40B4-BE49-F238E27FC236}">
-                <a16:creationId xmlns:a16="http://schemas.microsoft.com/office/drawing/2014/main" id="{725B04F0-0439-4BF4-802D-1577B5CFC04B}"/>
-              </a:ext>
-            </a:extLst>
-          </p:cNvPr>
-          <p:cNvSpPr txBox="1"/>
-          <p:nvPr/>
-        </p:nvSpPr>
-        <p:spPr>
-          <a:xfrm>
-            <a:off x="1461575" y="4038600"/>
-            <a:ext cx="1466850" cy="369332"/>
-          </a:xfrm>
-          <a:prstGeom prst="rect">
-            <a:avLst/>
-          </a:prstGeom>
-          <a:noFill/>
-        </p:spPr>
-        <p:txBody>
-          <a:bodyPr wrap="square" rtlCol="0" anchor="ctr">
-            <a:spAutoFit/>
-          </a:bodyPr>
-          <a:lstStyle/>
-          <a:p>
-            <a:pPr algn="ctr"/>
-            <a:r>
-              <a:rPr lang="pt-PT" dirty="0">
-                <a:solidFill>
-                  <a:schemeClr val="accent1">
-                    <a:lumMod val="50000"/>
-                  </a:schemeClr>
-                </a:solidFill>
-                <a:latin typeface="Consolas" panose="020B0609020204030204" pitchFamily="49" charset="0"/>
-                <a:cs typeface="Arial" panose="020B0604020202020204" pitchFamily="34" charset="0"/>
-              </a:rPr>
-              <a:t>temporal</a:t>
-            </a:r>
-          </a:p>
-        </p:txBody>
-      </p:sp>
-      <p:sp>
-        <p:nvSpPr>
           <p:cNvPr id="37" name="Parêntese direito 36">
             <a:extLst>
               <a:ext uri="{FF2B5EF4-FFF2-40B4-BE49-F238E27FC236}">
@@ -6955,8 +7141,8 @@
         </p:nvSpPr>
         <p:spPr>
           <a:xfrm>
-            <a:off x="4228295" y="4742111"/>
-            <a:ext cx="2211414" cy="1077218"/>
+            <a:off x="5829302" y="5013805"/>
+            <a:ext cx="1373214" cy="830997"/>
           </a:xfrm>
           <a:prstGeom prst="rect">
             <a:avLst/>
@@ -6977,7 +7163,7 @@
                 </a:solidFill>
                 <a:latin typeface="Consolas" panose="020B0609020204030204" pitchFamily="49" charset="0"/>
               </a:rPr>
-              <a:t>Qual → Objeto </a:t>
+              <a:t>Descrição</a:t>
             </a:r>
           </a:p>
           <a:p>
@@ -6990,7 +7176,7 @@
                 </a:solidFill>
                 <a:latin typeface="Consolas" panose="020B0609020204030204" pitchFamily="49" charset="0"/>
               </a:rPr>
-              <a:t>Em que → Objeto </a:t>
+              <a:t>Oradores</a:t>
             </a:r>
           </a:p>
           <a:p>
@@ -7003,20 +7189,7 @@
                 </a:solidFill>
                 <a:latin typeface="Consolas" panose="020B0609020204030204" pitchFamily="49" charset="0"/>
               </a:rPr>
-              <a:t>Quais → Objeto </a:t>
-            </a:r>
-          </a:p>
-          <a:p>
-            <a:r>
-              <a:rPr lang="pt-PT" sz="1600" dirty="0">
-                <a:solidFill>
-                  <a:schemeClr val="accent1">
-                    <a:lumMod val="50000"/>
-                  </a:schemeClr>
-                </a:solidFill>
-                <a:latin typeface="Consolas" panose="020B0609020204030204" pitchFamily="49" charset="0"/>
-              </a:rPr>
-              <a:t>O que → Objeto </a:t>
+              <a:t>Requisitos</a:t>
             </a:r>
           </a:p>
         </p:txBody>
@@ -7035,8 +7208,8 @@
         </p:nvSpPr>
         <p:spPr>
           <a:xfrm>
-            <a:off x="1598585" y="4724400"/>
-            <a:ext cx="2211415" cy="1077218"/>
+            <a:off x="3274986" y="5013805"/>
+            <a:ext cx="1373214" cy="830997"/>
           </a:xfrm>
           <a:prstGeom prst="rect">
             <a:avLst/>
@@ -7057,27 +7230,7 @@
                 </a:solidFill>
                 <a:latin typeface="Consolas" panose="020B0609020204030204" pitchFamily="49" charset="0"/>
               </a:rPr>
-              <a:t>Quem → Pessoal </a:t>
-            </a:r>
-          </a:p>
-          <a:p>
-            <a:r>
-              <a:rPr lang="pt-PT" sz="1600" dirty="0">
-                <a:solidFill>
-                  <a:srgbClr val="C85C57"/>
-                </a:solidFill>
-                <a:latin typeface="Consolas" panose="020B0609020204030204" pitchFamily="49" charset="0"/>
-              </a:rPr>
-              <a:t>Quando → Temporal</a:t>
-            </a:r>
-            <a:r>
-              <a:rPr lang="pt-PT" sz="1600" dirty="0">
-                <a:solidFill>
-                  <a:srgbClr val="C00000"/>
-                </a:solidFill>
-                <a:latin typeface="Consolas" panose="020B0609020204030204" pitchFamily="49" charset="0"/>
-              </a:rPr>
-              <a:t> </a:t>
+              <a:t>Atividade</a:t>
             </a:r>
           </a:p>
           <a:p>
@@ -7090,7 +7243,7 @@
                 </a:solidFill>
                 <a:latin typeface="Consolas" panose="020B0609020204030204" pitchFamily="49" charset="0"/>
               </a:rPr>
-              <a:t>Onde → Local </a:t>
+              <a:t>Tipo</a:t>
             </a:r>
           </a:p>
           <a:p>
@@ -7103,7 +7256,118 @@
                 </a:solidFill>
                 <a:latin typeface="Consolas" panose="020B0609020204030204" pitchFamily="49" charset="0"/>
               </a:rPr>
-              <a:t>Quantos → Numeral </a:t>
+              <a:t>Local</a:t>
+            </a:r>
+          </a:p>
+        </p:txBody>
+      </p:sp>
+      <p:sp>
+        <p:nvSpPr>
+          <p:cNvPr id="17" name="Retângulo 16">
+            <a:extLst>
+              <a:ext uri="{FF2B5EF4-FFF2-40B4-BE49-F238E27FC236}">
+                <a16:creationId xmlns:a16="http://schemas.microsoft.com/office/drawing/2014/main" id="{5E974A14-33B7-4266-A5FC-3AADAC5C5C0E}"/>
+              </a:ext>
+            </a:extLst>
+          </p:cNvPr>
+          <p:cNvSpPr/>
+          <p:nvPr/>
+        </p:nvSpPr>
+        <p:spPr>
+          <a:xfrm>
+            <a:off x="4724400" y="5029200"/>
+            <a:ext cx="990600" cy="830997"/>
+          </a:xfrm>
+          <a:prstGeom prst="rect">
+            <a:avLst/>
+          </a:prstGeom>
+        </p:spPr>
+        <p:txBody>
+          <a:bodyPr wrap="square" numCol="1">
+            <a:spAutoFit/>
+          </a:bodyPr>
+          <a:lstStyle/>
+          <a:p>
+            <a:r>
+              <a:rPr lang="pt-PT" sz="1600" dirty="0">
+                <a:solidFill>
+                  <a:schemeClr val="accent1">
+                    <a:lumMod val="50000"/>
+                  </a:schemeClr>
+                </a:solidFill>
+                <a:latin typeface="Consolas" panose="020B0609020204030204" pitchFamily="49" charset="0"/>
+              </a:rPr>
+              <a:t>Dia</a:t>
+            </a:r>
+          </a:p>
+          <a:p>
+            <a:r>
+              <a:rPr lang="pt-PT" sz="1600" dirty="0">
+                <a:solidFill>
+                  <a:schemeClr val="accent1">
+                    <a:lumMod val="50000"/>
+                  </a:schemeClr>
+                </a:solidFill>
+                <a:latin typeface="Consolas" panose="020B0609020204030204" pitchFamily="49" charset="0"/>
+              </a:rPr>
+              <a:t>Início</a:t>
+            </a:r>
+          </a:p>
+          <a:p>
+            <a:r>
+              <a:rPr lang="pt-PT" sz="1600" dirty="0">
+                <a:solidFill>
+                  <a:schemeClr val="accent1">
+                    <a:lumMod val="50000"/>
+                  </a:schemeClr>
+                </a:solidFill>
+                <a:latin typeface="Consolas" panose="020B0609020204030204" pitchFamily="49" charset="0"/>
+              </a:rPr>
+              <a:t>Fim</a:t>
+            </a:r>
+          </a:p>
+        </p:txBody>
+      </p:sp>
+      <p:sp>
+        <p:nvSpPr>
+          <p:cNvPr id="18" name="CaixaDeTexto 17">
+            <a:extLst>
+              <a:ext uri="{FF2B5EF4-FFF2-40B4-BE49-F238E27FC236}">
+                <a16:creationId xmlns:a16="http://schemas.microsoft.com/office/drawing/2014/main" id="{43C190B6-581F-4A99-B98F-41A6A0969016}"/>
+              </a:ext>
+            </a:extLst>
+          </p:cNvPr>
+          <p:cNvSpPr txBox="1"/>
+          <p:nvPr/>
+        </p:nvSpPr>
+        <p:spPr>
+          <a:xfrm>
+            <a:off x="1461575" y="4038600"/>
+            <a:ext cx="1466850" cy="369332"/>
+          </a:xfrm>
+          <a:prstGeom prst="rect">
+            <a:avLst/>
+          </a:prstGeom>
+          <a:noFill/>
+        </p:spPr>
+        <p:txBody>
+          <a:bodyPr wrap="square" rtlCol="0" anchor="ctr">
+            <a:spAutoFit/>
+          </a:bodyPr>
+          <a:lstStyle/>
+          <a:p>
+            <a:pPr algn="ctr"/>
+            <a:r>
+              <a:rPr lang="pt-PT" dirty="0">
+                <a:solidFill>
+                  <a:schemeClr val="accent1">
+                    <a:lumMod val="50000"/>
+                  </a:schemeClr>
+                </a:solidFill>
+                <a:latin typeface="Consolas" panose="020B0609020204030204" pitchFamily="49" charset="0"/>
+                <a:cs typeface="Arial" panose="020B0604020202020204" pitchFamily="34" charset="0"/>
+              </a:rPr>
+              <a:t>temporal</a:t>
             </a:r>
           </a:p>
         </p:txBody>
@@ -7111,7 +7375,7 @@
     </p:spTree>
     <p:extLst>
       <p:ext uri="{BB962C8B-B14F-4D97-AF65-F5344CB8AC3E}">
-        <p14:creationId xmlns:p14="http://schemas.microsoft.com/office/powerpoint/2010/main" val="429375825"/>
+        <p14:creationId xmlns:p14="http://schemas.microsoft.com/office/powerpoint/2010/main" val="3271280240"/>
       </p:ext>
     </p:extLst>
   </p:cSld>
@@ -7957,1003 +8221,6 @@
             <a:r>
               <a:rPr lang="pt-PT" sz="1600" dirty="0">
                 <a:solidFill>
-                  <a:schemeClr val="accent1">
-                    <a:lumMod val="50000"/>
-                  </a:schemeClr>
-                </a:solidFill>
-                <a:latin typeface="Consolas" panose="020B0609020204030204" pitchFamily="49" charset="0"/>
-              </a:rPr>
-              <a:t>Atividade</a:t>
-            </a:r>
-          </a:p>
-          <a:p>
-            <a:r>
-              <a:rPr lang="pt-PT" sz="1600" dirty="0">
-                <a:solidFill>
-                  <a:schemeClr val="accent1">
-                    <a:lumMod val="50000"/>
-                  </a:schemeClr>
-                </a:solidFill>
-                <a:latin typeface="Consolas" panose="020B0609020204030204" pitchFamily="49" charset="0"/>
-              </a:rPr>
-              <a:t>Tipo</a:t>
-            </a:r>
-          </a:p>
-          <a:p>
-            <a:r>
-              <a:rPr lang="pt-PT" sz="1600" dirty="0">
-                <a:solidFill>
-                  <a:schemeClr val="accent1">
-                    <a:lumMod val="50000"/>
-                  </a:schemeClr>
-                </a:solidFill>
-                <a:latin typeface="Consolas" panose="020B0609020204030204" pitchFamily="49" charset="0"/>
-              </a:rPr>
-              <a:t>Local</a:t>
-            </a:r>
-          </a:p>
-        </p:txBody>
-      </p:sp>
-      <p:sp>
-        <p:nvSpPr>
-          <p:cNvPr id="17" name="Retângulo 16">
-            <a:extLst>
-              <a:ext uri="{FF2B5EF4-FFF2-40B4-BE49-F238E27FC236}">
-                <a16:creationId xmlns:a16="http://schemas.microsoft.com/office/drawing/2014/main" id="{5E974A14-33B7-4266-A5FC-3AADAC5C5C0E}"/>
-              </a:ext>
-            </a:extLst>
-          </p:cNvPr>
-          <p:cNvSpPr/>
-          <p:nvPr/>
-        </p:nvSpPr>
-        <p:spPr>
-          <a:xfrm>
-            <a:off x="4724400" y="5029200"/>
-            <a:ext cx="990600" cy="830997"/>
-          </a:xfrm>
-          <a:prstGeom prst="rect">
-            <a:avLst/>
-          </a:prstGeom>
-        </p:spPr>
-        <p:txBody>
-          <a:bodyPr wrap="square" numCol="1">
-            <a:spAutoFit/>
-          </a:bodyPr>
-          <a:lstStyle/>
-          <a:p>
-            <a:r>
-              <a:rPr lang="pt-PT" sz="1600" dirty="0">
-                <a:solidFill>
-                  <a:schemeClr val="accent1">
-                    <a:lumMod val="50000"/>
-                  </a:schemeClr>
-                </a:solidFill>
-                <a:latin typeface="Consolas" panose="020B0609020204030204" pitchFamily="49" charset="0"/>
-              </a:rPr>
-              <a:t>Dia</a:t>
-            </a:r>
-          </a:p>
-          <a:p>
-            <a:r>
-              <a:rPr lang="pt-PT" sz="1600" dirty="0">
-                <a:solidFill>
-                  <a:schemeClr val="accent1">
-                    <a:lumMod val="50000"/>
-                  </a:schemeClr>
-                </a:solidFill>
-                <a:latin typeface="Consolas" panose="020B0609020204030204" pitchFamily="49" charset="0"/>
-              </a:rPr>
-              <a:t>Início</a:t>
-            </a:r>
-          </a:p>
-          <a:p>
-            <a:r>
-              <a:rPr lang="pt-PT" sz="1600" dirty="0">
-                <a:solidFill>
-                  <a:schemeClr val="accent1">
-                    <a:lumMod val="50000"/>
-                  </a:schemeClr>
-                </a:solidFill>
-                <a:latin typeface="Consolas" panose="020B0609020204030204" pitchFamily="49" charset="0"/>
-              </a:rPr>
-              <a:t>Fim</a:t>
-            </a:r>
-          </a:p>
-        </p:txBody>
-      </p:sp>
-      <p:sp>
-        <p:nvSpPr>
-          <p:cNvPr id="18" name="CaixaDeTexto 17">
-            <a:extLst>
-              <a:ext uri="{FF2B5EF4-FFF2-40B4-BE49-F238E27FC236}">
-                <a16:creationId xmlns:a16="http://schemas.microsoft.com/office/drawing/2014/main" id="{43C190B6-581F-4A99-B98F-41A6A0969016}"/>
-              </a:ext>
-            </a:extLst>
-          </p:cNvPr>
-          <p:cNvSpPr txBox="1"/>
-          <p:nvPr/>
-        </p:nvSpPr>
-        <p:spPr>
-          <a:xfrm>
-            <a:off x="1461575" y="4038600"/>
-            <a:ext cx="1466850" cy="369332"/>
-          </a:xfrm>
-          <a:prstGeom prst="rect">
-            <a:avLst/>
-          </a:prstGeom>
-          <a:noFill/>
-        </p:spPr>
-        <p:txBody>
-          <a:bodyPr wrap="square" rtlCol="0" anchor="ctr">
-            <a:spAutoFit/>
-          </a:bodyPr>
-          <a:lstStyle/>
-          <a:p>
-            <a:pPr algn="ctr"/>
-            <a:r>
-              <a:rPr lang="pt-PT" dirty="0">
-                <a:solidFill>
-                  <a:schemeClr val="accent1">
-                    <a:lumMod val="50000"/>
-                  </a:schemeClr>
-                </a:solidFill>
-                <a:latin typeface="Consolas" panose="020B0609020204030204" pitchFamily="49" charset="0"/>
-                <a:cs typeface="Arial" panose="020B0604020202020204" pitchFamily="34" charset="0"/>
-              </a:rPr>
-              <a:t>temporal</a:t>
-            </a:r>
-          </a:p>
-        </p:txBody>
-      </p:sp>
-    </p:spTree>
-    <p:extLst>
-      <p:ext uri="{BB962C8B-B14F-4D97-AF65-F5344CB8AC3E}">
-        <p14:creationId xmlns:p14="http://schemas.microsoft.com/office/powerpoint/2010/main" val="3271280240"/>
-      </p:ext>
-    </p:extLst>
-  </p:cSld>
-  <p:clrMapOvr>
-    <a:masterClrMapping/>
-  </p:clrMapOvr>
-</p:sld>
-</file>
-
-<file path=ppt/slides/slide14.xml><?xml version="1.0" encoding="utf-8"?>
-<p:sld xmlns:a="http://schemas.openxmlformats.org/drawingml/2006/main" xmlns:r="http://schemas.openxmlformats.org/officeDocument/2006/relationships" xmlns:p="http://schemas.openxmlformats.org/presentationml/2006/main">
-  <p:cSld>
-    <p:spTree>
-      <p:nvGrpSpPr>
-        <p:cNvPr id="1" name=""/>
-        <p:cNvGrpSpPr/>
-        <p:nvPr/>
-      </p:nvGrpSpPr>
-      <p:grpSpPr>
-        <a:xfrm>
-          <a:off x="0" y="0"/>
-          <a:ext cx="0" cy="0"/>
-          <a:chOff x="0" y="0"/>
-          <a:chExt cx="0" cy="0"/>
-        </a:xfrm>
-      </p:grpSpPr>
-      <p:sp>
-        <p:nvSpPr>
-          <p:cNvPr id="2" name="object 2"/>
-          <p:cNvSpPr/>
-          <p:nvPr/>
-        </p:nvSpPr>
-        <p:spPr>
-          <a:xfrm>
-            <a:off x="0" y="0"/>
-            <a:ext cx="9144000" cy="6858000"/>
-          </a:xfrm>
-          <a:custGeom>
-            <a:avLst/>
-            <a:gdLst/>
-            <a:ahLst/>
-            <a:cxnLst/>
-            <a:rect l="l" t="t" r="r" b="b"/>
-            <a:pathLst>
-              <a:path w="9144000" h="6858000">
-                <a:moveTo>
-                  <a:pt x="0" y="6857995"/>
-                </a:moveTo>
-                <a:lnTo>
-                  <a:pt x="9144000" y="6857995"/>
-                </a:lnTo>
-                <a:lnTo>
-                  <a:pt x="9144000" y="0"/>
-                </a:lnTo>
-                <a:lnTo>
-                  <a:pt x="0" y="0"/>
-                </a:lnTo>
-                <a:lnTo>
-                  <a:pt x="0" y="6857995"/>
-                </a:lnTo>
-                <a:close/>
-              </a:path>
-            </a:pathLst>
-          </a:custGeom>
-          <a:solidFill>
-            <a:srgbClr val="38505F"/>
-          </a:solidFill>
-        </p:spPr>
-        <p:txBody>
-          <a:bodyPr wrap="square" lIns="0" tIns="0" rIns="0" bIns="0" rtlCol="0"/>
-          <a:lstStyle/>
-          <a:p>
-            <a:endParaRPr dirty="0"/>
-          </a:p>
-        </p:txBody>
-      </p:sp>
-      <p:sp>
-        <p:nvSpPr>
-          <p:cNvPr id="9" name="object 2">
-            <a:extLst>
-              <a:ext uri="{FF2B5EF4-FFF2-40B4-BE49-F238E27FC236}">
-                <a16:creationId xmlns:a16="http://schemas.microsoft.com/office/drawing/2014/main" id="{6269163D-7BA6-4DE7-BEBD-994E4C71EE95}"/>
-              </a:ext>
-            </a:extLst>
-          </p:cNvPr>
-          <p:cNvSpPr txBox="1">
-            <a:spLocks noGrp="1"/>
-          </p:cNvSpPr>
-          <p:nvPr>
-            <p:ph type="title"/>
-          </p:nvPr>
-        </p:nvSpPr>
-        <p:spPr>
-          <a:xfrm>
-            <a:off x="3171825" y="290017"/>
-            <a:ext cx="2914650" cy="461023"/>
-          </a:xfrm>
-          <a:prstGeom prst="rect">
-            <a:avLst/>
-          </a:prstGeom>
-        </p:spPr>
-        <p:txBody>
-          <a:bodyPr vert="horz" wrap="square" lIns="0" tIns="14604" rIns="0" bIns="0" rtlCol="0">
-            <a:spAutoFit/>
-          </a:bodyPr>
-          <a:lstStyle/>
-          <a:p>
-            <a:pPr marL="12700" algn="l">
-              <a:lnSpc>
-                <a:spcPct val="100000"/>
-              </a:lnSpc>
-              <a:spcBef>
-                <a:spcPts val="114"/>
-              </a:spcBef>
-            </a:pPr>
-            <a:r>
-              <a:rPr lang="pt-PT" spc="-185" dirty="0">
-                <a:solidFill>
-                  <a:schemeClr val="bg1"/>
-                </a:solidFill>
-              </a:rPr>
-              <a:t>Frase exemplo</a:t>
-            </a:r>
-            <a:endParaRPr spc="-185" dirty="0">
-              <a:solidFill>
-                <a:schemeClr val="bg1"/>
-              </a:solidFill>
-            </a:endParaRPr>
-          </a:p>
-        </p:txBody>
-      </p:sp>
-      <p:sp>
-        <p:nvSpPr>
-          <p:cNvPr id="8" name="Retângulo: Cantos Arredondados 7">
-            <a:extLst>
-              <a:ext uri="{FF2B5EF4-FFF2-40B4-BE49-F238E27FC236}">
-                <a16:creationId xmlns:a16="http://schemas.microsoft.com/office/drawing/2014/main" id="{3C45E504-FB1A-48F4-A766-975714195E17}"/>
-              </a:ext>
-            </a:extLst>
-          </p:cNvPr>
-          <p:cNvSpPr/>
-          <p:nvPr/>
-        </p:nvSpPr>
-        <p:spPr>
-          <a:xfrm>
-            <a:off x="419100" y="932296"/>
-            <a:ext cx="8420100" cy="5392304"/>
-          </a:xfrm>
-          <a:prstGeom prst="roundRect">
-            <a:avLst/>
-          </a:prstGeom>
-          <a:solidFill>
-            <a:srgbClr val="DDDDDD"/>
-          </a:solidFill>
-          <a:ln>
-            <a:solidFill>
-              <a:srgbClr val="38505F"/>
-            </a:solidFill>
-          </a:ln>
-        </p:spPr>
-        <p:style>
-          <a:lnRef idx="2">
-            <a:schemeClr val="accent1">
-              <a:shade val="50000"/>
-            </a:schemeClr>
-          </a:lnRef>
-          <a:fillRef idx="1">
-            <a:schemeClr val="accent1"/>
-          </a:fillRef>
-          <a:effectRef idx="0">
-            <a:schemeClr val="accent1"/>
-          </a:effectRef>
-          <a:fontRef idx="minor">
-            <a:schemeClr val="lt1"/>
-          </a:fontRef>
-        </p:style>
-        <p:txBody>
-          <a:bodyPr rtlCol="0" anchor="ctr"/>
-          <a:lstStyle/>
-          <a:p>
-            <a:pPr algn="ctr"/>
-            <a:endParaRPr lang="pt-PT" dirty="0"/>
-          </a:p>
-        </p:txBody>
-      </p:sp>
-      <p:sp>
-        <p:nvSpPr>
-          <p:cNvPr id="7" name="CaixaDeTexto 6">
-            <a:extLst>
-              <a:ext uri="{FF2B5EF4-FFF2-40B4-BE49-F238E27FC236}">
-                <a16:creationId xmlns:a16="http://schemas.microsoft.com/office/drawing/2014/main" id="{84725617-FF18-4130-A845-0C3F25166607}"/>
-              </a:ext>
-            </a:extLst>
-          </p:cNvPr>
-          <p:cNvSpPr txBox="1"/>
-          <p:nvPr/>
-        </p:nvSpPr>
-        <p:spPr>
-          <a:xfrm>
-            <a:off x="361950" y="3458536"/>
-            <a:ext cx="8420100" cy="523220"/>
-          </a:xfrm>
-          <a:prstGeom prst="rect">
-            <a:avLst/>
-          </a:prstGeom>
-          <a:noFill/>
-        </p:spPr>
-        <p:txBody>
-          <a:bodyPr wrap="square" rtlCol="0" anchor="ctr">
-            <a:spAutoFit/>
-          </a:bodyPr>
-          <a:lstStyle/>
-          <a:p>
-            <a:pPr algn="ctr"/>
-            <a:r>
-              <a:rPr lang="pt-PT" sz="2800" dirty="0">
-                <a:solidFill>
-                  <a:srgbClr val="00B050"/>
-                </a:solidFill>
-                <a:latin typeface="Consolas" panose="020B0609020204030204" pitchFamily="49" charset="0"/>
-                <a:cs typeface="Arial" panose="020B0604020202020204" pitchFamily="34" charset="0"/>
-              </a:rPr>
-              <a:t>“Quando é a </a:t>
-            </a:r>
-            <a:r>
-              <a:rPr lang="pt-PT" sz="2800" dirty="0">
-                <a:solidFill>
-                  <a:srgbClr val="C00000"/>
-                </a:solidFill>
-                <a:latin typeface="Consolas" panose="020B0609020204030204" pitchFamily="49" charset="0"/>
-                <a:cs typeface="Arial" panose="020B0604020202020204" pitchFamily="34" charset="0"/>
-              </a:rPr>
-              <a:t>sessão de abertura</a:t>
-            </a:r>
-            <a:r>
-              <a:rPr lang="pt-PT" sz="2800" dirty="0">
-                <a:solidFill>
-                  <a:srgbClr val="00B050"/>
-                </a:solidFill>
-                <a:latin typeface="Consolas" panose="020B0609020204030204" pitchFamily="49" charset="0"/>
-                <a:cs typeface="Arial" panose="020B0604020202020204" pitchFamily="34" charset="0"/>
-              </a:rPr>
-              <a:t>?”</a:t>
-            </a:r>
-          </a:p>
-        </p:txBody>
-      </p:sp>
-      <p:pic>
-        <p:nvPicPr>
-          <p:cNvPr id="14" name="Imagem 13">
-            <a:extLst>
-              <a:ext uri="{FF2B5EF4-FFF2-40B4-BE49-F238E27FC236}">
-                <a16:creationId xmlns:a16="http://schemas.microsoft.com/office/drawing/2014/main" id="{FB20CB1E-E90C-4757-BE49-959662789E67}"/>
-              </a:ext>
-            </a:extLst>
-          </p:cNvPr>
-          <p:cNvPicPr>
-            <a:picLocks noChangeAspect="1"/>
-          </p:cNvPicPr>
-          <p:nvPr/>
-        </p:nvPicPr>
-        <p:blipFill rotWithShape="1">
-          <a:blip r:embed="rId3">
-            <a:extLst>
-              <a:ext uri="{BEBA8EAE-BF5A-486C-A8C5-ECC9F3942E4B}">
-                <a14:imgProps xmlns:a14="http://schemas.microsoft.com/office/drawing/2010/main">
-                  <a14:imgLayer r:embed="rId4">
-                    <a14:imgEffect>
-                      <a14:backgroundRemoval t="4348" b="96377" l="9804" r="89216">
-                        <a14:foregroundMark x1="42327" y1="69077" x2="32353" y2="34058"/>
-                        <a14:foregroundMark x1="42896" y1="71074" x2="42719" y2="70452"/>
-                        <a14:foregroundMark x1="44280" y1="75933" x2="43980" y2="74878"/>
-                        <a14:foregroundMark x1="46078" y1="82246" x2="45495" y2="80198"/>
-                        <a14:foregroundMark x1="59321" y1="76635" x2="59774" y2="76294"/>
-                        <a14:foregroundMark x1="47059" y1="85870" x2="57454" y2="78041"/>
-                        <a14:foregroundMark x1="77585" y1="54932" x2="79085" y2="52899"/>
-                        <a14:foregroundMark x1="67413" y1="68715" x2="75327" y2="57991"/>
-                        <a14:foregroundMark x1="60784" y1="87319" x2="50327" y2="90217"/>
-                        <a14:foregroundMark x1="50327" y1="90217" x2="34009" y2="88071"/>
-                        <a14:foregroundMark x1="39542" y1="87681" x2="51634" y2="89493"/>
-                        <a14:foregroundMark x1="51634" y1="89493" x2="60131" y2="86957"/>
-                        <a14:foregroundMark x1="60131" y1="86957" x2="63072" y2="84058"/>
-                        <a14:foregroundMark x1="63072" y1="85870" x2="54902" y2="91667"/>
-                        <a14:foregroundMark x1="54902" y1="91667" x2="43137" y2="92029"/>
-                        <a14:foregroundMark x1="42157" y1="92391" x2="51634" y2="93116"/>
-                        <a14:foregroundMark x1="51634" y1="93116" x2="55556" y2="92029"/>
-                        <a14:foregroundMark x1="54902" y1="93841" x2="46405" y2="94928"/>
-                        <a14:foregroundMark x1="24749" y1="62028" x2="27778" y2="37681"/>
-                        <a14:foregroundMark x1="27778" y1="37681" x2="30392" y2="34058"/>
-                        <a14:foregroundMark x1="34448" y1="69561" x2="37908" y2="41304"/>
-                        <a14:foregroundMark x1="49520" y1="69784" x2="52614" y2="55797"/>
-                        <a14:foregroundMark x1="59125" y1="68788" x2="60131" y2="56522"/>
-                        <a14:foregroundMark x1="66018" y1="68736" x2="68627" y2="53986"/>
-                        <a14:foregroundMark x1="71518" y1="65483" x2="71242" y2="51087"/>
-                        <a14:foregroundMark x1="70588" y1="60507" x2="70588" y2="43478"/>
-                        <a14:foregroundMark x1="69935" y1="39130" x2="66667" y2="29710"/>
-                        <a14:foregroundMark x1="66667" y1="29710" x2="57516" y2="26449"/>
-                        <a14:foregroundMark x1="57516" y1="26449" x2="36601" y2="28623"/>
-                        <a14:foregroundMark x1="36601" y1="28623" x2="33660" y2="30797"/>
-                        <a14:foregroundMark x1="48366" y1="7971" x2="49346" y2="13406"/>
-                        <a14:foregroundMark x1="49346" y1="7971" x2="49346" y2="12319"/>
-                        <a14:foregroundMark x1="48693" y1="8696" x2="49346" y2="12681"/>
-                        <a14:foregroundMark x1="50000" y1="8333" x2="51307" y2="11957"/>
-                        <a14:foregroundMark x1="50654" y1="8333" x2="49673" y2="13043"/>
-                        <a14:foregroundMark x1="48693" y1="7609" x2="49020" y2="12681"/>
-                        <a14:foregroundMark x1="49020" y1="10145" x2="49020" y2="4710"/>
-                        <a14:foregroundMark x1="18627" y1="50362" x2="27124" y2="50000"/>
-                        <a14:foregroundMark x1="47386" y1="93478" x2="50000" y2="94928"/>
-                        <a14:foregroundMark x1="45752" y1="96377" x2="51634" y2="95290"/>
-                        <a14:foregroundMark x1="51634" y1="94928" x2="51634" y2="94928"/>
-                        <a14:backgroundMark x1="14379" y1="11957" x2="11111" y2="54348"/>
-                        <a14:backgroundMark x1="17647" y1="77174" x2="25163" y2="76812"/>
-                        <a14:backgroundMark x1="24837" y1="71014" x2="22876" y2="84058"/>
-                        <a14:backgroundMark x1="22876" y1="84058" x2="22222" y2="85507"/>
-                        <a14:backgroundMark x1="20261" y1="65217" x2="23856" y2="77174"/>
-                        <a14:backgroundMark x1="23856" y1="77174" x2="30719" y2="75362"/>
-                        <a14:backgroundMark x1="73856" y1="74638" x2="78105" y2="73551"/>
-                        <a14:backgroundMark x1="76144" y1="72101" x2="77778" y2="75362"/>
-                        <a14:backgroundMark x1="72549" y1="75000" x2="76144" y2="77899"/>
-                        <a14:backgroundMark x1="72222" y1="75725" x2="75817" y2="79710"/>
-                        <a14:backgroundMark x1="72222" y1="74638" x2="75817" y2="77536"/>
-                        <a14:backgroundMark x1="71569" y1="74638" x2="76144" y2="76812"/>
-                        <a14:backgroundMark x1="72876" y1="74638" x2="77124" y2="76449"/>
-                        <a14:backgroundMark x1="80719" y1="61957" x2="80065" y2="74638"/>
-                        <a14:backgroundMark x1="80065" y1="74638" x2="71569" y2="86957"/>
-                        <a14:backgroundMark x1="19935" y1="75000" x2="31373" y2="75000"/>
-                        <a14:backgroundMark x1="31373" y1="75000" x2="36275" y2="73913"/>
-                        <a14:backgroundMark x1="63072" y1="73913" x2="74183" y2="73913"/>
-                        <a14:backgroundMark x1="74183" y1="73913" x2="76797" y2="73188"/>
-                        <a14:backgroundMark x1="76797" y1="66667" x2="74183" y2="80797"/>
-                        <a14:backgroundMark x1="17320" y1="60870" x2="18954" y2="74275"/>
-                        <a14:backgroundMark x1="18954" y1="74275" x2="23856" y2="85145"/>
-                        <a14:backgroundMark x1="23856" y1="85145" x2="27778" y2="87319"/>
-                        <a14:backgroundMark x1="17320" y1="59420" x2="18627" y2="61232"/>
-                        <a14:backgroundMark x1="16667" y1="60870" x2="18301" y2="62319"/>
-                        <a14:backgroundMark x1="17320" y1="59058" x2="17974" y2="61594"/>
-                        <a14:backgroundMark x1="27778" y1="86232" x2="26797" y2="91667"/>
-                        <a14:backgroundMark x1="28105" y1="87319" x2="28105" y2="91667"/>
-                        <a14:backgroundMark x1="69935" y1="85507" x2="70588" y2="94928"/>
-                        <a14:backgroundMark x1="28105" y1="86594" x2="29085" y2="92391"/>
-                        <a14:backgroundMark x1="16013" y1="57609" x2="19935" y2="60870"/>
-                        <a14:backgroundMark x1="24183" y1="62319" x2="26144" y2="66667"/>
-                        <a14:backgroundMark x1="67974" y1="71377" x2="61765" y2="73913"/>
-                        <a14:backgroundMark x1="62418" y1="74638" x2="58824" y2="74638"/>
-                        <a14:backgroundMark x1="58497" y1="75000" x2="55556" y2="74275"/>
-                        <a14:backgroundMark x1="37908" y1="74275" x2="40523" y2="74275"/>
-                        <a14:backgroundMark x1="40850" y1="74638" x2="44118" y2="74638"/>
-                        <a14:backgroundMark x1="45098" y1="74638" x2="47386" y2="75000"/>
-                        <a14:backgroundMark x1="48366" y1="75000" x2="49673" y2="75000"/>
-                        <a14:backgroundMark x1="48693" y1="74275" x2="49020" y2="74275"/>
-                        <a14:backgroundMark x1="47386" y1="74275" x2="49020" y2="74275"/>
-                        <a14:backgroundMark x1="78758" y1="61594" x2="82680" y2="59783"/>
-                        <a14:backgroundMark x1="81373" y1="58696" x2="79739" y2="60145"/>
-                        <a14:backgroundMark x1="81373" y1="58696" x2="78758" y2="61232"/>
-                      </a14:backgroundRemoval>
-                    </a14:imgEffect>
-                  </a14:imgLayer>
-                </a14:imgProps>
-              </a:ext>
-            </a:extLst>
-          </a:blip>
-          <a:srcRect l="12176" r="12062"/>
-          <a:stretch/>
-        </p:blipFill>
-        <p:spPr>
-          <a:xfrm>
-            <a:off x="2209800" y="1219200"/>
-            <a:ext cx="752227" cy="895545"/>
-          </a:xfrm>
-          <a:prstGeom prst="rect">
-            <a:avLst/>
-          </a:prstGeom>
-        </p:spPr>
-      </p:pic>
-      <p:sp>
-        <p:nvSpPr>
-          <p:cNvPr id="45" name="CaixaDeTexto 44">
-            <a:extLst>
-              <a:ext uri="{FF2B5EF4-FFF2-40B4-BE49-F238E27FC236}">
-                <a16:creationId xmlns:a16="http://schemas.microsoft.com/office/drawing/2014/main" id="{4656957C-6200-4371-9D49-1E125A611C4D}"/>
-              </a:ext>
-            </a:extLst>
-          </p:cNvPr>
-          <p:cNvSpPr txBox="1"/>
-          <p:nvPr/>
-        </p:nvSpPr>
-        <p:spPr>
-          <a:xfrm>
-            <a:off x="1842963" y="2080112"/>
-            <a:ext cx="1485900" cy="646331"/>
-          </a:xfrm>
-          <a:prstGeom prst="rect">
-            <a:avLst/>
-          </a:prstGeom>
-          <a:noFill/>
-        </p:spPr>
-        <p:txBody>
-          <a:bodyPr wrap="square" rtlCol="0" anchor="ctr">
-            <a:spAutoFit/>
-          </a:bodyPr>
-          <a:lstStyle/>
-          <a:p>
-            <a:pPr algn="ctr"/>
-            <a:r>
-              <a:rPr lang="pt-PT" dirty="0">
-                <a:solidFill>
-                  <a:schemeClr val="accent1">
-                    <a:lumMod val="50000"/>
-                  </a:schemeClr>
-                </a:solidFill>
-                <a:latin typeface="Consolas" panose="020B0609020204030204" pitchFamily="49" charset="0"/>
-                <a:cs typeface="Arial" panose="020B0604020202020204" pitchFamily="34" charset="0"/>
-              </a:rPr>
-              <a:t>Bot2</a:t>
-            </a:r>
-          </a:p>
-          <a:p>
-            <a:pPr algn="ctr"/>
-            <a:r>
-              <a:rPr lang="pt-PT" b="1" dirty="0">
-                <a:solidFill>
-                  <a:schemeClr val="accent1">
-                    <a:lumMod val="50000"/>
-                  </a:schemeClr>
-                </a:solidFill>
-                <a:latin typeface="Consolas" panose="020B0609020204030204" pitchFamily="49" charset="0"/>
-                <a:cs typeface="Arial" panose="020B0604020202020204" pitchFamily="34" charset="0"/>
-              </a:rPr>
-              <a:t>Agenda SEI</a:t>
-            </a:r>
-          </a:p>
-        </p:txBody>
-      </p:sp>
-      <p:sp>
-        <p:nvSpPr>
-          <p:cNvPr id="23" name="Retângulo 22">
-            <a:extLst>
-              <a:ext uri="{FF2B5EF4-FFF2-40B4-BE49-F238E27FC236}">
-                <a16:creationId xmlns:a16="http://schemas.microsoft.com/office/drawing/2014/main" id="{F6C4C90B-38D1-454E-A513-F8CE1579BF09}"/>
-              </a:ext>
-            </a:extLst>
-          </p:cNvPr>
-          <p:cNvSpPr/>
-          <p:nvPr/>
-        </p:nvSpPr>
-        <p:spPr>
-          <a:xfrm>
-            <a:off x="3962400" y="1601436"/>
-            <a:ext cx="3429000" cy="784830"/>
-          </a:xfrm>
-          <a:prstGeom prst="rect">
-            <a:avLst/>
-          </a:prstGeom>
-        </p:spPr>
-        <p:txBody>
-          <a:bodyPr wrap="square">
-            <a:spAutoFit/>
-          </a:bodyPr>
-          <a:lstStyle/>
-          <a:p>
-            <a:pPr lvl="0"/>
-            <a:r>
-              <a:rPr lang="pt-PT" sz="1500" dirty="0">
-                <a:solidFill>
-                  <a:srgbClr val="488ED4"/>
-                </a:solidFill>
-                <a:latin typeface="Consolas" panose="020B0609020204030204" pitchFamily="49" charset="0"/>
-                <a:cs typeface="Arial" panose="020B0604020202020204" pitchFamily="34" charset="0"/>
-              </a:rPr>
-              <a:t>CREATE</a:t>
-            </a:r>
-            <a:r>
-              <a:rPr lang="pt-PT" sz="1500" dirty="0">
-                <a:solidFill>
-                  <a:prstClr val="black"/>
-                </a:solidFill>
-                <a:latin typeface="Consolas" panose="020B0609020204030204" pitchFamily="49" charset="0"/>
-                <a:cs typeface="Arial" panose="020B0604020202020204" pitchFamily="34" charset="0"/>
-              </a:rPr>
-              <a:t> </a:t>
-            </a:r>
-            <a:r>
-              <a:rPr lang="pt-PT" sz="1500" dirty="0" err="1">
-                <a:solidFill>
-                  <a:prstClr val="black"/>
-                </a:solidFill>
-                <a:latin typeface="Consolas" panose="020B0609020204030204" pitchFamily="49" charset="0"/>
-                <a:cs typeface="Arial" panose="020B0604020202020204" pitchFamily="34" charset="0"/>
-              </a:rPr>
-              <a:t>bot_csv</a:t>
-            </a:r>
-            <a:r>
-              <a:rPr lang="pt-PT" sz="1500" dirty="0">
-                <a:solidFill>
-                  <a:prstClr val="black"/>
-                </a:solidFill>
-                <a:latin typeface="Consolas" panose="020B0609020204030204" pitchFamily="49" charset="0"/>
-                <a:cs typeface="Arial" panose="020B0604020202020204" pitchFamily="34" charset="0"/>
-              </a:rPr>
-              <a:t> </a:t>
-            </a:r>
-          </a:p>
-          <a:p>
-            <a:pPr lvl="0"/>
-            <a:r>
-              <a:rPr lang="pt-PT" sz="1500" dirty="0">
-                <a:solidFill>
-                  <a:srgbClr val="C85C57"/>
-                </a:solidFill>
-                <a:latin typeface="Consolas" panose="020B0609020204030204" pitchFamily="49" charset="0"/>
-                <a:cs typeface="Arial" panose="020B0604020202020204" pitchFamily="34" charset="0"/>
-              </a:rPr>
-              <a:t>WITH</a:t>
-            </a:r>
-            <a:r>
-              <a:rPr lang="pt-PT" sz="1500" dirty="0">
-                <a:solidFill>
-                  <a:srgbClr val="488ED4"/>
-                </a:solidFill>
-                <a:latin typeface="Consolas" panose="020B0609020204030204" pitchFamily="49" charset="0"/>
-                <a:cs typeface="Arial" panose="020B0604020202020204" pitchFamily="34" charset="0"/>
-              </a:rPr>
-              <a:t> </a:t>
-            </a:r>
-            <a:r>
-              <a:rPr lang="pt-PT" sz="1500" dirty="0" err="1">
-                <a:solidFill>
-                  <a:prstClr val="black"/>
-                </a:solidFill>
-                <a:latin typeface="Consolas" panose="020B0609020204030204" pitchFamily="49" charset="0"/>
-                <a:cs typeface="Arial" panose="020B0604020202020204" pitchFamily="34" charset="0"/>
-              </a:rPr>
-              <a:t>agenda_SEI_schema.json</a:t>
-            </a:r>
-            <a:r>
-              <a:rPr lang="pt-PT" sz="1500" dirty="0">
-                <a:solidFill>
-                  <a:srgbClr val="488ED4"/>
-                </a:solidFill>
-                <a:latin typeface="Consolas" panose="020B0609020204030204" pitchFamily="49" charset="0"/>
-                <a:cs typeface="Arial" panose="020B0604020202020204" pitchFamily="34" charset="0"/>
-              </a:rPr>
-              <a:t> </a:t>
-            </a:r>
-          </a:p>
-          <a:p>
-            <a:pPr lvl="0"/>
-            <a:r>
-              <a:rPr lang="pt-PT" sz="1500" dirty="0">
-                <a:solidFill>
-                  <a:srgbClr val="00B050"/>
-                </a:solidFill>
-                <a:latin typeface="Consolas" panose="020B0609020204030204" pitchFamily="49" charset="0"/>
-                <a:cs typeface="Arial" panose="020B0604020202020204" pitchFamily="34" charset="0"/>
-              </a:rPr>
-              <a:t>FROM</a:t>
-            </a:r>
-            <a:r>
-              <a:rPr lang="pt-PT" sz="1500" dirty="0">
-                <a:solidFill>
-                  <a:srgbClr val="488ED4"/>
-                </a:solidFill>
-                <a:latin typeface="Consolas" panose="020B0609020204030204" pitchFamily="49" charset="0"/>
-                <a:cs typeface="Arial" panose="020B0604020202020204" pitchFamily="34" charset="0"/>
-              </a:rPr>
-              <a:t> </a:t>
-            </a:r>
-            <a:r>
-              <a:rPr lang="pt-PT" sz="1500" dirty="0">
-                <a:solidFill>
-                  <a:prstClr val="black"/>
-                </a:solidFill>
-                <a:latin typeface="Consolas" panose="020B0609020204030204" pitchFamily="49" charset="0"/>
-                <a:cs typeface="Arial" panose="020B0604020202020204" pitchFamily="34" charset="0"/>
-              </a:rPr>
-              <a:t>agenda_SEI.csv</a:t>
-            </a:r>
-          </a:p>
-        </p:txBody>
-      </p:sp>
-      <p:cxnSp>
-        <p:nvCxnSpPr>
-          <p:cNvPr id="24" name="Conexão reta 23">
-            <a:extLst>
-              <a:ext uri="{FF2B5EF4-FFF2-40B4-BE49-F238E27FC236}">
-                <a16:creationId xmlns:a16="http://schemas.microsoft.com/office/drawing/2014/main" id="{6245EF25-CBCC-40B7-B0E6-014B8DAF64D4}"/>
-              </a:ext>
-            </a:extLst>
-          </p:cNvPr>
-          <p:cNvCxnSpPr>
-            <a:cxnSpLocks/>
-          </p:cNvCxnSpPr>
-          <p:nvPr/>
-        </p:nvCxnSpPr>
-        <p:spPr>
-          <a:xfrm>
-            <a:off x="3767429" y="1548810"/>
-            <a:ext cx="3547771" cy="0"/>
-          </a:xfrm>
-          <a:prstGeom prst="line">
-            <a:avLst/>
-          </a:prstGeom>
-          <a:ln w="19050"/>
-        </p:spPr>
-        <p:style>
-          <a:lnRef idx="1">
-            <a:schemeClr val="accent1"/>
-          </a:lnRef>
-          <a:fillRef idx="0">
-            <a:schemeClr val="accent1"/>
-          </a:fillRef>
-          <a:effectRef idx="0">
-            <a:schemeClr val="accent1"/>
-          </a:effectRef>
-          <a:fontRef idx="minor">
-            <a:schemeClr val="tx1"/>
-          </a:fontRef>
-        </p:style>
-      </p:cxnSp>
-      <p:cxnSp>
-        <p:nvCxnSpPr>
-          <p:cNvPr id="30" name="Conexão reta 29">
-            <a:extLst>
-              <a:ext uri="{FF2B5EF4-FFF2-40B4-BE49-F238E27FC236}">
-                <a16:creationId xmlns:a16="http://schemas.microsoft.com/office/drawing/2014/main" id="{4DA85C04-D9FA-44B7-9360-8C3625ABB9DF}"/>
-              </a:ext>
-            </a:extLst>
-          </p:cNvPr>
-          <p:cNvCxnSpPr>
-            <a:cxnSpLocks/>
-          </p:cNvCxnSpPr>
-          <p:nvPr/>
-        </p:nvCxnSpPr>
-        <p:spPr>
-          <a:xfrm>
-            <a:off x="3767429" y="2463210"/>
-            <a:ext cx="3547771" cy="0"/>
-          </a:xfrm>
-          <a:prstGeom prst="line">
-            <a:avLst/>
-          </a:prstGeom>
-          <a:ln w="19050"/>
-        </p:spPr>
-        <p:style>
-          <a:lnRef idx="1">
-            <a:schemeClr val="accent1"/>
-          </a:lnRef>
-          <a:fillRef idx="0">
-            <a:schemeClr val="accent1"/>
-          </a:fillRef>
-          <a:effectRef idx="0">
-            <a:schemeClr val="accent1"/>
-          </a:effectRef>
-          <a:fontRef idx="minor">
-            <a:schemeClr val="tx1"/>
-          </a:fontRef>
-        </p:style>
-      </p:cxnSp>
-      <p:sp>
-        <p:nvSpPr>
-          <p:cNvPr id="32" name="Parêntese direito 31">
-            <a:extLst>
-              <a:ext uri="{FF2B5EF4-FFF2-40B4-BE49-F238E27FC236}">
-                <a16:creationId xmlns:a16="http://schemas.microsoft.com/office/drawing/2014/main" id="{621DF0D2-38E3-4DFB-AE69-A1CA17AAD67A}"/>
-              </a:ext>
-            </a:extLst>
-          </p:cNvPr>
-          <p:cNvSpPr/>
-          <p:nvPr/>
-        </p:nvSpPr>
-        <p:spPr>
-          <a:xfrm rot="5400000">
-            <a:off x="5061329" y="1784730"/>
-            <a:ext cx="164342" cy="4343400"/>
-          </a:xfrm>
-          <a:prstGeom prst="rightBracket">
-            <a:avLst/>
-          </a:prstGeom>
-          <a:ln w="28575"/>
-        </p:spPr>
-        <p:style>
-          <a:lnRef idx="1">
-            <a:schemeClr val="accent1"/>
-          </a:lnRef>
-          <a:fillRef idx="0">
-            <a:schemeClr val="accent1"/>
-          </a:fillRef>
-          <a:effectRef idx="0">
-            <a:schemeClr val="accent1"/>
-          </a:effectRef>
-          <a:fontRef idx="minor">
-            <a:schemeClr val="tx1"/>
-          </a:fontRef>
-        </p:style>
-        <p:txBody>
-          <a:bodyPr rtlCol="0" anchor="ctr"/>
-          <a:lstStyle/>
-          <a:p>
-            <a:pPr algn="ctr"/>
-            <a:endParaRPr lang="pt-PT"/>
-          </a:p>
-        </p:txBody>
-      </p:sp>
-      <p:sp>
-        <p:nvSpPr>
-          <p:cNvPr id="37" name="Parêntese direito 36">
-            <a:extLst>
-              <a:ext uri="{FF2B5EF4-FFF2-40B4-BE49-F238E27FC236}">
-                <a16:creationId xmlns:a16="http://schemas.microsoft.com/office/drawing/2014/main" id="{9F36CC8E-DC30-478E-B5A6-5807BB41472E}"/>
-              </a:ext>
-            </a:extLst>
-          </p:cNvPr>
-          <p:cNvSpPr/>
-          <p:nvPr/>
-        </p:nvSpPr>
-        <p:spPr>
-          <a:xfrm rot="5400000">
-            <a:off x="2121658" y="3352801"/>
-            <a:ext cx="176284" cy="1219200"/>
-          </a:xfrm>
-          <a:prstGeom prst="rightBracket">
-            <a:avLst/>
-          </a:prstGeom>
-          <a:ln w="28575"/>
-        </p:spPr>
-        <p:style>
-          <a:lnRef idx="1">
-            <a:schemeClr val="accent1"/>
-          </a:lnRef>
-          <a:fillRef idx="0">
-            <a:schemeClr val="accent1"/>
-          </a:fillRef>
-          <a:effectRef idx="0">
-            <a:schemeClr val="accent1"/>
-          </a:effectRef>
-          <a:fontRef idx="minor">
-            <a:schemeClr val="tx1"/>
-          </a:fontRef>
-        </p:style>
-        <p:txBody>
-          <a:bodyPr rtlCol="0" anchor="ctr"/>
-          <a:lstStyle/>
-          <a:p>
-            <a:pPr algn="ctr"/>
-            <a:endParaRPr lang="pt-PT"/>
-          </a:p>
-        </p:txBody>
-      </p:sp>
-      <p:sp>
-        <p:nvSpPr>
-          <p:cNvPr id="15" name="Retângulo 14">
-            <a:extLst>
-              <a:ext uri="{FF2B5EF4-FFF2-40B4-BE49-F238E27FC236}">
-                <a16:creationId xmlns:a16="http://schemas.microsoft.com/office/drawing/2014/main" id="{A27331D7-D155-485C-BF8E-E852ED1FAF72}"/>
-              </a:ext>
-            </a:extLst>
-          </p:cNvPr>
-          <p:cNvSpPr/>
-          <p:nvPr/>
-        </p:nvSpPr>
-        <p:spPr>
-          <a:xfrm>
-            <a:off x="5829302" y="5013805"/>
-            <a:ext cx="1373214" cy="830997"/>
-          </a:xfrm>
-          <a:prstGeom prst="rect">
-            <a:avLst/>
-          </a:prstGeom>
-        </p:spPr>
-        <p:txBody>
-          <a:bodyPr wrap="square" numCol="1">
-            <a:spAutoFit/>
-          </a:bodyPr>
-          <a:lstStyle/>
-          <a:p>
-            <a:r>
-              <a:rPr lang="pt-PT" sz="1600" dirty="0">
-                <a:solidFill>
-                  <a:schemeClr val="accent1">
-                    <a:lumMod val="50000"/>
-                  </a:schemeClr>
-                </a:solidFill>
-                <a:latin typeface="Consolas" panose="020B0609020204030204" pitchFamily="49" charset="0"/>
-              </a:rPr>
-              <a:t>Descrição</a:t>
-            </a:r>
-          </a:p>
-          <a:p>
-            <a:r>
-              <a:rPr lang="pt-PT" sz="1600" dirty="0">
-                <a:solidFill>
-                  <a:schemeClr val="accent1">
-                    <a:lumMod val="50000"/>
-                  </a:schemeClr>
-                </a:solidFill>
-                <a:latin typeface="Consolas" panose="020B0609020204030204" pitchFamily="49" charset="0"/>
-              </a:rPr>
-              <a:t>Oradores</a:t>
-            </a:r>
-          </a:p>
-          <a:p>
-            <a:r>
-              <a:rPr lang="pt-PT" sz="1600" dirty="0">
-                <a:solidFill>
-                  <a:schemeClr val="accent1">
-                    <a:lumMod val="50000"/>
-                  </a:schemeClr>
-                </a:solidFill>
-                <a:latin typeface="Consolas" panose="020B0609020204030204" pitchFamily="49" charset="0"/>
-              </a:rPr>
-              <a:t>Requisitos</a:t>
-            </a:r>
-          </a:p>
-        </p:txBody>
-      </p:sp>
-      <p:sp>
-        <p:nvSpPr>
-          <p:cNvPr id="16" name="Retângulo 15">
-            <a:extLst>
-              <a:ext uri="{FF2B5EF4-FFF2-40B4-BE49-F238E27FC236}">
-                <a16:creationId xmlns:a16="http://schemas.microsoft.com/office/drawing/2014/main" id="{4EFDBA69-EB38-4D1A-9E9F-D9CABC66FF15}"/>
-              </a:ext>
-            </a:extLst>
-          </p:cNvPr>
-          <p:cNvSpPr/>
-          <p:nvPr/>
-        </p:nvSpPr>
-        <p:spPr>
-          <a:xfrm>
-            <a:off x="3274986" y="5013805"/>
-            <a:ext cx="1373214" cy="830997"/>
-          </a:xfrm>
-          <a:prstGeom prst="rect">
-            <a:avLst/>
-          </a:prstGeom>
-        </p:spPr>
-        <p:txBody>
-          <a:bodyPr wrap="square" numCol="1">
-            <a:spAutoFit/>
-          </a:bodyPr>
-          <a:lstStyle/>
-          <a:p>
-            <a:r>
-              <a:rPr lang="pt-PT" sz="1600" dirty="0">
-                <a:solidFill>
                   <a:srgbClr val="C85C57"/>
                 </a:solidFill>
                 <a:latin typeface="Consolas" panose="020B0609020204030204" pitchFamily="49" charset="0"/>
@@ -9157,7 +8424,7 @@
 </p:sld>
 </file>
 
-<file path=ppt/slides/slide15.xml><?xml version="1.0" encoding="utf-8"?>
+<file path=ppt/slides/slide14.xml><?xml version="1.0" encoding="utf-8"?>
 <p:sld xmlns:a="http://schemas.openxmlformats.org/drawingml/2006/main" xmlns:r="http://schemas.openxmlformats.org/officeDocument/2006/relationships" xmlns:p="http://schemas.openxmlformats.org/presentationml/2006/main">
   <p:cSld>
     <p:spTree>
@@ -10414,7 +9681,7 @@
 </p:sld>
 </file>
 
-<file path=ppt/slides/slide16.xml><?xml version="1.0" encoding="utf-8"?>
+<file path=ppt/slides/slide15.xml><?xml version="1.0" encoding="utf-8"?>
 <p:sld xmlns:a="http://schemas.openxmlformats.org/drawingml/2006/main" xmlns:r="http://schemas.openxmlformats.org/officeDocument/2006/relationships" xmlns:p="http://schemas.openxmlformats.org/presentationml/2006/main">
   <p:cSld>
     <p:spTree>
@@ -11663,7 +10930,7 @@
 </p:sld>
 </file>
 
-<file path=ppt/slides/slide17.xml><?xml version="1.0" encoding="utf-8"?>
+<file path=ppt/slides/slide16.xml><?xml version="1.0" encoding="utf-8"?>
 <p:sld xmlns:a="http://schemas.openxmlformats.org/drawingml/2006/main" xmlns:r="http://schemas.openxmlformats.org/officeDocument/2006/relationships" xmlns:p="http://schemas.openxmlformats.org/presentationml/2006/main">
   <p:cSld>
     <p:spTree>
@@ -13068,32 +12335,12 @@
   <p:clrMapOvr>
     <a:masterClrMapping/>
   </p:clrMapOvr>
-  <mc:AlternateContent xmlns:mc="http://schemas.openxmlformats.org/markup-compatibility/2006">
-    <mc:Choice xmlns:p159="http://schemas.microsoft.com/office/powerpoint/2015/09/main" Requires="p159">
-      <p:transition spd="slow">
-        <p159:morph option="byObject"/>
-      </p:transition>
-    </mc:Choice>
-    <mc:Fallback>
-      <p:transition spd="slow">
-        <p:fade/>
-      </p:transition>
-    </mc:Fallback>
-  </mc:AlternateContent>
 </p:sld>
 </file>
 
-<file path=ppt/slides/slide18.xml><?xml version="1.0" encoding="utf-8"?>
+<file path=ppt/slides/slide17.xml><?xml version="1.0" encoding="utf-8"?>
 <p:sld xmlns:a="http://schemas.openxmlformats.org/drawingml/2006/main" xmlns:r="http://schemas.openxmlformats.org/officeDocument/2006/relationships" xmlns:p="http://schemas.openxmlformats.org/presentationml/2006/main">
   <p:cSld>
-    <p:bg>
-      <p:bgPr>
-        <a:solidFill>
-          <a:srgbClr val="FFFF8F"/>
-        </a:solidFill>
-        <a:effectLst/>
-      </p:bgPr>
-    </p:bg>
     <p:spTree>
       <p:nvGrpSpPr>
         <p:cNvPr id="1" name=""/>
@@ -13108,114 +12355,212 @@
           <a:chExt cx="0" cy="0"/>
         </a:xfrm>
       </p:grpSpPr>
-      <p:pic>
-        <p:nvPicPr>
-          <p:cNvPr id="9" name="Imagem 8">
+      <p:sp>
+        <p:nvSpPr>
+          <p:cNvPr id="2" name="object 2"/>
+          <p:cNvSpPr/>
+          <p:nvPr/>
+        </p:nvSpPr>
+        <p:spPr>
+          <a:xfrm>
+            <a:off x="0" y="0"/>
+            <a:ext cx="9144000" cy="6858000"/>
+          </a:xfrm>
+          <a:custGeom>
+            <a:avLst/>
+            <a:gdLst/>
+            <a:ahLst/>
+            <a:cxnLst/>
+            <a:rect l="l" t="t" r="r" b="b"/>
+            <a:pathLst>
+              <a:path w="9144000" h="6858000">
+                <a:moveTo>
+                  <a:pt x="0" y="6857995"/>
+                </a:moveTo>
+                <a:lnTo>
+                  <a:pt x="9144000" y="6857995"/>
+                </a:lnTo>
+                <a:lnTo>
+                  <a:pt x="9144000" y="0"/>
+                </a:lnTo>
+                <a:lnTo>
+                  <a:pt x="0" y="0"/>
+                </a:lnTo>
+                <a:lnTo>
+                  <a:pt x="0" y="6857995"/>
+                </a:lnTo>
+                <a:close/>
+              </a:path>
+            </a:pathLst>
+          </a:custGeom>
+          <a:solidFill>
+            <a:srgbClr val="38505F"/>
+          </a:solidFill>
+        </p:spPr>
+        <p:txBody>
+          <a:bodyPr wrap="square" lIns="0" tIns="0" rIns="0" bIns="0" rtlCol="0"/>
+          <a:lstStyle/>
+          <a:p>
+            <a:endParaRPr dirty="0"/>
+          </a:p>
+        </p:txBody>
+      </p:sp>
+      <p:sp>
+        <p:nvSpPr>
+          <p:cNvPr id="9" name="object 2">
             <a:extLst>
               <a:ext uri="{FF2B5EF4-FFF2-40B4-BE49-F238E27FC236}">
-                <a16:creationId xmlns:a16="http://schemas.microsoft.com/office/drawing/2014/main" id="{834A7073-AFEC-408E-9197-08FD534DA4B0}"/>
+                <a16:creationId xmlns:a16="http://schemas.microsoft.com/office/drawing/2014/main" id="{6269163D-7BA6-4DE7-BEBD-994E4C71EE95}"/>
               </a:ext>
             </a:extLst>
           </p:cNvPr>
-          <p:cNvPicPr>
-            <a:picLocks noChangeAspect="1"/>
-          </p:cNvPicPr>
-          <p:nvPr/>
-        </p:nvPicPr>
-        <p:blipFill>
-          <a:blip r:embed="rId2" cstate="print">
-            <a:extLst>
-              <a:ext uri="{28A0092B-C50C-407E-A947-70E740481C1C}">
-                <a14:useLocalDpi xmlns:a14="http://schemas.microsoft.com/office/drawing/2010/main" val="0"/>
-              </a:ext>
-            </a:extLst>
-          </a:blip>
-          <a:stretch>
-            <a:fillRect/>
-          </a:stretch>
-        </p:blipFill>
-        <p:spPr>
-          <a:xfrm>
-            <a:off x="457200" y="381000"/>
-            <a:ext cx="1905000" cy="1905000"/>
+          <p:cNvSpPr txBox="1">
+            <a:spLocks noGrp="1"/>
+          </p:cNvSpPr>
+          <p:nvPr>
+            <p:ph type="title"/>
+          </p:nvPr>
+        </p:nvSpPr>
+        <p:spPr>
+          <a:xfrm>
+            <a:off x="3171825" y="290017"/>
+            <a:ext cx="2914650" cy="461023"/>
           </a:xfrm>
           <a:prstGeom prst="rect">
             <a:avLst/>
           </a:prstGeom>
         </p:spPr>
-      </p:pic>
-      <p:pic>
-        <p:nvPicPr>
-          <p:cNvPr id="12" name="Imagem 11">
+        <p:txBody>
+          <a:bodyPr vert="horz" wrap="square" lIns="0" tIns="14604" rIns="0" bIns="0" rtlCol="0">
+            <a:spAutoFit/>
+          </a:bodyPr>
+          <a:lstStyle/>
+          <a:p>
+            <a:pPr marL="12700" algn="l">
+              <a:lnSpc>
+                <a:spcPct val="100000"/>
+              </a:lnSpc>
+              <a:spcBef>
+                <a:spcPts val="114"/>
+              </a:spcBef>
+            </a:pPr>
+            <a:r>
+              <a:rPr lang="pt-PT" spc="-185" dirty="0">
+                <a:solidFill>
+                  <a:schemeClr val="bg1"/>
+                </a:solidFill>
+              </a:rPr>
+              <a:t>Frase exemplo</a:t>
+            </a:r>
+            <a:endParaRPr spc="-185" dirty="0">
+              <a:solidFill>
+                <a:schemeClr val="bg1"/>
+              </a:solidFill>
+            </a:endParaRPr>
+          </a:p>
+        </p:txBody>
+      </p:sp>
+      <p:sp>
+        <p:nvSpPr>
+          <p:cNvPr id="8" name="Retângulo: Cantos Arredondados 7">
             <a:extLst>
               <a:ext uri="{FF2B5EF4-FFF2-40B4-BE49-F238E27FC236}">
-                <a16:creationId xmlns:a16="http://schemas.microsoft.com/office/drawing/2014/main" id="{4E7764BC-CC6D-4B89-B9E3-99162E4F3EB1}"/>
+                <a16:creationId xmlns:a16="http://schemas.microsoft.com/office/drawing/2014/main" id="{3C45E504-FB1A-48F4-A766-975714195E17}"/>
               </a:ext>
             </a:extLst>
           </p:cNvPr>
-          <p:cNvPicPr>
-            <a:picLocks noChangeAspect="1"/>
-          </p:cNvPicPr>
+          <p:cNvSpPr/>
           <p:nvPr/>
-        </p:nvPicPr>
-        <p:blipFill>
-          <a:blip r:embed="rId3">
-            <a:extLst>
-              <a:ext uri="{28A0092B-C50C-407E-A947-70E740481C1C}">
-                <a14:useLocalDpi xmlns:a14="http://schemas.microsoft.com/office/drawing/2010/main" val="0"/>
-              </a:ext>
-            </a:extLst>
-          </a:blip>
-          <a:stretch>
-            <a:fillRect/>
-          </a:stretch>
-        </p:blipFill>
-        <p:spPr>
-          <a:xfrm>
-            <a:off x="304800" y="4438912"/>
-            <a:ext cx="1676400" cy="1676400"/>
-          </a:xfrm>
-          <a:prstGeom prst="rect">
+        </p:nvSpPr>
+        <p:spPr>
+          <a:xfrm>
+            <a:off x="419100" y="932296"/>
+            <a:ext cx="8420100" cy="5392304"/>
+          </a:xfrm>
+          <a:prstGeom prst="roundRect">
             <a:avLst/>
           </a:prstGeom>
-        </p:spPr>
-      </p:pic>
-      <p:pic>
-        <p:nvPicPr>
-          <p:cNvPr id="14" name="Imagem 13">
+          <a:solidFill>
+            <a:srgbClr val="DDDDDD"/>
+          </a:solidFill>
+          <a:ln>
+            <a:solidFill>
+              <a:srgbClr val="38505F"/>
+            </a:solidFill>
+          </a:ln>
+        </p:spPr>
+        <p:style>
+          <a:lnRef idx="2">
+            <a:schemeClr val="accent1">
+              <a:shade val="50000"/>
+            </a:schemeClr>
+          </a:lnRef>
+          <a:fillRef idx="1">
+            <a:schemeClr val="accent1"/>
+          </a:fillRef>
+          <a:effectRef idx="0">
+            <a:schemeClr val="accent1"/>
+          </a:effectRef>
+          <a:fontRef idx="minor">
+            <a:schemeClr val="lt1"/>
+          </a:fontRef>
+        </p:style>
+        <p:txBody>
+          <a:bodyPr rtlCol="0" anchor="ctr"/>
+          <a:lstStyle/>
+          <a:p>
+            <a:pPr algn="ctr"/>
+            <a:endParaRPr lang="pt-PT" dirty="0"/>
+          </a:p>
+        </p:txBody>
+      </p:sp>
+      <p:sp>
+        <p:nvSpPr>
+          <p:cNvPr id="7" name="CaixaDeTexto 6">
             <a:extLst>
               <a:ext uri="{FF2B5EF4-FFF2-40B4-BE49-F238E27FC236}">
-                <a16:creationId xmlns:a16="http://schemas.microsoft.com/office/drawing/2014/main" id="{A4579D2C-A8E9-4654-BDF7-9710AA55A511}"/>
+                <a16:creationId xmlns:a16="http://schemas.microsoft.com/office/drawing/2014/main" id="{84725617-FF18-4130-A845-0C3F25166607}"/>
               </a:ext>
             </a:extLst>
           </p:cNvPr>
-          <p:cNvPicPr>
-            <a:picLocks noChangeAspect="1"/>
-          </p:cNvPicPr>
+          <p:cNvSpPr txBox="1"/>
           <p:nvPr/>
-        </p:nvPicPr>
-        <p:blipFill>
-          <a:blip r:embed="rId4"/>
-          <a:stretch>
-            <a:fillRect/>
-          </a:stretch>
-        </p:blipFill>
-        <p:spPr>
-          <a:xfrm>
-            <a:off x="7254240" y="5277112"/>
-            <a:ext cx="1447800" cy="1447800"/>
+        </p:nvSpPr>
+        <p:spPr>
+          <a:xfrm>
+            <a:off x="2209800" y="3043535"/>
+            <a:ext cx="7200900" cy="400110"/>
           </a:xfrm>
           <a:prstGeom prst="rect">
             <a:avLst/>
           </a:prstGeom>
-        </p:spPr>
-      </p:pic>
+          <a:noFill/>
+        </p:spPr>
+        <p:txBody>
+          <a:bodyPr wrap="square" rtlCol="0" anchor="ctr">
+            <a:spAutoFit/>
+          </a:bodyPr>
+          <a:lstStyle/>
+          <a:p>
+            <a:r>
+              <a:rPr lang="pt-PT" sz="2000" dirty="0">
+                <a:solidFill>
+                  <a:srgbClr val="00B050"/>
+                </a:solidFill>
+                <a:latin typeface="Consolas" panose="020B0609020204030204" pitchFamily="49" charset="0"/>
+                <a:cs typeface="Arial" panose="020B0604020202020204" pitchFamily="34" charset="0"/>
+              </a:rPr>
+              <a:t>“Quando é a sessão de abertura?”</a:t>
+            </a:r>
+          </a:p>
+        </p:txBody>
+      </p:sp>
       <p:pic>
         <p:nvPicPr>
-          <p:cNvPr id="16" name="Imagem 15">
+          <p:cNvPr id="49" name="Imagem 48">
             <a:extLst>
               <a:ext uri="{FF2B5EF4-FFF2-40B4-BE49-F238E27FC236}">
-                <a16:creationId xmlns:a16="http://schemas.microsoft.com/office/drawing/2014/main" id="{022AC573-0024-412C-A25D-A897A0AEF121}"/>
+                <a16:creationId xmlns:a16="http://schemas.microsoft.com/office/drawing/2014/main" id="{478E98F3-F306-4991-8C75-EF2ECEFCE8FE}"/>
               </a:ext>
             </a:extLst>
           </p:cNvPr>
@@ -13225,7 +12570,7 @@
           <p:nvPr/>
         </p:nvPicPr>
         <p:blipFill rotWithShape="1">
-          <a:blip r:embed="rId5">
+          <a:blip r:embed="rId3">
             <a:clrChange>
               <a:clrFrom>
                 <a:srgbClr val="FF8E1C"/>
@@ -13239,7 +12584,7 @@
             <a:extLst>
               <a:ext uri="{BEBA8EAE-BF5A-486C-A8C5-ECC9F3942E4B}">
                 <a14:imgProps xmlns:a14="http://schemas.microsoft.com/office/drawing/2010/main">
-                  <a14:imgLayer r:embed="rId6">
+                  <a14:imgLayer r:embed="rId4">
                     <a14:imgEffect>
                       <a14:backgroundRemoval t="10000" b="90000" l="10000" r="90000">
                         <a14:foregroundMark x1="44500" y1="44667" x2="44250" y2="46333"/>
@@ -13285,8 +12630,8 @@
         </p:blipFill>
         <p:spPr>
           <a:xfrm>
-            <a:off x="7772400" y="403551"/>
-            <a:ext cx="1141094" cy="1104284"/>
+            <a:off x="990600" y="3886200"/>
+            <a:ext cx="1088896" cy="1053770"/>
           </a:xfrm>
           <a:prstGeom prst="rect">
             <a:avLst/>
@@ -13295,10 +12640,10 @@
       </p:pic>
       <p:pic>
         <p:nvPicPr>
-          <p:cNvPr id="17" name="Imagem 16">
+          <p:cNvPr id="23" name="Imagem 22">
             <a:extLst>
               <a:ext uri="{FF2B5EF4-FFF2-40B4-BE49-F238E27FC236}">
-                <a16:creationId xmlns:a16="http://schemas.microsoft.com/office/drawing/2014/main" id="{96EB006A-C479-4666-9B03-233FC2F65442}"/>
+                <a16:creationId xmlns:a16="http://schemas.microsoft.com/office/drawing/2014/main" id="{B7CAB9FC-F857-48BA-A8C5-4D1B6F538C6B}"/>
               </a:ext>
             </a:extLst>
           </p:cNvPr>
@@ -13308,261 +12653,67 @@
           <p:nvPr/>
         </p:nvPicPr>
         <p:blipFill>
-          <a:blip r:embed="rId7">
-            <a:extLst>
-              <a:ext uri="{BEBA8EAE-BF5A-486C-A8C5-ECC9F3942E4B}">
-                <a14:imgProps xmlns:a14="http://schemas.microsoft.com/office/drawing/2010/main">
-                  <a14:imgLayer r:embed="rId8">
-                    <a14:imgEffect>
-                      <a14:backgroundRemoval t="6597" b="92014" l="9962" r="88889">
-                        <a14:foregroundMark x1="65900" y1="30556" x2="47126" y2="22917"/>
-                        <a14:foregroundMark x1="47126" y1="22917" x2="32184" y2="39931"/>
-                        <a14:foregroundMark x1="32184" y1="39931" x2="31801" y2="61111"/>
-                        <a14:foregroundMark x1="31801" y1="61111" x2="48768" y2="69897"/>
-                        <a14:foregroundMark x1="77933" y1="61667" x2="77395" y2="46528"/>
-                        <a14:foregroundMark x1="77395" y1="46528" x2="57088" y2="37847"/>
-                        <a14:foregroundMark x1="57088" y1="37847" x2="33716" y2="39931"/>
-                        <a14:foregroundMark x1="33716" y1="39931" x2="51341" y2="48264"/>
-                        <a14:foregroundMark x1="51341" y1="48264" x2="53640" y2="46875"/>
-                        <a14:foregroundMark x1="33716" y1="56250" x2="29885" y2="38194"/>
-                        <a14:foregroundMark x1="29885" y1="38194" x2="30268" y2="37500"/>
-                        <a14:foregroundMark x1="24904" y1="51389" x2="32567" y2="28819"/>
-                        <a14:foregroundMark x1="32567" y1="28819" x2="34866" y2="26389"/>
-                        <a14:foregroundMark x1="21839" y1="35764" x2="24138" y2="53472"/>
-                        <a14:foregroundMark x1="15326" y1="48611" x2="73180" y2="47222"/>
-                        <a14:foregroundMark x1="73180" y1="47222" x2="87356" y2="47569"/>
-                        <a14:foregroundMark x1="68199" y1="26389" x2="67816" y2="22917"/>
-                        <a14:foregroundMark x1="64368" y1="23611" x2="80460" y2="35069"/>
-                        <a14:foregroundMark x1="80460" y1="35069" x2="83525" y2="49306"/>
-                        <a14:foregroundMark x1="78544" y1="51042" x2="63985" y2="65625"/>
-                        <a14:foregroundMark x1="63985" y1="65625" x2="44444" y2="63194"/>
-                        <a14:foregroundMark x1="34103" y1="83483" x2="56322" y2="84722"/>
-                        <a14:foregroundMark x1="56322" y1="84722" x2="65134" y2="83333"/>
-                        <a14:foregroundMark x1="59770" y1="79514" x2="59004" y2="81944"/>
-                        <a14:foregroundMark x1="60920" y1="78125" x2="46743" y2="90972"/>
-                        <a14:foregroundMark x1="46743" y1="90972" x2="39847" y2="88889"/>
-                        <a14:foregroundMark x1="34866" y1="89236" x2="55556" y2="91319"/>
-                        <a14:foregroundMark x1="55556" y1="91319" x2="59004" y2="90625"/>
-                        <a14:foregroundMark x1="45977" y1="92014" x2="59387" y2="92014"/>
-                        <a14:foregroundMark x1="69375" y1="83718" x2="55939" y2="86458"/>
-                        <a14:foregroundMark x1="16092" y1="45139" x2="19540" y2="52083"/>
-                        <a14:foregroundMark x1="53257" y1="11458" x2="51724" y2="8681"/>
-                        <a14:foregroundMark x1="50192" y1="10069" x2="52107" y2="7292"/>
-                        <a14:foregroundMark x1="50958" y1="10069" x2="53257" y2="9375"/>
-                        <a14:foregroundMark x1="51341" y1="8681" x2="54023" y2="8681"/>
-                        <a14:foregroundMark x1="50192" y1="6597" x2="52874" y2="6597"/>
-                        <a14:foregroundMark x1="57854" y1="73958" x2="56322" y2="73611"/>
-                        <a14:foregroundMark x1="59387" y1="73264" x2="55939" y2="73264"/>
-                        <a14:foregroundMark x1="50575" y1="49306" x2="52874" y2="51042"/>
-                        <a14:foregroundMark x1="52874" y1="50000" x2="54789" y2="53819"/>
-                        <a14:foregroundMark x1="51341" y1="51389" x2="50575" y2="48958"/>
-                        <a14:foregroundMark x1="37165" y1="82639" x2="57088" y2="79167"/>
-                        <a14:foregroundMark x1="57088" y1="79167" x2="60536" y2="79514"/>
-                        <a14:foregroundMark x1="86207" y1="44097" x2="87739" y2="50000"/>
-                        <a14:foregroundMark x1="49808" y1="50694" x2="52107" y2="56250"/>
-                        <a14:foregroundMark x1="52107" y1="49653" x2="52874" y2="53819"/>
-                        <a14:backgroundMark x1="23755" y1="68750" x2="17625" y2="69444"/>
-                        <a14:backgroundMark x1="17241" y1="62847" x2="15326" y2="68056"/>
-                        <a14:backgroundMark x1="16092" y1="63194" x2="23755" y2="80208"/>
-                        <a14:backgroundMark x1="23755" y1="80208" x2="19923" y2="71528"/>
-                        <a14:backgroundMark x1="14559" y1="59375" x2="19540" y2="77778"/>
-                        <a14:backgroundMark x1="19540" y1="77778" x2="26437" y2="83333"/>
-                        <a14:backgroundMark x1="13793" y1="61458" x2="25287" y2="76736"/>
-                        <a14:backgroundMark x1="25287" y1="76736" x2="21456" y2="79514"/>
-                        <a14:backgroundMark x1="90805" y1="61111" x2="75479" y2="73611"/>
-                        <a14:backgroundMark x1="75479" y1="73611" x2="88123" y2="61111"/>
-                        <a14:backgroundMark x1="80460" y1="62153" x2="76245" y2="79861"/>
-                        <a14:backgroundMark x1="76245" y1="79861" x2="90038" y2="65625"/>
-                        <a14:backgroundMark x1="90038" y1="65625" x2="81226" y2="61806"/>
-                        <a14:backgroundMark x1="87356" y1="59028" x2="88889" y2="64583"/>
-                        <a14:backgroundMark x1="88506" y1="58333" x2="89272" y2="61458"/>
-                        <a14:backgroundMark x1="88889" y1="57986" x2="89655" y2="60417"/>
-                        <a14:backgroundMark x1="87356" y1="70139" x2="80077" y2="81250"/>
-                        <a14:backgroundMark x1="77395" y1="79861" x2="78927" y2="85069"/>
-                        <a14:backgroundMark x1="76245" y1="81250" x2="77011" y2="84375"/>
-                        <a14:backgroundMark x1="75479" y1="81597" x2="77395" y2="87500"/>
-                        <a14:backgroundMark x1="76628" y1="83333" x2="76628" y2="87153"/>
-                        <a14:backgroundMark x1="77395" y1="84028" x2="77011" y2="86458"/>
-                        <a14:backgroundMark x1="27586" y1="82639" x2="27586" y2="88889"/>
-                        <a14:backgroundMark x1="74330" y1="72569" x2="68966" y2="71875"/>
-                        <a14:backgroundMark x1="69349" y1="71528" x2="64368" y2="71528"/>
-                        <a14:backgroundMark x1="59770" y1="71875" x2="59770" y2="71875"/>
-                        <a14:backgroundMark x1="62069" y1="71875" x2="62069" y2="71875"/>
-                        <a14:backgroundMark x1="63985" y1="71875" x2="63985" y2="71875"/>
-                        <a14:backgroundMark x1="52490" y1="71181" x2="52490" y2="71181"/>
-                        <a14:backgroundMark x1="51724" y1="71181" x2="51724" y2="71181"/>
-                        <a14:backgroundMark x1="49042" y1="71181" x2="49042" y2="71181"/>
-                        <a14:backgroundMark x1="48276" y1="71181" x2="48276" y2="71181"/>
-                        <a14:backgroundMark x1="51341" y1="71528" x2="51341" y2="71528"/>
-                        <a14:backgroundMark x1="50192" y1="70833" x2="50192" y2="70833"/>
-                        <a14:backgroundMark x1="50575" y1="71181" x2="50575" y2="71181"/>
-                        <a14:backgroundMark x1="51724" y1="71181" x2="51724" y2="71181"/>
-                        <a14:backgroundMark x1="51724" y1="71181" x2="51724" y2="71181"/>
-                        <a14:backgroundMark x1="58238" y1="71181" x2="58238" y2="71181"/>
-                        <a14:backgroundMark x1="59770" y1="71875" x2="59770" y2="71875"/>
-                        <a14:backgroundMark x1="60536" y1="71875" x2="60536" y2="71875"/>
-                        <a14:backgroundMark x1="63218" y1="71875" x2="63218" y2="71875"/>
-                        <a14:backgroundMark x1="58411" y1="71875" x2="62452" y2="71875"/>
-                        <a14:backgroundMark x1="65517" y1="70833" x2="62452" y2="70833"/>
-                        <a14:backgroundMark x1="59387" y1="71875" x2="58238" y2="71528"/>
-                        <a14:backgroundMark x1="54231" y1="70833" x2="51724" y2="70833"/>
-                        <a14:backgroundMark x1="51724" y1="70833" x2="49425" y2="70833"/>
-                        <a14:backgroundMark x1="54406" y1="72222" x2="55358" y2="72438"/>
-                        <a14:backgroundMark x1="48276" y1="70486" x2="50192" y2="70486"/>
-                        <a14:backgroundMark x1="12261" y1="58333" x2="15326" y2="60417"/>
-                        <a14:backgroundMark x1="14176" y1="57639" x2="15326" y2="57986"/>
-                      </a14:backgroundRemoval>
-                    </a14:imgEffect>
-                  </a14:imgLayer>
-                </a14:imgProps>
-              </a:ext>
-            </a:extLst>
-          </a:blip>
+          <a:blip r:embed="rId5"/>
           <a:stretch>
             <a:fillRect/>
           </a:stretch>
         </p:blipFill>
         <p:spPr>
           <a:xfrm>
-            <a:off x="3481066" y="3347059"/>
-            <a:ext cx="2363049" cy="2607501"/>
+            <a:off x="914400" y="2743200"/>
+            <a:ext cx="966547" cy="968360"/>
           </a:xfrm>
           <a:prstGeom prst="rect">
             <a:avLst/>
           </a:prstGeom>
         </p:spPr>
       </p:pic>
-      <p:pic>
-        <p:nvPicPr>
-          <p:cNvPr id="18" name="Imagem 17">
+      <p:sp>
+        <p:nvSpPr>
+          <p:cNvPr id="24" name="CaixaDeTexto 23">
             <a:extLst>
               <a:ext uri="{FF2B5EF4-FFF2-40B4-BE49-F238E27FC236}">
-                <a16:creationId xmlns:a16="http://schemas.microsoft.com/office/drawing/2014/main" id="{644BDC2D-89F2-4801-9813-7925B77F58F5}"/>
+                <a16:creationId xmlns:a16="http://schemas.microsoft.com/office/drawing/2014/main" id="{2CB41E99-9368-4D67-8F0B-C3FBCB9A51E7}"/>
               </a:ext>
             </a:extLst>
           </p:cNvPr>
-          <p:cNvPicPr>
-            <a:picLocks noChangeAspect="1"/>
-          </p:cNvPicPr>
+          <p:cNvSpPr txBox="1"/>
           <p:nvPr/>
-        </p:nvPicPr>
-        <p:blipFill rotWithShape="1">
-          <a:blip r:embed="rId9">
-            <a:extLst>
-              <a:ext uri="{BEBA8EAE-BF5A-486C-A8C5-ECC9F3942E4B}">
-                <a14:imgProps xmlns:a14="http://schemas.microsoft.com/office/drawing/2010/main">
-                  <a14:imgLayer r:embed="rId10">
-                    <a14:imgEffect>
-                      <a14:backgroundRemoval t="4348" b="96377" l="9804" r="89216">
-                        <a14:foregroundMark x1="42327" y1="69077" x2="32353" y2="34058"/>
-                        <a14:foregroundMark x1="42896" y1="71074" x2="42719" y2="70452"/>
-                        <a14:foregroundMark x1="44280" y1="75933" x2="43980" y2="74878"/>
-                        <a14:foregroundMark x1="46078" y1="82246" x2="45495" y2="80198"/>
-                        <a14:foregroundMark x1="59321" y1="76635" x2="59774" y2="76294"/>
-                        <a14:foregroundMark x1="47059" y1="85870" x2="57454" y2="78041"/>
-                        <a14:foregroundMark x1="77585" y1="54932" x2="79085" y2="52899"/>
-                        <a14:foregroundMark x1="67413" y1="68715" x2="75327" y2="57991"/>
-                        <a14:foregroundMark x1="60784" y1="87319" x2="50327" y2="90217"/>
-                        <a14:foregroundMark x1="50327" y1="90217" x2="34009" y2="88071"/>
-                        <a14:foregroundMark x1="39542" y1="87681" x2="51634" y2="89493"/>
-                        <a14:foregroundMark x1="51634" y1="89493" x2="60131" y2="86957"/>
-                        <a14:foregroundMark x1="60131" y1="86957" x2="63072" y2="84058"/>
-                        <a14:foregroundMark x1="63072" y1="85870" x2="54902" y2="91667"/>
-                        <a14:foregroundMark x1="54902" y1="91667" x2="43137" y2="92029"/>
-                        <a14:foregroundMark x1="42157" y1="92391" x2="51634" y2="93116"/>
-                        <a14:foregroundMark x1="51634" y1="93116" x2="55556" y2="92029"/>
-                        <a14:foregroundMark x1="54902" y1="93841" x2="46405" y2="94928"/>
-                        <a14:foregroundMark x1="24749" y1="62028" x2="27778" y2="37681"/>
-                        <a14:foregroundMark x1="27778" y1="37681" x2="30392" y2="34058"/>
-                        <a14:foregroundMark x1="34448" y1="69561" x2="37908" y2="41304"/>
-                        <a14:foregroundMark x1="49520" y1="69784" x2="52614" y2="55797"/>
-                        <a14:foregroundMark x1="59125" y1="68788" x2="60131" y2="56522"/>
-                        <a14:foregroundMark x1="66018" y1="68736" x2="68627" y2="53986"/>
-                        <a14:foregroundMark x1="71518" y1="65483" x2="71242" y2="51087"/>
-                        <a14:foregroundMark x1="70588" y1="60507" x2="70588" y2="43478"/>
-                        <a14:foregroundMark x1="69935" y1="39130" x2="66667" y2="29710"/>
-                        <a14:foregroundMark x1="66667" y1="29710" x2="57516" y2="26449"/>
-                        <a14:foregroundMark x1="57516" y1="26449" x2="36601" y2="28623"/>
-                        <a14:foregroundMark x1="36601" y1="28623" x2="33660" y2="30797"/>
-                        <a14:foregroundMark x1="48366" y1="7971" x2="49346" y2="13406"/>
-                        <a14:foregroundMark x1="49346" y1="7971" x2="49346" y2="12319"/>
-                        <a14:foregroundMark x1="48693" y1="8696" x2="49346" y2="12681"/>
-                        <a14:foregroundMark x1="50000" y1="8333" x2="51307" y2="11957"/>
-                        <a14:foregroundMark x1="50654" y1="8333" x2="49673" y2="13043"/>
-                        <a14:foregroundMark x1="48693" y1="7609" x2="49020" y2="12681"/>
-                        <a14:foregroundMark x1="49020" y1="10145" x2="49020" y2="4710"/>
-                        <a14:foregroundMark x1="18627" y1="50362" x2="27124" y2="50000"/>
-                        <a14:foregroundMark x1="47386" y1="93478" x2="50000" y2="94928"/>
-                        <a14:foregroundMark x1="45752" y1="96377" x2="51634" y2="95290"/>
-                        <a14:foregroundMark x1="51634" y1="94928" x2="51634" y2="94928"/>
-                        <a14:backgroundMark x1="14379" y1="11957" x2="11111" y2="54348"/>
-                        <a14:backgroundMark x1="17647" y1="77174" x2="25163" y2="76812"/>
-                        <a14:backgroundMark x1="24837" y1="71014" x2="22876" y2="84058"/>
-                        <a14:backgroundMark x1="22876" y1="84058" x2="22222" y2="85507"/>
-                        <a14:backgroundMark x1="20261" y1="65217" x2="23856" y2="77174"/>
-                        <a14:backgroundMark x1="23856" y1="77174" x2="30719" y2="75362"/>
-                        <a14:backgroundMark x1="73856" y1="74638" x2="78105" y2="73551"/>
-                        <a14:backgroundMark x1="76144" y1="72101" x2="77778" y2="75362"/>
-                        <a14:backgroundMark x1="72549" y1="75000" x2="76144" y2="77899"/>
-                        <a14:backgroundMark x1="72222" y1="75725" x2="75817" y2="79710"/>
-                        <a14:backgroundMark x1="72222" y1="74638" x2="75817" y2="77536"/>
-                        <a14:backgroundMark x1="71569" y1="74638" x2="76144" y2="76812"/>
-                        <a14:backgroundMark x1="72876" y1="74638" x2="77124" y2="76449"/>
-                        <a14:backgroundMark x1="80719" y1="61957" x2="80065" y2="74638"/>
-                        <a14:backgroundMark x1="80065" y1="74638" x2="71569" y2="86957"/>
-                        <a14:backgroundMark x1="19935" y1="75000" x2="31373" y2="75000"/>
-                        <a14:backgroundMark x1="31373" y1="75000" x2="36275" y2="73913"/>
-                        <a14:backgroundMark x1="63072" y1="73913" x2="74183" y2="73913"/>
-                        <a14:backgroundMark x1="74183" y1="73913" x2="76797" y2="73188"/>
-                        <a14:backgroundMark x1="76797" y1="66667" x2="74183" y2="80797"/>
-                        <a14:backgroundMark x1="17320" y1="60870" x2="18954" y2="74275"/>
-                        <a14:backgroundMark x1="18954" y1="74275" x2="23856" y2="85145"/>
-                        <a14:backgroundMark x1="23856" y1="85145" x2="27778" y2="87319"/>
-                        <a14:backgroundMark x1="17320" y1="59420" x2="18627" y2="61232"/>
-                        <a14:backgroundMark x1="16667" y1="60870" x2="18301" y2="62319"/>
-                        <a14:backgroundMark x1="17320" y1="59058" x2="17974" y2="61594"/>
-                        <a14:backgroundMark x1="27778" y1="86232" x2="26797" y2="91667"/>
-                        <a14:backgroundMark x1="28105" y1="87319" x2="28105" y2="91667"/>
-                        <a14:backgroundMark x1="69935" y1="85507" x2="70588" y2="94928"/>
-                        <a14:backgroundMark x1="28105" y1="86594" x2="29085" y2="92391"/>
-                        <a14:backgroundMark x1="16013" y1="57609" x2="19935" y2="60870"/>
-                        <a14:backgroundMark x1="24183" y1="62319" x2="26144" y2="66667"/>
-                        <a14:backgroundMark x1="67974" y1="71377" x2="61765" y2="73913"/>
-                        <a14:backgroundMark x1="62418" y1="74638" x2="58824" y2="74638"/>
-                        <a14:backgroundMark x1="58497" y1="75000" x2="55556" y2="74275"/>
-                        <a14:backgroundMark x1="37908" y1="74275" x2="40523" y2="74275"/>
-                        <a14:backgroundMark x1="40850" y1="74638" x2="44118" y2="74638"/>
-                        <a14:backgroundMark x1="45098" y1="74638" x2="47386" y2="75000"/>
-                        <a14:backgroundMark x1="48366" y1="75000" x2="49673" y2="75000"/>
-                        <a14:backgroundMark x1="48693" y1="74275" x2="49020" y2="74275"/>
-                        <a14:backgroundMark x1="47386" y1="74275" x2="49020" y2="74275"/>
-                        <a14:backgroundMark x1="78758" y1="61594" x2="82680" y2="59783"/>
-                        <a14:backgroundMark x1="81373" y1="58696" x2="79739" y2="60145"/>
-                        <a14:backgroundMark x1="81373" y1="58696" x2="78758" y2="61232"/>
-                      </a14:backgroundRemoval>
-                    </a14:imgEffect>
-                  </a14:imgLayer>
-                </a14:imgProps>
-              </a:ext>
-            </a:extLst>
-          </a:blip>
-          <a:srcRect l="12176" r="12062"/>
-          <a:stretch/>
-        </p:blipFill>
-        <p:spPr>
-          <a:xfrm>
-            <a:off x="4051846" y="94679"/>
-            <a:ext cx="1040308" cy="1238512"/>
+        </p:nvSpPr>
+        <p:spPr>
+          <a:xfrm>
+            <a:off x="2209800" y="4108847"/>
+            <a:ext cx="6172200" cy="707886"/>
           </a:xfrm>
           <a:prstGeom prst="rect">
             <a:avLst/>
           </a:prstGeom>
-        </p:spPr>
-      </p:pic>
+          <a:noFill/>
+        </p:spPr>
+        <p:txBody>
+          <a:bodyPr wrap="square" rtlCol="0" anchor="ctr">
+            <a:spAutoFit/>
+          </a:bodyPr>
+          <a:lstStyle/>
+          <a:p>
+            <a:pPr algn="just"/>
+            <a:r>
+              <a:rPr lang="pt-PT" sz="2000" dirty="0">
+                <a:solidFill>
+                  <a:srgbClr val="00B050"/>
+                </a:solidFill>
+                <a:latin typeface="Consolas" panose="020B0609020204030204" pitchFamily="49" charset="0"/>
+                <a:cs typeface="Arial" panose="020B0604020202020204" pitchFamily="34" charset="0"/>
+              </a:rPr>
+              <a:t>“É quarta-feira 4 de setembro, das 10:00 às 10:30.”</a:t>
+            </a:r>
+          </a:p>
+        </p:txBody>
+      </p:sp>
     </p:spTree>
     <p:extLst>
       <p:ext uri="{BB962C8B-B14F-4D97-AF65-F5344CB8AC3E}">
-        <p14:creationId xmlns:p14="http://schemas.microsoft.com/office/powerpoint/2010/main" val="2042215637"/>
+        <p14:creationId xmlns:p14="http://schemas.microsoft.com/office/powerpoint/2010/main" val="3081679528"/>
       </p:ext>
     </p:extLst>
   </p:cSld>
@@ -13572,7 +12723,7 @@
 </p:sld>
 </file>
 
-<file path=ppt/slides/slide19.xml><?xml version="1.0" encoding="utf-8"?>
+<file path=ppt/slides/slide18.xml><?xml version="1.0" encoding="utf-8"?>
 <p:sld xmlns:a="http://schemas.openxmlformats.org/drawingml/2006/main" xmlns:r="http://schemas.openxmlformats.org/officeDocument/2006/relationships" xmlns:p="http://schemas.openxmlformats.org/presentationml/2006/main">
   <p:cSld>
     <p:spTree>
@@ -13785,6 +12936,29 @@
           <a:p>
             <a:pPr marL="182563"/>
             <a:r>
+              <a:rPr lang="pt-PT" sz="1700" dirty="0">
+                <a:solidFill>
+                  <a:srgbClr val="488ED4"/>
+                </a:solidFill>
+                <a:latin typeface="Consolas" panose="020B0609020204030204" pitchFamily="49" charset="0"/>
+                <a:cs typeface="Segoe UI" panose="020B0502040204020203" pitchFamily="34" charset="0"/>
+              </a:rPr>
+              <a:t>[continuação da conversa da SEI mas já a fazer menos sentido.</a:t>
+            </a:r>
+          </a:p>
+          <a:p>
+            <a:pPr marL="182563"/>
+            <a:r>
+              <a:rPr lang="pt-PT" sz="1700" dirty="0">
+                <a:solidFill>
+                  <a:srgbClr val="488ED4"/>
+                </a:solidFill>
+                <a:latin typeface="Consolas" panose="020B0609020204030204" pitchFamily="49" charset="0"/>
+                <a:cs typeface="Segoe UI" panose="020B0502040204020203" pitchFamily="34" charset="0"/>
+              </a:rPr>
+              <a:t>não deu para tentar criar uma no meu </a:t>
+            </a:r>
+            <a:r>
               <a:rPr lang="pt-PT" sz="1700" dirty="0" err="1">
                 <a:solidFill>
                   <a:srgbClr val="488ED4"/>
@@ -13792,41 +12966,25 @@
                 <a:latin typeface="Consolas" panose="020B0609020204030204" pitchFamily="49" charset="0"/>
                 <a:cs typeface="Segoe UI" panose="020B0502040204020203" pitchFamily="34" charset="0"/>
               </a:rPr>
-              <a:t>User</a:t>
+              <a:t>pc</a:t>
             </a:r>
             <a:r>
               <a:rPr lang="pt-PT" sz="1700" dirty="0">
                 <a:solidFill>
-                  <a:schemeClr val="tx1"/>
+                  <a:srgbClr val="488ED4"/>
                 </a:solidFill>
                 <a:latin typeface="Consolas" panose="020B0609020204030204" pitchFamily="49" charset="0"/>
                 <a:cs typeface="Segoe UI" panose="020B0502040204020203" pitchFamily="34" charset="0"/>
               </a:rPr>
-              <a:t>: Bom dia, meu caro!</a:t>
-            </a:r>
-          </a:p>
-          <a:p>
-            <a:pPr marL="182563"/>
-            <a:r>
-              <a:rPr lang="pt-PT" sz="1700" dirty="0" err="1">
-                <a:solidFill>
-                  <a:srgbClr val="00B050"/>
-                </a:solidFill>
-                <a:latin typeface="Consolas" panose="020B0609020204030204" pitchFamily="49" charset="0"/>
-                <a:cs typeface="Segoe UI" panose="020B0502040204020203" pitchFamily="34" charset="0"/>
-              </a:rPr>
-              <a:t>Bots</a:t>
-            </a:r>
-            <a:r>
-              <a:rPr lang="pt-PT" sz="1700" dirty="0">
-                <a:solidFill>
-                  <a:schemeClr val="tx1"/>
-                </a:solidFill>
-                <a:latin typeface="Consolas" panose="020B0609020204030204" pitchFamily="49" charset="0"/>
-                <a:cs typeface="Segoe UI" panose="020B0502040204020203" pitchFamily="34" charset="0"/>
-              </a:rPr>
-              <a:t>: Bom dia para ti também!</a:t>
-            </a:r>
+              <a:t> porque n funciona]</a:t>
+            </a:r>
+            <a:endParaRPr lang="pt-PT" sz="1700" dirty="0">
+              <a:solidFill>
+                <a:schemeClr val="tx1"/>
+              </a:solidFill>
+              <a:latin typeface="Consolas" panose="020B0609020204030204" pitchFamily="49" charset="0"/>
+              <a:cs typeface="Segoe UI" panose="020B0502040204020203" pitchFamily="34" charset="0"/>
+            </a:endParaRPr>
           </a:p>
         </p:txBody>
       </p:sp>
@@ -13834,6 +12992,484 @@
     <p:extLst>
       <p:ext uri="{BB962C8B-B14F-4D97-AF65-F5344CB8AC3E}">
         <p14:creationId xmlns:p14="http://schemas.microsoft.com/office/powerpoint/2010/main" val="3604472605"/>
+      </p:ext>
+    </p:extLst>
+  </p:cSld>
+  <p:clrMapOvr>
+    <a:masterClrMapping/>
+  </p:clrMapOvr>
+</p:sld>
+</file>
+
+<file path=ppt/slides/slide19.xml><?xml version="1.0" encoding="utf-8"?>
+<p:sld xmlns:a="http://schemas.openxmlformats.org/drawingml/2006/main" xmlns:r="http://schemas.openxmlformats.org/officeDocument/2006/relationships" xmlns:p="http://schemas.openxmlformats.org/presentationml/2006/main">
+  <p:cSld>
+    <p:spTree>
+      <p:nvGrpSpPr>
+        <p:cNvPr id="1" name=""/>
+        <p:cNvGrpSpPr/>
+        <p:nvPr/>
+      </p:nvGrpSpPr>
+      <p:grpSpPr>
+        <a:xfrm>
+          <a:off x="0" y="0"/>
+          <a:ext cx="0" cy="0"/>
+          <a:chOff x="0" y="0"/>
+          <a:chExt cx="0" cy="0"/>
+        </a:xfrm>
+      </p:grpSpPr>
+      <p:sp>
+        <p:nvSpPr>
+          <p:cNvPr id="18" name="object 2">
+            <a:extLst>
+              <a:ext uri="{FF2B5EF4-FFF2-40B4-BE49-F238E27FC236}">
+                <a16:creationId xmlns:a16="http://schemas.microsoft.com/office/drawing/2014/main" id="{05AAF6C0-D971-4C1B-B829-B8B4D0B5493A}"/>
+              </a:ext>
+            </a:extLst>
+          </p:cNvPr>
+          <p:cNvSpPr/>
+          <p:nvPr/>
+        </p:nvSpPr>
+        <p:spPr>
+          <a:xfrm>
+            <a:off x="0" y="6"/>
+            <a:ext cx="9144000" cy="6858000"/>
+          </a:xfrm>
+          <a:custGeom>
+            <a:avLst/>
+            <a:gdLst/>
+            <a:ahLst/>
+            <a:cxnLst/>
+            <a:rect l="l" t="t" r="r" b="b"/>
+            <a:pathLst>
+              <a:path w="9144000" h="6858000">
+                <a:moveTo>
+                  <a:pt x="0" y="6857993"/>
+                </a:moveTo>
+                <a:lnTo>
+                  <a:pt x="9144000" y="6857993"/>
+                </a:lnTo>
+                <a:lnTo>
+                  <a:pt x="9144000" y="0"/>
+                </a:lnTo>
+                <a:lnTo>
+                  <a:pt x="0" y="0"/>
+                </a:lnTo>
+                <a:lnTo>
+                  <a:pt x="0" y="6857993"/>
+                </a:lnTo>
+                <a:close/>
+              </a:path>
+            </a:pathLst>
+          </a:custGeom>
+          <a:solidFill>
+            <a:srgbClr val="FAB200"/>
+          </a:solidFill>
+        </p:spPr>
+        <p:txBody>
+          <a:bodyPr wrap="square" lIns="0" tIns="0" rIns="0" bIns="0" rtlCol="0"/>
+          <a:lstStyle/>
+          <a:p>
+            <a:endParaRPr/>
+          </a:p>
+        </p:txBody>
+      </p:sp>
+      <p:sp>
+        <p:nvSpPr>
+          <p:cNvPr id="3" name="object 3"/>
+          <p:cNvSpPr txBox="1">
+            <a:spLocks noGrp="1"/>
+          </p:cNvSpPr>
+          <p:nvPr>
+            <p:ph type="title"/>
+          </p:nvPr>
+        </p:nvSpPr>
+        <p:spPr>
+          <a:xfrm>
+            <a:off x="3196205" y="186331"/>
+            <a:ext cx="2705101" cy="461023"/>
+          </a:xfrm>
+          <a:prstGeom prst="rect">
+            <a:avLst/>
+          </a:prstGeom>
+        </p:spPr>
+        <p:txBody>
+          <a:bodyPr vert="horz" wrap="square" lIns="0" tIns="14604" rIns="0" bIns="0" rtlCol="0">
+            <a:spAutoFit/>
+          </a:bodyPr>
+          <a:lstStyle/>
+          <a:p>
+            <a:pPr marL="12700" algn="ctr">
+              <a:lnSpc>
+                <a:spcPct val="100000"/>
+              </a:lnSpc>
+              <a:spcBef>
+                <a:spcPts val="114"/>
+              </a:spcBef>
+            </a:pPr>
+            <a:r>
+              <a:rPr lang="pt-PT" spc="-135" dirty="0"/>
+              <a:t>Trabalho Futuro</a:t>
+            </a:r>
+            <a:endParaRPr spc="-135" dirty="0"/>
+          </a:p>
+        </p:txBody>
+      </p:sp>
+      <p:pic>
+        <p:nvPicPr>
+          <p:cNvPr id="2052" name="Picture 4" descr="Resultado de imagem para ponto interrogaÃ§ao png">
+            <a:extLst>
+              <a:ext uri="{FF2B5EF4-FFF2-40B4-BE49-F238E27FC236}">
+                <a16:creationId xmlns:a16="http://schemas.microsoft.com/office/drawing/2014/main" id="{DF3841DC-8498-4036-87DF-9A0D93C12B1E}"/>
+              </a:ext>
+            </a:extLst>
+          </p:cNvPr>
+          <p:cNvPicPr>
+            <a:picLocks noChangeAspect="1" noChangeArrowheads="1"/>
+          </p:cNvPicPr>
+          <p:nvPr/>
+        </p:nvPicPr>
+        <p:blipFill>
+          <a:blip r:embed="rId3" cstate="print">
+            <a:extLst>
+              <a:ext uri="{28A0092B-C50C-407E-A947-70E740481C1C}">
+                <a14:useLocalDpi xmlns:a14="http://schemas.microsoft.com/office/drawing/2010/main" val="0"/>
+              </a:ext>
+            </a:extLst>
+          </a:blip>
+          <a:srcRect/>
+          <a:stretch>
+            <a:fillRect/>
+          </a:stretch>
+        </p:blipFill>
+        <p:spPr bwMode="auto">
+          <a:xfrm>
+            <a:off x="7543800" y="368653"/>
+            <a:ext cx="1819969" cy="1819969"/>
+          </a:xfrm>
+          <a:prstGeom prst="rect">
+            <a:avLst/>
+          </a:prstGeom>
+          <a:noFill/>
+          <a:extLst>
+            <a:ext uri="{909E8E84-426E-40DD-AFC4-6F175D3DCCD1}">
+              <a14:hiddenFill xmlns:a14="http://schemas.microsoft.com/office/drawing/2010/main">
+                <a:solidFill>
+                  <a:srgbClr val="FFFFFF"/>
+                </a:solidFill>
+              </a14:hiddenFill>
+            </a:ext>
+          </a:extLst>
+        </p:spPr>
+      </p:pic>
+      <p:pic>
+        <p:nvPicPr>
+          <p:cNvPr id="2054" name="Picture 6" descr="Resultado de imagem para trabalho futuro png">
+            <a:extLst>
+              <a:ext uri="{FF2B5EF4-FFF2-40B4-BE49-F238E27FC236}">
+                <a16:creationId xmlns:a16="http://schemas.microsoft.com/office/drawing/2014/main" id="{7BACF2A3-A54A-444A-A532-AB064B3B4651}"/>
+              </a:ext>
+            </a:extLst>
+          </p:cNvPr>
+          <p:cNvPicPr>
+            <a:picLocks noChangeAspect="1" noChangeArrowheads="1"/>
+          </p:cNvPicPr>
+          <p:nvPr/>
+        </p:nvPicPr>
+        <p:blipFill>
+          <a:blip r:embed="rId4" cstate="print">
+            <a:extLst>
+              <a:ext uri="{BEBA8EAE-BF5A-486C-A8C5-ECC9F3942E4B}">
+                <a14:imgProps xmlns:a14="http://schemas.microsoft.com/office/drawing/2010/main">
+                  <a14:imgLayer r:embed="rId5">
+                    <a14:imgEffect>
+                      <a14:backgroundRemoval t="10000" b="99474" l="10000" r="90000">
+                        <a14:foregroundMark x1="29035" y1="83947" x2="29035" y2="83947"/>
+                        <a14:foregroundMark x1="28860" y1="85000" x2="28070" y2="94211"/>
+                        <a14:foregroundMark x1="27544" y1="80658" x2="26842" y2="92895"/>
+                        <a14:foregroundMark x1="27018" y1="95263" x2="26754" y2="99211"/>
+                        <a14:foregroundMark x1="31228" y1="94474" x2="30351" y2="99474"/>
+                        <a14:foregroundMark x1="30526" y1="79605" x2="30877" y2="98026"/>
+                        <a14:backgroundMark x1="30175" y1="38026" x2="30175" y2="38026"/>
+                        <a14:backgroundMark x1="38158" y1="41053" x2="38158" y2="41053"/>
+                        <a14:backgroundMark x1="34211" y1="72763" x2="34649" y2="78026"/>
+                        <a14:backgroundMark x1="33509" y1="65263" x2="34386" y2="69737"/>
+                        <a14:backgroundMark x1="32018" y1="56447" x2="32018" y2="56447"/>
+                        <a14:backgroundMark x1="32018" y1="56053" x2="32018" y2="56053"/>
+                        <a14:backgroundMark x1="33333" y1="64079" x2="33333" y2="64079"/>
+                        <a14:backgroundMark x1="33070" y1="62237" x2="33070" y2="62237"/>
+                        <a14:backgroundMark x1="42632" y1="43421" x2="42632" y2="43421"/>
+                        <a14:backgroundMark x1="42895" y1="43158" x2="42895" y2="43158"/>
+                        <a14:backgroundMark x1="42105" y1="46974" x2="42105" y2="46974"/>
+                      </a14:backgroundRemoval>
+                    </a14:imgEffect>
+                  </a14:imgLayer>
+                </a14:imgProps>
+              </a:ext>
+              <a:ext uri="{28A0092B-C50C-407E-A947-70E740481C1C}">
+                <a14:useLocalDpi xmlns:a14="http://schemas.microsoft.com/office/drawing/2010/main" val="0"/>
+              </a:ext>
+            </a:extLst>
+          </a:blip>
+          <a:srcRect/>
+          <a:stretch>
+            <a:fillRect/>
+          </a:stretch>
+        </p:blipFill>
+        <p:spPr bwMode="auto">
+          <a:xfrm>
+            <a:off x="-609600" y="152400"/>
+            <a:ext cx="4686301" cy="3124200"/>
+          </a:xfrm>
+          <a:prstGeom prst="rect">
+            <a:avLst/>
+          </a:prstGeom>
+          <a:noFill/>
+          <a:extLst>
+            <a:ext uri="{909E8E84-426E-40DD-AFC4-6F175D3DCCD1}">
+              <a14:hiddenFill xmlns:a14="http://schemas.microsoft.com/office/drawing/2010/main">
+                <a:solidFill>
+                  <a:srgbClr val="FFFFFF"/>
+                </a:solidFill>
+              </a14:hiddenFill>
+            </a:ext>
+          </a:extLst>
+        </p:spPr>
+      </p:pic>
+      <p:sp>
+        <p:nvSpPr>
+          <p:cNvPr id="16" name="Retângulo: Cantos Arredondados 15">
+            <a:extLst>
+              <a:ext uri="{FF2B5EF4-FFF2-40B4-BE49-F238E27FC236}">
+                <a16:creationId xmlns:a16="http://schemas.microsoft.com/office/drawing/2014/main" id="{878AF0DB-B655-457A-AB34-6DE2F0DD9317}"/>
+              </a:ext>
+            </a:extLst>
+          </p:cNvPr>
+          <p:cNvSpPr/>
+          <p:nvPr/>
+        </p:nvSpPr>
+        <p:spPr>
+          <a:xfrm>
+            <a:off x="1295400" y="2057399"/>
+            <a:ext cx="6743699" cy="3261479"/>
+          </a:xfrm>
+          <a:prstGeom prst="roundRect">
+            <a:avLst/>
+          </a:prstGeom>
+          <a:solidFill>
+            <a:srgbClr val="DDDDDD"/>
+          </a:solidFill>
+          <a:ln>
+            <a:noFill/>
+          </a:ln>
+        </p:spPr>
+        <p:style>
+          <a:lnRef idx="2">
+            <a:schemeClr val="accent1">
+              <a:shade val="50000"/>
+            </a:schemeClr>
+          </a:lnRef>
+          <a:fillRef idx="1">
+            <a:schemeClr val="accent1"/>
+          </a:fillRef>
+          <a:effectRef idx="0">
+            <a:schemeClr val="accent1"/>
+          </a:effectRef>
+          <a:fontRef idx="minor">
+            <a:schemeClr val="lt1"/>
+          </a:fontRef>
+        </p:style>
+        <p:txBody>
+          <a:bodyPr rtlCol="0" anchor="ctr"/>
+          <a:lstStyle/>
+          <a:p>
+            <a:pPr algn="ctr"/>
+            <a:endParaRPr lang="pt-PT" dirty="0"/>
+          </a:p>
+        </p:txBody>
+      </p:sp>
+      <p:sp>
+        <p:nvSpPr>
+          <p:cNvPr id="10" name="CaixaDeTexto 9">
+            <a:extLst>
+              <a:ext uri="{FF2B5EF4-FFF2-40B4-BE49-F238E27FC236}">
+                <a16:creationId xmlns:a16="http://schemas.microsoft.com/office/drawing/2014/main" id="{665CFF42-7D2E-4CD5-BF8A-19AEEE23089F}"/>
+              </a:ext>
+            </a:extLst>
+          </p:cNvPr>
+          <p:cNvSpPr txBox="1"/>
+          <p:nvPr/>
+        </p:nvSpPr>
+        <p:spPr>
+          <a:xfrm>
+            <a:off x="1447800" y="2250281"/>
+            <a:ext cx="6391713" cy="2585323"/>
+          </a:xfrm>
+          <a:prstGeom prst="rect">
+            <a:avLst/>
+          </a:prstGeom>
+          <a:noFill/>
+        </p:spPr>
+        <p:txBody>
+          <a:bodyPr wrap="square" rtlCol="0">
+            <a:spAutoFit/>
+          </a:bodyPr>
+          <a:lstStyle/>
+          <a:p>
+            <a:pPr marL="285750" indent="-285750">
+              <a:buFont typeface="Wingdings" panose="05000000000000000000" pitchFamily="2" charset="2"/>
+              <a:buChar char="§"/>
+            </a:pPr>
+            <a:r>
+              <a:rPr lang="pt-PT" dirty="0">
+                <a:latin typeface="Arial" panose="020B0604020202020204" pitchFamily="34" charset="0"/>
+                <a:cs typeface="Arial" panose="020B0604020202020204" pitchFamily="34" charset="0"/>
+              </a:rPr>
+              <a:t>Aprendizagem</a:t>
+            </a:r>
+          </a:p>
+          <a:p>
+            <a:pPr marL="742950" lvl="1" indent="-285750">
+              <a:buFont typeface="Arial" panose="020B0604020202020204" pitchFamily="34" charset="0"/>
+              <a:buChar char="•"/>
+            </a:pPr>
+            <a:r>
+              <a:rPr lang="pt-PT" dirty="0">
+                <a:latin typeface="Arial" panose="020B0604020202020204" pitchFamily="34" charset="0"/>
+                <a:cs typeface="Arial" panose="020B0604020202020204" pitchFamily="34" charset="0"/>
+              </a:rPr>
+              <a:t>Criação de perfis de utilizador</a:t>
+            </a:r>
+          </a:p>
+          <a:p>
+            <a:pPr marL="742950" lvl="1" indent="-285750">
+              <a:buFont typeface="Arial" panose="020B0604020202020204" pitchFamily="34" charset="0"/>
+              <a:buChar char="•"/>
+            </a:pPr>
+            <a:r>
+              <a:rPr lang="pt-PT" dirty="0">
+                <a:latin typeface="Arial" panose="020B0604020202020204" pitchFamily="34" charset="0"/>
+                <a:cs typeface="Arial" panose="020B0604020202020204" pitchFamily="34" charset="0"/>
+              </a:rPr>
+              <a:t>Aprender através dos diálogos (utilizador, filmes, …)</a:t>
+            </a:r>
+          </a:p>
+          <a:p>
+            <a:pPr marL="285750" indent="-285750">
+              <a:buFont typeface="Arial" panose="020B0604020202020204" pitchFamily="34" charset="0"/>
+              <a:buChar char="•"/>
+            </a:pPr>
+            <a:endParaRPr lang="pt-PT" dirty="0">
+              <a:latin typeface="Arial" panose="020B0604020202020204" pitchFamily="34" charset="0"/>
+              <a:cs typeface="Arial" panose="020B0604020202020204" pitchFamily="34" charset="0"/>
+            </a:endParaRPr>
+          </a:p>
+          <a:p>
+            <a:pPr marL="285750" indent="-285750">
+              <a:buFont typeface="Wingdings" panose="05000000000000000000" pitchFamily="2" charset="2"/>
+              <a:buChar char="§"/>
+            </a:pPr>
+            <a:r>
+              <a:rPr lang="pt-PT" dirty="0">
+                <a:latin typeface="Arial" panose="020B0604020202020204" pitchFamily="34" charset="0"/>
+                <a:cs typeface="Arial" panose="020B0604020202020204" pitchFamily="34" charset="0"/>
+              </a:rPr>
+              <a:t>Guardar estados para dar melhor seguimento à conversa</a:t>
+            </a:r>
+          </a:p>
+          <a:p>
+            <a:pPr marL="285750" indent="-285750">
+              <a:buFont typeface="Wingdings" panose="05000000000000000000" pitchFamily="2" charset="2"/>
+              <a:buChar char="§"/>
+            </a:pPr>
+            <a:endParaRPr lang="pt-PT" dirty="0">
+              <a:latin typeface="Arial" panose="020B0604020202020204" pitchFamily="34" charset="0"/>
+              <a:cs typeface="Arial" panose="020B0604020202020204" pitchFamily="34" charset="0"/>
+            </a:endParaRPr>
+          </a:p>
+          <a:p>
+            <a:pPr marL="285750" indent="-285750">
+              <a:buFont typeface="Wingdings" panose="05000000000000000000" pitchFamily="2" charset="2"/>
+              <a:buChar char="§"/>
+            </a:pPr>
+            <a:endParaRPr lang="pt-PT" dirty="0">
+              <a:latin typeface="Arial" panose="020B0604020202020204" pitchFamily="34" charset="0"/>
+              <a:cs typeface="Arial" panose="020B0604020202020204" pitchFamily="34" charset="0"/>
+            </a:endParaRPr>
+          </a:p>
+          <a:p>
+            <a:pPr marL="742950" lvl="1" indent="-285750">
+              <a:buFont typeface="Arial" panose="020B0604020202020204" pitchFamily="34" charset="0"/>
+              <a:buChar char="•"/>
+            </a:pPr>
+            <a:endParaRPr lang="pt-PT" dirty="0">
+              <a:latin typeface="Arial" panose="020B0604020202020204" pitchFamily="34" charset="0"/>
+              <a:cs typeface="Arial" panose="020B0604020202020204" pitchFamily="34" charset="0"/>
+            </a:endParaRPr>
+          </a:p>
+          <a:p>
+            <a:pPr marL="742950" lvl="1" indent="-285750">
+              <a:buFont typeface="Arial" panose="020B0604020202020204" pitchFamily="34" charset="0"/>
+              <a:buChar char="•"/>
+            </a:pPr>
+            <a:endParaRPr lang="pt-PT" dirty="0">
+              <a:latin typeface="Arial" panose="020B0604020202020204" pitchFamily="34" charset="0"/>
+              <a:cs typeface="Arial" panose="020B0604020202020204" pitchFamily="34" charset="0"/>
+            </a:endParaRPr>
+          </a:p>
+        </p:txBody>
+      </p:sp>
+      <p:pic>
+        <p:nvPicPr>
+          <p:cNvPr id="2060" name="Picture 12" descr="Resultado de imagem para bot png">
+            <a:extLst>
+              <a:ext uri="{FF2B5EF4-FFF2-40B4-BE49-F238E27FC236}">
+                <a16:creationId xmlns:a16="http://schemas.microsoft.com/office/drawing/2014/main" id="{790224CB-C97F-4DAB-8626-1491B3C90123}"/>
+              </a:ext>
+            </a:extLst>
+          </p:cNvPr>
+          <p:cNvPicPr>
+            <a:picLocks noChangeAspect="1" noChangeArrowheads="1"/>
+          </p:cNvPicPr>
+          <p:nvPr/>
+        </p:nvPicPr>
+        <p:blipFill>
+          <a:blip r:embed="rId6" cstate="print">
+            <a:extLst>
+              <a:ext uri="{28A0092B-C50C-407E-A947-70E740481C1C}">
+                <a14:useLocalDpi xmlns:a14="http://schemas.microsoft.com/office/drawing/2010/main" val="0"/>
+              </a:ext>
+            </a:extLst>
+          </a:blip>
+          <a:srcRect/>
+          <a:stretch>
+            <a:fillRect/>
+          </a:stretch>
+        </p:blipFill>
+        <p:spPr bwMode="auto">
+          <a:xfrm>
+            <a:off x="7051885" y="4350172"/>
+            <a:ext cx="1974428" cy="1974428"/>
+          </a:xfrm>
+          <a:prstGeom prst="rect">
+            <a:avLst/>
+          </a:prstGeom>
+          <a:noFill/>
+          <a:extLst>
+            <a:ext uri="{909E8E84-426E-40DD-AFC4-6F175D3DCCD1}">
+              <a14:hiddenFill xmlns:a14="http://schemas.microsoft.com/office/drawing/2010/main">
+                <a:solidFill>
+                  <a:srgbClr val="FFFFFF"/>
+                </a:solidFill>
+              </a14:hiddenFill>
+            </a:ext>
+          </a:extLst>
+        </p:spPr>
+      </p:pic>
+    </p:spTree>
+    <p:extLst>
+      <p:ext uri="{BB962C8B-B14F-4D97-AF65-F5344CB8AC3E}">
+        <p14:creationId xmlns:p14="http://schemas.microsoft.com/office/powerpoint/2010/main" val="724390932"/>
       </p:ext>
     </p:extLst>
   </p:cSld>
@@ -14223,8 +13859,8 @@
         </p:nvSpPr>
         <p:spPr>
           <a:xfrm>
-            <a:off x="655383" y="1624917"/>
-            <a:ext cx="2561590" cy="1148391"/>
+            <a:off x="655383" y="1595965"/>
+            <a:ext cx="2561590" cy="766235"/>
           </a:xfrm>
           <a:prstGeom prst="rect">
             <a:avLst/>
@@ -14258,7 +13894,7 @@
                 <a:latin typeface="Arial"/>
                 <a:cs typeface="Arial"/>
               </a:rPr>
-              <a:t>Motivação/Objetivos</a:t>
+              <a:t>DSL</a:t>
             </a:r>
           </a:p>
           <a:p>
@@ -14276,78 +13912,6 @@
                 <a:tab pos="298450" algn="l"/>
               </a:tabLst>
             </a:pPr>
-            <a:r>
-              <a:rPr lang="pt-PT" sz="1650" b="1" spc="45" dirty="0">
-                <a:solidFill>
-                  <a:srgbClr val="FFFFFF"/>
-                </a:solidFill>
-                <a:latin typeface="Arial"/>
-                <a:cs typeface="Arial"/>
-              </a:rPr>
-              <a:t>…</a:t>
-            </a:r>
-          </a:p>
-          <a:p>
-            <a:pPr marL="298450" indent="-285750">
-              <a:lnSpc>
-                <a:spcPct val="100000"/>
-              </a:lnSpc>
-              <a:spcBef>
-                <a:spcPts val="1015"/>
-              </a:spcBef>
-              <a:buFont typeface="Arial"/>
-              <a:buChar char="•"/>
-              <a:tabLst>
-                <a:tab pos="297815" algn="l"/>
-                <a:tab pos="298450" algn="l"/>
-              </a:tabLst>
-            </a:pPr>
-            <a:endParaRPr sz="1650" dirty="0">
-              <a:latin typeface="Arial"/>
-              <a:cs typeface="Arial"/>
-            </a:endParaRPr>
-          </a:p>
-        </p:txBody>
-      </p:sp>
-      <p:sp>
-        <p:nvSpPr>
-          <p:cNvPr id="5" name="object 5"/>
-          <p:cNvSpPr txBox="1"/>
-          <p:nvPr/>
-        </p:nvSpPr>
-        <p:spPr>
-          <a:xfrm>
-            <a:off x="435432" y="1243916"/>
-            <a:ext cx="3181350" cy="268662"/>
-          </a:xfrm>
-          <a:prstGeom prst="rect">
-            <a:avLst/>
-          </a:prstGeom>
-        </p:spPr>
-        <p:txBody>
-          <a:bodyPr vert="horz" wrap="square" lIns="0" tIns="14604" rIns="0" bIns="0" rtlCol="0">
-            <a:spAutoFit/>
-          </a:bodyPr>
-          <a:lstStyle/>
-          <a:p>
-            <a:pPr marL="12700" algn="ctr">
-              <a:lnSpc>
-                <a:spcPct val="100000"/>
-              </a:lnSpc>
-              <a:spcBef>
-                <a:spcPts val="114"/>
-              </a:spcBef>
-            </a:pPr>
-            <a:r>
-              <a:rPr lang="pt-PT" sz="1650" b="1" spc="45" dirty="0">
-                <a:solidFill>
-                  <a:srgbClr val="38505F"/>
-                </a:solidFill>
-                <a:latin typeface="Arial"/>
-                <a:cs typeface="Arial"/>
-              </a:rPr>
-              <a:t>Introdução</a:t>
-            </a:r>
             <a:endParaRPr sz="1650" dirty="0">
               <a:latin typeface="Arial"/>
               <a:cs typeface="Arial"/>
@@ -14548,7 +14112,7 @@
                 <a:latin typeface="Arial"/>
                 <a:cs typeface="Arial"/>
               </a:rPr>
-              <a:t>Desenvolvimento</a:t>
+              <a:t>Casos de estudo</a:t>
             </a:r>
             <a:endParaRPr sz="1650" dirty="0">
               <a:latin typeface="Arial"/>
@@ -14711,8 +14275,8 @@
         </p:nvSpPr>
         <p:spPr>
           <a:xfrm>
-            <a:off x="1142817" y="4649523"/>
-            <a:ext cx="2254885" cy="1135566"/>
+            <a:off x="1142817" y="5141538"/>
+            <a:ext cx="2254885" cy="268662"/>
           </a:xfrm>
           <a:prstGeom prst="rect">
             <a:avLst/>
@@ -14723,55 +14287,6 @@
             <a:spAutoFit/>
           </a:bodyPr>
           <a:lstStyle/>
-          <a:p>
-            <a:pPr marL="298450" indent="-285750">
-              <a:lnSpc>
-                <a:spcPct val="100000"/>
-              </a:lnSpc>
-              <a:spcBef>
-                <a:spcPts val="1420"/>
-              </a:spcBef>
-              <a:buFont typeface="Arial" panose="020B0604020202020204" pitchFamily="34" charset="0"/>
-              <a:buChar char="•"/>
-              <a:tabLst>
-                <a:tab pos="297815" algn="l"/>
-                <a:tab pos="298450" algn="l"/>
-              </a:tabLst>
-            </a:pPr>
-            <a:endParaRPr lang="pt-PT" sz="1650" b="1" spc="35" dirty="0">
-              <a:solidFill>
-                <a:srgbClr val="FFFFFF"/>
-              </a:solidFill>
-              <a:latin typeface="Arial"/>
-              <a:cs typeface="Arial"/>
-            </a:endParaRPr>
-          </a:p>
-          <a:p>
-            <a:pPr marL="298450" indent="-285750">
-              <a:lnSpc>
-                <a:spcPct val="100000"/>
-              </a:lnSpc>
-              <a:spcBef>
-                <a:spcPts val="1420"/>
-              </a:spcBef>
-              <a:buFont typeface="Arial" panose="020B0604020202020204" pitchFamily="34" charset="0"/>
-              <a:buChar char="•"/>
-              <a:tabLst>
-                <a:tab pos="297815" algn="l"/>
-                <a:tab pos="298450" algn="l"/>
-              </a:tabLst>
-            </a:pPr>
-            <a:r>
-              <a:rPr lang="pt-PT" sz="1650" b="1" spc="35" dirty="0">
-                <a:solidFill>
-                  <a:srgbClr val="FFFFFF"/>
-                </a:solidFill>
-                <a:latin typeface="Arial"/>
-                <a:cs typeface="Arial"/>
-              </a:rPr>
-              <a:t>Demos</a:t>
-            </a:r>
-          </a:p>
           <a:p>
             <a:pPr marL="298450" indent="-285750">
               <a:lnSpc>
@@ -14981,7 +14496,7 @@
         <p:spPr>
           <a:xfrm>
             <a:off x="5105400" y="2970005"/>
-            <a:ext cx="2996302" cy="1148391"/>
+            <a:ext cx="2996302" cy="384080"/>
           </a:xfrm>
           <a:prstGeom prst="rect">
             <a:avLst/>
@@ -15015,66 +14530,17 @@
                 <a:latin typeface="Arial"/>
                 <a:cs typeface="Arial"/>
               </a:rPr>
-              <a:t>DSL</a:t>
-            </a:r>
-          </a:p>
-          <a:p>
-            <a:pPr marL="298450" indent="-285750" algn="just">
-              <a:lnSpc>
-                <a:spcPct val="100000"/>
-              </a:lnSpc>
-              <a:spcBef>
-                <a:spcPts val="1015"/>
-              </a:spcBef>
-              <a:buFont typeface="Arial"/>
-              <a:buChar char="•"/>
-              <a:tabLst>
-                <a:tab pos="297815" algn="l"/>
-                <a:tab pos="298450" algn="l"/>
-              </a:tabLst>
-            </a:pPr>
-            <a:r>
-              <a:rPr lang="pt-PT" sz="1650" b="1" spc="10" dirty="0">
-                <a:solidFill>
-                  <a:schemeClr val="bg1"/>
-                </a:solidFill>
-                <a:latin typeface="Arial"/>
-                <a:cs typeface="Arial"/>
-              </a:rPr>
-              <a:t>Funcionamento interno</a:t>
-            </a:r>
-          </a:p>
-          <a:p>
-            <a:pPr marL="298450" indent="-285750" algn="just">
-              <a:lnSpc>
-                <a:spcPct val="100000"/>
-              </a:lnSpc>
-              <a:spcBef>
-                <a:spcPts val="1015"/>
-              </a:spcBef>
-              <a:buFont typeface="Arial"/>
-              <a:buChar char="•"/>
-              <a:tabLst>
-                <a:tab pos="297815" algn="l"/>
-                <a:tab pos="298450" algn="l"/>
-              </a:tabLst>
-            </a:pPr>
-            <a:endParaRPr lang="pt-PT" sz="1650" b="1" spc="10" dirty="0">
-              <a:solidFill>
-                <a:schemeClr val="bg1"/>
-              </a:solidFill>
-              <a:latin typeface="Arial"/>
-              <a:cs typeface="Arial"/>
-            </a:endParaRPr>
-          </a:p>
-        </p:txBody>
-      </p:sp>
-      <p:sp>
-        <p:nvSpPr>
-          <p:cNvPr id="29" name="object 5">
+              <a:t>SEI</a:t>
+            </a:r>
+          </a:p>
+        </p:txBody>
+      </p:sp>
+      <p:sp>
+        <p:nvSpPr>
+          <p:cNvPr id="18" name="object 11">
             <a:extLst>
               <a:ext uri="{FF2B5EF4-FFF2-40B4-BE49-F238E27FC236}">
-                <a16:creationId xmlns:a16="http://schemas.microsoft.com/office/drawing/2014/main" id="{058F113C-3271-4083-B970-99511BAF0C70}"/>
+                <a16:creationId xmlns:a16="http://schemas.microsoft.com/office/drawing/2014/main" id="{4E00ED50-D422-4AF4-956A-FE3646713E3E}"/>
               </a:ext>
             </a:extLst>
           </p:cNvPr>
@@ -15083,8 +14549,8 @@
         </p:nvSpPr>
         <p:spPr>
           <a:xfrm>
-            <a:off x="815340" y="4677630"/>
-            <a:ext cx="2994660" cy="268662"/>
+            <a:off x="408188" y="1255338"/>
+            <a:ext cx="3181350" cy="268662"/>
           </a:xfrm>
           <a:prstGeom prst="rect">
             <a:avLst/>
@@ -15105,16 +14571,23 @@
               </a:spcBef>
             </a:pPr>
             <a:r>
-              <a:rPr lang="pt-PT" sz="1650" b="1" spc="45" dirty="0">
-                <a:solidFill>
-                  <a:srgbClr val="38505F"/>
+              <a:rPr lang="pt-PT" sz="1650" b="1" spc="-15" dirty="0">
+                <a:solidFill>
+                  <a:schemeClr val="accent1">
+                    <a:lumMod val="50000"/>
+                  </a:schemeClr>
                 </a:solidFill>
                 <a:latin typeface="Arial"/>
                 <a:cs typeface="Arial"/>
               </a:rPr>
-              <a:t>Resultados</a:t>
+              <a:t>Objetivos</a:t>
             </a:r>
             <a:endParaRPr sz="1650" dirty="0">
+              <a:solidFill>
+                <a:schemeClr val="accent1">
+                  <a:lumMod val="50000"/>
+                </a:schemeClr>
+              </a:solidFill>
               <a:latin typeface="Arial"/>
               <a:cs typeface="Arial"/>
             </a:endParaRPr>
@@ -15129,1782 +14602,7 @@
 </p:sld>
 </file>
 
-<file path=ppt/slides/slide20.xml><?xml version="1.0" encoding="utf-8"?>
-<p:sld xmlns:a="http://schemas.openxmlformats.org/drawingml/2006/main" xmlns:r="http://schemas.openxmlformats.org/officeDocument/2006/relationships" xmlns:p="http://schemas.openxmlformats.org/presentationml/2006/main">
-  <p:cSld>
-    <p:spTree>
-      <p:nvGrpSpPr>
-        <p:cNvPr id="1" name=""/>
-        <p:cNvGrpSpPr/>
-        <p:nvPr/>
-      </p:nvGrpSpPr>
-      <p:grpSpPr>
-        <a:xfrm>
-          <a:off x="0" y="0"/>
-          <a:ext cx="0" cy="0"/>
-          <a:chOff x="0" y="0"/>
-          <a:chExt cx="0" cy="0"/>
-        </a:xfrm>
-      </p:grpSpPr>
-      <p:sp>
-        <p:nvSpPr>
-          <p:cNvPr id="18" name="object 2">
-            <a:extLst>
-              <a:ext uri="{FF2B5EF4-FFF2-40B4-BE49-F238E27FC236}">
-                <a16:creationId xmlns:a16="http://schemas.microsoft.com/office/drawing/2014/main" id="{05AAF6C0-D971-4C1B-B829-B8B4D0B5493A}"/>
-              </a:ext>
-            </a:extLst>
-          </p:cNvPr>
-          <p:cNvSpPr/>
-          <p:nvPr/>
-        </p:nvSpPr>
-        <p:spPr>
-          <a:xfrm>
-            <a:off x="0" y="6"/>
-            <a:ext cx="9144000" cy="6858000"/>
-          </a:xfrm>
-          <a:custGeom>
-            <a:avLst/>
-            <a:gdLst/>
-            <a:ahLst/>
-            <a:cxnLst/>
-            <a:rect l="l" t="t" r="r" b="b"/>
-            <a:pathLst>
-              <a:path w="9144000" h="6858000">
-                <a:moveTo>
-                  <a:pt x="0" y="6857993"/>
-                </a:moveTo>
-                <a:lnTo>
-                  <a:pt x="9144000" y="6857993"/>
-                </a:lnTo>
-                <a:lnTo>
-                  <a:pt x="9144000" y="0"/>
-                </a:lnTo>
-                <a:lnTo>
-                  <a:pt x="0" y="0"/>
-                </a:lnTo>
-                <a:lnTo>
-                  <a:pt x="0" y="6857993"/>
-                </a:lnTo>
-                <a:close/>
-              </a:path>
-            </a:pathLst>
-          </a:custGeom>
-          <a:solidFill>
-            <a:srgbClr val="FAB200"/>
-          </a:solidFill>
-        </p:spPr>
-        <p:txBody>
-          <a:bodyPr wrap="square" lIns="0" tIns="0" rIns="0" bIns="0" rtlCol="0"/>
-          <a:lstStyle/>
-          <a:p>
-            <a:endParaRPr/>
-          </a:p>
-        </p:txBody>
-      </p:sp>
-      <p:sp>
-        <p:nvSpPr>
-          <p:cNvPr id="3" name="object 3"/>
-          <p:cNvSpPr txBox="1">
-            <a:spLocks noGrp="1"/>
-          </p:cNvSpPr>
-          <p:nvPr>
-            <p:ph type="title"/>
-          </p:nvPr>
-        </p:nvSpPr>
-        <p:spPr>
-          <a:xfrm>
-            <a:off x="3196205" y="186331"/>
-            <a:ext cx="2705101" cy="461023"/>
-          </a:xfrm>
-          <a:prstGeom prst="rect">
-            <a:avLst/>
-          </a:prstGeom>
-        </p:spPr>
-        <p:txBody>
-          <a:bodyPr vert="horz" wrap="square" lIns="0" tIns="14604" rIns="0" bIns="0" rtlCol="0">
-            <a:spAutoFit/>
-          </a:bodyPr>
-          <a:lstStyle/>
-          <a:p>
-            <a:pPr marL="12700" algn="ctr">
-              <a:lnSpc>
-                <a:spcPct val="100000"/>
-              </a:lnSpc>
-              <a:spcBef>
-                <a:spcPts val="114"/>
-              </a:spcBef>
-            </a:pPr>
-            <a:r>
-              <a:rPr lang="pt-PT" spc="-135" dirty="0"/>
-              <a:t>Trabalho Futuro</a:t>
-            </a:r>
-            <a:endParaRPr spc="-135" dirty="0"/>
-          </a:p>
-        </p:txBody>
-      </p:sp>
-      <p:pic>
-        <p:nvPicPr>
-          <p:cNvPr id="2052" name="Picture 4" descr="Resultado de imagem para ponto interrogaÃ§ao png">
-            <a:extLst>
-              <a:ext uri="{FF2B5EF4-FFF2-40B4-BE49-F238E27FC236}">
-                <a16:creationId xmlns:a16="http://schemas.microsoft.com/office/drawing/2014/main" id="{DF3841DC-8498-4036-87DF-9A0D93C12B1E}"/>
-              </a:ext>
-            </a:extLst>
-          </p:cNvPr>
-          <p:cNvPicPr>
-            <a:picLocks noChangeAspect="1" noChangeArrowheads="1"/>
-          </p:cNvPicPr>
-          <p:nvPr/>
-        </p:nvPicPr>
-        <p:blipFill>
-          <a:blip r:embed="rId3" cstate="print">
-            <a:extLst>
-              <a:ext uri="{28A0092B-C50C-407E-A947-70E740481C1C}">
-                <a14:useLocalDpi xmlns:a14="http://schemas.microsoft.com/office/drawing/2010/main" val="0"/>
-              </a:ext>
-            </a:extLst>
-          </a:blip>
-          <a:srcRect/>
-          <a:stretch>
-            <a:fillRect/>
-          </a:stretch>
-        </p:blipFill>
-        <p:spPr bwMode="auto">
-          <a:xfrm>
-            <a:off x="7543800" y="368653"/>
-            <a:ext cx="1819969" cy="1819969"/>
-          </a:xfrm>
-          <a:prstGeom prst="rect">
-            <a:avLst/>
-          </a:prstGeom>
-          <a:noFill/>
-          <a:extLst>
-            <a:ext uri="{909E8E84-426E-40DD-AFC4-6F175D3DCCD1}">
-              <a14:hiddenFill xmlns:a14="http://schemas.microsoft.com/office/drawing/2010/main">
-                <a:solidFill>
-                  <a:srgbClr val="FFFFFF"/>
-                </a:solidFill>
-              </a14:hiddenFill>
-            </a:ext>
-          </a:extLst>
-        </p:spPr>
-      </p:pic>
-      <p:pic>
-        <p:nvPicPr>
-          <p:cNvPr id="2054" name="Picture 6" descr="Resultado de imagem para trabalho futuro png">
-            <a:extLst>
-              <a:ext uri="{FF2B5EF4-FFF2-40B4-BE49-F238E27FC236}">
-                <a16:creationId xmlns:a16="http://schemas.microsoft.com/office/drawing/2014/main" id="{7BACF2A3-A54A-444A-A532-AB064B3B4651}"/>
-              </a:ext>
-            </a:extLst>
-          </p:cNvPr>
-          <p:cNvPicPr>
-            <a:picLocks noChangeAspect="1" noChangeArrowheads="1"/>
-          </p:cNvPicPr>
-          <p:nvPr/>
-        </p:nvPicPr>
-        <p:blipFill>
-          <a:blip r:embed="rId4" cstate="print">
-            <a:extLst>
-              <a:ext uri="{BEBA8EAE-BF5A-486C-A8C5-ECC9F3942E4B}">
-                <a14:imgProps xmlns:a14="http://schemas.microsoft.com/office/drawing/2010/main">
-                  <a14:imgLayer r:embed="rId5">
-                    <a14:imgEffect>
-                      <a14:backgroundRemoval t="10000" b="99474" l="10000" r="90000">
-                        <a14:foregroundMark x1="29035" y1="83947" x2="29035" y2="83947"/>
-                        <a14:foregroundMark x1="28860" y1="85000" x2="28070" y2="94211"/>
-                        <a14:foregroundMark x1="27544" y1="80658" x2="26842" y2="92895"/>
-                        <a14:foregroundMark x1="27018" y1="95263" x2="26754" y2="99211"/>
-                        <a14:foregroundMark x1="31228" y1="94474" x2="30351" y2="99474"/>
-                        <a14:foregroundMark x1="30526" y1="79605" x2="30877" y2="98026"/>
-                        <a14:backgroundMark x1="30175" y1="38026" x2="30175" y2="38026"/>
-                        <a14:backgroundMark x1="38158" y1="41053" x2="38158" y2="41053"/>
-                        <a14:backgroundMark x1="34211" y1="72763" x2="34649" y2="78026"/>
-                        <a14:backgroundMark x1="33509" y1="65263" x2="34386" y2="69737"/>
-                        <a14:backgroundMark x1="32018" y1="56447" x2="32018" y2="56447"/>
-                        <a14:backgroundMark x1="32018" y1="56053" x2="32018" y2="56053"/>
-                        <a14:backgroundMark x1="33333" y1="64079" x2="33333" y2="64079"/>
-                        <a14:backgroundMark x1="33070" y1="62237" x2="33070" y2="62237"/>
-                        <a14:backgroundMark x1="42632" y1="43421" x2="42632" y2="43421"/>
-                        <a14:backgroundMark x1="42895" y1="43158" x2="42895" y2="43158"/>
-                        <a14:backgroundMark x1="42105" y1="46974" x2="42105" y2="46974"/>
-                      </a14:backgroundRemoval>
-                    </a14:imgEffect>
-                  </a14:imgLayer>
-                </a14:imgProps>
-              </a:ext>
-              <a:ext uri="{28A0092B-C50C-407E-A947-70E740481C1C}">
-                <a14:useLocalDpi xmlns:a14="http://schemas.microsoft.com/office/drawing/2010/main" val="0"/>
-              </a:ext>
-            </a:extLst>
-          </a:blip>
-          <a:srcRect/>
-          <a:stretch>
-            <a:fillRect/>
-          </a:stretch>
-        </p:blipFill>
-        <p:spPr bwMode="auto">
-          <a:xfrm>
-            <a:off x="-609600" y="152400"/>
-            <a:ext cx="4686301" cy="3124200"/>
-          </a:xfrm>
-          <a:prstGeom prst="rect">
-            <a:avLst/>
-          </a:prstGeom>
-          <a:noFill/>
-          <a:extLst>
-            <a:ext uri="{909E8E84-426E-40DD-AFC4-6F175D3DCCD1}">
-              <a14:hiddenFill xmlns:a14="http://schemas.microsoft.com/office/drawing/2010/main">
-                <a:solidFill>
-                  <a:srgbClr val="FFFFFF"/>
-                </a:solidFill>
-              </a14:hiddenFill>
-            </a:ext>
-          </a:extLst>
-        </p:spPr>
-      </p:pic>
-      <p:sp>
-        <p:nvSpPr>
-          <p:cNvPr id="16" name="Retângulo: Cantos Arredondados 15">
-            <a:extLst>
-              <a:ext uri="{FF2B5EF4-FFF2-40B4-BE49-F238E27FC236}">
-                <a16:creationId xmlns:a16="http://schemas.microsoft.com/office/drawing/2014/main" id="{878AF0DB-B655-457A-AB34-6DE2F0DD9317}"/>
-              </a:ext>
-            </a:extLst>
-          </p:cNvPr>
-          <p:cNvSpPr/>
-          <p:nvPr/>
-        </p:nvSpPr>
-        <p:spPr>
-          <a:xfrm>
-            <a:off x="1295400" y="2057399"/>
-            <a:ext cx="6743699" cy="3261479"/>
-          </a:xfrm>
-          <a:prstGeom prst="roundRect">
-            <a:avLst/>
-          </a:prstGeom>
-          <a:solidFill>
-            <a:srgbClr val="DDDDDD"/>
-          </a:solidFill>
-          <a:ln>
-            <a:noFill/>
-          </a:ln>
-        </p:spPr>
-        <p:style>
-          <a:lnRef idx="2">
-            <a:schemeClr val="accent1">
-              <a:shade val="50000"/>
-            </a:schemeClr>
-          </a:lnRef>
-          <a:fillRef idx="1">
-            <a:schemeClr val="accent1"/>
-          </a:fillRef>
-          <a:effectRef idx="0">
-            <a:schemeClr val="accent1"/>
-          </a:effectRef>
-          <a:fontRef idx="minor">
-            <a:schemeClr val="lt1"/>
-          </a:fontRef>
-        </p:style>
-        <p:txBody>
-          <a:bodyPr rtlCol="0" anchor="ctr"/>
-          <a:lstStyle/>
-          <a:p>
-            <a:pPr algn="ctr"/>
-            <a:endParaRPr lang="pt-PT" dirty="0"/>
-          </a:p>
-        </p:txBody>
-      </p:sp>
-      <p:sp>
-        <p:nvSpPr>
-          <p:cNvPr id="10" name="CaixaDeTexto 9">
-            <a:extLst>
-              <a:ext uri="{FF2B5EF4-FFF2-40B4-BE49-F238E27FC236}">
-                <a16:creationId xmlns:a16="http://schemas.microsoft.com/office/drawing/2014/main" id="{665CFF42-7D2E-4CD5-BF8A-19AEEE23089F}"/>
-              </a:ext>
-            </a:extLst>
-          </p:cNvPr>
-          <p:cNvSpPr txBox="1"/>
-          <p:nvPr/>
-        </p:nvSpPr>
-        <p:spPr>
-          <a:xfrm>
-            <a:off x="1447800" y="2250281"/>
-            <a:ext cx="6391713" cy="3693319"/>
-          </a:xfrm>
-          <a:prstGeom prst="rect">
-            <a:avLst/>
-          </a:prstGeom>
-          <a:noFill/>
-        </p:spPr>
-        <p:txBody>
-          <a:bodyPr wrap="square" rtlCol="0">
-            <a:spAutoFit/>
-          </a:bodyPr>
-          <a:lstStyle/>
-          <a:p>
-            <a:pPr marL="285750" indent="-285750">
-              <a:buFont typeface="Wingdings" panose="05000000000000000000" pitchFamily="2" charset="2"/>
-              <a:buChar char="§"/>
-            </a:pPr>
-            <a:r>
-              <a:rPr lang="pt-PT" dirty="0">
-                <a:latin typeface="Arial" panose="020B0604020202020204" pitchFamily="34" charset="0"/>
-                <a:cs typeface="Arial" panose="020B0604020202020204" pitchFamily="34" charset="0"/>
-              </a:rPr>
-              <a:t>Permitir geração dos </a:t>
-            </a:r>
-            <a:r>
-              <a:rPr lang="pt-PT" i="1" dirty="0" err="1">
-                <a:latin typeface="Arial" panose="020B0604020202020204" pitchFamily="34" charset="0"/>
-                <a:cs typeface="Arial" panose="020B0604020202020204" pitchFamily="34" charset="0"/>
-              </a:rPr>
-              <a:t>bots</a:t>
-            </a:r>
-            <a:r>
-              <a:rPr lang="pt-PT" dirty="0">
-                <a:latin typeface="Arial" panose="020B0604020202020204" pitchFamily="34" charset="0"/>
-                <a:cs typeface="Arial" panose="020B0604020202020204" pitchFamily="34" charset="0"/>
-              </a:rPr>
-              <a:t> através da DSL possibilitando a especificação da categoria dos mesmos, prioridade,  agregação, …</a:t>
-            </a:r>
-          </a:p>
-          <a:p>
-            <a:pPr marL="285750" indent="-285750">
-              <a:buFont typeface="Arial" panose="020B0604020202020204" pitchFamily="34" charset="0"/>
-              <a:buChar char="•"/>
-            </a:pPr>
-            <a:endParaRPr lang="pt-PT" dirty="0">
-              <a:latin typeface="Arial" panose="020B0604020202020204" pitchFamily="34" charset="0"/>
-              <a:cs typeface="Arial" panose="020B0604020202020204" pitchFamily="34" charset="0"/>
-            </a:endParaRPr>
-          </a:p>
-          <a:p>
-            <a:pPr marL="285750" indent="-285750">
-              <a:buFont typeface="Wingdings" panose="05000000000000000000" pitchFamily="2" charset="2"/>
-              <a:buChar char="§"/>
-            </a:pPr>
-            <a:r>
-              <a:rPr lang="pt-PT" dirty="0">
-                <a:latin typeface="Arial" panose="020B0604020202020204" pitchFamily="34" charset="0"/>
-                <a:cs typeface="Arial" panose="020B0604020202020204" pitchFamily="34" charset="0"/>
-              </a:rPr>
-              <a:t>Aprendizagem</a:t>
-            </a:r>
-          </a:p>
-          <a:p>
-            <a:pPr marL="742950" lvl="1" indent="-285750">
-              <a:buFont typeface="Arial" panose="020B0604020202020204" pitchFamily="34" charset="0"/>
-              <a:buChar char="•"/>
-            </a:pPr>
-            <a:r>
-              <a:rPr lang="pt-PT" dirty="0">
-                <a:latin typeface="Arial" panose="020B0604020202020204" pitchFamily="34" charset="0"/>
-                <a:cs typeface="Arial" panose="020B0604020202020204" pitchFamily="34" charset="0"/>
-              </a:rPr>
-              <a:t>Criação de perfis de utilizador</a:t>
-            </a:r>
-          </a:p>
-          <a:p>
-            <a:pPr marL="742950" lvl="1" indent="-285750">
-              <a:buFont typeface="Arial" panose="020B0604020202020204" pitchFamily="34" charset="0"/>
-              <a:buChar char="•"/>
-            </a:pPr>
-            <a:r>
-              <a:rPr lang="pt-PT" dirty="0">
-                <a:latin typeface="Arial" panose="020B0604020202020204" pitchFamily="34" charset="0"/>
-                <a:cs typeface="Arial" panose="020B0604020202020204" pitchFamily="34" charset="0"/>
-              </a:rPr>
-              <a:t>Aprender através dos diálogos (utilizador, filmes, …)</a:t>
-            </a:r>
-          </a:p>
-          <a:p>
-            <a:pPr marL="285750" indent="-285750">
-              <a:buFont typeface="Arial" panose="020B0604020202020204" pitchFamily="34" charset="0"/>
-              <a:buChar char="•"/>
-            </a:pPr>
-            <a:endParaRPr lang="pt-PT" dirty="0">
-              <a:latin typeface="Arial" panose="020B0604020202020204" pitchFamily="34" charset="0"/>
-              <a:cs typeface="Arial" panose="020B0604020202020204" pitchFamily="34" charset="0"/>
-            </a:endParaRPr>
-          </a:p>
-          <a:p>
-            <a:pPr marL="285750" indent="-285750">
-              <a:buFont typeface="Wingdings" panose="05000000000000000000" pitchFamily="2" charset="2"/>
-              <a:buChar char="§"/>
-            </a:pPr>
-            <a:r>
-              <a:rPr lang="pt-PT" dirty="0">
-                <a:latin typeface="Arial" panose="020B0604020202020204" pitchFamily="34" charset="0"/>
-                <a:cs typeface="Arial" panose="020B0604020202020204" pitchFamily="34" charset="0"/>
-              </a:rPr>
-              <a:t>Guardar estados para dar melhor seguimento à conversa</a:t>
-            </a:r>
-          </a:p>
-          <a:p>
-            <a:pPr marL="285750" indent="-285750">
-              <a:buFont typeface="Wingdings" panose="05000000000000000000" pitchFamily="2" charset="2"/>
-              <a:buChar char="§"/>
-            </a:pPr>
-            <a:endParaRPr lang="pt-PT" dirty="0">
-              <a:latin typeface="Arial" panose="020B0604020202020204" pitchFamily="34" charset="0"/>
-              <a:cs typeface="Arial" panose="020B0604020202020204" pitchFamily="34" charset="0"/>
-            </a:endParaRPr>
-          </a:p>
-          <a:p>
-            <a:pPr marL="285750" indent="-285750">
-              <a:buFont typeface="Wingdings" panose="05000000000000000000" pitchFamily="2" charset="2"/>
-              <a:buChar char="§"/>
-            </a:pPr>
-            <a:endParaRPr lang="pt-PT" dirty="0">
-              <a:latin typeface="Arial" panose="020B0604020202020204" pitchFamily="34" charset="0"/>
-              <a:cs typeface="Arial" panose="020B0604020202020204" pitchFamily="34" charset="0"/>
-            </a:endParaRPr>
-          </a:p>
-          <a:p>
-            <a:pPr marL="742950" lvl="1" indent="-285750">
-              <a:buFont typeface="Arial" panose="020B0604020202020204" pitchFamily="34" charset="0"/>
-              <a:buChar char="•"/>
-            </a:pPr>
-            <a:endParaRPr lang="pt-PT" dirty="0">
-              <a:latin typeface="Arial" panose="020B0604020202020204" pitchFamily="34" charset="0"/>
-              <a:cs typeface="Arial" panose="020B0604020202020204" pitchFamily="34" charset="0"/>
-            </a:endParaRPr>
-          </a:p>
-          <a:p>
-            <a:pPr marL="742950" lvl="1" indent="-285750">
-              <a:buFont typeface="Arial" panose="020B0604020202020204" pitchFamily="34" charset="0"/>
-              <a:buChar char="•"/>
-            </a:pPr>
-            <a:endParaRPr lang="pt-PT" dirty="0">
-              <a:latin typeface="Arial" panose="020B0604020202020204" pitchFamily="34" charset="0"/>
-              <a:cs typeface="Arial" panose="020B0604020202020204" pitchFamily="34" charset="0"/>
-            </a:endParaRPr>
-          </a:p>
-        </p:txBody>
-      </p:sp>
-      <p:pic>
-        <p:nvPicPr>
-          <p:cNvPr id="2060" name="Picture 12" descr="Resultado de imagem para bot png">
-            <a:extLst>
-              <a:ext uri="{FF2B5EF4-FFF2-40B4-BE49-F238E27FC236}">
-                <a16:creationId xmlns:a16="http://schemas.microsoft.com/office/drawing/2014/main" id="{790224CB-C97F-4DAB-8626-1491B3C90123}"/>
-              </a:ext>
-            </a:extLst>
-          </p:cNvPr>
-          <p:cNvPicPr>
-            <a:picLocks noChangeAspect="1" noChangeArrowheads="1"/>
-          </p:cNvPicPr>
-          <p:nvPr/>
-        </p:nvPicPr>
-        <p:blipFill>
-          <a:blip r:embed="rId6" cstate="print">
-            <a:extLst>
-              <a:ext uri="{28A0092B-C50C-407E-A947-70E740481C1C}">
-                <a14:useLocalDpi xmlns:a14="http://schemas.microsoft.com/office/drawing/2010/main" val="0"/>
-              </a:ext>
-            </a:extLst>
-          </a:blip>
-          <a:srcRect/>
-          <a:stretch>
-            <a:fillRect/>
-          </a:stretch>
-        </p:blipFill>
-        <p:spPr bwMode="auto">
-          <a:xfrm>
-            <a:off x="7051885" y="4350172"/>
-            <a:ext cx="1974428" cy="1974428"/>
-          </a:xfrm>
-          <a:prstGeom prst="rect">
-            <a:avLst/>
-          </a:prstGeom>
-          <a:noFill/>
-          <a:extLst>
-            <a:ext uri="{909E8E84-426E-40DD-AFC4-6F175D3DCCD1}">
-              <a14:hiddenFill xmlns:a14="http://schemas.microsoft.com/office/drawing/2010/main">
-                <a:solidFill>
-                  <a:srgbClr val="FFFFFF"/>
-                </a:solidFill>
-              </a14:hiddenFill>
-            </a:ext>
-          </a:extLst>
-        </p:spPr>
-      </p:pic>
-    </p:spTree>
-    <p:extLst>
-      <p:ext uri="{BB962C8B-B14F-4D97-AF65-F5344CB8AC3E}">
-        <p14:creationId xmlns:p14="http://schemas.microsoft.com/office/powerpoint/2010/main" val="724390932"/>
-      </p:ext>
-    </p:extLst>
-  </p:cSld>
-  <p:clrMapOvr>
-    <a:masterClrMapping/>
-  </p:clrMapOvr>
-</p:sld>
-</file>
-
 <file path=ppt/slides/slide3.xml><?xml version="1.0" encoding="utf-8"?>
-<p:sld xmlns:a="http://schemas.openxmlformats.org/drawingml/2006/main" xmlns:r="http://schemas.openxmlformats.org/officeDocument/2006/relationships" xmlns:p="http://schemas.openxmlformats.org/presentationml/2006/main">
-  <p:cSld>
-    <p:spTree>
-      <p:nvGrpSpPr>
-        <p:cNvPr id="1" name=""/>
-        <p:cNvGrpSpPr/>
-        <p:nvPr/>
-      </p:nvGrpSpPr>
-      <p:grpSpPr>
-        <a:xfrm>
-          <a:off x="0" y="0"/>
-          <a:ext cx="0" cy="0"/>
-          <a:chOff x="0" y="0"/>
-          <a:chExt cx="0" cy="0"/>
-        </a:xfrm>
-      </p:grpSpPr>
-      <p:pic>
-        <p:nvPicPr>
-          <p:cNvPr id="11" name="Picture 10" descr="Resultado de imagem para Mitsuku bot logo">
-            <a:extLst>
-              <a:ext uri="{FF2B5EF4-FFF2-40B4-BE49-F238E27FC236}">
-                <a16:creationId xmlns:a16="http://schemas.microsoft.com/office/drawing/2014/main" id="{8BB9AE97-0375-45DE-9C8A-7F334DF547C4}"/>
-              </a:ext>
-            </a:extLst>
-          </p:cNvPr>
-          <p:cNvPicPr>
-            <a:picLocks noChangeAspect="1" noChangeArrowheads="1"/>
-          </p:cNvPicPr>
-          <p:nvPr/>
-        </p:nvPicPr>
-        <p:blipFill>
-          <a:blip r:embed="rId3">
-            <a:extLst>
-              <a:ext uri="{28A0092B-C50C-407E-A947-70E740481C1C}">
-                <a14:useLocalDpi xmlns:a14="http://schemas.microsoft.com/office/drawing/2010/main" val="0"/>
-              </a:ext>
-            </a:extLst>
-          </a:blip>
-          <a:srcRect/>
-          <a:stretch>
-            <a:fillRect/>
-          </a:stretch>
-        </p:blipFill>
-        <p:spPr bwMode="auto">
-          <a:xfrm>
-            <a:off x="5695410" y="4423409"/>
-            <a:ext cx="1841744" cy="1841744"/>
-          </a:xfrm>
-          <a:prstGeom prst="rect">
-            <a:avLst/>
-          </a:prstGeom>
-          <a:noFill/>
-          <a:extLst>
-            <a:ext uri="{909E8E84-426E-40DD-AFC4-6F175D3DCCD1}">
-              <a14:hiddenFill xmlns:a14="http://schemas.microsoft.com/office/drawing/2010/main">
-                <a:solidFill>
-                  <a:srgbClr val="FFFFFF"/>
-                </a:solidFill>
-              </a14:hiddenFill>
-            </a:ext>
-          </a:extLst>
-        </p:spPr>
-      </p:pic>
-      <p:pic>
-        <p:nvPicPr>
-          <p:cNvPr id="13" name="Picture 12" descr="Resultado de imagem para facebook m bot logo">
-            <a:extLst>
-              <a:ext uri="{FF2B5EF4-FFF2-40B4-BE49-F238E27FC236}">
-                <a16:creationId xmlns:a16="http://schemas.microsoft.com/office/drawing/2014/main" id="{750BA050-E4AF-4BA4-9D02-5E516C980E66}"/>
-              </a:ext>
-            </a:extLst>
-          </p:cNvPr>
-          <p:cNvPicPr>
-            <a:picLocks noChangeAspect="1" noChangeArrowheads="1"/>
-          </p:cNvPicPr>
-          <p:nvPr/>
-        </p:nvPicPr>
-        <p:blipFill>
-          <a:blip r:embed="rId4" cstate="print">
-            <a:extLst>
-              <a:ext uri="{BEBA8EAE-BF5A-486C-A8C5-ECC9F3942E4B}">
-                <a14:imgProps xmlns:a14="http://schemas.microsoft.com/office/drawing/2010/main">
-                  <a14:imgLayer r:embed="rId5">
-                    <a14:imgEffect>
-                      <a14:backgroundRemoval t="10000" b="90000" l="10000" r="90000">
-                        <a14:foregroundMark x1="33597" y1="23460" x2="33597" y2="23460"/>
-                        <a14:foregroundMark x1="26219" y1="14692" x2="30303" y2="82227"/>
-                        <a14:foregroundMark x1="30303" y1="82227" x2="36364" y2="87441"/>
-                        <a14:foregroundMark x1="36364" y1="87441" x2="47694" y2="64929"/>
-                        <a14:foregroundMark x1="47694" y1="64929" x2="54545" y2="68483"/>
-                        <a14:foregroundMark x1="54545" y1="68483" x2="59157" y2="78199"/>
-                        <a14:foregroundMark x1="59157" y1="78199" x2="66271" y2="78436"/>
-                        <a14:foregroundMark x1="66271" y1="78436" x2="69302" y2="66825"/>
-                        <a14:foregroundMark x1="69302" y1="66825" x2="68775" y2="31754"/>
-                        <a14:foregroundMark x1="68775" y1="31754" x2="63505" y2="22512"/>
-                        <a14:foregroundMark x1="63505" y1="22512" x2="57312" y2="32227"/>
-                        <a14:foregroundMark x1="57312" y1="32227" x2="48748" y2="39573"/>
-                        <a14:foregroundMark x1="48748" y1="39573" x2="41238" y2="34597"/>
-                        <a14:foregroundMark x1="41238" y1="34597" x2="38999" y2="21327"/>
-                        <a14:foregroundMark x1="38999" y1="21327" x2="32411" y2="16588"/>
-                        <a14:foregroundMark x1="32411" y1="16588" x2="26746" y2="20616"/>
-                      </a14:backgroundRemoval>
-                    </a14:imgEffect>
-                  </a14:imgLayer>
-                </a14:imgProps>
-              </a:ext>
-              <a:ext uri="{28A0092B-C50C-407E-A947-70E740481C1C}">
-                <a14:useLocalDpi xmlns:a14="http://schemas.microsoft.com/office/drawing/2010/main" val="0"/>
-              </a:ext>
-            </a:extLst>
-          </a:blip>
-          <a:srcRect/>
-          <a:stretch>
-            <a:fillRect/>
-          </a:stretch>
-        </p:blipFill>
-        <p:spPr bwMode="auto">
-          <a:xfrm>
-            <a:off x="6882613" y="3357026"/>
-            <a:ext cx="2179716" cy="1211911"/>
-          </a:xfrm>
-          <a:prstGeom prst="rect">
-            <a:avLst/>
-          </a:prstGeom>
-          <a:noFill/>
-          <a:extLst>
-            <a:ext uri="{909E8E84-426E-40DD-AFC4-6F175D3DCCD1}">
-              <a14:hiddenFill xmlns:a14="http://schemas.microsoft.com/office/drawing/2010/main">
-                <a:solidFill>
-                  <a:srgbClr val="FFFFFF"/>
-                </a:solidFill>
-              </a14:hiddenFill>
-            </a:ext>
-          </a:extLst>
-        </p:spPr>
-      </p:pic>
-      <p:pic>
-        <p:nvPicPr>
-          <p:cNvPr id="14" name="Picture 16" descr="Resultado de imagem para Duolingo">
-            <a:extLst>
-              <a:ext uri="{FF2B5EF4-FFF2-40B4-BE49-F238E27FC236}">
-                <a16:creationId xmlns:a16="http://schemas.microsoft.com/office/drawing/2014/main" id="{1E2D716D-18A3-4089-931A-B7FF3C31B178}"/>
-              </a:ext>
-            </a:extLst>
-          </p:cNvPr>
-          <p:cNvPicPr>
-            <a:picLocks noChangeAspect="1" noChangeArrowheads="1"/>
-          </p:cNvPicPr>
-          <p:nvPr/>
-        </p:nvPicPr>
-        <p:blipFill>
-          <a:blip r:embed="rId6" cstate="print">
-            <a:extLst>
-              <a:ext uri="{28A0092B-C50C-407E-A947-70E740481C1C}">
-                <a14:useLocalDpi xmlns:a14="http://schemas.microsoft.com/office/drawing/2010/main" val="0"/>
-              </a:ext>
-            </a:extLst>
-          </a:blip>
-          <a:srcRect/>
-          <a:stretch>
-            <a:fillRect/>
-          </a:stretch>
-        </p:blipFill>
-        <p:spPr bwMode="auto">
-          <a:xfrm>
-            <a:off x="454465" y="3429000"/>
-            <a:ext cx="1351186" cy="1351186"/>
-          </a:xfrm>
-          <a:prstGeom prst="rect">
-            <a:avLst/>
-          </a:prstGeom>
-          <a:noFill/>
-          <a:extLst>
-            <a:ext uri="{909E8E84-426E-40DD-AFC4-6F175D3DCCD1}">
-              <a14:hiddenFill xmlns:a14="http://schemas.microsoft.com/office/drawing/2010/main">
-                <a:solidFill>
-                  <a:srgbClr val="FFFFFF"/>
-                </a:solidFill>
-              </a14:hiddenFill>
-            </a:ext>
-          </a:extLst>
-        </p:spPr>
-      </p:pic>
-      <p:sp>
-        <p:nvSpPr>
-          <p:cNvPr id="18" name="object 8">
-            <a:extLst>
-              <a:ext uri="{FF2B5EF4-FFF2-40B4-BE49-F238E27FC236}">
-                <a16:creationId xmlns:a16="http://schemas.microsoft.com/office/drawing/2014/main" id="{5F5DB13B-DF97-489F-A89F-BF6F99307CBA}"/>
-              </a:ext>
-            </a:extLst>
-          </p:cNvPr>
-          <p:cNvSpPr/>
-          <p:nvPr/>
-        </p:nvSpPr>
-        <p:spPr>
-          <a:xfrm>
-            <a:off x="4929548" y="1832559"/>
-            <a:ext cx="3498871" cy="446276"/>
-          </a:xfrm>
-          <a:custGeom>
-            <a:avLst/>
-            <a:gdLst/>
-            <a:ahLst/>
-            <a:cxnLst/>
-            <a:rect l="l" t="t" r="r" b="b"/>
-            <a:pathLst>
-              <a:path w="4325620" h="1428750">
-                <a:moveTo>
-                  <a:pt x="4086953" y="0"/>
-                </a:moveTo>
-                <a:lnTo>
-                  <a:pt x="238109" y="0"/>
-                </a:lnTo>
-                <a:lnTo>
-                  <a:pt x="190122" y="4837"/>
-                </a:lnTo>
-                <a:lnTo>
-                  <a:pt x="145426" y="18711"/>
-                </a:lnTo>
-                <a:lnTo>
-                  <a:pt x="104980" y="40665"/>
-                </a:lnTo>
-                <a:lnTo>
-                  <a:pt x="69740" y="69740"/>
-                </a:lnTo>
-                <a:lnTo>
-                  <a:pt x="40665" y="104980"/>
-                </a:lnTo>
-                <a:lnTo>
-                  <a:pt x="18711" y="145427"/>
-                </a:lnTo>
-                <a:lnTo>
-                  <a:pt x="4837" y="190123"/>
-                </a:lnTo>
-                <a:lnTo>
-                  <a:pt x="0" y="238112"/>
-                </a:lnTo>
-                <a:lnTo>
-                  <a:pt x="0" y="1190524"/>
-                </a:lnTo>
-                <a:lnTo>
-                  <a:pt x="4837" y="1238512"/>
-                </a:lnTo>
-                <a:lnTo>
-                  <a:pt x="18711" y="1283207"/>
-                </a:lnTo>
-                <a:lnTo>
-                  <a:pt x="40665" y="1323654"/>
-                </a:lnTo>
-                <a:lnTo>
-                  <a:pt x="69740" y="1358893"/>
-                </a:lnTo>
-                <a:lnTo>
-                  <a:pt x="104980" y="1387969"/>
-                </a:lnTo>
-                <a:lnTo>
-                  <a:pt x="145426" y="1409922"/>
-                </a:lnTo>
-                <a:lnTo>
-                  <a:pt x="190122" y="1423796"/>
-                </a:lnTo>
-                <a:lnTo>
-                  <a:pt x="238109" y="1428634"/>
-                </a:lnTo>
-                <a:lnTo>
-                  <a:pt x="4086953" y="1428634"/>
-                </a:lnTo>
-                <a:lnTo>
-                  <a:pt x="4134942" y="1423796"/>
-                </a:lnTo>
-                <a:lnTo>
-                  <a:pt x="4179639" y="1409922"/>
-                </a:lnTo>
-                <a:lnTo>
-                  <a:pt x="4220086" y="1387969"/>
-                </a:lnTo>
-                <a:lnTo>
-                  <a:pt x="4255325" y="1358893"/>
-                </a:lnTo>
-                <a:lnTo>
-                  <a:pt x="4284401" y="1323654"/>
-                </a:lnTo>
-                <a:lnTo>
-                  <a:pt x="4306354" y="1283207"/>
-                </a:lnTo>
-                <a:lnTo>
-                  <a:pt x="4320228" y="1238512"/>
-                </a:lnTo>
-                <a:lnTo>
-                  <a:pt x="4325066" y="1190524"/>
-                </a:lnTo>
-                <a:lnTo>
-                  <a:pt x="4325066" y="238112"/>
-                </a:lnTo>
-                <a:lnTo>
-                  <a:pt x="4320228" y="190123"/>
-                </a:lnTo>
-                <a:lnTo>
-                  <a:pt x="4306354" y="145427"/>
-                </a:lnTo>
-                <a:lnTo>
-                  <a:pt x="4284401" y="104980"/>
-                </a:lnTo>
-                <a:lnTo>
-                  <a:pt x="4255325" y="69740"/>
-                </a:lnTo>
-                <a:lnTo>
-                  <a:pt x="4220086" y="40665"/>
-                </a:lnTo>
-                <a:lnTo>
-                  <a:pt x="4179639" y="18711"/>
-                </a:lnTo>
-                <a:lnTo>
-                  <a:pt x="4134942" y="4837"/>
-                </a:lnTo>
-                <a:lnTo>
-                  <a:pt x="4086953" y="0"/>
-                </a:lnTo>
-                <a:close/>
-              </a:path>
-            </a:pathLst>
-          </a:custGeom>
-          <a:solidFill>
-            <a:srgbClr val="38505F"/>
-          </a:solidFill>
-        </p:spPr>
-        <p:txBody>
-          <a:bodyPr wrap="square" lIns="0" tIns="0" rIns="0" bIns="0" rtlCol="0"/>
-          <a:lstStyle/>
-          <a:p>
-            <a:endParaRPr dirty="0"/>
-          </a:p>
-        </p:txBody>
-      </p:sp>
-      <p:sp>
-        <p:nvSpPr>
-          <p:cNvPr id="7" name="Retângulo 6">
-            <a:extLst>
-              <a:ext uri="{FF2B5EF4-FFF2-40B4-BE49-F238E27FC236}">
-                <a16:creationId xmlns:a16="http://schemas.microsoft.com/office/drawing/2014/main" id="{30ADA8B0-59C0-4021-818B-A7680E4E1A72}"/>
-              </a:ext>
-            </a:extLst>
-          </p:cNvPr>
-          <p:cNvSpPr/>
-          <p:nvPr/>
-        </p:nvSpPr>
-        <p:spPr>
-          <a:xfrm>
-            <a:off x="4916486" y="1829611"/>
-            <a:ext cx="3492256" cy="408772"/>
-          </a:xfrm>
-          <a:prstGeom prst="rect">
-            <a:avLst/>
-          </a:prstGeom>
-          <a:noFill/>
-          <a:ln>
-            <a:noFill/>
-          </a:ln>
-        </p:spPr>
-        <p:style>
-          <a:lnRef idx="2">
-            <a:schemeClr val="accent1">
-              <a:shade val="50000"/>
-            </a:schemeClr>
-          </a:lnRef>
-          <a:fillRef idx="1">
-            <a:schemeClr val="accent1"/>
-          </a:fillRef>
-          <a:effectRef idx="0">
-            <a:schemeClr val="accent1"/>
-          </a:effectRef>
-          <a:fontRef idx="minor">
-            <a:schemeClr val="lt1"/>
-          </a:fontRef>
-        </p:style>
-        <p:txBody>
-          <a:bodyPr rtlCol="0" anchor="ctr"/>
-          <a:lstStyle/>
-          <a:p>
-            <a:pPr algn="ctr"/>
-            <a:r>
-              <a:rPr lang="pt-PT" dirty="0">
-                <a:solidFill>
-                  <a:schemeClr val="bg1"/>
-                </a:solidFill>
-                <a:latin typeface="Arial" panose="020B0604020202020204" pitchFamily="34" charset="0"/>
-                <a:cs typeface="Arial" panose="020B0604020202020204" pitchFamily="34" charset="0"/>
-              </a:rPr>
-              <a:t>Tutores de Línguas Estrangeiras</a:t>
-            </a:r>
-          </a:p>
-        </p:txBody>
-      </p:sp>
-      <p:sp>
-        <p:nvSpPr>
-          <p:cNvPr id="22" name="object 8">
-            <a:extLst>
-              <a:ext uri="{FF2B5EF4-FFF2-40B4-BE49-F238E27FC236}">
-                <a16:creationId xmlns:a16="http://schemas.microsoft.com/office/drawing/2014/main" id="{BE5C7301-C50B-4807-8924-74534F808B83}"/>
-              </a:ext>
-            </a:extLst>
-          </p:cNvPr>
-          <p:cNvSpPr/>
-          <p:nvPr/>
-        </p:nvSpPr>
-        <p:spPr>
-          <a:xfrm>
-            <a:off x="4929548" y="2499552"/>
-            <a:ext cx="3498871" cy="446276"/>
-          </a:xfrm>
-          <a:custGeom>
-            <a:avLst/>
-            <a:gdLst/>
-            <a:ahLst/>
-            <a:cxnLst/>
-            <a:rect l="l" t="t" r="r" b="b"/>
-            <a:pathLst>
-              <a:path w="4325620" h="1428750">
-                <a:moveTo>
-                  <a:pt x="4086953" y="0"/>
-                </a:moveTo>
-                <a:lnTo>
-                  <a:pt x="238109" y="0"/>
-                </a:lnTo>
-                <a:lnTo>
-                  <a:pt x="190122" y="4837"/>
-                </a:lnTo>
-                <a:lnTo>
-                  <a:pt x="145426" y="18711"/>
-                </a:lnTo>
-                <a:lnTo>
-                  <a:pt x="104980" y="40665"/>
-                </a:lnTo>
-                <a:lnTo>
-                  <a:pt x="69740" y="69740"/>
-                </a:lnTo>
-                <a:lnTo>
-                  <a:pt x="40665" y="104980"/>
-                </a:lnTo>
-                <a:lnTo>
-                  <a:pt x="18711" y="145427"/>
-                </a:lnTo>
-                <a:lnTo>
-                  <a:pt x="4837" y="190123"/>
-                </a:lnTo>
-                <a:lnTo>
-                  <a:pt x="0" y="238112"/>
-                </a:lnTo>
-                <a:lnTo>
-                  <a:pt x="0" y="1190524"/>
-                </a:lnTo>
-                <a:lnTo>
-                  <a:pt x="4837" y="1238512"/>
-                </a:lnTo>
-                <a:lnTo>
-                  <a:pt x="18711" y="1283207"/>
-                </a:lnTo>
-                <a:lnTo>
-                  <a:pt x="40665" y="1323654"/>
-                </a:lnTo>
-                <a:lnTo>
-                  <a:pt x="69740" y="1358893"/>
-                </a:lnTo>
-                <a:lnTo>
-                  <a:pt x="104980" y="1387969"/>
-                </a:lnTo>
-                <a:lnTo>
-                  <a:pt x="145426" y="1409922"/>
-                </a:lnTo>
-                <a:lnTo>
-                  <a:pt x="190122" y="1423796"/>
-                </a:lnTo>
-                <a:lnTo>
-                  <a:pt x="238109" y="1428634"/>
-                </a:lnTo>
-                <a:lnTo>
-                  <a:pt x="4086953" y="1428634"/>
-                </a:lnTo>
-                <a:lnTo>
-                  <a:pt x="4134942" y="1423796"/>
-                </a:lnTo>
-                <a:lnTo>
-                  <a:pt x="4179639" y="1409922"/>
-                </a:lnTo>
-                <a:lnTo>
-                  <a:pt x="4220086" y="1387969"/>
-                </a:lnTo>
-                <a:lnTo>
-                  <a:pt x="4255325" y="1358893"/>
-                </a:lnTo>
-                <a:lnTo>
-                  <a:pt x="4284401" y="1323654"/>
-                </a:lnTo>
-                <a:lnTo>
-                  <a:pt x="4306354" y="1283207"/>
-                </a:lnTo>
-                <a:lnTo>
-                  <a:pt x="4320228" y="1238512"/>
-                </a:lnTo>
-                <a:lnTo>
-                  <a:pt x="4325066" y="1190524"/>
-                </a:lnTo>
-                <a:lnTo>
-                  <a:pt x="4325066" y="238112"/>
-                </a:lnTo>
-                <a:lnTo>
-                  <a:pt x="4320228" y="190123"/>
-                </a:lnTo>
-                <a:lnTo>
-                  <a:pt x="4306354" y="145427"/>
-                </a:lnTo>
-                <a:lnTo>
-                  <a:pt x="4284401" y="104980"/>
-                </a:lnTo>
-                <a:lnTo>
-                  <a:pt x="4255325" y="69740"/>
-                </a:lnTo>
-                <a:lnTo>
-                  <a:pt x="4220086" y="40665"/>
-                </a:lnTo>
-                <a:lnTo>
-                  <a:pt x="4179639" y="18711"/>
-                </a:lnTo>
-                <a:lnTo>
-                  <a:pt x="4134942" y="4837"/>
-                </a:lnTo>
-                <a:lnTo>
-                  <a:pt x="4086953" y="0"/>
-                </a:lnTo>
-                <a:close/>
-              </a:path>
-            </a:pathLst>
-          </a:custGeom>
-          <a:solidFill>
-            <a:srgbClr val="38505F"/>
-          </a:solidFill>
-        </p:spPr>
-        <p:txBody>
-          <a:bodyPr wrap="square" lIns="0" tIns="0" rIns="0" bIns="0" rtlCol="0"/>
-          <a:lstStyle/>
-          <a:p>
-            <a:endParaRPr dirty="0"/>
-          </a:p>
-        </p:txBody>
-      </p:sp>
-      <p:sp>
-        <p:nvSpPr>
-          <p:cNvPr id="10" name="Retângulo 9">
-            <a:extLst>
-              <a:ext uri="{FF2B5EF4-FFF2-40B4-BE49-F238E27FC236}">
-                <a16:creationId xmlns:a16="http://schemas.microsoft.com/office/drawing/2014/main" id="{ACD8BF2F-1595-4165-840F-3E2D2E76B0C8}"/>
-              </a:ext>
-            </a:extLst>
-          </p:cNvPr>
-          <p:cNvSpPr/>
-          <p:nvPr/>
-        </p:nvSpPr>
-        <p:spPr>
-          <a:xfrm>
-            <a:off x="4887911" y="2505878"/>
-            <a:ext cx="3492256" cy="408772"/>
-          </a:xfrm>
-          <a:prstGeom prst="rect">
-            <a:avLst/>
-          </a:prstGeom>
-          <a:noFill/>
-          <a:ln>
-            <a:noFill/>
-          </a:ln>
-        </p:spPr>
-        <p:style>
-          <a:lnRef idx="2">
-            <a:schemeClr val="accent1">
-              <a:shade val="50000"/>
-            </a:schemeClr>
-          </a:lnRef>
-          <a:fillRef idx="1">
-            <a:schemeClr val="accent1"/>
-          </a:fillRef>
-          <a:effectRef idx="0">
-            <a:schemeClr val="accent1"/>
-          </a:effectRef>
-          <a:fontRef idx="minor">
-            <a:schemeClr val="lt1"/>
-          </a:fontRef>
-        </p:style>
-        <p:txBody>
-          <a:bodyPr rtlCol="0" anchor="ctr"/>
-          <a:lstStyle/>
-          <a:p>
-            <a:pPr algn="ctr"/>
-            <a:r>
-              <a:rPr lang="pt-PT" dirty="0">
-                <a:solidFill>
-                  <a:schemeClr val="bg1"/>
-                </a:solidFill>
-                <a:latin typeface="Arial" panose="020B0604020202020204" pitchFamily="34" charset="0"/>
-                <a:cs typeface="Arial" panose="020B0604020202020204" pitchFamily="34" charset="0"/>
-              </a:rPr>
-              <a:t>Planeamento de Viagens</a:t>
-            </a:r>
-          </a:p>
-        </p:txBody>
-      </p:sp>
-      <p:sp>
-        <p:nvSpPr>
-          <p:cNvPr id="23" name="object 8">
-            <a:extLst>
-              <a:ext uri="{FF2B5EF4-FFF2-40B4-BE49-F238E27FC236}">
-                <a16:creationId xmlns:a16="http://schemas.microsoft.com/office/drawing/2014/main" id="{BE40FAB3-E28D-4CA3-B3F2-7A65C1369C75}"/>
-              </a:ext>
-            </a:extLst>
-          </p:cNvPr>
-          <p:cNvSpPr/>
-          <p:nvPr/>
-        </p:nvSpPr>
-        <p:spPr>
-          <a:xfrm>
-            <a:off x="794659" y="2497483"/>
-            <a:ext cx="3498871" cy="446276"/>
-          </a:xfrm>
-          <a:custGeom>
-            <a:avLst/>
-            <a:gdLst/>
-            <a:ahLst/>
-            <a:cxnLst/>
-            <a:rect l="l" t="t" r="r" b="b"/>
-            <a:pathLst>
-              <a:path w="4325620" h="1428750">
-                <a:moveTo>
-                  <a:pt x="4086953" y="0"/>
-                </a:moveTo>
-                <a:lnTo>
-                  <a:pt x="238109" y="0"/>
-                </a:lnTo>
-                <a:lnTo>
-                  <a:pt x="190122" y="4837"/>
-                </a:lnTo>
-                <a:lnTo>
-                  <a:pt x="145426" y="18711"/>
-                </a:lnTo>
-                <a:lnTo>
-                  <a:pt x="104980" y="40665"/>
-                </a:lnTo>
-                <a:lnTo>
-                  <a:pt x="69740" y="69740"/>
-                </a:lnTo>
-                <a:lnTo>
-                  <a:pt x="40665" y="104980"/>
-                </a:lnTo>
-                <a:lnTo>
-                  <a:pt x="18711" y="145427"/>
-                </a:lnTo>
-                <a:lnTo>
-                  <a:pt x="4837" y="190123"/>
-                </a:lnTo>
-                <a:lnTo>
-                  <a:pt x="0" y="238112"/>
-                </a:lnTo>
-                <a:lnTo>
-                  <a:pt x="0" y="1190524"/>
-                </a:lnTo>
-                <a:lnTo>
-                  <a:pt x="4837" y="1238512"/>
-                </a:lnTo>
-                <a:lnTo>
-                  <a:pt x="18711" y="1283207"/>
-                </a:lnTo>
-                <a:lnTo>
-                  <a:pt x="40665" y="1323654"/>
-                </a:lnTo>
-                <a:lnTo>
-                  <a:pt x="69740" y="1358893"/>
-                </a:lnTo>
-                <a:lnTo>
-                  <a:pt x="104980" y="1387969"/>
-                </a:lnTo>
-                <a:lnTo>
-                  <a:pt x="145426" y="1409922"/>
-                </a:lnTo>
-                <a:lnTo>
-                  <a:pt x="190122" y="1423796"/>
-                </a:lnTo>
-                <a:lnTo>
-                  <a:pt x="238109" y="1428634"/>
-                </a:lnTo>
-                <a:lnTo>
-                  <a:pt x="4086953" y="1428634"/>
-                </a:lnTo>
-                <a:lnTo>
-                  <a:pt x="4134942" y="1423796"/>
-                </a:lnTo>
-                <a:lnTo>
-                  <a:pt x="4179639" y="1409922"/>
-                </a:lnTo>
-                <a:lnTo>
-                  <a:pt x="4220086" y="1387969"/>
-                </a:lnTo>
-                <a:lnTo>
-                  <a:pt x="4255325" y="1358893"/>
-                </a:lnTo>
-                <a:lnTo>
-                  <a:pt x="4284401" y="1323654"/>
-                </a:lnTo>
-                <a:lnTo>
-                  <a:pt x="4306354" y="1283207"/>
-                </a:lnTo>
-                <a:lnTo>
-                  <a:pt x="4320228" y="1238512"/>
-                </a:lnTo>
-                <a:lnTo>
-                  <a:pt x="4325066" y="1190524"/>
-                </a:lnTo>
-                <a:lnTo>
-                  <a:pt x="4325066" y="238112"/>
-                </a:lnTo>
-                <a:lnTo>
-                  <a:pt x="4320228" y="190123"/>
-                </a:lnTo>
-                <a:lnTo>
-                  <a:pt x="4306354" y="145427"/>
-                </a:lnTo>
-                <a:lnTo>
-                  <a:pt x="4284401" y="104980"/>
-                </a:lnTo>
-                <a:lnTo>
-                  <a:pt x="4255325" y="69740"/>
-                </a:lnTo>
-                <a:lnTo>
-                  <a:pt x="4220086" y="40665"/>
-                </a:lnTo>
-                <a:lnTo>
-                  <a:pt x="4179639" y="18711"/>
-                </a:lnTo>
-                <a:lnTo>
-                  <a:pt x="4134942" y="4837"/>
-                </a:lnTo>
-                <a:lnTo>
-                  <a:pt x="4086953" y="0"/>
-                </a:lnTo>
-                <a:close/>
-              </a:path>
-            </a:pathLst>
-          </a:custGeom>
-          <a:solidFill>
-            <a:srgbClr val="38505F"/>
-          </a:solidFill>
-        </p:spPr>
-        <p:txBody>
-          <a:bodyPr wrap="square" lIns="0" tIns="0" rIns="0" bIns="0" rtlCol="0"/>
-          <a:lstStyle/>
-          <a:p>
-            <a:endParaRPr dirty="0"/>
-          </a:p>
-        </p:txBody>
-      </p:sp>
-      <p:sp>
-        <p:nvSpPr>
-          <p:cNvPr id="24" name="object 8">
-            <a:extLst>
-              <a:ext uri="{FF2B5EF4-FFF2-40B4-BE49-F238E27FC236}">
-                <a16:creationId xmlns:a16="http://schemas.microsoft.com/office/drawing/2014/main" id="{7CF870DA-3BCC-4560-B858-9B1A2C1D0C71}"/>
-              </a:ext>
-            </a:extLst>
-          </p:cNvPr>
-          <p:cNvSpPr/>
-          <p:nvPr/>
-        </p:nvSpPr>
-        <p:spPr>
-          <a:xfrm>
-            <a:off x="817874" y="1825646"/>
-            <a:ext cx="3498871" cy="446276"/>
-          </a:xfrm>
-          <a:custGeom>
-            <a:avLst/>
-            <a:gdLst/>
-            <a:ahLst/>
-            <a:cxnLst/>
-            <a:rect l="l" t="t" r="r" b="b"/>
-            <a:pathLst>
-              <a:path w="4325620" h="1428750">
-                <a:moveTo>
-                  <a:pt x="4086953" y="0"/>
-                </a:moveTo>
-                <a:lnTo>
-                  <a:pt x="238109" y="0"/>
-                </a:lnTo>
-                <a:lnTo>
-                  <a:pt x="190122" y="4837"/>
-                </a:lnTo>
-                <a:lnTo>
-                  <a:pt x="145426" y="18711"/>
-                </a:lnTo>
-                <a:lnTo>
-                  <a:pt x="104980" y="40665"/>
-                </a:lnTo>
-                <a:lnTo>
-                  <a:pt x="69740" y="69740"/>
-                </a:lnTo>
-                <a:lnTo>
-                  <a:pt x="40665" y="104980"/>
-                </a:lnTo>
-                <a:lnTo>
-                  <a:pt x="18711" y="145427"/>
-                </a:lnTo>
-                <a:lnTo>
-                  <a:pt x="4837" y="190123"/>
-                </a:lnTo>
-                <a:lnTo>
-                  <a:pt x="0" y="238112"/>
-                </a:lnTo>
-                <a:lnTo>
-                  <a:pt x="0" y="1190524"/>
-                </a:lnTo>
-                <a:lnTo>
-                  <a:pt x="4837" y="1238512"/>
-                </a:lnTo>
-                <a:lnTo>
-                  <a:pt x="18711" y="1283207"/>
-                </a:lnTo>
-                <a:lnTo>
-                  <a:pt x="40665" y="1323654"/>
-                </a:lnTo>
-                <a:lnTo>
-                  <a:pt x="69740" y="1358893"/>
-                </a:lnTo>
-                <a:lnTo>
-                  <a:pt x="104980" y="1387969"/>
-                </a:lnTo>
-                <a:lnTo>
-                  <a:pt x="145426" y="1409922"/>
-                </a:lnTo>
-                <a:lnTo>
-                  <a:pt x="190122" y="1423796"/>
-                </a:lnTo>
-                <a:lnTo>
-                  <a:pt x="238109" y="1428634"/>
-                </a:lnTo>
-                <a:lnTo>
-                  <a:pt x="4086953" y="1428634"/>
-                </a:lnTo>
-                <a:lnTo>
-                  <a:pt x="4134942" y="1423796"/>
-                </a:lnTo>
-                <a:lnTo>
-                  <a:pt x="4179639" y="1409922"/>
-                </a:lnTo>
-                <a:lnTo>
-                  <a:pt x="4220086" y="1387969"/>
-                </a:lnTo>
-                <a:lnTo>
-                  <a:pt x="4255325" y="1358893"/>
-                </a:lnTo>
-                <a:lnTo>
-                  <a:pt x="4284401" y="1323654"/>
-                </a:lnTo>
-                <a:lnTo>
-                  <a:pt x="4306354" y="1283207"/>
-                </a:lnTo>
-                <a:lnTo>
-                  <a:pt x="4320228" y="1238512"/>
-                </a:lnTo>
-                <a:lnTo>
-                  <a:pt x="4325066" y="1190524"/>
-                </a:lnTo>
-                <a:lnTo>
-                  <a:pt x="4325066" y="238112"/>
-                </a:lnTo>
-                <a:lnTo>
-                  <a:pt x="4320228" y="190123"/>
-                </a:lnTo>
-                <a:lnTo>
-                  <a:pt x="4306354" y="145427"/>
-                </a:lnTo>
-                <a:lnTo>
-                  <a:pt x="4284401" y="104980"/>
-                </a:lnTo>
-                <a:lnTo>
-                  <a:pt x="4255325" y="69740"/>
-                </a:lnTo>
-                <a:lnTo>
-                  <a:pt x="4220086" y="40665"/>
-                </a:lnTo>
-                <a:lnTo>
-                  <a:pt x="4179639" y="18711"/>
-                </a:lnTo>
-                <a:lnTo>
-                  <a:pt x="4134942" y="4837"/>
-                </a:lnTo>
-                <a:lnTo>
-                  <a:pt x="4086953" y="0"/>
-                </a:lnTo>
-                <a:close/>
-              </a:path>
-            </a:pathLst>
-          </a:custGeom>
-          <a:solidFill>
-            <a:srgbClr val="38505F"/>
-          </a:solidFill>
-        </p:spPr>
-        <p:txBody>
-          <a:bodyPr wrap="square" lIns="0" tIns="0" rIns="0" bIns="0" rtlCol="0"/>
-          <a:lstStyle/>
-          <a:p>
-            <a:endParaRPr dirty="0"/>
-          </a:p>
-        </p:txBody>
-      </p:sp>
-      <p:sp>
-        <p:nvSpPr>
-          <p:cNvPr id="9" name="Retângulo 8">
-            <a:extLst>
-              <a:ext uri="{FF2B5EF4-FFF2-40B4-BE49-F238E27FC236}">
-                <a16:creationId xmlns:a16="http://schemas.microsoft.com/office/drawing/2014/main" id="{6B28A182-87BA-4B26-9267-0E2C5764B38E}"/>
-              </a:ext>
-            </a:extLst>
-          </p:cNvPr>
-          <p:cNvSpPr/>
-          <p:nvPr/>
-        </p:nvSpPr>
-        <p:spPr>
-          <a:xfrm>
-            <a:off x="1342611" y="2505878"/>
-            <a:ext cx="2402969" cy="408772"/>
-          </a:xfrm>
-          <a:prstGeom prst="rect">
-            <a:avLst/>
-          </a:prstGeom>
-          <a:noFill/>
-          <a:ln>
-            <a:noFill/>
-          </a:ln>
-        </p:spPr>
-        <p:style>
-          <a:lnRef idx="2">
-            <a:schemeClr val="accent1">
-              <a:shade val="50000"/>
-            </a:schemeClr>
-          </a:lnRef>
-          <a:fillRef idx="1">
-            <a:schemeClr val="accent1"/>
-          </a:fillRef>
-          <a:effectRef idx="0">
-            <a:schemeClr val="accent1"/>
-          </a:effectRef>
-          <a:fontRef idx="minor">
-            <a:schemeClr val="lt1"/>
-          </a:fontRef>
-        </p:style>
-        <p:txBody>
-          <a:bodyPr rtlCol="0" anchor="ctr"/>
-          <a:lstStyle/>
-          <a:p>
-            <a:pPr algn="ctr"/>
-            <a:r>
-              <a:rPr lang="pt-PT" dirty="0">
-                <a:solidFill>
-                  <a:schemeClr val="bg1"/>
-                </a:solidFill>
-                <a:latin typeface="Arial" panose="020B0604020202020204" pitchFamily="34" charset="0"/>
-                <a:cs typeface="Arial" panose="020B0604020202020204" pitchFamily="34" charset="0"/>
-              </a:rPr>
-              <a:t>Diagnóstico Médico</a:t>
-            </a:r>
-          </a:p>
-        </p:txBody>
-      </p:sp>
-      <p:sp>
-        <p:nvSpPr>
-          <p:cNvPr id="4" name="Retângulo 3">
-            <a:extLst>
-              <a:ext uri="{FF2B5EF4-FFF2-40B4-BE49-F238E27FC236}">
-                <a16:creationId xmlns:a16="http://schemas.microsoft.com/office/drawing/2014/main" id="{BA520EDD-2D33-438A-8B1F-CE5BAA298449}"/>
-              </a:ext>
-            </a:extLst>
-          </p:cNvPr>
-          <p:cNvSpPr/>
-          <p:nvPr/>
-        </p:nvSpPr>
-        <p:spPr>
-          <a:xfrm>
-            <a:off x="765756" y="1841007"/>
-            <a:ext cx="3479193" cy="408772"/>
-          </a:xfrm>
-          <a:prstGeom prst="rect">
-            <a:avLst/>
-          </a:prstGeom>
-          <a:noFill/>
-          <a:ln>
-            <a:noFill/>
-          </a:ln>
-        </p:spPr>
-        <p:style>
-          <a:lnRef idx="2">
-            <a:schemeClr val="accent1">
-              <a:shade val="50000"/>
-            </a:schemeClr>
-          </a:lnRef>
-          <a:fillRef idx="1">
-            <a:schemeClr val="accent1"/>
-          </a:fillRef>
-          <a:effectRef idx="0">
-            <a:schemeClr val="accent1"/>
-          </a:effectRef>
-          <a:fontRef idx="minor">
-            <a:schemeClr val="lt1"/>
-          </a:fontRef>
-        </p:style>
-        <p:txBody>
-          <a:bodyPr rtlCol="0" anchor="ctr"/>
-          <a:lstStyle/>
-          <a:p>
-            <a:pPr algn="ctr"/>
-            <a:r>
-              <a:rPr lang="pt-PT" dirty="0">
-                <a:solidFill>
-                  <a:schemeClr val="bg1"/>
-                </a:solidFill>
-                <a:latin typeface="Arial" panose="020B0604020202020204" pitchFamily="34" charset="0"/>
-                <a:cs typeface="Arial" panose="020B0604020202020204" pitchFamily="34" charset="0"/>
-              </a:rPr>
-              <a:t>Assistentes Digitais</a:t>
-            </a:r>
-          </a:p>
-        </p:txBody>
-      </p:sp>
-      <p:sp>
-        <p:nvSpPr>
-          <p:cNvPr id="17" name="object 2">
-            <a:extLst>
-              <a:ext uri="{FF2B5EF4-FFF2-40B4-BE49-F238E27FC236}">
-                <a16:creationId xmlns:a16="http://schemas.microsoft.com/office/drawing/2014/main" id="{99F3A09F-6D7C-4C2D-AAA3-AED0C83987A6}"/>
-              </a:ext>
-            </a:extLst>
-          </p:cNvPr>
-          <p:cNvSpPr txBox="1">
-            <a:spLocks noGrp="1"/>
-          </p:cNvSpPr>
-          <p:nvPr>
-            <p:ph type="title"/>
-          </p:nvPr>
-        </p:nvSpPr>
-        <p:spPr>
-          <a:xfrm>
-            <a:off x="2833687" y="286213"/>
-            <a:ext cx="3476625" cy="461023"/>
-          </a:xfrm>
-          <a:prstGeom prst="rect">
-            <a:avLst/>
-          </a:prstGeom>
-        </p:spPr>
-        <p:txBody>
-          <a:bodyPr vert="horz" wrap="square" lIns="0" tIns="14604" rIns="0" bIns="0" rtlCol="0">
-            <a:spAutoFit/>
-          </a:bodyPr>
-          <a:lstStyle/>
-          <a:p>
-            <a:pPr marL="12700" algn="l">
-              <a:lnSpc>
-                <a:spcPct val="100000"/>
-              </a:lnSpc>
-              <a:spcBef>
-                <a:spcPts val="114"/>
-              </a:spcBef>
-            </a:pPr>
-            <a:r>
-              <a:rPr lang="pt-PT" spc="-185" dirty="0"/>
-              <a:t>Porquê? Para quê?</a:t>
-            </a:r>
-            <a:endParaRPr spc="-185" dirty="0"/>
-          </a:p>
-        </p:txBody>
-      </p:sp>
-      <p:pic>
-        <p:nvPicPr>
-          <p:cNvPr id="19" name="Picture 2" descr="Resultado de imagem para poncho logo">
-            <a:extLst>
-              <a:ext uri="{FF2B5EF4-FFF2-40B4-BE49-F238E27FC236}">
-                <a16:creationId xmlns:a16="http://schemas.microsoft.com/office/drawing/2014/main" id="{524B4618-20B4-43CF-B73F-AD8CB6FECD5D}"/>
-              </a:ext>
-            </a:extLst>
-          </p:cNvPr>
-          <p:cNvPicPr>
-            <a:picLocks noChangeAspect="1" noChangeArrowheads="1"/>
-          </p:cNvPicPr>
-          <p:nvPr/>
-        </p:nvPicPr>
-        <p:blipFill rotWithShape="1">
-          <a:blip r:embed="rId7">
-            <a:extLst>
-              <a:ext uri="{BEBA8EAE-BF5A-486C-A8C5-ECC9F3942E4B}">
-                <a14:imgProps xmlns:a14="http://schemas.microsoft.com/office/drawing/2010/main">
-                  <a14:imgLayer r:embed="rId8">
-                    <a14:imgEffect>
-                      <a14:backgroundRemoval t="10000" b="90000" l="10000" r="90000">
-                        <a14:foregroundMark x1="14750" y1="65333" x2="14750" y2="65333"/>
-                        <a14:foregroundMark x1="25500" y1="67333" x2="25500" y2="67333"/>
-                        <a14:foregroundMark x1="41000" y1="67500" x2="41000" y2="67500"/>
-                        <a14:foregroundMark x1="50500" y1="44167" x2="50500" y2="44167"/>
-                        <a14:foregroundMark x1="52375" y1="43000" x2="52375" y2="43000"/>
-                        <a14:foregroundMark x1="52625" y1="66833" x2="52625" y2="66833"/>
-                        <a14:foregroundMark x1="64500" y1="66167" x2="64500" y2="66167"/>
-                        <a14:foregroundMark x1="77375" y1="67333" x2="77375" y2="67333"/>
-                        <a14:foregroundMark x1="49875" y1="43500" x2="51875" y2="42500"/>
-                        <a14:foregroundMark x1="48000" y1="38500" x2="47625" y2="28167"/>
-                        <a14:foregroundMark x1="47625" y1="28167" x2="45250" y2="38000"/>
-                        <a14:foregroundMark x1="45250" y1="38000" x2="43375" y2="26833"/>
-                        <a14:foregroundMark x1="43375" y1="26833" x2="41875" y2="38667"/>
-                        <a14:foregroundMark x1="41875" y1="38667" x2="47875" y2="34667"/>
-                        <a14:foregroundMark x1="47875" y1="34667" x2="45125" y2="50333"/>
-                        <a14:foregroundMark x1="45125" y1="50333" x2="50625" y2="33667"/>
-                        <a14:foregroundMark x1="50625" y1="33667" x2="55000" y2="38500"/>
-                        <a14:foregroundMark x1="54125" y1="38833" x2="52875" y2="40167"/>
-                      </a14:backgroundRemoval>
-                    </a14:imgEffect>
-                  </a14:imgLayer>
-                </a14:imgProps>
-              </a:ext>
-              <a:ext uri="{28A0092B-C50C-407E-A947-70E740481C1C}">
-                <a14:useLocalDpi xmlns:a14="http://schemas.microsoft.com/office/drawing/2010/main" val="0"/>
-              </a:ext>
-            </a:extLst>
-          </a:blip>
-          <a:srcRect l="23702" t="16718" r="23438" b="45682"/>
-          <a:stretch/>
-        </p:blipFill>
-        <p:spPr bwMode="auto">
-          <a:xfrm>
-            <a:off x="1030530" y="4568937"/>
-            <a:ext cx="3179400" cy="1696216"/>
-          </a:xfrm>
-          <a:prstGeom prst="rect">
-            <a:avLst/>
-          </a:prstGeom>
-          <a:noFill/>
-          <a:extLst>
-            <a:ext uri="{909E8E84-426E-40DD-AFC4-6F175D3DCCD1}">
-              <a14:hiddenFill xmlns:a14="http://schemas.microsoft.com/office/drawing/2010/main">
-                <a:solidFill>
-                  <a:srgbClr val="FFFFFF"/>
-                </a:solidFill>
-              </a14:hiddenFill>
-            </a:ext>
-          </a:extLst>
-        </p:spPr>
-      </p:pic>
-      <p:pic>
-        <p:nvPicPr>
-          <p:cNvPr id="2050" name="Picture 2" descr="Resultado de imagem para siri logo">
-            <a:extLst>
-              <a:ext uri="{FF2B5EF4-FFF2-40B4-BE49-F238E27FC236}">
-                <a16:creationId xmlns:a16="http://schemas.microsoft.com/office/drawing/2014/main" id="{42B27B10-851E-4181-9D69-D33547F8E9CD}"/>
-              </a:ext>
-            </a:extLst>
-          </p:cNvPr>
-          <p:cNvPicPr>
-            <a:picLocks noChangeAspect="1" noChangeArrowheads="1"/>
-          </p:cNvPicPr>
-          <p:nvPr/>
-        </p:nvPicPr>
-        <p:blipFill>
-          <a:blip r:embed="rId9" cstate="print">
-            <a:extLst>
-              <a:ext uri="{28A0092B-C50C-407E-A947-70E740481C1C}">
-                <a14:useLocalDpi xmlns:a14="http://schemas.microsoft.com/office/drawing/2010/main" val="0"/>
-              </a:ext>
-            </a:extLst>
-          </a:blip>
-          <a:srcRect/>
-          <a:stretch>
-            <a:fillRect/>
-          </a:stretch>
-        </p:blipFill>
-        <p:spPr bwMode="auto">
-          <a:xfrm>
-            <a:off x="3810000" y="3320758"/>
-            <a:ext cx="1841744" cy="1841744"/>
-          </a:xfrm>
-          <a:prstGeom prst="rect">
-            <a:avLst/>
-          </a:prstGeom>
-          <a:noFill/>
-          <a:extLst>
-            <a:ext uri="{909E8E84-426E-40DD-AFC4-6F175D3DCCD1}">
-              <a14:hiddenFill xmlns:a14="http://schemas.microsoft.com/office/drawing/2010/main">
-                <a:solidFill>
-                  <a:srgbClr val="FFFFFF"/>
-                </a:solidFill>
-              </a14:hiddenFill>
-            </a:ext>
-          </a:extLst>
-        </p:spPr>
-      </p:pic>
-      <p:sp>
-        <p:nvSpPr>
-          <p:cNvPr id="16" name="object 2">
-            <a:extLst>
-              <a:ext uri="{FF2B5EF4-FFF2-40B4-BE49-F238E27FC236}">
-                <a16:creationId xmlns:a16="http://schemas.microsoft.com/office/drawing/2014/main" id="{343622CD-8EB9-429C-A925-4CFAEC6BE99B}"/>
-              </a:ext>
-            </a:extLst>
-          </p:cNvPr>
-          <p:cNvSpPr txBox="1">
-            <a:spLocks/>
-          </p:cNvSpPr>
-          <p:nvPr/>
-        </p:nvSpPr>
-        <p:spPr>
-          <a:xfrm>
-            <a:off x="2743200" y="834377"/>
-            <a:ext cx="3476625" cy="461023"/>
-          </a:xfrm>
-          <a:prstGeom prst="rect">
-            <a:avLst/>
-          </a:prstGeom>
-        </p:spPr>
-        <p:txBody>
-          <a:bodyPr vert="horz" wrap="square" lIns="0" tIns="14604" rIns="0" bIns="0" rtlCol="0">
-            <a:spAutoFit/>
-          </a:bodyPr>
-          <a:lstStyle>
-            <a:lvl1pPr>
-              <a:defRPr sz="2900" b="1" i="0">
-                <a:solidFill>
-                  <a:srgbClr val="38505F"/>
-                </a:solidFill>
-                <a:latin typeface="Arial"/>
-                <a:ea typeface="+mj-ea"/>
-                <a:cs typeface="Arial"/>
-              </a:defRPr>
-            </a:lvl1pPr>
-          </a:lstStyle>
-          <a:p>
-            <a:pPr marL="12700" algn="l">
-              <a:spcBef>
-                <a:spcPts val="114"/>
-              </a:spcBef>
-            </a:pPr>
-            <a:r>
-              <a:rPr lang="pt-PT" kern="0" spc="-185" dirty="0"/>
-              <a:t>Motivação e Objetivos</a:t>
-            </a:r>
-          </a:p>
-        </p:txBody>
-      </p:sp>
-    </p:spTree>
-    <p:extLst>
-      <p:ext uri="{BB962C8B-B14F-4D97-AF65-F5344CB8AC3E}">
-        <p14:creationId xmlns:p14="http://schemas.microsoft.com/office/powerpoint/2010/main" val="2408551954"/>
-      </p:ext>
-    </p:extLst>
-  </p:cSld>
-  <p:clrMapOvr>
-    <a:masterClrMapping/>
-  </p:clrMapOvr>
-</p:sld>
-</file>
-
-<file path=ppt/slides/slide4.xml><?xml version="1.0" encoding="utf-8"?>
 <p:sld xmlns:a="http://schemas.openxmlformats.org/drawingml/2006/main" xmlns:r="http://schemas.openxmlformats.org/officeDocument/2006/relationships" xmlns:p="http://schemas.openxmlformats.org/presentationml/2006/main">
   <p:cSld>
     <p:spTree>
@@ -17692,7 +15390,7 @@
 </p:sld>
 </file>
 
-<file path=ppt/slides/slide5.xml><?xml version="1.0" encoding="utf-8"?>
+<file path=ppt/slides/slide4.xml><?xml version="1.0" encoding="utf-8"?>
 <p:sld xmlns:a="http://schemas.openxmlformats.org/drawingml/2006/main" xmlns:r="http://schemas.openxmlformats.org/officeDocument/2006/relationships" xmlns:p="http://schemas.openxmlformats.org/presentationml/2006/main" showMasterSp="0">
   <p:cSld>
     <p:spTree>
@@ -17872,8 +15570,8 @@
         </p:nvSpPr>
         <p:spPr>
           <a:xfrm>
-            <a:off x="399288" y="834646"/>
-            <a:ext cx="8858251" cy="5854694"/>
+            <a:off x="399288" y="932296"/>
+            <a:ext cx="8858251" cy="5757044"/>
           </a:xfrm>
           <a:prstGeom prst="roundRect">
             <a:avLst/>
@@ -17905,7 +15603,7 @@
           <a:p>
             <a:pPr marL="182563"/>
             <a:r>
-              <a:rPr lang="pt-PT" sz="1700" dirty="0" err="1">
+              <a:rPr lang="pt-PT" dirty="0">
                 <a:solidFill>
                   <a:srgbClr val="488ED4"/>
                 </a:solidFill>
@@ -17915,20 +15613,20 @@
               <a:t>User</a:t>
             </a:r>
             <a:r>
-              <a:rPr lang="pt-PT" sz="1700" dirty="0">
+              <a:rPr lang="pt-PT" dirty="0">
                 <a:solidFill>
                   <a:schemeClr val="tx1"/>
                 </a:solidFill>
                 <a:latin typeface="Consolas" panose="020B0609020204030204" pitchFamily="49" charset="0"/>
                 <a:cs typeface="Segoe UI" panose="020B0502040204020203" pitchFamily="34" charset="0"/>
               </a:rPr>
-              <a:t>: Bom dia, meu caro!</a:t>
+              <a:t>: Olá, bom dia!</a:t>
             </a:r>
           </a:p>
           <a:p>
             <a:pPr marL="182563"/>
             <a:r>
-              <a:rPr lang="pt-PT" sz="1700" dirty="0" err="1">
+              <a:rPr lang="pt-PT" dirty="0" err="1">
                 <a:solidFill>
                   <a:srgbClr val="00B050"/>
                 </a:solidFill>
@@ -17938,14 +15636,436 @@
               <a:t>Bot</a:t>
             </a:r>
             <a:r>
-              <a:rPr lang="pt-PT" sz="1700" dirty="0">
+              <a:rPr lang="pt-PT" dirty="0">
                 <a:solidFill>
                   <a:schemeClr val="tx1"/>
                 </a:solidFill>
                 <a:latin typeface="Consolas" panose="020B0609020204030204" pitchFamily="49" charset="0"/>
                 <a:cs typeface="Segoe UI" panose="020B0502040204020203" pitchFamily="34" charset="0"/>
               </a:rPr>
-              <a:t>: Bom dia para ti também!</a:t>
+              <a:t>: Boas parceiro!</a:t>
+            </a:r>
+          </a:p>
+          <a:p>
+            <a:pPr marL="182563"/>
+            <a:r>
+              <a:rPr lang="pt-PT" dirty="0">
+                <a:solidFill>
+                  <a:srgbClr val="488ED4"/>
+                </a:solidFill>
+                <a:latin typeface="Consolas" panose="020B0609020204030204" pitchFamily="49" charset="0"/>
+                <a:cs typeface="Segoe UI" panose="020B0502040204020203" pitchFamily="34" charset="0"/>
+              </a:rPr>
+              <a:t>User</a:t>
+            </a:r>
+            <a:r>
+              <a:rPr lang="pt-PT" dirty="0">
+                <a:solidFill>
+                  <a:schemeClr val="tx1"/>
+                </a:solidFill>
+                <a:latin typeface="Consolas" panose="020B0609020204030204" pitchFamily="49" charset="0"/>
+                <a:cs typeface="Segoe UI" panose="020B0502040204020203" pitchFamily="34" charset="0"/>
+              </a:rPr>
+              <a:t>: Preciso de </a:t>
+            </a:r>
+            <a:r>
+              <a:rPr lang="pt-PT" b="1" dirty="0">
+                <a:solidFill>
+                  <a:schemeClr val="tx1"/>
+                </a:solidFill>
+                <a:latin typeface="Consolas" panose="020B0609020204030204" pitchFamily="49" charset="0"/>
+                <a:cs typeface="Segoe UI" panose="020B0502040204020203" pitchFamily="34" charset="0"/>
+              </a:rPr>
+              <a:t>informações sobre a SEI</a:t>
+            </a:r>
+            <a:r>
+              <a:rPr lang="pt-PT" dirty="0">
+                <a:solidFill>
+                  <a:schemeClr val="tx1"/>
+                </a:solidFill>
+                <a:latin typeface="Consolas" panose="020B0609020204030204" pitchFamily="49" charset="0"/>
+                <a:cs typeface="Segoe UI" panose="020B0502040204020203" pitchFamily="34" charset="0"/>
+              </a:rPr>
+              <a:t>, achas que me podes ajudar?</a:t>
+            </a:r>
+          </a:p>
+          <a:p>
+            <a:pPr marL="182563"/>
+            <a:r>
+              <a:rPr lang="pt-PT" dirty="0" err="1">
+                <a:solidFill>
+                  <a:srgbClr val="00B050"/>
+                </a:solidFill>
+                <a:latin typeface="Consolas" panose="020B0609020204030204" pitchFamily="49" charset="0"/>
+                <a:cs typeface="Segoe UI" panose="020B0502040204020203" pitchFamily="34" charset="0"/>
+              </a:rPr>
+              <a:t>Bot</a:t>
+            </a:r>
+            <a:r>
+              <a:rPr lang="pt-PT" dirty="0">
+                <a:solidFill>
+                  <a:schemeClr val="tx1"/>
+                </a:solidFill>
+                <a:latin typeface="Consolas" panose="020B0609020204030204" pitchFamily="49" charset="0"/>
+                <a:cs typeface="Segoe UI" panose="020B0502040204020203" pitchFamily="34" charset="0"/>
+              </a:rPr>
+              <a:t>: Estou aqui para isso! De que precisas?</a:t>
+            </a:r>
+          </a:p>
+          <a:p>
+            <a:pPr marL="182563"/>
+            <a:r>
+              <a:rPr lang="pt-PT" dirty="0">
+                <a:solidFill>
+                  <a:srgbClr val="488ED4"/>
+                </a:solidFill>
+                <a:latin typeface="Consolas" panose="020B0609020204030204" pitchFamily="49" charset="0"/>
+                <a:cs typeface="Segoe UI" panose="020B0502040204020203" pitchFamily="34" charset="0"/>
+              </a:rPr>
+              <a:t>User</a:t>
+            </a:r>
+            <a:r>
+              <a:rPr lang="pt-PT" dirty="0">
+                <a:solidFill>
+                  <a:schemeClr val="tx1"/>
+                </a:solidFill>
+                <a:latin typeface="Consolas" panose="020B0609020204030204" pitchFamily="49" charset="0"/>
+                <a:cs typeface="Segoe UI" panose="020B0502040204020203" pitchFamily="34" charset="0"/>
+              </a:rPr>
+              <a:t>: Quando é que </a:t>
+            </a:r>
+            <a:r>
+              <a:rPr lang="pt-PT" b="1" dirty="0">
+                <a:solidFill>
+                  <a:schemeClr val="tx1"/>
+                </a:solidFill>
+                <a:latin typeface="Consolas" panose="020B0609020204030204" pitchFamily="49" charset="0"/>
+                <a:cs typeface="Segoe UI" panose="020B0502040204020203" pitchFamily="34" charset="0"/>
+              </a:rPr>
+              <a:t>começa</a:t>
+            </a:r>
+            <a:r>
+              <a:rPr lang="pt-PT" dirty="0">
+                <a:solidFill>
+                  <a:schemeClr val="tx1"/>
+                </a:solidFill>
+                <a:latin typeface="Consolas" panose="020B0609020204030204" pitchFamily="49" charset="0"/>
+                <a:cs typeface="Segoe UI" panose="020B0502040204020203" pitchFamily="34" charset="0"/>
+              </a:rPr>
+              <a:t> a SEI?</a:t>
+            </a:r>
+          </a:p>
+          <a:p>
+            <a:pPr marL="182563"/>
+            <a:r>
+              <a:rPr lang="pt-PT" dirty="0" err="1">
+                <a:solidFill>
+                  <a:srgbClr val="00B050"/>
+                </a:solidFill>
+                <a:latin typeface="Consolas" panose="020B0609020204030204" pitchFamily="49" charset="0"/>
+                <a:cs typeface="Segoe UI" panose="020B0502040204020203" pitchFamily="34" charset="0"/>
+              </a:rPr>
+              <a:t>Bot</a:t>
+            </a:r>
+            <a:r>
+              <a:rPr lang="pt-PT" dirty="0">
+                <a:solidFill>
+                  <a:schemeClr val="tx1"/>
+                </a:solidFill>
+                <a:latin typeface="Consolas" panose="020B0609020204030204" pitchFamily="49" charset="0"/>
+                <a:cs typeface="Segoe UI" panose="020B0502040204020203" pitchFamily="34" charset="0"/>
+              </a:rPr>
+              <a:t>: A SEI realiza-se no início do segundo semestre.</a:t>
+            </a:r>
+          </a:p>
+          <a:p>
+            <a:pPr marL="182563"/>
+            <a:r>
+              <a:rPr lang="pt-PT" dirty="0">
+                <a:solidFill>
+                  <a:srgbClr val="488ED4"/>
+                </a:solidFill>
+                <a:latin typeface="Consolas" panose="020B0609020204030204" pitchFamily="49" charset="0"/>
+                <a:cs typeface="Segoe UI" panose="020B0502040204020203" pitchFamily="34" charset="0"/>
+              </a:rPr>
+              <a:t>User</a:t>
+            </a:r>
+            <a:r>
+              <a:rPr lang="pt-PT" dirty="0">
+                <a:solidFill>
+                  <a:schemeClr val="tx1"/>
+                </a:solidFill>
+                <a:latin typeface="Consolas" panose="020B0609020204030204" pitchFamily="49" charset="0"/>
+                <a:cs typeface="Segoe UI" panose="020B0502040204020203" pitchFamily="34" charset="0"/>
+              </a:rPr>
+              <a:t>: E </a:t>
+            </a:r>
+            <a:r>
+              <a:rPr lang="pt-PT" b="1" dirty="0">
+                <a:solidFill>
+                  <a:schemeClr val="tx1"/>
+                </a:solidFill>
+                <a:latin typeface="Consolas" panose="020B0609020204030204" pitchFamily="49" charset="0"/>
+                <a:cs typeface="Segoe UI" panose="020B0502040204020203" pitchFamily="34" charset="0"/>
+              </a:rPr>
+              <a:t>onde</a:t>
+            </a:r>
+            <a:r>
+              <a:rPr lang="pt-PT" dirty="0">
+                <a:solidFill>
+                  <a:schemeClr val="tx1"/>
+                </a:solidFill>
+                <a:latin typeface="Consolas" panose="020B0609020204030204" pitchFamily="49" charset="0"/>
+                <a:cs typeface="Segoe UI" panose="020B0502040204020203" pitchFamily="34" charset="0"/>
+              </a:rPr>
+              <a:t> é a SEI?</a:t>
+            </a:r>
+          </a:p>
+          <a:p>
+            <a:pPr marL="182563"/>
+            <a:r>
+              <a:rPr lang="pt-PT" dirty="0" err="1">
+                <a:solidFill>
+                  <a:srgbClr val="00B050"/>
+                </a:solidFill>
+                <a:latin typeface="Consolas" panose="020B0609020204030204" pitchFamily="49" charset="0"/>
+                <a:cs typeface="Segoe UI" panose="020B0502040204020203" pitchFamily="34" charset="0"/>
+              </a:rPr>
+              <a:t>Bot</a:t>
+            </a:r>
+            <a:r>
+              <a:rPr lang="pt-PT" dirty="0">
+                <a:solidFill>
+                  <a:schemeClr val="tx1"/>
+                </a:solidFill>
+                <a:latin typeface="Consolas" panose="020B0609020204030204" pitchFamily="49" charset="0"/>
+                <a:cs typeface="Segoe UI" panose="020B0502040204020203" pitchFamily="34" charset="0"/>
+              </a:rPr>
+              <a:t>: A SEI realiza-se no campus de Gualtar da Universidade do Minho.</a:t>
+            </a:r>
+          </a:p>
+          <a:p>
+            <a:pPr marL="182563"/>
+            <a:r>
+              <a:rPr lang="pt-PT" dirty="0">
+                <a:solidFill>
+                  <a:srgbClr val="488ED4"/>
+                </a:solidFill>
+                <a:latin typeface="Consolas" panose="020B0609020204030204" pitchFamily="49" charset="0"/>
+                <a:cs typeface="Segoe UI" panose="020B0502040204020203" pitchFamily="34" charset="0"/>
+              </a:rPr>
+              <a:t>User</a:t>
+            </a:r>
+            <a:r>
+              <a:rPr lang="pt-PT" dirty="0">
+                <a:solidFill>
+                  <a:schemeClr val="tx1"/>
+                </a:solidFill>
+                <a:latin typeface="Consolas" panose="020B0609020204030204" pitchFamily="49" charset="0"/>
+                <a:cs typeface="Segoe UI" panose="020B0502040204020203" pitchFamily="34" charset="0"/>
+              </a:rPr>
+              <a:t>: Tenho que pagar para me </a:t>
+            </a:r>
+            <a:r>
+              <a:rPr lang="pt-PT" b="1" dirty="0">
+                <a:solidFill>
+                  <a:schemeClr val="tx1"/>
+                </a:solidFill>
+                <a:latin typeface="Consolas" panose="020B0609020204030204" pitchFamily="49" charset="0"/>
+                <a:cs typeface="Segoe UI" panose="020B0502040204020203" pitchFamily="34" charset="0"/>
+              </a:rPr>
+              <a:t>inscrever</a:t>
+            </a:r>
+            <a:r>
+              <a:rPr lang="pt-PT" dirty="0">
+                <a:solidFill>
+                  <a:schemeClr val="tx1"/>
+                </a:solidFill>
+                <a:latin typeface="Consolas" panose="020B0609020204030204" pitchFamily="49" charset="0"/>
+                <a:cs typeface="Segoe UI" panose="020B0502040204020203" pitchFamily="34" charset="0"/>
+              </a:rPr>
+              <a:t>?</a:t>
+            </a:r>
+          </a:p>
+          <a:p>
+            <a:pPr marL="182563"/>
+            <a:r>
+              <a:rPr lang="pt-PT" dirty="0" err="1">
+                <a:solidFill>
+                  <a:srgbClr val="00B050"/>
+                </a:solidFill>
+                <a:latin typeface="Consolas" panose="020B0609020204030204" pitchFamily="49" charset="0"/>
+                <a:cs typeface="Segoe UI" panose="020B0502040204020203" pitchFamily="34" charset="0"/>
+              </a:rPr>
+              <a:t>Bot</a:t>
+            </a:r>
+            <a:r>
+              <a:rPr lang="pt-PT" dirty="0">
+                <a:solidFill>
+                  <a:schemeClr val="tx1"/>
+                </a:solidFill>
+                <a:latin typeface="Consolas" panose="020B0609020204030204" pitchFamily="49" charset="0"/>
+                <a:cs typeface="Segoe UI" panose="020B0502040204020203" pitchFamily="34" charset="0"/>
+              </a:rPr>
+              <a:t>: A SEI é gratuita, n tens que pagar.</a:t>
+            </a:r>
+          </a:p>
+          <a:p>
+            <a:pPr marL="182563"/>
+            <a:r>
+              <a:rPr lang="pt-PT" dirty="0">
+                <a:solidFill>
+                  <a:srgbClr val="488ED4"/>
+                </a:solidFill>
+                <a:latin typeface="Consolas" panose="020B0609020204030204" pitchFamily="49" charset="0"/>
+                <a:cs typeface="Segoe UI" panose="020B0502040204020203" pitchFamily="34" charset="0"/>
+              </a:rPr>
+              <a:t>User</a:t>
+            </a:r>
+            <a:r>
+              <a:rPr lang="pt-PT" dirty="0">
+                <a:solidFill>
+                  <a:schemeClr val="tx1"/>
+                </a:solidFill>
+                <a:latin typeface="Consolas" panose="020B0609020204030204" pitchFamily="49" charset="0"/>
+                <a:cs typeface="Segoe UI" panose="020B0502040204020203" pitchFamily="34" charset="0"/>
+              </a:rPr>
+              <a:t>: Quando é a </a:t>
+            </a:r>
+            <a:r>
+              <a:rPr lang="pt-PT" b="1" dirty="0">
+                <a:solidFill>
+                  <a:schemeClr val="tx1"/>
+                </a:solidFill>
+                <a:latin typeface="Consolas" panose="020B0609020204030204" pitchFamily="49" charset="0"/>
+                <a:cs typeface="Segoe UI" panose="020B0502040204020203" pitchFamily="34" charset="0"/>
+              </a:rPr>
+              <a:t>sessão de abertura</a:t>
+            </a:r>
+            <a:r>
+              <a:rPr lang="pt-PT" dirty="0">
+                <a:solidFill>
+                  <a:schemeClr val="tx1"/>
+                </a:solidFill>
+                <a:latin typeface="Consolas" panose="020B0609020204030204" pitchFamily="49" charset="0"/>
+                <a:cs typeface="Segoe UI" panose="020B0502040204020203" pitchFamily="34" charset="0"/>
+              </a:rPr>
+              <a:t>?</a:t>
+            </a:r>
+          </a:p>
+          <a:p>
+            <a:pPr marL="182563"/>
+            <a:r>
+              <a:rPr lang="pt-PT" dirty="0" err="1">
+                <a:solidFill>
+                  <a:srgbClr val="00B050"/>
+                </a:solidFill>
+                <a:latin typeface="Consolas" panose="020B0609020204030204" pitchFamily="49" charset="0"/>
+                <a:cs typeface="Segoe UI" panose="020B0502040204020203" pitchFamily="34" charset="0"/>
+              </a:rPr>
+              <a:t>Bot</a:t>
+            </a:r>
+            <a:r>
+              <a:rPr lang="pt-PT" dirty="0">
+                <a:solidFill>
+                  <a:schemeClr val="tx1"/>
+                </a:solidFill>
+                <a:latin typeface="Consolas" panose="020B0609020204030204" pitchFamily="49" charset="0"/>
+                <a:cs typeface="Segoe UI" panose="020B0502040204020203" pitchFamily="34" charset="0"/>
+              </a:rPr>
+              <a:t>: É quarta-feira 4 de setembro das 10:00 às 10:30.</a:t>
+            </a:r>
+          </a:p>
+          <a:p>
+            <a:pPr marL="182563"/>
+            <a:r>
+              <a:rPr lang="pt-PT" dirty="0">
+                <a:solidFill>
+                  <a:srgbClr val="488ED4"/>
+                </a:solidFill>
+                <a:latin typeface="Consolas" panose="020B0609020204030204" pitchFamily="49" charset="0"/>
+                <a:cs typeface="Segoe UI" panose="020B0502040204020203" pitchFamily="34" charset="0"/>
+              </a:rPr>
+              <a:t>User</a:t>
+            </a:r>
+            <a:r>
+              <a:rPr lang="pt-PT" dirty="0">
+                <a:solidFill>
+                  <a:schemeClr val="tx1"/>
+                </a:solidFill>
+                <a:latin typeface="Consolas" panose="020B0609020204030204" pitchFamily="49" charset="0"/>
+                <a:cs typeface="Segoe UI" panose="020B0502040204020203" pitchFamily="34" charset="0"/>
+              </a:rPr>
+              <a:t>: Acho que está tudo.</a:t>
+            </a:r>
+          </a:p>
+          <a:p>
+            <a:pPr marL="182563"/>
+            <a:r>
+              <a:rPr lang="pt-PT" dirty="0" err="1">
+                <a:solidFill>
+                  <a:srgbClr val="00B050"/>
+                </a:solidFill>
+                <a:latin typeface="Consolas" panose="020B0609020204030204" pitchFamily="49" charset="0"/>
+                <a:cs typeface="Segoe UI" panose="020B0502040204020203" pitchFamily="34" charset="0"/>
+              </a:rPr>
+              <a:t>Bot</a:t>
+            </a:r>
+            <a:r>
+              <a:rPr lang="pt-PT" dirty="0">
+                <a:solidFill>
+                  <a:schemeClr val="tx1"/>
+                </a:solidFill>
+                <a:latin typeface="Consolas" panose="020B0609020204030204" pitchFamily="49" charset="0"/>
+                <a:cs typeface="Segoe UI" panose="020B0502040204020203" pitchFamily="34" charset="0"/>
+              </a:rPr>
+              <a:t>: Espero ter sido útil.</a:t>
+            </a:r>
+          </a:p>
+          <a:p>
+            <a:pPr marL="182563"/>
+            <a:r>
+              <a:rPr lang="pt-PT" dirty="0">
+                <a:solidFill>
+                  <a:srgbClr val="488ED4"/>
+                </a:solidFill>
+                <a:latin typeface="Consolas" panose="020B0609020204030204" pitchFamily="49" charset="0"/>
+                <a:cs typeface="Segoe UI" panose="020B0502040204020203" pitchFamily="34" charset="0"/>
+              </a:rPr>
+              <a:t>User</a:t>
+            </a:r>
+            <a:r>
+              <a:rPr lang="pt-PT" dirty="0">
+                <a:solidFill>
+                  <a:schemeClr val="tx1"/>
+                </a:solidFill>
+                <a:latin typeface="Consolas" panose="020B0609020204030204" pitchFamily="49" charset="0"/>
+                <a:cs typeface="Segoe UI" panose="020B0502040204020203" pitchFamily="34" charset="0"/>
+              </a:rPr>
+              <a:t>: Adeus.</a:t>
+            </a:r>
+          </a:p>
+          <a:p>
+            <a:pPr marL="182563"/>
+            <a:r>
+              <a:rPr lang="pt-PT" dirty="0" err="1">
+                <a:solidFill>
+                  <a:srgbClr val="00B050"/>
+                </a:solidFill>
+                <a:latin typeface="Consolas" panose="020B0609020204030204" pitchFamily="49" charset="0"/>
+                <a:cs typeface="Segoe UI" panose="020B0502040204020203" pitchFamily="34" charset="0"/>
+              </a:rPr>
+              <a:t>Bot</a:t>
+            </a:r>
+            <a:r>
+              <a:rPr lang="pt-PT" dirty="0">
+                <a:solidFill>
+                  <a:schemeClr val="tx1"/>
+                </a:solidFill>
+                <a:latin typeface="Consolas" panose="020B0609020204030204" pitchFamily="49" charset="0"/>
+                <a:cs typeface="Segoe UI" panose="020B0502040204020203" pitchFamily="34" charset="0"/>
+              </a:rPr>
+              <a:t>: Adeus companheiro!</a:t>
             </a:r>
           </a:p>
         </p:txBody>
@@ -17958,7 +16078,7 @@
 </p:sld>
 </file>
 
-<file path=ppt/slides/slide6.xml><?xml version="1.0" encoding="utf-8"?>
+<file path=ppt/slides/slide5.xml><?xml version="1.0" encoding="utf-8"?>
 <p:sld xmlns:a="http://schemas.openxmlformats.org/drawingml/2006/main" xmlns:r="http://schemas.openxmlformats.org/officeDocument/2006/relationships" xmlns:p="http://schemas.openxmlformats.org/presentationml/2006/main">
   <p:cSld>
     <p:spTree>
@@ -18219,7 +16339,7 @@
 </p:sld>
 </file>
 
-<file path=ppt/slides/slide7.xml><?xml version="1.0" encoding="utf-8"?>
+<file path=ppt/slides/slide6.xml><?xml version="1.0" encoding="utf-8"?>
 <p:sld xmlns:a="http://schemas.openxmlformats.org/drawingml/2006/main" xmlns:r="http://schemas.openxmlformats.org/officeDocument/2006/relationships" xmlns:p="http://schemas.openxmlformats.org/presentationml/2006/main">
   <p:cSld>
     <p:spTree>
@@ -19722,13 +17842,13 @@
   <p:clrMapOvr>
     <a:masterClrMapping/>
   </p:clrMapOvr>
-  <mc:AlternateContent xmlns:mc="http://schemas.openxmlformats.org/markup-compatibility/2006">
-    <mc:Choice xmlns:p159="http://schemas.microsoft.com/office/powerpoint/2015/09/main" Requires="p159">
+  <mc:AlternateContent xmlns:mc="http://schemas.openxmlformats.org/markup-compatibility/2006" xmlns:p159="http://schemas.microsoft.com/office/powerpoint/2015/09/main">
+    <mc:Choice Requires="p159">
       <p:transition spd="slow">
         <p159:morph option="byObject"/>
       </p:transition>
     </mc:Choice>
-    <mc:Fallback>
+    <mc:Fallback xmlns="">
       <p:transition spd="slow">
         <p:fade/>
       </p:transition>
@@ -19737,7 +17857,7 @@
 </p:sld>
 </file>
 
-<file path=ppt/slides/slide8.xml><?xml version="1.0" encoding="utf-8"?>
+<file path=ppt/slides/slide7.xml><?xml version="1.0" encoding="utf-8"?>
 <p:sld xmlns:a="http://schemas.openxmlformats.org/drawingml/2006/main" xmlns:r="http://schemas.openxmlformats.org/officeDocument/2006/relationships" xmlns:p="http://schemas.openxmlformats.org/presentationml/2006/main">
   <p:cSld>
     <p:spTree>
@@ -20337,7 +18457,7 @@
 </p:sld>
 </file>
 
-<file path=ppt/slides/slide9.xml><?xml version="1.0" encoding="utf-8"?>
+<file path=ppt/slides/slide8.xml><?xml version="1.0" encoding="utf-8"?>
 <p:sld xmlns:a="http://schemas.openxmlformats.org/drawingml/2006/main" xmlns:r="http://schemas.openxmlformats.org/officeDocument/2006/relationships" xmlns:p="http://schemas.openxmlformats.org/presentationml/2006/main">
   <p:cSld>
     <p:spTree>
@@ -21422,18 +19542,750 @@
   <p:clrMapOvr>
     <a:masterClrMapping/>
   </p:clrMapOvr>
-  <mc:AlternateContent xmlns:mc="http://schemas.openxmlformats.org/markup-compatibility/2006">
-    <mc:Choice xmlns:p159="http://schemas.microsoft.com/office/powerpoint/2015/09/main" Requires="p159">
+  <mc:AlternateContent xmlns:mc="http://schemas.openxmlformats.org/markup-compatibility/2006" xmlns:p159="http://schemas.microsoft.com/office/powerpoint/2015/09/main">
+    <mc:Choice Requires="p159">
       <p:transition spd="slow">
         <p159:morph option="byObject"/>
       </p:transition>
     </mc:Choice>
-    <mc:Fallback>
+    <mc:Fallback xmlns="">
       <p:transition spd="slow">
         <p:fade/>
       </p:transition>
     </mc:Fallback>
   </mc:AlternateContent>
+</p:sld>
+</file>
+
+<file path=ppt/slides/slide9.xml><?xml version="1.0" encoding="utf-8"?>
+<p:sld xmlns:a="http://schemas.openxmlformats.org/drawingml/2006/main" xmlns:r="http://schemas.openxmlformats.org/officeDocument/2006/relationships" xmlns:p="http://schemas.openxmlformats.org/presentationml/2006/main">
+  <p:cSld>
+    <p:spTree>
+      <p:nvGrpSpPr>
+        <p:cNvPr id="1" name=""/>
+        <p:cNvGrpSpPr/>
+        <p:nvPr/>
+      </p:nvGrpSpPr>
+      <p:grpSpPr>
+        <a:xfrm>
+          <a:off x="0" y="0"/>
+          <a:ext cx="0" cy="0"/>
+          <a:chOff x="0" y="0"/>
+          <a:chExt cx="0" cy="0"/>
+        </a:xfrm>
+      </p:grpSpPr>
+      <p:sp>
+        <p:nvSpPr>
+          <p:cNvPr id="2" name="object 2"/>
+          <p:cNvSpPr/>
+          <p:nvPr/>
+        </p:nvSpPr>
+        <p:spPr>
+          <a:xfrm>
+            <a:off x="0" y="0"/>
+            <a:ext cx="9144000" cy="6858000"/>
+          </a:xfrm>
+          <a:custGeom>
+            <a:avLst/>
+            <a:gdLst/>
+            <a:ahLst/>
+            <a:cxnLst/>
+            <a:rect l="l" t="t" r="r" b="b"/>
+            <a:pathLst>
+              <a:path w="9144000" h="6858000">
+                <a:moveTo>
+                  <a:pt x="0" y="6857995"/>
+                </a:moveTo>
+                <a:lnTo>
+                  <a:pt x="9144000" y="6857995"/>
+                </a:lnTo>
+                <a:lnTo>
+                  <a:pt x="9144000" y="0"/>
+                </a:lnTo>
+                <a:lnTo>
+                  <a:pt x="0" y="0"/>
+                </a:lnTo>
+                <a:lnTo>
+                  <a:pt x="0" y="6857995"/>
+                </a:lnTo>
+                <a:close/>
+              </a:path>
+            </a:pathLst>
+          </a:custGeom>
+          <a:solidFill>
+            <a:srgbClr val="38505F"/>
+          </a:solidFill>
+        </p:spPr>
+        <p:txBody>
+          <a:bodyPr wrap="square" lIns="0" tIns="0" rIns="0" bIns="0" rtlCol="0"/>
+          <a:lstStyle/>
+          <a:p>
+            <a:endParaRPr dirty="0"/>
+          </a:p>
+        </p:txBody>
+      </p:sp>
+      <p:sp>
+        <p:nvSpPr>
+          <p:cNvPr id="9" name="object 2">
+            <a:extLst>
+              <a:ext uri="{FF2B5EF4-FFF2-40B4-BE49-F238E27FC236}">
+                <a16:creationId xmlns:a16="http://schemas.microsoft.com/office/drawing/2014/main" id="{6269163D-7BA6-4DE7-BEBD-994E4C71EE95}"/>
+              </a:ext>
+            </a:extLst>
+          </p:cNvPr>
+          <p:cNvSpPr txBox="1">
+            <a:spLocks noGrp="1"/>
+          </p:cNvSpPr>
+          <p:nvPr>
+            <p:ph type="title"/>
+          </p:nvPr>
+        </p:nvSpPr>
+        <p:spPr>
+          <a:xfrm>
+            <a:off x="3171825" y="290017"/>
+            <a:ext cx="2914650" cy="461023"/>
+          </a:xfrm>
+          <a:prstGeom prst="rect">
+            <a:avLst/>
+          </a:prstGeom>
+        </p:spPr>
+        <p:txBody>
+          <a:bodyPr vert="horz" wrap="square" lIns="0" tIns="14604" rIns="0" bIns="0" rtlCol="0">
+            <a:spAutoFit/>
+          </a:bodyPr>
+          <a:lstStyle/>
+          <a:p>
+            <a:pPr marL="12700" algn="l">
+              <a:lnSpc>
+                <a:spcPct val="100000"/>
+              </a:lnSpc>
+              <a:spcBef>
+                <a:spcPts val="114"/>
+              </a:spcBef>
+            </a:pPr>
+            <a:r>
+              <a:rPr lang="pt-PT" spc="-185" dirty="0">
+                <a:solidFill>
+                  <a:schemeClr val="bg1"/>
+                </a:solidFill>
+              </a:rPr>
+              <a:t>Frase exemplo</a:t>
+            </a:r>
+            <a:endParaRPr spc="-185" dirty="0">
+              <a:solidFill>
+                <a:schemeClr val="bg1"/>
+              </a:solidFill>
+            </a:endParaRPr>
+          </a:p>
+        </p:txBody>
+      </p:sp>
+      <p:sp>
+        <p:nvSpPr>
+          <p:cNvPr id="8" name="Retângulo: Cantos Arredondados 7">
+            <a:extLst>
+              <a:ext uri="{FF2B5EF4-FFF2-40B4-BE49-F238E27FC236}">
+                <a16:creationId xmlns:a16="http://schemas.microsoft.com/office/drawing/2014/main" id="{3C45E504-FB1A-48F4-A766-975714195E17}"/>
+              </a:ext>
+            </a:extLst>
+          </p:cNvPr>
+          <p:cNvSpPr/>
+          <p:nvPr/>
+        </p:nvSpPr>
+        <p:spPr>
+          <a:xfrm>
+            <a:off x="419100" y="932296"/>
+            <a:ext cx="8420100" cy="5392304"/>
+          </a:xfrm>
+          <a:prstGeom prst="roundRect">
+            <a:avLst/>
+          </a:prstGeom>
+          <a:solidFill>
+            <a:srgbClr val="DDDDDD"/>
+          </a:solidFill>
+          <a:ln>
+            <a:solidFill>
+              <a:srgbClr val="38505F"/>
+            </a:solidFill>
+          </a:ln>
+        </p:spPr>
+        <p:style>
+          <a:lnRef idx="2">
+            <a:schemeClr val="accent1">
+              <a:shade val="50000"/>
+            </a:schemeClr>
+          </a:lnRef>
+          <a:fillRef idx="1">
+            <a:schemeClr val="accent1"/>
+          </a:fillRef>
+          <a:effectRef idx="0">
+            <a:schemeClr val="accent1"/>
+          </a:effectRef>
+          <a:fontRef idx="minor">
+            <a:schemeClr val="lt1"/>
+          </a:fontRef>
+        </p:style>
+        <p:txBody>
+          <a:bodyPr rtlCol="0" anchor="ctr"/>
+          <a:lstStyle/>
+          <a:p>
+            <a:pPr algn="ctr"/>
+            <a:endParaRPr lang="pt-PT" dirty="0"/>
+          </a:p>
+        </p:txBody>
+      </p:sp>
+      <p:sp>
+        <p:nvSpPr>
+          <p:cNvPr id="7" name="CaixaDeTexto 6">
+            <a:extLst>
+              <a:ext uri="{FF2B5EF4-FFF2-40B4-BE49-F238E27FC236}">
+                <a16:creationId xmlns:a16="http://schemas.microsoft.com/office/drawing/2014/main" id="{84725617-FF18-4130-A845-0C3F25166607}"/>
+              </a:ext>
+            </a:extLst>
+          </p:cNvPr>
+          <p:cNvSpPr txBox="1"/>
+          <p:nvPr/>
+        </p:nvSpPr>
+        <p:spPr>
+          <a:xfrm>
+            <a:off x="361950" y="3458536"/>
+            <a:ext cx="8420100" cy="523220"/>
+          </a:xfrm>
+          <a:prstGeom prst="rect">
+            <a:avLst/>
+          </a:prstGeom>
+          <a:noFill/>
+        </p:spPr>
+        <p:txBody>
+          <a:bodyPr wrap="square" rtlCol="0" anchor="ctr">
+            <a:spAutoFit/>
+          </a:bodyPr>
+          <a:lstStyle/>
+          <a:p>
+            <a:pPr algn="ctr"/>
+            <a:r>
+              <a:rPr lang="pt-PT" sz="2800" dirty="0">
+                <a:solidFill>
+                  <a:srgbClr val="00B050"/>
+                </a:solidFill>
+                <a:latin typeface="Consolas" panose="020B0609020204030204" pitchFamily="49" charset="0"/>
+                <a:cs typeface="Arial" panose="020B0604020202020204" pitchFamily="34" charset="0"/>
+              </a:rPr>
+              <a:t>“Quando é a sessão de abertura?”</a:t>
+            </a:r>
+          </a:p>
+        </p:txBody>
+      </p:sp>
+      <p:pic>
+        <p:nvPicPr>
+          <p:cNvPr id="14" name="Imagem 13">
+            <a:extLst>
+              <a:ext uri="{FF2B5EF4-FFF2-40B4-BE49-F238E27FC236}">
+                <a16:creationId xmlns:a16="http://schemas.microsoft.com/office/drawing/2014/main" id="{FB20CB1E-E90C-4757-BE49-959662789E67}"/>
+              </a:ext>
+            </a:extLst>
+          </p:cNvPr>
+          <p:cNvPicPr>
+            <a:picLocks noChangeAspect="1"/>
+          </p:cNvPicPr>
+          <p:nvPr/>
+        </p:nvPicPr>
+        <p:blipFill rotWithShape="1">
+          <a:blip r:embed="rId3">
+            <a:extLst>
+              <a:ext uri="{BEBA8EAE-BF5A-486C-A8C5-ECC9F3942E4B}">
+                <a14:imgProps xmlns:a14="http://schemas.microsoft.com/office/drawing/2010/main">
+                  <a14:imgLayer r:embed="rId4">
+                    <a14:imgEffect>
+                      <a14:backgroundRemoval t="4348" b="96377" l="9804" r="89216">
+                        <a14:foregroundMark x1="42327" y1="69077" x2="32353" y2="34058"/>
+                        <a14:foregroundMark x1="42896" y1="71074" x2="42719" y2="70452"/>
+                        <a14:foregroundMark x1="44280" y1="75933" x2="43980" y2="74878"/>
+                        <a14:foregroundMark x1="46078" y1="82246" x2="45495" y2="80198"/>
+                        <a14:foregroundMark x1="59321" y1="76635" x2="59774" y2="76294"/>
+                        <a14:foregroundMark x1="47059" y1="85870" x2="57454" y2="78041"/>
+                        <a14:foregroundMark x1="77585" y1="54932" x2="79085" y2="52899"/>
+                        <a14:foregroundMark x1="67413" y1="68715" x2="75327" y2="57991"/>
+                        <a14:foregroundMark x1="60784" y1="87319" x2="50327" y2="90217"/>
+                        <a14:foregroundMark x1="50327" y1="90217" x2="34009" y2="88071"/>
+                        <a14:foregroundMark x1="39542" y1="87681" x2="51634" y2="89493"/>
+                        <a14:foregroundMark x1="51634" y1="89493" x2="60131" y2="86957"/>
+                        <a14:foregroundMark x1="60131" y1="86957" x2="63072" y2="84058"/>
+                        <a14:foregroundMark x1="63072" y1="85870" x2="54902" y2="91667"/>
+                        <a14:foregroundMark x1="54902" y1="91667" x2="43137" y2="92029"/>
+                        <a14:foregroundMark x1="42157" y1="92391" x2="51634" y2="93116"/>
+                        <a14:foregroundMark x1="51634" y1="93116" x2="55556" y2="92029"/>
+                        <a14:foregroundMark x1="54902" y1="93841" x2="46405" y2="94928"/>
+                        <a14:foregroundMark x1="24749" y1="62028" x2="27778" y2="37681"/>
+                        <a14:foregroundMark x1="27778" y1="37681" x2="30392" y2="34058"/>
+                        <a14:foregroundMark x1="34448" y1="69561" x2="37908" y2="41304"/>
+                        <a14:foregroundMark x1="49520" y1="69784" x2="52614" y2="55797"/>
+                        <a14:foregroundMark x1="59125" y1="68788" x2="60131" y2="56522"/>
+                        <a14:foregroundMark x1="66018" y1="68736" x2="68627" y2="53986"/>
+                        <a14:foregroundMark x1="71518" y1="65483" x2="71242" y2="51087"/>
+                        <a14:foregroundMark x1="70588" y1="60507" x2="70588" y2="43478"/>
+                        <a14:foregroundMark x1="69935" y1="39130" x2="66667" y2="29710"/>
+                        <a14:foregroundMark x1="66667" y1="29710" x2="57516" y2="26449"/>
+                        <a14:foregroundMark x1="57516" y1="26449" x2="36601" y2="28623"/>
+                        <a14:foregroundMark x1="36601" y1="28623" x2="33660" y2="30797"/>
+                        <a14:foregroundMark x1="48366" y1="7971" x2="49346" y2="13406"/>
+                        <a14:foregroundMark x1="49346" y1="7971" x2="49346" y2="12319"/>
+                        <a14:foregroundMark x1="48693" y1="8696" x2="49346" y2="12681"/>
+                        <a14:foregroundMark x1="50000" y1="8333" x2="51307" y2="11957"/>
+                        <a14:foregroundMark x1="50654" y1="8333" x2="49673" y2="13043"/>
+                        <a14:foregroundMark x1="48693" y1="7609" x2="49020" y2="12681"/>
+                        <a14:foregroundMark x1="49020" y1="10145" x2="49020" y2="4710"/>
+                        <a14:foregroundMark x1="18627" y1="50362" x2="27124" y2="50000"/>
+                        <a14:foregroundMark x1="47386" y1="93478" x2="50000" y2="94928"/>
+                        <a14:foregroundMark x1="45752" y1="96377" x2="51634" y2="95290"/>
+                        <a14:foregroundMark x1="51634" y1="94928" x2="51634" y2="94928"/>
+                        <a14:backgroundMark x1="14379" y1="11957" x2="11111" y2="54348"/>
+                        <a14:backgroundMark x1="17647" y1="77174" x2="25163" y2="76812"/>
+                        <a14:backgroundMark x1="24837" y1="71014" x2="22876" y2="84058"/>
+                        <a14:backgroundMark x1="22876" y1="84058" x2="22222" y2="85507"/>
+                        <a14:backgroundMark x1="20261" y1="65217" x2="23856" y2="77174"/>
+                        <a14:backgroundMark x1="23856" y1="77174" x2="30719" y2="75362"/>
+                        <a14:backgroundMark x1="73856" y1="74638" x2="78105" y2="73551"/>
+                        <a14:backgroundMark x1="76144" y1="72101" x2="77778" y2="75362"/>
+                        <a14:backgroundMark x1="72549" y1="75000" x2="76144" y2="77899"/>
+                        <a14:backgroundMark x1="72222" y1="75725" x2="75817" y2="79710"/>
+                        <a14:backgroundMark x1="72222" y1="74638" x2="75817" y2="77536"/>
+                        <a14:backgroundMark x1="71569" y1="74638" x2="76144" y2="76812"/>
+                        <a14:backgroundMark x1="72876" y1="74638" x2="77124" y2="76449"/>
+                        <a14:backgroundMark x1="80719" y1="61957" x2="80065" y2="74638"/>
+                        <a14:backgroundMark x1="80065" y1="74638" x2="71569" y2="86957"/>
+                        <a14:backgroundMark x1="19935" y1="75000" x2="31373" y2="75000"/>
+                        <a14:backgroundMark x1="31373" y1="75000" x2="36275" y2="73913"/>
+                        <a14:backgroundMark x1="63072" y1="73913" x2="74183" y2="73913"/>
+                        <a14:backgroundMark x1="74183" y1="73913" x2="76797" y2="73188"/>
+                        <a14:backgroundMark x1="76797" y1="66667" x2="74183" y2="80797"/>
+                        <a14:backgroundMark x1="17320" y1="60870" x2="18954" y2="74275"/>
+                        <a14:backgroundMark x1="18954" y1="74275" x2="23856" y2="85145"/>
+                        <a14:backgroundMark x1="23856" y1="85145" x2="27778" y2="87319"/>
+                        <a14:backgroundMark x1="17320" y1="59420" x2="18627" y2="61232"/>
+                        <a14:backgroundMark x1="16667" y1="60870" x2="18301" y2="62319"/>
+                        <a14:backgroundMark x1="17320" y1="59058" x2="17974" y2="61594"/>
+                        <a14:backgroundMark x1="27778" y1="86232" x2="26797" y2="91667"/>
+                        <a14:backgroundMark x1="28105" y1="87319" x2="28105" y2="91667"/>
+                        <a14:backgroundMark x1="69935" y1="85507" x2="70588" y2="94928"/>
+                        <a14:backgroundMark x1="28105" y1="86594" x2="29085" y2="92391"/>
+                        <a14:backgroundMark x1="16013" y1="57609" x2="19935" y2="60870"/>
+                        <a14:backgroundMark x1="24183" y1="62319" x2="26144" y2="66667"/>
+                        <a14:backgroundMark x1="67974" y1="71377" x2="61765" y2="73913"/>
+                        <a14:backgroundMark x1="62418" y1="74638" x2="58824" y2="74638"/>
+                        <a14:backgroundMark x1="58497" y1="75000" x2="55556" y2="74275"/>
+                        <a14:backgroundMark x1="37908" y1="74275" x2="40523" y2="74275"/>
+                        <a14:backgroundMark x1="40850" y1="74638" x2="44118" y2="74638"/>
+                        <a14:backgroundMark x1="45098" y1="74638" x2="47386" y2="75000"/>
+                        <a14:backgroundMark x1="48366" y1="75000" x2="49673" y2="75000"/>
+                        <a14:backgroundMark x1="48693" y1="74275" x2="49020" y2="74275"/>
+                        <a14:backgroundMark x1="47386" y1="74275" x2="49020" y2="74275"/>
+                        <a14:backgroundMark x1="78758" y1="61594" x2="82680" y2="59783"/>
+                        <a14:backgroundMark x1="81373" y1="58696" x2="79739" y2="60145"/>
+                        <a14:backgroundMark x1="81373" y1="58696" x2="78758" y2="61232"/>
+                      </a14:backgroundRemoval>
+                    </a14:imgEffect>
+                  </a14:imgLayer>
+                </a14:imgProps>
+              </a:ext>
+            </a:extLst>
+          </a:blip>
+          <a:srcRect l="12176" r="12062"/>
+          <a:stretch/>
+        </p:blipFill>
+        <p:spPr>
+          <a:xfrm>
+            <a:off x="2209800" y="1219200"/>
+            <a:ext cx="752227" cy="895545"/>
+          </a:xfrm>
+          <a:prstGeom prst="rect">
+            <a:avLst/>
+          </a:prstGeom>
+        </p:spPr>
+      </p:pic>
+      <p:sp>
+        <p:nvSpPr>
+          <p:cNvPr id="45" name="CaixaDeTexto 44">
+            <a:extLst>
+              <a:ext uri="{FF2B5EF4-FFF2-40B4-BE49-F238E27FC236}">
+                <a16:creationId xmlns:a16="http://schemas.microsoft.com/office/drawing/2014/main" id="{4656957C-6200-4371-9D49-1E125A611C4D}"/>
+              </a:ext>
+            </a:extLst>
+          </p:cNvPr>
+          <p:cNvSpPr txBox="1"/>
+          <p:nvPr/>
+        </p:nvSpPr>
+        <p:spPr>
+          <a:xfrm>
+            <a:off x="1842963" y="2080112"/>
+            <a:ext cx="1485900" cy="646331"/>
+          </a:xfrm>
+          <a:prstGeom prst="rect">
+            <a:avLst/>
+          </a:prstGeom>
+          <a:noFill/>
+        </p:spPr>
+        <p:txBody>
+          <a:bodyPr wrap="square" rtlCol="0" anchor="ctr">
+            <a:spAutoFit/>
+          </a:bodyPr>
+          <a:lstStyle/>
+          <a:p>
+            <a:pPr algn="ctr"/>
+            <a:r>
+              <a:rPr lang="pt-PT" dirty="0">
+                <a:solidFill>
+                  <a:schemeClr val="accent1">
+                    <a:lumMod val="50000"/>
+                  </a:schemeClr>
+                </a:solidFill>
+                <a:latin typeface="Consolas" panose="020B0609020204030204" pitchFamily="49" charset="0"/>
+                <a:cs typeface="Arial" panose="020B0604020202020204" pitchFamily="34" charset="0"/>
+              </a:rPr>
+              <a:t>Bot2</a:t>
+            </a:r>
+          </a:p>
+          <a:p>
+            <a:pPr algn="ctr"/>
+            <a:r>
+              <a:rPr lang="pt-PT" b="1" dirty="0">
+                <a:solidFill>
+                  <a:schemeClr val="accent1">
+                    <a:lumMod val="50000"/>
+                  </a:schemeClr>
+                </a:solidFill>
+                <a:latin typeface="Consolas" panose="020B0609020204030204" pitchFamily="49" charset="0"/>
+                <a:cs typeface="Arial" panose="020B0604020202020204" pitchFamily="34" charset="0"/>
+              </a:rPr>
+              <a:t>Agenda SEI</a:t>
+            </a:r>
+          </a:p>
+        </p:txBody>
+      </p:sp>
+      <p:sp>
+        <p:nvSpPr>
+          <p:cNvPr id="23" name="Retângulo 22">
+            <a:extLst>
+              <a:ext uri="{FF2B5EF4-FFF2-40B4-BE49-F238E27FC236}">
+                <a16:creationId xmlns:a16="http://schemas.microsoft.com/office/drawing/2014/main" id="{F6C4C90B-38D1-454E-A513-F8CE1579BF09}"/>
+              </a:ext>
+            </a:extLst>
+          </p:cNvPr>
+          <p:cNvSpPr/>
+          <p:nvPr/>
+        </p:nvSpPr>
+        <p:spPr>
+          <a:xfrm>
+            <a:off x="3962400" y="1601436"/>
+            <a:ext cx="3429000" cy="784830"/>
+          </a:xfrm>
+          <a:prstGeom prst="rect">
+            <a:avLst/>
+          </a:prstGeom>
+        </p:spPr>
+        <p:txBody>
+          <a:bodyPr wrap="square">
+            <a:spAutoFit/>
+          </a:bodyPr>
+          <a:lstStyle/>
+          <a:p>
+            <a:pPr lvl="0"/>
+            <a:r>
+              <a:rPr lang="pt-PT" sz="1500" dirty="0">
+                <a:solidFill>
+                  <a:srgbClr val="488ED4"/>
+                </a:solidFill>
+                <a:latin typeface="Consolas" panose="020B0609020204030204" pitchFamily="49" charset="0"/>
+                <a:cs typeface="Arial" panose="020B0604020202020204" pitchFamily="34" charset="0"/>
+              </a:rPr>
+              <a:t>CREATE</a:t>
+            </a:r>
+            <a:r>
+              <a:rPr lang="pt-PT" sz="1500" dirty="0">
+                <a:solidFill>
+                  <a:prstClr val="black"/>
+                </a:solidFill>
+                <a:latin typeface="Consolas" panose="020B0609020204030204" pitchFamily="49" charset="0"/>
+                <a:cs typeface="Arial" panose="020B0604020202020204" pitchFamily="34" charset="0"/>
+              </a:rPr>
+              <a:t> </a:t>
+            </a:r>
+            <a:r>
+              <a:rPr lang="pt-PT" sz="1500" dirty="0" err="1">
+                <a:solidFill>
+                  <a:prstClr val="black"/>
+                </a:solidFill>
+                <a:latin typeface="Consolas" panose="020B0609020204030204" pitchFamily="49" charset="0"/>
+                <a:cs typeface="Arial" panose="020B0604020202020204" pitchFamily="34" charset="0"/>
+              </a:rPr>
+              <a:t>bot_csv</a:t>
+            </a:r>
+            <a:r>
+              <a:rPr lang="pt-PT" sz="1500" dirty="0">
+                <a:solidFill>
+                  <a:prstClr val="black"/>
+                </a:solidFill>
+                <a:latin typeface="Consolas" panose="020B0609020204030204" pitchFamily="49" charset="0"/>
+                <a:cs typeface="Arial" panose="020B0604020202020204" pitchFamily="34" charset="0"/>
+              </a:rPr>
+              <a:t> </a:t>
+            </a:r>
+          </a:p>
+          <a:p>
+            <a:pPr lvl="0"/>
+            <a:r>
+              <a:rPr lang="pt-PT" sz="1500" dirty="0">
+                <a:solidFill>
+                  <a:srgbClr val="C85C57"/>
+                </a:solidFill>
+                <a:latin typeface="Consolas" panose="020B0609020204030204" pitchFamily="49" charset="0"/>
+                <a:cs typeface="Arial" panose="020B0604020202020204" pitchFamily="34" charset="0"/>
+              </a:rPr>
+              <a:t>WITH</a:t>
+            </a:r>
+            <a:r>
+              <a:rPr lang="pt-PT" sz="1500" dirty="0">
+                <a:solidFill>
+                  <a:srgbClr val="488ED4"/>
+                </a:solidFill>
+                <a:latin typeface="Consolas" panose="020B0609020204030204" pitchFamily="49" charset="0"/>
+                <a:cs typeface="Arial" panose="020B0604020202020204" pitchFamily="34" charset="0"/>
+              </a:rPr>
+              <a:t> </a:t>
+            </a:r>
+            <a:r>
+              <a:rPr lang="pt-PT" sz="1500" dirty="0" err="1">
+                <a:solidFill>
+                  <a:prstClr val="black"/>
+                </a:solidFill>
+                <a:latin typeface="Consolas" panose="020B0609020204030204" pitchFamily="49" charset="0"/>
+                <a:cs typeface="Arial" panose="020B0604020202020204" pitchFamily="34" charset="0"/>
+              </a:rPr>
+              <a:t>agenda_SEI_schema.json</a:t>
+            </a:r>
+            <a:r>
+              <a:rPr lang="pt-PT" sz="1500" dirty="0">
+                <a:solidFill>
+                  <a:srgbClr val="488ED4"/>
+                </a:solidFill>
+                <a:latin typeface="Consolas" panose="020B0609020204030204" pitchFamily="49" charset="0"/>
+                <a:cs typeface="Arial" panose="020B0604020202020204" pitchFamily="34" charset="0"/>
+              </a:rPr>
+              <a:t> </a:t>
+            </a:r>
+          </a:p>
+          <a:p>
+            <a:pPr lvl="0"/>
+            <a:r>
+              <a:rPr lang="pt-PT" sz="1500" dirty="0">
+                <a:solidFill>
+                  <a:srgbClr val="00B050"/>
+                </a:solidFill>
+                <a:latin typeface="Consolas" panose="020B0609020204030204" pitchFamily="49" charset="0"/>
+                <a:cs typeface="Arial" panose="020B0604020202020204" pitchFamily="34" charset="0"/>
+              </a:rPr>
+              <a:t>FROM</a:t>
+            </a:r>
+            <a:r>
+              <a:rPr lang="pt-PT" sz="1500" dirty="0">
+                <a:solidFill>
+                  <a:srgbClr val="488ED4"/>
+                </a:solidFill>
+                <a:latin typeface="Consolas" panose="020B0609020204030204" pitchFamily="49" charset="0"/>
+                <a:cs typeface="Arial" panose="020B0604020202020204" pitchFamily="34" charset="0"/>
+              </a:rPr>
+              <a:t> </a:t>
+            </a:r>
+            <a:r>
+              <a:rPr lang="pt-PT" sz="1500" dirty="0">
+                <a:solidFill>
+                  <a:prstClr val="black"/>
+                </a:solidFill>
+                <a:latin typeface="Consolas" panose="020B0609020204030204" pitchFamily="49" charset="0"/>
+                <a:cs typeface="Arial" panose="020B0604020202020204" pitchFamily="34" charset="0"/>
+              </a:rPr>
+              <a:t>agenda_SEI.csv</a:t>
+            </a:r>
+          </a:p>
+        </p:txBody>
+      </p:sp>
+      <p:cxnSp>
+        <p:nvCxnSpPr>
+          <p:cNvPr id="24" name="Conexão reta 23">
+            <a:extLst>
+              <a:ext uri="{FF2B5EF4-FFF2-40B4-BE49-F238E27FC236}">
+                <a16:creationId xmlns:a16="http://schemas.microsoft.com/office/drawing/2014/main" id="{6245EF25-CBCC-40B7-B0E6-014B8DAF64D4}"/>
+              </a:ext>
+            </a:extLst>
+          </p:cNvPr>
+          <p:cNvCxnSpPr>
+            <a:cxnSpLocks/>
+          </p:cNvCxnSpPr>
+          <p:nvPr/>
+        </p:nvCxnSpPr>
+        <p:spPr>
+          <a:xfrm>
+            <a:off x="3767429" y="1548810"/>
+            <a:ext cx="3547771" cy="0"/>
+          </a:xfrm>
+          <a:prstGeom prst="line">
+            <a:avLst/>
+          </a:prstGeom>
+          <a:ln w="19050"/>
+        </p:spPr>
+        <p:style>
+          <a:lnRef idx="1">
+            <a:schemeClr val="accent1"/>
+          </a:lnRef>
+          <a:fillRef idx="0">
+            <a:schemeClr val="accent1"/>
+          </a:fillRef>
+          <a:effectRef idx="0">
+            <a:schemeClr val="accent1"/>
+          </a:effectRef>
+          <a:fontRef idx="minor">
+            <a:schemeClr val="tx1"/>
+          </a:fontRef>
+        </p:style>
+      </p:cxnSp>
+      <p:cxnSp>
+        <p:nvCxnSpPr>
+          <p:cNvPr id="30" name="Conexão reta 29">
+            <a:extLst>
+              <a:ext uri="{FF2B5EF4-FFF2-40B4-BE49-F238E27FC236}">
+                <a16:creationId xmlns:a16="http://schemas.microsoft.com/office/drawing/2014/main" id="{4DA85C04-D9FA-44B7-9360-8C3625ABB9DF}"/>
+              </a:ext>
+            </a:extLst>
+          </p:cNvPr>
+          <p:cNvCxnSpPr>
+            <a:cxnSpLocks/>
+          </p:cNvCxnSpPr>
+          <p:nvPr/>
+        </p:nvCxnSpPr>
+        <p:spPr>
+          <a:xfrm>
+            <a:off x="3767429" y="2463210"/>
+            <a:ext cx="3547771" cy="0"/>
+          </a:xfrm>
+          <a:prstGeom prst="line">
+            <a:avLst/>
+          </a:prstGeom>
+          <a:ln w="19050"/>
+        </p:spPr>
+        <p:style>
+          <a:lnRef idx="1">
+            <a:schemeClr val="accent1"/>
+          </a:lnRef>
+          <a:fillRef idx="0">
+            <a:schemeClr val="accent1"/>
+          </a:fillRef>
+          <a:effectRef idx="0">
+            <a:schemeClr val="accent1"/>
+          </a:effectRef>
+          <a:fontRef idx="minor">
+            <a:schemeClr val="tx1"/>
+          </a:fontRef>
+        </p:style>
+      </p:cxnSp>
+      <p:sp>
+        <p:nvSpPr>
+          <p:cNvPr id="32" name="Parêntese direito 31">
+            <a:extLst>
+              <a:ext uri="{FF2B5EF4-FFF2-40B4-BE49-F238E27FC236}">
+                <a16:creationId xmlns:a16="http://schemas.microsoft.com/office/drawing/2014/main" id="{621DF0D2-38E3-4DFB-AE69-A1CA17AAD67A}"/>
+              </a:ext>
+            </a:extLst>
+          </p:cNvPr>
+          <p:cNvSpPr/>
+          <p:nvPr/>
+        </p:nvSpPr>
+        <p:spPr>
+          <a:xfrm rot="5400000">
+            <a:off x="5061329" y="1784730"/>
+            <a:ext cx="164342" cy="4343400"/>
+          </a:xfrm>
+          <a:prstGeom prst="rightBracket">
+            <a:avLst/>
+          </a:prstGeom>
+          <a:ln w="28575"/>
+        </p:spPr>
+        <p:style>
+          <a:lnRef idx="1">
+            <a:schemeClr val="accent1"/>
+          </a:lnRef>
+          <a:fillRef idx="0">
+            <a:schemeClr val="accent1"/>
+          </a:fillRef>
+          <a:effectRef idx="0">
+            <a:schemeClr val="accent1"/>
+          </a:effectRef>
+          <a:fontRef idx="minor">
+            <a:schemeClr val="tx1"/>
+          </a:fontRef>
+        </p:style>
+        <p:txBody>
+          <a:bodyPr rtlCol="0" anchor="ctr"/>
+          <a:lstStyle/>
+          <a:p>
+            <a:pPr algn="ctr"/>
+            <a:endParaRPr lang="pt-PT"/>
+          </a:p>
+        </p:txBody>
+      </p:sp>
+      <p:sp>
+        <p:nvSpPr>
+          <p:cNvPr id="37" name="Parêntese direito 36">
+            <a:extLst>
+              <a:ext uri="{FF2B5EF4-FFF2-40B4-BE49-F238E27FC236}">
+                <a16:creationId xmlns:a16="http://schemas.microsoft.com/office/drawing/2014/main" id="{9F36CC8E-DC30-478E-B5A6-5807BB41472E}"/>
+              </a:ext>
+            </a:extLst>
+          </p:cNvPr>
+          <p:cNvSpPr/>
+          <p:nvPr/>
+        </p:nvSpPr>
+        <p:spPr>
+          <a:xfrm rot="5400000">
+            <a:off x="2121658" y="3352801"/>
+            <a:ext cx="176284" cy="1219200"/>
+          </a:xfrm>
+          <a:prstGeom prst="rightBracket">
+            <a:avLst/>
+          </a:prstGeom>
+          <a:ln w="28575"/>
+        </p:spPr>
+        <p:style>
+          <a:lnRef idx="1">
+            <a:schemeClr val="accent1"/>
+          </a:lnRef>
+          <a:fillRef idx="0">
+            <a:schemeClr val="accent1"/>
+          </a:fillRef>
+          <a:effectRef idx="0">
+            <a:schemeClr val="accent1"/>
+          </a:effectRef>
+          <a:fontRef idx="minor">
+            <a:schemeClr val="tx1"/>
+          </a:fontRef>
+        </p:style>
+        <p:txBody>
+          <a:bodyPr rtlCol="0" anchor="ctr"/>
+          <a:lstStyle/>
+          <a:p>
+            <a:pPr algn="ctr"/>
+            <a:endParaRPr lang="pt-PT"/>
+          </a:p>
+        </p:txBody>
+      </p:sp>
+    </p:spTree>
+    <p:extLst>
+      <p:ext uri="{BB962C8B-B14F-4D97-AF65-F5344CB8AC3E}">
+        <p14:creationId xmlns:p14="http://schemas.microsoft.com/office/powerpoint/2010/main" val="1095630818"/>
+      </p:ext>
+    </p:extLst>
+  </p:cSld>
+  <p:clrMapOvr>
+    <a:masterClrMapping/>
+  </p:clrMapOvr>
 </p:sld>
 </file>
 

--- a/LEI/apresentações/checkpoint2/apresLEI_grupo47.pptx
+++ b/LEI/apresentações/checkpoint2/apresLEI_grupo47.pptx
@@ -224,7 +224,7 @@
           <a:p>
             <a:fld id="{06D80BC0-DB8E-4343-896B-DB141BAE3B05}" type="datetimeFigureOut">
               <a:rPr lang="pt-PT" smtClean="0"/>
-              <a:t>26/05/2019</a:t>
+              <a:t>27/05/2019</a:t>
             </a:fld>
             <a:endParaRPr lang="pt-PT"/>
           </a:p>
@@ -2116,7 +2116,7 @@
           <a:p>
             <a:fld id="{1D8BD707-D9CF-40AE-B4C6-C98DA3205C09}" type="datetimeFigureOut">
               <a:rPr lang="en-US"/>
-              <a:t>5/26/2019</a:t>
+              <a:t>5/27/2019</a:t>
             </a:fld>
             <a:endParaRPr lang="en-US"/>
           </a:p>
@@ -2287,7 +2287,7 @@
           <a:p>
             <a:fld id="{1D8BD707-D9CF-40AE-B4C6-C98DA3205C09}" type="datetimeFigureOut">
               <a:rPr lang="en-US"/>
-              <a:t>5/26/2019</a:t>
+              <a:t>5/27/2019</a:t>
             </a:fld>
             <a:endParaRPr lang="en-US"/>
           </a:p>
@@ -2727,7 +2727,7 @@
           <a:p>
             <a:fld id="{1D8BD707-D9CF-40AE-B4C6-C98DA3205C09}" type="datetimeFigureOut">
               <a:rPr lang="en-US"/>
-              <a:t>5/26/2019</a:t>
+              <a:t>5/27/2019</a:t>
             </a:fld>
             <a:endParaRPr lang="en-US"/>
           </a:p>
@@ -2933,7 +2933,7 @@
           <a:p>
             <a:fld id="{1D8BD707-D9CF-40AE-B4C6-C98DA3205C09}" type="datetimeFigureOut">
               <a:rPr lang="en-US"/>
-              <a:t>5/26/2019</a:t>
+              <a:t>5/27/2019</a:t>
             </a:fld>
             <a:endParaRPr lang="en-US"/>
           </a:p>
@@ -3052,7 +3052,7 @@
           <a:p>
             <a:fld id="{1D8BD707-D9CF-40AE-B4C6-C98DA3205C09}" type="datetimeFigureOut">
               <a:rPr lang="en-US"/>
-              <a:t>5/26/2019</a:t>
+              <a:t>5/27/2019</a:t>
             </a:fld>
             <a:endParaRPr lang="en-US"/>
           </a:p>
@@ -3271,7 +3271,7 @@
           <a:p>
             <a:fld id="{1D8BD707-D9CF-40AE-B4C6-C98DA3205C09}" type="datetimeFigureOut">
               <a:rPr lang="en-US"/>
-              <a:t>5/26/2019</a:t>
+              <a:t>5/27/2019</a:t>
             </a:fld>
             <a:endParaRPr lang="en-US"/>
           </a:p>
@@ -3687,7 +3687,7 @@
         </p:nvSpPr>
         <p:spPr>
           <a:xfrm>
-            <a:off x="5410200" y="5638800"/>
+            <a:off x="5187761" y="5486015"/>
             <a:ext cx="2743200" cy="1043491"/>
           </a:xfrm>
           <a:prstGeom prst="rect">
@@ -4693,7 +4693,7 @@
         </p:blipFill>
         <p:spPr>
           <a:xfrm>
-            <a:off x="2209800" y="1219200"/>
+            <a:off x="2209800" y="1312157"/>
             <a:ext cx="752227" cy="895545"/>
           </a:xfrm>
           <a:prstGeom prst="rect">
@@ -4715,7 +4715,7 @@
         </p:nvSpPr>
         <p:spPr>
           <a:xfrm>
-            <a:off x="1842963" y="2080112"/>
+            <a:off x="1842963" y="2173069"/>
             <a:ext cx="1485900" cy="646331"/>
           </a:xfrm>
           <a:prstGeom prst="rect">
@@ -4774,7 +4774,7 @@
         </p:nvSpPr>
         <p:spPr>
           <a:xfrm>
-            <a:off x="3962400" y="1601436"/>
+            <a:off x="3962400" y="1694393"/>
             <a:ext cx="3429000" cy="784830"/>
           </a:xfrm>
           <a:prstGeom prst="rect">
@@ -4923,7 +4923,7 @@
         </p:nvCxnSpPr>
         <p:spPr>
           <a:xfrm>
-            <a:off x="3767429" y="1548810"/>
+            <a:off x="3767429" y="1641767"/>
             <a:ext cx="3547771" cy="0"/>
           </a:xfrm>
           <a:prstGeom prst="line">
@@ -4962,7 +4962,7 @@
         </p:nvCxnSpPr>
         <p:spPr>
           <a:xfrm>
-            <a:off x="3767429" y="2463210"/>
+            <a:off x="3767429" y="2556167"/>
             <a:ext cx="3547771" cy="0"/>
           </a:xfrm>
           <a:prstGeom prst="line">
@@ -5757,7 +5757,7 @@
         </p:blipFill>
         <p:spPr>
           <a:xfrm>
-            <a:off x="2209800" y="1219200"/>
+            <a:off x="2209800" y="1312157"/>
             <a:ext cx="752227" cy="895545"/>
           </a:xfrm>
           <a:prstGeom prst="rect">
@@ -5779,7 +5779,7 @@
         </p:nvSpPr>
         <p:spPr>
           <a:xfrm>
-            <a:off x="1842963" y="2080112"/>
+            <a:off x="1842963" y="2173069"/>
             <a:ext cx="1485900" cy="646331"/>
           </a:xfrm>
           <a:prstGeom prst="rect">
@@ -5838,7 +5838,7 @@
         </p:nvSpPr>
         <p:spPr>
           <a:xfrm>
-            <a:off x="3962400" y="1601436"/>
+            <a:off x="3962400" y="1694393"/>
             <a:ext cx="3429000" cy="784830"/>
           </a:xfrm>
           <a:prstGeom prst="rect">
@@ -5987,7 +5987,7 @@
         </p:nvCxnSpPr>
         <p:spPr>
           <a:xfrm>
-            <a:off x="3767429" y="1548810"/>
+            <a:off x="3767429" y="1641767"/>
             <a:ext cx="3547771" cy="0"/>
           </a:xfrm>
           <a:prstGeom prst="line">
@@ -6026,7 +6026,7 @@
         </p:nvCxnSpPr>
         <p:spPr>
           <a:xfrm>
-            <a:off x="3767429" y="2463210"/>
+            <a:off x="3767429" y="2556167"/>
             <a:ext cx="3547771" cy="0"/>
           </a:xfrm>
           <a:prstGeom prst="line">
@@ -6608,8 +6608,8 @@
         </p:nvSpPr>
         <p:spPr>
           <a:xfrm>
-            <a:off x="5090094" y="4445765"/>
-            <a:ext cx="1071127" cy="369332"/>
+            <a:off x="4646866" y="4445765"/>
+            <a:ext cx="1957587" cy="369332"/>
           </a:xfrm>
           <a:prstGeom prst="rect">
             <a:avLst/>
@@ -6631,7 +6631,7 @@
                 </a:solidFill>
                 <a:latin typeface="Consolas" panose="020B0609020204030204" pitchFamily="49" charset="0"/>
               </a:rPr>
-              <a:t>Colunas</a:t>
+              <a:t>Colunas do CSV</a:t>
             </a:r>
           </a:p>
         </p:txBody>
@@ -7190,7 +7190,7 @@
         </p:blipFill>
         <p:spPr>
           <a:xfrm>
-            <a:off x="2209800" y="1219200"/>
+            <a:off x="2209800" y="1312157"/>
             <a:ext cx="752227" cy="895545"/>
           </a:xfrm>
           <a:prstGeom prst="rect">
@@ -7212,7 +7212,7 @@
         </p:nvSpPr>
         <p:spPr>
           <a:xfrm>
-            <a:off x="1842963" y="2080112"/>
+            <a:off x="1842963" y="2173069"/>
             <a:ext cx="1485900" cy="646331"/>
           </a:xfrm>
           <a:prstGeom prst="rect">
@@ -7271,7 +7271,7 @@
         </p:nvSpPr>
         <p:spPr>
           <a:xfrm>
-            <a:off x="3962400" y="1601436"/>
+            <a:off x="3962400" y="1694393"/>
             <a:ext cx="3429000" cy="784830"/>
           </a:xfrm>
           <a:prstGeom prst="rect">
@@ -7420,7 +7420,7 @@
         </p:nvCxnSpPr>
         <p:spPr>
           <a:xfrm>
-            <a:off x="3767429" y="1548810"/>
+            <a:off x="3767429" y="1641767"/>
             <a:ext cx="3547771" cy="0"/>
           </a:xfrm>
           <a:prstGeom prst="line">
@@ -7459,7 +7459,7 @@
         </p:nvCxnSpPr>
         <p:spPr>
           <a:xfrm>
-            <a:off x="3767429" y="2463210"/>
+            <a:off x="3767429" y="2556167"/>
             <a:ext cx="3547771" cy="0"/>
           </a:xfrm>
           <a:prstGeom prst="line">
@@ -7717,10 +7717,10 @@
       </p:sp>
       <p:grpSp>
         <p:nvGrpSpPr>
-          <p:cNvPr id="29" name="Agrupar 28">
+          <p:cNvPr id="36" name="Agrupar 35">
             <a:extLst>
               <a:ext uri="{FF2B5EF4-FFF2-40B4-BE49-F238E27FC236}">
-                <a16:creationId xmlns:a16="http://schemas.microsoft.com/office/drawing/2014/main" id="{5A427B8D-3A2E-4B60-BE99-34539924C17D}"/>
+                <a16:creationId xmlns:a16="http://schemas.microsoft.com/office/drawing/2014/main" id="{1654E067-7784-46F9-93A0-6F9A4833FBCD}"/>
               </a:ext>
             </a:extLst>
           </p:cNvPr>
@@ -7729,7 +7729,7 @@
         </p:nvGrpSpPr>
         <p:grpSpPr>
           <a:xfrm>
-            <a:off x="1461575" y="4405553"/>
+            <a:off x="1461575" y="4404435"/>
             <a:ext cx="6483351" cy="1178023"/>
             <a:chOff x="984250" y="2250977"/>
             <a:chExt cx="6483351" cy="1178023"/>
@@ -7737,10 +7737,10 @@
         </p:grpSpPr>
         <p:sp>
           <p:nvSpPr>
-            <p:cNvPr id="31" name="Retângulo 30">
+            <p:cNvPr id="56" name="Retângulo 55">
               <a:extLst>
                 <a:ext uri="{FF2B5EF4-FFF2-40B4-BE49-F238E27FC236}">
-                  <a16:creationId xmlns:a16="http://schemas.microsoft.com/office/drawing/2014/main" id="{1B937E9E-DB17-4211-9327-233FE5F68C15}"/>
+                  <a16:creationId xmlns:a16="http://schemas.microsoft.com/office/drawing/2014/main" id="{76C43611-678D-461A-ADAD-405B183DD4CF}"/>
                 </a:ext>
               </a:extLst>
             </p:cNvPr>
@@ -7789,10 +7789,10 @@
         </p:sp>
         <p:sp>
           <p:nvSpPr>
-            <p:cNvPr id="33" name="Retângulo 32">
+            <p:cNvPr id="57" name="Retângulo 56">
               <a:extLst>
                 <a:ext uri="{FF2B5EF4-FFF2-40B4-BE49-F238E27FC236}">
-                  <a16:creationId xmlns:a16="http://schemas.microsoft.com/office/drawing/2014/main" id="{A67E7804-3391-415A-832A-A13A9A50DD55}"/>
+                  <a16:creationId xmlns:a16="http://schemas.microsoft.com/office/drawing/2014/main" id="{917FE63B-3EC1-4238-8407-C5F4D873B0FD}"/>
                 </a:ext>
               </a:extLst>
             </p:cNvPr>
@@ -7841,10 +7841,10 @@
         </p:sp>
         <p:sp>
           <p:nvSpPr>
-            <p:cNvPr id="35" name="Retângulo 34">
+            <p:cNvPr id="58" name="Retângulo 57">
               <a:extLst>
                 <a:ext uri="{FF2B5EF4-FFF2-40B4-BE49-F238E27FC236}">
-                  <a16:creationId xmlns:a16="http://schemas.microsoft.com/office/drawing/2014/main" id="{0E506D5A-F985-4F3E-8078-20ECCD012D67}"/>
+                  <a16:creationId xmlns:a16="http://schemas.microsoft.com/office/drawing/2014/main" id="{9650E53F-3B3A-4656-A96C-94A56B986F81}"/>
                 </a:ext>
               </a:extLst>
             </p:cNvPr>
@@ -7875,20 +7875,15 @@
                 </a:rPr>
                 <a:t>Atividade</a:t>
               </a:r>
-              <a:endParaRPr lang="pt-PT" sz="1400" dirty="0">
-                <a:solidFill>
-                  <a:srgbClr val="C00000"/>
-                </a:solidFill>
-              </a:endParaRPr>
             </a:p>
           </p:txBody>
         </p:sp>
         <p:sp>
           <p:nvSpPr>
-            <p:cNvPr id="38" name="Retângulo 37">
+            <p:cNvPr id="59" name="Retângulo 58">
               <a:extLst>
                 <a:ext uri="{FF2B5EF4-FFF2-40B4-BE49-F238E27FC236}">
-                  <a16:creationId xmlns:a16="http://schemas.microsoft.com/office/drawing/2014/main" id="{7D6AFB97-9712-4512-B2F2-7B082F3C313C}"/>
+                  <a16:creationId xmlns:a16="http://schemas.microsoft.com/office/drawing/2014/main" id="{93308A3C-D4F1-4269-A944-66F36221EB1F}"/>
                 </a:ext>
               </a:extLst>
             </p:cNvPr>
@@ -7927,10 +7922,10 @@
         </p:sp>
         <p:sp>
           <p:nvSpPr>
-            <p:cNvPr id="39" name="Retângulo 38">
+            <p:cNvPr id="60" name="Retângulo 59">
               <a:extLst>
                 <a:ext uri="{FF2B5EF4-FFF2-40B4-BE49-F238E27FC236}">
-                  <a16:creationId xmlns:a16="http://schemas.microsoft.com/office/drawing/2014/main" id="{95B5B856-4B7A-42AA-9A5C-3DC65CA15853}"/>
+                  <a16:creationId xmlns:a16="http://schemas.microsoft.com/office/drawing/2014/main" id="{94B8E4CB-2043-4288-B51F-7D0BCD7ECF1F}"/>
                 </a:ext>
               </a:extLst>
             </p:cNvPr>
@@ -7969,10 +7964,10 @@
         </p:sp>
         <p:sp>
           <p:nvSpPr>
-            <p:cNvPr id="40" name="Retângulo 39">
+            <p:cNvPr id="61" name="Retângulo 60">
               <a:extLst>
                 <a:ext uri="{FF2B5EF4-FFF2-40B4-BE49-F238E27FC236}">
-                  <a16:creationId xmlns:a16="http://schemas.microsoft.com/office/drawing/2014/main" id="{B4F2518F-22C8-46AC-9ED2-D5658D048F85}"/>
+                  <a16:creationId xmlns:a16="http://schemas.microsoft.com/office/drawing/2014/main" id="{BF3EE7A1-7084-4F41-B008-D34CB06213CD}"/>
                 </a:ext>
               </a:extLst>
             </p:cNvPr>
@@ -8005,16 +8000,15 @@
                 </a:rPr>
                 <a:t>Dia</a:t>
               </a:r>
-              <a:endParaRPr lang="pt-PT" dirty="0"/>
             </a:p>
           </p:txBody>
         </p:sp>
         <p:sp>
           <p:nvSpPr>
-            <p:cNvPr id="41" name="Retângulo 40">
+            <p:cNvPr id="62" name="Retângulo 61">
               <a:extLst>
                 <a:ext uri="{FF2B5EF4-FFF2-40B4-BE49-F238E27FC236}">
-                  <a16:creationId xmlns:a16="http://schemas.microsoft.com/office/drawing/2014/main" id="{D15C5B1E-F4E1-42DC-9D54-A8B0A4CDA4A9}"/>
+                  <a16:creationId xmlns:a16="http://schemas.microsoft.com/office/drawing/2014/main" id="{BF7FCA58-CF66-4F73-AD39-E2B32FE127B7}"/>
                 </a:ext>
               </a:extLst>
             </p:cNvPr>
@@ -8039,24 +8033,26 @@
               <a:r>
                 <a:rPr lang="pt-PT" sz="1400" dirty="0">
                   <a:solidFill>
-                    <a:schemeClr val="accent1">
-                      <a:lumMod val="50000"/>
-                    </a:schemeClr>
+                    <a:srgbClr val="254061"/>
                   </a:solidFill>
                   <a:latin typeface="Consolas" panose="020B0609020204030204" pitchFamily="49" charset="0"/>
                 </a:rPr>
                 <a:t>Inicio</a:t>
               </a:r>
-              <a:endParaRPr lang="pt-PT" dirty="0"/>
+              <a:endParaRPr lang="pt-PT" dirty="0">
+                <a:solidFill>
+                  <a:srgbClr val="254061"/>
+                </a:solidFill>
+              </a:endParaRPr>
             </a:p>
           </p:txBody>
         </p:sp>
         <p:sp>
           <p:nvSpPr>
-            <p:cNvPr id="42" name="Retângulo 41">
+            <p:cNvPr id="63" name="Retângulo 62">
               <a:extLst>
                 <a:ext uri="{FF2B5EF4-FFF2-40B4-BE49-F238E27FC236}">
-                  <a16:creationId xmlns:a16="http://schemas.microsoft.com/office/drawing/2014/main" id="{94A4A884-7451-4914-9736-3C1809F9CEC5}"/>
+                  <a16:creationId xmlns:a16="http://schemas.microsoft.com/office/drawing/2014/main" id="{FF921907-4CCE-40B1-862A-5CC413285C03}"/>
                 </a:ext>
               </a:extLst>
             </p:cNvPr>
@@ -8081,24 +8077,26 @@
               <a:r>
                 <a:rPr lang="pt-PT" sz="1400" dirty="0">
                   <a:solidFill>
-                    <a:schemeClr val="accent1">
-                      <a:lumMod val="50000"/>
-                    </a:schemeClr>
+                    <a:srgbClr val="254061"/>
                   </a:solidFill>
                   <a:latin typeface="Consolas" panose="020B0609020204030204" pitchFamily="49" charset="0"/>
                 </a:rPr>
                 <a:t>Fim</a:t>
               </a:r>
-              <a:endParaRPr lang="pt-PT" dirty="0"/>
+              <a:endParaRPr lang="pt-PT" dirty="0">
+                <a:solidFill>
+                  <a:srgbClr val="254061"/>
+                </a:solidFill>
+              </a:endParaRPr>
             </a:p>
           </p:txBody>
         </p:sp>
         <p:cxnSp>
           <p:nvCxnSpPr>
-            <p:cNvPr id="43" name="Conexão reta 42">
+            <p:cNvPr id="64" name="Conexão reta 63">
               <a:extLst>
                 <a:ext uri="{FF2B5EF4-FFF2-40B4-BE49-F238E27FC236}">
-                  <a16:creationId xmlns:a16="http://schemas.microsoft.com/office/drawing/2014/main" id="{AC6EDC00-6FB5-4D68-8F49-46EE9CA72040}"/>
+                  <a16:creationId xmlns:a16="http://schemas.microsoft.com/office/drawing/2014/main" id="{485C5E55-7AED-4257-8E82-01E15ED8D54D}"/>
                 </a:ext>
               </a:extLst>
             </p:cNvPr>
@@ -8138,10 +8136,10 @@
         </p:cxnSp>
         <p:cxnSp>
           <p:nvCxnSpPr>
-            <p:cNvPr id="44" name="Conexão reta 43">
+            <p:cNvPr id="65" name="Conexão reta 64">
               <a:extLst>
                 <a:ext uri="{FF2B5EF4-FFF2-40B4-BE49-F238E27FC236}">
-                  <a16:creationId xmlns:a16="http://schemas.microsoft.com/office/drawing/2014/main" id="{6A61BAC9-9D18-46FE-A1F6-D798A73CBF73}"/>
+                  <a16:creationId xmlns:a16="http://schemas.microsoft.com/office/drawing/2014/main" id="{84AE9D3C-8C83-4C78-9617-95A2EE139B9E}"/>
                 </a:ext>
               </a:extLst>
             </p:cNvPr>
@@ -8181,10 +8179,10 @@
         </p:cxnSp>
         <p:cxnSp>
           <p:nvCxnSpPr>
-            <p:cNvPr id="46" name="Conexão reta 45">
+            <p:cNvPr id="66" name="Conexão reta 65">
               <a:extLst>
                 <a:ext uri="{FF2B5EF4-FFF2-40B4-BE49-F238E27FC236}">
-                  <a16:creationId xmlns:a16="http://schemas.microsoft.com/office/drawing/2014/main" id="{B75B33AF-4389-46A0-9902-6E4787B64D8D}"/>
+                  <a16:creationId xmlns:a16="http://schemas.microsoft.com/office/drawing/2014/main" id="{293C646D-8F14-45CF-95DC-5C8E39FD7898}"/>
                 </a:ext>
               </a:extLst>
             </p:cNvPr>
@@ -8224,10 +8222,10 @@
         </p:cxnSp>
         <p:cxnSp>
           <p:nvCxnSpPr>
-            <p:cNvPr id="47" name="Conexão reta 46">
+            <p:cNvPr id="67" name="Conexão reta 66">
               <a:extLst>
                 <a:ext uri="{FF2B5EF4-FFF2-40B4-BE49-F238E27FC236}">
-                  <a16:creationId xmlns:a16="http://schemas.microsoft.com/office/drawing/2014/main" id="{871BEC06-94E3-4D61-8FF0-7587A4A54D7F}"/>
+                  <a16:creationId xmlns:a16="http://schemas.microsoft.com/office/drawing/2014/main" id="{2406ECAF-4ABE-477B-BC59-1076FF96938C}"/>
                 </a:ext>
               </a:extLst>
             </p:cNvPr>
@@ -8267,10 +8265,10 @@
         </p:cxnSp>
         <p:cxnSp>
           <p:nvCxnSpPr>
-            <p:cNvPr id="48" name="Conexão reta 47">
+            <p:cNvPr id="68" name="Conexão reta 67">
               <a:extLst>
                 <a:ext uri="{FF2B5EF4-FFF2-40B4-BE49-F238E27FC236}">
-                  <a16:creationId xmlns:a16="http://schemas.microsoft.com/office/drawing/2014/main" id="{8FCBACA6-94F2-48A5-8530-A2458D1F41C5}"/>
+                  <a16:creationId xmlns:a16="http://schemas.microsoft.com/office/drawing/2014/main" id="{12168EA6-2A8C-40B9-A87B-BAEF38B5CC04}"/>
                 </a:ext>
               </a:extLst>
             </p:cNvPr>
@@ -8310,10 +8308,10 @@
         </p:cxnSp>
         <p:sp>
           <p:nvSpPr>
-            <p:cNvPr id="49" name="Retângulo 48">
+            <p:cNvPr id="69" name="Retângulo 68">
               <a:extLst>
                 <a:ext uri="{FF2B5EF4-FFF2-40B4-BE49-F238E27FC236}">
-                  <a16:creationId xmlns:a16="http://schemas.microsoft.com/office/drawing/2014/main" id="{C1E2CEC4-E7A5-40BE-A766-B20E176009BB}"/>
+                  <a16:creationId xmlns:a16="http://schemas.microsoft.com/office/drawing/2014/main" id="{0E48707A-23AE-4CBC-A6A2-3B0E9EA33C66}"/>
                 </a:ext>
               </a:extLst>
             </p:cNvPr>
@@ -8344,20 +8342,15 @@
                 </a:rPr>
                 <a:t>Sessão de abertura</a:t>
               </a:r>
-              <a:endParaRPr lang="pt-PT" sz="1100" dirty="0">
-                <a:solidFill>
-                  <a:srgbClr val="C00000"/>
-                </a:solidFill>
-              </a:endParaRPr>
             </a:p>
           </p:txBody>
         </p:sp>
         <p:sp>
           <p:nvSpPr>
-            <p:cNvPr id="50" name="Retângulo 49">
+            <p:cNvPr id="70" name="Retângulo 69">
               <a:extLst>
                 <a:ext uri="{FF2B5EF4-FFF2-40B4-BE49-F238E27FC236}">
-                  <a16:creationId xmlns:a16="http://schemas.microsoft.com/office/drawing/2014/main" id="{5CBF0DB3-CC8F-40C5-9D1D-E7E72CA9F168}"/>
+                  <a16:creationId xmlns:a16="http://schemas.microsoft.com/office/drawing/2014/main" id="{2C35651B-4180-4619-BF78-3054868FE28A}"/>
                 </a:ext>
               </a:extLst>
             </p:cNvPr>
@@ -8396,10 +8389,10 @@
         </p:sp>
         <p:sp>
           <p:nvSpPr>
-            <p:cNvPr id="51" name="Retângulo 50">
+            <p:cNvPr id="71" name="Retângulo 70">
               <a:extLst>
                 <a:ext uri="{FF2B5EF4-FFF2-40B4-BE49-F238E27FC236}">
-                  <a16:creationId xmlns:a16="http://schemas.microsoft.com/office/drawing/2014/main" id="{9880821C-88BB-49C8-9D79-58D085D8A89D}"/>
+                  <a16:creationId xmlns:a16="http://schemas.microsoft.com/office/drawing/2014/main" id="{8823A403-966B-40E8-9B73-0C91D58EBE6A}"/>
                 </a:ext>
               </a:extLst>
             </p:cNvPr>
@@ -8438,10 +8431,10 @@
         </p:sp>
         <p:sp>
           <p:nvSpPr>
-            <p:cNvPr id="52" name="Retângulo 51">
+            <p:cNvPr id="72" name="Retângulo 71">
               <a:extLst>
                 <a:ext uri="{FF2B5EF4-FFF2-40B4-BE49-F238E27FC236}">
-                  <a16:creationId xmlns:a16="http://schemas.microsoft.com/office/drawing/2014/main" id="{22784360-0FB0-4ED5-9FCE-204C6D702449}"/>
+                  <a16:creationId xmlns:a16="http://schemas.microsoft.com/office/drawing/2014/main" id="{1DEB3904-111E-4EAC-9005-7E9A0E8A809D}"/>
                 </a:ext>
               </a:extLst>
             </p:cNvPr>
@@ -8480,10 +8473,10 @@
         </p:sp>
         <p:sp>
           <p:nvSpPr>
-            <p:cNvPr id="53" name="Retângulo 52">
+            <p:cNvPr id="73" name="Retângulo 72">
               <a:extLst>
                 <a:ext uri="{FF2B5EF4-FFF2-40B4-BE49-F238E27FC236}">
-                  <a16:creationId xmlns:a16="http://schemas.microsoft.com/office/drawing/2014/main" id="{A70BF4A8-F8DC-40A8-912A-65D073B047A6}"/>
+                  <a16:creationId xmlns:a16="http://schemas.microsoft.com/office/drawing/2014/main" id="{9BDF1443-55A6-4CF7-A75B-F474336CD8BB}"/>
                 </a:ext>
               </a:extLst>
             </p:cNvPr>
@@ -8509,9 +8502,7 @@
               <a:r>
                 <a:rPr lang="pt-PT" sz="1100" dirty="0">
                   <a:solidFill>
-                    <a:schemeClr val="accent1">
-                      <a:lumMod val="50000"/>
-                    </a:schemeClr>
+                    <a:srgbClr val="254061"/>
                   </a:solidFill>
                   <a:latin typeface="Consolas" panose="020B0609020204030204" pitchFamily="49" charset="0"/>
                 </a:rPr>
@@ -8522,10 +8513,10 @@
         </p:sp>
         <p:sp>
           <p:nvSpPr>
-            <p:cNvPr id="54" name="Retângulo 53">
+            <p:cNvPr id="74" name="Retângulo 73">
               <a:extLst>
                 <a:ext uri="{FF2B5EF4-FFF2-40B4-BE49-F238E27FC236}">
-                  <a16:creationId xmlns:a16="http://schemas.microsoft.com/office/drawing/2014/main" id="{1959EFD1-9102-42C3-A3B5-9B14BDE250C6}"/>
+                  <a16:creationId xmlns:a16="http://schemas.microsoft.com/office/drawing/2014/main" id="{CF86BB53-07DE-4C15-8200-C58059B891DF}"/>
                 </a:ext>
               </a:extLst>
             </p:cNvPr>
@@ -8550,9 +8541,7 @@
               <a:r>
                 <a:rPr lang="pt-PT" sz="1100" dirty="0">
                   <a:solidFill>
-                    <a:schemeClr val="accent1">
-                      <a:lumMod val="50000"/>
-                    </a:schemeClr>
+                    <a:srgbClr val="254061"/>
                   </a:solidFill>
                   <a:latin typeface="Consolas" panose="020B0609020204030204" pitchFamily="49" charset="0"/>
                 </a:rPr>
@@ -8889,7 +8878,7 @@
         </p:blipFill>
         <p:spPr>
           <a:xfrm>
-            <a:off x="2209800" y="1219200"/>
+            <a:off x="2209800" y="1312157"/>
             <a:ext cx="752227" cy="895545"/>
           </a:xfrm>
           <a:prstGeom prst="rect">
@@ -8911,7 +8900,7 @@
         </p:nvSpPr>
         <p:spPr>
           <a:xfrm>
-            <a:off x="1842963" y="2080112"/>
+            <a:off x="1842963" y="2173069"/>
             <a:ext cx="1485900" cy="646331"/>
           </a:xfrm>
           <a:prstGeom prst="rect">
@@ -8970,7 +8959,7 @@
         </p:nvSpPr>
         <p:spPr>
           <a:xfrm>
-            <a:off x="3962400" y="1601436"/>
+            <a:off x="3962400" y="1694393"/>
             <a:ext cx="3429000" cy="784830"/>
           </a:xfrm>
           <a:prstGeom prst="rect">
@@ -9119,7 +9108,7 @@
         </p:nvCxnSpPr>
         <p:spPr>
           <a:xfrm>
-            <a:off x="3767429" y="1548810"/>
+            <a:off x="3767429" y="1641767"/>
             <a:ext cx="3547771" cy="0"/>
           </a:xfrm>
           <a:prstGeom prst="line">
@@ -9158,7 +9147,7 @@
         </p:nvCxnSpPr>
         <p:spPr>
           <a:xfrm>
-            <a:off x="3767429" y="2463210"/>
+            <a:off x="3767429" y="2556167"/>
             <a:ext cx="3547771" cy="0"/>
           </a:xfrm>
           <a:prstGeom prst="line">
@@ -12251,7 +12240,7 @@
 </file>
 
 <file path=ppt/slides/slide16.xml><?xml version="1.0" encoding="utf-8"?>
-<p:sld xmlns:a="http://schemas.openxmlformats.org/drawingml/2006/main" xmlns:r="http://schemas.openxmlformats.org/officeDocument/2006/relationships" xmlns:p="http://schemas.openxmlformats.org/presentationml/2006/main" show="0">
+<p:sld xmlns:a="http://schemas.openxmlformats.org/drawingml/2006/main" xmlns:r="http://schemas.openxmlformats.org/officeDocument/2006/relationships" xmlns:p="http://schemas.openxmlformats.org/presentationml/2006/main">
   <p:cSld>
     <p:spTree>
       <p:nvGrpSpPr>
@@ -12832,7 +12821,7 @@
         <p:spPr>
           <a:xfrm>
             <a:off x="1447800" y="2250281"/>
-            <a:ext cx="6391713" cy="2585323"/>
+            <a:ext cx="6391713" cy="3139321"/>
           </a:xfrm>
           <a:prstGeom prst="rect">
             <a:avLst/>
@@ -12904,6 +12893,29 @@
                 <a:cs typeface="Arial" panose="020B0604020202020204" pitchFamily="34" charset="0"/>
               </a:rPr>
               <a:t>Guardar estados para dar melhor seguimento à conversa</a:t>
+            </a:r>
+          </a:p>
+          <a:p>
+            <a:pPr marL="285750" indent="-285750">
+              <a:buFont typeface="Wingdings" panose="05000000000000000000" pitchFamily="2" charset="2"/>
+              <a:buChar char="§"/>
+            </a:pPr>
+            <a:endParaRPr lang="pt-PT" dirty="0">
+              <a:latin typeface="Arial" panose="020B0604020202020204" pitchFamily="34" charset="0"/>
+              <a:cs typeface="Arial" panose="020B0604020202020204" pitchFamily="34" charset="0"/>
+            </a:endParaRPr>
+          </a:p>
+          <a:p>
+            <a:pPr marL="285750" indent="-285750">
+              <a:buFont typeface="Wingdings" panose="05000000000000000000" pitchFamily="2" charset="2"/>
+              <a:buChar char="§"/>
+            </a:pPr>
+            <a:r>
+              <a:rPr lang="pt-PT" dirty="0">
+                <a:latin typeface="Arial" panose="020B0604020202020204" pitchFamily="34" charset="0"/>
+                <a:cs typeface="Arial" panose="020B0604020202020204" pitchFamily="34" charset="0"/>
+              </a:rPr>
+              <a:t>Melhorar conteúdo das respostas e a sua…</a:t>
             </a:r>
           </a:p>
           <a:p>
@@ -19278,7 +19290,7 @@
         </p:blipFill>
         <p:spPr>
           <a:xfrm>
-            <a:off x="2209800" y="1219200"/>
+            <a:off x="2209800" y="1312157"/>
             <a:ext cx="752227" cy="895545"/>
           </a:xfrm>
           <a:prstGeom prst="rect">
@@ -19300,7 +19312,7 @@
         </p:nvSpPr>
         <p:spPr>
           <a:xfrm>
-            <a:off x="1842963" y="2080112"/>
+            <a:off x="1842963" y="2173069"/>
             <a:ext cx="1485900" cy="646331"/>
           </a:xfrm>
           <a:prstGeom prst="rect">
@@ -19359,7 +19371,7 @@
         </p:nvSpPr>
         <p:spPr>
           <a:xfrm>
-            <a:off x="3962400" y="1601436"/>
+            <a:off x="3962400" y="1694393"/>
             <a:ext cx="3429000" cy="784830"/>
           </a:xfrm>
           <a:prstGeom prst="rect">
@@ -19508,7 +19520,7 @@
         </p:nvCxnSpPr>
         <p:spPr>
           <a:xfrm>
-            <a:off x="3767429" y="1548810"/>
+            <a:off x="3767429" y="1641767"/>
             <a:ext cx="3547771" cy="0"/>
           </a:xfrm>
           <a:prstGeom prst="line">
@@ -19547,7 +19559,7 @@
         </p:nvCxnSpPr>
         <p:spPr>
           <a:xfrm>
-            <a:off x="3767429" y="2463210"/>
+            <a:off x="3767429" y="2556167"/>
             <a:ext cx="3547771" cy="0"/>
           </a:xfrm>
           <a:prstGeom prst="line">

--- a/LEI/apresentações/checkpoint2/apresLEI_grupo47.pptx
+++ b/LEI/apresentações/checkpoint2/apresLEI_grupo47.pptx
@@ -5,26 +5,25 @@
     <p:sldMasterId id="2147483648" r:id="rId1"/>
   </p:sldMasterIdLst>
   <p:notesMasterIdLst>
-    <p:notesMasterId r:id="rId19"/>
+    <p:notesMasterId r:id="rId18"/>
   </p:notesMasterIdLst>
   <p:sldIdLst>
     <p:sldId id="256" r:id="rId2"/>
-    <p:sldId id="257" r:id="rId3"/>
-    <p:sldId id="296" r:id="rId4"/>
-    <p:sldId id="266" r:id="rId5"/>
-    <p:sldId id="301" r:id="rId6"/>
-    <p:sldId id="303" r:id="rId7"/>
-    <p:sldId id="304" r:id="rId8"/>
-    <p:sldId id="308" r:id="rId9"/>
-    <p:sldId id="307" r:id="rId10"/>
-    <p:sldId id="312" r:id="rId11"/>
-    <p:sldId id="314" r:id="rId12"/>
-    <p:sldId id="316" r:id="rId13"/>
-    <p:sldId id="317" r:id="rId14"/>
-    <p:sldId id="320" r:id="rId15"/>
-    <p:sldId id="319" r:id="rId16"/>
-    <p:sldId id="298" r:id="rId17"/>
-    <p:sldId id="295" r:id="rId18"/>
+    <p:sldId id="296" r:id="rId3"/>
+    <p:sldId id="266" r:id="rId4"/>
+    <p:sldId id="301" r:id="rId5"/>
+    <p:sldId id="303" r:id="rId6"/>
+    <p:sldId id="304" r:id="rId7"/>
+    <p:sldId id="308" r:id="rId8"/>
+    <p:sldId id="307" r:id="rId9"/>
+    <p:sldId id="312" r:id="rId10"/>
+    <p:sldId id="314" r:id="rId11"/>
+    <p:sldId id="316" r:id="rId12"/>
+    <p:sldId id="317" r:id="rId13"/>
+    <p:sldId id="320" r:id="rId14"/>
+    <p:sldId id="319" r:id="rId15"/>
+    <p:sldId id="298" r:id="rId16"/>
+    <p:sldId id="295" r:id="rId17"/>
   </p:sldIdLst>
   <p:sldSz cx="9144000" cy="6858000" type="screen4x3"/>
   <p:notesSz cx="9144000" cy="6858000"/>
@@ -690,7 +689,7 @@
     </p:spTree>
     <p:extLst>
       <p:ext uri="{BB962C8B-B14F-4D97-AF65-F5344CB8AC3E}">
-        <p14:creationId xmlns:p14="http://schemas.microsoft.com/office/powerpoint/2010/main" val="576819733"/>
+        <p14:creationId xmlns:p14="http://schemas.microsoft.com/office/powerpoint/2010/main" val="2745960851"/>
       </p:ext>
     </p:extLst>
   </p:cSld>
@@ -774,7 +773,7 @@
     </p:spTree>
     <p:extLst>
       <p:ext uri="{BB962C8B-B14F-4D97-AF65-F5344CB8AC3E}">
-        <p14:creationId xmlns:p14="http://schemas.microsoft.com/office/powerpoint/2010/main" val="2745960851"/>
+        <p14:creationId xmlns:p14="http://schemas.microsoft.com/office/powerpoint/2010/main" val="3598257146"/>
       </p:ext>
     </p:extLst>
   </p:cSld>
@@ -858,7 +857,7 @@
     </p:spTree>
     <p:extLst>
       <p:ext uri="{BB962C8B-B14F-4D97-AF65-F5344CB8AC3E}">
-        <p14:creationId xmlns:p14="http://schemas.microsoft.com/office/powerpoint/2010/main" val="3598257146"/>
+        <p14:creationId xmlns:p14="http://schemas.microsoft.com/office/powerpoint/2010/main" val="1680777646"/>
       </p:ext>
     </p:extLst>
   </p:cSld>
@@ -942,7 +941,7 @@
     </p:spTree>
     <p:extLst>
       <p:ext uri="{BB962C8B-B14F-4D97-AF65-F5344CB8AC3E}">
-        <p14:creationId xmlns:p14="http://schemas.microsoft.com/office/powerpoint/2010/main" val="1680777646"/>
+        <p14:creationId xmlns:p14="http://schemas.microsoft.com/office/powerpoint/2010/main" val="439238739"/>
       </p:ext>
     </p:extLst>
   </p:cSld>
@@ -1026,7 +1025,7 @@
     </p:spTree>
     <p:extLst>
       <p:ext uri="{BB962C8B-B14F-4D97-AF65-F5344CB8AC3E}">
-        <p14:creationId xmlns:p14="http://schemas.microsoft.com/office/powerpoint/2010/main" val="439238739"/>
+        <p14:creationId xmlns:p14="http://schemas.microsoft.com/office/powerpoint/2010/main" val="4131229080"/>
       </p:ext>
     </p:extLst>
   </p:cSld>
@@ -1110,7 +1109,7 @@
     </p:spTree>
     <p:extLst>
       <p:ext uri="{BB962C8B-B14F-4D97-AF65-F5344CB8AC3E}">
-        <p14:creationId xmlns:p14="http://schemas.microsoft.com/office/powerpoint/2010/main" val="4131229080"/>
+        <p14:creationId xmlns:p14="http://schemas.microsoft.com/office/powerpoint/2010/main" val="1377562640"/>
       </p:ext>
     </p:extLst>
   </p:cSld>
@@ -1186,90 +1185,6 @@
             <a:fld id="{62C9FF69-D9AD-48B5-8D39-7AA42039F77D}" type="slidenum">
               <a:rPr lang="pt-PT" smtClean="0"/>
               <a:t>16</a:t>
-            </a:fld>
-            <a:endParaRPr lang="pt-PT"/>
-          </a:p>
-        </p:txBody>
-      </p:sp>
-    </p:spTree>
-    <p:extLst>
-      <p:ext uri="{BB962C8B-B14F-4D97-AF65-F5344CB8AC3E}">
-        <p14:creationId xmlns:p14="http://schemas.microsoft.com/office/powerpoint/2010/main" val="1377562640"/>
-      </p:ext>
-    </p:extLst>
-  </p:cSld>
-  <p:clrMapOvr>
-    <a:masterClrMapping/>
-  </p:clrMapOvr>
-</p:notes>
-</file>
-
-<file path=ppt/notesSlides/notesSlide17.xml><?xml version="1.0" encoding="utf-8"?>
-<p:notes xmlns:a="http://schemas.openxmlformats.org/drawingml/2006/main" xmlns:r="http://schemas.openxmlformats.org/officeDocument/2006/relationships" xmlns:p="http://schemas.openxmlformats.org/presentationml/2006/main">
-  <p:cSld>
-    <p:spTree>
-      <p:nvGrpSpPr>
-        <p:cNvPr id="1" name=""/>
-        <p:cNvGrpSpPr/>
-        <p:nvPr/>
-      </p:nvGrpSpPr>
-      <p:grpSpPr>
-        <a:xfrm>
-          <a:off x="0" y="0"/>
-          <a:ext cx="0" cy="0"/>
-          <a:chOff x="0" y="0"/>
-          <a:chExt cx="0" cy="0"/>
-        </a:xfrm>
-      </p:grpSpPr>
-      <p:sp>
-        <p:nvSpPr>
-          <p:cNvPr id="2" name="Marcador de Posição da Imagem do Diapositivo 1"/>
-          <p:cNvSpPr>
-            <a:spLocks noGrp="1" noRot="1" noChangeAspect="1"/>
-          </p:cNvSpPr>
-          <p:nvPr>
-            <p:ph type="sldImg"/>
-          </p:nvPr>
-        </p:nvSpPr>
-        <p:spPr/>
-      </p:sp>
-      <p:sp>
-        <p:nvSpPr>
-          <p:cNvPr id="3" name="Marcador de Posição de Notas 2"/>
-          <p:cNvSpPr>
-            <a:spLocks noGrp="1"/>
-          </p:cNvSpPr>
-          <p:nvPr>
-            <p:ph type="body" idx="1"/>
-          </p:nvPr>
-        </p:nvSpPr>
-        <p:spPr/>
-        <p:txBody>
-          <a:bodyPr/>
-          <a:lstStyle/>
-          <a:p>
-            <a:endParaRPr lang="pt-PT" dirty="0"/>
-          </a:p>
-        </p:txBody>
-      </p:sp>
-      <p:sp>
-        <p:nvSpPr>
-          <p:cNvPr id="4" name="Marcador de Posição do Número do Diapositivo 3"/>
-          <p:cNvSpPr>
-            <a:spLocks noGrp="1"/>
-          </p:cNvSpPr>
-          <p:nvPr>
-            <p:ph type="sldNum" sz="quarter" idx="5"/>
-          </p:nvPr>
-        </p:nvSpPr>
-        <p:spPr/>
-        <p:txBody>
-          <a:bodyPr/>
-          <a:lstStyle/>
-          <a:p>
-            <a:fld id="{62C9FF69-D9AD-48B5-8D39-7AA42039F77D}" type="slidenum">
-              <a:rPr lang="pt-PT" smtClean="0"/>
-              <a:t>17</a:t>
             </a:fld>
             <a:endParaRPr lang="pt-PT"/>
           </a:p>
@@ -1332,23 +1247,6 @@
           <a:bodyPr/>
           <a:lstStyle/>
           <a:p>
-            <a:pPr marL="0" marR="0" lvl="0" indent="0" algn="l" defTabSz="914400" rtl="0" eaLnBrk="1" fontAlgn="auto" latinLnBrk="0" hangingPunct="1">
-              <a:lnSpc>
-                <a:spcPct val="100000"/>
-              </a:lnSpc>
-              <a:spcBef>
-                <a:spcPts val="0"/>
-              </a:spcBef>
-              <a:spcAft>
-                <a:spcPts val="0"/>
-              </a:spcAft>
-              <a:buClrTx/>
-              <a:buSzTx/>
-              <a:buFontTx/>
-              <a:buNone/>
-              <a:tabLst/>
-              <a:defRPr/>
-            </a:pPr>
             <a:endParaRPr lang="pt-PT" dirty="0"/>
           </a:p>
         </p:txBody>
@@ -1379,7 +1277,7 @@
     </p:spTree>
     <p:extLst>
       <p:ext uri="{BB962C8B-B14F-4D97-AF65-F5344CB8AC3E}">
-        <p14:creationId xmlns:p14="http://schemas.microsoft.com/office/powerpoint/2010/main" val="4122160029"/>
+        <p14:creationId xmlns:p14="http://schemas.microsoft.com/office/powerpoint/2010/main" val="3101131928"/>
       </p:ext>
     </p:extLst>
   </p:cSld>
@@ -1463,7 +1361,7 @@
     </p:spTree>
     <p:extLst>
       <p:ext uri="{BB962C8B-B14F-4D97-AF65-F5344CB8AC3E}">
-        <p14:creationId xmlns:p14="http://schemas.microsoft.com/office/powerpoint/2010/main" val="3101131928"/>
+        <p14:creationId xmlns:p14="http://schemas.microsoft.com/office/powerpoint/2010/main" val="1184834112"/>
       </p:ext>
     </p:extLst>
   </p:cSld>
@@ -1547,7 +1445,7 @@
     </p:spTree>
     <p:extLst>
       <p:ext uri="{BB962C8B-B14F-4D97-AF65-F5344CB8AC3E}">
-        <p14:creationId xmlns:p14="http://schemas.microsoft.com/office/powerpoint/2010/main" val="1184834112"/>
+        <p14:creationId xmlns:p14="http://schemas.microsoft.com/office/powerpoint/2010/main" val="529616876"/>
       </p:ext>
     </p:extLst>
   </p:cSld>
@@ -1631,7 +1529,7 @@
     </p:spTree>
     <p:extLst>
       <p:ext uri="{BB962C8B-B14F-4D97-AF65-F5344CB8AC3E}">
-        <p14:creationId xmlns:p14="http://schemas.microsoft.com/office/powerpoint/2010/main" val="529616876"/>
+        <p14:creationId xmlns:p14="http://schemas.microsoft.com/office/powerpoint/2010/main" val="411784300"/>
       </p:ext>
     </p:extLst>
   </p:cSld>
@@ -1715,7 +1613,7 @@
     </p:spTree>
     <p:extLst>
       <p:ext uri="{BB962C8B-B14F-4D97-AF65-F5344CB8AC3E}">
-        <p14:creationId xmlns:p14="http://schemas.microsoft.com/office/powerpoint/2010/main" val="411784300"/>
+        <p14:creationId xmlns:p14="http://schemas.microsoft.com/office/powerpoint/2010/main" val="3321323267"/>
       </p:ext>
     </p:extLst>
   </p:cSld>
@@ -1799,7 +1697,7 @@
     </p:spTree>
     <p:extLst>
       <p:ext uri="{BB962C8B-B14F-4D97-AF65-F5344CB8AC3E}">
-        <p14:creationId xmlns:p14="http://schemas.microsoft.com/office/powerpoint/2010/main" val="3321323267"/>
+        <p14:creationId xmlns:p14="http://schemas.microsoft.com/office/powerpoint/2010/main" val="1879297051"/>
       </p:ext>
     </p:extLst>
   </p:cSld>
@@ -1883,7 +1781,7 @@
     </p:spTree>
     <p:extLst>
       <p:ext uri="{BB962C8B-B14F-4D97-AF65-F5344CB8AC3E}">
-        <p14:creationId xmlns:p14="http://schemas.microsoft.com/office/powerpoint/2010/main" val="1879297051"/>
+        <p14:creationId xmlns:p14="http://schemas.microsoft.com/office/powerpoint/2010/main" val="1773391657"/>
       </p:ext>
     </p:extLst>
   </p:cSld>
@@ -1967,7 +1865,7 @@
     </p:spTree>
     <p:extLst>
       <p:ext uri="{BB962C8B-B14F-4D97-AF65-F5344CB8AC3E}">
-        <p14:creationId xmlns:p14="http://schemas.microsoft.com/office/powerpoint/2010/main" val="1773391657"/>
+        <p14:creationId xmlns:p14="http://schemas.microsoft.com/office/powerpoint/2010/main" val="576819733"/>
       </p:ext>
     </p:extLst>
   </p:cSld>
@@ -4554,7 +4452,7 @@
             <a:r>
               <a:rPr lang="pt-PT" sz="2800" dirty="0">
                 <a:solidFill>
-                  <a:srgbClr val="C00000"/>
+                  <a:srgbClr val="C52727"/>
                 </a:solidFill>
                 <a:latin typeface="Consolas" panose="020B0609020204030204" pitchFamily="49" charset="0"/>
                 <a:cs typeface="Arial" panose="020B0604020202020204" pitchFamily="34" charset="0"/>
@@ -4569,7 +4467,27 @@
                 <a:latin typeface="Consolas" panose="020B0609020204030204" pitchFamily="49" charset="0"/>
                 <a:cs typeface="Arial" panose="020B0604020202020204" pitchFamily="34" charset="0"/>
               </a:rPr>
-              <a:t> é a sessão de abertura?”</a:t>
+              <a:t> é a </a:t>
+            </a:r>
+            <a:r>
+              <a:rPr lang="pt-PT" sz="2800" dirty="0">
+                <a:solidFill>
+                  <a:srgbClr val="C52727"/>
+                </a:solidFill>
+                <a:latin typeface="Consolas" panose="020B0609020204030204" pitchFamily="49" charset="0"/>
+                <a:cs typeface="Arial" panose="020B0604020202020204" pitchFamily="34" charset="0"/>
+              </a:rPr>
+              <a:t>sessão de abertura</a:t>
+            </a:r>
+            <a:r>
+              <a:rPr lang="pt-PT" sz="2800" dirty="0">
+                <a:solidFill>
+                  <a:srgbClr val="00B050"/>
+                </a:solidFill>
+                <a:latin typeface="Consolas" panose="020B0609020204030204" pitchFamily="49" charset="0"/>
+                <a:cs typeface="Arial" panose="020B0604020202020204" pitchFamily="34" charset="0"/>
+              </a:rPr>
+              <a:t>?”</a:t>
             </a:r>
           </a:p>
         </p:txBody>
@@ -5032,1070 +4950,6 @@
       </p:sp>
       <p:sp>
         <p:nvSpPr>
-          <p:cNvPr id="34" name="CaixaDeTexto 33">
-            <a:extLst>
-              <a:ext uri="{FF2B5EF4-FFF2-40B4-BE49-F238E27FC236}">
-                <a16:creationId xmlns:a16="http://schemas.microsoft.com/office/drawing/2014/main" id="{725B04F0-0439-4BF4-802D-1577B5CFC04B}"/>
-              </a:ext>
-            </a:extLst>
-          </p:cNvPr>
-          <p:cNvSpPr txBox="1"/>
-          <p:nvPr/>
-        </p:nvSpPr>
-        <p:spPr>
-          <a:xfrm>
-            <a:off x="1461575" y="3856664"/>
-            <a:ext cx="1466850" cy="369332"/>
-          </a:xfrm>
-          <a:prstGeom prst="rect">
-            <a:avLst/>
-          </a:prstGeom>
-          <a:noFill/>
-        </p:spPr>
-        <p:txBody>
-          <a:bodyPr wrap="square" rtlCol="0" anchor="ctr">
-            <a:spAutoFit/>
-          </a:bodyPr>
-          <a:lstStyle/>
-          <a:p>
-            <a:pPr algn="ctr"/>
-            <a:r>
-              <a:rPr lang="pt-PT" dirty="0">
-                <a:solidFill>
-                  <a:schemeClr val="accent1">
-                    <a:lumMod val="50000"/>
-                  </a:schemeClr>
-                </a:solidFill>
-                <a:latin typeface="Consolas" panose="020B0609020204030204" pitchFamily="49" charset="0"/>
-                <a:cs typeface="Arial" panose="020B0604020202020204" pitchFamily="34" charset="0"/>
-              </a:rPr>
-              <a:t>temporal</a:t>
-            </a:r>
-          </a:p>
-        </p:txBody>
-      </p:sp>
-      <p:sp>
-        <p:nvSpPr>
-          <p:cNvPr id="37" name="Parêntese direito 36">
-            <a:extLst>
-              <a:ext uri="{FF2B5EF4-FFF2-40B4-BE49-F238E27FC236}">
-                <a16:creationId xmlns:a16="http://schemas.microsoft.com/office/drawing/2014/main" id="{9F36CC8E-DC30-478E-B5A6-5807BB41472E}"/>
-              </a:ext>
-            </a:extLst>
-          </p:cNvPr>
-          <p:cNvSpPr/>
-          <p:nvPr/>
-        </p:nvSpPr>
-        <p:spPr>
-          <a:xfrm rot="5400000">
-            <a:off x="2121658" y="3170865"/>
-            <a:ext cx="176284" cy="1219200"/>
-          </a:xfrm>
-          <a:prstGeom prst="rightBracket">
-            <a:avLst/>
-          </a:prstGeom>
-          <a:ln w="19050"/>
-        </p:spPr>
-        <p:style>
-          <a:lnRef idx="1">
-            <a:schemeClr val="accent1"/>
-          </a:lnRef>
-          <a:fillRef idx="0">
-            <a:schemeClr val="accent1"/>
-          </a:fillRef>
-          <a:effectRef idx="0">
-            <a:schemeClr val="accent1"/>
-          </a:effectRef>
-          <a:fontRef idx="minor">
-            <a:schemeClr val="tx1"/>
-          </a:fontRef>
-        </p:style>
-        <p:txBody>
-          <a:bodyPr rtlCol="0" anchor="ctr"/>
-          <a:lstStyle/>
-          <a:p>
-            <a:pPr algn="ctr"/>
-            <a:endParaRPr lang="pt-PT"/>
-          </a:p>
-        </p:txBody>
-      </p:sp>
-      <p:sp>
-        <p:nvSpPr>
-          <p:cNvPr id="18" name="object 2">
-            <a:extLst>
-              <a:ext uri="{FF2B5EF4-FFF2-40B4-BE49-F238E27FC236}">
-                <a16:creationId xmlns:a16="http://schemas.microsoft.com/office/drawing/2014/main" id="{6854C568-CD2A-48AC-A19F-750C715E00A7}"/>
-              </a:ext>
-            </a:extLst>
-          </p:cNvPr>
-          <p:cNvSpPr txBox="1">
-            <a:spLocks noGrp="1"/>
-          </p:cNvSpPr>
-          <p:nvPr>
-            <p:ph type="title"/>
-          </p:nvPr>
-        </p:nvSpPr>
-        <p:spPr>
-          <a:xfrm>
-            <a:off x="3433762" y="235637"/>
-            <a:ext cx="2390775" cy="461023"/>
-          </a:xfrm>
-          <a:prstGeom prst="rect">
-            <a:avLst/>
-          </a:prstGeom>
-        </p:spPr>
-        <p:txBody>
-          <a:bodyPr vert="horz" wrap="square" lIns="0" tIns="14604" rIns="0" bIns="0" rtlCol="0">
-            <a:spAutoFit/>
-          </a:bodyPr>
-          <a:lstStyle/>
-          <a:p>
-            <a:pPr marL="12700" algn="l">
-              <a:lnSpc>
-                <a:spcPct val="100000"/>
-              </a:lnSpc>
-              <a:spcBef>
-                <a:spcPts val="114"/>
-              </a:spcBef>
-            </a:pPr>
-            <a:r>
-              <a:rPr lang="pt-PT" spc="-185" dirty="0">
-                <a:solidFill>
-                  <a:schemeClr val="bg1"/>
-                </a:solidFill>
-              </a:rPr>
-              <a:t>Frase exemplo</a:t>
-            </a:r>
-            <a:endParaRPr spc="-185" dirty="0">
-              <a:solidFill>
-                <a:schemeClr val="bg1"/>
-              </a:solidFill>
-            </a:endParaRPr>
-          </a:p>
-        </p:txBody>
-      </p:sp>
-      <p:sp>
-        <p:nvSpPr>
-          <p:cNvPr id="25" name="Retângulo 24">
-            <a:extLst>
-              <a:ext uri="{FF2B5EF4-FFF2-40B4-BE49-F238E27FC236}">
-                <a16:creationId xmlns:a16="http://schemas.microsoft.com/office/drawing/2014/main" id="{5AF59217-8A0D-4426-A6B9-35BF05ECF319}"/>
-              </a:ext>
-            </a:extLst>
-          </p:cNvPr>
-          <p:cNvSpPr/>
-          <p:nvPr/>
-        </p:nvSpPr>
-        <p:spPr>
-          <a:xfrm>
-            <a:off x="1305024" y="4833084"/>
-            <a:ext cx="2211415" cy="1077218"/>
-          </a:xfrm>
-          <a:prstGeom prst="rect">
-            <a:avLst/>
-          </a:prstGeom>
-        </p:spPr>
-        <p:txBody>
-          <a:bodyPr wrap="square" numCol="1">
-            <a:spAutoFit/>
-          </a:bodyPr>
-          <a:lstStyle/>
-          <a:p>
-            <a:pPr algn="just"/>
-            <a:r>
-              <a:rPr lang="pt-PT" sz="1600" dirty="0">
-                <a:solidFill>
-                  <a:schemeClr val="accent1">
-                    <a:lumMod val="50000"/>
-                  </a:schemeClr>
-                </a:solidFill>
-                <a:latin typeface="Consolas" panose="020B0609020204030204" pitchFamily="49" charset="0"/>
-              </a:rPr>
-              <a:t>Quem → Pessoal </a:t>
-            </a:r>
-          </a:p>
-          <a:p>
-            <a:pPr algn="just"/>
-            <a:r>
-              <a:rPr lang="pt-PT" sz="1600" dirty="0">
-                <a:solidFill>
-                  <a:srgbClr val="C85C57"/>
-                </a:solidFill>
-                <a:latin typeface="Consolas" panose="020B0609020204030204" pitchFamily="49" charset="0"/>
-              </a:rPr>
-              <a:t>Quando → Temporal</a:t>
-            </a:r>
-            <a:r>
-              <a:rPr lang="pt-PT" sz="1600" dirty="0">
-                <a:solidFill>
-                  <a:srgbClr val="C00000"/>
-                </a:solidFill>
-                <a:latin typeface="Consolas" panose="020B0609020204030204" pitchFamily="49" charset="0"/>
-              </a:rPr>
-              <a:t> </a:t>
-            </a:r>
-          </a:p>
-          <a:p>
-            <a:pPr algn="just"/>
-            <a:r>
-              <a:rPr lang="pt-PT" sz="1600" dirty="0">
-                <a:solidFill>
-                  <a:schemeClr val="accent1">
-                    <a:lumMod val="50000"/>
-                  </a:schemeClr>
-                </a:solidFill>
-                <a:latin typeface="Consolas" panose="020B0609020204030204" pitchFamily="49" charset="0"/>
-              </a:rPr>
-              <a:t>Onde → Local </a:t>
-            </a:r>
-          </a:p>
-          <a:p>
-            <a:pPr algn="just"/>
-            <a:r>
-              <a:rPr lang="pt-PT" sz="1600" dirty="0">
-                <a:solidFill>
-                  <a:schemeClr val="accent1">
-                    <a:lumMod val="50000"/>
-                  </a:schemeClr>
-                </a:solidFill>
-                <a:latin typeface="Consolas" panose="020B0609020204030204" pitchFamily="49" charset="0"/>
-              </a:rPr>
-              <a:t>Quantos → Numeral </a:t>
-            </a:r>
-          </a:p>
-        </p:txBody>
-      </p:sp>
-      <p:sp>
-        <p:nvSpPr>
-          <p:cNvPr id="26" name="Retângulo 25">
-            <a:extLst>
-              <a:ext uri="{FF2B5EF4-FFF2-40B4-BE49-F238E27FC236}">
-                <a16:creationId xmlns:a16="http://schemas.microsoft.com/office/drawing/2014/main" id="{60D9124D-B34B-4D8E-849B-2CEBCF190252}"/>
-              </a:ext>
-            </a:extLst>
-          </p:cNvPr>
-          <p:cNvSpPr/>
-          <p:nvPr/>
-        </p:nvSpPr>
-        <p:spPr>
-          <a:xfrm>
-            <a:off x="1304572" y="4436078"/>
-            <a:ext cx="2084225" cy="369332"/>
-          </a:xfrm>
-          <a:prstGeom prst="rect">
-            <a:avLst/>
-          </a:prstGeom>
-        </p:spPr>
-        <p:txBody>
-          <a:bodyPr wrap="none">
-            <a:spAutoFit/>
-          </a:bodyPr>
-          <a:lstStyle/>
-          <a:p>
-            <a:r>
-              <a:rPr lang="pt-PT" dirty="0">
-                <a:solidFill>
-                  <a:schemeClr val="accent1">
-                    <a:lumMod val="50000"/>
-                  </a:schemeClr>
-                </a:solidFill>
-                <a:latin typeface="Consolas" panose="020B0609020204030204" pitchFamily="49" charset="0"/>
-              </a:rPr>
-              <a:t>Questão -&gt; Tipo</a:t>
-            </a:r>
-          </a:p>
-        </p:txBody>
-      </p:sp>
-      <p:sp>
-        <p:nvSpPr>
-          <p:cNvPr id="27" name="Retângulo 26">
-            <a:extLst>
-              <a:ext uri="{FF2B5EF4-FFF2-40B4-BE49-F238E27FC236}">
-                <a16:creationId xmlns:a16="http://schemas.microsoft.com/office/drawing/2014/main" id="{86F986F0-7E16-4739-B304-64908C1FFA54}"/>
-              </a:ext>
-            </a:extLst>
-          </p:cNvPr>
-          <p:cNvSpPr/>
-          <p:nvPr/>
-        </p:nvSpPr>
-        <p:spPr>
-          <a:xfrm>
-            <a:off x="1222347" y="4404435"/>
-            <a:ext cx="2211415" cy="438119"/>
-          </a:xfrm>
-          <a:prstGeom prst="rect">
-            <a:avLst/>
-          </a:prstGeom>
-          <a:noFill/>
-          <a:ln w="19050">
-            <a:solidFill>
-              <a:srgbClr val="4A7EBB"/>
-            </a:solidFill>
-          </a:ln>
-        </p:spPr>
-        <p:style>
-          <a:lnRef idx="2">
-            <a:schemeClr val="accent1">
-              <a:shade val="50000"/>
-            </a:schemeClr>
-          </a:lnRef>
-          <a:fillRef idx="1">
-            <a:schemeClr val="accent1"/>
-          </a:fillRef>
-          <a:effectRef idx="0">
-            <a:schemeClr val="accent1"/>
-          </a:effectRef>
-          <a:fontRef idx="minor">
-            <a:schemeClr val="lt1"/>
-          </a:fontRef>
-        </p:style>
-        <p:txBody>
-          <a:bodyPr rtlCol="0" anchor="ctr"/>
-          <a:lstStyle/>
-          <a:p>
-            <a:pPr algn="ctr"/>
-            <a:endParaRPr lang="pt-PT"/>
-          </a:p>
-        </p:txBody>
-      </p:sp>
-      <p:sp>
-        <p:nvSpPr>
-          <p:cNvPr id="28" name="Retângulo 27">
-            <a:extLst>
-              <a:ext uri="{FF2B5EF4-FFF2-40B4-BE49-F238E27FC236}">
-                <a16:creationId xmlns:a16="http://schemas.microsoft.com/office/drawing/2014/main" id="{50660804-E784-4D74-8AB5-0BA3C72C1E84}"/>
-              </a:ext>
-            </a:extLst>
-          </p:cNvPr>
-          <p:cNvSpPr/>
-          <p:nvPr/>
-        </p:nvSpPr>
-        <p:spPr>
-          <a:xfrm>
-            <a:off x="1222347" y="4841286"/>
-            <a:ext cx="2211415" cy="1077218"/>
-          </a:xfrm>
-          <a:prstGeom prst="rect">
-            <a:avLst/>
-          </a:prstGeom>
-          <a:noFill/>
-          <a:ln w="19050">
-            <a:solidFill>
-              <a:srgbClr val="4A7EBB"/>
-            </a:solidFill>
-          </a:ln>
-        </p:spPr>
-        <p:style>
-          <a:lnRef idx="2">
-            <a:schemeClr val="accent1">
-              <a:shade val="50000"/>
-            </a:schemeClr>
-          </a:lnRef>
-          <a:fillRef idx="1">
-            <a:schemeClr val="accent1"/>
-          </a:fillRef>
-          <a:effectRef idx="0">
-            <a:schemeClr val="accent1"/>
-          </a:effectRef>
-          <a:fontRef idx="minor">
-            <a:schemeClr val="lt1"/>
-          </a:fontRef>
-        </p:style>
-        <p:txBody>
-          <a:bodyPr rtlCol="0" anchor="ctr"/>
-          <a:lstStyle/>
-          <a:p>
-            <a:pPr algn="ctr"/>
-            <a:endParaRPr lang="pt-PT"/>
-          </a:p>
-        </p:txBody>
-      </p:sp>
-    </p:spTree>
-    <p:extLst>
-      <p:ext uri="{BB962C8B-B14F-4D97-AF65-F5344CB8AC3E}">
-        <p14:creationId xmlns:p14="http://schemas.microsoft.com/office/powerpoint/2010/main" val="429375825"/>
-      </p:ext>
-    </p:extLst>
-  </p:cSld>
-  <p:clrMapOvr>
-    <a:masterClrMapping/>
-  </p:clrMapOvr>
-  <mc:AlternateContent xmlns:mc="http://schemas.openxmlformats.org/markup-compatibility/2006" xmlns:p14="http://schemas.microsoft.com/office/powerpoint/2010/main">
-    <mc:Choice Requires="p14">
-      <p:transition spd="med" p14:dur="700">
-        <p:fade/>
-      </p:transition>
-    </mc:Choice>
-    <mc:Fallback xmlns="">
-      <p:transition spd="med">
-        <p:fade/>
-      </p:transition>
-    </mc:Fallback>
-  </mc:AlternateContent>
-</p:sld>
-</file>
-
-<file path=ppt/slides/slide11.xml><?xml version="1.0" encoding="utf-8"?>
-<p:sld xmlns:a="http://schemas.openxmlformats.org/drawingml/2006/main" xmlns:r="http://schemas.openxmlformats.org/officeDocument/2006/relationships" xmlns:p="http://schemas.openxmlformats.org/presentationml/2006/main">
-  <p:cSld>
-    <p:spTree>
-      <p:nvGrpSpPr>
-        <p:cNvPr id="1" name=""/>
-        <p:cNvGrpSpPr/>
-        <p:nvPr/>
-      </p:nvGrpSpPr>
-      <p:grpSpPr>
-        <a:xfrm>
-          <a:off x="0" y="0"/>
-          <a:ext cx="0" cy="0"/>
-          <a:chOff x="0" y="0"/>
-          <a:chExt cx="0" cy="0"/>
-        </a:xfrm>
-      </p:grpSpPr>
-      <p:sp>
-        <p:nvSpPr>
-          <p:cNvPr id="2" name="object 2"/>
-          <p:cNvSpPr/>
-          <p:nvPr/>
-        </p:nvSpPr>
-        <p:spPr>
-          <a:xfrm>
-            <a:off x="0" y="0"/>
-            <a:ext cx="9144000" cy="6858000"/>
-          </a:xfrm>
-          <a:custGeom>
-            <a:avLst/>
-            <a:gdLst/>
-            <a:ahLst/>
-            <a:cxnLst/>
-            <a:rect l="l" t="t" r="r" b="b"/>
-            <a:pathLst>
-              <a:path w="9144000" h="6858000">
-                <a:moveTo>
-                  <a:pt x="0" y="6857995"/>
-                </a:moveTo>
-                <a:lnTo>
-                  <a:pt x="9144000" y="6857995"/>
-                </a:lnTo>
-                <a:lnTo>
-                  <a:pt x="9144000" y="0"/>
-                </a:lnTo>
-                <a:lnTo>
-                  <a:pt x="0" y="0"/>
-                </a:lnTo>
-                <a:lnTo>
-                  <a:pt x="0" y="6857995"/>
-                </a:lnTo>
-                <a:close/>
-              </a:path>
-            </a:pathLst>
-          </a:custGeom>
-          <a:solidFill>
-            <a:srgbClr val="38505F"/>
-          </a:solidFill>
-        </p:spPr>
-        <p:txBody>
-          <a:bodyPr wrap="square" lIns="0" tIns="0" rIns="0" bIns="0" rtlCol="0"/>
-          <a:lstStyle/>
-          <a:p>
-            <a:endParaRPr dirty="0"/>
-          </a:p>
-        </p:txBody>
-      </p:sp>
-      <p:sp>
-        <p:nvSpPr>
-          <p:cNvPr id="8" name="Retângulo: Cantos Arredondados 7">
-            <a:extLst>
-              <a:ext uri="{FF2B5EF4-FFF2-40B4-BE49-F238E27FC236}">
-                <a16:creationId xmlns:a16="http://schemas.microsoft.com/office/drawing/2014/main" id="{3C45E504-FB1A-48F4-A766-975714195E17}"/>
-              </a:ext>
-            </a:extLst>
-          </p:cNvPr>
-          <p:cNvSpPr/>
-          <p:nvPr/>
-        </p:nvSpPr>
-        <p:spPr>
-          <a:xfrm>
-            <a:off x="419100" y="932296"/>
-            <a:ext cx="8420100" cy="5392304"/>
-          </a:xfrm>
-          <a:prstGeom prst="roundRect">
-            <a:avLst/>
-          </a:prstGeom>
-          <a:solidFill>
-            <a:srgbClr val="DDDDDD"/>
-          </a:solidFill>
-          <a:ln>
-            <a:solidFill>
-              <a:srgbClr val="DDDDDD"/>
-            </a:solidFill>
-          </a:ln>
-        </p:spPr>
-        <p:style>
-          <a:lnRef idx="2">
-            <a:schemeClr val="accent1">
-              <a:shade val="50000"/>
-            </a:schemeClr>
-          </a:lnRef>
-          <a:fillRef idx="1">
-            <a:schemeClr val="accent1"/>
-          </a:fillRef>
-          <a:effectRef idx="0">
-            <a:schemeClr val="accent1"/>
-          </a:effectRef>
-          <a:fontRef idx="minor">
-            <a:schemeClr val="lt1"/>
-          </a:fontRef>
-        </p:style>
-        <p:txBody>
-          <a:bodyPr rtlCol="0" anchor="ctr"/>
-          <a:lstStyle/>
-          <a:p>
-            <a:pPr algn="ctr"/>
-            <a:endParaRPr lang="pt-PT" dirty="0"/>
-          </a:p>
-        </p:txBody>
-      </p:sp>
-      <p:sp>
-        <p:nvSpPr>
-          <p:cNvPr id="7" name="CaixaDeTexto 6">
-            <a:extLst>
-              <a:ext uri="{FF2B5EF4-FFF2-40B4-BE49-F238E27FC236}">
-                <a16:creationId xmlns:a16="http://schemas.microsoft.com/office/drawing/2014/main" id="{84725617-FF18-4130-A845-0C3F25166607}"/>
-              </a:ext>
-            </a:extLst>
-          </p:cNvPr>
-          <p:cNvSpPr txBox="1"/>
-          <p:nvPr/>
-        </p:nvSpPr>
-        <p:spPr>
-          <a:xfrm>
-            <a:off x="361950" y="3276600"/>
-            <a:ext cx="8420100" cy="523220"/>
-          </a:xfrm>
-          <a:prstGeom prst="rect">
-            <a:avLst/>
-          </a:prstGeom>
-          <a:noFill/>
-        </p:spPr>
-        <p:txBody>
-          <a:bodyPr wrap="square" rtlCol="0" anchor="ctr">
-            <a:spAutoFit/>
-          </a:bodyPr>
-          <a:lstStyle/>
-          <a:p>
-            <a:pPr algn="ctr"/>
-            <a:r>
-              <a:rPr lang="pt-PT" sz="2800" dirty="0">
-                <a:solidFill>
-                  <a:srgbClr val="00B050"/>
-                </a:solidFill>
-                <a:latin typeface="Consolas" panose="020B0609020204030204" pitchFamily="49" charset="0"/>
-                <a:cs typeface="Arial" panose="020B0604020202020204" pitchFamily="34" charset="0"/>
-              </a:rPr>
-              <a:t>“</a:t>
-            </a:r>
-            <a:r>
-              <a:rPr lang="pt-PT" sz="2800" dirty="0">
-                <a:solidFill>
-                  <a:srgbClr val="C52727"/>
-                </a:solidFill>
-                <a:latin typeface="Consolas" panose="020B0609020204030204" pitchFamily="49" charset="0"/>
-                <a:cs typeface="Arial" panose="020B0604020202020204" pitchFamily="34" charset="0"/>
-              </a:rPr>
-              <a:t>Quando</a:t>
-            </a:r>
-            <a:r>
-              <a:rPr lang="pt-PT" sz="2800" dirty="0">
-                <a:solidFill>
-                  <a:srgbClr val="00B050"/>
-                </a:solidFill>
-                <a:latin typeface="Consolas" panose="020B0609020204030204" pitchFamily="49" charset="0"/>
-                <a:cs typeface="Arial" panose="020B0604020202020204" pitchFamily="34" charset="0"/>
-              </a:rPr>
-              <a:t> é a </a:t>
-            </a:r>
-            <a:r>
-              <a:rPr lang="pt-PT" sz="2800" dirty="0">
-                <a:solidFill>
-                  <a:srgbClr val="C52727"/>
-                </a:solidFill>
-                <a:latin typeface="Consolas" panose="020B0609020204030204" pitchFamily="49" charset="0"/>
-                <a:cs typeface="Arial" panose="020B0604020202020204" pitchFamily="34" charset="0"/>
-              </a:rPr>
-              <a:t>sessão de abertura</a:t>
-            </a:r>
-            <a:r>
-              <a:rPr lang="pt-PT" sz="2800" dirty="0">
-                <a:solidFill>
-                  <a:srgbClr val="00B050"/>
-                </a:solidFill>
-                <a:latin typeface="Consolas" panose="020B0609020204030204" pitchFamily="49" charset="0"/>
-                <a:cs typeface="Arial" panose="020B0604020202020204" pitchFamily="34" charset="0"/>
-              </a:rPr>
-              <a:t>?”</a:t>
-            </a:r>
-          </a:p>
-        </p:txBody>
-      </p:sp>
-      <p:pic>
-        <p:nvPicPr>
-          <p:cNvPr id="14" name="Imagem 13">
-            <a:extLst>
-              <a:ext uri="{FF2B5EF4-FFF2-40B4-BE49-F238E27FC236}">
-                <a16:creationId xmlns:a16="http://schemas.microsoft.com/office/drawing/2014/main" id="{FB20CB1E-E90C-4757-BE49-959662789E67}"/>
-              </a:ext>
-            </a:extLst>
-          </p:cNvPr>
-          <p:cNvPicPr>
-            <a:picLocks noChangeAspect="1"/>
-          </p:cNvPicPr>
-          <p:nvPr/>
-        </p:nvPicPr>
-        <p:blipFill rotWithShape="1">
-          <a:blip r:embed="rId3">
-            <a:extLst>
-              <a:ext uri="{BEBA8EAE-BF5A-486C-A8C5-ECC9F3942E4B}">
-                <a14:imgProps xmlns:a14="http://schemas.microsoft.com/office/drawing/2010/main">
-                  <a14:imgLayer r:embed="rId4">
-                    <a14:imgEffect>
-                      <a14:backgroundRemoval t="4348" b="96377" l="9804" r="89216">
-                        <a14:foregroundMark x1="42327" y1="69077" x2="32353" y2="34058"/>
-                        <a14:foregroundMark x1="42896" y1="71074" x2="42719" y2="70452"/>
-                        <a14:foregroundMark x1="44280" y1="75933" x2="43980" y2="74878"/>
-                        <a14:foregroundMark x1="46078" y1="82246" x2="45495" y2="80198"/>
-                        <a14:foregroundMark x1="59321" y1="76635" x2="59774" y2="76294"/>
-                        <a14:foregroundMark x1="47059" y1="85870" x2="57454" y2="78041"/>
-                        <a14:foregroundMark x1="77585" y1="54932" x2="79085" y2="52899"/>
-                        <a14:foregroundMark x1="67413" y1="68715" x2="75327" y2="57991"/>
-                        <a14:foregroundMark x1="60784" y1="87319" x2="50327" y2="90217"/>
-                        <a14:foregroundMark x1="50327" y1="90217" x2="34009" y2="88071"/>
-                        <a14:foregroundMark x1="39542" y1="87681" x2="51634" y2="89493"/>
-                        <a14:foregroundMark x1="51634" y1="89493" x2="60131" y2="86957"/>
-                        <a14:foregroundMark x1="60131" y1="86957" x2="63072" y2="84058"/>
-                        <a14:foregroundMark x1="63072" y1="85870" x2="54902" y2="91667"/>
-                        <a14:foregroundMark x1="54902" y1="91667" x2="43137" y2="92029"/>
-                        <a14:foregroundMark x1="42157" y1="92391" x2="51634" y2="93116"/>
-                        <a14:foregroundMark x1="51634" y1="93116" x2="55556" y2="92029"/>
-                        <a14:foregroundMark x1="54902" y1="93841" x2="46405" y2="94928"/>
-                        <a14:foregroundMark x1="24749" y1="62028" x2="27778" y2="37681"/>
-                        <a14:foregroundMark x1="27778" y1="37681" x2="30392" y2="34058"/>
-                        <a14:foregroundMark x1="34448" y1="69561" x2="37908" y2="41304"/>
-                        <a14:foregroundMark x1="49520" y1="69784" x2="52614" y2="55797"/>
-                        <a14:foregroundMark x1="59125" y1="68788" x2="60131" y2="56522"/>
-                        <a14:foregroundMark x1="66018" y1="68736" x2="68627" y2="53986"/>
-                        <a14:foregroundMark x1="71518" y1="65483" x2="71242" y2="51087"/>
-                        <a14:foregroundMark x1="70588" y1="60507" x2="70588" y2="43478"/>
-                        <a14:foregroundMark x1="69935" y1="39130" x2="66667" y2="29710"/>
-                        <a14:foregroundMark x1="66667" y1="29710" x2="57516" y2="26449"/>
-                        <a14:foregroundMark x1="57516" y1="26449" x2="36601" y2="28623"/>
-                        <a14:foregroundMark x1="36601" y1="28623" x2="33660" y2="30797"/>
-                        <a14:foregroundMark x1="48366" y1="7971" x2="49346" y2="13406"/>
-                        <a14:foregroundMark x1="49346" y1="7971" x2="49346" y2="12319"/>
-                        <a14:foregroundMark x1="48693" y1="8696" x2="49346" y2="12681"/>
-                        <a14:foregroundMark x1="50000" y1="8333" x2="51307" y2="11957"/>
-                        <a14:foregroundMark x1="50654" y1="8333" x2="49673" y2="13043"/>
-                        <a14:foregroundMark x1="48693" y1="7609" x2="49020" y2="12681"/>
-                        <a14:foregroundMark x1="49020" y1="10145" x2="49020" y2="4710"/>
-                        <a14:foregroundMark x1="18627" y1="50362" x2="27124" y2="50000"/>
-                        <a14:foregroundMark x1="47386" y1="93478" x2="50000" y2="94928"/>
-                        <a14:foregroundMark x1="45752" y1="96377" x2="51634" y2="95290"/>
-                        <a14:foregroundMark x1="51634" y1="94928" x2="51634" y2="94928"/>
-                        <a14:backgroundMark x1="14379" y1="11957" x2="11111" y2="54348"/>
-                        <a14:backgroundMark x1="17647" y1="77174" x2="25163" y2="76812"/>
-                        <a14:backgroundMark x1="24837" y1="71014" x2="22876" y2="84058"/>
-                        <a14:backgroundMark x1="22876" y1="84058" x2="22222" y2="85507"/>
-                        <a14:backgroundMark x1="20261" y1="65217" x2="23856" y2="77174"/>
-                        <a14:backgroundMark x1="23856" y1="77174" x2="30719" y2="75362"/>
-                        <a14:backgroundMark x1="73856" y1="74638" x2="78105" y2="73551"/>
-                        <a14:backgroundMark x1="76144" y1="72101" x2="77778" y2="75362"/>
-                        <a14:backgroundMark x1="72549" y1="75000" x2="76144" y2="77899"/>
-                        <a14:backgroundMark x1="72222" y1="75725" x2="75817" y2="79710"/>
-                        <a14:backgroundMark x1="72222" y1="74638" x2="75817" y2="77536"/>
-                        <a14:backgroundMark x1="71569" y1="74638" x2="76144" y2="76812"/>
-                        <a14:backgroundMark x1="72876" y1="74638" x2="77124" y2="76449"/>
-                        <a14:backgroundMark x1="80719" y1="61957" x2="80065" y2="74638"/>
-                        <a14:backgroundMark x1="80065" y1="74638" x2="71569" y2="86957"/>
-                        <a14:backgroundMark x1="19935" y1="75000" x2="31373" y2="75000"/>
-                        <a14:backgroundMark x1="31373" y1="75000" x2="36275" y2="73913"/>
-                        <a14:backgroundMark x1="63072" y1="73913" x2="74183" y2="73913"/>
-                        <a14:backgroundMark x1="74183" y1="73913" x2="76797" y2="73188"/>
-                        <a14:backgroundMark x1="76797" y1="66667" x2="74183" y2="80797"/>
-                        <a14:backgroundMark x1="17320" y1="60870" x2="18954" y2="74275"/>
-                        <a14:backgroundMark x1="18954" y1="74275" x2="23856" y2="85145"/>
-                        <a14:backgroundMark x1="23856" y1="85145" x2="27778" y2="87319"/>
-                        <a14:backgroundMark x1="17320" y1="59420" x2="18627" y2="61232"/>
-                        <a14:backgroundMark x1="16667" y1="60870" x2="18301" y2="62319"/>
-                        <a14:backgroundMark x1="17320" y1="59058" x2="17974" y2="61594"/>
-                        <a14:backgroundMark x1="27778" y1="86232" x2="26797" y2="91667"/>
-                        <a14:backgroundMark x1="28105" y1="87319" x2="28105" y2="91667"/>
-                        <a14:backgroundMark x1="69935" y1="85507" x2="70588" y2="94928"/>
-                        <a14:backgroundMark x1="28105" y1="86594" x2="29085" y2="92391"/>
-                        <a14:backgroundMark x1="16013" y1="57609" x2="19935" y2="60870"/>
-                        <a14:backgroundMark x1="24183" y1="62319" x2="26144" y2="66667"/>
-                        <a14:backgroundMark x1="67974" y1="71377" x2="61765" y2="73913"/>
-                        <a14:backgroundMark x1="62418" y1="74638" x2="58824" y2="74638"/>
-                        <a14:backgroundMark x1="58497" y1="75000" x2="55556" y2="74275"/>
-                        <a14:backgroundMark x1="37908" y1="74275" x2="40523" y2="74275"/>
-                        <a14:backgroundMark x1="40850" y1="74638" x2="44118" y2="74638"/>
-                        <a14:backgroundMark x1="45098" y1="74638" x2="47386" y2="75000"/>
-                        <a14:backgroundMark x1="48366" y1="75000" x2="49673" y2="75000"/>
-                        <a14:backgroundMark x1="48693" y1="74275" x2="49020" y2="74275"/>
-                        <a14:backgroundMark x1="47386" y1="74275" x2="49020" y2="74275"/>
-                        <a14:backgroundMark x1="78758" y1="61594" x2="82680" y2="59783"/>
-                        <a14:backgroundMark x1="81373" y1="58696" x2="79739" y2="60145"/>
-                        <a14:backgroundMark x1="81373" y1="58696" x2="78758" y2="61232"/>
-                      </a14:backgroundRemoval>
-                    </a14:imgEffect>
-                  </a14:imgLayer>
-                </a14:imgProps>
-              </a:ext>
-            </a:extLst>
-          </a:blip>
-          <a:srcRect l="12176" r="12062"/>
-          <a:stretch/>
-        </p:blipFill>
-        <p:spPr>
-          <a:xfrm>
-            <a:off x="2209800" y="1312157"/>
-            <a:ext cx="752227" cy="895545"/>
-          </a:xfrm>
-          <a:prstGeom prst="rect">
-            <a:avLst/>
-          </a:prstGeom>
-        </p:spPr>
-      </p:pic>
-      <p:sp>
-        <p:nvSpPr>
-          <p:cNvPr id="45" name="CaixaDeTexto 44">
-            <a:extLst>
-              <a:ext uri="{FF2B5EF4-FFF2-40B4-BE49-F238E27FC236}">
-                <a16:creationId xmlns:a16="http://schemas.microsoft.com/office/drawing/2014/main" id="{4656957C-6200-4371-9D49-1E125A611C4D}"/>
-              </a:ext>
-            </a:extLst>
-          </p:cNvPr>
-          <p:cNvSpPr txBox="1"/>
-          <p:nvPr/>
-        </p:nvSpPr>
-        <p:spPr>
-          <a:xfrm>
-            <a:off x="1842963" y="2173069"/>
-            <a:ext cx="1485900" cy="646331"/>
-          </a:xfrm>
-          <a:prstGeom prst="rect">
-            <a:avLst/>
-          </a:prstGeom>
-          <a:noFill/>
-        </p:spPr>
-        <p:txBody>
-          <a:bodyPr wrap="square" rtlCol="0" anchor="ctr">
-            <a:spAutoFit/>
-          </a:bodyPr>
-          <a:lstStyle/>
-          <a:p>
-            <a:pPr algn="ctr"/>
-            <a:r>
-              <a:rPr lang="pt-PT" dirty="0">
-                <a:solidFill>
-                  <a:schemeClr val="accent1">
-                    <a:lumMod val="50000"/>
-                  </a:schemeClr>
-                </a:solidFill>
-                <a:latin typeface="Consolas" panose="020B0609020204030204" pitchFamily="49" charset="0"/>
-                <a:cs typeface="Arial" panose="020B0604020202020204" pitchFamily="34" charset="0"/>
-              </a:rPr>
-              <a:t>Bot2</a:t>
-            </a:r>
-          </a:p>
-          <a:p>
-            <a:pPr algn="ctr"/>
-            <a:r>
-              <a:rPr lang="pt-PT" b="1" dirty="0">
-                <a:solidFill>
-                  <a:schemeClr val="accent1">
-                    <a:lumMod val="50000"/>
-                  </a:schemeClr>
-                </a:solidFill>
-                <a:latin typeface="Consolas" panose="020B0609020204030204" pitchFamily="49" charset="0"/>
-                <a:cs typeface="Arial" panose="020B0604020202020204" pitchFamily="34" charset="0"/>
-              </a:rPr>
-              <a:t>Agenda SEI</a:t>
-            </a:r>
-          </a:p>
-        </p:txBody>
-      </p:sp>
-      <p:sp>
-        <p:nvSpPr>
-          <p:cNvPr id="23" name="Retângulo 22">
-            <a:extLst>
-              <a:ext uri="{FF2B5EF4-FFF2-40B4-BE49-F238E27FC236}">
-                <a16:creationId xmlns:a16="http://schemas.microsoft.com/office/drawing/2014/main" id="{F6C4C90B-38D1-454E-A513-F8CE1579BF09}"/>
-              </a:ext>
-            </a:extLst>
-          </p:cNvPr>
-          <p:cNvSpPr/>
-          <p:nvPr/>
-        </p:nvSpPr>
-        <p:spPr>
-          <a:xfrm>
-            <a:off x="3962400" y="1694393"/>
-            <a:ext cx="3429000" cy="784830"/>
-          </a:xfrm>
-          <a:prstGeom prst="rect">
-            <a:avLst/>
-          </a:prstGeom>
-        </p:spPr>
-        <p:txBody>
-          <a:bodyPr wrap="square">
-            <a:spAutoFit/>
-          </a:bodyPr>
-          <a:lstStyle/>
-          <a:p>
-            <a:pPr lvl="0"/>
-            <a:r>
-              <a:rPr lang="pt-PT" sz="1500" dirty="0">
-                <a:solidFill>
-                  <a:srgbClr val="488ED4"/>
-                </a:solidFill>
-                <a:latin typeface="Consolas" panose="020B0609020204030204" pitchFamily="49" charset="0"/>
-                <a:cs typeface="Arial" panose="020B0604020202020204" pitchFamily="34" charset="0"/>
-              </a:rPr>
-              <a:t>CREATE</a:t>
-            </a:r>
-            <a:r>
-              <a:rPr lang="pt-PT" sz="1500" dirty="0">
-                <a:solidFill>
-                  <a:prstClr val="black"/>
-                </a:solidFill>
-                <a:latin typeface="Consolas" panose="020B0609020204030204" pitchFamily="49" charset="0"/>
-                <a:cs typeface="Arial" panose="020B0604020202020204" pitchFamily="34" charset="0"/>
-              </a:rPr>
-              <a:t> </a:t>
-            </a:r>
-            <a:r>
-              <a:rPr lang="pt-PT" sz="1500" dirty="0" err="1">
-                <a:solidFill>
-                  <a:prstClr val="black"/>
-                </a:solidFill>
-                <a:latin typeface="Consolas" panose="020B0609020204030204" pitchFamily="49" charset="0"/>
-                <a:cs typeface="Arial" panose="020B0604020202020204" pitchFamily="34" charset="0"/>
-              </a:rPr>
-              <a:t>bot_csv</a:t>
-            </a:r>
-            <a:r>
-              <a:rPr lang="pt-PT" sz="1500" dirty="0">
-                <a:solidFill>
-                  <a:prstClr val="black"/>
-                </a:solidFill>
-                <a:latin typeface="Consolas" panose="020B0609020204030204" pitchFamily="49" charset="0"/>
-                <a:cs typeface="Arial" panose="020B0604020202020204" pitchFamily="34" charset="0"/>
-              </a:rPr>
-              <a:t> </a:t>
-            </a:r>
-          </a:p>
-          <a:p>
-            <a:pPr lvl="0"/>
-            <a:r>
-              <a:rPr lang="pt-PT" sz="1500" dirty="0">
-                <a:solidFill>
-                  <a:srgbClr val="C85C57"/>
-                </a:solidFill>
-                <a:latin typeface="Consolas" panose="020B0609020204030204" pitchFamily="49" charset="0"/>
-                <a:cs typeface="Arial" panose="020B0604020202020204" pitchFamily="34" charset="0"/>
-              </a:rPr>
-              <a:t>WITH</a:t>
-            </a:r>
-            <a:r>
-              <a:rPr lang="pt-PT" sz="1500" dirty="0">
-                <a:solidFill>
-                  <a:srgbClr val="488ED4"/>
-                </a:solidFill>
-                <a:latin typeface="Consolas" panose="020B0609020204030204" pitchFamily="49" charset="0"/>
-                <a:cs typeface="Arial" panose="020B0604020202020204" pitchFamily="34" charset="0"/>
-              </a:rPr>
-              <a:t> </a:t>
-            </a:r>
-            <a:r>
-              <a:rPr lang="pt-PT" sz="1500" dirty="0" err="1">
-                <a:solidFill>
-                  <a:prstClr val="black"/>
-                </a:solidFill>
-                <a:latin typeface="Consolas" panose="020B0609020204030204" pitchFamily="49" charset="0"/>
-                <a:cs typeface="Arial" panose="020B0604020202020204" pitchFamily="34" charset="0"/>
-              </a:rPr>
-              <a:t>agenda_SEI_schema.json</a:t>
-            </a:r>
-            <a:r>
-              <a:rPr lang="pt-PT" sz="1500" dirty="0">
-                <a:solidFill>
-                  <a:srgbClr val="488ED4"/>
-                </a:solidFill>
-                <a:latin typeface="Consolas" panose="020B0609020204030204" pitchFamily="49" charset="0"/>
-                <a:cs typeface="Arial" panose="020B0604020202020204" pitchFamily="34" charset="0"/>
-              </a:rPr>
-              <a:t> </a:t>
-            </a:r>
-          </a:p>
-          <a:p>
-            <a:pPr lvl="0"/>
-            <a:r>
-              <a:rPr lang="pt-PT" sz="1500" dirty="0">
-                <a:solidFill>
-                  <a:srgbClr val="00B050"/>
-                </a:solidFill>
-                <a:latin typeface="Consolas" panose="020B0609020204030204" pitchFamily="49" charset="0"/>
-                <a:cs typeface="Arial" panose="020B0604020202020204" pitchFamily="34" charset="0"/>
-              </a:rPr>
-              <a:t>FROM</a:t>
-            </a:r>
-            <a:r>
-              <a:rPr lang="pt-PT" sz="1500" dirty="0">
-                <a:solidFill>
-                  <a:srgbClr val="488ED4"/>
-                </a:solidFill>
-                <a:latin typeface="Consolas" panose="020B0609020204030204" pitchFamily="49" charset="0"/>
-                <a:cs typeface="Arial" panose="020B0604020202020204" pitchFamily="34" charset="0"/>
-              </a:rPr>
-              <a:t> </a:t>
-            </a:r>
-            <a:r>
-              <a:rPr lang="pt-PT" sz="1500" dirty="0">
-                <a:solidFill>
-                  <a:prstClr val="black"/>
-                </a:solidFill>
-                <a:latin typeface="Consolas" panose="020B0609020204030204" pitchFamily="49" charset="0"/>
-                <a:cs typeface="Arial" panose="020B0604020202020204" pitchFamily="34" charset="0"/>
-              </a:rPr>
-              <a:t>agenda_SEI.csv</a:t>
-            </a:r>
-          </a:p>
-        </p:txBody>
-      </p:sp>
-      <p:cxnSp>
-        <p:nvCxnSpPr>
-          <p:cNvPr id="24" name="Conexão reta 23">
-            <a:extLst>
-              <a:ext uri="{FF2B5EF4-FFF2-40B4-BE49-F238E27FC236}">
-                <a16:creationId xmlns:a16="http://schemas.microsoft.com/office/drawing/2014/main" id="{6245EF25-CBCC-40B7-B0E6-014B8DAF64D4}"/>
-              </a:ext>
-            </a:extLst>
-          </p:cNvPr>
-          <p:cNvCxnSpPr>
-            <a:cxnSpLocks/>
-          </p:cNvCxnSpPr>
-          <p:nvPr/>
-        </p:nvCxnSpPr>
-        <p:spPr>
-          <a:xfrm>
-            <a:off x="3767429" y="1641767"/>
-            <a:ext cx="3547771" cy="0"/>
-          </a:xfrm>
-          <a:prstGeom prst="line">
-            <a:avLst/>
-          </a:prstGeom>
-          <a:ln w="19050"/>
-        </p:spPr>
-        <p:style>
-          <a:lnRef idx="1">
-            <a:schemeClr val="accent1"/>
-          </a:lnRef>
-          <a:fillRef idx="0">
-            <a:schemeClr val="accent1"/>
-          </a:fillRef>
-          <a:effectRef idx="0">
-            <a:schemeClr val="accent1"/>
-          </a:effectRef>
-          <a:fontRef idx="minor">
-            <a:schemeClr val="tx1"/>
-          </a:fontRef>
-        </p:style>
-      </p:cxnSp>
-      <p:cxnSp>
-        <p:nvCxnSpPr>
-          <p:cNvPr id="30" name="Conexão reta 29">
-            <a:extLst>
-              <a:ext uri="{FF2B5EF4-FFF2-40B4-BE49-F238E27FC236}">
-                <a16:creationId xmlns:a16="http://schemas.microsoft.com/office/drawing/2014/main" id="{4DA85C04-D9FA-44B7-9360-8C3625ABB9DF}"/>
-              </a:ext>
-            </a:extLst>
-          </p:cNvPr>
-          <p:cNvCxnSpPr>
-            <a:cxnSpLocks/>
-          </p:cNvCxnSpPr>
-          <p:nvPr/>
-        </p:nvCxnSpPr>
-        <p:spPr>
-          <a:xfrm>
-            <a:off x="3767429" y="2556167"/>
-            <a:ext cx="3547771" cy="0"/>
-          </a:xfrm>
-          <a:prstGeom prst="line">
-            <a:avLst/>
-          </a:prstGeom>
-          <a:ln w="19050"/>
-        </p:spPr>
-        <p:style>
-          <a:lnRef idx="1">
-            <a:schemeClr val="accent1"/>
-          </a:lnRef>
-          <a:fillRef idx="0">
-            <a:schemeClr val="accent1"/>
-          </a:fillRef>
-          <a:effectRef idx="0">
-            <a:schemeClr val="accent1"/>
-          </a:effectRef>
-          <a:fontRef idx="minor">
-            <a:schemeClr val="tx1"/>
-          </a:fontRef>
-        </p:style>
-      </p:cxnSp>
-      <p:sp>
-        <p:nvSpPr>
-          <p:cNvPr id="32" name="Parêntese direito 31">
-            <a:extLst>
-              <a:ext uri="{FF2B5EF4-FFF2-40B4-BE49-F238E27FC236}">
-                <a16:creationId xmlns:a16="http://schemas.microsoft.com/office/drawing/2014/main" id="{621DF0D2-38E3-4DFB-AE69-A1CA17AAD67A}"/>
-              </a:ext>
-            </a:extLst>
-          </p:cNvPr>
-          <p:cNvSpPr/>
-          <p:nvPr/>
-        </p:nvSpPr>
-        <p:spPr>
-          <a:xfrm rot="5400000">
-            <a:off x="5061329" y="1602794"/>
-            <a:ext cx="164342" cy="4343400"/>
-          </a:xfrm>
-          <a:prstGeom prst="rightBracket">
-            <a:avLst/>
-          </a:prstGeom>
-          <a:ln w="19050"/>
-        </p:spPr>
-        <p:style>
-          <a:lnRef idx="1">
-            <a:schemeClr val="accent1"/>
-          </a:lnRef>
-          <a:fillRef idx="0">
-            <a:schemeClr val="accent1"/>
-          </a:fillRef>
-          <a:effectRef idx="0">
-            <a:schemeClr val="accent1"/>
-          </a:effectRef>
-          <a:fontRef idx="minor">
-            <a:schemeClr val="tx1"/>
-          </a:fontRef>
-        </p:style>
-        <p:txBody>
-          <a:bodyPr rtlCol="0" anchor="ctr"/>
-          <a:lstStyle/>
-          <a:p>
-            <a:pPr algn="ctr"/>
-            <a:endParaRPr lang="pt-PT"/>
-          </a:p>
-        </p:txBody>
-      </p:sp>
-      <p:sp>
-        <p:nvSpPr>
           <p:cNvPr id="37" name="Parêntese direito 36">
             <a:extLst>
               <a:ext uri="{FF2B5EF4-FFF2-40B4-BE49-F238E27FC236}">
@@ -6888,7 +5742,7 @@
 </p:sld>
 </file>
 
-<file path=ppt/slides/slide12.xml><?xml version="1.0" encoding="utf-8"?>
+<file path=ppt/slides/slide11.xml><?xml version="1.0" encoding="utf-8"?>
 <p:sld xmlns:a="http://schemas.openxmlformats.org/drawingml/2006/main" xmlns:r="http://schemas.openxmlformats.org/officeDocument/2006/relationships" xmlns:p="http://schemas.openxmlformats.org/presentationml/2006/main">
   <p:cSld>
     <p:spTree>
@@ -8576,7 +7430,7 @@
 </p:sld>
 </file>
 
-<file path=ppt/slides/slide13.xml><?xml version="1.0" encoding="utf-8"?>
+<file path=ppt/slides/slide12.xml><?xml version="1.0" encoding="utf-8"?>
 <p:sld xmlns:a="http://schemas.openxmlformats.org/drawingml/2006/main" xmlns:r="http://schemas.openxmlformats.org/officeDocument/2006/relationships" xmlns:p="http://schemas.openxmlformats.org/presentationml/2006/main">
   <p:cSld>
     <p:spTree>
@@ -10269,7 +9123,7 @@
 </p:sld>
 </file>
 
-<file path=ppt/slides/slide14.xml><?xml version="1.0" encoding="utf-8"?>
+<file path=ppt/slides/slide13.xml><?xml version="1.0" encoding="utf-8"?>
 <p:sld xmlns:a="http://schemas.openxmlformats.org/drawingml/2006/main" xmlns:r="http://schemas.openxmlformats.org/officeDocument/2006/relationships" xmlns:p="http://schemas.openxmlformats.org/presentationml/2006/main">
   <p:cSld>
     <p:spTree>
@@ -10338,10 +9192,10 @@
       </p:sp>
       <p:sp>
         <p:nvSpPr>
-          <p:cNvPr id="8" name="Retângulo: Cantos Arredondados 7">
+          <p:cNvPr id="29" name="Retângulo: Cantos Arredondados 28">
             <a:extLst>
               <a:ext uri="{FF2B5EF4-FFF2-40B4-BE49-F238E27FC236}">
-                <a16:creationId xmlns:a16="http://schemas.microsoft.com/office/drawing/2014/main" id="{3C45E504-FB1A-48F4-A766-975714195E17}"/>
+                <a16:creationId xmlns:a16="http://schemas.microsoft.com/office/drawing/2014/main" id="{ACF5C625-A5ED-4055-8C45-54BC33FACB81}"/>
               </a:ext>
             </a:extLst>
           </p:cNvPr>
@@ -10350,7 +9204,7 @@
         </p:nvSpPr>
         <p:spPr>
           <a:xfrm>
-            <a:off x="457200" y="932297"/>
+            <a:off x="419100" y="932296"/>
             <a:ext cx="8420100" cy="5392304"/>
           </a:xfrm>
           <a:prstGeom prst="roundRect">
@@ -11854,7 +10708,7 @@
 </p:sld>
 </file>
 
-<file path=ppt/slides/slide15.xml><?xml version="1.0" encoding="utf-8"?>
+<file path=ppt/slides/slide14.xml><?xml version="1.0" encoding="utf-8"?>
 <p:sld xmlns:a="http://schemas.openxmlformats.org/drawingml/2006/main" xmlns:r="http://schemas.openxmlformats.org/officeDocument/2006/relationships" xmlns:p="http://schemas.openxmlformats.org/presentationml/2006/main">
   <p:cSld>
     <p:spTree>
@@ -12239,7 +11093,7 @@
 </p:sld>
 </file>
 
-<file path=ppt/slides/slide16.xml><?xml version="1.0" encoding="utf-8"?>
+<file path=ppt/slides/slide15.xml><?xml version="1.0" encoding="utf-8"?>
 <p:sld xmlns:a="http://schemas.openxmlformats.org/drawingml/2006/main" xmlns:r="http://schemas.openxmlformats.org/officeDocument/2006/relationships" xmlns:p="http://schemas.openxmlformats.org/presentationml/2006/main">
   <p:cSld>
     <p:spTree>
@@ -12456,12 +11310,12 @@
             <a:r>
               <a:rPr lang="pt-PT" sz="1700" dirty="0">
                 <a:solidFill>
-                  <a:srgbClr val="488ED4"/>
+                  <a:schemeClr val="tx1"/>
                 </a:solidFill>
                 <a:latin typeface="Consolas" panose="020B0609020204030204" pitchFamily="49" charset="0"/>
                 <a:cs typeface="Segoe UI" panose="020B0502040204020203" pitchFamily="34" charset="0"/>
               </a:rPr>
-              <a:t>[continuação da conversa da SEI mas já a fazer menos sentido.</a:t>
+              <a:t>Na SEI há fruta?</a:t>
             </a:r>
           </a:p>
           <a:p>
@@ -12469,33 +11323,42 @@
             <a:r>
               <a:rPr lang="pt-PT" sz="1700" dirty="0">
                 <a:solidFill>
-                  <a:srgbClr val="488ED4"/>
+                  <a:schemeClr val="tx1"/>
                 </a:solidFill>
                 <a:latin typeface="Consolas" panose="020B0609020204030204" pitchFamily="49" charset="0"/>
                 <a:cs typeface="Segoe UI" panose="020B0502040204020203" pitchFamily="34" charset="0"/>
               </a:rPr>
-              <a:t>não deu para tentar criar uma no meu </a:t>
-            </a:r>
-            <a:r>
-              <a:rPr lang="pt-PT" sz="1700" dirty="0" err="1">
-                <a:solidFill>
-                  <a:srgbClr val="488ED4"/>
+              <a:t>A fruta proibida é a mais apetecida.</a:t>
+            </a:r>
+          </a:p>
+          <a:p>
+            <a:pPr marL="182563"/>
+            <a:r>
+              <a:rPr lang="pt-PT" sz="1700" dirty="0">
+                <a:solidFill>
+                  <a:schemeClr val="tx1"/>
                 </a:solidFill>
                 <a:latin typeface="Consolas" panose="020B0609020204030204" pitchFamily="49" charset="0"/>
                 <a:cs typeface="Segoe UI" panose="020B0502040204020203" pitchFamily="34" charset="0"/>
               </a:rPr>
-              <a:t>pc</a:t>
-            </a:r>
+              <a:t>Rally das tascas onde</a:t>
+            </a:r>
+          </a:p>
+          <a:p>
+            <a:pPr marL="182563"/>
             <a:r>
               <a:rPr lang="pt-PT" sz="1700" dirty="0">
                 <a:solidFill>
-                  <a:srgbClr val="488ED4"/>
+                  <a:schemeClr val="tx1"/>
                 </a:solidFill>
                 <a:latin typeface="Consolas" panose="020B0609020204030204" pitchFamily="49" charset="0"/>
                 <a:cs typeface="Segoe UI" panose="020B0502040204020203" pitchFamily="34" charset="0"/>
               </a:rPr>
-              <a:t> porque n funciona]</a:t>
-            </a:r>
+              <a:t>Largo do Carpe.</a:t>
+            </a:r>
+          </a:p>
+          <a:p>
+            <a:pPr marL="182563"/>
             <a:endParaRPr lang="pt-PT" sz="1700" dirty="0">
               <a:solidFill>
                 <a:schemeClr val="tx1"/>
@@ -12519,7 +11382,7 @@
 </p:sld>
 </file>
 
-<file path=ppt/slides/slide17.xml><?xml version="1.0" encoding="utf-8"?>
+<file path=ppt/slides/slide16.xml><?xml version="1.0" encoding="utf-8"?>
 <p:sld xmlns:a="http://schemas.openxmlformats.org/drawingml/2006/main" xmlns:r="http://schemas.openxmlformats.org/officeDocument/2006/relationships" xmlns:p="http://schemas.openxmlformats.org/presentationml/2006/main">
   <p:cSld>
     <p:spTree>
@@ -13039,817 +11902,6 @@
       </p:grpSpPr>
       <p:sp>
         <p:nvSpPr>
-          <p:cNvPr id="28" name="object 8">
-            <a:extLst>
-              <a:ext uri="{FF2B5EF4-FFF2-40B4-BE49-F238E27FC236}">
-                <a16:creationId xmlns:a16="http://schemas.microsoft.com/office/drawing/2014/main" id="{C59BCDF8-0AFC-4DE2-AD55-D4BCD879B8A9}"/>
-              </a:ext>
-            </a:extLst>
-          </p:cNvPr>
-          <p:cNvSpPr/>
-          <p:nvPr/>
-        </p:nvSpPr>
-        <p:spPr>
-          <a:xfrm>
-            <a:off x="4963815" y="2401120"/>
-            <a:ext cx="3478013" cy="1866079"/>
-          </a:xfrm>
-          <a:custGeom>
-            <a:avLst/>
-            <a:gdLst/>
-            <a:ahLst/>
-            <a:cxnLst/>
-            <a:rect l="l" t="t" r="r" b="b"/>
-            <a:pathLst>
-              <a:path w="4325620" h="1428750">
-                <a:moveTo>
-                  <a:pt x="4086953" y="0"/>
-                </a:moveTo>
-                <a:lnTo>
-                  <a:pt x="238109" y="0"/>
-                </a:lnTo>
-                <a:lnTo>
-                  <a:pt x="190122" y="4837"/>
-                </a:lnTo>
-                <a:lnTo>
-                  <a:pt x="145426" y="18711"/>
-                </a:lnTo>
-                <a:lnTo>
-                  <a:pt x="104980" y="40665"/>
-                </a:lnTo>
-                <a:lnTo>
-                  <a:pt x="69740" y="69740"/>
-                </a:lnTo>
-                <a:lnTo>
-                  <a:pt x="40665" y="104980"/>
-                </a:lnTo>
-                <a:lnTo>
-                  <a:pt x="18711" y="145427"/>
-                </a:lnTo>
-                <a:lnTo>
-                  <a:pt x="4837" y="190123"/>
-                </a:lnTo>
-                <a:lnTo>
-                  <a:pt x="0" y="238112"/>
-                </a:lnTo>
-                <a:lnTo>
-                  <a:pt x="0" y="1190524"/>
-                </a:lnTo>
-                <a:lnTo>
-                  <a:pt x="4837" y="1238512"/>
-                </a:lnTo>
-                <a:lnTo>
-                  <a:pt x="18711" y="1283207"/>
-                </a:lnTo>
-                <a:lnTo>
-                  <a:pt x="40665" y="1323654"/>
-                </a:lnTo>
-                <a:lnTo>
-                  <a:pt x="69740" y="1358893"/>
-                </a:lnTo>
-                <a:lnTo>
-                  <a:pt x="104980" y="1387969"/>
-                </a:lnTo>
-                <a:lnTo>
-                  <a:pt x="145426" y="1409922"/>
-                </a:lnTo>
-                <a:lnTo>
-                  <a:pt x="190122" y="1423796"/>
-                </a:lnTo>
-                <a:lnTo>
-                  <a:pt x="238109" y="1428634"/>
-                </a:lnTo>
-                <a:lnTo>
-                  <a:pt x="4086953" y="1428634"/>
-                </a:lnTo>
-                <a:lnTo>
-                  <a:pt x="4134942" y="1423796"/>
-                </a:lnTo>
-                <a:lnTo>
-                  <a:pt x="4179639" y="1409922"/>
-                </a:lnTo>
-                <a:lnTo>
-                  <a:pt x="4220086" y="1387969"/>
-                </a:lnTo>
-                <a:lnTo>
-                  <a:pt x="4255325" y="1358893"/>
-                </a:lnTo>
-                <a:lnTo>
-                  <a:pt x="4284401" y="1323654"/>
-                </a:lnTo>
-                <a:lnTo>
-                  <a:pt x="4306354" y="1283207"/>
-                </a:lnTo>
-                <a:lnTo>
-                  <a:pt x="4320228" y="1238512"/>
-                </a:lnTo>
-                <a:lnTo>
-                  <a:pt x="4325066" y="1190524"/>
-                </a:lnTo>
-                <a:lnTo>
-                  <a:pt x="4325066" y="238112"/>
-                </a:lnTo>
-                <a:lnTo>
-                  <a:pt x="4320228" y="190123"/>
-                </a:lnTo>
-                <a:lnTo>
-                  <a:pt x="4306354" y="145427"/>
-                </a:lnTo>
-                <a:lnTo>
-                  <a:pt x="4284401" y="104980"/>
-                </a:lnTo>
-                <a:lnTo>
-                  <a:pt x="4255325" y="69740"/>
-                </a:lnTo>
-                <a:lnTo>
-                  <a:pt x="4220086" y="40665"/>
-                </a:lnTo>
-                <a:lnTo>
-                  <a:pt x="4179639" y="18711"/>
-                </a:lnTo>
-                <a:lnTo>
-                  <a:pt x="4134942" y="4837"/>
-                </a:lnTo>
-                <a:lnTo>
-                  <a:pt x="4086953" y="0"/>
-                </a:lnTo>
-                <a:close/>
-              </a:path>
-            </a:pathLst>
-          </a:custGeom>
-          <a:solidFill>
-            <a:srgbClr val="38505F"/>
-          </a:solidFill>
-        </p:spPr>
-        <p:txBody>
-          <a:bodyPr wrap="square" lIns="0" tIns="0" rIns="0" bIns="0" rtlCol="0"/>
-          <a:lstStyle/>
-          <a:p>
-            <a:endParaRPr/>
-          </a:p>
-        </p:txBody>
-      </p:sp>
-      <p:sp>
-        <p:nvSpPr>
-          <p:cNvPr id="3" name="object 3"/>
-          <p:cNvSpPr/>
-          <p:nvPr/>
-        </p:nvSpPr>
-        <p:spPr>
-          <a:xfrm>
-            <a:off x="435432" y="1104327"/>
-            <a:ext cx="3181350" cy="1496695"/>
-          </a:xfrm>
-          <a:custGeom>
-            <a:avLst/>
-            <a:gdLst/>
-            <a:ahLst/>
-            <a:cxnLst/>
-            <a:rect l="l" t="t" r="r" b="b"/>
-            <a:pathLst>
-              <a:path w="3181350" h="1496695">
-                <a:moveTo>
-                  <a:pt x="2931901" y="0"/>
-                </a:moveTo>
-                <a:lnTo>
-                  <a:pt x="249396" y="0"/>
-                </a:lnTo>
-                <a:lnTo>
-                  <a:pt x="204566" y="4018"/>
-                </a:lnTo>
-                <a:lnTo>
-                  <a:pt x="162373" y="15602"/>
-                </a:lnTo>
-                <a:lnTo>
-                  <a:pt x="123521" y="34050"/>
-                </a:lnTo>
-                <a:lnTo>
-                  <a:pt x="88713" y="58655"/>
-                </a:lnTo>
-                <a:lnTo>
-                  <a:pt x="58654" y="88714"/>
-                </a:lnTo>
-                <a:lnTo>
-                  <a:pt x="34049" y="123523"/>
-                </a:lnTo>
-                <a:lnTo>
-                  <a:pt x="15602" y="162376"/>
-                </a:lnTo>
-                <a:lnTo>
-                  <a:pt x="4018" y="204571"/>
-                </a:lnTo>
-                <a:lnTo>
-                  <a:pt x="0" y="249402"/>
-                </a:lnTo>
-                <a:lnTo>
-                  <a:pt x="0" y="1246949"/>
-                </a:lnTo>
-                <a:lnTo>
-                  <a:pt x="4018" y="1291780"/>
-                </a:lnTo>
-                <a:lnTo>
-                  <a:pt x="15602" y="1333975"/>
-                </a:lnTo>
-                <a:lnTo>
-                  <a:pt x="34049" y="1372829"/>
-                </a:lnTo>
-                <a:lnTo>
-                  <a:pt x="58654" y="1407637"/>
-                </a:lnTo>
-                <a:lnTo>
-                  <a:pt x="88713" y="1437696"/>
-                </a:lnTo>
-                <a:lnTo>
-                  <a:pt x="123521" y="1462301"/>
-                </a:lnTo>
-                <a:lnTo>
-                  <a:pt x="162373" y="1480749"/>
-                </a:lnTo>
-                <a:lnTo>
-                  <a:pt x="204566" y="1492333"/>
-                </a:lnTo>
-                <a:lnTo>
-                  <a:pt x="249396" y="1496352"/>
-                </a:lnTo>
-                <a:lnTo>
-                  <a:pt x="2931901" y="1496352"/>
-                </a:lnTo>
-                <a:lnTo>
-                  <a:pt x="2976729" y="1492333"/>
-                </a:lnTo>
-                <a:lnTo>
-                  <a:pt x="3018920" y="1480749"/>
-                </a:lnTo>
-                <a:lnTo>
-                  <a:pt x="3057772" y="1462301"/>
-                </a:lnTo>
-                <a:lnTo>
-                  <a:pt x="3092579" y="1437696"/>
-                </a:lnTo>
-                <a:lnTo>
-                  <a:pt x="3122637" y="1407637"/>
-                </a:lnTo>
-                <a:lnTo>
-                  <a:pt x="3147241" y="1372829"/>
-                </a:lnTo>
-                <a:lnTo>
-                  <a:pt x="3165688" y="1333975"/>
-                </a:lnTo>
-                <a:lnTo>
-                  <a:pt x="3177273" y="1291780"/>
-                </a:lnTo>
-                <a:lnTo>
-                  <a:pt x="3181291" y="1246949"/>
-                </a:lnTo>
-                <a:lnTo>
-                  <a:pt x="3181291" y="249402"/>
-                </a:lnTo>
-                <a:lnTo>
-                  <a:pt x="3177273" y="204571"/>
-                </a:lnTo>
-                <a:lnTo>
-                  <a:pt x="3165688" y="162376"/>
-                </a:lnTo>
-                <a:lnTo>
-                  <a:pt x="3147241" y="123523"/>
-                </a:lnTo>
-                <a:lnTo>
-                  <a:pt x="3122637" y="88714"/>
-                </a:lnTo>
-                <a:lnTo>
-                  <a:pt x="3092579" y="58655"/>
-                </a:lnTo>
-                <a:lnTo>
-                  <a:pt x="3057772" y="34050"/>
-                </a:lnTo>
-                <a:lnTo>
-                  <a:pt x="3018920" y="15602"/>
-                </a:lnTo>
-                <a:lnTo>
-                  <a:pt x="2976729" y="4018"/>
-                </a:lnTo>
-                <a:lnTo>
-                  <a:pt x="2931901" y="0"/>
-                </a:lnTo>
-                <a:close/>
-              </a:path>
-            </a:pathLst>
-          </a:custGeom>
-          <a:solidFill>
-            <a:srgbClr val="FAB200"/>
-          </a:solidFill>
-        </p:spPr>
-        <p:txBody>
-          <a:bodyPr wrap="square" lIns="0" tIns="0" rIns="0" bIns="0" rtlCol="0"/>
-          <a:lstStyle/>
-          <a:p>
-            <a:endParaRPr/>
-          </a:p>
-        </p:txBody>
-      </p:sp>
-      <p:sp>
-        <p:nvSpPr>
-          <p:cNvPr id="4" name="object 4"/>
-          <p:cNvSpPr txBox="1"/>
-          <p:nvPr/>
-        </p:nvSpPr>
-        <p:spPr>
-          <a:xfrm>
-            <a:off x="655383" y="1595965"/>
-            <a:ext cx="2561590" cy="766235"/>
-          </a:xfrm>
-          <a:prstGeom prst="rect">
-            <a:avLst/>
-          </a:prstGeom>
-        </p:spPr>
-        <p:txBody>
-          <a:bodyPr vert="horz" wrap="square" lIns="0" tIns="128905" rIns="0" bIns="0" rtlCol="0">
-            <a:spAutoFit/>
-          </a:bodyPr>
-          <a:lstStyle/>
-          <a:p>
-            <a:pPr marL="298450" indent="-285750">
-              <a:lnSpc>
-                <a:spcPct val="100000"/>
-              </a:lnSpc>
-              <a:spcBef>
-                <a:spcPts val="1015"/>
-              </a:spcBef>
-              <a:buFont typeface="Arial"/>
-              <a:buChar char="•"/>
-              <a:tabLst>
-                <a:tab pos="297815" algn="l"/>
-                <a:tab pos="298450" algn="l"/>
-              </a:tabLst>
-            </a:pPr>
-            <a:r>
-              <a:rPr lang="pt-PT" sz="1650" b="1" spc="45" dirty="0">
-                <a:solidFill>
-                  <a:srgbClr val="FFFFFF"/>
-                </a:solidFill>
-                <a:latin typeface="Arial"/>
-                <a:cs typeface="Arial"/>
-              </a:rPr>
-              <a:t>DSL</a:t>
-            </a:r>
-          </a:p>
-          <a:p>
-            <a:pPr marL="298450" indent="-285750">
-              <a:lnSpc>
-                <a:spcPct val="100000"/>
-              </a:lnSpc>
-              <a:spcBef>
-                <a:spcPts val="1015"/>
-              </a:spcBef>
-              <a:buFont typeface="Arial"/>
-              <a:buChar char="•"/>
-              <a:tabLst>
-                <a:tab pos="297815" algn="l"/>
-                <a:tab pos="298450" algn="l"/>
-              </a:tabLst>
-            </a:pPr>
-            <a:endParaRPr sz="1650" dirty="0">
-              <a:latin typeface="Arial"/>
-              <a:cs typeface="Arial"/>
-            </a:endParaRPr>
-          </a:p>
-        </p:txBody>
-      </p:sp>
-      <p:sp>
-        <p:nvSpPr>
-          <p:cNvPr id="11" name="object 11"/>
-          <p:cNvSpPr txBox="1"/>
-          <p:nvPr/>
-        </p:nvSpPr>
-        <p:spPr>
-          <a:xfrm>
-            <a:off x="4963815" y="2601022"/>
-            <a:ext cx="3478013" cy="268662"/>
-          </a:xfrm>
-          <a:prstGeom prst="rect">
-            <a:avLst/>
-          </a:prstGeom>
-        </p:spPr>
-        <p:txBody>
-          <a:bodyPr vert="horz" wrap="square" lIns="0" tIns="14604" rIns="0" bIns="0" rtlCol="0">
-            <a:spAutoFit/>
-          </a:bodyPr>
-          <a:lstStyle/>
-          <a:p>
-            <a:pPr marL="12700" algn="ctr">
-              <a:lnSpc>
-                <a:spcPct val="100000"/>
-              </a:lnSpc>
-              <a:spcBef>
-                <a:spcPts val="114"/>
-              </a:spcBef>
-            </a:pPr>
-            <a:r>
-              <a:rPr lang="pt-PT" sz="1650" b="1" spc="-15" dirty="0">
-                <a:solidFill>
-                  <a:srgbClr val="FAB200"/>
-                </a:solidFill>
-                <a:latin typeface="Arial"/>
-                <a:cs typeface="Arial"/>
-              </a:rPr>
-              <a:t>Casos de estudo</a:t>
-            </a:r>
-            <a:endParaRPr sz="1650" dirty="0">
-              <a:latin typeface="Arial"/>
-              <a:cs typeface="Arial"/>
-            </a:endParaRPr>
-          </a:p>
-        </p:txBody>
-      </p:sp>
-      <p:sp>
-        <p:nvSpPr>
-          <p:cNvPr id="14" name="object 14"/>
-          <p:cNvSpPr/>
-          <p:nvPr/>
-        </p:nvSpPr>
-        <p:spPr>
-          <a:xfrm>
-            <a:off x="815340" y="4550124"/>
-            <a:ext cx="2994660" cy="1428750"/>
-          </a:xfrm>
-          <a:custGeom>
-            <a:avLst/>
-            <a:gdLst/>
-            <a:ahLst/>
-            <a:cxnLst/>
-            <a:rect l="l" t="t" r="r" b="b"/>
-            <a:pathLst>
-              <a:path w="2994659" h="1428750">
-                <a:moveTo>
-                  <a:pt x="2756344" y="0"/>
-                </a:moveTo>
-                <a:lnTo>
-                  <a:pt x="238112" y="0"/>
-                </a:lnTo>
-                <a:lnTo>
-                  <a:pt x="190123" y="4837"/>
-                </a:lnTo>
-                <a:lnTo>
-                  <a:pt x="145427" y="18711"/>
-                </a:lnTo>
-                <a:lnTo>
-                  <a:pt x="104980" y="40664"/>
-                </a:lnTo>
-                <a:lnTo>
-                  <a:pt x="69740" y="69738"/>
-                </a:lnTo>
-                <a:lnTo>
-                  <a:pt x="40665" y="104977"/>
-                </a:lnTo>
-                <a:lnTo>
-                  <a:pt x="18711" y="145421"/>
-                </a:lnTo>
-                <a:lnTo>
-                  <a:pt x="4837" y="190115"/>
-                </a:lnTo>
-                <a:lnTo>
-                  <a:pt x="0" y="238099"/>
-                </a:lnTo>
-                <a:lnTo>
-                  <a:pt x="0" y="1190522"/>
-                </a:lnTo>
-                <a:lnTo>
-                  <a:pt x="4837" y="1238509"/>
-                </a:lnTo>
-                <a:lnTo>
-                  <a:pt x="18711" y="1283204"/>
-                </a:lnTo>
-                <a:lnTo>
-                  <a:pt x="40665" y="1323650"/>
-                </a:lnTo>
-                <a:lnTo>
-                  <a:pt x="69740" y="1358890"/>
-                </a:lnTo>
-                <a:lnTo>
-                  <a:pt x="104980" y="1387965"/>
-                </a:lnTo>
-                <a:lnTo>
-                  <a:pt x="145427" y="1409918"/>
-                </a:lnTo>
-                <a:lnTo>
-                  <a:pt x="190123" y="1423793"/>
-                </a:lnTo>
-                <a:lnTo>
-                  <a:pt x="238112" y="1428630"/>
-                </a:lnTo>
-                <a:lnTo>
-                  <a:pt x="2756344" y="1428630"/>
-                </a:lnTo>
-                <a:lnTo>
-                  <a:pt x="2804333" y="1423793"/>
-                </a:lnTo>
-                <a:lnTo>
-                  <a:pt x="2849029" y="1409918"/>
-                </a:lnTo>
-                <a:lnTo>
-                  <a:pt x="2889476" y="1387965"/>
-                </a:lnTo>
-                <a:lnTo>
-                  <a:pt x="2924716" y="1358890"/>
-                </a:lnTo>
-                <a:lnTo>
-                  <a:pt x="2953791" y="1323650"/>
-                </a:lnTo>
-                <a:lnTo>
-                  <a:pt x="2975745" y="1283204"/>
-                </a:lnTo>
-                <a:lnTo>
-                  <a:pt x="2989619" y="1238509"/>
-                </a:lnTo>
-                <a:lnTo>
-                  <a:pt x="2994456" y="1190522"/>
-                </a:lnTo>
-                <a:lnTo>
-                  <a:pt x="2994456" y="238099"/>
-                </a:lnTo>
-                <a:lnTo>
-                  <a:pt x="2989619" y="190115"/>
-                </a:lnTo>
-                <a:lnTo>
-                  <a:pt x="2975745" y="145421"/>
-                </a:lnTo>
-                <a:lnTo>
-                  <a:pt x="2953791" y="104977"/>
-                </a:lnTo>
-                <a:lnTo>
-                  <a:pt x="2924716" y="69738"/>
-                </a:lnTo>
-                <a:lnTo>
-                  <a:pt x="2889476" y="40664"/>
-                </a:lnTo>
-                <a:lnTo>
-                  <a:pt x="2849029" y="18711"/>
-                </a:lnTo>
-                <a:lnTo>
-                  <a:pt x="2804333" y="4837"/>
-                </a:lnTo>
-                <a:lnTo>
-                  <a:pt x="2756344" y="0"/>
-                </a:lnTo>
-                <a:close/>
-              </a:path>
-            </a:pathLst>
-          </a:custGeom>
-          <a:solidFill>
-            <a:srgbClr val="FAB200"/>
-          </a:solidFill>
-        </p:spPr>
-        <p:txBody>
-          <a:bodyPr wrap="square" lIns="0" tIns="0" rIns="0" bIns="0" rtlCol="0"/>
-          <a:lstStyle/>
-          <a:p>
-            <a:endParaRPr/>
-          </a:p>
-        </p:txBody>
-      </p:sp>
-      <p:sp>
-        <p:nvSpPr>
-          <p:cNvPr id="15" name="object 15"/>
-          <p:cNvSpPr txBox="1"/>
-          <p:nvPr/>
-        </p:nvSpPr>
-        <p:spPr>
-          <a:xfrm>
-            <a:off x="1142817" y="5141538"/>
-            <a:ext cx="2254885" cy="268662"/>
-          </a:xfrm>
-          <a:prstGeom prst="rect">
-            <a:avLst/>
-          </a:prstGeom>
-        </p:spPr>
-        <p:txBody>
-          <a:bodyPr vert="horz" wrap="square" lIns="0" tIns="14604" rIns="0" bIns="0" rtlCol="0">
-            <a:spAutoFit/>
-          </a:bodyPr>
-          <a:lstStyle/>
-          <a:p>
-            <a:pPr marL="298450" indent="-285750">
-              <a:lnSpc>
-                <a:spcPct val="100000"/>
-              </a:lnSpc>
-              <a:spcBef>
-                <a:spcPts val="1420"/>
-              </a:spcBef>
-              <a:buFont typeface="Arial"/>
-              <a:buChar char="•"/>
-              <a:tabLst>
-                <a:tab pos="297815" algn="l"/>
-                <a:tab pos="298450" algn="l"/>
-              </a:tabLst>
-            </a:pPr>
-            <a:r>
-              <a:rPr lang="pt-PT" sz="1650" b="1" spc="35" dirty="0">
-                <a:solidFill>
-                  <a:srgbClr val="FFFFFF"/>
-                </a:solidFill>
-                <a:latin typeface="Arial"/>
-                <a:cs typeface="Arial"/>
-              </a:rPr>
-              <a:t>Trabalho Futuro</a:t>
-            </a:r>
-            <a:endParaRPr sz="1650" dirty="0">
-              <a:latin typeface="Arial"/>
-              <a:cs typeface="Arial"/>
-            </a:endParaRPr>
-          </a:p>
-        </p:txBody>
-      </p:sp>
-      <p:sp>
-        <p:nvSpPr>
-          <p:cNvPr id="12" name="object 12"/>
-          <p:cNvSpPr txBox="1"/>
-          <p:nvPr/>
-        </p:nvSpPr>
-        <p:spPr>
-          <a:xfrm>
-            <a:off x="5105400" y="2970005"/>
-            <a:ext cx="2996302" cy="384080"/>
-          </a:xfrm>
-          <a:prstGeom prst="rect">
-            <a:avLst/>
-          </a:prstGeom>
-        </p:spPr>
-        <p:txBody>
-          <a:bodyPr vert="horz" wrap="square" lIns="0" tIns="128905" rIns="0" bIns="0" rtlCol="0">
-            <a:spAutoFit/>
-          </a:bodyPr>
-          <a:lstStyle/>
-          <a:p>
-            <a:pPr marL="298450" indent="-285750" algn="just">
-              <a:lnSpc>
-                <a:spcPct val="100000"/>
-              </a:lnSpc>
-              <a:spcBef>
-                <a:spcPts val="1015"/>
-              </a:spcBef>
-              <a:buFont typeface="Arial"/>
-              <a:buChar char="•"/>
-              <a:tabLst>
-                <a:tab pos="297815" algn="l"/>
-                <a:tab pos="298450" algn="l"/>
-              </a:tabLst>
-            </a:pPr>
-            <a:r>
-              <a:rPr lang="pt-PT" sz="1650" b="1" spc="10" dirty="0">
-                <a:solidFill>
-                  <a:schemeClr val="bg1"/>
-                </a:solidFill>
-                <a:latin typeface="Arial"/>
-                <a:cs typeface="Arial"/>
-              </a:rPr>
-              <a:t>SEI</a:t>
-            </a:r>
-          </a:p>
-        </p:txBody>
-      </p:sp>
-      <p:sp>
-        <p:nvSpPr>
-          <p:cNvPr id="18" name="object 11">
-            <a:extLst>
-              <a:ext uri="{FF2B5EF4-FFF2-40B4-BE49-F238E27FC236}">
-                <a16:creationId xmlns:a16="http://schemas.microsoft.com/office/drawing/2014/main" id="{4E00ED50-D422-4AF4-956A-FE3646713E3E}"/>
-              </a:ext>
-            </a:extLst>
-          </p:cNvPr>
-          <p:cNvSpPr txBox="1"/>
-          <p:nvPr/>
-        </p:nvSpPr>
-        <p:spPr>
-          <a:xfrm>
-            <a:off x="408188" y="1255338"/>
-            <a:ext cx="3181350" cy="268662"/>
-          </a:xfrm>
-          <a:prstGeom prst="rect">
-            <a:avLst/>
-          </a:prstGeom>
-        </p:spPr>
-        <p:txBody>
-          <a:bodyPr vert="horz" wrap="square" lIns="0" tIns="14604" rIns="0" bIns="0" rtlCol="0">
-            <a:spAutoFit/>
-          </a:bodyPr>
-          <a:lstStyle/>
-          <a:p>
-            <a:pPr marL="12700" algn="ctr">
-              <a:lnSpc>
-                <a:spcPct val="100000"/>
-              </a:lnSpc>
-              <a:spcBef>
-                <a:spcPts val="114"/>
-              </a:spcBef>
-            </a:pPr>
-            <a:r>
-              <a:rPr lang="pt-PT" sz="1650" b="1" spc="-15" dirty="0">
-                <a:solidFill>
-                  <a:schemeClr val="accent1">
-                    <a:lumMod val="50000"/>
-                  </a:schemeClr>
-                </a:solidFill>
-                <a:latin typeface="Arial"/>
-                <a:cs typeface="Arial"/>
-              </a:rPr>
-              <a:t>Objetivos</a:t>
-            </a:r>
-            <a:endParaRPr sz="1650" dirty="0">
-              <a:solidFill>
-                <a:schemeClr val="accent1">
-                  <a:lumMod val="50000"/>
-                </a:schemeClr>
-              </a:solidFill>
-              <a:latin typeface="Arial"/>
-              <a:cs typeface="Arial"/>
-            </a:endParaRPr>
-          </a:p>
-        </p:txBody>
-      </p:sp>
-      <p:sp>
-        <p:nvSpPr>
-          <p:cNvPr id="20" name="object 2">
-            <a:extLst>
-              <a:ext uri="{FF2B5EF4-FFF2-40B4-BE49-F238E27FC236}">
-                <a16:creationId xmlns:a16="http://schemas.microsoft.com/office/drawing/2014/main" id="{E41A15AF-D3C5-484E-AFD9-35CD10F1B208}"/>
-              </a:ext>
-            </a:extLst>
-          </p:cNvPr>
-          <p:cNvSpPr txBox="1">
-            <a:spLocks/>
-          </p:cNvSpPr>
-          <p:nvPr/>
-        </p:nvSpPr>
-        <p:spPr>
-          <a:xfrm>
-            <a:off x="3726656" y="304800"/>
-            <a:ext cx="1690688" cy="461023"/>
-          </a:xfrm>
-          <a:prstGeom prst="rect">
-            <a:avLst/>
-          </a:prstGeom>
-        </p:spPr>
-        <p:txBody>
-          <a:bodyPr vert="horz" wrap="square" lIns="0" tIns="14604" rIns="0" bIns="0" rtlCol="0">
-            <a:spAutoFit/>
-          </a:bodyPr>
-          <a:lstStyle>
-            <a:lvl1pPr>
-              <a:defRPr sz="2900" b="1" i="0">
-                <a:solidFill>
-                  <a:srgbClr val="38505F"/>
-                </a:solidFill>
-                <a:latin typeface="Arial"/>
-                <a:ea typeface="+mj-ea"/>
-                <a:cs typeface="Arial"/>
-              </a:defRPr>
-            </a:lvl1pPr>
-          </a:lstStyle>
-          <a:p>
-            <a:pPr marL="12700" algn="ctr">
-              <a:spcBef>
-                <a:spcPts val="114"/>
-              </a:spcBef>
-            </a:pPr>
-            <a:r>
-              <a:rPr lang="pt-PT" spc="-185" dirty="0"/>
-              <a:t>Estrutura</a:t>
-            </a:r>
-            <a:endParaRPr lang="pt-PT" kern="0" spc="-185" dirty="0">
-              <a:solidFill>
-                <a:schemeClr val="bg1"/>
-              </a:solidFill>
-            </a:endParaRPr>
-          </a:p>
-        </p:txBody>
-      </p:sp>
-    </p:spTree>
-  </p:cSld>
-  <p:clrMapOvr>
-    <a:masterClrMapping/>
-  </p:clrMapOvr>
-</p:sld>
-</file>
-
-<file path=ppt/slides/slide3.xml><?xml version="1.0" encoding="utf-8"?>
-<p:sld xmlns:a="http://schemas.openxmlformats.org/drawingml/2006/main" xmlns:r="http://schemas.openxmlformats.org/officeDocument/2006/relationships" xmlns:p="http://schemas.openxmlformats.org/presentationml/2006/main">
-  <p:cSld>
-    <p:spTree>
-      <p:nvGrpSpPr>
-        <p:cNvPr id="1" name=""/>
-        <p:cNvGrpSpPr/>
-        <p:nvPr/>
-      </p:nvGrpSpPr>
-      <p:grpSpPr>
-        <a:xfrm>
-          <a:off x="0" y="0"/>
-          <a:ext cx="0" cy="0"/>
-          <a:chOff x="0" y="0"/>
-          <a:chExt cx="0" cy="0"/>
-        </a:xfrm>
-      </p:grpSpPr>
-      <p:sp>
-        <p:nvSpPr>
           <p:cNvPr id="2" name="object 2"/>
           <p:cNvSpPr/>
           <p:nvPr/>
@@ -14617,7 +12669,7 @@
 </p:sld>
 </file>
 
-<file path=ppt/slides/slide4.xml><?xml version="1.0" encoding="utf-8"?>
+<file path=ppt/slides/slide3.xml><?xml version="1.0" encoding="utf-8"?>
 <p:sld xmlns:a="http://schemas.openxmlformats.org/drawingml/2006/main" xmlns:r="http://schemas.openxmlformats.org/officeDocument/2006/relationships" xmlns:p="http://schemas.openxmlformats.org/presentationml/2006/main" showMasterSp="0">
   <p:cSld>
     <p:spTree>
@@ -15321,7 +13373,7 @@
 </p:sld>
 </file>
 
-<file path=ppt/slides/slide5.xml><?xml version="1.0" encoding="utf-8"?>
+<file path=ppt/slides/slide4.xml><?xml version="1.0" encoding="utf-8"?>
 <p:sld xmlns:a="http://schemas.openxmlformats.org/drawingml/2006/main" xmlns:r="http://schemas.openxmlformats.org/officeDocument/2006/relationships" xmlns:p="http://schemas.openxmlformats.org/presentationml/2006/main">
   <p:cSld>
     <p:spTree>
@@ -15582,7 +13634,7 @@
 </p:sld>
 </file>
 
-<file path=ppt/slides/slide6.xml><?xml version="1.0" encoding="utf-8"?>
+<file path=ppt/slides/slide5.xml><?xml version="1.0" encoding="utf-8"?>
 <p:sld xmlns:a="http://schemas.openxmlformats.org/drawingml/2006/main" xmlns:r="http://schemas.openxmlformats.org/officeDocument/2006/relationships" xmlns:p="http://schemas.openxmlformats.org/presentationml/2006/main">
   <p:cSld>
     <p:spTree>
@@ -17187,7 +15239,7 @@
 </p:sld>
 </file>
 
-<file path=ppt/slides/slide7.xml><?xml version="1.0" encoding="utf-8"?>
+<file path=ppt/slides/slide6.xml><?xml version="1.0" encoding="utf-8"?>
 <p:sld xmlns:a="http://schemas.openxmlformats.org/drawingml/2006/main" xmlns:r="http://schemas.openxmlformats.org/officeDocument/2006/relationships" xmlns:p="http://schemas.openxmlformats.org/presentationml/2006/main">
   <p:cSld>
     <p:spTree>
@@ -17787,7 +15839,7 @@
 </p:sld>
 </file>
 
-<file path=ppt/slides/slide8.xml><?xml version="1.0" encoding="utf-8"?>
+<file path=ppt/slides/slide7.xml><?xml version="1.0" encoding="utf-8"?>
 <p:sld xmlns:a="http://schemas.openxmlformats.org/drawingml/2006/main" xmlns:r="http://schemas.openxmlformats.org/officeDocument/2006/relationships" xmlns:p="http://schemas.openxmlformats.org/presentationml/2006/main">
   <p:cSld>
     <p:spTree>
@@ -19008,7 +17060,7 @@
 </p:sld>
 </file>
 
-<file path=ppt/slides/slide9.xml><?xml version="1.0" encoding="utf-8"?>
+<file path=ppt/slides/slide8.xml><?xml version="1.0" encoding="utf-8"?>
 <p:sld xmlns:a="http://schemas.openxmlformats.org/drawingml/2006/main" xmlns:r="http://schemas.openxmlformats.org/officeDocument/2006/relationships" xmlns:p="http://schemas.openxmlformats.org/presentationml/2006/main">
   <p:cSld>
     <p:spTree>
@@ -19737,6 +17789,1050 @@
   <p:clrMapOvr>
     <a:masterClrMapping/>
   </p:clrMapOvr>
+</p:sld>
+</file>
+
+<file path=ppt/slides/slide9.xml><?xml version="1.0" encoding="utf-8"?>
+<p:sld xmlns:a="http://schemas.openxmlformats.org/drawingml/2006/main" xmlns:r="http://schemas.openxmlformats.org/officeDocument/2006/relationships" xmlns:p="http://schemas.openxmlformats.org/presentationml/2006/main">
+  <p:cSld>
+    <p:spTree>
+      <p:nvGrpSpPr>
+        <p:cNvPr id="1" name=""/>
+        <p:cNvGrpSpPr/>
+        <p:nvPr/>
+      </p:nvGrpSpPr>
+      <p:grpSpPr>
+        <a:xfrm>
+          <a:off x="0" y="0"/>
+          <a:ext cx="0" cy="0"/>
+          <a:chOff x="0" y="0"/>
+          <a:chExt cx="0" cy="0"/>
+        </a:xfrm>
+      </p:grpSpPr>
+      <p:sp>
+        <p:nvSpPr>
+          <p:cNvPr id="2" name="object 2"/>
+          <p:cNvSpPr/>
+          <p:nvPr/>
+        </p:nvSpPr>
+        <p:spPr>
+          <a:xfrm>
+            <a:off x="0" y="0"/>
+            <a:ext cx="9144000" cy="6858000"/>
+          </a:xfrm>
+          <a:custGeom>
+            <a:avLst/>
+            <a:gdLst/>
+            <a:ahLst/>
+            <a:cxnLst/>
+            <a:rect l="l" t="t" r="r" b="b"/>
+            <a:pathLst>
+              <a:path w="9144000" h="6858000">
+                <a:moveTo>
+                  <a:pt x="0" y="6857995"/>
+                </a:moveTo>
+                <a:lnTo>
+                  <a:pt x="9144000" y="6857995"/>
+                </a:lnTo>
+                <a:lnTo>
+                  <a:pt x="9144000" y="0"/>
+                </a:lnTo>
+                <a:lnTo>
+                  <a:pt x="0" y="0"/>
+                </a:lnTo>
+                <a:lnTo>
+                  <a:pt x="0" y="6857995"/>
+                </a:lnTo>
+                <a:close/>
+              </a:path>
+            </a:pathLst>
+          </a:custGeom>
+          <a:solidFill>
+            <a:srgbClr val="38505F"/>
+          </a:solidFill>
+        </p:spPr>
+        <p:txBody>
+          <a:bodyPr wrap="square" lIns="0" tIns="0" rIns="0" bIns="0" rtlCol="0"/>
+          <a:lstStyle/>
+          <a:p>
+            <a:endParaRPr dirty="0"/>
+          </a:p>
+        </p:txBody>
+      </p:sp>
+      <p:sp>
+        <p:nvSpPr>
+          <p:cNvPr id="8" name="Retângulo: Cantos Arredondados 7">
+            <a:extLst>
+              <a:ext uri="{FF2B5EF4-FFF2-40B4-BE49-F238E27FC236}">
+                <a16:creationId xmlns:a16="http://schemas.microsoft.com/office/drawing/2014/main" id="{3C45E504-FB1A-48F4-A766-975714195E17}"/>
+              </a:ext>
+            </a:extLst>
+          </p:cNvPr>
+          <p:cNvSpPr/>
+          <p:nvPr/>
+        </p:nvSpPr>
+        <p:spPr>
+          <a:xfrm>
+            <a:off x="419100" y="932296"/>
+            <a:ext cx="8420100" cy="5392304"/>
+          </a:xfrm>
+          <a:prstGeom prst="roundRect">
+            <a:avLst/>
+          </a:prstGeom>
+          <a:solidFill>
+            <a:srgbClr val="DDDDDD"/>
+          </a:solidFill>
+          <a:ln>
+            <a:solidFill>
+              <a:srgbClr val="DDDDDD"/>
+            </a:solidFill>
+          </a:ln>
+        </p:spPr>
+        <p:style>
+          <a:lnRef idx="2">
+            <a:schemeClr val="accent1">
+              <a:shade val="50000"/>
+            </a:schemeClr>
+          </a:lnRef>
+          <a:fillRef idx="1">
+            <a:schemeClr val="accent1"/>
+          </a:fillRef>
+          <a:effectRef idx="0">
+            <a:schemeClr val="accent1"/>
+          </a:effectRef>
+          <a:fontRef idx="minor">
+            <a:schemeClr val="lt1"/>
+          </a:fontRef>
+        </p:style>
+        <p:txBody>
+          <a:bodyPr rtlCol="0" anchor="ctr"/>
+          <a:lstStyle/>
+          <a:p>
+            <a:pPr algn="ctr"/>
+            <a:endParaRPr lang="pt-PT" dirty="0"/>
+          </a:p>
+        </p:txBody>
+      </p:sp>
+      <p:sp>
+        <p:nvSpPr>
+          <p:cNvPr id="7" name="CaixaDeTexto 6">
+            <a:extLst>
+              <a:ext uri="{FF2B5EF4-FFF2-40B4-BE49-F238E27FC236}">
+                <a16:creationId xmlns:a16="http://schemas.microsoft.com/office/drawing/2014/main" id="{84725617-FF18-4130-A845-0C3F25166607}"/>
+              </a:ext>
+            </a:extLst>
+          </p:cNvPr>
+          <p:cNvSpPr txBox="1"/>
+          <p:nvPr/>
+        </p:nvSpPr>
+        <p:spPr>
+          <a:xfrm>
+            <a:off x="361950" y="3276600"/>
+            <a:ext cx="8420100" cy="523220"/>
+          </a:xfrm>
+          <a:prstGeom prst="rect">
+            <a:avLst/>
+          </a:prstGeom>
+          <a:noFill/>
+        </p:spPr>
+        <p:txBody>
+          <a:bodyPr wrap="square" rtlCol="0" anchor="ctr">
+            <a:spAutoFit/>
+          </a:bodyPr>
+          <a:lstStyle/>
+          <a:p>
+            <a:pPr algn="ctr"/>
+            <a:r>
+              <a:rPr lang="pt-PT" sz="2800" dirty="0">
+                <a:solidFill>
+                  <a:srgbClr val="00B050"/>
+                </a:solidFill>
+                <a:latin typeface="Consolas" panose="020B0609020204030204" pitchFamily="49" charset="0"/>
+                <a:cs typeface="Arial" panose="020B0604020202020204" pitchFamily="34" charset="0"/>
+              </a:rPr>
+              <a:t>“</a:t>
+            </a:r>
+            <a:r>
+              <a:rPr lang="pt-PT" sz="2800" dirty="0">
+                <a:solidFill>
+                  <a:srgbClr val="C00000"/>
+                </a:solidFill>
+                <a:latin typeface="Consolas" panose="020B0609020204030204" pitchFamily="49" charset="0"/>
+                <a:cs typeface="Arial" panose="020B0604020202020204" pitchFamily="34" charset="0"/>
+              </a:rPr>
+              <a:t>Quando</a:t>
+            </a:r>
+            <a:r>
+              <a:rPr lang="pt-PT" sz="2800" dirty="0">
+                <a:solidFill>
+                  <a:srgbClr val="00B050"/>
+                </a:solidFill>
+                <a:latin typeface="Consolas" panose="020B0609020204030204" pitchFamily="49" charset="0"/>
+                <a:cs typeface="Arial" panose="020B0604020202020204" pitchFamily="34" charset="0"/>
+              </a:rPr>
+              <a:t> é a sessão de abertura?”</a:t>
+            </a:r>
+          </a:p>
+        </p:txBody>
+      </p:sp>
+      <p:pic>
+        <p:nvPicPr>
+          <p:cNvPr id="14" name="Imagem 13">
+            <a:extLst>
+              <a:ext uri="{FF2B5EF4-FFF2-40B4-BE49-F238E27FC236}">
+                <a16:creationId xmlns:a16="http://schemas.microsoft.com/office/drawing/2014/main" id="{FB20CB1E-E90C-4757-BE49-959662789E67}"/>
+              </a:ext>
+            </a:extLst>
+          </p:cNvPr>
+          <p:cNvPicPr>
+            <a:picLocks noChangeAspect="1"/>
+          </p:cNvPicPr>
+          <p:nvPr/>
+        </p:nvPicPr>
+        <p:blipFill rotWithShape="1">
+          <a:blip r:embed="rId3">
+            <a:extLst>
+              <a:ext uri="{BEBA8EAE-BF5A-486C-A8C5-ECC9F3942E4B}">
+                <a14:imgProps xmlns:a14="http://schemas.microsoft.com/office/drawing/2010/main">
+                  <a14:imgLayer r:embed="rId4">
+                    <a14:imgEffect>
+                      <a14:backgroundRemoval t="4348" b="96377" l="9804" r="89216">
+                        <a14:foregroundMark x1="42327" y1="69077" x2="32353" y2="34058"/>
+                        <a14:foregroundMark x1="42896" y1="71074" x2="42719" y2="70452"/>
+                        <a14:foregroundMark x1="44280" y1="75933" x2="43980" y2="74878"/>
+                        <a14:foregroundMark x1="46078" y1="82246" x2="45495" y2="80198"/>
+                        <a14:foregroundMark x1="59321" y1="76635" x2="59774" y2="76294"/>
+                        <a14:foregroundMark x1="47059" y1="85870" x2="57454" y2="78041"/>
+                        <a14:foregroundMark x1="77585" y1="54932" x2="79085" y2="52899"/>
+                        <a14:foregroundMark x1="67413" y1="68715" x2="75327" y2="57991"/>
+                        <a14:foregroundMark x1="60784" y1="87319" x2="50327" y2="90217"/>
+                        <a14:foregroundMark x1="50327" y1="90217" x2="34009" y2="88071"/>
+                        <a14:foregroundMark x1="39542" y1="87681" x2="51634" y2="89493"/>
+                        <a14:foregroundMark x1="51634" y1="89493" x2="60131" y2="86957"/>
+                        <a14:foregroundMark x1="60131" y1="86957" x2="63072" y2="84058"/>
+                        <a14:foregroundMark x1="63072" y1="85870" x2="54902" y2="91667"/>
+                        <a14:foregroundMark x1="54902" y1="91667" x2="43137" y2="92029"/>
+                        <a14:foregroundMark x1="42157" y1="92391" x2="51634" y2="93116"/>
+                        <a14:foregroundMark x1="51634" y1="93116" x2="55556" y2="92029"/>
+                        <a14:foregroundMark x1="54902" y1="93841" x2="46405" y2="94928"/>
+                        <a14:foregroundMark x1="24749" y1="62028" x2="27778" y2="37681"/>
+                        <a14:foregroundMark x1="27778" y1="37681" x2="30392" y2="34058"/>
+                        <a14:foregroundMark x1="34448" y1="69561" x2="37908" y2="41304"/>
+                        <a14:foregroundMark x1="49520" y1="69784" x2="52614" y2="55797"/>
+                        <a14:foregroundMark x1="59125" y1="68788" x2="60131" y2="56522"/>
+                        <a14:foregroundMark x1="66018" y1="68736" x2="68627" y2="53986"/>
+                        <a14:foregroundMark x1="71518" y1="65483" x2="71242" y2="51087"/>
+                        <a14:foregroundMark x1="70588" y1="60507" x2="70588" y2="43478"/>
+                        <a14:foregroundMark x1="69935" y1="39130" x2="66667" y2="29710"/>
+                        <a14:foregroundMark x1="66667" y1="29710" x2="57516" y2="26449"/>
+                        <a14:foregroundMark x1="57516" y1="26449" x2="36601" y2="28623"/>
+                        <a14:foregroundMark x1="36601" y1="28623" x2="33660" y2="30797"/>
+                        <a14:foregroundMark x1="48366" y1="7971" x2="49346" y2="13406"/>
+                        <a14:foregroundMark x1="49346" y1="7971" x2="49346" y2="12319"/>
+                        <a14:foregroundMark x1="48693" y1="8696" x2="49346" y2="12681"/>
+                        <a14:foregroundMark x1="50000" y1="8333" x2="51307" y2="11957"/>
+                        <a14:foregroundMark x1="50654" y1="8333" x2="49673" y2="13043"/>
+                        <a14:foregroundMark x1="48693" y1="7609" x2="49020" y2="12681"/>
+                        <a14:foregroundMark x1="49020" y1="10145" x2="49020" y2="4710"/>
+                        <a14:foregroundMark x1="18627" y1="50362" x2="27124" y2="50000"/>
+                        <a14:foregroundMark x1="47386" y1="93478" x2="50000" y2="94928"/>
+                        <a14:foregroundMark x1="45752" y1="96377" x2="51634" y2="95290"/>
+                        <a14:foregroundMark x1="51634" y1="94928" x2="51634" y2="94928"/>
+                        <a14:backgroundMark x1="14379" y1="11957" x2="11111" y2="54348"/>
+                        <a14:backgroundMark x1="17647" y1="77174" x2="25163" y2="76812"/>
+                        <a14:backgroundMark x1="24837" y1="71014" x2="22876" y2="84058"/>
+                        <a14:backgroundMark x1="22876" y1="84058" x2="22222" y2="85507"/>
+                        <a14:backgroundMark x1="20261" y1="65217" x2="23856" y2="77174"/>
+                        <a14:backgroundMark x1="23856" y1="77174" x2="30719" y2="75362"/>
+                        <a14:backgroundMark x1="73856" y1="74638" x2="78105" y2="73551"/>
+                        <a14:backgroundMark x1="76144" y1="72101" x2="77778" y2="75362"/>
+                        <a14:backgroundMark x1="72549" y1="75000" x2="76144" y2="77899"/>
+                        <a14:backgroundMark x1="72222" y1="75725" x2="75817" y2="79710"/>
+                        <a14:backgroundMark x1="72222" y1="74638" x2="75817" y2="77536"/>
+                        <a14:backgroundMark x1="71569" y1="74638" x2="76144" y2="76812"/>
+                        <a14:backgroundMark x1="72876" y1="74638" x2="77124" y2="76449"/>
+                        <a14:backgroundMark x1="80719" y1="61957" x2="80065" y2="74638"/>
+                        <a14:backgroundMark x1="80065" y1="74638" x2="71569" y2="86957"/>
+                        <a14:backgroundMark x1="19935" y1="75000" x2="31373" y2="75000"/>
+                        <a14:backgroundMark x1="31373" y1="75000" x2="36275" y2="73913"/>
+                        <a14:backgroundMark x1="63072" y1="73913" x2="74183" y2="73913"/>
+                        <a14:backgroundMark x1="74183" y1="73913" x2="76797" y2="73188"/>
+                        <a14:backgroundMark x1="76797" y1="66667" x2="74183" y2="80797"/>
+                        <a14:backgroundMark x1="17320" y1="60870" x2="18954" y2="74275"/>
+                        <a14:backgroundMark x1="18954" y1="74275" x2="23856" y2="85145"/>
+                        <a14:backgroundMark x1="23856" y1="85145" x2="27778" y2="87319"/>
+                        <a14:backgroundMark x1="17320" y1="59420" x2="18627" y2="61232"/>
+                        <a14:backgroundMark x1="16667" y1="60870" x2="18301" y2="62319"/>
+                        <a14:backgroundMark x1="17320" y1="59058" x2="17974" y2="61594"/>
+                        <a14:backgroundMark x1="27778" y1="86232" x2="26797" y2="91667"/>
+                        <a14:backgroundMark x1="28105" y1="87319" x2="28105" y2="91667"/>
+                        <a14:backgroundMark x1="69935" y1="85507" x2="70588" y2="94928"/>
+                        <a14:backgroundMark x1="28105" y1="86594" x2="29085" y2="92391"/>
+                        <a14:backgroundMark x1="16013" y1="57609" x2="19935" y2="60870"/>
+                        <a14:backgroundMark x1="24183" y1="62319" x2="26144" y2="66667"/>
+                        <a14:backgroundMark x1="67974" y1="71377" x2="61765" y2="73913"/>
+                        <a14:backgroundMark x1="62418" y1="74638" x2="58824" y2="74638"/>
+                        <a14:backgroundMark x1="58497" y1="75000" x2="55556" y2="74275"/>
+                        <a14:backgroundMark x1="37908" y1="74275" x2="40523" y2="74275"/>
+                        <a14:backgroundMark x1="40850" y1="74638" x2="44118" y2="74638"/>
+                        <a14:backgroundMark x1="45098" y1="74638" x2="47386" y2="75000"/>
+                        <a14:backgroundMark x1="48366" y1="75000" x2="49673" y2="75000"/>
+                        <a14:backgroundMark x1="48693" y1="74275" x2="49020" y2="74275"/>
+                        <a14:backgroundMark x1="47386" y1="74275" x2="49020" y2="74275"/>
+                        <a14:backgroundMark x1="78758" y1="61594" x2="82680" y2="59783"/>
+                        <a14:backgroundMark x1="81373" y1="58696" x2="79739" y2="60145"/>
+                        <a14:backgroundMark x1="81373" y1="58696" x2="78758" y2="61232"/>
+                      </a14:backgroundRemoval>
+                    </a14:imgEffect>
+                  </a14:imgLayer>
+                </a14:imgProps>
+              </a:ext>
+            </a:extLst>
+          </a:blip>
+          <a:srcRect l="12176" r="12062"/>
+          <a:stretch/>
+        </p:blipFill>
+        <p:spPr>
+          <a:xfrm>
+            <a:off x="2209800" y="1312157"/>
+            <a:ext cx="752227" cy="895545"/>
+          </a:xfrm>
+          <a:prstGeom prst="rect">
+            <a:avLst/>
+          </a:prstGeom>
+        </p:spPr>
+      </p:pic>
+      <p:sp>
+        <p:nvSpPr>
+          <p:cNvPr id="45" name="CaixaDeTexto 44">
+            <a:extLst>
+              <a:ext uri="{FF2B5EF4-FFF2-40B4-BE49-F238E27FC236}">
+                <a16:creationId xmlns:a16="http://schemas.microsoft.com/office/drawing/2014/main" id="{4656957C-6200-4371-9D49-1E125A611C4D}"/>
+              </a:ext>
+            </a:extLst>
+          </p:cNvPr>
+          <p:cNvSpPr txBox="1"/>
+          <p:nvPr/>
+        </p:nvSpPr>
+        <p:spPr>
+          <a:xfrm>
+            <a:off x="1842963" y="2173069"/>
+            <a:ext cx="1485900" cy="646331"/>
+          </a:xfrm>
+          <a:prstGeom prst="rect">
+            <a:avLst/>
+          </a:prstGeom>
+          <a:noFill/>
+        </p:spPr>
+        <p:txBody>
+          <a:bodyPr wrap="square" rtlCol="0" anchor="ctr">
+            <a:spAutoFit/>
+          </a:bodyPr>
+          <a:lstStyle/>
+          <a:p>
+            <a:pPr algn="ctr"/>
+            <a:r>
+              <a:rPr lang="pt-PT" dirty="0">
+                <a:solidFill>
+                  <a:schemeClr val="accent1">
+                    <a:lumMod val="50000"/>
+                  </a:schemeClr>
+                </a:solidFill>
+                <a:latin typeface="Consolas" panose="020B0609020204030204" pitchFamily="49" charset="0"/>
+                <a:cs typeface="Arial" panose="020B0604020202020204" pitchFamily="34" charset="0"/>
+              </a:rPr>
+              <a:t>Bot2</a:t>
+            </a:r>
+          </a:p>
+          <a:p>
+            <a:pPr algn="ctr"/>
+            <a:r>
+              <a:rPr lang="pt-PT" b="1" dirty="0">
+                <a:solidFill>
+                  <a:schemeClr val="accent1">
+                    <a:lumMod val="50000"/>
+                  </a:schemeClr>
+                </a:solidFill>
+                <a:latin typeface="Consolas" panose="020B0609020204030204" pitchFamily="49" charset="0"/>
+                <a:cs typeface="Arial" panose="020B0604020202020204" pitchFamily="34" charset="0"/>
+              </a:rPr>
+              <a:t>Agenda SEI</a:t>
+            </a:r>
+          </a:p>
+        </p:txBody>
+      </p:sp>
+      <p:sp>
+        <p:nvSpPr>
+          <p:cNvPr id="23" name="Retângulo 22">
+            <a:extLst>
+              <a:ext uri="{FF2B5EF4-FFF2-40B4-BE49-F238E27FC236}">
+                <a16:creationId xmlns:a16="http://schemas.microsoft.com/office/drawing/2014/main" id="{F6C4C90B-38D1-454E-A513-F8CE1579BF09}"/>
+              </a:ext>
+            </a:extLst>
+          </p:cNvPr>
+          <p:cNvSpPr/>
+          <p:nvPr/>
+        </p:nvSpPr>
+        <p:spPr>
+          <a:xfrm>
+            <a:off x="3962400" y="1694393"/>
+            <a:ext cx="3429000" cy="784830"/>
+          </a:xfrm>
+          <a:prstGeom prst="rect">
+            <a:avLst/>
+          </a:prstGeom>
+        </p:spPr>
+        <p:txBody>
+          <a:bodyPr wrap="square">
+            <a:spAutoFit/>
+          </a:bodyPr>
+          <a:lstStyle/>
+          <a:p>
+            <a:pPr lvl="0"/>
+            <a:r>
+              <a:rPr lang="pt-PT" sz="1500" dirty="0">
+                <a:solidFill>
+                  <a:srgbClr val="488ED4"/>
+                </a:solidFill>
+                <a:latin typeface="Consolas" panose="020B0609020204030204" pitchFamily="49" charset="0"/>
+                <a:cs typeface="Arial" panose="020B0604020202020204" pitchFamily="34" charset="0"/>
+              </a:rPr>
+              <a:t>CREATE</a:t>
+            </a:r>
+            <a:r>
+              <a:rPr lang="pt-PT" sz="1500" dirty="0">
+                <a:solidFill>
+                  <a:prstClr val="black"/>
+                </a:solidFill>
+                <a:latin typeface="Consolas" panose="020B0609020204030204" pitchFamily="49" charset="0"/>
+                <a:cs typeface="Arial" panose="020B0604020202020204" pitchFamily="34" charset="0"/>
+              </a:rPr>
+              <a:t> </a:t>
+            </a:r>
+            <a:r>
+              <a:rPr lang="pt-PT" sz="1500" dirty="0" err="1">
+                <a:solidFill>
+                  <a:prstClr val="black"/>
+                </a:solidFill>
+                <a:latin typeface="Consolas" panose="020B0609020204030204" pitchFamily="49" charset="0"/>
+                <a:cs typeface="Arial" panose="020B0604020202020204" pitchFamily="34" charset="0"/>
+              </a:rPr>
+              <a:t>bot_csv</a:t>
+            </a:r>
+            <a:r>
+              <a:rPr lang="pt-PT" sz="1500" dirty="0">
+                <a:solidFill>
+                  <a:prstClr val="black"/>
+                </a:solidFill>
+                <a:latin typeface="Consolas" panose="020B0609020204030204" pitchFamily="49" charset="0"/>
+                <a:cs typeface="Arial" panose="020B0604020202020204" pitchFamily="34" charset="0"/>
+              </a:rPr>
+              <a:t> </a:t>
+            </a:r>
+          </a:p>
+          <a:p>
+            <a:pPr lvl="0"/>
+            <a:r>
+              <a:rPr lang="pt-PT" sz="1500" dirty="0">
+                <a:solidFill>
+                  <a:srgbClr val="C85C57"/>
+                </a:solidFill>
+                <a:latin typeface="Consolas" panose="020B0609020204030204" pitchFamily="49" charset="0"/>
+                <a:cs typeface="Arial" panose="020B0604020202020204" pitchFamily="34" charset="0"/>
+              </a:rPr>
+              <a:t>WITH</a:t>
+            </a:r>
+            <a:r>
+              <a:rPr lang="pt-PT" sz="1500" dirty="0">
+                <a:solidFill>
+                  <a:srgbClr val="488ED4"/>
+                </a:solidFill>
+                <a:latin typeface="Consolas" panose="020B0609020204030204" pitchFamily="49" charset="0"/>
+                <a:cs typeface="Arial" panose="020B0604020202020204" pitchFamily="34" charset="0"/>
+              </a:rPr>
+              <a:t> </a:t>
+            </a:r>
+            <a:r>
+              <a:rPr lang="pt-PT" sz="1500" dirty="0" err="1">
+                <a:solidFill>
+                  <a:prstClr val="black"/>
+                </a:solidFill>
+                <a:latin typeface="Consolas" panose="020B0609020204030204" pitchFamily="49" charset="0"/>
+                <a:cs typeface="Arial" panose="020B0604020202020204" pitchFamily="34" charset="0"/>
+              </a:rPr>
+              <a:t>agenda_SEI_schema.json</a:t>
+            </a:r>
+            <a:r>
+              <a:rPr lang="pt-PT" sz="1500" dirty="0">
+                <a:solidFill>
+                  <a:srgbClr val="488ED4"/>
+                </a:solidFill>
+                <a:latin typeface="Consolas" panose="020B0609020204030204" pitchFamily="49" charset="0"/>
+                <a:cs typeface="Arial" panose="020B0604020202020204" pitchFamily="34" charset="0"/>
+              </a:rPr>
+              <a:t> </a:t>
+            </a:r>
+          </a:p>
+          <a:p>
+            <a:pPr lvl="0"/>
+            <a:r>
+              <a:rPr lang="pt-PT" sz="1500" dirty="0">
+                <a:solidFill>
+                  <a:srgbClr val="00B050"/>
+                </a:solidFill>
+                <a:latin typeface="Consolas" panose="020B0609020204030204" pitchFamily="49" charset="0"/>
+                <a:cs typeface="Arial" panose="020B0604020202020204" pitchFamily="34" charset="0"/>
+              </a:rPr>
+              <a:t>FROM</a:t>
+            </a:r>
+            <a:r>
+              <a:rPr lang="pt-PT" sz="1500" dirty="0">
+                <a:solidFill>
+                  <a:srgbClr val="488ED4"/>
+                </a:solidFill>
+                <a:latin typeface="Consolas" panose="020B0609020204030204" pitchFamily="49" charset="0"/>
+                <a:cs typeface="Arial" panose="020B0604020202020204" pitchFamily="34" charset="0"/>
+              </a:rPr>
+              <a:t> </a:t>
+            </a:r>
+            <a:r>
+              <a:rPr lang="pt-PT" sz="1500" dirty="0">
+                <a:solidFill>
+                  <a:prstClr val="black"/>
+                </a:solidFill>
+                <a:latin typeface="Consolas" panose="020B0609020204030204" pitchFamily="49" charset="0"/>
+                <a:cs typeface="Arial" panose="020B0604020202020204" pitchFamily="34" charset="0"/>
+              </a:rPr>
+              <a:t>agenda_SEI.csv</a:t>
+            </a:r>
+          </a:p>
+        </p:txBody>
+      </p:sp>
+      <p:cxnSp>
+        <p:nvCxnSpPr>
+          <p:cNvPr id="24" name="Conexão reta 23">
+            <a:extLst>
+              <a:ext uri="{FF2B5EF4-FFF2-40B4-BE49-F238E27FC236}">
+                <a16:creationId xmlns:a16="http://schemas.microsoft.com/office/drawing/2014/main" id="{6245EF25-CBCC-40B7-B0E6-014B8DAF64D4}"/>
+              </a:ext>
+            </a:extLst>
+          </p:cNvPr>
+          <p:cNvCxnSpPr>
+            <a:cxnSpLocks/>
+          </p:cNvCxnSpPr>
+          <p:nvPr/>
+        </p:nvCxnSpPr>
+        <p:spPr>
+          <a:xfrm>
+            <a:off x="3767429" y="1641767"/>
+            <a:ext cx="3547771" cy="0"/>
+          </a:xfrm>
+          <a:prstGeom prst="line">
+            <a:avLst/>
+          </a:prstGeom>
+          <a:ln w="19050"/>
+        </p:spPr>
+        <p:style>
+          <a:lnRef idx="1">
+            <a:schemeClr val="accent1"/>
+          </a:lnRef>
+          <a:fillRef idx="0">
+            <a:schemeClr val="accent1"/>
+          </a:fillRef>
+          <a:effectRef idx="0">
+            <a:schemeClr val="accent1"/>
+          </a:effectRef>
+          <a:fontRef idx="minor">
+            <a:schemeClr val="tx1"/>
+          </a:fontRef>
+        </p:style>
+      </p:cxnSp>
+      <p:cxnSp>
+        <p:nvCxnSpPr>
+          <p:cNvPr id="30" name="Conexão reta 29">
+            <a:extLst>
+              <a:ext uri="{FF2B5EF4-FFF2-40B4-BE49-F238E27FC236}">
+                <a16:creationId xmlns:a16="http://schemas.microsoft.com/office/drawing/2014/main" id="{4DA85C04-D9FA-44B7-9360-8C3625ABB9DF}"/>
+              </a:ext>
+            </a:extLst>
+          </p:cNvPr>
+          <p:cNvCxnSpPr>
+            <a:cxnSpLocks/>
+          </p:cNvCxnSpPr>
+          <p:nvPr/>
+        </p:nvCxnSpPr>
+        <p:spPr>
+          <a:xfrm>
+            <a:off x="3767429" y="2556167"/>
+            <a:ext cx="3547771" cy="0"/>
+          </a:xfrm>
+          <a:prstGeom prst="line">
+            <a:avLst/>
+          </a:prstGeom>
+          <a:ln w="19050"/>
+        </p:spPr>
+        <p:style>
+          <a:lnRef idx="1">
+            <a:schemeClr val="accent1"/>
+          </a:lnRef>
+          <a:fillRef idx="0">
+            <a:schemeClr val="accent1"/>
+          </a:fillRef>
+          <a:effectRef idx="0">
+            <a:schemeClr val="accent1"/>
+          </a:effectRef>
+          <a:fontRef idx="minor">
+            <a:schemeClr val="tx1"/>
+          </a:fontRef>
+        </p:style>
+      </p:cxnSp>
+      <p:sp>
+        <p:nvSpPr>
+          <p:cNvPr id="32" name="Parêntese direito 31">
+            <a:extLst>
+              <a:ext uri="{FF2B5EF4-FFF2-40B4-BE49-F238E27FC236}">
+                <a16:creationId xmlns:a16="http://schemas.microsoft.com/office/drawing/2014/main" id="{621DF0D2-38E3-4DFB-AE69-A1CA17AAD67A}"/>
+              </a:ext>
+            </a:extLst>
+          </p:cNvPr>
+          <p:cNvSpPr/>
+          <p:nvPr/>
+        </p:nvSpPr>
+        <p:spPr>
+          <a:xfrm rot="5400000">
+            <a:off x="5061329" y="1602794"/>
+            <a:ext cx="164342" cy="4343400"/>
+          </a:xfrm>
+          <a:prstGeom prst="rightBracket">
+            <a:avLst/>
+          </a:prstGeom>
+          <a:ln w="19050"/>
+        </p:spPr>
+        <p:style>
+          <a:lnRef idx="1">
+            <a:schemeClr val="accent1"/>
+          </a:lnRef>
+          <a:fillRef idx="0">
+            <a:schemeClr val="accent1"/>
+          </a:fillRef>
+          <a:effectRef idx="0">
+            <a:schemeClr val="accent1"/>
+          </a:effectRef>
+          <a:fontRef idx="minor">
+            <a:schemeClr val="tx1"/>
+          </a:fontRef>
+        </p:style>
+        <p:txBody>
+          <a:bodyPr rtlCol="0" anchor="ctr"/>
+          <a:lstStyle/>
+          <a:p>
+            <a:pPr algn="ctr"/>
+            <a:endParaRPr lang="pt-PT"/>
+          </a:p>
+        </p:txBody>
+      </p:sp>
+      <p:sp>
+        <p:nvSpPr>
+          <p:cNvPr id="34" name="CaixaDeTexto 33">
+            <a:extLst>
+              <a:ext uri="{FF2B5EF4-FFF2-40B4-BE49-F238E27FC236}">
+                <a16:creationId xmlns:a16="http://schemas.microsoft.com/office/drawing/2014/main" id="{725B04F0-0439-4BF4-802D-1577B5CFC04B}"/>
+              </a:ext>
+            </a:extLst>
+          </p:cNvPr>
+          <p:cNvSpPr txBox="1"/>
+          <p:nvPr/>
+        </p:nvSpPr>
+        <p:spPr>
+          <a:xfrm>
+            <a:off x="1461575" y="3856664"/>
+            <a:ext cx="1466850" cy="369332"/>
+          </a:xfrm>
+          <a:prstGeom prst="rect">
+            <a:avLst/>
+          </a:prstGeom>
+          <a:noFill/>
+        </p:spPr>
+        <p:txBody>
+          <a:bodyPr wrap="square" rtlCol="0" anchor="ctr">
+            <a:spAutoFit/>
+          </a:bodyPr>
+          <a:lstStyle/>
+          <a:p>
+            <a:pPr algn="ctr"/>
+            <a:r>
+              <a:rPr lang="pt-PT" dirty="0">
+                <a:solidFill>
+                  <a:schemeClr val="accent1">
+                    <a:lumMod val="50000"/>
+                  </a:schemeClr>
+                </a:solidFill>
+                <a:latin typeface="Consolas" panose="020B0609020204030204" pitchFamily="49" charset="0"/>
+                <a:cs typeface="Arial" panose="020B0604020202020204" pitchFamily="34" charset="0"/>
+              </a:rPr>
+              <a:t>temporal</a:t>
+            </a:r>
+          </a:p>
+        </p:txBody>
+      </p:sp>
+      <p:sp>
+        <p:nvSpPr>
+          <p:cNvPr id="37" name="Parêntese direito 36">
+            <a:extLst>
+              <a:ext uri="{FF2B5EF4-FFF2-40B4-BE49-F238E27FC236}">
+                <a16:creationId xmlns:a16="http://schemas.microsoft.com/office/drawing/2014/main" id="{9F36CC8E-DC30-478E-B5A6-5807BB41472E}"/>
+              </a:ext>
+            </a:extLst>
+          </p:cNvPr>
+          <p:cNvSpPr/>
+          <p:nvPr/>
+        </p:nvSpPr>
+        <p:spPr>
+          <a:xfrm rot="5400000">
+            <a:off x="2121658" y="3170865"/>
+            <a:ext cx="176284" cy="1219200"/>
+          </a:xfrm>
+          <a:prstGeom prst="rightBracket">
+            <a:avLst/>
+          </a:prstGeom>
+          <a:ln w="19050"/>
+        </p:spPr>
+        <p:style>
+          <a:lnRef idx="1">
+            <a:schemeClr val="accent1"/>
+          </a:lnRef>
+          <a:fillRef idx="0">
+            <a:schemeClr val="accent1"/>
+          </a:fillRef>
+          <a:effectRef idx="0">
+            <a:schemeClr val="accent1"/>
+          </a:effectRef>
+          <a:fontRef idx="minor">
+            <a:schemeClr val="tx1"/>
+          </a:fontRef>
+        </p:style>
+        <p:txBody>
+          <a:bodyPr rtlCol="0" anchor="ctr"/>
+          <a:lstStyle/>
+          <a:p>
+            <a:pPr algn="ctr"/>
+            <a:endParaRPr lang="pt-PT"/>
+          </a:p>
+        </p:txBody>
+      </p:sp>
+      <p:sp>
+        <p:nvSpPr>
+          <p:cNvPr id="18" name="object 2">
+            <a:extLst>
+              <a:ext uri="{FF2B5EF4-FFF2-40B4-BE49-F238E27FC236}">
+                <a16:creationId xmlns:a16="http://schemas.microsoft.com/office/drawing/2014/main" id="{6854C568-CD2A-48AC-A19F-750C715E00A7}"/>
+              </a:ext>
+            </a:extLst>
+          </p:cNvPr>
+          <p:cNvSpPr txBox="1">
+            <a:spLocks noGrp="1"/>
+          </p:cNvSpPr>
+          <p:nvPr>
+            <p:ph type="title"/>
+          </p:nvPr>
+        </p:nvSpPr>
+        <p:spPr>
+          <a:xfrm>
+            <a:off x="3433762" y="235637"/>
+            <a:ext cx="2390775" cy="461023"/>
+          </a:xfrm>
+          <a:prstGeom prst="rect">
+            <a:avLst/>
+          </a:prstGeom>
+        </p:spPr>
+        <p:txBody>
+          <a:bodyPr vert="horz" wrap="square" lIns="0" tIns="14604" rIns="0" bIns="0" rtlCol="0">
+            <a:spAutoFit/>
+          </a:bodyPr>
+          <a:lstStyle/>
+          <a:p>
+            <a:pPr marL="12700" algn="l">
+              <a:lnSpc>
+                <a:spcPct val="100000"/>
+              </a:lnSpc>
+              <a:spcBef>
+                <a:spcPts val="114"/>
+              </a:spcBef>
+            </a:pPr>
+            <a:r>
+              <a:rPr lang="pt-PT" spc="-185" dirty="0">
+                <a:solidFill>
+                  <a:schemeClr val="bg1"/>
+                </a:solidFill>
+              </a:rPr>
+              <a:t>Frase exemplo</a:t>
+            </a:r>
+            <a:endParaRPr spc="-185" dirty="0">
+              <a:solidFill>
+                <a:schemeClr val="bg1"/>
+              </a:solidFill>
+            </a:endParaRPr>
+          </a:p>
+        </p:txBody>
+      </p:sp>
+      <p:sp>
+        <p:nvSpPr>
+          <p:cNvPr id="25" name="Retângulo 24">
+            <a:extLst>
+              <a:ext uri="{FF2B5EF4-FFF2-40B4-BE49-F238E27FC236}">
+                <a16:creationId xmlns:a16="http://schemas.microsoft.com/office/drawing/2014/main" id="{5AF59217-8A0D-4426-A6B9-35BF05ECF319}"/>
+              </a:ext>
+            </a:extLst>
+          </p:cNvPr>
+          <p:cNvSpPr/>
+          <p:nvPr/>
+        </p:nvSpPr>
+        <p:spPr>
+          <a:xfrm>
+            <a:off x="1305024" y="4833084"/>
+            <a:ext cx="2211415" cy="1077218"/>
+          </a:xfrm>
+          <a:prstGeom prst="rect">
+            <a:avLst/>
+          </a:prstGeom>
+        </p:spPr>
+        <p:txBody>
+          <a:bodyPr wrap="square" numCol="1">
+            <a:spAutoFit/>
+          </a:bodyPr>
+          <a:lstStyle/>
+          <a:p>
+            <a:pPr algn="just"/>
+            <a:r>
+              <a:rPr lang="pt-PT" sz="1600" dirty="0">
+                <a:solidFill>
+                  <a:schemeClr val="accent1">
+                    <a:lumMod val="50000"/>
+                  </a:schemeClr>
+                </a:solidFill>
+                <a:latin typeface="Consolas" panose="020B0609020204030204" pitchFamily="49" charset="0"/>
+              </a:rPr>
+              <a:t>Quem → Pessoal </a:t>
+            </a:r>
+          </a:p>
+          <a:p>
+            <a:pPr algn="just"/>
+            <a:r>
+              <a:rPr lang="pt-PT" sz="1600" dirty="0">
+                <a:solidFill>
+                  <a:srgbClr val="C85C57"/>
+                </a:solidFill>
+                <a:latin typeface="Consolas" panose="020B0609020204030204" pitchFamily="49" charset="0"/>
+              </a:rPr>
+              <a:t>Quando → Temporal</a:t>
+            </a:r>
+            <a:r>
+              <a:rPr lang="pt-PT" sz="1600" dirty="0">
+                <a:solidFill>
+                  <a:srgbClr val="C00000"/>
+                </a:solidFill>
+                <a:latin typeface="Consolas" panose="020B0609020204030204" pitchFamily="49" charset="0"/>
+              </a:rPr>
+              <a:t> </a:t>
+            </a:r>
+          </a:p>
+          <a:p>
+            <a:pPr algn="just"/>
+            <a:r>
+              <a:rPr lang="pt-PT" sz="1600" dirty="0">
+                <a:solidFill>
+                  <a:schemeClr val="accent1">
+                    <a:lumMod val="50000"/>
+                  </a:schemeClr>
+                </a:solidFill>
+                <a:latin typeface="Consolas" panose="020B0609020204030204" pitchFamily="49" charset="0"/>
+              </a:rPr>
+              <a:t>Onde → Local </a:t>
+            </a:r>
+          </a:p>
+          <a:p>
+            <a:pPr algn="just"/>
+            <a:r>
+              <a:rPr lang="pt-PT" sz="1600" dirty="0">
+                <a:solidFill>
+                  <a:schemeClr val="accent1">
+                    <a:lumMod val="50000"/>
+                  </a:schemeClr>
+                </a:solidFill>
+                <a:latin typeface="Consolas" panose="020B0609020204030204" pitchFamily="49" charset="0"/>
+              </a:rPr>
+              <a:t>Quantos → Numeral </a:t>
+            </a:r>
+          </a:p>
+        </p:txBody>
+      </p:sp>
+      <p:sp>
+        <p:nvSpPr>
+          <p:cNvPr id="26" name="Retângulo 25">
+            <a:extLst>
+              <a:ext uri="{FF2B5EF4-FFF2-40B4-BE49-F238E27FC236}">
+                <a16:creationId xmlns:a16="http://schemas.microsoft.com/office/drawing/2014/main" id="{60D9124D-B34B-4D8E-849B-2CEBCF190252}"/>
+              </a:ext>
+            </a:extLst>
+          </p:cNvPr>
+          <p:cNvSpPr/>
+          <p:nvPr/>
+        </p:nvSpPr>
+        <p:spPr>
+          <a:xfrm>
+            <a:off x="1304572" y="4436078"/>
+            <a:ext cx="2084225" cy="369332"/>
+          </a:xfrm>
+          <a:prstGeom prst="rect">
+            <a:avLst/>
+          </a:prstGeom>
+        </p:spPr>
+        <p:txBody>
+          <a:bodyPr wrap="none">
+            <a:spAutoFit/>
+          </a:bodyPr>
+          <a:lstStyle/>
+          <a:p>
+            <a:r>
+              <a:rPr lang="pt-PT" dirty="0">
+                <a:solidFill>
+                  <a:schemeClr val="accent1">
+                    <a:lumMod val="50000"/>
+                  </a:schemeClr>
+                </a:solidFill>
+                <a:latin typeface="Consolas" panose="020B0609020204030204" pitchFamily="49" charset="0"/>
+              </a:rPr>
+              <a:t>Questão -&gt; Tipo</a:t>
+            </a:r>
+          </a:p>
+        </p:txBody>
+      </p:sp>
+      <p:sp>
+        <p:nvSpPr>
+          <p:cNvPr id="27" name="Retângulo 26">
+            <a:extLst>
+              <a:ext uri="{FF2B5EF4-FFF2-40B4-BE49-F238E27FC236}">
+                <a16:creationId xmlns:a16="http://schemas.microsoft.com/office/drawing/2014/main" id="{86F986F0-7E16-4739-B304-64908C1FFA54}"/>
+              </a:ext>
+            </a:extLst>
+          </p:cNvPr>
+          <p:cNvSpPr/>
+          <p:nvPr/>
+        </p:nvSpPr>
+        <p:spPr>
+          <a:xfrm>
+            <a:off x="1222347" y="4404435"/>
+            <a:ext cx="2211415" cy="438119"/>
+          </a:xfrm>
+          <a:prstGeom prst="rect">
+            <a:avLst/>
+          </a:prstGeom>
+          <a:noFill/>
+          <a:ln w="19050">
+            <a:solidFill>
+              <a:srgbClr val="4A7EBB"/>
+            </a:solidFill>
+          </a:ln>
+        </p:spPr>
+        <p:style>
+          <a:lnRef idx="2">
+            <a:schemeClr val="accent1">
+              <a:shade val="50000"/>
+            </a:schemeClr>
+          </a:lnRef>
+          <a:fillRef idx="1">
+            <a:schemeClr val="accent1"/>
+          </a:fillRef>
+          <a:effectRef idx="0">
+            <a:schemeClr val="accent1"/>
+          </a:effectRef>
+          <a:fontRef idx="minor">
+            <a:schemeClr val="lt1"/>
+          </a:fontRef>
+        </p:style>
+        <p:txBody>
+          <a:bodyPr rtlCol="0" anchor="ctr"/>
+          <a:lstStyle/>
+          <a:p>
+            <a:pPr algn="ctr"/>
+            <a:endParaRPr lang="pt-PT"/>
+          </a:p>
+        </p:txBody>
+      </p:sp>
+      <p:sp>
+        <p:nvSpPr>
+          <p:cNvPr id="28" name="Retângulo 27">
+            <a:extLst>
+              <a:ext uri="{FF2B5EF4-FFF2-40B4-BE49-F238E27FC236}">
+                <a16:creationId xmlns:a16="http://schemas.microsoft.com/office/drawing/2014/main" id="{50660804-E784-4D74-8AB5-0BA3C72C1E84}"/>
+              </a:ext>
+            </a:extLst>
+          </p:cNvPr>
+          <p:cNvSpPr/>
+          <p:nvPr/>
+        </p:nvSpPr>
+        <p:spPr>
+          <a:xfrm>
+            <a:off x="1222347" y="4841286"/>
+            <a:ext cx="2211415" cy="1077218"/>
+          </a:xfrm>
+          <a:prstGeom prst="rect">
+            <a:avLst/>
+          </a:prstGeom>
+          <a:noFill/>
+          <a:ln w="19050">
+            <a:solidFill>
+              <a:srgbClr val="4A7EBB"/>
+            </a:solidFill>
+          </a:ln>
+        </p:spPr>
+        <p:style>
+          <a:lnRef idx="2">
+            <a:schemeClr val="accent1">
+              <a:shade val="50000"/>
+            </a:schemeClr>
+          </a:lnRef>
+          <a:fillRef idx="1">
+            <a:schemeClr val="accent1"/>
+          </a:fillRef>
+          <a:effectRef idx="0">
+            <a:schemeClr val="accent1"/>
+          </a:effectRef>
+          <a:fontRef idx="minor">
+            <a:schemeClr val="lt1"/>
+          </a:fontRef>
+        </p:style>
+        <p:txBody>
+          <a:bodyPr rtlCol="0" anchor="ctr"/>
+          <a:lstStyle/>
+          <a:p>
+            <a:pPr algn="ctr"/>
+            <a:endParaRPr lang="pt-PT"/>
+          </a:p>
+        </p:txBody>
+      </p:sp>
+    </p:spTree>
+    <p:extLst>
+      <p:ext uri="{BB962C8B-B14F-4D97-AF65-F5344CB8AC3E}">
+        <p14:creationId xmlns:p14="http://schemas.microsoft.com/office/powerpoint/2010/main" val="429375825"/>
+      </p:ext>
+    </p:extLst>
+  </p:cSld>
+  <p:clrMapOvr>
+    <a:masterClrMapping/>
+  </p:clrMapOvr>
+  <mc:AlternateContent xmlns:mc="http://schemas.openxmlformats.org/markup-compatibility/2006" xmlns:p14="http://schemas.microsoft.com/office/powerpoint/2010/main">
+    <mc:Choice Requires="p14">
+      <p:transition spd="med" p14:dur="700">
+        <p:fade/>
+      </p:transition>
+    </mc:Choice>
+    <mc:Fallback xmlns="">
+      <p:transition spd="med">
+        <p:fade/>
+      </p:transition>
+    </mc:Fallback>
+  </mc:AlternateContent>
 </p:sld>
 </file>
 

--- a/LEI/apresentações/checkpoint2/apresLEI_grupo47.pptx
+++ b/LEI/apresentações/checkpoint2/apresLEI_grupo47.pptx
@@ -11094,7 +11094,7 @@
 </file>
 
 <file path=ppt/slides/slide15.xml><?xml version="1.0" encoding="utf-8"?>
-<p:sld xmlns:a="http://schemas.openxmlformats.org/drawingml/2006/main" xmlns:r="http://schemas.openxmlformats.org/officeDocument/2006/relationships" xmlns:p="http://schemas.openxmlformats.org/presentationml/2006/main">
+<p:sld xmlns:a="http://schemas.openxmlformats.org/drawingml/2006/main" xmlns:r="http://schemas.openxmlformats.org/officeDocument/2006/relationships" xmlns:p="http://schemas.openxmlformats.org/presentationml/2006/main" show="0">
   <p:cSld>
     <p:spTree>
       <p:nvGrpSpPr>
@@ -11308,6 +11308,102 @@
           <a:p>
             <a:pPr marL="182563"/>
             <a:r>
+              <a:rPr lang="pt-PT" sz="1400" dirty="0" err="1">
+                <a:solidFill>
+                  <a:srgbClr val="488ED4"/>
+                </a:solidFill>
+                <a:latin typeface="Consolas" panose="020B0609020204030204" pitchFamily="49" charset="0"/>
+                <a:cs typeface="Segoe UI" panose="020B0502040204020203" pitchFamily="34" charset="0"/>
+              </a:rPr>
+              <a:t>User</a:t>
+            </a:r>
+            <a:r>
+              <a:rPr lang="pt-PT" sz="1400" dirty="0">
+                <a:solidFill>
+                  <a:schemeClr val="tx1"/>
+                </a:solidFill>
+                <a:latin typeface="Consolas" panose="020B0609020204030204" pitchFamily="49" charset="0"/>
+                <a:cs typeface="Segoe UI" panose="020B0502040204020203" pitchFamily="34" charset="0"/>
+              </a:rPr>
+              <a:t>: </a:t>
+            </a:r>
+            <a:r>
+              <a:rPr lang="pt-PT" sz="1600" dirty="0">
+                <a:solidFill>
+                  <a:schemeClr val="tx1"/>
+                </a:solidFill>
+                <a:latin typeface="Consolas" panose="020B0609020204030204" pitchFamily="49" charset="0"/>
+                <a:cs typeface="Segoe UI" panose="020B0502040204020203" pitchFamily="34" charset="0"/>
+              </a:rPr>
+              <a:t>Rally das tascas onde</a:t>
+            </a:r>
+          </a:p>
+          <a:p>
+            <a:pPr marL="182563"/>
+            <a:r>
+              <a:rPr lang="pt-PT" sz="1400" dirty="0" err="1">
+                <a:solidFill>
+                  <a:srgbClr val="00B050"/>
+                </a:solidFill>
+                <a:latin typeface="Consolas" panose="020B0609020204030204" pitchFamily="49" charset="0"/>
+                <a:cs typeface="Segoe UI" panose="020B0502040204020203" pitchFamily="34" charset="0"/>
+              </a:rPr>
+              <a:t>Bot</a:t>
+            </a:r>
+            <a:r>
+              <a:rPr lang="pt-PT" sz="1400" dirty="0">
+                <a:solidFill>
+                  <a:schemeClr val="tx1"/>
+                </a:solidFill>
+                <a:latin typeface="Consolas" panose="020B0609020204030204" pitchFamily="49" charset="0"/>
+                <a:cs typeface="Segoe UI" panose="020B0502040204020203" pitchFamily="34" charset="0"/>
+              </a:rPr>
+              <a:t>: </a:t>
+            </a:r>
+            <a:r>
+              <a:rPr lang="pt-PT" sz="1600" dirty="0">
+                <a:solidFill>
+                  <a:schemeClr val="tx1"/>
+                </a:solidFill>
+                <a:latin typeface="Consolas" panose="020B0609020204030204" pitchFamily="49" charset="0"/>
+                <a:cs typeface="Segoe UI" panose="020B0502040204020203" pitchFamily="34" charset="0"/>
+              </a:rPr>
+              <a:t>Largo do Carpe.</a:t>
+            </a:r>
+          </a:p>
+          <a:p>
+            <a:pPr marL="182563"/>
+            <a:endParaRPr lang="pt-PT" sz="1600" dirty="0">
+              <a:solidFill>
+                <a:srgbClr val="488ED4"/>
+              </a:solidFill>
+              <a:latin typeface="Consolas" panose="020B0609020204030204" pitchFamily="49" charset="0"/>
+              <a:cs typeface="Segoe UI" panose="020B0502040204020203" pitchFamily="34" charset="0"/>
+            </a:endParaRPr>
+          </a:p>
+          <a:p>
+            <a:pPr marL="182563"/>
+            <a:r>
+              <a:rPr lang="pt-PT" sz="1600" dirty="0" err="1">
+                <a:solidFill>
+                  <a:srgbClr val="488ED4"/>
+                </a:solidFill>
+                <a:latin typeface="Consolas" panose="020B0609020204030204" pitchFamily="49" charset="0"/>
+                <a:cs typeface="Segoe UI" panose="020B0502040204020203" pitchFamily="34" charset="0"/>
+              </a:rPr>
+              <a:t>User</a:t>
+            </a:r>
+            <a:r>
+              <a:rPr lang="pt-PT" sz="1600" dirty="0">
+                <a:solidFill>
+                  <a:schemeClr val="tx1"/>
+                </a:solidFill>
+                <a:latin typeface="Consolas" panose="020B0609020204030204" pitchFamily="49" charset="0"/>
+                <a:cs typeface="Segoe UI" panose="020B0502040204020203" pitchFamily="34" charset="0"/>
+              </a:rPr>
+              <a:t>: </a:t>
+            </a:r>
+            <a:r>
               <a:rPr lang="pt-PT" sz="1700" dirty="0">
                 <a:solidFill>
                   <a:schemeClr val="tx1"/>
@@ -11321,6 +11417,26 @@
           <a:p>
             <a:pPr marL="182563"/>
             <a:r>
+              <a:rPr lang="pt-PT" sz="1600" dirty="0" err="1">
+                <a:solidFill>
+                  <a:srgbClr val="00B050"/>
+                </a:solidFill>
+                <a:latin typeface="Consolas" panose="020B0609020204030204" pitchFamily="49" charset="0"/>
+                <a:cs typeface="Segoe UI" panose="020B0502040204020203" pitchFamily="34" charset="0"/>
+              </a:rPr>
+              <a:t>Bot</a:t>
+            </a:r>
+            <a:r>
+              <a:rPr lang="pt-PT" sz="1600" dirty="0">
+                <a:solidFill>
+                  <a:schemeClr val="tx1"/>
+                </a:solidFill>
+                <a:latin typeface="Consolas" panose="020B0609020204030204" pitchFamily="49" charset="0"/>
+                <a:cs typeface="Segoe UI" panose="020B0502040204020203" pitchFamily="34" charset="0"/>
+              </a:rPr>
+              <a:t>: </a:t>
+            </a:r>
+            <a:r>
               <a:rPr lang="pt-PT" sz="1700" dirty="0">
                 <a:solidFill>
                   <a:schemeClr val="tx1"/>
@@ -11333,6 +11449,36 @@
           </a:p>
           <a:p>
             <a:pPr marL="182563"/>
+            <a:endParaRPr lang="pt-PT" sz="1700" dirty="0">
+              <a:solidFill>
+                <a:schemeClr val="tx1"/>
+              </a:solidFill>
+              <a:latin typeface="Consolas" panose="020B0609020204030204" pitchFamily="49" charset="0"/>
+              <a:cs typeface="Segoe UI" panose="020B0502040204020203" pitchFamily="34" charset="0"/>
+            </a:endParaRPr>
+          </a:p>
+          <a:p>
+            <a:pPr marL="182563"/>
+            <a:r>
+              <a:rPr lang="pt-PT" sz="1600" dirty="0" err="1">
+                <a:solidFill>
+                  <a:srgbClr val="488ED4"/>
+                </a:solidFill>
+                <a:latin typeface="Consolas" panose="020B0609020204030204" pitchFamily="49" charset="0"/>
+                <a:cs typeface="Segoe UI" panose="020B0502040204020203" pitchFamily="34" charset="0"/>
+              </a:rPr>
+              <a:t>User</a:t>
+            </a:r>
+            <a:r>
+              <a:rPr lang="pt-PT" sz="1600" dirty="0">
+                <a:solidFill>
+                  <a:schemeClr val="tx1"/>
+                </a:solidFill>
+                <a:latin typeface="Consolas" panose="020B0609020204030204" pitchFamily="49" charset="0"/>
+                <a:cs typeface="Segoe UI" panose="020B0502040204020203" pitchFamily="34" charset="0"/>
+              </a:rPr>
+              <a:t>: </a:t>
+            </a:r>
             <a:r>
               <a:rPr lang="pt-PT" sz="1700" dirty="0">
                 <a:solidFill>
@@ -11341,12 +11487,32 @@
                 <a:latin typeface="Consolas" panose="020B0609020204030204" pitchFamily="49" charset="0"/>
                 <a:cs typeface="Segoe UI" panose="020B0502040204020203" pitchFamily="34" charset="0"/>
               </a:rPr>
-              <a:t>Rally das tascas onde</a:t>
+              <a:t>Na SEI há fruta?</a:t>
             </a:r>
           </a:p>
           <a:p>
             <a:pPr marL="182563"/>
             <a:r>
+              <a:rPr lang="pt-PT" sz="1600" dirty="0" err="1">
+                <a:solidFill>
+                  <a:srgbClr val="00B050"/>
+                </a:solidFill>
+                <a:latin typeface="Consolas" panose="020B0609020204030204" pitchFamily="49" charset="0"/>
+                <a:cs typeface="Segoe UI" panose="020B0502040204020203" pitchFamily="34" charset="0"/>
+              </a:rPr>
+              <a:t>Bot</a:t>
+            </a:r>
+            <a:r>
+              <a:rPr lang="pt-PT" sz="1600" dirty="0">
+                <a:solidFill>
+                  <a:schemeClr val="tx1"/>
+                </a:solidFill>
+                <a:latin typeface="Consolas" panose="020B0609020204030204" pitchFamily="49" charset="0"/>
+                <a:cs typeface="Segoe UI" panose="020B0502040204020203" pitchFamily="34" charset="0"/>
+              </a:rPr>
+              <a:t>: </a:t>
+            </a:r>
+            <a:r>
               <a:rPr lang="pt-PT" sz="1700" dirty="0">
                 <a:solidFill>
                   <a:schemeClr val="tx1"/>
@@ -11354,8 +11520,28 @@
                 <a:latin typeface="Consolas" panose="020B0609020204030204" pitchFamily="49" charset="0"/>
                 <a:cs typeface="Segoe UI" panose="020B0502040204020203" pitchFamily="34" charset="0"/>
               </a:rPr>
-              <a:t>Largo do Carpe.</a:t>
-            </a:r>
+              <a:t>A fruta proibida é a mais apetecida.</a:t>
+            </a:r>
+          </a:p>
+          <a:p>
+            <a:pPr marL="182563"/>
+            <a:endParaRPr lang="pt-PT" sz="1700" dirty="0">
+              <a:solidFill>
+                <a:schemeClr val="tx1"/>
+              </a:solidFill>
+              <a:latin typeface="Consolas" panose="020B0609020204030204" pitchFamily="49" charset="0"/>
+              <a:cs typeface="Segoe UI" panose="020B0502040204020203" pitchFamily="34" charset="0"/>
+            </a:endParaRPr>
+          </a:p>
+          <a:p>
+            <a:pPr marL="182563"/>
+            <a:endParaRPr lang="pt-PT" sz="1700" dirty="0">
+              <a:solidFill>
+                <a:schemeClr val="tx1"/>
+              </a:solidFill>
+              <a:latin typeface="Consolas" panose="020B0609020204030204" pitchFamily="49" charset="0"/>
+              <a:cs typeface="Segoe UI" panose="020B0502040204020203" pitchFamily="34" charset="0"/>
+            </a:endParaRPr>
           </a:p>
           <a:p>
             <a:pPr marL="182563"/>
@@ -11778,7 +11964,7 @@
                 <a:latin typeface="Arial" panose="020B0604020202020204" pitchFamily="34" charset="0"/>
                 <a:cs typeface="Arial" panose="020B0604020202020204" pitchFamily="34" charset="0"/>
               </a:rPr>
-              <a:t>Melhorar conteúdo das respostas e a sua…</a:t>
+              <a:t>Melhorar conteúdo das respostas </a:t>
             </a:r>
           </a:p>
           <a:p>
@@ -12906,281 +13092,401 @@
                 <a:latin typeface="Consolas" panose="020B0609020204030204" pitchFamily="49" charset="0"/>
                 <a:cs typeface="Segoe UI" panose="020B0502040204020203" pitchFamily="34" charset="0"/>
               </a:rPr>
-              <a:t>: Preciso de </a:t>
+              <a:t>: </a:t>
+            </a:r>
+            <a:r>
+              <a:rPr lang="pt-PT" dirty="0">
+                <a:solidFill>
+                  <a:srgbClr val="C00000"/>
+                </a:solidFill>
+                <a:latin typeface="Consolas" panose="020B0609020204030204" pitchFamily="49" charset="0"/>
+                <a:cs typeface="Segoe UI" panose="020B0502040204020203" pitchFamily="34" charset="0"/>
+              </a:rPr>
+              <a:t>Preciso de informações sobre </a:t>
+            </a:r>
+            <a:r>
+              <a:rPr lang="pt-PT" dirty="0">
+                <a:solidFill>
+                  <a:schemeClr val="tx1"/>
+                </a:solidFill>
+                <a:latin typeface="Consolas" panose="020B0609020204030204" pitchFamily="49" charset="0"/>
+                <a:cs typeface="Segoe UI" panose="020B0502040204020203" pitchFamily="34" charset="0"/>
+              </a:rPr>
+              <a:t>a SEI, achas que me podes ajudar?</a:t>
+            </a:r>
+          </a:p>
+          <a:p>
+            <a:pPr marL="182563"/>
+            <a:r>
+              <a:rPr lang="pt-PT" dirty="0" err="1">
+                <a:solidFill>
+                  <a:srgbClr val="00B050"/>
+                </a:solidFill>
+                <a:latin typeface="Consolas" panose="020B0609020204030204" pitchFamily="49" charset="0"/>
+                <a:cs typeface="Segoe UI" panose="020B0502040204020203" pitchFamily="34" charset="0"/>
+              </a:rPr>
+              <a:t>Bot</a:t>
+            </a:r>
+            <a:r>
+              <a:rPr lang="pt-PT" dirty="0">
+                <a:solidFill>
+                  <a:schemeClr val="tx1"/>
+                </a:solidFill>
+                <a:latin typeface="Consolas" panose="020B0609020204030204" pitchFamily="49" charset="0"/>
+                <a:cs typeface="Segoe UI" panose="020B0502040204020203" pitchFamily="34" charset="0"/>
+              </a:rPr>
+              <a:t>: Estou aqui para isso! De que precisas?</a:t>
+            </a:r>
+          </a:p>
+          <a:p>
+            <a:pPr marL="182563"/>
+            <a:r>
+              <a:rPr lang="pt-PT" dirty="0">
+                <a:solidFill>
+                  <a:srgbClr val="488ED4"/>
+                </a:solidFill>
+                <a:latin typeface="Consolas" panose="020B0609020204030204" pitchFamily="49" charset="0"/>
+                <a:cs typeface="Segoe UI" panose="020B0502040204020203" pitchFamily="34" charset="0"/>
+              </a:rPr>
+              <a:t>User</a:t>
+            </a:r>
+            <a:r>
+              <a:rPr lang="pt-PT" dirty="0">
+                <a:solidFill>
+                  <a:schemeClr val="tx1"/>
+                </a:solidFill>
+                <a:latin typeface="Consolas" panose="020B0609020204030204" pitchFamily="49" charset="0"/>
+                <a:cs typeface="Segoe UI" panose="020B0502040204020203" pitchFamily="34" charset="0"/>
+              </a:rPr>
+              <a:t>: </a:t>
+            </a:r>
+            <a:r>
+              <a:rPr lang="pt-PT" dirty="0">
+                <a:solidFill>
+                  <a:srgbClr val="C00000"/>
+                </a:solidFill>
+                <a:latin typeface="Consolas" panose="020B0609020204030204" pitchFamily="49" charset="0"/>
+                <a:cs typeface="Segoe UI" panose="020B0502040204020203" pitchFamily="34" charset="0"/>
+              </a:rPr>
+              <a:t>Quando </a:t>
+            </a:r>
+            <a:r>
+              <a:rPr lang="pt-PT" dirty="0">
+                <a:solidFill>
+                  <a:schemeClr val="tx1"/>
+                </a:solidFill>
+                <a:latin typeface="Consolas" panose="020B0609020204030204" pitchFamily="49" charset="0"/>
+                <a:cs typeface="Segoe UI" panose="020B0502040204020203" pitchFamily="34" charset="0"/>
+              </a:rPr>
+              <a:t>é que </a:t>
+            </a:r>
+            <a:r>
+              <a:rPr lang="pt-PT" dirty="0">
+                <a:solidFill>
+                  <a:srgbClr val="C00000"/>
+                </a:solidFill>
+                <a:latin typeface="Consolas" panose="020B0609020204030204" pitchFamily="49" charset="0"/>
+                <a:cs typeface="Segoe UI" panose="020B0502040204020203" pitchFamily="34" charset="0"/>
+              </a:rPr>
+              <a:t>começa a SEI</a:t>
+            </a:r>
+            <a:r>
+              <a:rPr lang="pt-PT" dirty="0">
+                <a:solidFill>
+                  <a:schemeClr val="tx1"/>
+                </a:solidFill>
+                <a:latin typeface="Consolas" panose="020B0609020204030204" pitchFamily="49" charset="0"/>
+                <a:cs typeface="Segoe UI" panose="020B0502040204020203" pitchFamily="34" charset="0"/>
+              </a:rPr>
+              <a:t>?</a:t>
+            </a:r>
+          </a:p>
+          <a:p>
+            <a:pPr marL="182563"/>
+            <a:r>
+              <a:rPr lang="pt-PT" dirty="0" err="1">
+                <a:solidFill>
+                  <a:srgbClr val="00B050"/>
+                </a:solidFill>
+                <a:latin typeface="Consolas" panose="020B0609020204030204" pitchFamily="49" charset="0"/>
+                <a:cs typeface="Segoe UI" panose="020B0502040204020203" pitchFamily="34" charset="0"/>
+              </a:rPr>
+              <a:t>Bot</a:t>
+            </a:r>
+            <a:r>
+              <a:rPr lang="pt-PT" dirty="0">
+                <a:solidFill>
+                  <a:schemeClr val="tx1"/>
+                </a:solidFill>
+                <a:latin typeface="Consolas" panose="020B0609020204030204" pitchFamily="49" charset="0"/>
+                <a:cs typeface="Segoe UI" panose="020B0502040204020203" pitchFamily="34" charset="0"/>
+              </a:rPr>
+              <a:t>: A SEI realiza-se no início do segundo semestre.</a:t>
+            </a:r>
+          </a:p>
+          <a:p>
+            <a:pPr marL="182563"/>
+            <a:r>
+              <a:rPr lang="pt-PT" dirty="0">
+                <a:solidFill>
+                  <a:srgbClr val="488ED4"/>
+                </a:solidFill>
+                <a:latin typeface="Consolas" panose="020B0609020204030204" pitchFamily="49" charset="0"/>
+                <a:cs typeface="Segoe UI" panose="020B0502040204020203" pitchFamily="34" charset="0"/>
+              </a:rPr>
+              <a:t>User</a:t>
+            </a:r>
+            <a:r>
+              <a:rPr lang="pt-PT" dirty="0">
+                <a:solidFill>
+                  <a:schemeClr val="tx1"/>
+                </a:solidFill>
+                <a:latin typeface="Consolas" panose="020B0609020204030204" pitchFamily="49" charset="0"/>
+                <a:cs typeface="Segoe UI" panose="020B0502040204020203" pitchFamily="34" charset="0"/>
+              </a:rPr>
+              <a:t>: E </a:t>
+            </a:r>
+            <a:r>
+              <a:rPr lang="pt-PT" dirty="0">
+                <a:solidFill>
+                  <a:srgbClr val="C00000"/>
+                </a:solidFill>
+                <a:latin typeface="Consolas" panose="020B0609020204030204" pitchFamily="49" charset="0"/>
+                <a:cs typeface="Segoe UI" panose="020B0502040204020203" pitchFamily="34" charset="0"/>
+              </a:rPr>
+              <a:t>onde</a:t>
+            </a:r>
+            <a:r>
+              <a:rPr lang="pt-PT" dirty="0">
+                <a:solidFill>
+                  <a:schemeClr val="tx1"/>
+                </a:solidFill>
+                <a:latin typeface="Consolas" panose="020B0609020204030204" pitchFamily="49" charset="0"/>
+                <a:cs typeface="Segoe UI" panose="020B0502040204020203" pitchFamily="34" charset="0"/>
+              </a:rPr>
+              <a:t> é a SEI?</a:t>
+            </a:r>
+          </a:p>
+          <a:p>
+            <a:pPr marL="182563"/>
+            <a:r>
+              <a:rPr lang="pt-PT" dirty="0" err="1">
+                <a:solidFill>
+                  <a:srgbClr val="00B050"/>
+                </a:solidFill>
+                <a:latin typeface="Consolas" panose="020B0609020204030204" pitchFamily="49" charset="0"/>
+                <a:cs typeface="Segoe UI" panose="020B0502040204020203" pitchFamily="34" charset="0"/>
+              </a:rPr>
+              <a:t>Bot</a:t>
+            </a:r>
+            <a:r>
+              <a:rPr lang="pt-PT" dirty="0">
+                <a:solidFill>
+                  <a:schemeClr val="tx1"/>
+                </a:solidFill>
+                <a:latin typeface="Consolas" panose="020B0609020204030204" pitchFamily="49" charset="0"/>
+                <a:cs typeface="Segoe UI" panose="020B0502040204020203" pitchFamily="34" charset="0"/>
+              </a:rPr>
+              <a:t>: A SEI realiza-se no campus de Gualtar da Universidade do Minho.</a:t>
+            </a:r>
+          </a:p>
+          <a:p>
+            <a:pPr marL="182563"/>
+            <a:r>
+              <a:rPr lang="pt-PT" dirty="0">
+                <a:solidFill>
+                  <a:srgbClr val="488ED4"/>
+                </a:solidFill>
+                <a:latin typeface="Consolas" panose="020B0609020204030204" pitchFamily="49" charset="0"/>
+                <a:cs typeface="Segoe UI" panose="020B0502040204020203" pitchFamily="34" charset="0"/>
+              </a:rPr>
+              <a:t>User</a:t>
+            </a:r>
+            <a:r>
+              <a:rPr lang="pt-PT" dirty="0">
+                <a:solidFill>
+                  <a:schemeClr val="tx1"/>
+                </a:solidFill>
+                <a:latin typeface="Consolas" panose="020B0609020204030204" pitchFamily="49" charset="0"/>
+                <a:cs typeface="Segoe UI" panose="020B0502040204020203" pitchFamily="34" charset="0"/>
+              </a:rPr>
+              <a:t>: Tenho que </a:t>
+            </a:r>
+            <a:r>
+              <a:rPr lang="pt-PT" dirty="0">
+                <a:solidFill>
+                  <a:srgbClr val="C00000"/>
+                </a:solidFill>
+                <a:latin typeface="Consolas" panose="020B0609020204030204" pitchFamily="49" charset="0"/>
+                <a:cs typeface="Segoe UI" panose="020B0502040204020203" pitchFamily="34" charset="0"/>
+              </a:rPr>
+              <a:t>pagar</a:t>
+            </a:r>
+            <a:r>
+              <a:rPr lang="pt-PT" dirty="0">
+                <a:solidFill>
+                  <a:schemeClr val="tx1"/>
+                </a:solidFill>
+                <a:latin typeface="Consolas" panose="020B0609020204030204" pitchFamily="49" charset="0"/>
+                <a:cs typeface="Segoe UI" panose="020B0502040204020203" pitchFamily="34" charset="0"/>
+              </a:rPr>
+              <a:t> para me </a:t>
+            </a:r>
+            <a:r>
+              <a:rPr lang="pt-PT" dirty="0">
+                <a:solidFill>
+                  <a:srgbClr val="C00000"/>
+                </a:solidFill>
+                <a:latin typeface="Consolas" panose="020B0609020204030204" pitchFamily="49" charset="0"/>
+                <a:cs typeface="Segoe UI" panose="020B0502040204020203" pitchFamily="34" charset="0"/>
+              </a:rPr>
+              <a:t>inscrever</a:t>
+            </a:r>
+            <a:r>
+              <a:rPr lang="pt-PT" dirty="0">
+                <a:solidFill>
+                  <a:schemeClr val="tx1"/>
+                </a:solidFill>
+                <a:latin typeface="Consolas" panose="020B0609020204030204" pitchFamily="49" charset="0"/>
+                <a:cs typeface="Segoe UI" panose="020B0502040204020203" pitchFamily="34" charset="0"/>
+              </a:rPr>
+              <a:t>?</a:t>
+            </a:r>
+          </a:p>
+          <a:p>
+            <a:pPr marL="182563"/>
+            <a:r>
+              <a:rPr lang="pt-PT" dirty="0" err="1">
+                <a:solidFill>
+                  <a:srgbClr val="00B050"/>
+                </a:solidFill>
+                <a:latin typeface="Consolas" panose="020B0609020204030204" pitchFamily="49" charset="0"/>
+                <a:cs typeface="Segoe UI" panose="020B0502040204020203" pitchFamily="34" charset="0"/>
+              </a:rPr>
+              <a:t>Bot</a:t>
+            </a:r>
+            <a:r>
+              <a:rPr lang="pt-PT" dirty="0">
+                <a:solidFill>
+                  <a:schemeClr val="tx1"/>
+                </a:solidFill>
+                <a:latin typeface="Consolas" panose="020B0609020204030204" pitchFamily="49" charset="0"/>
+                <a:cs typeface="Segoe UI" panose="020B0502040204020203" pitchFamily="34" charset="0"/>
+              </a:rPr>
+              <a:t>: A SEI é gratuita, n tens que </a:t>
+            </a:r>
+            <a:r>
+              <a:rPr lang="pt-PT" dirty="0">
+                <a:solidFill>
+                  <a:srgbClr val="C00000"/>
+                </a:solidFill>
+                <a:latin typeface="Consolas" panose="020B0609020204030204" pitchFamily="49" charset="0"/>
+                <a:cs typeface="Segoe UI" panose="020B0502040204020203" pitchFamily="34" charset="0"/>
+              </a:rPr>
+              <a:t>pagar</a:t>
+            </a:r>
+            <a:r>
+              <a:rPr lang="pt-PT" dirty="0">
+                <a:solidFill>
+                  <a:schemeClr val="tx1"/>
+                </a:solidFill>
+                <a:latin typeface="Consolas" panose="020B0609020204030204" pitchFamily="49" charset="0"/>
+                <a:cs typeface="Segoe UI" panose="020B0502040204020203" pitchFamily="34" charset="0"/>
+              </a:rPr>
+              <a:t>.</a:t>
+            </a:r>
+          </a:p>
+          <a:p>
+            <a:pPr marL="182563"/>
+            <a:r>
+              <a:rPr lang="pt-PT" dirty="0">
+                <a:solidFill>
+                  <a:srgbClr val="488ED4"/>
+                </a:solidFill>
+                <a:latin typeface="Consolas" panose="020B0609020204030204" pitchFamily="49" charset="0"/>
+                <a:cs typeface="Segoe UI" panose="020B0502040204020203" pitchFamily="34" charset="0"/>
+              </a:rPr>
+              <a:t>User</a:t>
+            </a:r>
+            <a:r>
+              <a:rPr lang="pt-PT" dirty="0">
+                <a:solidFill>
+                  <a:schemeClr val="tx1"/>
+                </a:solidFill>
+                <a:latin typeface="Consolas" panose="020B0609020204030204" pitchFamily="49" charset="0"/>
+                <a:cs typeface="Segoe UI" panose="020B0502040204020203" pitchFamily="34" charset="0"/>
+              </a:rPr>
+              <a:t>: </a:t>
+            </a:r>
+            <a:r>
+              <a:rPr lang="pt-PT" dirty="0">
+                <a:solidFill>
+                  <a:srgbClr val="C00000"/>
+                </a:solidFill>
+                <a:latin typeface="Consolas" panose="020B0609020204030204" pitchFamily="49" charset="0"/>
+                <a:cs typeface="Segoe UI" panose="020B0502040204020203" pitchFamily="34" charset="0"/>
+              </a:rPr>
+              <a:t>Quando</a:t>
+            </a:r>
+            <a:r>
+              <a:rPr lang="pt-PT" dirty="0">
+                <a:solidFill>
+                  <a:schemeClr val="tx1"/>
+                </a:solidFill>
+                <a:latin typeface="Consolas" panose="020B0609020204030204" pitchFamily="49" charset="0"/>
+                <a:cs typeface="Segoe UI" panose="020B0502040204020203" pitchFamily="34" charset="0"/>
+              </a:rPr>
+              <a:t> é a </a:t>
+            </a:r>
+            <a:r>
+              <a:rPr lang="pt-PT" dirty="0">
+                <a:solidFill>
+                  <a:srgbClr val="C00000"/>
+                </a:solidFill>
+                <a:latin typeface="Consolas" panose="020B0609020204030204" pitchFamily="49" charset="0"/>
+                <a:cs typeface="Segoe UI" panose="020B0502040204020203" pitchFamily="34" charset="0"/>
+              </a:rPr>
+              <a:t>sessão</a:t>
             </a:r>
             <a:r>
               <a:rPr lang="pt-PT" b="1" dirty="0">
                 <a:solidFill>
-                  <a:schemeClr val="tx1"/>
+                  <a:srgbClr val="C00000"/>
                 </a:solidFill>
                 <a:latin typeface="Consolas" panose="020B0609020204030204" pitchFamily="49" charset="0"/>
                 <a:cs typeface="Segoe UI" panose="020B0502040204020203" pitchFamily="34" charset="0"/>
               </a:rPr>
-              <a:t>informações sobre a SEI</a:t>
+              <a:t> </a:t>
             </a:r>
             <a:r>
               <a:rPr lang="pt-PT" dirty="0">
                 <a:solidFill>
-                  <a:schemeClr val="tx1"/>
+                  <a:srgbClr val="C00000"/>
                 </a:solidFill>
                 <a:latin typeface="Consolas" panose="020B0609020204030204" pitchFamily="49" charset="0"/>
                 <a:cs typeface="Segoe UI" panose="020B0502040204020203" pitchFamily="34" charset="0"/>
               </a:rPr>
-              <a:t>, achas que me podes ajudar?</a:t>
-            </a:r>
-          </a:p>
-          <a:p>
-            <a:pPr marL="182563"/>
-            <a:r>
-              <a:rPr lang="pt-PT" dirty="0" err="1">
-                <a:solidFill>
-                  <a:srgbClr val="00B050"/>
+              <a:t>de</a:t>
+            </a:r>
+            <a:r>
+              <a:rPr lang="pt-PT" b="1" dirty="0">
+                <a:solidFill>
+                  <a:srgbClr val="C00000"/>
                 </a:solidFill>
                 <a:latin typeface="Consolas" panose="020B0609020204030204" pitchFamily="49" charset="0"/>
                 <a:cs typeface="Segoe UI" panose="020B0502040204020203" pitchFamily="34" charset="0"/>
               </a:rPr>
-              <a:t>Bot</a:t>
+              <a:t> </a:t>
             </a:r>
             <a:r>
               <a:rPr lang="pt-PT" dirty="0">
                 <a:solidFill>
-                  <a:schemeClr val="tx1"/>
+                  <a:srgbClr val="C00000"/>
                 </a:solidFill>
                 <a:latin typeface="Consolas" panose="020B0609020204030204" pitchFamily="49" charset="0"/>
                 <a:cs typeface="Segoe UI" panose="020B0502040204020203" pitchFamily="34" charset="0"/>
               </a:rPr>
-              <a:t>: Estou aqui para isso! De que precisas?</a:t>
-            </a:r>
-          </a:p>
-          <a:p>
-            <a:pPr marL="182563"/>
-            <a:r>
-              <a:rPr lang="pt-PT" dirty="0">
-                <a:solidFill>
-                  <a:srgbClr val="488ED4"/>
-                </a:solidFill>
-                <a:latin typeface="Consolas" panose="020B0609020204030204" pitchFamily="49" charset="0"/>
-                <a:cs typeface="Segoe UI" panose="020B0502040204020203" pitchFamily="34" charset="0"/>
-              </a:rPr>
-              <a:t>User</a:t>
-            </a:r>
-            <a:r>
-              <a:rPr lang="pt-PT" dirty="0">
-                <a:solidFill>
-                  <a:schemeClr val="tx1"/>
-                </a:solidFill>
-                <a:latin typeface="Consolas" panose="020B0609020204030204" pitchFamily="49" charset="0"/>
-                <a:cs typeface="Segoe UI" panose="020B0502040204020203" pitchFamily="34" charset="0"/>
-              </a:rPr>
-              <a:t>: Quando é que </a:t>
-            </a:r>
-            <a:r>
-              <a:rPr lang="pt-PT" b="1" dirty="0">
-                <a:solidFill>
-                  <a:schemeClr val="tx1"/>
-                </a:solidFill>
-                <a:latin typeface="Consolas" panose="020B0609020204030204" pitchFamily="49" charset="0"/>
-                <a:cs typeface="Segoe UI" panose="020B0502040204020203" pitchFamily="34" charset="0"/>
-              </a:rPr>
-              <a:t>começa</a:t>
-            </a:r>
-            <a:r>
-              <a:rPr lang="pt-PT" dirty="0">
-                <a:solidFill>
-                  <a:schemeClr val="tx1"/>
-                </a:solidFill>
-                <a:latin typeface="Consolas" panose="020B0609020204030204" pitchFamily="49" charset="0"/>
-                <a:cs typeface="Segoe UI" panose="020B0502040204020203" pitchFamily="34" charset="0"/>
-              </a:rPr>
-              <a:t> a SEI?</a:t>
-            </a:r>
-          </a:p>
-          <a:p>
-            <a:pPr marL="182563"/>
-            <a:r>
-              <a:rPr lang="pt-PT" dirty="0" err="1">
-                <a:solidFill>
-                  <a:srgbClr val="00B050"/>
-                </a:solidFill>
-                <a:latin typeface="Consolas" panose="020B0609020204030204" pitchFamily="49" charset="0"/>
-                <a:cs typeface="Segoe UI" panose="020B0502040204020203" pitchFamily="34" charset="0"/>
-              </a:rPr>
-              <a:t>Bot</a:t>
-            </a:r>
-            <a:r>
-              <a:rPr lang="pt-PT" dirty="0">
-                <a:solidFill>
-                  <a:schemeClr val="tx1"/>
-                </a:solidFill>
-                <a:latin typeface="Consolas" panose="020B0609020204030204" pitchFamily="49" charset="0"/>
-                <a:cs typeface="Segoe UI" panose="020B0502040204020203" pitchFamily="34" charset="0"/>
-              </a:rPr>
-              <a:t>: A SEI realiza-se no início do segundo semestre.</a:t>
-            </a:r>
-          </a:p>
-          <a:p>
-            <a:pPr marL="182563"/>
-            <a:r>
-              <a:rPr lang="pt-PT" dirty="0">
-                <a:solidFill>
-                  <a:srgbClr val="488ED4"/>
-                </a:solidFill>
-                <a:latin typeface="Consolas" panose="020B0609020204030204" pitchFamily="49" charset="0"/>
-                <a:cs typeface="Segoe UI" panose="020B0502040204020203" pitchFamily="34" charset="0"/>
-              </a:rPr>
-              <a:t>User</a:t>
-            </a:r>
-            <a:r>
-              <a:rPr lang="pt-PT" dirty="0">
-                <a:solidFill>
-                  <a:schemeClr val="tx1"/>
-                </a:solidFill>
-                <a:latin typeface="Consolas" panose="020B0609020204030204" pitchFamily="49" charset="0"/>
-                <a:cs typeface="Segoe UI" panose="020B0502040204020203" pitchFamily="34" charset="0"/>
-              </a:rPr>
-              <a:t>: E </a:t>
-            </a:r>
-            <a:r>
-              <a:rPr lang="pt-PT" b="1" dirty="0">
-                <a:solidFill>
-                  <a:schemeClr val="tx1"/>
-                </a:solidFill>
-                <a:latin typeface="Consolas" panose="020B0609020204030204" pitchFamily="49" charset="0"/>
-                <a:cs typeface="Segoe UI" panose="020B0502040204020203" pitchFamily="34" charset="0"/>
-              </a:rPr>
-              <a:t>onde</a:t>
-            </a:r>
-            <a:r>
-              <a:rPr lang="pt-PT" dirty="0">
-                <a:solidFill>
-                  <a:schemeClr val="tx1"/>
-                </a:solidFill>
-                <a:latin typeface="Consolas" panose="020B0609020204030204" pitchFamily="49" charset="0"/>
-                <a:cs typeface="Segoe UI" panose="020B0502040204020203" pitchFamily="34" charset="0"/>
-              </a:rPr>
-              <a:t> é a SEI?</a:t>
-            </a:r>
-          </a:p>
-          <a:p>
-            <a:pPr marL="182563"/>
-            <a:r>
-              <a:rPr lang="pt-PT" dirty="0" err="1">
-                <a:solidFill>
-                  <a:srgbClr val="00B050"/>
-                </a:solidFill>
-                <a:latin typeface="Consolas" panose="020B0609020204030204" pitchFamily="49" charset="0"/>
-                <a:cs typeface="Segoe UI" panose="020B0502040204020203" pitchFamily="34" charset="0"/>
-              </a:rPr>
-              <a:t>Bot</a:t>
-            </a:r>
-            <a:r>
-              <a:rPr lang="pt-PT" dirty="0">
-                <a:solidFill>
-                  <a:schemeClr val="tx1"/>
-                </a:solidFill>
-                <a:latin typeface="Consolas" panose="020B0609020204030204" pitchFamily="49" charset="0"/>
-                <a:cs typeface="Segoe UI" panose="020B0502040204020203" pitchFamily="34" charset="0"/>
-              </a:rPr>
-              <a:t>: A SEI realiza-se no campus de Gualtar da Universidade do Minho.</a:t>
-            </a:r>
-          </a:p>
-          <a:p>
-            <a:pPr marL="182563"/>
-            <a:r>
-              <a:rPr lang="pt-PT" dirty="0">
-                <a:solidFill>
-                  <a:srgbClr val="488ED4"/>
-                </a:solidFill>
-                <a:latin typeface="Consolas" panose="020B0609020204030204" pitchFamily="49" charset="0"/>
-                <a:cs typeface="Segoe UI" panose="020B0502040204020203" pitchFamily="34" charset="0"/>
-              </a:rPr>
-              <a:t>User</a:t>
-            </a:r>
-            <a:r>
-              <a:rPr lang="pt-PT" dirty="0">
-                <a:solidFill>
-                  <a:schemeClr val="tx1"/>
-                </a:solidFill>
-                <a:latin typeface="Consolas" panose="020B0609020204030204" pitchFamily="49" charset="0"/>
-                <a:cs typeface="Segoe UI" panose="020B0502040204020203" pitchFamily="34" charset="0"/>
-              </a:rPr>
-              <a:t>: Tenho que pagar para me </a:t>
-            </a:r>
-            <a:r>
-              <a:rPr lang="pt-PT" b="1" dirty="0">
-                <a:solidFill>
-                  <a:schemeClr val="tx1"/>
-                </a:solidFill>
-                <a:latin typeface="Consolas" panose="020B0609020204030204" pitchFamily="49" charset="0"/>
-                <a:cs typeface="Segoe UI" panose="020B0502040204020203" pitchFamily="34" charset="0"/>
-              </a:rPr>
-              <a:t>inscrever</a:t>
-            </a:r>
-            <a:r>
-              <a:rPr lang="pt-PT" dirty="0">
-                <a:solidFill>
-                  <a:schemeClr val="tx1"/>
-                </a:solidFill>
-                <a:latin typeface="Consolas" panose="020B0609020204030204" pitchFamily="49" charset="0"/>
-                <a:cs typeface="Segoe UI" panose="020B0502040204020203" pitchFamily="34" charset="0"/>
-              </a:rPr>
-              <a:t>?</a:t>
-            </a:r>
-          </a:p>
-          <a:p>
-            <a:pPr marL="182563"/>
-            <a:r>
-              <a:rPr lang="pt-PT" dirty="0" err="1">
-                <a:solidFill>
-                  <a:srgbClr val="00B050"/>
-                </a:solidFill>
-                <a:latin typeface="Consolas" panose="020B0609020204030204" pitchFamily="49" charset="0"/>
-                <a:cs typeface="Segoe UI" panose="020B0502040204020203" pitchFamily="34" charset="0"/>
-              </a:rPr>
-              <a:t>Bot</a:t>
-            </a:r>
-            <a:r>
-              <a:rPr lang="pt-PT" dirty="0">
-                <a:solidFill>
-                  <a:schemeClr val="tx1"/>
-                </a:solidFill>
-                <a:latin typeface="Consolas" panose="020B0609020204030204" pitchFamily="49" charset="0"/>
-                <a:cs typeface="Segoe UI" panose="020B0502040204020203" pitchFamily="34" charset="0"/>
-              </a:rPr>
-              <a:t>: A SEI é gratuita, n tens que pagar.</a:t>
-            </a:r>
-          </a:p>
-          <a:p>
-            <a:pPr marL="182563"/>
-            <a:r>
-              <a:rPr lang="pt-PT" dirty="0">
-                <a:solidFill>
-                  <a:srgbClr val="488ED4"/>
-                </a:solidFill>
-                <a:latin typeface="Consolas" panose="020B0609020204030204" pitchFamily="49" charset="0"/>
-                <a:cs typeface="Segoe UI" panose="020B0502040204020203" pitchFamily="34" charset="0"/>
-              </a:rPr>
-              <a:t>User</a:t>
-            </a:r>
-            <a:r>
-              <a:rPr lang="pt-PT" dirty="0">
-                <a:solidFill>
-                  <a:schemeClr val="tx1"/>
-                </a:solidFill>
-                <a:latin typeface="Consolas" panose="020B0609020204030204" pitchFamily="49" charset="0"/>
-                <a:cs typeface="Segoe UI" panose="020B0502040204020203" pitchFamily="34" charset="0"/>
-              </a:rPr>
-              <a:t>: Quando é a </a:t>
-            </a:r>
-            <a:r>
-              <a:rPr lang="pt-PT" b="1" dirty="0">
-                <a:solidFill>
-                  <a:schemeClr val="tx1"/>
-                </a:solidFill>
-                <a:latin typeface="Consolas" panose="020B0609020204030204" pitchFamily="49" charset="0"/>
-                <a:cs typeface="Segoe UI" panose="020B0502040204020203" pitchFamily="34" charset="0"/>
-              </a:rPr>
-              <a:t>sessão de abertura</a:t>
+              <a:t>abertura</a:t>
             </a:r>
             <a:r>
               <a:rPr lang="pt-PT" dirty="0">
@@ -13329,7 +13635,7 @@
         <p:spPr>
           <a:xfrm>
             <a:off x="4024312" y="299066"/>
-            <a:ext cx="1095375" cy="461023"/>
+            <a:ext cx="1462088" cy="461023"/>
           </a:xfrm>
           <a:prstGeom prst="rect">
             <a:avLst/>
@@ -13355,7 +13661,7 @@
                   <a:schemeClr val="bg1"/>
                 </a:solidFill>
               </a:rPr>
-              <a:t>DSL</a:t>
+              <a:t>Exemplo</a:t>
             </a:r>
             <a:endParaRPr spc="-185" dirty="0">
               <a:solidFill>

--- a/LEI/apresentações/checkpoint2/apresLEI_grupo47.pptx
+++ b/LEI/apresentações/checkpoint2/apresLEI_grupo47.pptx
@@ -5,25 +5,26 @@
     <p:sldMasterId id="2147483648" r:id="rId1"/>
   </p:sldMasterIdLst>
   <p:notesMasterIdLst>
-    <p:notesMasterId r:id="rId18"/>
+    <p:notesMasterId r:id="rId19"/>
   </p:notesMasterIdLst>
   <p:sldIdLst>
     <p:sldId id="256" r:id="rId2"/>
-    <p:sldId id="296" r:id="rId3"/>
-    <p:sldId id="266" r:id="rId4"/>
-    <p:sldId id="301" r:id="rId5"/>
-    <p:sldId id="303" r:id="rId6"/>
-    <p:sldId id="304" r:id="rId7"/>
-    <p:sldId id="308" r:id="rId8"/>
-    <p:sldId id="307" r:id="rId9"/>
-    <p:sldId id="312" r:id="rId10"/>
-    <p:sldId id="314" r:id="rId11"/>
-    <p:sldId id="316" r:id="rId12"/>
-    <p:sldId id="317" r:id="rId13"/>
-    <p:sldId id="320" r:id="rId14"/>
-    <p:sldId id="319" r:id="rId15"/>
-    <p:sldId id="298" r:id="rId16"/>
-    <p:sldId id="295" r:id="rId17"/>
+    <p:sldId id="322" r:id="rId3"/>
+    <p:sldId id="296" r:id="rId4"/>
+    <p:sldId id="266" r:id="rId5"/>
+    <p:sldId id="301" r:id="rId6"/>
+    <p:sldId id="303" r:id="rId7"/>
+    <p:sldId id="304" r:id="rId8"/>
+    <p:sldId id="308" r:id="rId9"/>
+    <p:sldId id="307" r:id="rId10"/>
+    <p:sldId id="312" r:id="rId11"/>
+    <p:sldId id="314" r:id="rId12"/>
+    <p:sldId id="316" r:id="rId13"/>
+    <p:sldId id="317" r:id="rId14"/>
+    <p:sldId id="320" r:id="rId15"/>
+    <p:sldId id="319" r:id="rId16"/>
+    <p:sldId id="298" r:id="rId17"/>
+    <p:sldId id="295" r:id="rId18"/>
   </p:sldIdLst>
   <p:sldSz cx="9144000" cy="6858000" type="screen4x3"/>
   <p:notesSz cx="9144000" cy="6858000"/>
@@ -689,7 +690,7 @@
     </p:spTree>
     <p:extLst>
       <p:ext uri="{BB962C8B-B14F-4D97-AF65-F5344CB8AC3E}">
-        <p14:creationId xmlns:p14="http://schemas.microsoft.com/office/powerpoint/2010/main" val="2745960851"/>
+        <p14:creationId xmlns:p14="http://schemas.microsoft.com/office/powerpoint/2010/main" val="576819733"/>
       </p:ext>
     </p:extLst>
   </p:cSld>
@@ -773,7 +774,7 @@
     </p:spTree>
     <p:extLst>
       <p:ext uri="{BB962C8B-B14F-4D97-AF65-F5344CB8AC3E}">
-        <p14:creationId xmlns:p14="http://schemas.microsoft.com/office/powerpoint/2010/main" val="3598257146"/>
+        <p14:creationId xmlns:p14="http://schemas.microsoft.com/office/powerpoint/2010/main" val="2745960851"/>
       </p:ext>
     </p:extLst>
   </p:cSld>
@@ -857,7 +858,7 @@
     </p:spTree>
     <p:extLst>
       <p:ext uri="{BB962C8B-B14F-4D97-AF65-F5344CB8AC3E}">
-        <p14:creationId xmlns:p14="http://schemas.microsoft.com/office/powerpoint/2010/main" val="1680777646"/>
+        <p14:creationId xmlns:p14="http://schemas.microsoft.com/office/powerpoint/2010/main" val="3598257146"/>
       </p:ext>
     </p:extLst>
   </p:cSld>
@@ -941,7 +942,7 @@
     </p:spTree>
     <p:extLst>
       <p:ext uri="{BB962C8B-B14F-4D97-AF65-F5344CB8AC3E}">
-        <p14:creationId xmlns:p14="http://schemas.microsoft.com/office/powerpoint/2010/main" val="439238739"/>
+        <p14:creationId xmlns:p14="http://schemas.microsoft.com/office/powerpoint/2010/main" val="1680777646"/>
       </p:ext>
     </p:extLst>
   </p:cSld>
@@ -1025,7 +1026,7 @@
     </p:spTree>
     <p:extLst>
       <p:ext uri="{BB962C8B-B14F-4D97-AF65-F5344CB8AC3E}">
-        <p14:creationId xmlns:p14="http://schemas.microsoft.com/office/powerpoint/2010/main" val="4131229080"/>
+        <p14:creationId xmlns:p14="http://schemas.microsoft.com/office/powerpoint/2010/main" val="439238739"/>
       </p:ext>
     </p:extLst>
   </p:cSld>
@@ -1109,7 +1110,7 @@
     </p:spTree>
     <p:extLst>
       <p:ext uri="{BB962C8B-B14F-4D97-AF65-F5344CB8AC3E}">
-        <p14:creationId xmlns:p14="http://schemas.microsoft.com/office/powerpoint/2010/main" val="1377562640"/>
+        <p14:creationId xmlns:p14="http://schemas.microsoft.com/office/powerpoint/2010/main" val="4131229080"/>
       </p:ext>
     </p:extLst>
   </p:cSld>
@@ -1185,6 +1186,90 @@
             <a:fld id="{62C9FF69-D9AD-48B5-8D39-7AA42039F77D}" type="slidenum">
               <a:rPr lang="pt-PT" smtClean="0"/>
               <a:t>16</a:t>
+            </a:fld>
+            <a:endParaRPr lang="pt-PT"/>
+          </a:p>
+        </p:txBody>
+      </p:sp>
+    </p:spTree>
+    <p:extLst>
+      <p:ext uri="{BB962C8B-B14F-4D97-AF65-F5344CB8AC3E}">
+        <p14:creationId xmlns:p14="http://schemas.microsoft.com/office/powerpoint/2010/main" val="1377562640"/>
+      </p:ext>
+    </p:extLst>
+  </p:cSld>
+  <p:clrMapOvr>
+    <a:masterClrMapping/>
+  </p:clrMapOvr>
+</p:notes>
+</file>
+
+<file path=ppt/notesSlides/notesSlide17.xml><?xml version="1.0" encoding="utf-8"?>
+<p:notes xmlns:a="http://schemas.openxmlformats.org/drawingml/2006/main" xmlns:r="http://schemas.openxmlformats.org/officeDocument/2006/relationships" xmlns:p="http://schemas.openxmlformats.org/presentationml/2006/main">
+  <p:cSld>
+    <p:spTree>
+      <p:nvGrpSpPr>
+        <p:cNvPr id="1" name=""/>
+        <p:cNvGrpSpPr/>
+        <p:nvPr/>
+      </p:nvGrpSpPr>
+      <p:grpSpPr>
+        <a:xfrm>
+          <a:off x="0" y="0"/>
+          <a:ext cx="0" cy="0"/>
+          <a:chOff x="0" y="0"/>
+          <a:chExt cx="0" cy="0"/>
+        </a:xfrm>
+      </p:grpSpPr>
+      <p:sp>
+        <p:nvSpPr>
+          <p:cNvPr id="2" name="Marcador de Posição da Imagem do Diapositivo 1"/>
+          <p:cNvSpPr>
+            <a:spLocks noGrp="1" noRot="1" noChangeAspect="1"/>
+          </p:cNvSpPr>
+          <p:nvPr>
+            <p:ph type="sldImg"/>
+          </p:nvPr>
+        </p:nvSpPr>
+        <p:spPr/>
+      </p:sp>
+      <p:sp>
+        <p:nvSpPr>
+          <p:cNvPr id="3" name="Marcador de Posição de Notas 2"/>
+          <p:cNvSpPr>
+            <a:spLocks noGrp="1"/>
+          </p:cNvSpPr>
+          <p:nvPr>
+            <p:ph type="body" idx="1"/>
+          </p:nvPr>
+        </p:nvSpPr>
+        <p:spPr/>
+        <p:txBody>
+          <a:bodyPr/>
+          <a:lstStyle/>
+          <a:p>
+            <a:endParaRPr lang="pt-PT" dirty="0"/>
+          </a:p>
+        </p:txBody>
+      </p:sp>
+      <p:sp>
+        <p:nvSpPr>
+          <p:cNvPr id="4" name="Marcador de Posição do Número do Diapositivo 3"/>
+          <p:cNvSpPr>
+            <a:spLocks noGrp="1"/>
+          </p:cNvSpPr>
+          <p:nvPr>
+            <p:ph type="sldNum" sz="quarter" idx="5"/>
+          </p:nvPr>
+        </p:nvSpPr>
+        <p:spPr/>
+        <p:txBody>
+          <a:bodyPr/>
+          <a:lstStyle/>
+          <a:p>
+            <a:fld id="{62C9FF69-D9AD-48B5-8D39-7AA42039F77D}" type="slidenum">
+              <a:rPr lang="pt-PT" smtClean="0"/>
+              <a:t>17</a:t>
             </a:fld>
             <a:endParaRPr lang="pt-PT"/>
           </a:p>
@@ -1277,7 +1362,7 @@
     </p:spTree>
     <p:extLst>
       <p:ext uri="{BB962C8B-B14F-4D97-AF65-F5344CB8AC3E}">
-        <p14:creationId xmlns:p14="http://schemas.microsoft.com/office/powerpoint/2010/main" val="3101131928"/>
+        <p14:creationId xmlns:p14="http://schemas.microsoft.com/office/powerpoint/2010/main" val="70191606"/>
       </p:ext>
     </p:extLst>
   </p:cSld>
@@ -1361,7 +1446,7 @@
     </p:spTree>
     <p:extLst>
       <p:ext uri="{BB962C8B-B14F-4D97-AF65-F5344CB8AC3E}">
-        <p14:creationId xmlns:p14="http://schemas.microsoft.com/office/powerpoint/2010/main" val="1184834112"/>
+        <p14:creationId xmlns:p14="http://schemas.microsoft.com/office/powerpoint/2010/main" val="3101131928"/>
       </p:ext>
     </p:extLst>
   </p:cSld>
@@ -1445,7 +1530,7 @@
     </p:spTree>
     <p:extLst>
       <p:ext uri="{BB962C8B-B14F-4D97-AF65-F5344CB8AC3E}">
-        <p14:creationId xmlns:p14="http://schemas.microsoft.com/office/powerpoint/2010/main" val="529616876"/>
+        <p14:creationId xmlns:p14="http://schemas.microsoft.com/office/powerpoint/2010/main" val="1184834112"/>
       </p:ext>
     </p:extLst>
   </p:cSld>
@@ -1529,7 +1614,7 @@
     </p:spTree>
     <p:extLst>
       <p:ext uri="{BB962C8B-B14F-4D97-AF65-F5344CB8AC3E}">
-        <p14:creationId xmlns:p14="http://schemas.microsoft.com/office/powerpoint/2010/main" val="411784300"/>
+        <p14:creationId xmlns:p14="http://schemas.microsoft.com/office/powerpoint/2010/main" val="529616876"/>
       </p:ext>
     </p:extLst>
   </p:cSld>
@@ -1613,7 +1698,7 @@
     </p:spTree>
     <p:extLst>
       <p:ext uri="{BB962C8B-B14F-4D97-AF65-F5344CB8AC3E}">
-        <p14:creationId xmlns:p14="http://schemas.microsoft.com/office/powerpoint/2010/main" val="3321323267"/>
+        <p14:creationId xmlns:p14="http://schemas.microsoft.com/office/powerpoint/2010/main" val="411784300"/>
       </p:ext>
     </p:extLst>
   </p:cSld>
@@ -1697,7 +1782,7 @@
     </p:spTree>
     <p:extLst>
       <p:ext uri="{BB962C8B-B14F-4D97-AF65-F5344CB8AC3E}">
-        <p14:creationId xmlns:p14="http://schemas.microsoft.com/office/powerpoint/2010/main" val="1879297051"/>
+        <p14:creationId xmlns:p14="http://schemas.microsoft.com/office/powerpoint/2010/main" val="3321323267"/>
       </p:ext>
     </p:extLst>
   </p:cSld>
@@ -1781,7 +1866,7 @@
     </p:spTree>
     <p:extLst>
       <p:ext uri="{BB962C8B-B14F-4D97-AF65-F5344CB8AC3E}">
-        <p14:creationId xmlns:p14="http://schemas.microsoft.com/office/powerpoint/2010/main" val="1773391657"/>
+        <p14:creationId xmlns:p14="http://schemas.microsoft.com/office/powerpoint/2010/main" val="1879297051"/>
       </p:ext>
     </p:extLst>
   </p:cSld>
@@ -1865,7 +1950,7 @@
     </p:spTree>
     <p:extLst>
       <p:ext uri="{BB962C8B-B14F-4D97-AF65-F5344CB8AC3E}">
-        <p14:creationId xmlns:p14="http://schemas.microsoft.com/office/powerpoint/2010/main" val="576819733"/>
+        <p14:creationId xmlns:p14="http://schemas.microsoft.com/office/powerpoint/2010/main" val="1773391657"/>
       </p:ext>
     </p:extLst>
   </p:cSld>
@@ -4452,7 +4537,7 @@
             <a:r>
               <a:rPr lang="pt-PT" sz="2800" dirty="0">
                 <a:solidFill>
-                  <a:srgbClr val="C52727"/>
+                  <a:srgbClr val="C00000"/>
                 </a:solidFill>
                 <a:latin typeface="Consolas" panose="020B0609020204030204" pitchFamily="49" charset="0"/>
                 <a:cs typeface="Arial" panose="020B0604020202020204" pitchFamily="34" charset="0"/>
@@ -4467,27 +4552,7 @@
                 <a:latin typeface="Consolas" panose="020B0609020204030204" pitchFamily="49" charset="0"/>
                 <a:cs typeface="Arial" panose="020B0604020202020204" pitchFamily="34" charset="0"/>
               </a:rPr>
-              <a:t> é a </a:t>
-            </a:r>
-            <a:r>
-              <a:rPr lang="pt-PT" sz="2800" dirty="0">
-                <a:solidFill>
-                  <a:srgbClr val="C52727"/>
-                </a:solidFill>
-                <a:latin typeface="Consolas" panose="020B0609020204030204" pitchFamily="49" charset="0"/>
-                <a:cs typeface="Arial" panose="020B0604020202020204" pitchFamily="34" charset="0"/>
-              </a:rPr>
-              <a:t>sessão de abertura</a:t>
-            </a:r>
-            <a:r>
-              <a:rPr lang="pt-PT" sz="2800" dirty="0">
-                <a:solidFill>
-                  <a:srgbClr val="00B050"/>
-                </a:solidFill>
-                <a:latin typeface="Consolas" panose="020B0609020204030204" pitchFamily="49" charset="0"/>
-                <a:cs typeface="Arial" panose="020B0604020202020204" pitchFamily="34" charset="0"/>
-              </a:rPr>
-              <a:t>?”</a:t>
+              <a:t> é a sessão de abertura?”</a:t>
             </a:r>
           </a:p>
         </p:txBody>
@@ -4950,6 +5015,1070 @@
       </p:sp>
       <p:sp>
         <p:nvSpPr>
+          <p:cNvPr id="34" name="CaixaDeTexto 33">
+            <a:extLst>
+              <a:ext uri="{FF2B5EF4-FFF2-40B4-BE49-F238E27FC236}">
+                <a16:creationId xmlns:a16="http://schemas.microsoft.com/office/drawing/2014/main" id="{725B04F0-0439-4BF4-802D-1577B5CFC04B}"/>
+              </a:ext>
+            </a:extLst>
+          </p:cNvPr>
+          <p:cNvSpPr txBox="1"/>
+          <p:nvPr/>
+        </p:nvSpPr>
+        <p:spPr>
+          <a:xfrm>
+            <a:off x="1461575" y="3856664"/>
+            <a:ext cx="1466850" cy="369332"/>
+          </a:xfrm>
+          <a:prstGeom prst="rect">
+            <a:avLst/>
+          </a:prstGeom>
+          <a:noFill/>
+        </p:spPr>
+        <p:txBody>
+          <a:bodyPr wrap="square" rtlCol="0" anchor="ctr">
+            <a:spAutoFit/>
+          </a:bodyPr>
+          <a:lstStyle/>
+          <a:p>
+            <a:pPr algn="ctr"/>
+            <a:r>
+              <a:rPr lang="pt-PT" dirty="0">
+                <a:solidFill>
+                  <a:schemeClr val="accent1">
+                    <a:lumMod val="50000"/>
+                  </a:schemeClr>
+                </a:solidFill>
+                <a:latin typeface="Consolas" panose="020B0609020204030204" pitchFamily="49" charset="0"/>
+                <a:cs typeface="Arial" panose="020B0604020202020204" pitchFamily="34" charset="0"/>
+              </a:rPr>
+              <a:t>temporal</a:t>
+            </a:r>
+          </a:p>
+        </p:txBody>
+      </p:sp>
+      <p:sp>
+        <p:nvSpPr>
+          <p:cNvPr id="37" name="Parêntese direito 36">
+            <a:extLst>
+              <a:ext uri="{FF2B5EF4-FFF2-40B4-BE49-F238E27FC236}">
+                <a16:creationId xmlns:a16="http://schemas.microsoft.com/office/drawing/2014/main" id="{9F36CC8E-DC30-478E-B5A6-5807BB41472E}"/>
+              </a:ext>
+            </a:extLst>
+          </p:cNvPr>
+          <p:cNvSpPr/>
+          <p:nvPr/>
+        </p:nvSpPr>
+        <p:spPr>
+          <a:xfrm rot="5400000">
+            <a:off x="2121658" y="3170865"/>
+            <a:ext cx="176284" cy="1219200"/>
+          </a:xfrm>
+          <a:prstGeom prst="rightBracket">
+            <a:avLst/>
+          </a:prstGeom>
+          <a:ln w="19050"/>
+        </p:spPr>
+        <p:style>
+          <a:lnRef idx="1">
+            <a:schemeClr val="accent1"/>
+          </a:lnRef>
+          <a:fillRef idx="0">
+            <a:schemeClr val="accent1"/>
+          </a:fillRef>
+          <a:effectRef idx="0">
+            <a:schemeClr val="accent1"/>
+          </a:effectRef>
+          <a:fontRef idx="minor">
+            <a:schemeClr val="tx1"/>
+          </a:fontRef>
+        </p:style>
+        <p:txBody>
+          <a:bodyPr rtlCol="0" anchor="ctr"/>
+          <a:lstStyle/>
+          <a:p>
+            <a:pPr algn="ctr"/>
+            <a:endParaRPr lang="pt-PT"/>
+          </a:p>
+        </p:txBody>
+      </p:sp>
+      <p:sp>
+        <p:nvSpPr>
+          <p:cNvPr id="18" name="object 2">
+            <a:extLst>
+              <a:ext uri="{FF2B5EF4-FFF2-40B4-BE49-F238E27FC236}">
+                <a16:creationId xmlns:a16="http://schemas.microsoft.com/office/drawing/2014/main" id="{6854C568-CD2A-48AC-A19F-750C715E00A7}"/>
+              </a:ext>
+            </a:extLst>
+          </p:cNvPr>
+          <p:cNvSpPr txBox="1">
+            <a:spLocks noGrp="1"/>
+          </p:cNvSpPr>
+          <p:nvPr>
+            <p:ph type="title"/>
+          </p:nvPr>
+        </p:nvSpPr>
+        <p:spPr>
+          <a:xfrm>
+            <a:off x="3433762" y="235637"/>
+            <a:ext cx="2390775" cy="461023"/>
+          </a:xfrm>
+          <a:prstGeom prst="rect">
+            <a:avLst/>
+          </a:prstGeom>
+        </p:spPr>
+        <p:txBody>
+          <a:bodyPr vert="horz" wrap="square" lIns="0" tIns="14604" rIns="0" bIns="0" rtlCol="0">
+            <a:spAutoFit/>
+          </a:bodyPr>
+          <a:lstStyle/>
+          <a:p>
+            <a:pPr marL="12700" algn="l">
+              <a:lnSpc>
+                <a:spcPct val="100000"/>
+              </a:lnSpc>
+              <a:spcBef>
+                <a:spcPts val="114"/>
+              </a:spcBef>
+            </a:pPr>
+            <a:r>
+              <a:rPr lang="pt-PT" spc="-185" dirty="0">
+                <a:solidFill>
+                  <a:schemeClr val="bg1"/>
+                </a:solidFill>
+              </a:rPr>
+              <a:t>Frase exemplo</a:t>
+            </a:r>
+            <a:endParaRPr spc="-185" dirty="0">
+              <a:solidFill>
+                <a:schemeClr val="bg1"/>
+              </a:solidFill>
+            </a:endParaRPr>
+          </a:p>
+        </p:txBody>
+      </p:sp>
+      <p:sp>
+        <p:nvSpPr>
+          <p:cNvPr id="25" name="Retângulo 24">
+            <a:extLst>
+              <a:ext uri="{FF2B5EF4-FFF2-40B4-BE49-F238E27FC236}">
+                <a16:creationId xmlns:a16="http://schemas.microsoft.com/office/drawing/2014/main" id="{5AF59217-8A0D-4426-A6B9-35BF05ECF319}"/>
+              </a:ext>
+            </a:extLst>
+          </p:cNvPr>
+          <p:cNvSpPr/>
+          <p:nvPr/>
+        </p:nvSpPr>
+        <p:spPr>
+          <a:xfrm>
+            <a:off x="1305024" y="4833084"/>
+            <a:ext cx="2211415" cy="1077218"/>
+          </a:xfrm>
+          <a:prstGeom prst="rect">
+            <a:avLst/>
+          </a:prstGeom>
+        </p:spPr>
+        <p:txBody>
+          <a:bodyPr wrap="square" numCol="1">
+            <a:spAutoFit/>
+          </a:bodyPr>
+          <a:lstStyle/>
+          <a:p>
+            <a:pPr algn="just"/>
+            <a:r>
+              <a:rPr lang="pt-PT" sz="1600" dirty="0">
+                <a:solidFill>
+                  <a:schemeClr val="accent1">
+                    <a:lumMod val="50000"/>
+                  </a:schemeClr>
+                </a:solidFill>
+                <a:latin typeface="Consolas" panose="020B0609020204030204" pitchFamily="49" charset="0"/>
+              </a:rPr>
+              <a:t>Quem → Pessoal </a:t>
+            </a:r>
+          </a:p>
+          <a:p>
+            <a:pPr algn="just"/>
+            <a:r>
+              <a:rPr lang="pt-PT" sz="1600" dirty="0">
+                <a:solidFill>
+                  <a:srgbClr val="C85C57"/>
+                </a:solidFill>
+                <a:latin typeface="Consolas" panose="020B0609020204030204" pitchFamily="49" charset="0"/>
+              </a:rPr>
+              <a:t>Quando → Temporal</a:t>
+            </a:r>
+            <a:r>
+              <a:rPr lang="pt-PT" sz="1600" dirty="0">
+                <a:solidFill>
+                  <a:srgbClr val="C00000"/>
+                </a:solidFill>
+                <a:latin typeface="Consolas" panose="020B0609020204030204" pitchFamily="49" charset="0"/>
+              </a:rPr>
+              <a:t> </a:t>
+            </a:r>
+          </a:p>
+          <a:p>
+            <a:pPr algn="just"/>
+            <a:r>
+              <a:rPr lang="pt-PT" sz="1600" dirty="0">
+                <a:solidFill>
+                  <a:schemeClr val="accent1">
+                    <a:lumMod val="50000"/>
+                  </a:schemeClr>
+                </a:solidFill>
+                <a:latin typeface="Consolas" panose="020B0609020204030204" pitchFamily="49" charset="0"/>
+              </a:rPr>
+              <a:t>Onde → Local </a:t>
+            </a:r>
+          </a:p>
+          <a:p>
+            <a:pPr algn="just"/>
+            <a:r>
+              <a:rPr lang="pt-PT" sz="1600" dirty="0">
+                <a:solidFill>
+                  <a:schemeClr val="accent1">
+                    <a:lumMod val="50000"/>
+                  </a:schemeClr>
+                </a:solidFill>
+                <a:latin typeface="Consolas" panose="020B0609020204030204" pitchFamily="49" charset="0"/>
+              </a:rPr>
+              <a:t>Quantos → Numeral </a:t>
+            </a:r>
+          </a:p>
+        </p:txBody>
+      </p:sp>
+      <p:sp>
+        <p:nvSpPr>
+          <p:cNvPr id="26" name="Retângulo 25">
+            <a:extLst>
+              <a:ext uri="{FF2B5EF4-FFF2-40B4-BE49-F238E27FC236}">
+                <a16:creationId xmlns:a16="http://schemas.microsoft.com/office/drawing/2014/main" id="{60D9124D-B34B-4D8E-849B-2CEBCF190252}"/>
+              </a:ext>
+            </a:extLst>
+          </p:cNvPr>
+          <p:cNvSpPr/>
+          <p:nvPr/>
+        </p:nvSpPr>
+        <p:spPr>
+          <a:xfrm>
+            <a:off x="1304572" y="4436078"/>
+            <a:ext cx="2084225" cy="369332"/>
+          </a:xfrm>
+          <a:prstGeom prst="rect">
+            <a:avLst/>
+          </a:prstGeom>
+        </p:spPr>
+        <p:txBody>
+          <a:bodyPr wrap="none">
+            <a:spAutoFit/>
+          </a:bodyPr>
+          <a:lstStyle/>
+          <a:p>
+            <a:r>
+              <a:rPr lang="pt-PT" dirty="0">
+                <a:solidFill>
+                  <a:schemeClr val="accent1">
+                    <a:lumMod val="50000"/>
+                  </a:schemeClr>
+                </a:solidFill>
+                <a:latin typeface="Consolas" panose="020B0609020204030204" pitchFamily="49" charset="0"/>
+              </a:rPr>
+              <a:t>Questão -&gt; Tipo</a:t>
+            </a:r>
+          </a:p>
+        </p:txBody>
+      </p:sp>
+      <p:sp>
+        <p:nvSpPr>
+          <p:cNvPr id="27" name="Retângulo 26">
+            <a:extLst>
+              <a:ext uri="{FF2B5EF4-FFF2-40B4-BE49-F238E27FC236}">
+                <a16:creationId xmlns:a16="http://schemas.microsoft.com/office/drawing/2014/main" id="{86F986F0-7E16-4739-B304-64908C1FFA54}"/>
+              </a:ext>
+            </a:extLst>
+          </p:cNvPr>
+          <p:cNvSpPr/>
+          <p:nvPr/>
+        </p:nvSpPr>
+        <p:spPr>
+          <a:xfrm>
+            <a:off x="1222347" y="4404435"/>
+            <a:ext cx="2211415" cy="438119"/>
+          </a:xfrm>
+          <a:prstGeom prst="rect">
+            <a:avLst/>
+          </a:prstGeom>
+          <a:noFill/>
+          <a:ln w="19050">
+            <a:solidFill>
+              <a:srgbClr val="4A7EBB"/>
+            </a:solidFill>
+          </a:ln>
+        </p:spPr>
+        <p:style>
+          <a:lnRef idx="2">
+            <a:schemeClr val="accent1">
+              <a:shade val="50000"/>
+            </a:schemeClr>
+          </a:lnRef>
+          <a:fillRef idx="1">
+            <a:schemeClr val="accent1"/>
+          </a:fillRef>
+          <a:effectRef idx="0">
+            <a:schemeClr val="accent1"/>
+          </a:effectRef>
+          <a:fontRef idx="minor">
+            <a:schemeClr val="lt1"/>
+          </a:fontRef>
+        </p:style>
+        <p:txBody>
+          <a:bodyPr rtlCol="0" anchor="ctr"/>
+          <a:lstStyle/>
+          <a:p>
+            <a:pPr algn="ctr"/>
+            <a:endParaRPr lang="pt-PT"/>
+          </a:p>
+        </p:txBody>
+      </p:sp>
+      <p:sp>
+        <p:nvSpPr>
+          <p:cNvPr id="28" name="Retângulo 27">
+            <a:extLst>
+              <a:ext uri="{FF2B5EF4-FFF2-40B4-BE49-F238E27FC236}">
+                <a16:creationId xmlns:a16="http://schemas.microsoft.com/office/drawing/2014/main" id="{50660804-E784-4D74-8AB5-0BA3C72C1E84}"/>
+              </a:ext>
+            </a:extLst>
+          </p:cNvPr>
+          <p:cNvSpPr/>
+          <p:nvPr/>
+        </p:nvSpPr>
+        <p:spPr>
+          <a:xfrm>
+            <a:off x="1222347" y="4841286"/>
+            <a:ext cx="2211415" cy="1077218"/>
+          </a:xfrm>
+          <a:prstGeom prst="rect">
+            <a:avLst/>
+          </a:prstGeom>
+          <a:noFill/>
+          <a:ln w="19050">
+            <a:solidFill>
+              <a:srgbClr val="4A7EBB"/>
+            </a:solidFill>
+          </a:ln>
+        </p:spPr>
+        <p:style>
+          <a:lnRef idx="2">
+            <a:schemeClr val="accent1">
+              <a:shade val="50000"/>
+            </a:schemeClr>
+          </a:lnRef>
+          <a:fillRef idx="1">
+            <a:schemeClr val="accent1"/>
+          </a:fillRef>
+          <a:effectRef idx="0">
+            <a:schemeClr val="accent1"/>
+          </a:effectRef>
+          <a:fontRef idx="minor">
+            <a:schemeClr val="lt1"/>
+          </a:fontRef>
+        </p:style>
+        <p:txBody>
+          <a:bodyPr rtlCol="0" anchor="ctr"/>
+          <a:lstStyle/>
+          <a:p>
+            <a:pPr algn="ctr"/>
+            <a:endParaRPr lang="pt-PT"/>
+          </a:p>
+        </p:txBody>
+      </p:sp>
+    </p:spTree>
+    <p:extLst>
+      <p:ext uri="{BB962C8B-B14F-4D97-AF65-F5344CB8AC3E}">
+        <p14:creationId xmlns:p14="http://schemas.microsoft.com/office/powerpoint/2010/main" val="429375825"/>
+      </p:ext>
+    </p:extLst>
+  </p:cSld>
+  <p:clrMapOvr>
+    <a:masterClrMapping/>
+  </p:clrMapOvr>
+  <mc:AlternateContent xmlns:mc="http://schemas.openxmlformats.org/markup-compatibility/2006" xmlns:p14="http://schemas.microsoft.com/office/powerpoint/2010/main">
+    <mc:Choice Requires="p14">
+      <p:transition spd="med" p14:dur="700">
+        <p:fade/>
+      </p:transition>
+    </mc:Choice>
+    <mc:Fallback xmlns="">
+      <p:transition spd="med">
+        <p:fade/>
+      </p:transition>
+    </mc:Fallback>
+  </mc:AlternateContent>
+</p:sld>
+</file>
+
+<file path=ppt/slides/slide11.xml><?xml version="1.0" encoding="utf-8"?>
+<p:sld xmlns:a="http://schemas.openxmlformats.org/drawingml/2006/main" xmlns:r="http://schemas.openxmlformats.org/officeDocument/2006/relationships" xmlns:p="http://schemas.openxmlformats.org/presentationml/2006/main">
+  <p:cSld>
+    <p:spTree>
+      <p:nvGrpSpPr>
+        <p:cNvPr id="1" name=""/>
+        <p:cNvGrpSpPr/>
+        <p:nvPr/>
+      </p:nvGrpSpPr>
+      <p:grpSpPr>
+        <a:xfrm>
+          <a:off x="0" y="0"/>
+          <a:ext cx="0" cy="0"/>
+          <a:chOff x="0" y="0"/>
+          <a:chExt cx="0" cy="0"/>
+        </a:xfrm>
+      </p:grpSpPr>
+      <p:sp>
+        <p:nvSpPr>
+          <p:cNvPr id="2" name="object 2"/>
+          <p:cNvSpPr/>
+          <p:nvPr/>
+        </p:nvSpPr>
+        <p:spPr>
+          <a:xfrm>
+            <a:off x="0" y="0"/>
+            <a:ext cx="9144000" cy="6858000"/>
+          </a:xfrm>
+          <a:custGeom>
+            <a:avLst/>
+            <a:gdLst/>
+            <a:ahLst/>
+            <a:cxnLst/>
+            <a:rect l="l" t="t" r="r" b="b"/>
+            <a:pathLst>
+              <a:path w="9144000" h="6858000">
+                <a:moveTo>
+                  <a:pt x="0" y="6857995"/>
+                </a:moveTo>
+                <a:lnTo>
+                  <a:pt x="9144000" y="6857995"/>
+                </a:lnTo>
+                <a:lnTo>
+                  <a:pt x="9144000" y="0"/>
+                </a:lnTo>
+                <a:lnTo>
+                  <a:pt x="0" y="0"/>
+                </a:lnTo>
+                <a:lnTo>
+                  <a:pt x="0" y="6857995"/>
+                </a:lnTo>
+                <a:close/>
+              </a:path>
+            </a:pathLst>
+          </a:custGeom>
+          <a:solidFill>
+            <a:srgbClr val="38505F"/>
+          </a:solidFill>
+        </p:spPr>
+        <p:txBody>
+          <a:bodyPr wrap="square" lIns="0" tIns="0" rIns="0" bIns="0" rtlCol="0"/>
+          <a:lstStyle/>
+          <a:p>
+            <a:endParaRPr dirty="0"/>
+          </a:p>
+        </p:txBody>
+      </p:sp>
+      <p:sp>
+        <p:nvSpPr>
+          <p:cNvPr id="8" name="Retângulo: Cantos Arredondados 7">
+            <a:extLst>
+              <a:ext uri="{FF2B5EF4-FFF2-40B4-BE49-F238E27FC236}">
+                <a16:creationId xmlns:a16="http://schemas.microsoft.com/office/drawing/2014/main" id="{3C45E504-FB1A-48F4-A766-975714195E17}"/>
+              </a:ext>
+            </a:extLst>
+          </p:cNvPr>
+          <p:cNvSpPr/>
+          <p:nvPr/>
+        </p:nvSpPr>
+        <p:spPr>
+          <a:xfrm>
+            <a:off x="419100" y="932296"/>
+            <a:ext cx="8420100" cy="5392304"/>
+          </a:xfrm>
+          <a:prstGeom prst="roundRect">
+            <a:avLst/>
+          </a:prstGeom>
+          <a:solidFill>
+            <a:srgbClr val="DDDDDD"/>
+          </a:solidFill>
+          <a:ln>
+            <a:solidFill>
+              <a:srgbClr val="DDDDDD"/>
+            </a:solidFill>
+          </a:ln>
+        </p:spPr>
+        <p:style>
+          <a:lnRef idx="2">
+            <a:schemeClr val="accent1">
+              <a:shade val="50000"/>
+            </a:schemeClr>
+          </a:lnRef>
+          <a:fillRef idx="1">
+            <a:schemeClr val="accent1"/>
+          </a:fillRef>
+          <a:effectRef idx="0">
+            <a:schemeClr val="accent1"/>
+          </a:effectRef>
+          <a:fontRef idx="minor">
+            <a:schemeClr val="lt1"/>
+          </a:fontRef>
+        </p:style>
+        <p:txBody>
+          <a:bodyPr rtlCol="0" anchor="ctr"/>
+          <a:lstStyle/>
+          <a:p>
+            <a:pPr algn="ctr"/>
+            <a:endParaRPr lang="pt-PT" dirty="0"/>
+          </a:p>
+        </p:txBody>
+      </p:sp>
+      <p:sp>
+        <p:nvSpPr>
+          <p:cNvPr id="7" name="CaixaDeTexto 6">
+            <a:extLst>
+              <a:ext uri="{FF2B5EF4-FFF2-40B4-BE49-F238E27FC236}">
+                <a16:creationId xmlns:a16="http://schemas.microsoft.com/office/drawing/2014/main" id="{84725617-FF18-4130-A845-0C3F25166607}"/>
+              </a:ext>
+            </a:extLst>
+          </p:cNvPr>
+          <p:cNvSpPr txBox="1"/>
+          <p:nvPr/>
+        </p:nvSpPr>
+        <p:spPr>
+          <a:xfrm>
+            <a:off x="361950" y="3276600"/>
+            <a:ext cx="8420100" cy="523220"/>
+          </a:xfrm>
+          <a:prstGeom prst="rect">
+            <a:avLst/>
+          </a:prstGeom>
+          <a:noFill/>
+        </p:spPr>
+        <p:txBody>
+          <a:bodyPr wrap="square" rtlCol="0" anchor="ctr">
+            <a:spAutoFit/>
+          </a:bodyPr>
+          <a:lstStyle/>
+          <a:p>
+            <a:pPr algn="ctr"/>
+            <a:r>
+              <a:rPr lang="pt-PT" sz="2800" dirty="0">
+                <a:solidFill>
+                  <a:srgbClr val="00B050"/>
+                </a:solidFill>
+                <a:latin typeface="Consolas" panose="020B0609020204030204" pitchFamily="49" charset="0"/>
+                <a:cs typeface="Arial" panose="020B0604020202020204" pitchFamily="34" charset="0"/>
+              </a:rPr>
+              <a:t>“</a:t>
+            </a:r>
+            <a:r>
+              <a:rPr lang="pt-PT" sz="2800" dirty="0">
+                <a:solidFill>
+                  <a:srgbClr val="C52727"/>
+                </a:solidFill>
+                <a:latin typeface="Consolas" panose="020B0609020204030204" pitchFamily="49" charset="0"/>
+                <a:cs typeface="Arial" panose="020B0604020202020204" pitchFamily="34" charset="0"/>
+              </a:rPr>
+              <a:t>Quando</a:t>
+            </a:r>
+            <a:r>
+              <a:rPr lang="pt-PT" sz="2800" dirty="0">
+                <a:solidFill>
+                  <a:srgbClr val="00B050"/>
+                </a:solidFill>
+                <a:latin typeface="Consolas" panose="020B0609020204030204" pitchFamily="49" charset="0"/>
+                <a:cs typeface="Arial" panose="020B0604020202020204" pitchFamily="34" charset="0"/>
+              </a:rPr>
+              <a:t> é a </a:t>
+            </a:r>
+            <a:r>
+              <a:rPr lang="pt-PT" sz="2800" dirty="0">
+                <a:solidFill>
+                  <a:srgbClr val="C52727"/>
+                </a:solidFill>
+                <a:latin typeface="Consolas" panose="020B0609020204030204" pitchFamily="49" charset="0"/>
+                <a:cs typeface="Arial" panose="020B0604020202020204" pitchFamily="34" charset="0"/>
+              </a:rPr>
+              <a:t>sessão de abertura</a:t>
+            </a:r>
+            <a:r>
+              <a:rPr lang="pt-PT" sz="2800" dirty="0">
+                <a:solidFill>
+                  <a:srgbClr val="00B050"/>
+                </a:solidFill>
+                <a:latin typeface="Consolas" panose="020B0609020204030204" pitchFamily="49" charset="0"/>
+                <a:cs typeface="Arial" panose="020B0604020202020204" pitchFamily="34" charset="0"/>
+              </a:rPr>
+              <a:t>?”</a:t>
+            </a:r>
+          </a:p>
+        </p:txBody>
+      </p:sp>
+      <p:pic>
+        <p:nvPicPr>
+          <p:cNvPr id="14" name="Imagem 13">
+            <a:extLst>
+              <a:ext uri="{FF2B5EF4-FFF2-40B4-BE49-F238E27FC236}">
+                <a16:creationId xmlns:a16="http://schemas.microsoft.com/office/drawing/2014/main" id="{FB20CB1E-E90C-4757-BE49-959662789E67}"/>
+              </a:ext>
+            </a:extLst>
+          </p:cNvPr>
+          <p:cNvPicPr>
+            <a:picLocks noChangeAspect="1"/>
+          </p:cNvPicPr>
+          <p:nvPr/>
+        </p:nvPicPr>
+        <p:blipFill rotWithShape="1">
+          <a:blip r:embed="rId3">
+            <a:extLst>
+              <a:ext uri="{BEBA8EAE-BF5A-486C-A8C5-ECC9F3942E4B}">
+                <a14:imgProps xmlns:a14="http://schemas.microsoft.com/office/drawing/2010/main">
+                  <a14:imgLayer r:embed="rId4">
+                    <a14:imgEffect>
+                      <a14:backgroundRemoval t="4348" b="96377" l="9804" r="89216">
+                        <a14:foregroundMark x1="42327" y1="69077" x2="32353" y2="34058"/>
+                        <a14:foregroundMark x1="42896" y1="71074" x2="42719" y2="70452"/>
+                        <a14:foregroundMark x1="44280" y1="75933" x2="43980" y2="74878"/>
+                        <a14:foregroundMark x1="46078" y1="82246" x2="45495" y2="80198"/>
+                        <a14:foregroundMark x1="59321" y1="76635" x2="59774" y2="76294"/>
+                        <a14:foregroundMark x1="47059" y1="85870" x2="57454" y2="78041"/>
+                        <a14:foregroundMark x1="77585" y1="54932" x2="79085" y2="52899"/>
+                        <a14:foregroundMark x1="67413" y1="68715" x2="75327" y2="57991"/>
+                        <a14:foregroundMark x1="60784" y1="87319" x2="50327" y2="90217"/>
+                        <a14:foregroundMark x1="50327" y1="90217" x2="34009" y2="88071"/>
+                        <a14:foregroundMark x1="39542" y1="87681" x2="51634" y2="89493"/>
+                        <a14:foregroundMark x1="51634" y1="89493" x2="60131" y2="86957"/>
+                        <a14:foregroundMark x1="60131" y1="86957" x2="63072" y2="84058"/>
+                        <a14:foregroundMark x1="63072" y1="85870" x2="54902" y2="91667"/>
+                        <a14:foregroundMark x1="54902" y1="91667" x2="43137" y2="92029"/>
+                        <a14:foregroundMark x1="42157" y1="92391" x2="51634" y2="93116"/>
+                        <a14:foregroundMark x1="51634" y1="93116" x2="55556" y2="92029"/>
+                        <a14:foregroundMark x1="54902" y1="93841" x2="46405" y2="94928"/>
+                        <a14:foregroundMark x1="24749" y1="62028" x2="27778" y2="37681"/>
+                        <a14:foregroundMark x1="27778" y1="37681" x2="30392" y2="34058"/>
+                        <a14:foregroundMark x1="34448" y1="69561" x2="37908" y2="41304"/>
+                        <a14:foregroundMark x1="49520" y1="69784" x2="52614" y2="55797"/>
+                        <a14:foregroundMark x1="59125" y1="68788" x2="60131" y2="56522"/>
+                        <a14:foregroundMark x1="66018" y1="68736" x2="68627" y2="53986"/>
+                        <a14:foregroundMark x1="71518" y1="65483" x2="71242" y2="51087"/>
+                        <a14:foregroundMark x1="70588" y1="60507" x2="70588" y2="43478"/>
+                        <a14:foregroundMark x1="69935" y1="39130" x2="66667" y2="29710"/>
+                        <a14:foregroundMark x1="66667" y1="29710" x2="57516" y2="26449"/>
+                        <a14:foregroundMark x1="57516" y1="26449" x2="36601" y2="28623"/>
+                        <a14:foregroundMark x1="36601" y1="28623" x2="33660" y2="30797"/>
+                        <a14:foregroundMark x1="48366" y1="7971" x2="49346" y2="13406"/>
+                        <a14:foregroundMark x1="49346" y1="7971" x2="49346" y2="12319"/>
+                        <a14:foregroundMark x1="48693" y1="8696" x2="49346" y2="12681"/>
+                        <a14:foregroundMark x1="50000" y1="8333" x2="51307" y2="11957"/>
+                        <a14:foregroundMark x1="50654" y1="8333" x2="49673" y2="13043"/>
+                        <a14:foregroundMark x1="48693" y1="7609" x2="49020" y2="12681"/>
+                        <a14:foregroundMark x1="49020" y1="10145" x2="49020" y2="4710"/>
+                        <a14:foregroundMark x1="18627" y1="50362" x2="27124" y2="50000"/>
+                        <a14:foregroundMark x1="47386" y1="93478" x2="50000" y2="94928"/>
+                        <a14:foregroundMark x1="45752" y1="96377" x2="51634" y2="95290"/>
+                        <a14:foregroundMark x1="51634" y1="94928" x2="51634" y2="94928"/>
+                        <a14:backgroundMark x1="14379" y1="11957" x2="11111" y2="54348"/>
+                        <a14:backgroundMark x1="17647" y1="77174" x2="25163" y2="76812"/>
+                        <a14:backgroundMark x1="24837" y1="71014" x2="22876" y2="84058"/>
+                        <a14:backgroundMark x1="22876" y1="84058" x2="22222" y2="85507"/>
+                        <a14:backgroundMark x1="20261" y1="65217" x2="23856" y2="77174"/>
+                        <a14:backgroundMark x1="23856" y1="77174" x2="30719" y2="75362"/>
+                        <a14:backgroundMark x1="73856" y1="74638" x2="78105" y2="73551"/>
+                        <a14:backgroundMark x1="76144" y1="72101" x2="77778" y2="75362"/>
+                        <a14:backgroundMark x1="72549" y1="75000" x2="76144" y2="77899"/>
+                        <a14:backgroundMark x1="72222" y1="75725" x2="75817" y2="79710"/>
+                        <a14:backgroundMark x1="72222" y1="74638" x2="75817" y2="77536"/>
+                        <a14:backgroundMark x1="71569" y1="74638" x2="76144" y2="76812"/>
+                        <a14:backgroundMark x1="72876" y1="74638" x2="77124" y2="76449"/>
+                        <a14:backgroundMark x1="80719" y1="61957" x2="80065" y2="74638"/>
+                        <a14:backgroundMark x1="80065" y1="74638" x2="71569" y2="86957"/>
+                        <a14:backgroundMark x1="19935" y1="75000" x2="31373" y2="75000"/>
+                        <a14:backgroundMark x1="31373" y1="75000" x2="36275" y2="73913"/>
+                        <a14:backgroundMark x1="63072" y1="73913" x2="74183" y2="73913"/>
+                        <a14:backgroundMark x1="74183" y1="73913" x2="76797" y2="73188"/>
+                        <a14:backgroundMark x1="76797" y1="66667" x2="74183" y2="80797"/>
+                        <a14:backgroundMark x1="17320" y1="60870" x2="18954" y2="74275"/>
+                        <a14:backgroundMark x1="18954" y1="74275" x2="23856" y2="85145"/>
+                        <a14:backgroundMark x1="23856" y1="85145" x2="27778" y2="87319"/>
+                        <a14:backgroundMark x1="17320" y1="59420" x2="18627" y2="61232"/>
+                        <a14:backgroundMark x1="16667" y1="60870" x2="18301" y2="62319"/>
+                        <a14:backgroundMark x1="17320" y1="59058" x2="17974" y2="61594"/>
+                        <a14:backgroundMark x1="27778" y1="86232" x2="26797" y2="91667"/>
+                        <a14:backgroundMark x1="28105" y1="87319" x2="28105" y2="91667"/>
+                        <a14:backgroundMark x1="69935" y1="85507" x2="70588" y2="94928"/>
+                        <a14:backgroundMark x1="28105" y1="86594" x2="29085" y2="92391"/>
+                        <a14:backgroundMark x1="16013" y1="57609" x2="19935" y2="60870"/>
+                        <a14:backgroundMark x1="24183" y1="62319" x2="26144" y2="66667"/>
+                        <a14:backgroundMark x1="67974" y1="71377" x2="61765" y2="73913"/>
+                        <a14:backgroundMark x1="62418" y1="74638" x2="58824" y2="74638"/>
+                        <a14:backgroundMark x1="58497" y1="75000" x2="55556" y2="74275"/>
+                        <a14:backgroundMark x1="37908" y1="74275" x2="40523" y2="74275"/>
+                        <a14:backgroundMark x1="40850" y1="74638" x2="44118" y2="74638"/>
+                        <a14:backgroundMark x1="45098" y1="74638" x2="47386" y2="75000"/>
+                        <a14:backgroundMark x1="48366" y1="75000" x2="49673" y2="75000"/>
+                        <a14:backgroundMark x1="48693" y1="74275" x2="49020" y2="74275"/>
+                        <a14:backgroundMark x1="47386" y1="74275" x2="49020" y2="74275"/>
+                        <a14:backgroundMark x1="78758" y1="61594" x2="82680" y2="59783"/>
+                        <a14:backgroundMark x1="81373" y1="58696" x2="79739" y2="60145"/>
+                        <a14:backgroundMark x1="81373" y1="58696" x2="78758" y2="61232"/>
+                      </a14:backgroundRemoval>
+                    </a14:imgEffect>
+                  </a14:imgLayer>
+                </a14:imgProps>
+              </a:ext>
+            </a:extLst>
+          </a:blip>
+          <a:srcRect l="12176" r="12062"/>
+          <a:stretch/>
+        </p:blipFill>
+        <p:spPr>
+          <a:xfrm>
+            <a:off x="2209800" y="1312157"/>
+            <a:ext cx="752227" cy="895545"/>
+          </a:xfrm>
+          <a:prstGeom prst="rect">
+            <a:avLst/>
+          </a:prstGeom>
+        </p:spPr>
+      </p:pic>
+      <p:sp>
+        <p:nvSpPr>
+          <p:cNvPr id="45" name="CaixaDeTexto 44">
+            <a:extLst>
+              <a:ext uri="{FF2B5EF4-FFF2-40B4-BE49-F238E27FC236}">
+                <a16:creationId xmlns:a16="http://schemas.microsoft.com/office/drawing/2014/main" id="{4656957C-6200-4371-9D49-1E125A611C4D}"/>
+              </a:ext>
+            </a:extLst>
+          </p:cNvPr>
+          <p:cNvSpPr txBox="1"/>
+          <p:nvPr/>
+        </p:nvSpPr>
+        <p:spPr>
+          <a:xfrm>
+            <a:off x="1842963" y="2173069"/>
+            <a:ext cx="1485900" cy="646331"/>
+          </a:xfrm>
+          <a:prstGeom prst="rect">
+            <a:avLst/>
+          </a:prstGeom>
+          <a:noFill/>
+        </p:spPr>
+        <p:txBody>
+          <a:bodyPr wrap="square" rtlCol="0" anchor="ctr">
+            <a:spAutoFit/>
+          </a:bodyPr>
+          <a:lstStyle/>
+          <a:p>
+            <a:pPr algn="ctr"/>
+            <a:r>
+              <a:rPr lang="pt-PT" dirty="0">
+                <a:solidFill>
+                  <a:schemeClr val="accent1">
+                    <a:lumMod val="50000"/>
+                  </a:schemeClr>
+                </a:solidFill>
+                <a:latin typeface="Consolas" panose="020B0609020204030204" pitchFamily="49" charset="0"/>
+                <a:cs typeface="Arial" panose="020B0604020202020204" pitchFamily="34" charset="0"/>
+              </a:rPr>
+              <a:t>Bot2</a:t>
+            </a:r>
+          </a:p>
+          <a:p>
+            <a:pPr algn="ctr"/>
+            <a:r>
+              <a:rPr lang="pt-PT" b="1" dirty="0">
+                <a:solidFill>
+                  <a:schemeClr val="accent1">
+                    <a:lumMod val="50000"/>
+                  </a:schemeClr>
+                </a:solidFill>
+                <a:latin typeface="Consolas" panose="020B0609020204030204" pitchFamily="49" charset="0"/>
+                <a:cs typeface="Arial" panose="020B0604020202020204" pitchFamily="34" charset="0"/>
+              </a:rPr>
+              <a:t>Agenda SEI</a:t>
+            </a:r>
+          </a:p>
+        </p:txBody>
+      </p:sp>
+      <p:sp>
+        <p:nvSpPr>
+          <p:cNvPr id="23" name="Retângulo 22">
+            <a:extLst>
+              <a:ext uri="{FF2B5EF4-FFF2-40B4-BE49-F238E27FC236}">
+                <a16:creationId xmlns:a16="http://schemas.microsoft.com/office/drawing/2014/main" id="{F6C4C90B-38D1-454E-A513-F8CE1579BF09}"/>
+              </a:ext>
+            </a:extLst>
+          </p:cNvPr>
+          <p:cNvSpPr/>
+          <p:nvPr/>
+        </p:nvSpPr>
+        <p:spPr>
+          <a:xfrm>
+            <a:off x="3962400" y="1694393"/>
+            <a:ext cx="3429000" cy="784830"/>
+          </a:xfrm>
+          <a:prstGeom prst="rect">
+            <a:avLst/>
+          </a:prstGeom>
+        </p:spPr>
+        <p:txBody>
+          <a:bodyPr wrap="square">
+            <a:spAutoFit/>
+          </a:bodyPr>
+          <a:lstStyle/>
+          <a:p>
+            <a:pPr lvl="0"/>
+            <a:r>
+              <a:rPr lang="pt-PT" sz="1500" dirty="0">
+                <a:solidFill>
+                  <a:srgbClr val="488ED4"/>
+                </a:solidFill>
+                <a:latin typeface="Consolas" panose="020B0609020204030204" pitchFamily="49" charset="0"/>
+                <a:cs typeface="Arial" panose="020B0604020202020204" pitchFamily="34" charset="0"/>
+              </a:rPr>
+              <a:t>CREATE</a:t>
+            </a:r>
+            <a:r>
+              <a:rPr lang="pt-PT" sz="1500" dirty="0">
+                <a:solidFill>
+                  <a:prstClr val="black"/>
+                </a:solidFill>
+                <a:latin typeface="Consolas" panose="020B0609020204030204" pitchFamily="49" charset="0"/>
+                <a:cs typeface="Arial" panose="020B0604020202020204" pitchFamily="34" charset="0"/>
+              </a:rPr>
+              <a:t> </a:t>
+            </a:r>
+            <a:r>
+              <a:rPr lang="pt-PT" sz="1500" dirty="0" err="1">
+                <a:solidFill>
+                  <a:prstClr val="black"/>
+                </a:solidFill>
+                <a:latin typeface="Consolas" panose="020B0609020204030204" pitchFamily="49" charset="0"/>
+                <a:cs typeface="Arial" panose="020B0604020202020204" pitchFamily="34" charset="0"/>
+              </a:rPr>
+              <a:t>bot_csv</a:t>
+            </a:r>
+            <a:r>
+              <a:rPr lang="pt-PT" sz="1500" dirty="0">
+                <a:solidFill>
+                  <a:prstClr val="black"/>
+                </a:solidFill>
+                <a:latin typeface="Consolas" panose="020B0609020204030204" pitchFamily="49" charset="0"/>
+                <a:cs typeface="Arial" panose="020B0604020202020204" pitchFamily="34" charset="0"/>
+              </a:rPr>
+              <a:t> </a:t>
+            </a:r>
+          </a:p>
+          <a:p>
+            <a:pPr lvl="0"/>
+            <a:r>
+              <a:rPr lang="pt-PT" sz="1500" dirty="0">
+                <a:solidFill>
+                  <a:srgbClr val="C85C57"/>
+                </a:solidFill>
+                <a:latin typeface="Consolas" panose="020B0609020204030204" pitchFamily="49" charset="0"/>
+                <a:cs typeface="Arial" panose="020B0604020202020204" pitchFamily="34" charset="0"/>
+              </a:rPr>
+              <a:t>WITH</a:t>
+            </a:r>
+            <a:r>
+              <a:rPr lang="pt-PT" sz="1500" dirty="0">
+                <a:solidFill>
+                  <a:srgbClr val="488ED4"/>
+                </a:solidFill>
+                <a:latin typeface="Consolas" panose="020B0609020204030204" pitchFamily="49" charset="0"/>
+                <a:cs typeface="Arial" panose="020B0604020202020204" pitchFamily="34" charset="0"/>
+              </a:rPr>
+              <a:t> </a:t>
+            </a:r>
+            <a:r>
+              <a:rPr lang="pt-PT" sz="1500" dirty="0" err="1">
+                <a:solidFill>
+                  <a:prstClr val="black"/>
+                </a:solidFill>
+                <a:latin typeface="Consolas" panose="020B0609020204030204" pitchFamily="49" charset="0"/>
+                <a:cs typeface="Arial" panose="020B0604020202020204" pitchFamily="34" charset="0"/>
+              </a:rPr>
+              <a:t>agenda_SEI_schema.json</a:t>
+            </a:r>
+            <a:r>
+              <a:rPr lang="pt-PT" sz="1500" dirty="0">
+                <a:solidFill>
+                  <a:srgbClr val="488ED4"/>
+                </a:solidFill>
+                <a:latin typeface="Consolas" panose="020B0609020204030204" pitchFamily="49" charset="0"/>
+                <a:cs typeface="Arial" panose="020B0604020202020204" pitchFamily="34" charset="0"/>
+              </a:rPr>
+              <a:t> </a:t>
+            </a:r>
+          </a:p>
+          <a:p>
+            <a:pPr lvl="0"/>
+            <a:r>
+              <a:rPr lang="pt-PT" sz="1500" dirty="0">
+                <a:solidFill>
+                  <a:srgbClr val="00B050"/>
+                </a:solidFill>
+                <a:latin typeface="Consolas" panose="020B0609020204030204" pitchFamily="49" charset="0"/>
+                <a:cs typeface="Arial" panose="020B0604020202020204" pitchFamily="34" charset="0"/>
+              </a:rPr>
+              <a:t>FROM</a:t>
+            </a:r>
+            <a:r>
+              <a:rPr lang="pt-PT" sz="1500" dirty="0">
+                <a:solidFill>
+                  <a:srgbClr val="488ED4"/>
+                </a:solidFill>
+                <a:latin typeface="Consolas" panose="020B0609020204030204" pitchFamily="49" charset="0"/>
+                <a:cs typeface="Arial" panose="020B0604020202020204" pitchFamily="34" charset="0"/>
+              </a:rPr>
+              <a:t> </a:t>
+            </a:r>
+            <a:r>
+              <a:rPr lang="pt-PT" sz="1500" dirty="0">
+                <a:solidFill>
+                  <a:prstClr val="black"/>
+                </a:solidFill>
+                <a:latin typeface="Consolas" panose="020B0609020204030204" pitchFamily="49" charset="0"/>
+                <a:cs typeface="Arial" panose="020B0604020202020204" pitchFamily="34" charset="0"/>
+              </a:rPr>
+              <a:t>agenda_SEI.csv</a:t>
+            </a:r>
+          </a:p>
+        </p:txBody>
+      </p:sp>
+      <p:cxnSp>
+        <p:nvCxnSpPr>
+          <p:cNvPr id="24" name="Conexão reta 23">
+            <a:extLst>
+              <a:ext uri="{FF2B5EF4-FFF2-40B4-BE49-F238E27FC236}">
+                <a16:creationId xmlns:a16="http://schemas.microsoft.com/office/drawing/2014/main" id="{6245EF25-CBCC-40B7-B0E6-014B8DAF64D4}"/>
+              </a:ext>
+            </a:extLst>
+          </p:cNvPr>
+          <p:cNvCxnSpPr>
+            <a:cxnSpLocks/>
+          </p:cNvCxnSpPr>
+          <p:nvPr/>
+        </p:nvCxnSpPr>
+        <p:spPr>
+          <a:xfrm>
+            <a:off x="3767429" y="1641767"/>
+            <a:ext cx="3547771" cy="0"/>
+          </a:xfrm>
+          <a:prstGeom prst="line">
+            <a:avLst/>
+          </a:prstGeom>
+          <a:ln w="19050"/>
+        </p:spPr>
+        <p:style>
+          <a:lnRef idx="1">
+            <a:schemeClr val="accent1"/>
+          </a:lnRef>
+          <a:fillRef idx="0">
+            <a:schemeClr val="accent1"/>
+          </a:fillRef>
+          <a:effectRef idx="0">
+            <a:schemeClr val="accent1"/>
+          </a:effectRef>
+          <a:fontRef idx="minor">
+            <a:schemeClr val="tx1"/>
+          </a:fontRef>
+        </p:style>
+      </p:cxnSp>
+      <p:cxnSp>
+        <p:nvCxnSpPr>
+          <p:cNvPr id="30" name="Conexão reta 29">
+            <a:extLst>
+              <a:ext uri="{FF2B5EF4-FFF2-40B4-BE49-F238E27FC236}">
+                <a16:creationId xmlns:a16="http://schemas.microsoft.com/office/drawing/2014/main" id="{4DA85C04-D9FA-44B7-9360-8C3625ABB9DF}"/>
+              </a:ext>
+            </a:extLst>
+          </p:cNvPr>
+          <p:cNvCxnSpPr>
+            <a:cxnSpLocks/>
+          </p:cNvCxnSpPr>
+          <p:nvPr/>
+        </p:nvCxnSpPr>
+        <p:spPr>
+          <a:xfrm>
+            <a:off x="3767429" y="2556167"/>
+            <a:ext cx="3547771" cy="0"/>
+          </a:xfrm>
+          <a:prstGeom prst="line">
+            <a:avLst/>
+          </a:prstGeom>
+          <a:ln w="19050"/>
+        </p:spPr>
+        <p:style>
+          <a:lnRef idx="1">
+            <a:schemeClr val="accent1"/>
+          </a:lnRef>
+          <a:fillRef idx="0">
+            <a:schemeClr val="accent1"/>
+          </a:fillRef>
+          <a:effectRef idx="0">
+            <a:schemeClr val="accent1"/>
+          </a:effectRef>
+          <a:fontRef idx="minor">
+            <a:schemeClr val="tx1"/>
+          </a:fontRef>
+        </p:style>
+      </p:cxnSp>
+      <p:sp>
+        <p:nvSpPr>
+          <p:cNvPr id="32" name="Parêntese direito 31">
+            <a:extLst>
+              <a:ext uri="{FF2B5EF4-FFF2-40B4-BE49-F238E27FC236}">
+                <a16:creationId xmlns:a16="http://schemas.microsoft.com/office/drawing/2014/main" id="{621DF0D2-38E3-4DFB-AE69-A1CA17AAD67A}"/>
+              </a:ext>
+            </a:extLst>
+          </p:cNvPr>
+          <p:cNvSpPr/>
+          <p:nvPr/>
+        </p:nvSpPr>
+        <p:spPr>
+          <a:xfrm rot="5400000">
+            <a:off x="5061329" y="1602794"/>
+            <a:ext cx="164342" cy="4343400"/>
+          </a:xfrm>
+          <a:prstGeom prst="rightBracket">
+            <a:avLst/>
+          </a:prstGeom>
+          <a:ln w="19050"/>
+        </p:spPr>
+        <p:style>
+          <a:lnRef idx="1">
+            <a:schemeClr val="accent1"/>
+          </a:lnRef>
+          <a:fillRef idx="0">
+            <a:schemeClr val="accent1"/>
+          </a:fillRef>
+          <a:effectRef idx="0">
+            <a:schemeClr val="accent1"/>
+          </a:effectRef>
+          <a:fontRef idx="minor">
+            <a:schemeClr val="tx1"/>
+          </a:fontRef>
+        </p:style>
+        <p:txBody>
+          <a:bodyPr rtlCol="0" anchor="ctr"/>
+          <a:lstStyle/>
+          <a:p>
+            <a:pPr algn="ctr"/>
+            <a:endParaRPr lang="pt-PT"/>
+          </a:p>
+        </p:txBody>
+      </p:sp>
+      <p:sp>
+        <p:nvSpPr>
           <p:cNvPr id="37" name="Parêntese direito 36">
             <a:extLst>
               <a:ext uri="{FF2B5EF4-FFF2-40B4-BE49-F238E27FC236}">
@@ -5742,7 +6871,7 @@
 </p:sld>
 </file>
 
-<file path=ppt/slides/slide11.xml><?xml version="1.0" encoding="utf-8"?>
+<file path=ppt/slides/slide12.xml><?xml version="1.0" encoding="utf-8"?>
 <p:sld xmlns:a="http://schemas.openxmlformats.org/drawingml/2006/main" xmlns:r="http://schemas.openxmlformats.org/officeDocument/2006/relationships" xmlns:p="http://schemas.openxmlformats.org/presentationml/2006/main">
   <p:cSld>
     <p:spTree>
@@ -7430,7 +8559,7 @@
 </p:sld>
 </file>
 
-<file path=ppt/slides/slide12.xml><?xml version="1.0" encoding="utf-8"?>
+<file path=ppt/slides/slide13.xml><?xml version="1.0" encoding="utf-8"?>
 <p:sld xmlns:a="http://schemas.openxmlformats.org/drawingml/2006/main" xmlns:r="http://schemas.openxmlformats.org/officeDocument/2006/relationships" xmlns:p="http://schemas.openxmlformats.org/presentationml/2006/main">
   <p:cSld>
     <p:spTree>
@@ -9123,7 +10252,7 @@
 </p:sld>
 </file>
 
-<file path=ppt/slides/slide13.xml><?xml version="1.0" encoding="utf-8"?>
+<file path=ppt/slides/slide14.xml><?xml version="1.0" encoding="utf-8"?>
 <p:sld xmlns:a="http://schemas.openxmlformats.org/drawingml/2006/main" xmlns:r="http://schemas.openxmlformats.org/officeDocument/2006/relationships" xmlns:p="http://schemas.openxmlformats.org/presentationml/2006/main">
   <p:cSld>
     <p:spTree>
@@ -10708,7 +11837,7 @@
 </p:sld>
 </file>
 
-<file path=ppt/slides/slide14.xml><?xml version="1.0" encoding="utf-8"?>
+<file path=ppt/slides/slide15.xml><?xml version="1.0" encoding="utf-8"?>
 <p:sld xmlns:a="http://schemas.openxmlformats.org/drawingml/2006/main" xmlns:r="http://schemas.openxmlformats.org/officeDocument/2006/relationships" xmlns:p="http://schemas.openxmlformats.org/presentationml/2006/main">
   <p:cSld>
     <p:spTree>
@@ -11093,8 +12222,8 @@
 </p:sld>
 </file>
 
-<file path=ppt/slides/slide15.xml><?xml version="1.0" encoding="utf-8"?>
-<p:sld xmlns:a="http://schemas.openxmlformats.org/drawingml/2006/main" xmlns:r="http://schemas.openxmlformats.org/officeDocument/2006/relationships" xmlns:p="http://schemas.openxmlformats.org/presentationml/2006/main" show="0">
+<file path=ppt/slides/slide16.xml><?xml version="1.0" encoding="utf-8"?>
+<p:sld xmlns:a="http://schemas.openxmlformats.org/drawingml/2006/main" xmlns:r="http://schemas.openxmlformats.org/officeDocument/2006/relationships" xmlns:p="http://schemas.openxmlformats.org/presentationml/2006/main">
   <p:cSld>
     <p:spTree>
       <p:nvGrpSpPr>
@@ -11200,8 +12329,8 @@
               </a:spcBef>
             </a:pPr>
             <a:r>
-              <a:rPr lang="pt-PT" spc="-135" dirty="0" err="1"/>
-              <a:t>dummy</a:t>
+              <a:rPr lang="pt-PT" spc="-135" dirty="0"/>
+              <a:t>Exemplos diversos</a:t>
             </a:r>
             <a:endParaRPr spc="-135" dirty="0"/>
           </a:p>
@@ -11275,8 +12404,8 @@
         </p:nvSpPr>
         <p:spPr>
           <a:xfrm>
-            <a:off x="399288" y="834646"/>
-            <a:ext cx="8858251" cy="5854694"/>
+            <a:off x="399289" y="941440"/>
+            <a:ext cx="8420100" cy="5747900"/>
           </a:xfrm>
           <a:prstGeom prst="roundRect">
             <a:avLst/>
@@ -11306,7 +12435,7 @@
           <a:bodyPr rtlCol="0" anchor="ctr"/>
           <a:lstStyle/>
           <a:p>
-            <a:pPr marL="182563"/>
+            <a:pPr marL="182563" algn="just"/>
             <a:r>
               <a:rPr lang="pt-PT" sz="1400" dirty="0" err="1">
                 <a:solidFill>
@@ -11339,7 +12468,7 @@
             </a:r>
           </a:p>
           <a:p>
-            <a:pPr marL="182563"/>
+            <a:pPr marL="182563" algn="just"/>
             <a:r>
               <a:rPr lang="pt-PT" sz="1400" dirty="0" err="1">
                 <a:solidFill>
@@ -11372,7 +12501,7 @@
             </a:r>
           </a:p>
           <a:p>
-            <a:pPr marL="182563"/>
+            <a:pPr marL="182563" algn="just"/>
             <a:endParaRPr lang="pt-PT" sz="1600" dirty="0">
               <a:solidFill>
                 <a:srgbClr val="488ED4"/>
@@ -11382,7 +12511,7 @@
             </a:endParaRPr>
           </a:p>
           <a:p>
-            <a:pPr marL="182563"/>
+            <a:pPr marL="182563" algn="just"/>
             <a:r>
               <a:rPr lang="pt-PT" sz="1600" dirty="0" err="1">
                 <a:solidFill>
@@ -11415,7 +12544,7 @@
             </a:r>
           </a:p>
           <a:p>
-            <a:pPr marL="182563"/>
+            <a:pPr marL="182563" algn="just"/>
             <a:r>
               <a:rPr lang="pt-PT" sz="1600" dirty="0" err="1">
                 <a:solidFill>
@@ -11448,7 +12577,7 @@
             </a:r>
           </a:p>
           <a:p>
-            <a:pPr marL="182563"/>
+            <a:pPr marL="182563" algn="just"/>
             <a:endParaRPr lang="pt-PT" sz="1700" dirty="0">
               <a:solidFill>
                 <a:schemeClr val="tx1"/>
@@ -11458,7 +12587,7 @@
             </a:endParaRPr>
           </a:p>
           <a:p>
-            <a:pPr marL="182563"/>
+            <a:pPr marL="182563" algn="just"/>
             <a:r>
               <a:rPr lang="pt-PT" sz="1600" dirty="0" err="1">
                 <a:solidFill>
@@ -11487,11 +12616,11 @@
                 <a:latin typeface="Consolas" panose="020B0609020204030204" pitchFamily="49" charset="0"/>
                 <a:cs typeface="Segoe UI" panose="020B0502040204020203" pitchFamily="34" charset="0"/>
               </a:rPr>
-              <a:t>Na SEI há fruta?</a:t>
-            </a:r>
-          </a:p>
-          <a:p>
-            <a:pPr marL="182563"/>
+              <a:t>O que é fruta?</a:t>
+            </a:r>
+          </a:p>
+          <a:p>
+            <a:pPr marL="182563" algn="just"/>
             <a:r>
               <a:rPr lang="pt-PT" sz="1600" dirty="0" err="1">
                 <a:solidFill>
@@ -11520,38 +12649,21 @@
                 <a:latin typeface="Consolas" panose="020B0609020204030204" pitchFamily="49" charset="0"/>
                 <a:cs typeface="Segoe UI" panose="020B0502040204020203" pitchFamily="34" charset="0"/>
               </a:rPr>
-              <a:t>A fruta proibida é a mais apetecida.</a:t>
-            </a:r>
-          </a:p>
-          <a:p>
-            <a:pPr marL="182563"/>
-            <a:endParaRPr lang="pt-PT" sz="1700" dirty="0">
-              <a:solidFill>
-                <a:schemeClr val="tx1"/>
-              </a:solidFill>
-              <a:latin typeface="Consolas" panose="020B0609020204030204" pitchFamily="49" charset="0"/>
-              <a:cs typeface="Segoe UI" panose="020B0502040204020203" pitchFamily="34" charset="0"/>
-            </a:endParaRPr>
-          </a:p>
-          <a:p>
-            <a:pPr marL="182563"/>
-            <a:endParaRPr lang="pt-PT" sz="1700" dirty="0">
-              <a:solidFill>
-                <a:schemeClr val="tx1"/>
-              </a:solidFill>
-              <a:latin typeface="Consolas" panose="020B0609020204030204" pitchFamily="49" charset="0"/>
-              <a:cs typeface="Segoe UI" panose="020B0502040204020203" pitchFamily="34" charset="0"/>
-            </a:endParaRPr>
-          </a:p>
-          <a:p>
-            <a:pPr marL="182563"/>
-            <a:endParaRPr lang="pt-PT" sz="1700" dirty="0">
-              <a:solidFill>
-                <a:schemeClr val="tx1"/>
-              </a:solidFill>
-              <a:latin typeface="Consolas" panose="020B0609020204030204" pitchFamily="49" charset="0"/>
-              <a:cs typeface="Segoe UI" panose="020B0502040204020203" pitchFamily="34" charset="0"/>
-            </a:endParaRPr>
+              <a:t>Fruta é um conceito culinário, por oposição ao de legume, que em geral compreende os frutos e pseudofrutos comestíveis e de sabor adocicado, ainda que haja autores que discordem desta definição, por ser em suas opiniões, demasiado</a:t>
+            </a:r>
+          </a:p>
+          <a:p>
+            <a:pPr marL="182563" algn="just"/>
+            <a:r>
+              <a:rPr lang="pt-PT" sz="1700" dirty="0">
+                <a:solidFill>
+                  <a:schemeClr val="tx1"/>
+                </a:solidFill>
+                <a:latin typeface="Consolas" panose="020B0609020204030204" pitchFamily="49" charset="0"/>
+                <a:cs typeface="Segoe UI" panose="020B0502040204020203" pitchFamily="34" charset="0"/>
+              </a:rPr>
+              <a:t>simplista.</a:t>
+            </a:r>
           </a:p>
         </p:txBody>
       </p:sp>
@@ -11568,7 +12680,7 @@
 </p:sld>
 </file>
 
-<file path=ppt/slides/slide16.xml><?xml version="1.0" encoding="utf-8"?>
+<file path=ppt/slides/slide17.xml><?xml version="1.0" encoding="utf-8"?>
 <p:sld xmlns:a="http://schemas.openxmlformats.org/drawingml/2006/main" xmlns:r="http://schemas.openxmlformats.org/officeDocument/2006/relationships" xmlns:p="http://schemas.openxmlformats.org/presentationml/2006/main">
   <p:cSld>
     <p:spTree>
@@ -12088,6 +13200,507 @@
       </p:grpSpPr>
       <p:sp>
         <p:nvSpPr>
+          <p:cNvPr id="18" name="object 2">
+            <a:extLst>
+              <a:ext uri="{FF2B5EF4-FFF2-40B4-BE49-F238E27FC236}">
+                <a16:creationId xmlns:a16="http://schemas.microsoft.com/office/drawing/2014/main" id="{05AAF6C0-D971-4C1B-B829-B8B4D0B5493A}"/>
+              </a:ext>
+            </a:extLst>
+          </p:cNvPr>
+          <p:cNvSpPr/>
+          <p:nvPr/>
+        </p:nvSpPr>
+        <p:spPr>
+          <a:xfrm>
+            <a:off x="0" y="6"/>
+            <a:ext cx="9144000" cy="6858000"/>
+          </a:xfrm>
+          <a:custGeom>
+            <a:avLst/>
+            <a:gdLst/>
+            <a:ahLst/>
+            <a:cxnLst/>
+            <a:rect l="l" t="t" r="r" b="b"/>
+            <a:pathLst>
+              <a:path w="9144000" h="6858000">
+                <a:moveTo>
+                  <a:pt x="0" y="6857993"/>
+                </a:moveTo>
+                <a:lnTo>
+                  <a:pt x="9144000" y="6857993"/>
+                </a:lnTo>
+                <a:lnTo>
+                  <a:pt x="9144000" y="0"/>
+                </a:lnTo>
+                <a:lnTo>
+                  <a:pt x="0" y="0"/>
+                </a:lnTo>
+                <a:lnTo>
+                  <a:pt x="0" y="6857993"/>
+                </a:lnTo>
+                <a:close/>
+              </a:path>
+            </a:pathLst>
+          </a:custGeom>
+          <a:solidFill>
+            <a:srgbClr val="FAB200"/>
+          </a:solidFill>
+        </p:spPr>
+        <p:txBody>
+          <a:bodyPr wrap="square" lIns="0" tIns="0" rIns="0" bIns="0" rtlCol="0"/>
+          <a:lstStyle/>
+          <a:p>
+            <a:endParaRPr/>
+          </a:p>
+        </p:txBody>
+      </p:sp>
+      <p:sp>
+        <p:nvSpPr>
+          <p:cNvPr id="3" name="object 3"/>
+          <p:cNvSpPr txBox="1">
+            <a:spLocks noGrp="1"/>
+          </p:cNvSpPr>
+          <p:nvPr>
+            <p:ph type="title"/>
+          </p:nvPr>
+        </p:nvSpPr>
+        <p:spPr>
+          <a:xfrm>
+            <a:off x="3196205" y="186331"/>
+            <a:ext cx="2705101" cy="461023"/>
+          </a:xfrm>
+          <a:prstGeom prst="rect">
+            <a:avLst/>
+          </a:prstGeom>
+        </p:spPr>
+        <p:txBody>
+          <a:bodyPr vert="horz" wrap="square" lIns="0" tIns="14604" rIns="0" bIns="0" rtlCol="0">
+            <a:spAutoFit/>
+          </a:bodyPr>
+          <a:lstStyle/>
+          <a:p>
+            <a:pPr marL="12700" algn="ctr">
+              <a:lnSpc>
+                <a:spcPct val="100000"/>
+              </a:lnSpc>
+              <a:spcBef>
+                <a:spcPts val="114"/>
+              </a:spcBef>
+            </a:pPr>
+            <a:r>
+              <a:rPr lang="pt-PT" spc="-135" dirty="0"/>
+              <a:t>Trabalho Futuro</a:t>
+            </a:r>
+            <a:endParaRPr spc="-135" dirty="0"/>
+          </a:p>
+        </p:txBody>
+      </p:sp>
+      <p:pic>
+        <p:nvPicPr>
+          <p:cNvPr id="2052" name="Picture 4" descr="Resultado de imagem para ponto interrogaÃ§ao png">
+            <a:extLst>
+              <a:ext uri="{FF2B5EF4-FFF2-40B4-BE49-F238E27FC236}">
+                <a16:creationId xmlns:a16="http://schemas.microsoft.com/office/drawing/2014/main" id="{DF3841DC-8498-4036-87DF-9A0D93C12B1E}"/>
+              </a:ext>
+            </a:extLst>
+          </p:cNvPr>
+          <p:cNvPicPr>
+            <a:picLocks noChangeAspect="1" noChangeArrowheads="1"/>
+          </p:cNvPicPr>
+          <p:nvPr/>
+        </p:nvPicPr>
+        <p:blipFill>
+          <a:blip r:embed="rId3" cstate="print">
+            <a:extLst>
+              <a:ext uri="{28A0092B-C50C-407E-A947-70E740481C1C}">
+                <a14:useLocalDpi xmlns:a14="http://schemas.microsoft.com/office/drawing/2010/main" val="0"/>
+              </a:ext>
+            </a:extLst>
+          </a:blip>
+          <a:srcRect/>
+          <a:stretch>
+            <a:fillRect/>
+          </a:stretch>
+        </p:blipFill>
+        <p:spPr bwMode="auto">
+          <a:xfrm>
+            <a:off x="7543800" y="368653"/>
+            <a:ext cx="1819969" cy="1819969"/>
+          </a:xfrm>
+          <a:prstGeom prst="rect">
+            <a:avLst/>
+          </a:prstGeom>
+          <a:noFill/>
+          <a:extLst>
+            <a:ext uri="{909E8E84-426E-40DD-AFC4-6F175D3DCCD1}">
+              <a14:hiddenFill xmlns:a14="http://schemas.microsoft.com/office/drawing/2010/main">
+                <a:solidFill>
+                  <a:srgbClr val="FFFFFF"/>
+                </a:solidFill>
+              </a14:hiddenFill>
+            </a:ext>
+          </a:extLst>
+        </p:spPr>
+      </p:pic>
+      <p:pic>
+        <p:nvPicPr>
+          <p:cNvPr id="2054" name="Picture 6" descr="Resultado de imagem para trabalho futuro png">
+            <a:extLst>
+              <a:ext uri="{FF2B5EF4-FFF2-40B4-BE49-F238E27FC236}">
+                <a16:creationId xmlns:a16="http://schemas.microsoft.com/office/drawing/2014/main" id="{7BACF2A3-A54A-444A-A532-AB064B3B4651}"/>
+              </a:ext>
+            </a:extLst>
+          </p:cNvPr>
+          <p:cNvPicPr>
+            <a:picLocks noChangeAspect="1" noChangeArrowheads="1"/>
+          </p:cNvPicPr>
+          <p:nvPr/>
+        </p:nvPicPr>
+        <p:blipFill>
+          <a:blip r:embed="rId4" cstate="print">
+            <a:extLst>
+              <a:ext uri="{BEBA8EAE-BF5A-486C-A8C5-ECC9F3942E4B}">
+                <a14:imgProps xmlns:a14="http://schemas.microsoft.com/office/drawing/2010/main">
+                  <a14:imgLayer r:embed="rId5">
+                    <a14:imgEffect>
+                      <a14:backgroundRemoval t="10000" b="99474" l="10000" r="90000">
+                        <a14:foregroundMark x1="29035" y1="83947" x2="29035" y2="83947"/>
+                        <a14:foregroundMark x1="28860" y1="85000" x2="28070" y2="94211"/>
+                        <a14:foregroundMark x1="27544" y1="80658" x2="26842" y2="92895"/>
+                        <a14:foregroundMark x1="27018" y1="95263" x2="26754" y2="99211"/>
+                        <a14:foregroundMark x1="31228" y1="94474" x2="30351" y2="99474"/>
+                        <a14:foregroundMark x1="30526" y1="79605" x2="30877" y2="98026"/>
+                        <a14:backgroundMark x1="30175" y1="38026" x2="30175" y2="38026"/>
+                        <a14:backgroundMark x1="38158" y1="41053" x2="38158" y2="41053"/>
+                        <a14:backgroundMark x1="34211" y1="72763" x2="34649" y2="78026"/>
+                        <a14:backgroundMark x1="33509" y1="65263" x2="34386" y2="69737"/>
+                        <a14:backgroundMark x1="32018" y1="56447" x2="32018" y2="56447"/>
+                        <a14:backgroundMark x1="32018" y1="56053" x2="32018" y2="56053"/>
+                        <a14:backgroundMark x1="33333" y1="64079" x2="33333" y2="64079"/>
+                        <a14:backgroundMark x1="33070" y1="62237" x2="33070" y2="62237"/>
+                        <a14:backgroundMark x1="42632" y1="43421" x2="42632" y2="43421"/>
+                        <a14:backgroundMark x1="42895" y1="43158" x2="42895" y2="43158"/>
+                        <a14:backgroundMark x1="42105" y1="46974" x2="42105" y2="46974"/>
+                      </a14:backgroundRemoval>
+                    </a14:imgEffect>
+                  </a14:imgLayer>
+                </a14:imgProps>
+              </a:ext>
+              <a:ext uri="{28A0092B-C50C-407E-A947-70E740481C1C}">
+                <a14:useLocalDpi xmlns:a14="http://schemas.microsoft.com/office/drawing/2010/main" val="0"/>
+              </a:ext>
+            </a:extLst>
+          </a:blip>
+          <a:srcRect/>
+          <a:stretch>
+            <a:fillRect/>
+          </a:stretch>
+        </p:blipFill>
+        <p:spPr bwMode="auto">
+          <a:xfrm>
+            <a:off x="-609600" y="152400"/>
+            <a:ext cx="4686301" cy="3124200"/>
+          </a:xfrm>
+          <a:prstGeom prst="rect">
+            <a:avLst/>
+          </a:prstGeom>
+          <a:noFill/>
+          <a:extLst>
+            <a:ext uri="{909E8E84-426E-40DD-AFC4-6F175D3DCCD1}">
+              <a14:hiddenFill xmlns:a14="http://schemas.microsoft.com/office/drawing/2010/main">
+                <a:solidFill>
+                  <a:srgbClr val="FFFFFF"/>
+                </a:solidFill>
+              </a14:hiddenFill>
+            </a:ext>
+          </a:extLst>
+        </p:spPr>
+      </p:pic>
+      <p:sp>
+        <p:nvSpPr>
+          <p:cNvPr id="16" name="Retângulo: Cantos Arredondados 15">
+            <a:extLst>
+              <a:ext uri="{FF2B5EF4-FFF2-40B4-BE49-F238E27FC236}">
+                <a16:creationId xmlns:a16="http://schemas.microsoft.com/office/drawing/2014/main" id="{878AF0DB-B655-457A-AB34-6DE2F0DD9317}"/>
+              </a:ext>
+            </a:extLst>
+          </p:cNvPr>
+          <p:cNvSpPr/>
+          <p:nvPr/>
+        </p:nvSpPr>
+        <p:spPr>
+          <a:xfrm>
+            <a:off x="1295400" y="2057399"/>
+            <a:ext cx="6743699" cy="3261479"/>
+          </a:xfrm>
+          <a:prstGeom prst="roundRect">
+            <a:avLst/>
+          </a:prstGeom>
+          <a:solidFill>
+            <a:srgbClr val="DDDDDD"/>
+          </a:solidFill>
+          <a:ln>
+            <a:noFill/>
+          </a:ln>
+        </p:spPr>
+        <p:style>
+          <a:lnRef idx="2">
+            <a:schemeClr val="accent1">
+              <a:shade val="50000"/>
+            </a:schemeClr>
+          </a:lnRef>
+          <a:fillRef idx="1">
+            <a:schemeClr val="accent1"/>
+          </a:fillRef>
+          <a:effectRef idx="0">
+            <a:schemeClr val="accent1"/>
+          </a:effectRef>
+          <a:fontRef idx="minor">
+            <a:schemeClr val="lt1"/>
+          </a:fontRef>
+        </p:style>
+        <p:txBody>
+          <a:bodyPr rtlCol="0" anchor="ctr"/>
+          <a:lstStyle/>
+          <a:p>
+            <a:pPr algn="ctr"/>
+            <a:endParaRPr lang="pt-PT" dirty="0"/>
+          </a:p>
+        </p:txBody>
+      </p:sp>
+      <p:sp>
+        <p:nvSpPr>
+          <p:cNvPr id="10" name="CaixaDeTexto 9">
+            <a:extLst>
+              <a:ext uri="{FF2B5EF4-FFF2-40B4-BE49-F238E27FC236}">
+                <a16:creationId xmlns:a16="http://schemas.microsoft.com/office/drawing/2014/main" id="{665CFF42-7D2E-4CD5-BF8A-19AEEE23089F}"/>
+              </a:ext>
+            </a:extLst>
+          </p:cNvPr>
+          <p:cNvSpPr txBox="1"/>
+          <p:nvPr/>
+        </p:nvSpPr>
+        <p:spPr>
+          <a:xfrm>
+            <a:off x="1447800" y="2250281"/>
+            <a:ext cx="6391713" cy="3139321"/>
+          </a:xfrm>
+          <a:prstGeom prst="rect">
+            <a:avLst/>
+          </a:prstGeom>
+          <a:noFill/>
+        </p:spPr>
+        <p:txBody>
+          <a:bodyPr wrap="square" rtlCol="0">
+            <a:spAutoFit/>
+          </a:bodyPr>
+          <a:lstStyle/>
+          <a:p>
+            <a:pPr marL="285750" indent="-285750">
+              <a:buFont typeface="Wingdings" panose="05000000000000000000" pitchFamily="2" charset="2"/>
+              <a:buChar char="§"/>
+            </a:pPr>
+            <a:r>
+              <a:rPr lang="pt-PT" dirty="0">
+                <a:latin typeface="Arial" panose="020B0604020202020204" pitchFamily="34" charset="0"/>
+                <a:cs typeface="Arial" panose="020B0604020202020204" pitchFamily="34" charset="0"/>
+              </a:rPr>
+              <a:t>Aprendizagem</a:t>
+            </a:r>
+          </a:p>
+          <a:p>
+            <a:pPr marL="742950" lvl="1" indent="-285750">
+              <a:buFont typeface="Arial" panose="020B0604020202020204" pitchFamily="34" charset="0"/>
+              <a:buChar char="•"/>
+            </a:pPr>
+            <a:r>
+              <a:rPr lang="pt-PT" dirty="0">
+                <a:latin typeface="Arial" panose="020B0604020202020204" pitchFamily="34" charset="0"/>
+                <a:cs typeface="Arial" panose="020B0604020202020204" pitchFamily="34" charset="0"/>
+              </a:rPr>
+              <a:t>Criação de perfis de utilizador</a:t>
+            </a:r>
+          </a:p>
+          <a:p>
+            <a:pPr marL="742950" lvl="1" indent="-285750">
+              <a:buFont typeface="Arial" panose="020B0604020202020204" pitchFamily="34" charset="0"/>
+              <a:buChar char="•"/>
+            </a:pPr>
+            <a:r>
+              <a:rPr lang="pt-PT" dirty="0">
+                <a:latin typeface="Arial" panose="020B0604020202020204" pitchFamily="34" charset="0"/>
+                <a:cs typeface="Arial" panose="020B0604020202020204" pitchFamily="34" charset="0"/>
+              </a:rPr>
+              <a:t>Aprender através dos diálogos (utilizador, filmes, …)</a:t>
+            </a:r>
+          </a:p>
+          <a:p>
+            <a:pPr marL="285750" indent="-285750">
+              <a:buFont typeface="Arial" panose="020B0604020202020204" pitchFamily="34" charset="0"/>
+              <a:buChar char="•"/>
+            </a:pPr>
+            <a:endParaRPr lang="pt-PT" dirty="0">
+              <a:latin typeface="Arial" panose="020B0604020202020204" pitchFamily="34" charset="0"/>
+              <a:cs typeface="Arial" panose="020B0604020202020204" pitchFamily="34" charset="0"/>
+            </a:endParaRPr>
+          </a:p>
+          <a:p>
+            <a:pPr marL="285750" indent="-285750">
+              <a:buFont typeface="Wingdings" panose="05000000000000000000" pitchFamily="2" charset="2"/>
+              <a:buChar char="§"/>
+            </a:pPr>
+            <a:r>
+              <a:rPr lang="pt-PT" dirty="0">
+                <a:latin typeface="Arial" panose="020B0604020202020204" pitchFamily="34" charset="0"/>
+                <a:cs typeface="Arial" panose="020B0604020202020204" pitchFamily="34" charset="0"/>
+              </a:rPr>
+              <a:t>Guardar estados para dar melhor seguimento à conversa</a:t>
+            </a:r>
+          </a:p>
+          <a:p>
+            <a:pPr marL="285750" indent="-285750">
+              <a:buFont typeface="Wingdings" panose="05000000000000000000" pitchFamily="2" charset="2"/>
+              <a:buChar char="§"/>
+            </a:pPr>
+            <a:endParaRPr lang="pt-PT" dirty="0">
+              <a:latin typeface="Arial" panose="020B0604020202020204" pitchFamily="34" charset="0"/>
+              <a:cs typeface="Arial" panose="020B0604020202020204" pitchFamily="34" charset="0"/>
+            </a:endParaRPr>
+          </a:p>
+          <a:p>
+            <a:pPr marL="285750" indent="-285750">
+              <a:buFont typeface="Wingdings" panose="05000000000000000000" pitchFamily="2" charset="2"/>
+              <a:buChar char="§"/>
+            </a:pPr>
+            <a:r>
+              <a:rPr lang="pt-PT" dirty="0">
+                <a:latin typeface="Arial" panose="020B0604020202020204" pitchFamily="34" charset="0"/>
+                <a:cs typeface="Arial" panose="020B0604020202020204" pitchFamily="34" charset="0"/>
+              </a:rPr>
+              <a:t>Melhorar conteúdo das respostas </a:t>
+            </a:r>
+          </a:p>
+          <a:p>
+            <a:pPr marL="285750" indent="-285750">
+              <a:buFont typeface="Wingdings" panose="05000000000000000000" pitchFamily="2" charset="2"/>
+              <a:buChar char="§"/>
+            </a:pPr>
+            <a:endParaRPr lang="pt-PT" dirty="0">
+              <a:latin typeface="Arial" panose="020B0604020202020204" pitchFamily="34" charset="0"/>
+              <a:cs typeface="Arial" panose="020B0604020202020204" pitchFamily="34" charset="0"/>
+            </a:endParaRPr>
+          </a:p>
+          <a:p>
+            <a:pPr marL="285750" indent="-285750">
+              <a:buFont typeface="Wingdings" panose="05000000000000000000" pitchFamily="2" charset="2"/>
+              <a:buChar char="§"/>
+            </a:pPr>
+            <a:endParaRPr lang="pt-PT" dirty="0">
+              <a:latin typeface="Arial" panose="020B0604020202020204" pitchFamily="34" charset="0"/>
+              <a:cs typeface="Arial" panose="020B0604020202020204" pitchFamily="34" charset="0"/>
+            </a:endParaRPr>
+          </a:p>
+          <a:p>
+            <a:pPr marL="742950" lvl="1" indent="-285750">
+              <a:buFont typeface="Arial" panose="020B0604020202020204" pitchFamily="34" charset="0"/>
+              <a:buChar char="•"/>
+            </a:pPr>
+            <a:endParaRPr lang="pt-PT" dirty="0">
+              <a:latin typeface="Arial" panose="020B0604020202020204" pitchFamily="34" charset="0"/>
+              <a:cs typeface="Arial" panose="020B0604020202020204" pitchFamily="34" charset="0"/>
+            </a:endParaRPr>
+          </a:p>
+          <a:p>
+            <a:pPr marL="742950" lvl="1" indent="-285750">
+              <a:buFont typeface="Arial" panose="020B0604020202020204" pitchFamily="34" charset="0"/>
+              <a:buChar char="•"/>
+            </a:pPr>
+            <a:endParaRPr lang="pt-PT" dirty="0">
+              <a:latin typeface="Arial" panose="020B0604020202020204" pitchFamily="34" charset="0"/>
+              <a:cs typeface="Arial" panose="020B0604020202020204" pitchFamily="34" charset="0"/>
+            </a:endParaRPr>
+          </a:p>
+        </p:txBody>
+      </p:sp>
+      <p:pic>
+        <p:nvPicPr>
+          <p:cNvPr id="2060" name="Picture 12" descr="Resultado de imagem para bot png">
+            <a:extLst>
+              <a:ext uri="{FF2B5EF4-FFF2-40B4-BE49-F238E27FC236}">
+                <a16:creationId xmlns:a16="http://schemas.microsoft.com/office/drawing/2014/main" id="{790224CB-C97F-4DAB-8626-1491B3C90123}"/>
+              </a:ext>
+            </a:extLst>
+          </p:cNvPr>
+          <p:cNvPicPr>
+            <a:picLocks noChangeAspect="1" noChangeArrowheads="1"/>
+          </p:cNvPicPr>
+          <p:nvPr/>
+        </p:nvPicPr>
+        <p:blipFill>
+          <a:blip r:embed="rId6" cstate="print">
+            <a:extLst>
+              <a:ext uri="{28A0092B-C50C-407E-A947-70E740481C1C}">
+                <a14:useLocalDpi xmlns:a14="http://schemas.microsoft.com/office/drawing/2010/main" val="0"/>
+              </a:ext>
+            </a:extLst>
+          </a:blip>
+          <a:srcRect/>
+          <a:stretch>
+            <a:fillRect/>
+          </a:stretch>
+        </p:blipFill>
+        <p:spPr bwMode="auto">
+          <a:xfrm>
+            <a:off x="7051885" y="4350172"/>
+            <a:ext cx="1974428" cy="1974428"/>
+          </a:xfrm>
+          <a:prstGeom prst="rect">
+            <a:avLst/>
+          </a:prstGeom>
+          <a:noFill/>
+          <a:extLst>
+            <a:ext uri="{909E8E84-426E-40DD-AFC4-6F175D3DCCD1}">
+              <a14:hiddenFill xmlns:a14="http://schemas.microsoft.com/office/drawing/2010/main">
+                <a:solidFill>
+                  <a:srgbClr val="FFFFFF"/>
+                </a:solidFill>
+              </a14:hiddenFill>
+            </a:ext>
+          </a:extLst>
+        </p:spPr>
+      </p:pic>
+    </p:spTree>
+    <p:extLst>
+      <p:ext uri="{BB962C8B-B14F-4D97-AF65-F5344CB8AC3E}">
+        <p14:creationId xmlns:p14="http://schemas.microsoft.com/office/powerpoint/2010/main" val="1102670507"/>
+      </p:ext>
+    </p:extLst>
+  </p:cSld>
+  <p:clrMapOvr>
+    <a:masterClrMapping/>
+  </p:clrMapOvr>
+</p:sld>
+</file>
+
+<file path=ppt/slides/slide3.xml><?xml version="1.0" encoding="utf-8"?>
+<p:sld xmlns:a="http://schemas.openxmlformats.org/drawingml/2006/main" xmlns:r="http://schemas.openxmlformats.org/officeDocument/2006/relationships" xmlns:p="http://schemas.openxmlformats.org/presentationml/2006/main">
+  <p:cSld>
+    <p:spTree>
+      <p:nvGrpSpPr>
+        <p:cNvPr id="1" name=""/>
+        <p:cNvGrpSpPr/>
+        <p:nvPr/>
+      </p:nvGrpSpPr>
+      <p:grpSpPr>
+        <a:xfrm>
+          <a:off x="0" y="0"/>
+          <a:ext cx="0" cy="0"/>
+          <a:chOff x="0" y="0"/>
+          <a:chExt cx="0" cy="0"/>
+        </a:xfrm>
+      </p:grpSpPr>
+      <p:sp>
+        <p:nvSpPr>
           <p:cNvPr id="2" name="object 2"/>
           <p:cNvSpPr/>
           <p:nvPr/>
@@ -12855,7 +14468,7 @@
 </p:sld>
 </file>
 
-<file path=ppt/slides/slide3.xml><?xml version="1.0" encoding="utf-8"?>
+<file path=ppt/slides/slide4.xml><?xml version="1.0" encoding="utf-8"?>
 <p:sld xmlns:a="http://schemas.openxmlformats.org/drawingml/2006/main" xmlns:r="http://schemas.openxmlformats.org/officeDocument/2006/relationships" xmlns:p="http://schemas.openxmlformats.org/presentationml/2006/main" showMasterSp="0">
   <p:cSld>
     <p:spTree>
@@ -13634,8 +15247,8 @@
         </p:nvSpPr>
         <p:spPr>
           <a:xfrm>
-            <a:off x="4024312" y="299066"/>
-            <a:ext cx="1462088" cy="461023"/>
+            <a:off x="0" y="299066"/>
+            <a:ext cx="9144000" cy="461023"/>
           </a:xfrm>
           <a:prstGeom prst="rect">
             <a:avLst/>
@@ -13661,7 +15274,7 @@
                   <a:schemeClr val="bg1"/>
                 </a:solidFill>
               </a:rPr>
-              <a:t>Exemplo</a:t>
+              <a:t>Caso de estudo da SEI</a:t>
             </a:r>
             <a:endParaRPr spc="-185" dirty="0">
               <a:solidFill>
@@ -13679,7 +15292,7 @@
 </p:sld>
 </file>
 
-<file path=ppt/slides/slide4.xml><?xml version="1.0" encoding="utf-8"?>
+<file path=ppt/slides/slide5.xml><?xml version="1.0" encoding="utf-8"?>
 <p:sld xmlns:a="http://schemas.openxmlformats.org/drawingml/2006/main" xmlns:r="http://schemas.openxmlformats.org/officeDocument/2006/relationships" xmlns:p="http://schemas.openxmlformats.org/presentationml/2006/main">
   <p:cSld>
     <p:spTree>
@@ -13764,8 +15377,8 @@
         </p:nvSpPr>
         <p:spPr>
           <a:xfrm>
-            <a:off x="3433762" y="235637"/>
-            <a:ext cx="2390775" cy="461023"/>
+            <a:off x="0" y="235637"/>
+            <a:ext cx="9144000" cy="461023"/>
           </a:xfrm>
           <a:prstGeom prst="rect">
             <a:avLst/>
@@ -13777,7 +15390,7 @@
           </a:bodyPr>
           <a:lstStyle/>
           <a:p>
-            <a:pPr marL="12700" algn="l">
+            <a:pPr marL="12700" algn="ctr">
               <a:lnSpc>
                 <a:spcPct val="100000"/>
               </a:lnSpc>
@@ -13940,7 +15553,7 @@
 </p:sld>
 </file>
 
-<file path=ppt/slides/slide5.xml><?xml version="1.0" encoding="utf-8"?>
+<file path=ppt/slides/slide6.xml><?xml version="1.0" encoding="utf-8"?>
 <p:sld xmlns:a="http://schemas.openxmlformats.org/drawingml/2006/main" xmlns:r="http://schemas.openxmlformats.org/officeDocument/2006/relationships" xmlns:p="http://schemas.openxmlformats.org/presentationml/2006/main">
   <p:cSld>
     <p:spTree>
@@ -15545,7 +17158,7 @@
 </p:sld>
 </file>
 
-<file path=ppt/slides/slide6.xml><?xml version="1.0" encoding="utf-8"?>
+<file path=ppt/slides/slide7.xml><?xml version="1.0" encoding="utf-8"?>
 <p:sld xmlns:a="http://schemas.openxmlformats.org/drawingml/2006/main" xmlns:r="http://schemas.openxmlformats.org/officeDocument/2006/relationships" xmlns:p="http://schemas.openxmlformats.org/presentationml/2006/main">
   <p:cSld>
     <p:spTree>
@@ -16145,7 +17758,7 @@
 </p:sld>
 </file>
 
-<file path=ppt/slides/slide7.xml><?xml version="1.0" encoding="utf-8"?>
+<file path=ppt/slides/slide8.xml><?xml version="1.0" encoding="utf-8"?>
 <p:sld xmlns:a="http://schemas.openxmlformats.org/drawingml/2006/main" xmlns:r="http://schemas.openxmlformats.org/officeDocument/2006/relationships" xmlns:p="http://schemas.openxmlformats.org/presentationml/2006/main">
   <p:cSld>
     <p:spTree>
@@ -17366,7 +18979,7 @@
 </p:sld>
 </file>
 
-<file path=ppt/slides/slide8.xml><?xml version="1.0" encoding="utf-8"?>
+<file path=ppt/slides/slide9.xml><?xml version="1.0" encoding="utf-8"?>
 <p:sld xmlns:a="http://schemas.openxmlformats.org/drawingml/2006/main" xmlns:r="http://schemas.openxmlformats.org/officeDocument/2006/relationships" xmlns:p="http://schemas.openxmlformats.org/presentationml/2006/main">
   <p:cSld>
     <p:spTree>
@@ -18095,1050 +19708,6 @@
   <p:clrMapOvr>
     <a:masterClrMapping/>
   </p:clrMapOvr>
-</p:sld>
-</file>
-
-<file path=ppt/slides/slide9.xml><?xml version="1.0" encoding="utf-8"?>
-<p:sld xmlns:a="http://schemas.openxmlformats.org/drawingml/2006/main" xmlns:r="http://schemas.openxmlformats.org/officeDocument/2006/relationships" xmlns:p="http://schemas.openxmlformats.org/presentationml/2006/main">
-  <p:cSld>
-    <p:spTree>
-      <p:nvGrpSpPr>
-        <p:cNvPr id="1" name=""/>
-        <p:cNvGrpSpPr/>
-        <p:nvPr/>
-      </p:nvGrpSpPr>
-      <p:grpSpPr>
-        <a:xfrm>
-          <a:off x="0" y="0"/>
-          <a:ext cx="0" cy="0"/>
-          <a:chOff x="0" y="0"/>
-          <a:chExt cx="0" cy="0"/>
-        </a:xfrm>
-      </p:grpSpPr>
-      <p:sp>
-        <p:nvSpPr>
-          <p:cNvPr id="2" name="object 2"/>
-          <p:cNvSpPr/>
-          <p:nvPr/>
-        </p:nvSpPr>
-        <p:spPr>
-          <a:xfrm>
-            <a:off x="0" y="0"/>
-            <a:ext cx="9144000" cy="6858000"/>
-          </a:xfrm>
-          <a:custGeom>
-            <a:avLst/>
-            <a:gdLst/>
-            <a:ahLst/>
-            <a:cxnLst/>
-            <a:rect l="l" t="t" r="r" b="b"/>
-            <a:pathLst>
-              <a:path w="9144000" h="6858000">
-                <a:moveTo>
-                  <a:pt x="0" y="6857995"/>
-                </a:moveTo>
-                <a:lnTo>
-                  <a:pt x="9144000" y="6857995"/>
-                </a:lnTo>
-                <a:lnTo>
-                  <a:pt x="9144000" y="0"/>
-                </a:lnTo>
-                <a:lnTo>
-                  <a:pt x="0" y="0"/>
-                </a:lnTo>
-                <a:lnTo>
-                  <a:pt x="0" y="6857995"/>
-                </a:lnTo>
-                <a:close/>
-              </a:path>
-            </a:pathLst>
-          </a:custGeom>
-          <a:solidFill>
-            <a:srgbClr val="38505F"/>
-          </a:solidFill>
-        </p:spPr>
-        <p:txBody>
-          <a:bodyPr wrap="square" lIns="0" tIns="0" rIns="0" bIns="0" rtlCol="0"/>
-          <a:lstStyle/>
-          <a:p>
-            <a:endParaRPr dirty="0"/>
-          </a:p>
-        </p:txBody>
-      </p:sp>
-      <p:sp>
-        <p:nvSpPr>
-          <p:cNvPr id="8" name="Retângulo: Cantos Arredondados 7">
-            <a:extLst>
-              <a:ext uri="{FF2B5EF4-FFF2-40B4-BE49-F238E27FC236}">
-                <a16:creationId xmlns:a16="http://schemas.microsoft.com/office/drawing/2014/main" id="{3C45E504-FB1A-48F4-A766-975714195E17}"/>
-              </a:ext>
-            </a:extLst>
-          </p:cNvPr>
-          <p:cNvSpPr/>
-          <p:nvPr/>
-        </p:nvSpPr>
-        <p:spPr>
-          <a:xfrm>
-            <a:off x="419100" y="932296"/>
-            <a:ext cx="8420100" cy="5392304"/>
-          </a:xfrm>
-          <a:prstGeom prst="roundRect">
-            <a:avLst/>
-          </a:prstGeom>
-          <a:solidFill>
-            <a:srgbClr val="DDDDDD"/>
-          </a:solidFill>
-          <a:ln>
-            <a:solidFill>
-              <a:srgbClr val="DDDDDD"/>
-            </a:solidFill>
-          </a:ln>
-        </p:spPr>
-        <p:style>
-          <a:lnRef idx="2">
-            <a:schemeClr val="accent1">
-              <a:shade val="50000"/>
-            </a:schemeClr>
-          </a:lnRef>
-          <a:fillRef idx="1">
-            <a:schemeClr val="accent1"/>
-          </a:fillRef>
-          <a:effectRef idx="0">
-            <a:schemeClr val="accent1"/>
-          </a:effectRef>
-          <a:fontRef idx="minor">
-            <a:schemeClr val="lt1"/>
-          </a:fontRef>
-        </p:style>
-        <p:txBody>
-          <a:bodyPr rtlCol="0" anchor="ctr"/>
-          <a:lstStyle/>
-          <a:p>
-            <a:pPr algn="ctr"/>
-            <a:endParaRPr lang="pt-PT" dirty="0"/>
-          </a:p>
-        </p:txBody>
-      </p:sp>
-      <p:sp>
-        <p:nvSpPr>
-          <p:cNvPr id="7" name="CaixaDeTexto 6">
-            <a:extLst>
-              <a:ext uri="{FF2B5EF4-FFF2-40B4-BE49-F238E27FC236}">
-                <a16:creationId xmlns:a16="http://schemas.microsoft.com/office/drawing/2014/main" id="{84725617-FF18-4130-A845-0C3F25166607}"/>
-              </a:ext>
-            </a:extLst>
-          </p:cNvPr>
-          <p:cNvSpPr txBox="1"/>
-          <p:nvPr/>
-        </p:nvSpPr>
-        <p:spPr>
-          <a:xfrm>
-            <a:off x="361950" y="3276600"/>
-            <a:ext cx="8420100" cy="523220"/>
-          </a:xfrm>
-          <a:prstGeom prst="rect">
-            <a:avLst/>
-          </a:prstGeom>
-          <a:noFill/>
-        </p:spPr>
-        <p:txBody>
-          <a:bodyPr wrap="square" rtlCol="0" anchor="ctr">
-            <a:spAutoFit/>
-          </a:bodyPr>
-          <a:lstStyle/>
-          <a:p>
-            <a:pPr algn="ctr"/>
-            <a:r>
-              <a:rPr lang="pt-PT" sz="2800" dirty="0">
-                <a:solidFill>
-                  <a:srgbClr val="00B050"/>
-                </a:solidFill>
-                <a:latin typeface="Consolas" panose="020B0609020204030204" pitchFamily="49" charset="0"/>
-                <a:cs typeface="Arial" panose="020B0604020202020204" pitchFamily="34" charset="0"/>
-              </a:rPr>
-              <a:t>“</a:t>
-            </a:r>
-            <a:r>
-              <a:rPr lang="pt-PT" sz="2800" dirty="0">
-                <a:solidFill>
-                  <a:srgbClr val="C00000"/>
-                </a:solidFill>
-                <a:latin typeface="Consolas" panose="020B0609020204030204" pitchFamily="49" charset="0"/>
-                <a:cs typeface="Arial" panose="020B0604020202020204" pitchFamily="34" charset="0"/>
-              </a:rPr>
-              <a:t>Quando</a:t>
-            </a:r>
-            <a:r>
-              <a:rPr lang="pt-PT" sz="2800" dirty="0">
-                <a:solidFill>
-                  <a:srgbClr val="00B050"/>
-                </a:solidFill>
-                <a:latin typeface="Consolas" panose="020B0609020204030204" pitchFamily="49" charset="0"/>
-                <a:cs typeface="Arial" panose="020B0604020202020204" pitchFamily="34" charset="0"/>
-              </a:rPr>
-              <a:t> é a sessão de abertura?”</a:t>
-            </a:r>
-          </a:p>
-        </p:txBody>
-      </p:sp>
-      <p:pic>
-        <p:nvPicPr>
-          <p:cNvPr id="14" name="Imagem 13">
-            <a:extLst>
-              <a:ext uri="{FF2B5EF4-FFF2-40B4-BE49-F238E27FC236}">
-                <a16:creationId xmlns:a16="http://schemas.microsoft.com/office/drawing/2014/main" id="{FB20CB1E-E90C-4757-BE49-959662789E67}"/>
-              </a:ext>
-            </a:extLst>
-          </p:cNvPr>
-          <p:cNvPicPr>
-            <a:picLocks noChangeAspect="1"/>
-          </p:cNvPicPr>
-          <p:nvPr/>
-        </p:nvPicPr>
-        <p:blipFill rotWithShape="1">
-          <a:blip r:embed="rId3">
-            <a:extLst>
-              <a:ext uri="{BEBA8EAE-BF5A-486C-A8C5-ECC9F3942E4B}">
-                <a14:imgProps xmlns:a14="http://schemas.microsoft.com/office/drawing/2010/main">
-                  <a14:imgLayer r:embed="rId4">
-                    <a14:imgEffect>
-                      <a14:backgroundRemoval t="4348" b="96377" l="9804" r="89216">
-                        <a14:foregroundMark x1="42327" y1="69077" x2="32353" y2="34058"/>
-                        <a14:foregroundMark x1="42896" y1="71074" x2="42719" y2="70452"/>
-                        <a14:foregroundMark x1="44280" y1="75933" x2="43980" y2="74878"/>
-                        <a14:foregroundMark x1="46078" y1="82246" x2="45495" y2="80198"/>
-                        <a14:foregroundMark x1="59321" y1="76635" x2="59774" y2="76294"/>
-                        <a14:foregroundMark x1="47059" y1="85870" x2="57454" y2="78041"/>
-                        <a14:foregroundMark x1="77585" y1="54932" x2="79085" y2="52899"/>
-                        <a14:foregroundMark x1="67413" y1="68715" x2="75327" y2="57991"/>
-                        <a14:foregroundMark x1="60784" y1="87319" x2="50327" y2="90217"/>
-                        <a14:foregroundMark x1="50327" y1="90217" x2="34009" y2="88071"/>
-                        <a14:foregroundMark x1="39542" y1="87681" x2="51634" y2="89493"/>
-                        <a14:foregroundMark x1="51634" y1="89493" x2="60131" y2="86957"/>
-                        <a14:foregroundMark x1="60131" y1="86957" x2="63072" y2="84058"/>
-                        <a14:foregroundMark x1="63072" y1="85870" x2="54902" y2="91667"/>
-                        <a14:foregroundMark x1="54902" y1="91667" x2="43137" y2="92029"/>
-                        <a14:foregroundMark x1="42157" y1="92391" x2="51634" y2="93116"/>
-                        <a14:foregroundMark x1="51634" y1="93116" x2="55556" y2="92029"/>
-                        <a14:foregroundMark x1="54902" y1="93841" x2="46405" y2="94928"/>
-                        <a14:foregroundMark x1="24749" y1="62028" x2="27778" y2="37681"/>
-                        <a14:foregroundMark x1="27778" y1="37681" x2="30392" y2="34058"/>
-                        <a14:foregroundMark x1="34448" y1="69561" x2="37908" y2="41304"/>
-                        <a14:foregroundMark x1="49520" y1="69784" x2="52614" y2="55797"/>
-                        <a14:foregroundMark x1="59125" y1="68788" x2="60131" y2="56522"/>
-                        <a14:foregroundMark x1="66018" y1="68736" x2="68627" y2="53986"/>
-                        <a14:foregroundMark x1="71518" y1="65483" x2="71242" y2="51087"/>
-                        <a14:foregroundMark x1="70588" y1="60507" x2="70588" y2="43478"/>
-                        <a14:foregroundMark x1="69935" y1="39130" x2="66667" y2="29710"/>
-                        <a14:foregroundMark x1="66667" y1="29710" x2="57516" y2="26449"/>
-                        <a14:foregroundMark x1="57516" y1="26449" x2="36601" y2="28623"/>
-                        <a14:foregroundMark x1="36601" y1="28623" x2="33660" y2="30797"/>
-                        <a14:foregroundMark x1="48366" y1="7971" x2="49346" y2="13406"/>
-                        <a14:foregroundMark x1="49346" y1="7971" x2="49346" y2="12319"/>
-                        <a14:foregroundMark x1="48693" y1="8696" x2="49346" y2="12681"/>
-                        <a14:foregroundMark x1="50000" y1="8333" x2="51307" y2="11957"/>
-                        <a14:foregroundMark x1="50654" y1="8333" x2="49673" y2="13043"/>
-                        <a14:foregroundMark x1="48693" y1="7609" x2="49020" y2="12681"/>
-                        <a14:foregroundMark x1="49020" y1="10145" x2="49020" y2="4710"/>
-                        <a14:foregroundMark x1="18627" y1="50362" x2="27124" y2="50000"/>
-                        <a14:foregroundMark x1="47386" y1="93478" x2="50000" y2="94928"/>
-                        <a14:foregroundMark x1="45752" y1="96377" x2="51634" y2="95290"/>
-                        <a14:foregroundMark x1="51634" y1="94928" x2="51634" y2="94928"/>
-                        <a14:backgroundMark x1="14379" y1="11957" x2="11111" y2="54348"/>
-                        <a14:backgroundMark x1="17647" y1="77174" x2="25163" y2="76812"/>
-                        <a14:backgroundMark x1="24837" y1="71014" x2="22876" y2="84058"/>
-                        <a14:backgroundMark x1="22876" y1="84058" x2="22222" y2="85507"/>
-                        <a14:backgroundMark x1="20261" y1="65217" x2="23856" y2="77174"/>
-                        <a14:backgroundMark x1="23856" y1="77174" x2="30719" y2="75362"/>
-                        <a14:backgroundMark x1="73856" y1="74638" x2="78105" y2="73551"/>
-                        <a14:backgroundMark x1="76144" y1="72101" x2="77778" y2="75362"/>
-                        <a14:backgroundMark x1="72549" y1="75000" x2="76144" y2="77899"/>
-                        <a14:backgroundMark x1="72222" y1="75725" x2="75817" y2="79710"/>
-                        <a14:backgroundMark x1="72222" y1="74638" x2="75817" y2="77536"/>
-                        <a14:backgroundMark x1="71569" y1="74638" x2="76144" y2="76812"/>
-                        <a14:backgroundMark x1="72876" y1="74638" x2="77124" y2="76449"/>
-                        <a14:backgroundMark x1="80719" y1="61957" x2="80065" y2="74638"/>
-                        <a14:backgroundMark x1="80065" y1="74638" x2="71569" y2="86957"/>
-                        <a14:backgroundMark x1="19935" y1="75000" x2="31373" y2="75000"/>
-                        <a14:backgroundMark x1="31373" y1="75000" x2="36275" y2="73913"/>
-                        <a14:backgroundMark x1="63072" y1="73913" x2="74183" y2="73913"/>
-                        <a14:backgroundMark x1="74183" y1="73913" x2="76797" y2="73188"/>
-                        <a14:backgroundMark x1="76797" y1="66667" x2="74183" y2="80797"/>
-                        <a14:backgroundMark x1="17320" y1="60870" x2="18954" y2="74275"/>
-                        <a14:backgroundMark x1="18954" y1="74275" x2="23856" y2="85145"/>
-                        <a14:backgroundMark x1="23856" y1="85145" x2="27778" y2="87319"/>
-                        <a14:backgroundMark x1="17320" y1="59420" x2="18627" y2="61232"/>
-                        <a14:backgroundMark x1="16667" y1="60870" x2="18301" y2="62319"/>
-                        <a14:backgroundMark x1="17320" y1="59058" x2="17974" y2="61594"/>
-                        <a14:backgroundMark x1="27778" y1="86232" x2="26797" y2="91667"/>
-                        <a14:backgroundMark x1="28105" y1="87319" x2="28105" y2="91667"/>
-                        <a14:backgroundMark x1="69935" y1="85507" x2="70588" y2="94928"/>
-                        <a14:backgroundMark x1="28105" y1="86594" x2="29085" y2="92391"/>
-                        <a14:backgroundMark x1="16013" y1="57609" x2="19935" y2="60870"/>
-                        <a14:backgroundMark x1="24183" y1="62319" x2="26144" y2="66667"/>
-                        <a14:backgroundMark x1="67974" y1="71377" x2="61765" y2="73913"/>
-                        <a14:backgroundMark x1="62418" y1="74638" x2="58824" y2="74638"/>
-                        <a14:backgroundMark x1="58497" y1="75000" x2="55556" y2="74275"/>
-                        <a14:backgroundMark x1="37908" y1="74275" x2="40523" y2="74275"/>
-                        <a14:backgroundMark x1="40850" y1="74638" x2="44118" y2="74638"/>
-                        <a14:backgroundMark x1="45098" y1="74638" x2="47386" y2="75000"/>
-                        <a14:backgroundMark x1="48366" y1="75000" x2="49673" y2="75000"/>
-                        <a14:backgroundMark x1="48693" y1="74275" x2="49020" y2="74275"/>
-                        <a14:backgroundMark x1="47386" y1="74275" x2="49020" y2="74275"/>
-                        <a14:backgroundMark x1="78758" y1="61594" x2="82680" y2="59783"/>
-                        <a14:backgroundMark x1="81373" y1="58696" x2="79739" y2="60145"/>
-                        <a14:backgroundMark x1="81373" y1="58696" x2="78758" y2="61232"/>
-                      </a14:backgroundRemoval>
-                    </a14:imgEffect>
-                  </a14:imgLayer>
-                </a14:imgProps>
-              </a:ext>
-            </a:extLst>
-          </a:blip>
-          <a:srcRect l="12176" r="12062"/>
-          <a:stretch/>
-        </p:blipFill>
-        <p:spPr>
-          <a:xfrm>
-            <a:off x="2209800" y="1312157"/>
-            <a:ext cx="752227" cy="895545"/>
-          </a:xfrm>
-          <a:prstGeom prst="rect">
-            <a:avLst/>
-          </a:prstGeom>
-        </p:spPr>
-      </p:pic>
-      <p:sp>
-        <p:nvSpPr>
-          <p:cNvPr id="45" name="CaixaDeTexto 44">
-            <a:extLst>
-              <a:ext uri="{FF2B5EF4-FFF2-40B4-BE49-F238E27FC236}">
-                <a16:creationId xmlns:a16="http://schemas.microsoft.com/office/drawing/2014/main" id="{4656957C-6200-4371-9D49-1E125A611C4D}"/>
-              </a:ext>
-            </a:extLst>
-          </p:cNvPr>
-          <p:cNvSpPr txBox="1"/>
-          <p:nvPr/>
-        </p:nvSpPr>
-        <p:spPr>
-          <a:xfrm>
-            <a:off x="1842963" y="2173069"/>
-            <a:ext cx="1485900" cy="646331"/>
-          </a:xfrm>
-          <a:prstGeom prst="rect">
-            <a:avLst/>
-          </a:prstGeom>
-          <a:noFill/>
-        </p:spPr>
-        <p:txBody>
-          <a:bodyPr wrap="square" rtlCol="0" anchor="ctr">
-            <a:spAutoFit/>
-          </a:bodyPr>
-          <a:lstStyle/>
-          <a:p>
-            <a:pPr algn="ctr"/>
-            <a:r>
-              <a:rPr lang="pt-PT" dirty="0">
-                <a:solidFill>
-                  <a:schemeClr val="accent1">
-                    <a:lumMod val="50000"/>
-                  </a:schemeClr>
-                </a:solidFill>
-                <a:latin typeface="Consolas" panose="020B0609020204030204" pitchFamily="49" charset="0"/>
-                <a:cs typeface="Arial" panose="020B0604020202020204" pitchFamily="34" charset="0"/>
-              </a:rPr>
-              <a:t>Bot2</a:t>
-            </a:r>
-          </a:p>
-          <a:p>
-            <a:pPr algn="ctr"/>
-            <a:r>
-              <a:rPr lang="pt-PT" b="1" dirty="0">
-                <a:solidFill>
-                  <a:schemeClr val="accent1">
-                    <a:lumMod val="50000"/>
-                  </a:schemeClr>
-                </a:solidFill>
-                <a:latin typeface="Consolas" panose="020B0609020204030204" pitchFamily="49" charset="0"/>
-                <a:cs typeface="Arial" panose="020B0604020202020204" pitchFamily="34" charset="0"/>
-              </a:rPr>
-              <a:t>Agenda SEI</a:t>
-            </a:r>
-          </a:p>
-        </p:txBody>
-      </p:sp>
-      <p:sp>
-        <p:nvSpPr>
-          <p:cNvPr id="23" name="Retângulo 22">
-            <a:extLst>
-              <a:ext uri="{FF2B5EF4-FFF2-40B4-BE49-F238E27FC236}">
-                <a16:creationId xmlns:a16="http://schemas.microsoft.com/office/drawing/2014/main" id="{F6C4C90B-38D1-454E-A513-F8CE1579BF09}"/>
-              </a:ext>
-            </a:extLst>
-          </p:cNvPr>
-          <p:cNvSpPr/>
-          <p:nvPr/>
-        </p:nvSpPr>
-        <p:spPr>
-          <a:xfrm>
-            <a:off x="3962400" y="1694393"/>
-            <a:ext cx="3429000" cy="784830"/>
-          </a:xfrm>
-          <a:prstGeom prst="rect">
-            <a:avLst/>
-          </a:prstGeom>
-        </p:spPr>
-        <p:txBody>
-          <a:bodyPr wrap="square">
-            <a:spAutoFit/>
-          </a:bodyPr>
-          <a:lstStyle/>
-          <a:p>
-            <a:pPr lvl="0"/>
-            <a:r>
-              <a:rPr lang="pt-PT" sz="1500" dirty="0">
-                <a:solidFill>
-                  <a:srgbClr val="488ED4"/>
-                </a:solidFill>
-                <a:latin typeface="Consolas" panose="020B0609020204030204" pitchFamily="49" charset="0"/>
-                <a:cs typeface="Arial" panose="020B0604020202020204" pitchFamily="34" charset="0"/>
-              </a:rPr>
-              <a:t>CREATE</a:t>
-            </a:r>
-            <a:r>
-              <a:rPr lang="pt-PT" sz="1500" dirty="0">
-                <a:solidFill>
-                  <a:prstClr val="black"/>
-                </a:solidFill>
-                <a:latin typeface="Consolas" panose="020B0609020204030204" pitchFamily="49" charset="0"/>
-                <a:cs typeface="Arial" panose="020B0604020202020204" pitchFamily="34" charset="0"/>
-              </a:rPr>
-              <a:t> </a:t>
-            </a:r>
-            <a:r>
-              <a:rPr lang="pt-PT" sz="1500" dirty="0" err="1">
-                <a:solidFill>
-                  <a:prstClr val="black"/>
-                </a:solidFill>
-                <a:latin typeface="Consolas" panose="020B0609020204030204" pitchFamily="49" charset="0"/>
-                <a:cs typeface="Arial" panose="020B0604020202020204" pitchFamily="34" charset="0"/>
-              </a:rPr>
-              <a:t>bot_csv</a:t>
-            </a:r>
-            <a:r>
-              <a:rPr lang="pt-PT" sz="1500" dirty="0">
-                <a:solidFill>
-                  <a:prstClr val="black"/>
-                </a:solidFill>
-                <a:latin typeface="Consolas" panose="020B0609020204030204" pitchFamily="49" charset="0"/>
-                <a:cs typeface="Arial" panose="020B0604020202020204" pitchFamily="34" charset="0"/>
-              </a:rPr>
-              <a:t> </a:t>
-            </a:r>
-          </a:p>
-          <a:p>
-            <a:pPr lvl="0"/>
-            <a:r>
-              <a:rPr lang="pt-PT" sz="1500" dirty="0">
-                <a:solidFill>
-                  <a:srgbClr val="C85C57"/>
-                </a:solidFill>
-                <a:latin typeface="Consolas" panose="020B0609020204030204" pitchFamily="49" charset="0"/>
-                <a:cs typeface="Arial" panose="020B0604020202020204" pitchFamily="34" charset="0"/>
-              </a:rPr>
-              <a:t>WITH</a:t>
-            </a:r>
-            <a:r>
-              <a:rPr lang="pt-PT" sz="1500" dirty="0">
-                <a:solidFill>
-                  <a:srgbClr val="488ED4"/>
-                </a:solidFill>
-                <a:latin typeface="Consolas" panose="020B0609020204030204" pitchFamily="49" charset="0"/>
-                <a:cs typeface="Arial" panose="020B0604020202020204" pitchFamily="34" charset="0"/>
-              </a:rPr>
-              <a:t> </a:t>
-            </a:r>
-            <a:r>
-              <a:rPr lang="pt-PT" sz="1500" dirty="0" err="1">
-                <a:solidFill>
-                  <a:prstClr val="black"/>
-                </a:solidFill>
-                <a:latin typeface="Consolas" panose="020B0609020204030204" pitchFamily="49" charset="0"/>
-                <a:cs typeface="Arial" panose="020B0604020202020204" pitchFamily="34" charset="0"/>
-              </a:rPr>
-              <a:t>agenda_SEI_schema.json</a:t>
-            </a:r>
-            <a:r>
-              <a:rPr lang="pt-PT" sz="1500" dirty="0">
-                <a:solidFill>
-                  <a:srgbClr val="488ED4"/>
-                </a:solidFill>
-                <a:latin typeface="Consolas" panose="020B0609020204030204" pitchFamily="49" charset="0"/>
-                <a:cs typeface="Arial" panose="020B0604020202020204" pitchFamily="34" charset="0"/>
-              </a:rPr>
-              <a:t> </a:t>
-            </a:r>
-          </a:p>
-          <a:p>
-            <a:pPr lvl="0"/>
-            <a:r>
-              <a:rPr lang="pt-PT" sz="1500" dirty="0">
-                <a:solidFill>
-                  <a:srgbClr val="00B050"/>
-                </a:solidFill>
-                <a:latin typeface="Consolas" panose="020B0609020204030204" pitchFamily="49" charset="0"/>
-                <a:cs typeface="Arial" panose="020B0604020202020204" pitchFamily="34" charset="0"/>
-              </a:rPr>
-              <a:t>FROM</a:t>
-            </a:r>
-            <a:r>
-              <a:rPr lang="pt-PT" sz="1500" dirty="0">
-                <a:solidFill>
-                  <a:srgbClr val="488ED4"/>
-                </a:solidFill>
-                <a:latin typeface="Consolas" panose="020B0609020204030204" pitchFamily="49" charset="0"/>
-                <a:cs typeface="Arial" panose="020B0604020202020204" pitchFamily="34" charset="0"/>
-              </a:rPr>
-              <a:t> </a:t>
-            </a:r>
-            <a:r>
-              <a:rPr lang="pt-PT" sz="1500" dirty="0">
-                <a:solidFill>
-                  <a:prstClr val="black"/>
-                </a:solidFill>
-                <a:latin typeface="Consolas" panose="020B0609020204030204" pitchFamily="49" charset="0"/>
-                <a:cs typeface="Arial" panose="020B0604020202020204" pitchFamily="34" charset="0"/>
-              </a:rPr>
-              <a:t>agenda_SEI.csv</a:t>
-            </a:r>
-          </a:p>
-        </p:txBody>
-      </p:sp>
-      <p:cxnSp>
-        <p:nvCxnSpPr>
-          <p:cNvPr id="24" name="Conexão reta 23">
-            <a:extLst>
-              <a:ext uri="{FF2B5EF4-FFF2-40B4-BE49-F238E27FC236}">
-                <a16:creationId xmlns:a16="http://schemas.microsoft.com/office/drawing/2014/main" id="{6245EF25-CBCC-40B7-B0E6-014B8DAF64D4}"/>
-              </a:ext>
-            </a:extLst>
-          </p:cNvPr>
-          <p:cNvCxnSpPr>
-            <a:cxnSpLocks/>
-          </p:cNvCxnSpPr>
-          <p:nvPr/>
-        </p:nvCxnSpPr>
-        <p:spPr>
-          <a:xfrm>
-            <a:off x="3767429" y="1641767"/>
-            <a:ext cx="3547771" cy="0"/>
-          </a:xfrm>
-          <a:prstGeom prst="line">
-            <a:avLst/>
-          </a:prstGeom>
-          <a:ln w="19050"/>
-        </p:spPr>
-        <p:style>
-          <a:lnRef idx="1">
-            <a:schemeClr val="accent1"/>
-          </a:lnRef>
-          <a:fillRef idx="0">
-            <a:schemeClr val="accent1"/>
-          </a:fillRef>
-          <a:effectRef idx="0">
-            <a:schemeClr val="accent1"/>
-          </a:effectRef>
-          <a:fontRef idx="minor">
-            <a:schemeClr val="tx1"/>
-          </a:fontRef>
-        </p:style>
-      </p:cxnSp>
-      <p:cxnSp>
-        <p:nvCxnSpPr>
-          <p:cNvPr id="30" name="Conexão reta 29">
-            <a:extLst>
-              <a:ext uri="{FF2B5EF4-FFF2-40B4-BE49-F238E27FC236}">
-                <a16:creationId xmlns:a16="http://schemas.microsoft.com/office/drawing/2014/main" id="{4DA85C04-D9FA-44B7-9360-8C3625ABB9DF}"/>
-              </a:ext>
-            </a:extLst>
-          </p:cNvPr>
-          <p:cNvCxnSpPr>
-            <a:cxnSpLocks/>
-          </p:cNvCxnSpPr>
-          <p:nvPr/>
-        </p:nvCxnSpPr>
-        <p:spPr>
-          <a:xfrm>
-            <a:off x="3767429" y="2556167"/>
-            <a:ext cx="3547771" cy="0"/>
-          </a:xfrm>
-          <a:prstGeom prst="line">
-            <a:avLst/>
-          </a:prstGeom>
-          <a:ln w="19050"/>
-        </p:spPr>
-        <p:style>
-          <a:lnRef idx="1">
-            <a:schemeClr val="accent1"/>
-          </a:lnRef>
-          <a:fillRef idx="0">
-            <a:schemeClr val="accent1"/>
-          </a:fillRef>
-          <a:effectRef idx="0">
-            <a:schemeClr val="accent1"/>
-          </a:effectRef>
-          <a:fontRef idx="minor">
-            <a:schemeClr val="tx1"/>
-          </a:fontRef>
-        </p:style>
-      </p:cxnSp>
-      <p:sp>
-        <p:nvSpPr>
-          <p:cNvPr id="32" name="Parêntese direito 31">
-            <a:extLst>
-              <a:ext uri="{FF2B5EF4-FFF2-40B4-BE49-F238E27FC236}">
-                <a16:creationId xmlns:a16="http://schemas.microsoft.com/office/drawing/2014/main" id="{621DF0D2-38E3-4DFB-AE69-A1CA17AAD67A}"/>
-              </a:ext>
-            </a:extLst>
-          </p:cNvPr>
-          <p:cNvSpPr/>
-          <p:nvPr/>
-        </p:nvSpPr>
-        <p:spPr>
-          <a:xfrm rot="5400000">
-            <a:off x="5061329" y="1602794"/>
-            <a:ext cx="164342" cy="4343400"/>
-          </a:xfrm>
-          <a:prstGeom prst="rightBracket">
-            <a:avLst/>
-          </a:prstGeom>
-          <a:ln w="19050"/>
-        </p:spPr>
-        <p:style>
-          <a:lnRef idx="1">
-            <a:schemeClr val="accent1"/>
-          </a:lnRef>
-          <a:fillRef idx="0">
-            <a:schemeClr val="accent1"/>
-          </a:fillRef>
-          <a:effectRef idx="0">
-            <a:schemeClr val="accent1"/>
-          </a:effectRef>
-          <a:fontRef idx="minor">
-            <a:schemeClr val="tx1"/>
-          </a:fontRef>
-        </p:style>
-        <p:txBody>
-          <a:bodyPr rtlCol="0" anchor="ctr"/>
-          <a:lstStyle/>
-          <a:p>
-            <a:pPr algn="ctr"/>
-            <a:endParaRPr lang="pt-PT"/>
-          </a:p>
-        </p:txBody>
-      </p:sp>
-      <p:sp>
-        <p:nvSpPr>
-          <p:cNvPr id="34" name="CaixaDeTexto 33">
-            <a:extLst>
-              <a:ext uri="{FF2B5EF4-FFF2-40B4-BE49-F238E27FC236}">
-                <a16:creationId xmlns:a16="http://schemas.microsoft.com/office/drawing/2014/main" id="{725B04F0-0439-4BF4-802D-1577B5CFC04B}"/>
-              </a:ext>
-            </a:extLst>
-          </p:cNvPr>
-          <p:cNvSpPr txBox="1"/>
-          <p:nvPr/>
-        </p:nvSpPr>
-        <p:spPr>
-          <a:xfrm>
-            <a:off x="1461575" y="3856664"/>
-            <a:ext cx="1466850" cy="369332"/>
-          </a:xfrm>
-          <a:prstGeom prst="rect">
-            <a:avLst/>
-          </a:prstGeom>
-          <a:noFill/>
-        </p:spPr>
-        <p:txBody>
-          <a:bodyPr wrap="square" rtlCol="0" anchor="ctr">
-            <a:spAutoFit/>
-          </a:bodyPr>
-          <a:lstStyle/>
-          <a:p>
-            <a:pPr algn="ctr"/>
-            <a:r>
-              <a:rPr lang="pt-PT" dirty="0">
-                <a:solidFill>
-                  <a:schemeClr val="accent1">
-                    <a:lumMod val="50000"/>
-                  </a:schemeClr>
-                </a:solidFill>
-                <a:latin typeface="Consolas" panose="020B0609020204030204" pitchFamily="49" charset="0"/>
-                <a:cs typeface="Arial" panose="020B0604020202020204" pitchFamily="34" charset="0"/>
-              </a:rPr>
-              <a:t>temporal</a:t>
-            </a:r>
-          </a:p>
-        </p:txBody>
-      </p:sp>
-      <p:sp>
-        <p:nvSpPr>
-          <p:cNvPr id="37" name="Parêntese direito 36">
-            <a:extLst>
-              <a:ext uri="{FF2B5EF4-FFF2-40B4-BE49-F238E27FC236}">
-                <a16:creationId xmlns:a16="http://schemas.microsoft.com/office/drawing/2014/main" id="{9F36CC8E-DC30-478E-B5A6-5807BB41472E}"/>
-              </a:ext>
-            </a:extLst>
-          </p:cNvPr>
-          <p:cNvSpPr/>
-          <p:nvPr/>
-        </p:nvSpPr>
-        <p:spPr>
-          <a:xfrm rot="5400000">
-            <a:off x="2121658" y="3170865"/>
-            <a:ext cx="176284" cy="1219200"/>
-          </a:xfrm>
-          <a:prstGeom prst="rightBracket">
-            <a:avLst/>
-          </a:prstGeom>
-          <a:ln w="19050"/>
-        </p:spPr>
-        <p:style>
-          <a:lnRef idx="1">
-            <a:schemeClr val="accent1"/>
-          </a:lnRef>
-          <a:fillRef idx="0">
-            <a:schemeClr val="accent1"/>
-          </a:fillRef>
-          <a:effectRef idx="0">
-            <a:schemeClr val="accent1"/>
-          </a:effectRef>
-          <a:fontRef idx="minor">
-            <a:schemeClr val="tx1"/>
-          </a:fontRef>
-        </p:style>
-        <p:txBody>
-          <a:bodyPr rtlCol="0" anchor="ctr"/>
-          <a:lstStyle/>
-          <a:p>
-            <a:pPr algn="ctr"/>
-            <a:endParaRPr lang="pt-PT"/>
-          </a:p>
-        </p:txBody>
-      </p:sp>
-      <p:sp>
-        <p:nvSpPr>
-          <p:cNvPr id="18" name="object 2">
-            <a:extLst>
-              <a:ext uri="{FF2B5EF4-FFF2-40B4-BE49-F238E27FC236}">
-                <a16:creationId xmlns:a16="http://schemas.microsoft.com/office/drawing/2014/main" id="{6854C568-CD2A-48AC-A19F-750C715E00A7}"/>
-              </a:ext>
-            </a:extLst>
-          </p:cNvPr>
-          <p:cNvSpPr txBox="1">
-            <a:spLocks noGrp="1"/>
-          </p:cNvSpPr>
-          <p:nvPr>
-            <p:ph type="title"/>
-          </p:nvPr>
-        </p:nvSpPr>
-        <p:spPr>
-          <a:xfrm>
-            <a:off x="3433762" y="235637"/>
-            <a:ext cx="2390775" cy="461023"/>
-          </a:xfrm>
-          <a:prstGeom prst="rect">
-            <a:avLst/>
-          </a:prstGeom>
-        </p:spPr>
-        <p:txBody>
-          <a:bodyPr vert="horz" wrap="square" lIns="0" tIns="14604" rIns="0" bIns="0" rtlCol="0">
-            <a:spAutoFit/>
-          </a:bodyPr>
-          <a:lstStyle/>
-          <a:p>
-            <a:pPr marL="12700" algn="l">
-              <a:lnSpc>
-                <a:spcPct val="100000"/>
-              </a:lnSpc>
-              <a:spcBef>
-                <a:spcPts val="114"/>
-              </a:spcBef>
-            </a:pPr>
-            <a:r>
-              <a:rPr lang="pt-PT" spc="-185" dirty="0">
-                <a:solidFill>
-                  <a:schemeClr val="bg1"/>
-                </a:solidFill>
-              </a:rPr>
-              <a:t>Frase exemplo</a:t>
-            </a:r>
-            <a:endParaRPr spc="-185" dirty="0">
-              <a:solidFill>
-                <a:schemeClr val="bg1"/>
-              </a:solidFill>
-            </a:endParaRPr>
-          </a:p>
-        </p:txBody>
-      </p:sp>
-      <p:sp>
-        <p:nvSpPr>
-          <p:cNvPr id="25" name="Retângulo 24">
-            <a:extLst>
-              <a:ext uri="{FF2B5EF4-FFF2-40B4-BE49-F238E27FC236}">
-                <a16:creationId xmlns:a16="http://schemas.microsoft.com/office/drawing/2014/main" id="{5AF59217-8A0D-4426-A6B9-35BF05ECF319}"/>
-              </a:ext>
-            </a:extLst>
-          </p:cNvPr>
-          <p:cNvSpPr/>
-          <p:nvPr/>
-        </p:nvSpPr>
-        <p:spPr>
-          <a:xfrm>
-            <a:off x="1305024" y="4833084"/>
-            <a:ext cx="2211415" cy="1077218"/>
-          </a:xfrm>
-          <a:prstGeom prst="rect">
-            <a:avLst/>
-          </a:prstGeom>
-        </p:spPr>
-        <p:txBody>
-          <a:bodyPr wrap="square" numCol="1">
-            <a:spAutoFit/>
-          </a:bodyPr>
-          <a:lstStyle/>
-          <a:p>
-            <a:pPr algn="just"/>
-            <a:r>
-              <a:rPr lang="pt-PT" sz="1600" dirty="0">
-                <a:solidFill>
-                  <a:schemeClr val="accent1">
-                    <a:lumMod val="50000"/>
-                  </a:schemeClr>
-                </a:solidFill>
-                <a:latin typeface="Consolas" panose="020B0609020204030204" pitchFamily="49" charset="0"/>
-              </a:rPr>
-              <a:t>Quem → Pessoal </a:t>
-            </a:r>
-          </a:p>
-          <a:p>
-            <a:pPr algn="just"/>
-            <a:r>
-              <a:rPr lang="pt-PT" sz="1600" dirty="0">
-                <a:solidFill>
-                  <a:srgbClr val="C85C57"/>
-                </a:solidFill>
-                <a:latin typeface="Consolas" panose="020B0609020204030204" pitchFamily="49" charset="0"/>
-              </a:rPr>
-              <a:t>Quando → Temporal</a:t>
-            </a:r>
-            <a:r>
-              <a:rPr lang="pt-PT" sz="1600" dirty="0">
-                <a:solidFill>
-                  <a:srgbClr val="C00000"/>
-                </a:solidFill>
-                <a:latin typeface="Consolas" panose="020B0609020204030204" pitchFamily="49" charset="0"/>
-              </a:rPr>
-              <a:t> </a:t>
-            </a:r>
-          </a:p>
-          <a:p>
-            <a:pPr algn="just"/>
-            <a:r>
-              <a:rPr lang="pt-PT" sz="1600" dirty="0">
-                <a:solidFill>
-                  <a:schemeClr val="accent1">
-                    <a:lumMod val="50000"/>
-                  </a:schemeClr>
-                </a:solidFill>
-                <a:latin typeface="Consolas" panose="020B0609020204030204" pitchFamily="49" charset="0"/>
-              </a:rPr>
-              <a:t>Onde → Local </a:t>
-            </a:r>
-          </a:p>
-          <a:p>
-            <a:pPr algn="just"/>
-            <a:r>
-              <a:rPr lang="pt-PT" sz="1600" dirty="0">
-                <a:solidFill>
-                  <a:schemeClr val="accent1">
-                    <a:lumMod val="50000"/>
-                  </a:schemeClr>
-                </a:solidFill>
-                <a:latin typeface="Consolas" panose="020B0609020204030204" pitchFamily="49" charset="0"/>
-              </a:rPr>
-              <a:t>Quantos → Numeral </a:t>
-            </a:r>
-          </a:p>
-        </p:txBody>
-      </p:sp>
-      <p:sp>
-        <p:nvSpPr>
-          <p:cNvPr id="26" name="Retângulo 25">
-            <a:extLst>
-              <a:ext uri="{FF2B5EF4-FFF2-40B4-BE49-F238E27FC236}">
-                <a16:creationId xmlns:a16="http://schemas.microsoft.com/office/drawing/2014/main" id="{60D9124D-B34B-4D8E-849B-2CEBCF190252}"/>
-              </a:ext>
-            </a:extLst>
-          </p:cNvPr>
-          <p:cNvSpPr/>
-          <p:nvPr/>
-        </p:nvSpPr>
-        <p:spPr>
-          <a:xfrm>
-            <a:off x="1304572" y="4436078"/>
-            <a:ext cx="2084225" cy="369332"/>
-          </a:xfrm>
-          <a:prstGeom prst="rect">
-            <a:avLst/>
-          </a:prstGeom>
-        </p:spPr>
-        <p:txBody>
-          <a:bodyPr wrap="none">
-            <a:spAutoFit/>
-          </a:bodyPr>
-          <a:lstStyle/>
-          <a:p>
-            <a:r>
-              <a:rPr lang="pt-PT" dirty="0">
-                <a:solidFill>
-                  <a:schemeClr val="accent1">
-                    <a:lumMod val="50000"/>
-                  </a:schemeClr>
-                </a:solidFill>
-                <a:latin typeface="Consolas" panose="020B0609020204030204" pitchFamily="49" charset="0"/>
-              </a:rPr>
-              <a:t>Questão -&gt; Tipo</a:t>
-            </a:r>
-          </a:p>
-        </p:txBody>
-      </p:sp>
-      <p:sp>
-        <p:nvSpPr>
-          <p:cNvPr id="27" name="Retângulo 26">
-            <a:extLst>
-              <a:ext uri="{FF2B5EF4-FFF2-40B4-BE49-F238E27FC236}">
-                <a16:creationId xmlns:a16="http://schemas.microsoft.com/office/drawing/2014/main" id="{86F986F0-7E16-4739-B304-64908C1FFA54}"/>
-              </a:ext>
-            </a:extLst>
-          </p:cNvPr>
-          <p:cNvSpPr/>
-          <p:nvPr/>
-        </p:nvSpPr>
-        <p:spPr>
-          <a:xfrm>
-            <a:off x="1222347" y="4404435"/>
-            <a:ext cx="2211415" cy="438119"/>
-          </a:xfrm>
-          <a:prstGeom prst="rect">
-            <a:avLst/>
-          </a:prstGeom>
-          <a:noFill/>
-          <a:ln w="19050">
-            <a:solidFill>
-              <a:srgbClr val="4A7EBB"/>
-            </a:solidFill>
-          </a:ln>
-        </p:spPr>
-        <p:style>
-          <a:lnRef idx="2">
-            <a:schemeClr val="accent1">
-              <a:shade val="50000"/>
-            </a:schemeClr>
-          </a:lnRef>
-          <a:fillRef idx="1">
-            <a:schemeClr val="accent1"/>
-          </a:fillRef>
-          <a:effectRef idx="0">
-            <a:schemeClr val="accent1"/>
-          </a:effectRef>
-          <a:fontRef idx="minor">
-            <a:schemeClr val="lt1"/>
-          </a:fontRef>
-        </p:style>
-        <p:txBody>
-          <a:bodyPr rtlCol="0" anchor="ctr"/>
-          <a:lstStyle/>
-          <a:p>
-            <a:pPr algn="ctr"/>
-            <a:endParaRPr lang="pt-PT"/>
-          </a:p>
-        </p:txBody>
-      </p:sp>
-      <p:sp>
-        <p:nvSpPr>
-          <p:cNvPr id="28" name="Retângulo 27">
-            <a:extLst>
-              <a:ext uri="{FF2B5EF4-FFF2-40B4-BE49-F238E27FC236}">
-                <a16:creationId xmlns:a16="http://schemas.microsoft.com/office/drawing/2014/main" id="{50660804-E784-4D74-8AB5-0BA3C72C1E84}"/>
-              </a:ext>
-            </a:extLst>
-          </p:cNvPr>
-          <p:cNvSpPr/>
-          <p:nvPr/>
-        </p:nvSpPr>
-        <p:spPr>
-          <a:xfrm>
-            <a:off x="1222347" y="4841286"/>
-            <a:ext cx="2211415" cy="1077218"/>
-          </a:xfrm>
-          <a:prstGeom prst="rect">
-            <a:avLst/>
-          </a:prstGeom>
-          <a:noFill/>
-          <a:ln w="19050">
-            <a:solidFill>
-              <a:srgbClr val="4A7EBB"/>
-            </a:solidFill>
-          </a:ln>
-        </p:spPr>
-        <p:style>
-          <a:lnRef idx="2">
-            <a:schemeClr val="accent1">
-              <a:shade val="50000"/>
-            </a:schemeClr>
-          </a:lnRef>
-          <a:fillRef idx="1">
-            <a:schemeClr val="accent1"/>
-          </a:fillRef>
-          <a:effectRef idx="0">
-            <a:schemeClr val="accent1"/>
-          </a:effectRef>
-          <a:fontRef idx="minor">
-            <a:schemeClr val="lt1"/>
-          </a:fontRef>
-        </p:style>
-        <p:txBody>
-          <a:bodyPr rtlCol="0" anchor="ctr"/>
-          <a:lstStyle/>
-          <a:p>
-            <a:pPr algn="ctr"/>
-            <a:endParaRPr lang="pt-PT"/>
-          </a:p>
-        </p:txBody>
-      </p:sp>
-    </p:spTree>
-    <p:extLst>
-      <p:ext uri="{BB962C8B-B14F-4D97-AF65-F5344CB8AC3E}">
-        <p14:creationId xmlns:p14="http://schemas.microsoft.com/office/powerpoint/2010/main" val="429375825"/>
-      </p:ext>
-    </p:extLst>
-  </p:cSld>
-  <p:clrMapOvr>
-    <a:masterClrMapping/>
-  </p:clrMapOvr>
-  <mc:AlternateContent xmlns:mc="http://schemas.openxmlformats.org/markup-compatibility/2006" xmlns:p14="http://schemas.microsoft.com/office/powerpoint/2010/main">
-    <mc:Choice Requires="p14">
-      <p:transition spd="med" p14:dur="700">
-        <p:fade/>
-      </p:transition>
-    </mc:Choice>
-    <mc:Fallback xmlns="">
-      <p:transition spd="med">
-        <p:fade/>
-      </p:transition>
-    </mc:Fallback>
-  </mc:AlternateContent>
 </p:sld>
 </file>
 

--- a/LEI/apresentações/checkpoint2/apresLEI_grupo47.pptx
+++ b/LEI/apresentações/checkpoint2/apresLEI_grupo47.pptx
@@ -5,7 +5,7 @@
     <p:sldMasterId id="2147483648" r:id="rId1"/>
   </p:sldMasterIdLst>
   <p:notesMasterIdLst>
-    <p:notesMasterId r:id="rId19"/>
+    <p:notesMasterId r:id="rId24"/>
   </p:notesMasterIdLst>
   <p:sldIdLst>
     <p:sldId id="256" r:id="rId2"/>
@@ -22,9 +22,14 @@
     <p:sldId id="316" r:id="rId13"/>
     <p:sldId id="317" r:id="rId14"/>
     <p:sldId id="320" r:id="rId15"/>
-    <p:sldId id="319" r:id="rId16"/>
-    <p:sldId id="298" r:id="rId17"/>
-    <p:sldId id="295" r:id="rId18"/>
+    <p:sldId id="327" r:id="rId16"/>
+    <p:sldId id="319" r:id="rId17"/>
+    <p:sldId id="298" r:id="rId18"/>
+    <p:sldId id="324" r:id="rId19"/>
+    <p:sldId id="328" r:id="rId20"/>
+    <p:sldId id="329" r:id="rId21"/>
+    <p:sldId id="330" r:id="rId22"/>
+    <p:sldId id="295" r:id="rId23"/>
   </p:sldIdLst>
   <p:sldSz cx="9144000" cy="6858000" type="screen4x3"/>
   <p:notesSz cx="9144000" cy="6858000"/>
@@ -1110,7 +1115,7 @@
     </p:spTree>
     <p:extLst>
       <p:ext uri="{BB962C8B-B14F-4D97-AF65-F5344CB8AC3E}">
-        <p14:creationId xmlns:p14="http://schemas.microsoft.com/office/powerpoint/2010/main" val="4131229080"/>
+        <p14:creationId xmlns:p14="http://schemas.microsoft.com/office/powerpoint/2010/main" val="1736986087"/>
       </p:ext>
     </p:extLst>
   </p:cSld>
@@ -1194,7 +1199,7 @@
     </p:spTree>
     <p:extLst>
       <p:ext uri="{BB962C8B-B14F-4D97-AF65-F5344CB8AC3E}">
-        <p14:creationId xmlns:p14="http://schemas.microsoft.com/office/powerpoint/2010/main" val="1377562640"/>
+        <p14:creationId xmlns:p14="http://schemas.microsoft.com/office/powerpoint/2010/main" val="4131229080"/>
       </p:ext>
     </p:extLst>
   </p:cSld>
@@ -1278,7 +1283,175 @@
     </p:spTree>
     <p:extLst>
       <p:ext uri="{BB962C8B-B14F-4D97-AF65-F5344CB8AC3E}">
-        <p14:creationId xmlns:p14="http://schemas.microsoft.com/office/powerpoint/2010/main" val="2174473249"/>
+        <p14:creationId xmlns:p14="http://schemas.microsoft.com/office/powerpoint/2010/main" val="1377562640"/>
+      </p:ext>
+    </p:extLst>
+  </p:cSld>
+  <p:clrMapOvr>
+    <a:masterClrMapping/>
+  </p:clrMapOvr>
+</p:notes>
+</file>
+
+<file path=ppt/notesSlides/notesSlide18.xml><?xml version="1.0" encoding="utf-8"?>
+<p:notes xmlns:a="http://schemas.openxmlformats.org/drawingml/2006/main" xmlns:r="http://schemas.openxmlformats.org/officeDocument/2006/relationships" xmlns:p="http://schemas.openxmlformats.org/presentationml/2006/main">
+  <p:cSld>
+    <p:spTree>
+      <p:nvGrpSpPr>
+        <p:cNvPr id="1" name=""/>
+        <p:cNvGrpSpPr/>
+        <p:nvPr/>
+      </p:nvGrpSpPr>
+      <p:grpSpPr>
+        <a:xfrm>
+          <a:off x="0" y="0"/>
+          <a:ext cx="0" cy="0"/>
+          <a:chOff x="0" y="0"/>
+          <a:chExt cx="0" cy="0"/>
+        </a:xfrm>
+      </p:grpSpPr>
+      <p:sp>
+        <p:nvSpPr>
+          <p:cNvPr id="2" name="Marcador de Posição da Imagem do Diapositivo 1"/>
+          <p:cNvSpPr>
+            <a:spLocks noGrp="1" noRot="1" noChangeAspect="1"/>
+          </p:cNvSpPr>
+          <p:nvPr>
+            <p:ph type="sldImg"/>
+          </p:nvPr>
+        </p:nvSpPr>
+        <p:spPr/>
+      </p:sp>
+      <p:sp>
+        <p:nvSpPr>
+          <p:cNvPr id="3" name="Marcador de Posição de Notas 2"/>
+          <p:cNvSpPr>
+            <a:spLocks noGrp="1"/>
+          </p:cNvSpPr>
+          <p:nvPr>
+            <p:ph type="body" idx="1"/>
+          </p:nvPr>
+        </p:nvSpPr>
+        <p:spPr/>
+        <p:txBody>
+          <a:bodyPr/>
+          <a:lstStyle/>
+          <a:p>
+            <a:endParaRPr lang="pt-PT" dirty="0"/>
+          </a:p>
+        </p:txBody>
+      </p:sp>
+      <p:sp>
+        <p:nvSpPr>
+          <p:cNvPr id="4" name="Marcador de Posição do Número do Diapositivo 3"/>
+          <p:cNvSpPr>
+            <a:spLocks noGrp="1"/>
+          </p:cNvSpPr>
+          <p:nvPr>
+            <p:ph type="sldNum" sz="quarter" idx="5"/>
+          </p:nvPr>
+        </p:nvSpPr>
+        <p:spPr/>
+        <p:txBody>
+          <a:bodyPr/>
+          <a:lstStyle/>
+          <a:p>
+            <a:fld id="{62C9FF69-D9AD-48B5-8D39-7AA42039F77D}" type="slidenum">
+              <a:rPr lang="pt-PT" smtClean="0"/>
+              <a:t>18</a:t>
+            </a:fld>
+            <a:endParaRPr lang="pt-PT"/>
+          </a:p>
+        </p:txBody>
+      </p:sp>
+    </p:spTree>
+    <p:extLst>
+      <p:ext uri="{BB962C8B-B14F-4D97-AF65-F5344CB8AC3E}">
+        <p14:creationId xmlns:p14="http://schemas.microsoft.com/office/powerpoint/2010/main" val="199699123"/>
+      </p:ext>
+    </p:extLst>
+  </p:cSld>
+  <p:clrMapOvr>
+    <a:masterClrMapping/>
+  </p:clrMapOvr>
+</p:notes>
+</file>
+
+<file path=ppt/notesSlides/notesSlide19.xml><?xml version="1.0" encoding="utf-8"?>
+<p:notes xmlns:a="http://schemas.openxmlformats.org/drawingml/2006/main" xmlns:r="http://schemas.openxmlformats.org/officeDocument/2006/relationships" xmlns:p="http://schemas.openxmlformats.org/presentationml/2006/main">
+  <p:cSld>
+    <p:spTree>
+      <p:nvGrpSpPr>
+        <p:cNvPr id="1" name=""/>
+        <p:cNvGrpSpPr/>
+        <p:nvPr/>
+      </p:nvGrpSpPr>
+      <p:grpSpPr>
+        <a:xfrm>
+          <a:off x="0" y="0"/>
+          <a:ext cx="0" cy="0"/>
+          <a:chOff x="0" y="0"/>
+          <a:chExt cx="0" cy="0"/>
+        </a:xfrm>
+      </p:grpSpPr>
+      <p:sp>
+        <p:nvSpPr>
+          <p:cNvPr id="2" name="Marcador de Posição da Imagem do Diapositivo 1"/>
+          <p:cNvSpPr>
+            <a:spLocks noGrp="1" noRot="1" noChangeAspect="1"/>
+          </p:cNvSpPr>
+          <p:nvPr>
+            <p:ph type="sldImg"/>
+          </p:nvPr>
+        </p:nvSpPr>
+        <p:spPr/>
+      </p:sp>
+      <p:sp>
+        <p:nvSpPr>
+          <p:cNvPr id="3" name="Marcador de Posição de Notas 2"/>
+          <p:cNvSpPr>
+            <a:spLocks noGrp="1"/>
+          </p:cNvSpPr>
+          <p:nvPr>
+            <p:ph type="body" idx="1"/>
+          </p:nvPr>
+        </p:nvSpPr>
+        <p:spPr/>
+        <p:txBody>
+          <a:bodyPr/>
+          <a:lstStyle/>
+          <a:p>
+            <a:endParaRPr lang="pt-PT" dirty="0"/>
+          </a:p>
+        </p:txBody>
+      </p:sp>
+      <p:sp>
+        <p:nvSpPr>
+          <p:cNvPr id="4" name="Marcador de Posição do Número do Diapositivo 3"/>
+          <p:cNvSpPr>
+            <a:spLocks noGrp="1"/>
+          </p:cNvSpPr>
+          <p:nvPr>
+            <p:ph type="sldNum" sz="quarter" idx="5"/>
+          </p:nvPr>
+        </p:nvSpPr>
+        <p:spPr/>
+        <p:txBody>
+          <a:bodyPr/>
+          <a:lstStyle/>
+          <a:p>
+            <a:fld id="{62C9FF69-D9AD-48B5-8D39-7AA42039F77D}" type="slidenum">
+              <a:rPr lang="pt-PT" smtClean="0"/>
+              <a:t>19</a:t>
+            </a:fld>
+            <a:endParaRPr lang="pt-PT"/>
+          </a:p>
+        </p:txBody>
+      </p:sp>
+    </p:spTree>
+    <p:extLst>
+      <p:ext uri="{BB962C8B-B14F-4D97-AF65-F5344CB8AC3E}">
+        <p14:creationId xmlns:p14="http://schemas.microsoft.com/office/powerpoint/2010/main" val="4197099349"/>
       </p:ext>
     </p:extLst>
   </p:cSld>
@@ -1363,6 +1536,258 @@
     <p:extLst>
       <p:ext uri="{BB962C8B-B14F-4D97-AF65-F5344CB8AC3E}">
         <p14:creationId xmlns:p14="http://schemas.microsoft.com/office/powerpoint/2010/main" val="70191606"/>
+      </p:ext>
+    </p:extLst>
+  </p:cSld>
+  <p:clrMapOvr>
+    <a:masterClrMapping/>
+  </p:clrMapOvr>
+</p:notes>
+</file>
+
+<file path=ppt/notesSlides/notesSlide20.xml><?xml version="1.0" encoding="utf-8"?>
+<p:notes xmlns:a="http://schemas.openxmlformats.org/drawingml/2006/main" xmlns:r="http://schemas.openxmlformats.org/officeDocument/2006/relationships" xmlns:p="http://schemas.openxmlformats.org/presentationml/2006/main">
+  <p:cSld>
+    <p:spTree>
+      <p:nvGrpSpPr>
+        <p:cNvPr id="1" name=""/>
+        <p:cNvGrpSpPr/>
+        <p:nvPr/>
+      </p:nvGrpSpPr>
+      <p:grpSpPr>
+        <a:xfrm>
+          <a:off x="0" y="0"/>
+          <a:ext cx="0" cy="0"/>
+          <a:chOff x="0" y="0"/>
+          <a:chExt cx="0" cy="0"/>
+        </a:xfrm>
+      </p:grpSpPr>
+      <p:sp>
+        <p:nvSpPr>
+          <p:cNvPr id="2" name="Marcador de Posição da Imagem do Diapositivo 1"/>
+          <p:cNvSpPr>
+            <a:spLocks noGrp="1" noRot="1" noChangeAspect="1"/>
+          </p:cNvSpPr>
+          <p:nvPr>
+            <p:ph type="sldImg"/>
+          </p:nvPr>
+        </p:nvSpPr>
+        <p:spPr/>
+      </p:sp>
+      <p:sp>
+        <p:nvSpPr>
+          <p:cNvPr id="3" name="Marcador de Posição de Notas 2"/>
+          <p:cNvSpPr>
+            <a:spLocks noGrp="1"/>
+          </p:cNvSpPr>
+          <p:nvPr>
+            <p:ph type="body" idx="1"/>
+          </p:nvPr>
+        </p:nvSpPr>
+        <p:spPr/>
+        <p:txBody>
+          <a:bodyPr/>
+          <a:lstStyle/>
+          <a:p>
+            <a:endParaRPr lang="pt-PT" dirty="0"/>
+          </a:p>
+        </p:txBody>
+      </p:sp>
+      <p:sp>
+        <p:nvSpPr>
+          <p:cNvPr id="4" name="Marcador de Posição do Número do Diapositivo 3"/>
+          <p:cNvSpPr>
+            <a:spLocks noGrp="1"/>
+          </p:cNvSpPr>
+          <p:nvPr>
+            <p:ph type="sldNum" sz="quarter" idx="5"/>
+          </p:nvPr>
+        </p:nvSpPr>
+        <p:spPr/>
+        <p:txBody>
+          <a:bodyPr/>
+          <a:lstStyle/>
+          <a:p>
+            <a:fld id="{62C9FF69-D9AD-48B5-8D39-7AA42039F77D}" type="slidenum">
+              <a:rPr lang="pt-PT" smtClean="0"/>
+              <a:t>20</a:t>
+            </a:fld>
+            <a:endParaRPr lang="pt-PT"/>
+          </a:p>
+        </p:txBody>
+      </p:sp>
+    </p:spTree>
+    <p:extLst>
+      <p:ext uri="{BB962C8B-B14F-4D97-AF65-F5344CB8AC3E}">
+        <p14:creationId xmlns:p14="http://schemas.microsoft.com/office/powerpoint/2010/main" val="3468504738"/>
+      </p:ext>
+    </p:extLst>
+  </p:cSld>
+  <p:clrMapOvr>
+    <a:masterClrMapping/>
+  </p:clrMapOvr>
+</p:notes>
+</file>
+
+<file path=ppt/notesSlides/notesSlide21.xml><?xml version="1.0" encoding="utf-8"?>
+<p:notes xmlns:a="http://schemas.openxmlformats.org/drawingml/2006/main" xmlns:r="http://schemas.openxmlformats.org/officeDocument/2006/relationships" xmlns:p="http://schemas.openxmlformats.org/presentationml/2006/main">
+  <p:cSld>
+    <p:spTree>
+      <p:nvGrpSpPr>
+        <p:cNvPr id="1" name=""/>
+        <p:cNvGrpSpPr/>
+        <p:nvPr/>
+      </p:nvGrpSpPr>
+      <p:grpSpPr>
+        <a:xfrm>
+          <a:off x="0" y="0"/>
+          <a:ext cx="0" cy="0"/>
+          <a:chOff x="0" y="0"/>
+          <a:chExt cx="0" cy="0"/>
+        </a:xfrm>
+      </p:grpSpPr>
+      <p:sp>
+        <p:nvSpPr>
+          <p:cNvPr id="2" name="Marcador de Posição da Imagem do Diapositivo 1"/>
+          <p:cNvSpPr>
+            <a:spLocks noGrp="1" noRot="1" noChangeAspect="1"/>
+          </p:cNvSpPr>
+          <p:nvPr>
+            <p:ph type="sldImg"/>
+          </p:nvPr>
+        </p:nvSpPr>
+        <p:spPr/>
+      </p:sp>
+      <p:sp>
+        <p:nvSpPr>
+          <p:cNvPr id="3" name="Marcador de Posição de Notas 2"/>
+          <p:cNvSpPr>
+            <a:spLocks noGrp="1"/>
+          </p:cNvSpPr>
+          <p:nvPr>
+            <p:ph type="body" idx="1"/>
+          </p:nvPr>
+        </p:nvSpPr>
+        <p:spPr/>
+        <p:txBody>
+          <a:bodyPr/>
+          <a:lstStyle/>
+          <a:p>
+            <a:endParaRPr lang="pt-PT" dirty="0"/>
+          </a:p>
+        </p:txBody>
+      </p:sp>
+      <p:sp>
+        <p:nvSpPr>
+          <p:cNvPr id="4" name="Marcador de Posição do Número do Diapositivo 3"/>
+          <p:cNvSpPr>
+            <a:spLocks noGrp="1"/>
+          </p:cNvSpPr>
+          <p:nvPr>
+            <p:ph type="sldNum" sz="quarter" idx="5"/>
+          </p:nvPr>
+        </p:nvSpPr>
+        <p:spPr/>
+        <p:txBody>
+          <a:bodyPr/>
+          <a:lstStyle/>
+          <a:p>
+            <a:fld id="{62C9FF69-D9AD-48B5-8D39-7AA42039F77D}" type="slidenum">
+              <a:rPr lang="pt-PT" smtClean="0"/>
+              <a:t>21</a:t>
+            </a:fld>
+            <a:endParaRPr lang="pt-PT"/>
+          </a:p>
+        </p:txBody>
+      </p:sp>
+    </p:spTree>
+    <p:extLst>
+      <p:ext uri="{BB962C8B-B14F-4D97-AF65-F5344CB8AC3E}">
+        <p14:creationId xmlns:p14="http://schemas.microsoft.com/office/powerpoint/2010/main" val="3126916196"/>
+      </p:ext>
+    </p:extLst>
+  </p:cSld>
+  <p:clrMapOvr>
+    <a:masterClrMapping/>
+  </p:clrMapOvr>
+</p:notes>
+</file>
+
+<file path=ppt/notesSlides/notesSlide22.xml><?xml version="1.0" encoding="utf-8"?>
+<p:notes xmlns:a="http://schemas.openxmlformats.org/drawingml/2006/main" xmlns:r="http://schemas.openxmlformats.org/officeDocument/2006/relationships" xmlns:p="http://schemas.openxmlformats.org/presentationml/2006/main">
+  <p:cSld>
+    <p:spTree>
+      <p:nvGrpSpPr>
+        <p:cNvPr id="1" name=""/>
+        <p:cNvGrpSpPr/>
+        <p:nvPr/>
+      </p:nvGrpSpPr>
+      <p:grpSpPr>
+        <a:xfrm>
+          <a:off x="0" y="0"/>
+          <a:ext cx="0" cy="0"/>
+          <a:chOff x="0" y="0"/>
+          <a:chExt cx="0" cy="0"/>
+        </a:xfrm>
+      </p:grpSpPr>
+      <p:sp>
+        <p:nvSpPr>
+          <p:cNvPr id="2" name="Marcador de Posição da Imagem do Diapositivo 1"/>
+          <p:cNvSpPr>
+            <a:spLocks noGrp="1" noRot="1" noChangeAspect="1"/>
+          </p:cNvSpPr>
+          <p:nvPr>
+            <p:ph type="sldImg"/>
+          </p:nvPr>
+        </p:nvSpPr>
+        <p:spPr/>
+      </p:sp>
+      <p:sp>
+        <p:nvSpPr>
+          <p:cNvPr id="3" name="Marcador de Posição de Notas 2"/>
+          <p:cNvSpPr>
+            <a:spLocks noGrp="1"/>
+          </p:cNvSpPr>
+          <p:nvPr>
+            <p:ph type="body" idx="1"/>
+          </p:nvPr>
+        </p:nvSpPr>
+        <p:spPr/>
+        <p:txBody>
+          <a:bodyPr/>
+          <a:lstStyle/>
+          <a:p>
+            <a:endParaRPr lang="pt-PT" dirty="0"/>
+          </a:p>
+        </p:txBody>
+      </p:sp>
+      <p:sp>
+        <p:nvSpPr>
+          <p:cNvPr id="4" name="Marcador de Posição do Número do Diapositivo 3"/>
+          <p:cNvSpPr>
+            <a:spLocks noGrp="1"/>
+          </p:cNvSpPr>
+          <p:nvPr>
+            <p:ph type="sldNum" sz="quarter" idx="5"/>
+          </p:nvPr>
+        </p:nvSpPr>
+        <p:spPr/>
+        <p:txBody>
+          <a:bodyPr/>
+          <a:lstStyle/>
+          <a:p>
+            <a:fld id="{62C9FF69-D9AD-48B5-8D39-7AA42039F77D}" type="slidenum">
+              <a:rPr lang="pt-PT" smtClean="0"/>
+              <a:t>22</a:t>
+            </a:fld>
+            <a:endParaRPr lang="pt-PT"/>
+          </a:p>
+        </p:txBody>
+      </p:sp>
+    </p:spTree>
+    <p:extLst>
+      <p:ext uri="{BB962C8B-B14F-4D97-AF65-F5344CB8AC3E}">
+        <p14:creationId xmlns:p14="http://schemas.microsoft.com/office/powerpoint/2010/main" val="2174473249"/>
       </p:ext>
     </p:extLst>
   </p:cSld>
@@ -3614,17 +4039,7 @@
                 <a:latin typeface="Arial"/>
                 <a:cs typeface="Arial"/>
               </a:rPr>
-              <a:t>DSL para a geração de </a:t>
-            </a:r>
-            <a:r>
-              <a:rPr lang="pt-PT" sz="2400" b="1" spc="-90" dirty="0" err="1">
-                <a:solidFill>
-                  <a:srgbClr val="FFFFFF"/>
-                </a:solidFill>
-                <a:latin typeface="Arial"/>
-                <a:cs typeface="Arial"/>
-              </a:rPr>
-              <a:t>Chatbots</a:t>
+              <a:t>DSL para a geração de Chatbots</a:t>
             </a:r>
             <a:endParaRPr sz="2400" dirty="0">
               <a:latin typeface="Arial"/>
@@ -10534,8 +10949,8 @@
         </p:blipFill>
         <p:spPr>
           <a:xfrm>
-            <a:off x="1256869" y="4114800"/>
-            <a:ext cx="752227" cy="895545"/>
+            <a:off x="1280610" y="4114801"/>
+            <a:ext cx="728486" cy="867280"/>
           </a:xfrm>
           <a:prstGeom prst="rect">
             <a:avLst/>
@@ -10661,8 +11076,8 @@
         </p:blipFill>
         <p:spPr>
           <a:xfrm>
-            <a:off x="4181598" y="4087423"/>
-            <a:ext cx="752227" cy="895545"/>
+            <a:off x="4178582" y="4107382"/>
+            <a:ext cx="755243" cy="899136"/>
           </a:xfrm>
           <a:prstGeom prst="rect">
             <a:avLst/>
@@ -11561,7 +11976,7 @@
           </a:prstGeom>
           <a:ln w="19050">
             <a:solidFill>
-              <a:srgbClr val="C52727"/>
+              <a:srgbClr val="00B050"/>
             </a:solidFill>
             <a:tailEnd type="triangle"/>
           </a:ln>
@@ -11731,7 +12146,7 @@
           </a:prstGeom>
           <a:ln w="19050">
             <a:solidFill>
-              <a:srgbClr val="C00000"/>
+              <a:srgbClr val="00B050"/>
             </a:solidFill>
             <a:tailEnd type="triangle"/>
           </a:ln>
@@ -11775,7 +12190,7 @@
           </a:prstGeom>
           <a:ln w="19050">
             <a:solidFill>
-              <a:srgbClr val="C52727"/>
+              <a:srgbClr val="00B050"/>
             </a:solidFill>
           </a:ln>
         </p:spPr>
@@ -11816,8 +12231,8 @@
         </p:blipFill>
         <p:spPr>
           <a:xfrm>
-            <a:off x="2660875" y="4107382"/>
-            <a:ext cx="867738" cy="957197"/>
+            <a:off x="2717483" y="4107382"/>
+            <a:ext cx="811130" cy="894753"/>
           </a:xfrm>
           <a:prstGeom prst="rect">
             <a:avLst/>
@@ -11838,6 +12253,1758 @@
 </file>
 
 <file path=ppt/slides/slide15.xml><?xml version="1.0" encoding="utf-8"?>
+<p:sld xmlns:a="http://schemas.openxmlformats.org/drawingml/2006/main" xmlns:r="http://schemas.openxmlformats.org/officeDocument/2006/relationships" xmlns:p="http://schemas.openxmlformats.org/presentationml/2006/main">
+  <p:cSld>
+    <p:spTree>
+      <p:nvGrpSpPr>
+        <p:cNvPr id="1" name=""/>
+        <p:cNvGrpSpPr/>
+        <p:nvPr/>
+      </p:nvGrpSpPr>
+      <p:grpSpPr>
+        <a:xfrm>
+          <a:off x="0" y="0"/>
+          <a:ext cx="0" cy="0"/>
+          <a:chOff x="0" y="0"/>
+          <a:chExt cx="0" cy="0"/>
+        </a:xfrm>
+      </p:grpSpPr>
+      <p:sp>
+        <p:nvSpPr>
+          <p:cNvPr id="2" name="object 2"/>
+          <p:cNvSpPr/>
+          <p:nvPr/>
+        </p:nvSpPr>
+        <p:spPr>
+          <a:xfrm>
+            <a:off x="0" y="0"/>
+            <a:ext cx="9144000" cy="6858000"/>
+          </a:xfrm>
+          <a:custGeom>
+            <a:avLst/>
+            <a:gdLst/>
+            <a:ahLst/>
+            <a:cxnLst/>
+            <a:rect l="l" t="t" r="r" b="b"/>
+            <a:pathLst>
+              <a:path w="9144000" h="6858000">
+                <a:moveTo>
+                  <a:pt x="0" y="6857995"/>
+                </a:moveTo>
+                <a:lnTo>
+                  <a:pt x="9144000" y="6857995"/>
+                </a:lnTo>
+                <a:lnTo>
+                  <a:pt x="9144000" y="0"/>
+                </a:lnTo>
+                <a:lnTo>
+                  <a:pt x="0" y="0"/>
+                </a:lnTo>
+                <a:lnTo>
+                  <a:pt x="0" y="6857995"/>
+                </a:lnTo>
+                <a:close/>
+              </a:path>
+            </a:pathLst>
+          </a:custGeom>
+          <a:solidFill>
+            <a:srgbClr val="38505F"/>
+          </a:solidFill>
+        </p:spPr>
+        <p:txBody>
+          <a:bodyPr wrap="square" lIns="0" tIns="0" rIns="0" bIns="0" rtlCol="0"/>
+          <a:lstStyle/>
+          <a:p>
+            <a:endParaRPr dirty="0"/>
+          </a:p>
+        </p:txBody>
+      </p:sp>
+      <p:sp>
+        <p:nvSpPr>
+          <p:cNvPr id="29" name="Retângulo: Cantos Arredondados 28">
+            <a:extLst>
+              <a:ext uri="{FF2B5EF4-FFF2-40B4-BE49-F238E27FC236}">
+                <a16:creationId xmlns:a16="http://schemas.microsoft.com/office/drawing/2014/main" id="{ACF5C625-A5ED-4055-8C45-54BC33FACB81}"/>
+              </a:ext>
+            </a:extLst>
+          </p:cNvPr>
+          <p:cNvSpPr/>
+          <p:nvPr/>
+        </p:nvSpPr>
+        <p:spPr>
+          <a:xfrm>
+            <a:off x="419100" y="932296"/>
+            <a:ext cx="8420100" cy="5392304"/>
+          </a:xfrm>
+          <a:prstGeom prst="roundRect">
+            <a:avLst/>
+          </a:prstGeom>
+          <a:solidFill>
+            <a:srgbClr val="DDDDDD"/>
+          </a:solidFill>
+          <a:ln>
+            <a:solidFill>
+              <a:srgbClr val="DDDDDD"/>
+            </a:solidFill>
+          </a:ln>
+        </p:spPr>
+        <p:style>
+          <a:lnRef idx="2">
+            <a:schemeClr val="accent1">
+              <a:shade val="50000"/>
+            </a:schemeClr>
+          </a:lnRef>
+          <a:fillRef idx="1">
+            <a:schemeClr val="accent1"/>
+          </a:fillRef>
+          <a:effectRef idx="0">
+            <a:schemeClr val="accent1"/>
+          </a:effectRef>
+          <a:fontRef idx="minor">
+            <a:schemeClr val="lt1"/>
+          </a:fontRef>
+        </p:style>
+        <p:txBody>
+          <a:bodyPr rtlCol="0" anchor="ctr"/>
+          <a:lstStyle/>
+          <a:p>
+            <a:pPr algn="ctr"/>
+            <a:endParaRPr lang="pt-PT" dirty="0"/>
+          </a:p>
+        </p:txBody>
+      </p:sp>
+      <p:sp>
+        <p:nvSpPr>
+          <p:cNvPr id="7" name="CaixaDeTexto 6">
+            <a:extLst>
+              <a:ext uri="{FF2B5EF4-FFF2-40B4-BE49-F238E27FC236}">
+                <a16:creationId xmlns:a16="http://schemas.microsoft.com/office/drawing/2014/main" id="{84725617-FF18-4130-A845-0C3F25166607}"/>
+              </a:ext>
+            </a:extLst>
+          </p:cNvPr>
+          <p:cNvSpPr txBox="1"/>
+          <p:nvPr/>
+        </p:nvSpPr>
+        <p:spPr>
+          <a:xfrm>
+            <a:off x="1331869" y="1125150"/>
+            <a:ext cx="6451684" cy="523220"/>
+          </a:xfrm>
+          <a:prstGeom prst="rect">
+            <a:avLst/>
+          </a:prstGeom>
+          <a:noFill/>
+        </p:spPr>
+        <p:txBody>
+          <a:bodyPr wrap="square" rtlCol="0" anchor="ctr">
+            <a:spAutoFit/>
+          </a:bodyPr>
+          <a:lstStyle/>
+          <a:p>
+            <a:pPr algn="ctr"/>
+            <a:r>
+              <a:rPr lang="pt-PT" sz="2800" dirty="0">
+                <a:solidFill>
+                  <a:srgbClr val="00B050"/>
+                </a:solidFill>
+                <a:latin typeface="Consolas" panose="020B0609020204030204" pitchFamily="49" charset="0"/>
+                <a:cs typeface="Arial" panose="020B0604020202020204" pitchFamily="34" charset="0"/>
+              </a:rPr>
+              <a:t>“Quando é a sessão de abertura?”</a:t>
+            </a:r>
+          </a:p>
+        </p:txBody>
+      </p:sp>
+      <p:sp>
+        <p:nvSpPr>
+          <p:cNvPr id="18" name="CaixaDeTexto 17">
+            <a:extLst>
+              <a:ext uri="{FF2B5EF4-FFF2-40B4-BE49-F238E27FC236}">
+                <a16:creationId xmlns:a16="http://schemas.microsoft.com/office/drawing/2014/main" id="{49ED4BDB-E83E-4E1D-828C-75C3C91C6147}"/>
+              </a:ext>
+            </a:extLst>
+          </p:cNvPr>
+          <p:cNvSpPr txBox="1"/>
+          <p:nvPr/>
+        </p:nvSpPr>
+        <p:spPr>
+          <a:xfrm>
+            <a:off x="3829050" y="2826667"/>
+            <a:ext cx="1485900" cy="369332"/>
+          </a:xfrm>
+          <a:prstGeom prst="rect">
+            <a:avLst/>
+          </a:prstGeom>
+          <a:noFill/>
+        </p:spPr>
+        <p:txBody>
+          <a:bodyPr wrap="square" rtlCol="0" anchor="ctr">
+            <a:spAutoFit/>
+          </a:bodyPr>
+          <a:lstStyle/>
+          <a:p>
+            <a:pPr algn="ctr"/>
+            <a:r>
+              <a:rPr lang="pt-PT" b="1" dirty="0">
+                <a:solidFill>
+                  <a:schemeClr val="accent1">
+                    <a:lumMod val="50000"/>
+                  </a:schemeClr>
+                </a:solidFill>
+                <a:latin typeface="Consolas" panose="020B0609020204030204" pitchFamily="49" charset="0"/>
+                <a:cs typeface="Arial" panose="020B0604020202020204" pitchFamily="34" charset="0"/>
+              </a:rPr>
+              <a:t>Diretor</a:t>
+            </a:r>
+          </a:p>
+        </p:txBody>
+      </p:sp>
+      <p:sp>
+        <p:nvSpPr>
+          <p:cNvPr id="44" name="CaixaDeTexto 43">
+            <a:extLst>
+              <a:ext uri="{FF2B5EF4-FFF2-40B4-BE49-F238E27FC236}">
+                <a16:creationId xmlns:a16="http://schemas.microsoft.com/office/drawing/2014/main" id="{46E4BDFF-67BC-489A-BEFE-A283DE95D790}"/>
+              </a:ext>
+            </a:extLst>
+          </p:cNvPr>
+          <p:cNvSpPr txBox="1"/>
+          <p:nvPr/>
+        </p:nvSpPr>
+        <p:spPr>
+          <a:xfrm>
+            <a:off x="884494" y="4996856"/>
+            <a:ext cx="1485900" cy="646331"/>
+          </a:xfrm>
+          <a:prstGeom prst="rect">
+            <a:avLst/>
+          </a:prstGeom>
+          <a:noFill/>
+        </p:spPr>
+        <p:txBody>
+          <a:bodyPr wrap="square" rtlCol="0" anchor="ctr">
+            <a:spAutoFit/>
+          </a:bodyPr>
+          <a:lstStyle/>
+          <a:p>
+            <a:pPr algn="ctr"/>
+            <a:r>
+              <a:rPr lang="pt-PT" dirty="0">
+                <a:solidFill>
+                  <a:schemeClr val="accent1">
+                    <a:lumMod val="50000"/>
+                  </a:schemeClr>
+                </a:solidFill>
+                <a:latin typeface="Consolas" panose="020B0609020204030204" pitchFamily="49" charset="0"/>
+                <a:cs typeface="Arial" panose="020B0604020202020204" pitchFamily="34" charset="0"/>
+              </a:rPr>
+              <a:t>Bot1</a:t>
+            </a:r>
+          </a:p>
+          <a:p>
+            <a:pPr algn="ctr"/>
+            <a:r>
+              <a:rPr lang="pt-PT" b="1" dirty="0">
+                <a:solidFill>
+                  <a:schemeClr val="accent1">
+                    <a:lumMod val="50000"/>
+                  </a:schemeClr>
+                </a:solidFill>
+                <a:latin typeface="Consolas" panose="020B0609020204030204" pitchFamily="49" charset="0"/>
+                <a:cs typeface="Arial" panose="020B0604020202020204" pitchFamily="34" charset="0"/>
+              </a:rPr>
+              <a:t>FAQ SEI</a:t>
+            </a:r>
+          </a:p>
+        </p:txBody>
+      </p:sp>
+      <p:sp>
+        <p:nvSpPr>
+          <p:cNvPr id="45" name="CaixaDeTexto 44">
+            <a:extLst>
+              <a:ext uri="{FF2B5EF4-FFF2-40B4-BE49-F238E27FC236}">
+                <a16:creationId xmlns:a16="http://schemas.microsoft.com/office/drawing/2014/main" id="{4656957C-6200-4371-9D49-1E125A611C4D}"/>
+              </a:ext>
+            </a:extLst>
+          </p:cNvPr>
+          <p:cNvSpPr txBox="1"/>
+          <p:nvPr/>
+        </p:nvSpPr>
+        <p:spPr>
+          <a:xfrm>
+            <a:off x="2328824" y="5022294"/>
+            <a:ext cx="1485900" cy="646331"/>
+          </a:xfrm>
+          <a:prstGeom prst="rect">
+            <a:avLst/>
+          </a:prstGeom>
+          <a:noFill/>
+        </p:spPr>
+        <p:txBody>
+          <a:bodyPr wrap="square" rtlCol="0" anchor="ctr">
+            <a:spAutoFit/>
+          </a:bodyPr>
+          <a:lstStyle/>
+          <a:p>
+            <a:pPr algn="ctr"/>
+            <a:r>
+              <a:rPr lang="pt-PT" dirty="0">
+                <a:solidFill>
+                  <a:schemeClr val="accent1">
+                    <a:lumMod val="50000"/>
+                  </a:schemeClr>
+                </a:solidFill>
+                <a:latin typeface="Consolas" panose="020B0609020204030204" pitchFamily="49" charset="0"/>
+                <a:cs typeface="Arial" panose="020B0604020202020204" pitchFamily="34" charset="0"/>
+              </a:rPr>
+              <a:t>Bot2</a:t>
+            </a:r>
+          </a:p>
+          <a:p>
+            <a:pPr algn="ctr"/>
+            <a:r>
+              <a:rPr lang="pt-PT" b="1" dirty="0">
+                <a:solidFill>
+                  <a:schemeClr val="accent1">
+                    <a:lumMod val="50000"/>
+                  </a:schemeClr>
+                </a:solidFill>
+                <a:latin typeface="Consolas" panose="020B0609020204030204" pitchFamily="49" charset="0"/>
+                <a:cs typeface="Arial" panose="020B0604020202020204" pitchFamily="34" charset="0"/>
+              </a:rPr>
+              <a:t>Agenda SEI</a:t>
+            </a:r>
+          </a:p>
+        </p:txBody>
+      </p:sp>
+      <p:sp>
+        <p:nvSpPr>
+          <p:cNvPr id="46" name="CaixaDeTexto 45">
+            <a:extLst>
+              <a:ext uri="{FF2B5EF4-FFF2-40B4-BE49-F238E27FC236}">
+                <a16:creationId xmlns:a16="http://schemas.microsoft.com/office/drawing/2014/main" id="{FAE36BD9-4037-41C1-BA3C-06F97EBD2EC4}"/>
+              </a:ext>
+            </a:extLst>
+          </p:cNvPr>
+          <p:cNvSpPr txBox="1"/>
+          <p:nvPr/>
+        </p:nvSpPr>
+        <p:spPr>
+          <a:xfrm>
+            <a:off x="3814763" y="5009864"/>
+            <a:ext cx="1485900" cy="646331"/>
+          </a:xfrm>
+          <a:prstGeom prst="rect">
+            <a:avLst/>
+          </a:prstGeom>
+          <a:noFill/>
+        </p:spPr>
+        <p:txBody>
+          <a:bodyPr wrap="square" rtlCol="0" anchor="ctr">
+            <a:spAutoFit/>
+          </a:bodyPr>
+          <a:lstStyle/>
+          <a:p>
+            <a:pPr algn="ctr"/>
+            <a:r>
+              <a:rPr lang="pt-PT" dirty="0">
+                <a:solidFill>
+                  <a:schemeClr val="accent1">
+                    <a:lumMod val="50000"/>
+                  </a:schemeClr>
+                </a:solidFill>
+                <a:latin typeface="Consolas" panose="020B0609020204030204" pitchFamily="49" charset="0"/>
+                <a:cs typeface="Arial" panose="020B0604020202020204" pitchFamily="34" charset="0"/>
+              </a:rPr>
+              <a:t>Bot3</a:t>
+            </a:r>
+          </a:p>
+          <a:p>
+            <a:pPr algn="ctr"/>
+            <a:r>
+              <a:rPr lang="pt-PT" b="1" dirty="0">
+                <a:solidFill>
+                  <a:schemeClr val="accent1">
+                    <a:lumMod val="50000"/>
+                  </a:schemeClr>
+                </a:solidFill>
+                <a:latin typeface="Consolas" panose="020B0609020204030204" pitchFamily="49" charset="0"/>
+                <a:cs typeface="Arial" panose="020B0604020202020204" pitchFamily="34" charset="0"/>
+              </a:rPr>
+              <a:t>Provérbios</a:t>
+            </a:r>
+          </a:p>
+        </p:txBody>
+      </p:sp>
+      <p:sp>
+        <p:nvSpPr>
+          <p:cNvPr id="47" name="CaixaDeTexto 46">
+            <a:extLst>
+              <a:ext uri="{FF2B5EF4-FFF2-40B4-BE49-F238E27FC236}">
+                <a16:creationId xmlns:a16="http://schemas.microsoft.com/office/drawing/2014/main" id="{EB88BDE4-C1BF-4F82-A432-76FAF46D6DBA}"/>
+              </a:ext>
+            </a:extLst>
+          </p:cNvPr>
+          <p:cNvSpPr txBox="1"/>
+          <p:nvPr/>
+        </p:nvSpPr>
+        <p:spPr>
+          <a:xfrm>
+            <a:off x="5364483" y="4990907"/>
+            <a:ext cx="1485900" cy="646331"/>
+          </a:xfrm>
+          <a:prstGeom prst="rect">
+            <a:avLst/>
+          </a:prstGeom>
+          <a:noFill/>
+        </p:spPr>
+        <p:txBody>
+          <a:bodyPr wrap="square" rtlCol="0" anchor="ctr">
+            <a:spAutoFit/>
+          </a:bodyPr>
+          <a:lstStyle/>
+          <a:p>
+            <a:pPr algn="ctr"/>
+            <a:r>
+              <a:rPr lang="pt-PT" dirty="0">
+                <a:solidFill>
+                  <a:schemeClr val="accent1">
+                    <a:lumMod val="50000"/>
+                  </a:schemeClr>
+                </a:solidFill>
+                <a:latin typeface="Consolas" panose="020B0609020204030204" pitchFamily="49" charset="0"/>
+                <a:cs typeface="Arial" panose="020B0604020202020204" pitchFamily="34" charset="0"/>
+              </a:rPr>
+              <a:t>Bot4</a:t>
+            </a:r>
+          </a:p>
+          <a:p>
+            <a:pPr algn="ctr"/>
+            <a:r>
+              <a:rPr lang="pt-PT" b="1" dirty="0">
+                <a:solidFill>
+                  <a:schemeClr val="accent1">
+                    <a:lumMod val="50000"/>
+                  </a:schemeClr>
+                </a:solidFill>
+                <a:latin typeface="Consolas" panose="020B0609020204030204" pitchFamily="49" charset="0"/>
+                <a:cs typeface="Arial" panose="020B0604020202020204" pitchFamily="34" charset="0"/>
+              </a:rPr>
+              <a:t>Saudações</a:t>
+            </a:r>
+          </a:p>
+        </p:txBody>
+      </p:sp>
+      <p:sp>
+        <p:nvSpPr>
+          <p:cNvPr id="48" name="CaixaDeTexto 47">
+            <a:extLst>
+              <a:ext uri="{FF2B5EF4-FFF2-40B4-BE49-F238E27FC236}">
+                <a16:creationId xmlns:a16="http://schemas.microsoft.com/office/drawing/2014/main" id="{24D3069B-19F1-4AF9-B001-FD80FABBCA1D}"/>
+              </a:ext>
+            </a:extLst>
+          </p:cNvPr>
+          <p:cNvSpPr txBox="1"/>
+          <p:nvPr/>
+        </p:nvSpPr>
+        <p:spPr>
+          <a:xfrm>
+            <a:off x="6800849" y="4996810"/>
+            <a:ext cx="1485900" cy="646331"/>
+          </a:xfrm>
+          <a:prstGeom prst="rect">
+            <a:avLst/>
+          </a:prstGeom>
+          <a:noFill/>
+        </p:spPr>
+        <p:txBody>
+          <a:bodyPr wrap="square" rtlCol="0" anchor="ctr">
+            <a:spAutoFit/>
+          </a:bodyPr>
+          <a:lstStyle/>
+          <a:p>
+            <a:pPr algn="ctr"/>
+            <a:r>
+              <a:rPr lang="pt-PT" dirty="0">
+                <a:solidFill>
+                  <a:schemeClr val="accent1">
+                    <a:lumMod val="50000"/>
+                  </a:schemeClr>
+                </a:solidFill>
+                <a:latin typeface="Consolas" panose="020B0609020204030204" pitchFamily="49" charset="0"/>
+                <a:cs typeface="Arial" panose="020B0604020202020204" pitchFamily="34" charset="0"/>
+              </a:rPr>
+              <a:t>Bot5</a:t>
+            </a:r>
+          </a:p>
+          <a:p>
+            <a:pPr algn="ctr"/>
+            <a:r>
+              <a:rPr lang="pt-PT" b="1" dirty="0" err="1">
+                <a:solidFill>
+                  <a:schemeClr val="accent1">
+                    <a:lumMod val="50000"/>
+                  </a:schemeClr>
+                </a:solidFill>
+                <a:latin typeface="Consolas" panose="020B0609020204030204" pitchFamily="49" charset="0"/>
+                <a:cs typeface="Arial" panose="020B0604020202020204" pitchFamily="34" charset="0"/>
+              </a:rPr>
+              <a:t>Wikipedia</a:t>
+            </a:r>
+            <a:endParaRPr lang="pt-PT" b="1" dirty="0">
+              <a:solidFill>
+                <a:schemeClr val="accent1">
+                  <a:lumMod val="50000"/>
+                </a:schemeClr>
+              </a:solidFill>
+              <a:latin typeface="Consolas" panose="020B0609020204030204" pitchFamily="49" charset="0"/>
+              <a:cs typeface="Arial" panose="020B0604020202020204" pitchFamily="34" charset="0"/>
+            </a:endParaRPr>
+          </a:p>
+        </p:txBody>
+      </p:sp>
+      <p:sp>
+        <p:nvSpPr>
+          <p:cNvPr id="27" name="object 2">
+            <a:extLst>
+              <a:ext uri="{FF2B5EF4-FFF2-40B4-BE49-F238E27FC236}">
+                <a16:creationId xmlns:a16="http://schemas.microsoft.com/office/drawing/2014/main" id="{12142D79-3F6B-417A-9E5F-820D4912E482}"/>
+              </a:ext>
+            </a:extLst>
+          </p:cNvPr>
+          <p:cNvSpPr txBox="1">
+            <a:spLocks noGrp="1"/>
+          </p:cNvSpPr>
+          <p:nvPr>
+            <p:ph type="title"/>
+          </p:nvPr>
+        </p:nvSpPr>
+        <p:spPr>
+          <a:xfrm>
+            <a:off x="3433762" y="235637"/>
+            <a:ext cx="2390775" cy="461023"/>
+          </a:xfrm>
+          <a:prstGeom prst="rect">
+            <a:avLst/>
+          </a:prstGeom>
+        </p:spPr>
+        <p:txBody>
+          <a:bodyPr vert="horz" wrap="square" lIns="0" tIns="14604" rIns="0" bIns="0" rtlCol="0">
+            <a:spAutoFit/>
+          </a:bodyPr>
+          <a:lstStyle/>
+          <a:p>
+            <a:pPr marL="12700" algn="l">
+              <a:lnSpc>
+                <a:spcPct val="100000"/>
+              </a:lnSpc>
+              <a:spcBef>
+                <a:spcPts val="114"/>
+              </a:spcBef>
+            </a:pPr>
+            <a:r>
+              <a:rPr lang="pt-PT" spc="-185" dirty="0">
+                <a:solidFill>
+                  <a:schemeClr val="bg1"/>
+                </a:solidFill>
+              </a:rPr>
+              <a:t>Frase exemplo</a:t>
+            </a:r>
+            <a:endParaRPr spc="-185" dirty="0">
+              <a:solidFill>
+                <a:schemeClr val="bg1"/>
+              </a:solidFill>
+            </a:endParaRPr>
+          </a:p>
+        </p:txBody>
+      </p:sp>
+      <p:cxnSp>
+        <p:nvCxnSpPr>
+          <p:cNvPr id="6" name="Conexão reta 5">
+            <a:extLst>
+              <a:ext uri="{FF2B5EF4-FFF2-40B4-BE49-F238E27FC236}">
+                <a16:creationId xmlns:a16="http://schemas.microsoft.com/office/drawing/2014/main" id="{4D5ADEDD-A052-4E5B-8311-D2BCE5FB9465}"/>
+              </a:ext>
+            </a:extLst>
+          </p:cNvPr>
+          <p:cNvCxnSpPr>
+            <a:cxnSpLocks/>
+          </p:cNvCxnSpPr>
+          <p:nvPr/>
+        </p:nvCxnSpPr>
+        <p:spPr>
+          <a:xfrm>
+            <a:off x="4557712" y="3132515"/>
+            <a:ext cx="0" cy="366452"/>
+          </a:xfrm>
+          <a:prstGeom prst="line">
+            <a:avLst/>
+          </a:prstGeom>
+          <a:ln w="19050">
+            <a:solidFill>
+              <a:srgbClr val="254061"/>
+            </a:solidFill>
+          </a:ln>
+        </p:spPr>
+        <p:style>
+          <a:lnRef idx="1">
+            <a:schemeClr val="accent1"/>
+          </a:lnRef>
+          <a:fillRef idx="0">
+            <a:schemeClr val="accent1"/>
+          </a:fillRef>
+          <a:effectRef idx="0">
+            <a:schemeClr val="accent1"/>
+          </a:effectRef>
+          <a:fontRef idx="minor">
+            <a:schemeClr val="tx1"/>
+          </a:fontRef>
+        </p:style>
+      </p:cxnSp>
+      <p:cxnSp>
+        <p:nvCxnSpPr>
+          <p:cNvPr id="34" name="Conexão reta 33">
+            <a:extLst>
+              <a:ext uri="{FF2B5EF4-FFF2-40B4-BE49-F238E27FC236}">
+                <a16:creationId xmlns:a16="http://schemas.microsoft.com/office/drawing/2014/main" id="{65FF920A-4160-43DB-AE7E-9F2F7D80C9BD}"/>
+              </a:ext>
+            </a:extLst>
+          </p:cNvPr>
+          <p:cNvCxnSpPr>
+            <a:cxnSpLocks/>
+          </p:cNvCxnSpPr>
+          <p:nvPr/>
+        </p:nvCxnSpPr>
+        <p:spPr>
+          <a:xfrm flipH="1">
+            <a:off x="1626392" y="3488856"/>
+            <a:ext cx="5917408" cy="1"/>
+          </a:xfrm>
+          <a:prstGeom prst="line">
+            <a:avLst/>
+          </a:prstGeom>
+          <a:ln w="19050">
+            <a:solidFill>
+              <a:srgbClr val="C00000"/>
+            </a:solidFill>
+          </a:ln>
+        </p:spPr>
+        <p:style>
+          <a:lnRef idx="1">
+            <a:schemeClr val="accent1"/>
+          </a:lnRef>
+          <a:fillRef idx="0">
+            <a:schemeClr val="accent1"/>
+          </a:fillRef>
+          <a:effectRef idx="0">
+            <a:schemeClr val="accent1"/>
+          </a:effectRef>
+          <a:fontRef idx="minor">
+            <a:schemeClr val="tx1"/>
+          </a:fontRef>
+        </p:style>
+      </p:cxnSp>
+      <p:cxnSp>
+        <p:nvCxnSpPr>
+          <p:cNvPr id="52" name="Conexão reta unidirecional 51">
+            <a:extLst>
+              <a:ext uri="{FF2B5EF4-FFF2-40B4-BE49-F238E27FC236}">
+                <a16:creationId xmlns:a16="http://schemas.microsoft.com/office/drawing/2014/main" id="{C830373C-32FD-4A6D-AD1B-945F90177640}"/>
+              </a:ext>
+            </a:extLst>
+          </p:cNvPr>
+          <p:cNvCxnSpPr>
+            <a:cxnSpLocks/>
+          </p:cNvCxnSpPr>
+          <p:nvPr/>
+        </p:nvCxnSpPr>
+        <p:spPr>
+          <a:xfrm flipH="1" flipV="1">
+            <a:off x="3095585" y="3495510"/>
+            <a:ext cx="1" cy="599442"/>
+          </a:xfrm>
+          <a:prstGeom prst="straightConnector1">
+            <a:avLst/>
+          </a:prstGeom>
+          <a:ln w="19050">
+            <a:solidFill>
+              <a:srgbClr val="00B050"/>
+            </a:solidFill>
+            <a:tailEnd type="triangle"/>
+          </a:ln>
+        </p:spPr>
+        <p:style>
+          <a:lnRef idx="1">
+            <a:schemeClr val="accent1"/>
+          </a:lnRef>
+          <a:fillRef idx="0">
+            <a:schemeClr val="accent1"/>
+          </a:fillRef>
+          <a:effectRef idx="0">
+            <a:schemeClr val="accent1"/>
+          </a:effectRef>
+          <a:fontRef idx="minor">
+            <a:schemeClr val="tx1"/>
+          </a:fontRef>
+        </p:style>
+      </p:cxnSp>
+      <p:cxnSp>
+        <p:nvCxnSpPr>
+          <p:cNvPr id="28" name="Conexão reta unidirecional 27">
+            <a:extLst>
+              <a:ext uri="{FF2B5EF4-FFF2-40B4-BE49-F238E27FC236}">
+                <a16:creationId xmlns:a16="http://schemas.microsoft.com/office/drawing/2014/main" id="{4FB415BE-B67B-4720-B84B-2A15606C9336}"/>
+              </a:ext>
+            </a:extLst>
+          </p:cNvPr>
+          <p:cNvCxnSpPr>
+            <a:cxnSpLocks/>
+          </p:cNvCxnSpPr>
+          <p:nvPr/>
+        </p:nvCxnSpPr>
+        <p:spPr>
+          <a:xfrm flipV="1">
+            <a:off x="4557710" y="3115452"/>
+            <a:ext cx="1" cy="380058"/>
+          </a:xfrm>
+          <a:prstGeom prst="straightConnector1">
+            <a:avLst/>
+          </a:prstGeom>
+          <a:ln w="19050">
+            <a:solidFill>
+              <a:srgbClr val="00B050"/>
+            </a:solidFill>
+            <a:tailEnd type="triangle"/>
+          </a:ln>
+        </p:spPr>
+        <p:style>
+          <a:lnRef idx="1">
+            <a:schemeClr val="accent1"/>
+          </a:lnRef>
+          <a:fillRef idx="0">
+            <a:schemeClr val="accent1"/>
+          </a:fillRef>
+          <a:effectRef idx="0">
+            <a:schemeClr val="accent1"/>
+          </a:effectRef>
+          <a:fontRef idx="minor">
+            <a:schemeClr val="tx1"/>
+          </a:fontRef>
+        </p:style>
+      </p:cxnSp>
+      <p:cxnSp>
+        <p:nvCxnSpPr>
+          <p:cNvPr id="31" name="Conexão reta 30">
+            <a:extLst>
+              <a:ext uri="{FF2B5EF4-FFF2-40B4-BE49-F238E27FC236}">
+                <a16:creationId xmlns:a16="http://schemas.microsoft.com/office/drawing/2014/main" id="{F5DDD875-DC38-41C2-8499-867467C4A11F}"/>
+              </a:ext>
+            </a:extLst>
+          </p:cNvPr>
+          <p:cNvCxnSpPr>
+            <a:cxnSpLocks/>
+          </p:cNvCxnSpPr>
+          <p:nvPr/>
+        </p:nvCxnSpPr>
+        <p:spPr>
+          <a:xfrm flipH="1">
+            <a:off x="3095584" y="3488856"/>
+            <a:ext cx="1462126" cy="792"/>
+          </a:xfrm>
+          <a:prstGeom prst="line">
+            <a:avLst/>
+          </a:prstGeom>
+          <a:ln w="19050">
+            <a:solidFill>
+              <a:srgbClr val="00B050"/>
+            </a:solidFill>
+          </a:ln>
+        </p:spPr>
+        <p:style>
+          <a:lnRef idx="1">
+            <a:schemeClr val="accent1"/>
+          </a:lnRef>
+          <a:fillRef idx="0">
+            <a:schemeClr val="accent1"/>
+          </a:fillRef>
+          <a:effectRef idx="0">
+            <a:schemeClr val="accent1"/>
+          </a:effectRef>
+          <a:fontRef idx="minor">
+            <a:schemeClr val="tx1"/>
+          </a:fontRef>
+        </p:style>
+      </p:cxnSp>
+      <p:sp>
+        <p:nvSpPr>
+          <p:cNvPr id="30" name="Bolha de Pensamento: Nuvem 29">
+            <a:extLst>
+              <a:ext uri="{FF2B5EF4-FFF2-40B4-BE49-F238E27FC236}">
+                <a16:creationId xmlns:a16="http://schemas.microsoft.com/office/drawing/2014/main" id="{90106D4B-8642-4AB6-874F-196E5E008FBA}"/>
+              </a:ext>
+            </a:extLst>
+          </p:cNvPr>
+          <p:cNvSpPr/>
+          <p:nvPr/>
+        </p:nvSpPr>
+        <p:spPr>
+          <a:xfrm>
+            <a:off x="5257876" y="1741014"/>
+            <a:ext cx="2133524" cy="947135"/>
+          </a:xfrm>
+          <a:prstGeom prst="cloudCallout">
+            <a:avLst>
+              <a:gd name="adj1" fmla="val -68396"/>
+              <a:gd name="adj2" fmla="val -16891"/>
+            </a:avLst>
+          </a:prstGeom>
+          <a:solidFill>
+            <a:schemeClr val="bg1">
+              <a:lumMod val="95000"/>
+            </a:schemeClr>
+          </a:solidFill>
+        </p:spPr>
+        <p:style>
+          <a:lnRef idx="2">
+            <a:schemeClr val="accent1">
+              <a:shade val="50000"/>
+            </a:schemeClr>
+          </a:lnRef>
+          <a:fillRef idx="1">
+            <a:schemeClr val="accent1"/>
+          </a:fillRef>
+          <a:effectRef idx="0">
+            <a:schemeClr val="accent1"/>
+          </a:effectRef>
+          <a:fontRef idx="minor">
+            <a:schemeClr val="lt1"/>
+          </a:fontRef>
+        </p:style>
+        <p:txBody>
+          <a:bodyPr rtlCol="0" anchor="ctr"/>
+          <a:lstStyle/>
+          <a:p>
+            <a:pPr algn="ctr"/>
+            <a:r>
+              <a:rPr lang="pt-PT" sz="1200" b="1" dirty="0">
+                <a:solidFill>
+                  <a:schemeClr val="tx1">
+                    <a:lumMod val="50000"/>
+                    <a:lumOff val="50000"/>
+                  </a:schemeClr>
+                </a:solidFill>
+              </a:rPr>
+              <a:t>Qual a resposta em que posso confiar mais?</a:t>
+            </a:r>
+          </a:p>
+        </p:txBody>
+      </p:sp>
+      <p:pic>
+        <p:nvPicPr>
+          <p:cNvPr id="32" name="Imagem 31">
+            <a:extLst>
+              <a:ext uri="{FF2B5EF4-FFF2-40B4-BE49-F238E27FC236}">
+                <a16:creationId xmlns:a16="http://schemas.microsoft.com/office/drawing/2014/main" id="{29247C7A-4CAB-4FC2-A19D-1A86D6E708DE}"/>
+              </a:ext>
+            </a:extLst>
+          </p:cNvPr>
+          <p:cNvPicPr>
+            <a:picLocks noChangeAspect="1"/>
+          </p:cNvPicPr>
+          <p:nvPr/>
+        </p:nvPicPr>
+        <p:blipFill rotWithShape="1">
+          <a:blip r:embed="rId3">
+            <a:clrChange>
+              <a:clrFrom>
+                <a:srgbClr val="FF8E1C"/>
+              </a:clrFrom>
+              <a:clrTo>
+                <a:srgbClr val="FF8E1C">
+                  <a:alpha val="0"/>
+                </a:srgbClr>
+              </a:clrTo>
+            </a:clrChange>
+            <a:extLst>
+              <a:ext uri="{BEBA8EAE-BF5A-486C-A8C5-ECC9F3942E4B}">
+                <a14:imgProps xmlns:a14="http://schemas.microsoft.com/office/drawing/2010/main">
+                  <a14:imgLayer r:embed="rId4">
+                    <a14:imgEffect>
+                      <a14:backgroundRemoval t="10000" b="90000" l="10000" r="90000">
+                        <a14:foregroundMark x1="44500" y1="44667" x2="44250" y2="46333"/>
+                        <a14:foregroundMark x1="45250" y1="77167" x2="44250" y2="77833"/>
+                        <a14:backgroundMark x1="21625" y1="62333" x2="28875" y2="59833"/>
+                        <a14:backgroundMark x1="26625" y1="57333" x2="26375" y2="59833"/>
+                        <a14:backgroundMark x1="59750" y1="67167" x2="61750" y2="68167"/>
+                        <a14:backgroundMark x1="58125" y1="67500" x2="60875" y2="79167"/>
+                        <a14:backgroundMark x1="60875" y1="79167" x2="65375" y2="68167"/>
+                        <a14:backgroundMark x1="65375" y1="68167" x2="59750" y2="61833"/>
+                        <a14:backgroundMark x1="24625" y1="53167" x2="22375" y2="61000"/>
+                        <a14:backgroundMark x1="22375" y1="61000" x2="24125" y2="69500"/>
+                        <a14:backgroundMark x1="24125" y1="69500" x2="29500" y2="65500"/>
+                        <a14:backgroundMark x1="29500" y1="65500" x2="29875" y2="57500"/>
+                        <a14:backgroundMark x1="29875" y1="57500" x2="24500" y2="53333"/>
+                        <a14:backgroundMark x1="24500" y1="53333" x2="24250" y2="53333"/>
+                        <a14:backgroundMark x1="27125" y1="57500" x2="25000" y2="64833"/>
+                        <a14:backgroundMark x1="25000" y1="64833" x2="26250" y2="72167"/>
+                        <a14:backgroundMark x1="26250" y1="72167" x2="30500" y2="66667"/>
+                        <a14:backgroundMark x1="30500" y1="66667" x2="28250" y2="59667"/>
+                        <a14:backgroundMark x1="28250" y1="59667" x2="28125" y2="59667"/>
+                        <a14:backgroundMark x1="34125" y1="62500" x2="28250" y2="60000"/>
+                        <a14:backgroundMark x1="28250" y1="60000" x2="32750" y2="65167"/>
+                        <a14:backgroundMark x1="32750" y1="65167" x2="33750" y2="61500"/>
+                        <a14:backgroundMark x1="62000" y1="65000" x2="56375" y2="62167"/>
+                        <a14:backgroundMark x1="56375" y1="62167" x2="58750" y2="69667"/>
+                        <a14:backgroundMark x1="58750" y1="69667" x2="60625" y2="63833"/>
+                        <a14:backgroundMark x1="66500" y1="35667" x2="65000" y2="56000"/>
+                        <a14:backgroundMark x1="65000" y1="56000" x2="67125" y2="66667"/>
+                        <a14:backgroundMark x1="67125" y1="66667" x2="75875" y2="68167"/>
+                        <a14:backgroundMark x1="75875" y1="68167" x2="83000" y2="64000"/>
+                        <a14:backgroundMark x1="83000" y1="64000" x2="84375" y2="53333"/>
+                        <a14:backgroundMark x1="84375" y1="53333" x2="82625" y2="41833"/>
+                        <a14:backgroundMark x1="82625" y1="41833" x2="77250" y2="33500"/>
+                        <a14:backgroundMark x1="77250" y1="33500" x2="68625" y2="33333"/>
+                        <a14:backgroundMark x1="68625" y1="33333" x2="66375" y2="36667"/>
+                        <a14:backgroundMark x1="72750" y1="43333" x2="72250" y2="55000"/>
+                        <a14:backgroundMark x1="72250" y1="55000" x2="74375" y2="48000"/>
+                        <a14:backgroundMark x1="71500" y1="45000" x2="75875" y2="48833"/>
+                        <a14:backgroundMark x1="69375" y1="48833" x2="78750" y2="51833"/>
+                        <a14:backgroundMark x1="78750" y1="51833" x2="78875" y2="49000"/>
+                        <a14:backgroundMark x1="70625" y1="46333" x2="79500" y2="49000"/>
+                        <a14:backgroundMark x1="70750" y1="46333" x2="78875" y2="48167"/>
+                        <a14:backgroundMark x1="73375" y1="42000" x2="80875" y2="44667"/>
+                        <a14:backgroundMark x1="80875" y1="44667" x2="82375" y2="44000"/>
+                        <a14:backgroundMark x1="78250" y1="39167" x2="83000" y2="42000"/>
+                        <a14:backgroundMark x1="75875" y1="36500" x2="80250" y2="41000"/>
+                        <a14:backgroundMark x1="71625" y1="39667" x2="79875" y2="43167"/>
+                        <a14:backgroundMark x1="79875" y1="43167" x2="83000" y2="43167"/>
+                        <a14:backgroundMark x1="75750" y1="41500" x2="83875" y2="45333"/>
+                        <a14:backgroundMark x1="83875" y1="45333" x2="85500" y2="44500"/>
+                        <a14:backgroundMark x1="77250" y1="43167" x2="86625" y2="48167"/>
+                        <a14:backgroundMark x1="86625" y1="48167" x2="86750" y2="48000"/>
+                        <a14:backgroundMark x1="74875" y1="50833" x2="77375" y2="56167"/>
+                        <a14:backgroundMark x1="76625" y1="56000" x2="84250" y2="61333"/>
+                        <a14:backgroundMark x1="84250" y1="61333" x2="85750" y2="59667"/>
+                        <a14:backgroundMark x1="75750" y1="56167" x2="80875" y2="59167"/>
+                        <a14:backgroundMark x1="77000" y1="54167" x2="77250" y2="57000"/>
+                        <a14:backgroundMark x1="74875" y1="55500" x2="78500" y2="57000"/>
+                        <a14:backgroundMark x1="68250" y1="54333" x2="74250" y2="54667"/>
+                        <a14:backgroundMark x1="68250" y1="50167" x2="68500" y2="51667"/>
+                        <a14:backgroundMark x1="67875" y1="44500" x2="67500" y2="56000"/>
+                        <a14:backgroundMark x1="67500" y1="56000" x2="67625" y2="56167"/>
+                        <a14:backgroundMark x1="65750" y1="39167" x2="68875" y2="52667"/>
+                        <a14:backgroundMark x1="68875" y1="52667" x2="70625" y2="55667"/>
+                        <a14:backgroundMark x1="71250" y1="37833" x2="72500" y2="47167"/>
+                        <a14:backgroundMark x1="70125" y1="36167" x2="69500" y2="47333"/>
+                        <a14:backgroundMark x1="67625" y1="36667" x2="66500" y2="49833"/>
+                        <a14:backgroundMark x1="65250" y1="46000" x2="65000" y2="52833"/>
+                        <a14:backgroundMark x1="64250" y1="54333" x2="62125" y2="61500"/>
+                        <a14:backgroundMark x1="59500" y1="60000" x2="65750" y2="58833"/>
+                        <a14:backgroundMark x1="60125" y1="58167" x2="64875" y2="57500"/>
+                        <a14:backgroundMark x1="61875" y1="56000" x2="64625" y2="56000"/>
+                        <a14:backgroundMark x1="59500" y1="54333" x2="63750" y2="59667"/>
+                        <a14:backgroundMark x1="26250" y1="54333" x2="28375" y2="55167"/>
+                        <a14:backgroundMark x1="27250" y1="53333" x2="28750" y2="56833"/>
+                        <a14:backgroundMark x1="32875" y1="63500" x2="35375" y2="64167"/>
+                        <a14:backgroundMark x1="33000" y1="63667" x2="35875" y2="63500"/>
+                        <a14:backgroundMark x1="53750" y1="63667" x2="58500" y2="63667"/>
+                        <a14:backgroundMark x1="54750" y1="62667" x2="56125" y2="62833"/>
+                        <a14:backgroundMark x1="54000" y1="62833" x2="55500" y2="63667"/>
+                        <a14:backgroundMark x1="52625" y1="63667" x2="57000" y2="64500"/>
+                        <a14:backgroundMark x1="58250" y1="55667" x2="59250" y2="58833"/>
+                        <a14:backgroundMark x1="58500" y1="55500" x2="60750" y2="58667"/>
+                        <a14:backgroundMark x1="59500" y1="54833" x2="61625" y2="54667"/>
+                        <a14:backgroundMark x1="59875" y1="53333" x2="61250" y2="53333"/>
+                        <a14:backgroundMark x1="59500" y1="53333" x2="60750" y2="53333"/>
+                        <a14:backgroundMark x1="59250" y1="52167" x2="61375" y2="52500"/>
+                        <a14:backgroundMark x1="63125" y1="38667" x2="65500" y2="42833"/>
+                        <a14:backgroundMark x1="65500" y1="38667" x2="66375" y2="39667"/>
+                        <a14:backgroundMark x1="66375" y1="38000" x2="67125" y2="40167"/>
+                        <a14:backgroundMark x1="68250" y1="38000" x2="70750" y2="39167"/>
+                        <a14:backgroundMark x1="71625" y1="37833" x2="71625" y2="37833"/>
+                        <a14:backgroundMark x1="63125" y1="39667" x2="63375" y2="41500"/>
+                        <a14:backgroundMark x1="59250" y1="52167" x2="61000" y2="52833"/>
+                        <a14:backgroundMark x1="59125" y1="52500" x2="60375" y2="52500"/>
+                        <a14:backgroundMark x1="59250" y1="52000" x2="61625" y2="51667"/>
+                        <a14:backgroundMark x1="59500" y1="52167" x2="60750" y2="52167"/>
+                      </a14:backgroundRemoval>
+                    </a14:imgEffect>
+                  </a14:imgLayer>
+                </a14:imgProps>
+              </a:ext>
+            </a:extLst>
+          </a:blip>
+          <a:srcRect l="23453" t="11334" r="36427" b="8666"/>
+          <a:stretch/>
+        </p:blipFill>
+        <p:spPr>
+          <a:xfrm>
+            <a:off x="4176862" y="1782928"/>
+            <a:ext cx="661914" cy="1053770"/>
+          </a:xfrm>
+          <a:prstGeom prst="rect">
+            <a:avLst/>
+          </a:prstGeom>
+        </p:spPr>
+      </p:pic>
+      <p:pic>
+        <p:nvPicPr>
+          <p:cNvPr id="33" name="Imagem 32">
+            <a:extLst>
+              <a:ext uri="{FF2B5EF4-FFF2-40B4-BE49-F238E27FC236}">
+                <a16:creationId xmlns:a16="http://schemas.microsoft.com/office/drawing/2014/main" id="{DD6587D8-8068-4C2D-AF62-34C8C307B210}"/>
+              </a:ext>
+            </a:extLst>
+          </p:cNvPr>
+          <p:cNvPicPr>
+            <a:picLocks noChangeAspect="1"/>
+          </p:cNvPicPr>
+          <p:nvPr/>
+        </p:nvPicPr>
+        <p:blipFill>
+          <a:blip r:embed="rId5"/>
+          <a:stretch>
+            <a:fillRect/>
+          </a:stretch>
+        </p:blipFill>
+        <p:spPr>
+          <a:xfrm>
+            <a:off x="2660875" y="4107382"/>
+            <a:ext cx="867738" cy="957197"/>
+          </a:xfrm>
+          <a:prstGeom prst="rect">
+            <a:avLst/>
+          </a:prstGeom>
+        </p:spPr>
+      </p:pic>
+      <p:pic>
+        <p:nvPicPr>
+          <p:cNvPr id="36" name="Imagem 35">
+            <a:extLst>
+              <a:ext uri="{FF2B5EF4-FFF2-40B4-BE49-F238E27FC236}">
+                <a16:creationId xmlns:a16="http://schemas.microsoft.com/office/drawing/2014/main" id="{80B8DF9E-156C-4D36-A229-653A79D2E309}"/>
+              </a:ext>
+            </a:extLst>
+          </p:cNvPr>
+          <p:cNvPicPr>
+            <a:picLocks noChangeAspect="1"/>
+          </p:cNvPicPr>
+          <p:nvPr/>
+        </p:nvPicPr>
+        <p:blipFill rotWithShape="1">
+          <a:blip r:embed="rId6">
+            <a:extLst>
+              <a:ext uri="{BEBA8EAE-BF5A-486C-A8C5-ECC9F3942E4B}">
+                <a14:imgProps xmlns:a14="http://schemas.microsoft.com/office/drawing/2010/main">
+                  <a14:imgLayer r:embed="rId7">
+                    <a14:imgEffect>
+                      <a14:backgroundRemoval t="4348" b="96377" l="9804" r="89216">
+                        <a14:foregroundMark x1="42327" y1="69077" x2="32353" y2="34058"/>
+                        <a14:foregroundMark x1="42896" y1="71074" x2="42719" y2="70452"/>
+                        <a14:foregroundMark x1="44280" y1="75933" x2="43980" y2="74878"/>
+                        <a14:foregroundMark x1="46078" y1="82246" x2="45495" y2="80198"/>
+                        <a14:foregroundMark x1="59321" y1="76635" x2="59774" y2="76294"/>
+                        <a14:foregroundMark x1="47059" y1="85870" x2="57454" y2="78041"/>
+                        <a14:foregroundMark x1="77585" y1="54932" x2="79085" y2="52899"/>
+                        <a14:foregroundMark x1="67413" y1="68715" x2="75327" y2="57991"/>
+                        <a14:foregroundMark x1="60784" y1="87319" x2="50327" y2="90217"/>
+                        <a14:foregroundMark x1="50327" y1="90217" x2="34009" y2="88071"/>
+                        <a14:foregroundMark x1="39542" y1="87681" x2="51634" y2="89493"/>
+                        <a14:foregroundMark x1="51634" y1="89493" x2="60131" y2="86957"/>
+                        <a14:foregroundMark x1="60131" y1="86957" x2="63072" y2="84058"/>
+                        <a14:foregroundMark x1="63072" y1="85870" x2="54902" y2="91667"/>
+                        <a14:foregroundMark x1="54902" y1="91667" x2="43137" y2="92029"/>
+                        <a14:foregroundMark x1="42157" y1="92391" x2="51634" y2="93116"/>
+                        <a14:foregroundMark x1="51634" y1="93116" x2="55556" y2="92029"/>
+                        <a14:foregroundMark x1="54902" y1="93841" x2="46405" y2="94928"/>
+                        <a14:foregroundMark x1="24749" y1="62028" x2="27778" y2="37681"/>
+                        <a14:foregroundMark x1="27778" y1="37681" x2="30392" y2="34058"/>
+                        <a14:foregroundMark x1="34448" y1="69561" x2="37908" y2="41304"/>
+                        <a14:foregroundMark x1="49520" y1="69784" x2="52614" y2="55797"/>
+                        <a14:foregroundMark x1="59125" y1="68788" x2="60131" y2="56522"/>
+                        <a14:foregroundMark x1="66018" y1="68736" x2="68627" y2="53986"/>
+                        <a14:foregroundMark x1="71518" y1="65483" x2="71242" y2="51087"/>
+                        <a14:foregroundMark x1="70588" y1="60507" x2="70588" y2="43478"/>
+                        <a14:foregroundMark x1="69935" y1="39130" x2="66667" y2="29710"/>
+                        <a14:foregroundMark x1="66667" y1="29710" x2="57516" y2="26449"/>
+                        <a14:foregroundMark x1="57516" y1="26449" x2="36601" y2="28623"/>
+                        <a14:foregroundMark x1="36601" y1="28623" x2="33660" y2="30797"/>
+                        <a14:foregroundMark x1="48366" y1="7971" x2="49346" y2="13406"/>
+                        <a14:foregroundMark x1="49346" y1="7971" x2="49346" y2="12319"/>
+                        <a14:foregroundMark x1="48693" y1="8696" x2="49346" y2="12681"/>
+                        <a14:foregroundMark x1="50000" y1="8333" x2="51307" y2="11957"/>
+                        <a14:foregroundMark x1="50654" y1="8333" x2="49673" y2="13043"/>
+                        <a14:foregroundMark x1="48693" y1="7609" x2="49020" y2="12681"/>
+                        <a14:foregroundMark x1="49020" y1="10145" x2="49020" y2="4710"/>
+                        <a14:foregroundMark x1="18627" y1="50362" x2="27124" y2="50000"/>
+                        <a14:foregroundMark x1="47386" y1="93478" x2="50000" y2="94928"/>
+                        <a14:foregroundMark x1="45752" y1="96377" x2="51634" y2="95290"/>
+                        <a14:foregroundMark x1="51634" y1="94928" x2="51634" y2="94928"/>
+                        <a14:backgroundMark x1="14379" y1="11957" x2="11111" y2="54348"/>
+                        <a14:backgroundMark x1="17647" y1="77174" x2="25163" y2="76812"/>
+                        <a14:backgroundMark x1="24837" y1="71014" x2="22876" y2="84058"/>
+                        <a14:backgroundMark x1="22876" y1="84058" x2="22222" y2="85507"/>
+                        <a14:backgroundMark x1="20261" y1="65217" x2="23856" y2="77174"/>
+                        <a14:backgroundMark x1="23856" y1="77174" x2="30719" y2="75362"/>
+                        <a14:backgroundMark x1="73856" y1="74638" x2="78105" y2="73551"/>
+                        <a14:backgroundMark x1="76144" y1="72101" x2="77778" y2="75362"/>
+                        <a14:backgroundMark x1="72549" y1="75000" x2="76144" y2="77899"/>
+                        <a14:backgroundMark x1="72222" y1="75725" x2="75817" y2="79710"/>
+                        <a14:backgroundMark x1="72222" y1="74638" x2="75817" y2="77536"/>
+                        <a14:backgroundMark x1="71569" y1="74638" x2="76144" y2="76812"/>
+                        <a14:backgroundMark x1="72876" y1="74638" x2="77124" y2="76449"/>
+                        <a14:backgroundMark x1="80719" y1="61957" x2="80065" y2="74638"/>
+                        <a14:backgroundMark x1="80065" y1="74638" x2="71569" y2="86957"/>
+                        <a14:backgroundMark x1="19935" y1="75000" x2="31373" y2="75000"/>
+                        <a14:backgroundMark x1="31373" y1="75000" x2="36275" y2="73913"/>
+                        <a14:backgroundMark x1="63072" y1="73913" x2="74183" y2="73913"/>
+                        <a14:backgroundMark x1="74183" y1="73913" x2="76797" y2="73188"/>
+                        <a14:backgroundMark x1="76797" y1="66667" x2="74183" y2="80797"/>
+                        <a14:backgroundMark x1="17320" y1="60870" x2="18954" y2="74275"/>
+                        <a14:backgroundMark x1="18954" y1="74275" x2="23856" y2="85145"/>
+                        <a14:backgroundMark x1="23856" y1="85145" x2="27778" y2="87319"/>
+                        <a14:backgroundMark x1="17320" y1="59420" x2="18627" y2="61232"/>
+                        <a14:backgroundMark x1="16667" y1="60870" x2="18301" y2="62319"/>
+                        <a14:backgroundMark x1="17320" y1="59058" x2="17974" y2="61594"/>
+                        <a14:backgroundMark x1="27778" y1="86232" x2="26797" y2="91667"/>
+                        <a14:backgroundMark x1="28105" y1="87319" x2="28105" y2="91667"/>
+                        <a14:backgroundMark x1="69935" y1="85507" x2="70588" y2="94928"/>
+                        <a14:backgroundMark x1="28105" y1="86594" x2="29085" y2="92391"/>
+                        <a14:backgroundMark x1="16013" y1="57609" x2="19935" y2="60870"/>
+                        <a14:backgroundMark x1="24183" y1="62319" x2="26144" y2="66667"/>
+                        <a14:backgroundMark x1="67974" y1="71377" x2="61765" y2="73913"/>
+                        <a14:backgroundMark x1="62418" y1="74638" x2="58824" y2="74638"/>
+                        <a14:backgroundMark x1="58497" y1="75000" x2="55556" y2="74275"/>
+                        <a14:backgroundMark x1="37908" y1="74275" x2="40523" y2="74275"/>
+                        <a14:backgroundMark x1="40850" y1="74638" x2="44118" y2="74638"/>
+                        <a14:backgroundMark x1="45098" y1="74638" x2="47386" y2="75000"/>
+                        <a14:backgroundMark x1="48366" y1="75000" x2="49673" y2="75000"/>
+                        <a14:backgroundMark x1="48693" y1="74275" x2="49020" y2="74275"/>
+                        <a14:backgroundMark x1="47386" y1="74275" x2="49020" y2="74275"/>
+                        <a14:backgroundMark x1="78758" y1="61594" x2="82680" y2="59783"/>
+                        <a14:backgroundMark x1="81373" y1="58696" x2="79739" y2="60145"/>
+                        <a14:backgroundMark x1="81373" y1="58696" x2="78758" y2="61232"/>
+                      </a14:backgroundRemoval>
+                    </a14:imgEffect>
+                  </a14:imgLayer>
+                </a14:imgProps>
+              </a:ext>
+            </a:extLst>
+          </a:blip>
+          <a:srcRect l="12176" r="12062"/>
+          <a:stretch/>
+        </p:blipFill>
+        <p:spPr>
+          <a:xfrm>
+            <a:off x="1256869" y="4114800"/>
+            <a:ext cx="752227" cy="895545"/>
+          </a:xfrm>
+          <a:prstGeom prst="rect">
+            <a:avLst/>
+          </a:prstGeom>
+        </p:spPr>
+      </p:pic>
+      <p:pic>
+        <p:nvPicPr>
+          <p:cNvPr id="37" name="Imagem 36">
+            <a:extLst>
+              <a:ext uri="{FF2B5EF4-FFF2-40B4-BE49-F238E27FC236}">
+                <a16:creationId xmlns:a16="http://schemas.microsoft.com/office/drawing/2014/main" id="{C2DDD8E7-1E3D-4E70-8917-F8849273057D}"/>
+              </a:ext>
+            </a:extLst>
+          </p:cNvPr>
+          <p:cNvPicPr>
+            <a:picLocks noChangeAspect="1"/>
+          </p:cNvPicPr>
+          <p:nvPr/>
+        </p:nvPicPr>
+        <p:blipFill rotWithShape="1">
+          <a:blip r:embed="rId6">
+            <a:extLst>
+              <a:ext uri="{BEBA8EAE-BF5A-486C-A8C5-ECC9F3942E4B}">
+                <a14:imgProps xmlns:a14="http://schemas.microsoft.com/office/drawing/2010/main">
+                  <a14:imgLayer r:embed="rId7">
+                    <a14:imgEffect>
+                      <a14:backgroundRemoval t="4348" b="96377" l="9804" r="89216">
+                        <a14:foregroundMark x1="42327" y1="69077" x2="32353" y2="34058"/>
+                        <a14:foregroundMark x1="42896" y1="71074" x2="42719" y2="70452"/>
+                        <a14:foregroundMark x1="44280" y1="75933" x2="43980" y2="74878"/>
+                        <a14:foregroundMark x1="46078" y1="82246" x2="45495" y2="80198"/>
+                        <a14:foregroundMark x1="59321" y1="76635" x2="59774" y2="76294"/>
+                        <a14:foregroundMark x1="47059" y1="85870" x2="57454" y2="78041"/>
+                        <a14:foregroundMark x1="77585" y1="54932" x2="79085" y2="52899"/>
+                        <a14:foregroundMark x1="67413" y1="68715" x2="75327" y2="57991"/>
+                        <a14:foregroundMark x1="60784" y1="87319" x2="50327" y2="90217"/>
+                        <a14:foregroundMark x1="50327" y1="90217" x2="34009" y2="88071"/>
+                        <a14:foregroundMark x1="39542" y1="87681" x2="51634" y2="89493"/>
+                        <a14:foregroundMark x1="51634" y1="89493" x2="60131" y2="86957"/>
+                        <a14:foregroundMark x1="60131" y1="86957" x2="63072" y2="84058"/>
+                        <a14:foregroundMark x1="63072" y1="85870" x2="54902" y2="91667"/>
+                        <a14:foregroundMark x1="54902" y1="91667" x2="43137" y2="92029"/>
+                        <a14:foregroundMark x1="42157" y1="92391" x2="51634" y2="93116"/>
+                        <a14:foregroundMark x1="51634" y1="93116" x2="55556" y2="92029"/>
+                        <a14:foregroundMark x1="54902" y1="93841" x2="46405" y2="94928"/>
+                        <a14:foregroundMark x1="24749" y1="62028" x2="27778" y2="37681"/>
+                        <a14:foregroundMark x1="27778" y1="37681" x2="30392" y2="34058"/>
+                        <a14:foregroundMark x1="34448" y1="69561" x2="37908" y2="41304"/>
+                        <a14:foregroundMark x1="49520" y1="69784" x2="52614" y2="55797"/>
+                        <a14:foregroundMark x1="59125" y1="68788" x2="60131" y2="56522"/>
+                        <a14:foregroundMark x1="66018" y1="68736" x2="68627" y2="53986"/>
+                        <a14:foregroundMark x1="71518" y1="65483" x2="71242" y2="51087"/>
+                        <a14:foregroundMark x1="70588" y1="60507" x2="70588" y2="43478"/>
+                        <a14:foregroundMark x1="69935" y1="39130" x2="66667" y2="29710"/>
+                        <a14:foregroundMark x1="66667" y1="29710" x2="57516" y2="26449"/>
+                        <a14:foregroundMark x1="57516" y1="26449" x2="36601" y2="28623"/>
+                        <a14:foregroundMark x1="36601" y1="28623" x2="33660" y2="30797"/>
+                        <a14:foregroundMark x1="48366" y1="7971" x2="49346" y2="13406"/>
+                        <a14:foregroundMark x1="49346" y1="7971" x2="49346" y2="12319"/>
+                        <a14:foregroundMark x1="48693" y1="8696" x2="49346" y2="12681"/>
+                        <a14:foregroundMark x1="50000" y1="8333" x2="51307" y2="11957"/>
+                        <a14:foregroundMark x1="50654" y1="8333" x2="49673" y2="13043"/>
+                        <a14:foregroundMark x1="48693" y1="7609" x2="49020" y2="12681"/>
+                        <a14:foregroundMark x1="49020" y1="10145" x2="49020" y2="4710"/>
+                        <a14:foregroundMark x1="18627" y1="50362" x2="27124" y2="50000"/>
+                        <a14:foregroundMark x1="47386" y1="93478" x2="50000" y2="94928"/>
+                        <a14:foregroundMark x1="45752" y1="96377" x2="51634" y2="95290"/>
+                        <a14:foregroundMark x1="51634" y1="94928" x2="51634" y2="94928"/>
+                        <a14:backgroundMark x1="14379" y1="11957" x2="11111" y2="54348"/>
+                        <a14:backgroundMark x1="17647" y1="77174" x2="25163" y2="76812"/>
+                        <a14:backgroundMark x1="24837" y1="71014" x2="22876" y2="84058"/>
+                        <a14:backgroundMark x1="22876" y1="84058" x2="22222" y2="85507"/>
+                        <a14:backgroundMark x1="20261" y1="65217" x2="23856" y2="77174"/>
+                        <a14:backgroundMark x1="23856" y1="77174" x2="30719" y2="75362"/>
+                        <a14:backgroundMark x1="73856" y1="74638" x2="78105" y2="73551"/>
+                        <a14:backgroundMark x1="76144" y1="72101" x2="77778" y2="75362"/>
+                        <a14:backgroundMark x1="72549" y1="75000" x2="76144" y2="77899"/>
+                        <a14:backgroundMark x1="72222" y1="75725" x2="75817" y2="79710"/>
+                        <a14:backgroundMark x1="72222" y1="74638" x2="75817" y2="77536"/>
+                        <a14:backgroundMark x1="71569" y1="74638" x2="76144" y2="76812"/>
+                        <a14:backgroundMark x1="72876" y1="74638" x2="77124" y2="76449"/>
+                        <a14:backgroundMark x1="80719" y1="61957" x2="80065" y2="74638"/>
+                        <a14:backgroundMark x1="80065" y1="74638" x2="71569" y2="86957"/>
+                        <a14:backgroundMark x1="19935" y1="75000" x2="31373" y2="75000"/>
+                        <a14:backgroundMark x1="31373" y1="75000" x2="36275" y2="73913"/>
+                        <a14:backgroundMark x1="63072" y1="73913" x2="74183" y2="73913"/>
+                        <a14:backgroundMark x1="74183" y1="73913" x2="76797" y2="73188"/>
+                        <a14:backgroundMark x1="76797" y1="66667" x2="74183" y2="80797"/>
+                        <a14:backgroundMark x1="17320" y1="60870" x2="18954" y2="74275"/>
+                        <a14:backgroundMark x1="18954" y1="74275" x2="23856" y2="85145"/>
+                        <a14:backgroundMark x1="23856" y1="85145" x2="27778" y2="87319"/>
+                        <a14:backgroundMark x1="17320" y1="59420" x2="18627" y2="61232"/>
+                        <a14:backgroundMark x1="16667" y1="60870" x2="18301" y2="62319"/>
+                        <a14:backgroundMark x1="17320" y1="59058" x2="17974" y2="61594"/>
+                        <a14:backgroundMark x1="27778" y1="86232" x2="26797" y2="91667"/>
+                        <a14:backgroundMark x1="28105" y1="87319" x2="28105" y2="91667"/>
+                        <a14:backgroundMark x1="69935" y1="85507" x2="70588" y2="94928"/>
+                        <a14:backgroundMark x1="28105" y1="86594" x2="29085" y2="92391"/>
+                        <a14:backgroundMark x1="16013" y1="57609" x2="19935" y2="60870"/>
+                        <a14:backgroundMark x1="24183" y1="62319" x2="26144" y2="66667"/>
+                        <a14:backgroundMark x1="67974" y1="71377" x2="61765" y2="73913"/>
+                        <a14:backgroundMark x1="62418" y1="74638" x2="58824" y2="74638"/>
+                        <a14:backgroundMark x1="58497" y1="75000" x2="55556" y2="74275"/>
+                        <a14:backgroundMark x1="37908" y1="74275" x2="40523" y2="74275"/>
+                        <a14:backgroundMark x1="40850" y1="74638" x2="44118" y2="74638"/>
+                        <a14:backgroundMark x1="45098" y1="74638" x2="47386" y2="75000"/>
+                        <a14:backgroundMark x1="48366" y1="75000" x2="49673" y2="75000"/>
+                        <a14:backgroundMark x1="48693" y1="74275" x2="49020" y2="74275"/>
+                        <a14:backgroundMark x1="47386" y1="74275" x2="49020" y2="74275"/>
+                        <a14:backgroundMark x1="78758" y1="61594" x2="82680" y2="59783"/>
+                        <a14:backgroundMark x1="81373" y1="58696" x2="79739" y2="60145"/>
+                        <a14:backgroundMark x1="81373" y1="58696" x2="78758" y2="61232"/>
+                      </a14:backgroundRemoval>
+                    </a14:imgEffect>
+                  </a14:imgLayer>
+                </a14:imgProps>
+              </a:ext>
+            </a:extLst>
+          </a:blip>
+          <a:srcRect l="12176" r="12062"/>
+          <a:stretch/>
+        </p:blipFill>
+        <p:spPr>
+          <a:xfrm>
+            <a:off x="5731320" y="4107670"/>
+            <a:ext cx="752227" cy="895545"/>
+          </a:xfrm>
+          <a:prstGeom prst="rect">
+            <a:avLst/>
+          </a:prstGeom>
+        </p:spPr>
+      </p:pic>
+      <p:pic>
+        <p:nvPicPr>
+          <p:cNvPr id="39" name="Imagem 38">
+            <a:extLst>
+              <a:ext uri="{FF2B5EF4-FFF2-40B4-BE49-F238E27FC236}">
+                <a16:creationId xmlns:a16="http://schemas.microsoft.com/office/drawing/2014/main" id="{79034710-5F8A-4484-B750-B921F2E1A345}"/>
+              </a:ext>
+            </a:extLst>
+          </p:cNvPr>
+          <p:cNvPicPr>
+            <a:picLocks noChangeAspect="1"/>
+          </p:cNvPicPr>
+          <p:nvPr/>
+        </p:nvPicPr>
+        <p:blipFill rotWithShape="1">
+          <a:blip r:embed="rId6">
+            <a:extLst>
+              <a:ext uri="{BEBA8EAE-BF5A-486C-A8C5-ECC9F3942E4B}">
+                <a14:imgProps xmlns:a14="http://schemas.microsoft.com/office/drawing/2010/main">
+                  <a14:imgLayer r:embed="rId7">
+                    <a14:imgEffect>
+                      <a14:backgroundRemoval t="4348" b="96377" l="9804" r="89216">
+                        <a14:foregroundMark x1="42327" y1="69077" x2="32353" y2="34058"/>
+                        <a14:foregroundMark x1="42896" y1="71074" x2="42719" y2="70452"/>
+                        <a14:foregroundMark x1="44280" y1="75933" x2="43980" y2="74878"/>
+                        <a14:foregroundMark x1="46078" y1="82246" x2="45495" y2="80198"/>
+                        <a14:foregroundMark x1="59321" y1="76635" x2="59774" y2="76294"/>
+                        <a14:foregroundMark x1="47059" y1="85870" x2="57454" y2="78041"/>
+                        <a14:foregroundMark x1="77585" y1="54932" x2="79085" y2="52899"/>
+                        <a14:foregroundMark x1="67413" y1="68715" x2="75327" y2="57991"/>
+                        <a14:foregroundMark x1="60784" y1="87319" x2="50327" y2="90217"/>
+                        <a14:foregroundMark x1="50327" y1="90217" x2="34009" y2="88071"/>
+                        <a14:foregroundMark x1="39542" y1="87681" x2="51634" y2="89493"/>
+                        <a14:foregroundMark x1="51634" y1="89493" x2="60131" y2="86957"/>
+                        <a14:foregroundMark x1="60131" y1="86957" x2="63072" y2="84058"/>
+                        <a14:foregroundMark x1="63072" y1="85870" x2="54902" y2="91667"/>
+                        <a14:foregroundMark x1="54902" y1="91667" x2="43137" y2="92029"/>
+                        <a14:foregroundMark x1="42157" y1="92391" x2="51634" y2="93116"/>
+                        <a14:foregroundMark x1="51634" y1="93116" x2="55556" y2="92029"/>
+                        <a14:foregroundMark x1="54902" y1="93841" x2="46405" y2="94928"/>
+                        <a14:foregroundMark x1="24749" y1="62028" x2="27778" y2="37681"/>
+                        <a14:foregroundMark x1="27778" y1="37681" x2="30392" y2="34058"/>
+                        <a14:foregroundMark x1="34448" y1="69561" x2="37908" y2="41304"/>
+                        <a14:foregroundMark x1="49520" y1="69784" x2="52614" y2="55797"/>
+                        <a14:foregroundMark x1="59125" y1="68788" x2="60131" y2="56522"/>
+                        <a14:foregroundMark x1="66018" y1="68736" x2="68627" y2="53986"/>
+                        <a14:foregroundMark x1="71518" y1="65483" x2="71242" y2="51087"/>
+                        <a14:foregroundMark x1="70588" y1="60507" x2="70588" y2="43478"/>
+                        <a14:foregroundMark x1="69935" y1="39130" x2="66667" y2="29710"/>
+                        <a14:foregroundMark x1="66667" y1="29710" x2="57516" y2="26449"/>
+                        <a14:foregroundMark x1="57516" y1="26449" x2="36601" y2="28623"/>
+                        <a14:foregroundMark x1="36601" y1="28623" x2="33660" y2="30797"/>
+                        <a14:foregroundMark x1="48366" y1="7971" x2="49346" y2="13406"/>
+                        <a14:foregroundMark x1="49346" y1="7971" x2="49346" y2="12319"/>
+                        <a14:foregroundMark x1="48693" y1="8696" x2="49346" y2="12681"/>
+                        <a14:foregroundMark x1="50000" y1="8333" x2="51307" y2="11957"/>
+                        <a14:foregroundMark x1="50654" y1="8333" x2="49673" y2="13043"/>
+                        <a14:foregroundMark x1="48693" y1="7609" x2="49020" y2="12681"/>
+                        <a14:foregroundMark x1="49020" y1="10145" x2="49020" y2="4710"/>
+                        <a14:foregroundMark x1="18627" y1="50362" x2="27124" y2="50000"/>
+                        <a14:foregroundMark x1="47386" y1="93478" x2="50000" y2="94928"/>
+                        <a14:foregroundMark x1="45752" y1="96377" x2="51634" y2="95290"/>
+                        <a14:foregroundMark x1="51634" y1="94928" x2="51634" y2="94928"/>
+                        <a14:backgroundMark x1="14379" y1="11957" x2="11111" y2="54348"/>
+                        <a14:backgroundMark x1="17647" y1="77174" x2="25163" y2="76812"/>
+                        <a14:backgroundMark x1="24837" y1="71014" x2="22876" y2="84058"/>
+                        <a14:backgroundMark x1="22876" y1="84058" x2="22222" y2="85507"/>
+                        <a14:backgroundMark x1="20261" y1="65217" x2="23856" y2="77174"/>
+                        <a14:backgroundMark x1="23856" y1="77174" x2="30719" y2="75362"/>
+                        <a14:backgroundMark x1="73856" y1="74638" x2="78105" y2="73551"/>
+                        <a14:backgroundMark x1="76144" y1="72101" x2="77778" y2="75362"/>
+                        <a14:backgroundMark x1="72549" y1="75000" x2="76144" y2="77899"/>
+                        <a14:backgroundMark x1="72222" y1="75725" x2="75817" y2="79710"/>
+                        <a14:backgroundMark x1="72222" y1="74638" x2="75817" y2="77536"/>
+                        <a14:backgroundMark x1="71569" y1="74638" x2="76144" y2="76812"/>
+                        <a14:backgroundMark x1="72876" y1="74638" x2="77124" y2="76449"/>
+                        <a14:backgroundMark x1="80719" y1="61957" x2="80065" y2="74638"/>
+                        <a14:backgroundMark x1="80065" y1="74638" x2="71569" y2="86957"/>
+                        <a14:backgroundMark x1="19935" y1="75000" x2="31373" y2="75000"/>
+                        <a14:backgroundMark x1="31373" y1="75000" x2="36275" y2="73913"/>
+                        <a14:backgroundMark x1="63072" y1="73913" x2="74183" y2="73913"/>
+                        <a14:backgroundMark x1="74183" y1="73913" x2="76797" y2="73188"/>
+                        <a14:backgroundMark x1="76797" y1="66667" x2="74183" y2="80797"/>
+                        <a14:backgroundMark x1="17320" y1="60870" x2="18954" y2="74275"/>
+                        <a14:backgroundMark x1="18954" y1="74275" x2="23856" y2="85145"/>
+                        <a14:backgroundMark x1="23856" y1="85145" x2="27778" y2="87319"/>
+                        <a14:backgroundMark x1="17320" y1="59420" x2="18627" y2="61232"/>
+                        <a14:backgroundMark x1="16667" y1="60870" x2="18301" y2="62319"/>
+                        <a14:backgroundMark x1="17320" y1="59058" x2="17974" y2="61594"/>
+                        <a14:backgroundMark x1="27778" y1="86232" x2="26797" y2="91667"/>
+                        <a14:backgroundMark x1="28105" y1="87319" x2="28105" y2="91667"/>
+                        <a14:backgroundMark x1="69935" y1="85507" x2="70588" y2="94928"/>
+                        <a14:backgroundMark x1="28105" y1="86594" x2="29085" y2="92391"/>
+                        <a14:backgroundMark x1="16013" y1="57609" x2="19935" y2="60870"/>
+                        <a14:backgroundMark x1="24183" y1="62319" x2="26144" y2="66667"/>
+                        <a14:backgroundMark x1="67974" y1="71377" x2="61765" y2="73913"/>
+                        <a14:backgroundMark x1="62418" y1="74638" x2="58824" y2="74638"/>
+                        <a14:backgroundMark x1="58497" y1="75000" x2="55556" y2="74275"/>
+                        <a14:backgroundMark x1="37908" y1="74275" x2="40523" y2="74275"/>
+                        <a14:backgroundMark x1="40850" y1="74638" x2="44118" y2="74638"/>
+                        <a14:backgroundMark x1="45098" y1="74638" x2="47386" y2="75000"/>
+                        <a14:backgroundMark x1="48366" y1="75000" x2="49673" y2="75000"/>
+                        <a14:backgroundMark x1="48693" y1="74275" x2="49020" y2="74275"/>
+                        <a14:backgroundMark x1="47386" y1="74275" x2="49020" y2="74275"/>
+                        <a14:backgroundMark x1="78758" y1="61594" x2="82680" y2="59783"/>
+                        <a14:backgroundMark x1="81373" y1="58696" x2="79739" y2="60145"/>
+                        <a14:backgroundMark x1="81373" y1="58696" x2="78758" y2="61232"/>
+                      </a14:backgroundRemoval>
+                    </a14:imgEffect>
+                  </a14:imgLayer>
+                </a14:imgProps>
+              </a:ext>
+            </a:extLst>
+          </a:blip>
+          <a:srcRect l="12176" r="12062"/>
+          <a:stretch/>
+        </p:blipFill>
+        <p:spPr>
+          <a:xfrm>
+            <a:off x="7167686" y="4086540"/>
+            <a:ext cx="752227" cy="895545"/>
+          </a:xfrm>
+          <a:prstGeom prst="rect">
+            <a:avLst/>
+          </a:prstGeom>
+        </p:spPr>
+      </p:pic>
+      <p:pic>
+        <p:nvPicPr>
+          <p:cNvPr id="40" name="Imagem 39">
+            <a:extLst>
+              <a:ext uri="{FF2B5EF4-FFF2-40B4-BE49-F238E27FC236}">
+                <a16:creationId xmlns:a16="http://schemas.microsoft.com/office/drawing/2014/main" id="{F1F5604D-51B5-4DF5-BC0E-84EE0A1920CE}"/>
+              </a:ext>
+            </a:extLst>
+          </p:cNvPr>
+          <p:cNvPicPr>
+            <a:picLocks noChangeAspect="1"/>
+          </p:cNvPicPr>
+          <p:nvPr/>
+        </p:nvPicPr>
+        <p:blipFill rotWithShape="1">
+          <a:blip r:embed="rId6">
+            <a:extLst>
+              <a:ext uri="{BEBA8EAE-BF5A-486C-A8C5-ECC9F3942E4B}">
+                <a14:imgProps xmlns:a14="http://schemas.microsoft.com/office/drawing/2010/main">
+                  <a14:imgLayer r:embed="rId7">
+                    <a14:imgEffect>
+                      <a14:backgroundRemoval t="4348" b="96377" l="9804" r="89216">
+                        <a14:foregroundMark x1="42327" y1="69077" x2="32353" y2="34058"/>
+                        <a14:foregroundMark x1="42896" y1="71074" x2="42719" y2="70452"/>
+                        <a14:foregroundMark x1="44280" y1="75933" x2="43980" y2="74878"/>
+                        <a14:foregroundMark x1="46078" y1="82246" x2="45495" y2="80198"/>
+                        <a14:foregroundMark x1="59321" y1="76635" x2="59774" y2="76294"/>
+                        <a14:foregroundMark x1="47059" y1="85870" x2="57454" y2="78041"/>
+                        <a14:foregroundMark x1="77585" y1="54932" x2="79085" y2="52899"/>
+                        <a14:foregroundMark x1="67413" y1="68715" x2="75327" y2="57991"/>
+                        <a14:foregroundMark x1="60784" y1="87319" x2="50327" y2="90217"/>
+                        <a14:foregroundMark x1="50327" y1="90217" x2="34009" y2="88071"/>
+                        <a14:foregroundMark x1="39542" y1="87681" x2="51634" y2="89493"/>
+                        <a14:foregroundMark x1="51634" y1="89493" x2="60131" y2="86957"/>
+                        <a14:foregroundMark x1="60131" y1="86957" x2="63072" y2="84058"/>
+                        <a14:foregroundMark x1="63072" y1="85870" x2="54902" y2="91667"/>
+                        <a14:foregroundMark x1="54902" y1="91667" x2="43137" y2="92029"/>
+                        <a14:foregroundMark x1="42157" y1="92391" x2="51634" y2="93116"/>
+                        <a14:foregroundMark x1="51634" y1="93116" x2="55556" y2="92029"/>
+                        <a14:foregroundMark x1="54902" y1="93841" x2="46405" y2="94928"/>
+                        <a14:foregroundMark x1="24749" y1="62028" x2="27778" y2="37681"/>
+                        <a14:foregroundMark x1="27778" y1="37681" x2="30392" y2="34058"/>
+                        <a14:foregroundMark x1="34448" y1="69561" x2="37908" y2="41304"/>
+                        <a14:foregroundMark x1="49520" y1="69784" x2="52614" y2="55797"/>
+                        <a14:foregroundMark x1="59125" y1="68788" x2="60131" y2="56522"/>
+                        <a14:foregroundMark x1="66018" y1="68736" x2="68627" y2="53986"/>
+                        <a14:foregroundMark x1="71518" y1="65483" x2="71242" y2="51087"/>
+                        <a14:foregroundMark x1="70588" y1="60507" x2="70588" y2="43478"/>
+                        <a14:foregroundMark x1="69935" y1="39130" x2="66667" y2="29710"/>
+                        <a14:foregroundMark x1="66667" y1="29710" x2="57516" y2="26449"/>
+                        <a14:foregroundMark x1="57516" y1="26449" x2="36601" y2="28623"/>
+                        <a14:foregroundMark x1="36601" y1="28623" x2="33660" y2="30797"/>
+                        <a14:foregroundMark x1="48366" y1="7971" x2="49346" y2="13406"/>
+                        <a14:foregroundMark x1="49346" y1="7971" x2="49346" y2="12319"/>
+                        <a14:foregroundMark x1="48693" y1="8696" x2="49346" y2="12681"/>
+                        <a14:foregroundMark x1="50000" y1="8333" x2="51307" y2="11957"/>
+                        <a14:foregroundMark x1="50654" y1="8333" x2="49673" y2="13043"/>
+                        <a14:foregroundMark x1="48693" y1="7609" x2="49020" y2="12681"/>
+                        <a14:foregroundMark x1="49020" y1="10145" x2="49020" y2="4710"/>
+                        <a14:foregroundMark x1="18627" y1="50362" x2="27124" y2="50000"/>
+                        <a14:foregroundMark x1="47386" y1="93478" x2="50000" y2="94928"/>
+                        <a14:foregroundMark x1="45752" y1="96377" x2="51634" y2="95290"/>
+                        <a14:foregroundMark x1="51634" y1="94928" x2="51634" y2="94928"/>
+                        <a14:backgroundMark x1="14379" y1="11957" x2="11111" y2="54348"/>
+                        <a14:backgroundMark x1="17647" y1="77174" x2="25163" y2="76812"/>
+                        <a14:backgroundMark x1="24837" y1="71014" x2="22876" y2="84058"/>
+                        <a14:backgroundMark x1="22876" y1="84058" x2="22222" y2="85507"/>
+                        <a14:backgroundMark x1="20261" y1="65217" x2="23856" y2="77174"/>
+                        <a14:backgroundMark x1="23856" y1="77174" x2="30719" y2="75362"/>
+                        <a14:backgroundMark x1="73856" y1="74638" x2="78105" y2="73551"/>
+                        <a14:backgroundMark x1="76144" y1="72101" x2="77778" y2="75362"/>
+                        <a14:backgroundMark x1="72549" y1="75000" x2="76144" y2="77899"/>
+                        <a14:backgroundMark x1="72222" y1="75725" x2="75817" y2="79710"/>
+                        <a14:backgroundMark x1="72222" y1="74638" x2="75817" y2="77536"/>
+                        <a14:backgroundMark x1="71569" y1="74638" x2="76144" y2="76812"/>
+                        <a14:backgroundMark x1="72876" y1="74638" x2="77124" y2="76449"/>
+                        <a14:backgroundMark x1="80719" y1="61957" x2="80065" y2="74638"/>
+                        <a14:backgroundMark x1="80065" y1="74638" x2="71569" y2="86957"/>
+                        <a14:backgroundMark x1="19935" y1="75000" x2="31373" y2="75000"/>
+                        <a14:backgroundMark x1="31373" y1="75000" x2="36275" y2="73913"/>
+                        <a14:backgroundMark x1="63072" y1="73913" x2="74183" y2="73913"/>
+                        <a14:backgroundMark x1="74183" y1="73913" x2="76797" y2="73188"/>
+                        <a14:backgroundMark x1="76797" y1="66667" x2="74183" y2="80797"/>
+                        <a14:backgroundMark x1="17320" y1="60870" x2="18954" y2="74275"/>
+                        <a14:backgroundMark x1="18954" y1="74275" x2="23856" y2="85145"/>
+                        <a14:backgroundMark x1="23856" y1="85145" x2="27778" y2="87319"/>
+                        <a14:backgroundMark x1="17320" y1="59420" x2="18627" y2="61232"/>
+                        <a14:backgroundMark x1="16667" y1="60870" x2="18301" y2="62319"/>
+                        <a14:backgroundMark x1="17320" y1="59058" x2="17974" y2="61594"/>
+                        <a14:backgroundMark x1="27778" y1="86232" x2="26797" y2="91667"/>
+                        <a14:backgroundMark x1="28105" y1="87319" x2="28105" y2="91667"/>
+                        <a14:backgroundMark x1="69935" y1="85507" x2="70588" y2="94928"/>
+                        <a14:backgroundMark x1="28105" y1="86594" x2="29085" y2="92391"/>
+                        <a14:backgroundMark x1="16013" y1="57609" x2="19935" y2="60870"/>
+                        <a14:backgroundMark x1="24183" y1="62319" x2="26144" y2="66667"/>
+                        <a14:backgroundMark x1="67974" y1="71377" x2="61765" y2="73913"/>
+                        <a14:backgroundMark x1="62418" y1="74638" x2="58824" y2="74638"/>
+                        <a14:backgroundMark x1="58497" y1="75000" x2="55556" y2="74275"/>
+                        <a14:backgroundMark x1="37908" y1="74275" x2="40523" y2="74275"/>
+                        <a14:backgroundMark x1="40850" y1="74638" x2="44118" y2="74638"/>
+                        <a14:backgroundMark x1="45098" y1="74638" x2="47386" y2="75000"/>
+                        <a14:backgroundMark x1="48366" y1="75000" x2="49673" y2="75000"/>
+                        <a14:backgroundMark x1="48693" y1="74275" x2="49020" y2="74275"/>
+                        <a14:backgroundMark x1="47386" y1="74275" x2="49020" y2="74275"/>
+                        <a14:backgroundMark x1="78758" y1="61594" x2="82680" y2="59783"/>
+                        <a14:backgroundMark x1="81373" y1="58696" x2="79739" y2="60145"/>
+                        <a14:backgroundMark x1="81373" y1="58696" x2="78758" y2="61232"/>
+                      </a14:backgroundRemoval>
+                    </a14:imgEffect>
+                  </a14:imgLayer>
+                </a14:imgProps>
+              </a:ext>
+            </a:extLst>
+          </a:blip>
+          <a:srcRect l="12176" r="12062"/>
+          <a:stretch/>
+        </p:blipFill>
+        <p:spPr>
+          <a:xfrm>
+            <a:off x="4181598" y="4087423"/>
+            <a:ext cx="752227" cy="895545"/>
+          </a:xfrm>
+          <a:prstGeom prst="rect">
+            <a:avLst/>
+          </a:prstGeom>
+        </p:spPr>
+      </p:pic>
+      <p:pic>
+        <p:nvPicPr>
+          <p:cNvPr id="42" name="Imagem 41">
+            <a:extLst>
+              <a:ext uri="{FF2B5EF4-FFF2-40B4-BE49-F238E27FC236}">
+                <a16:creationId xmlns:a16="http://schemas.microsoft.com/office/drawing/2014/main" id="{79E4B749-8D95-4F9E-A211-1AEE79D15F29}"/>
+              </a:ext>
+            </a:extLst>
+          </p:cNvPr>
+          <p:cNvPicPr>
+            <a:picLocks noChangeAspect="1"/>
+          </p:cNvPicPr>
+          <p:nvPr/>
+        </p:nvPicPr>
+        <p:blipFill>
+          <a:blip r:embed="rId5"/>
+          <a:stretch>
+            <a:fillRect/>
+          </a:stretch>
+        </p:blipFill>
+        <p:spPr>
+          <a:xfrm>
+            <a:off x="4114236" y="4068642"/>
+            <a:ext cx="852540" cy="940432"/>
+          </a:xfrm>
+          <a:prstGeom prst="rect">
+            <a:avLst/>
+          </a:prstGeom>
+        </p:spPr>
+      </p:pic>
+      <p:cxnSp>
+        <p:nvCxnSpPr>
+          <p:cNvPr id="43" name="Conexão reta unidirecional 42">
+            <a:extLst>
+              <a:ext uri="{FF2B5EF4-FFF2-40B4-BE49-F238E27FC236}">
+                <a16:creationId xmlns:a16="http://schemas.microsoft.com/office/drawing/2014/main" id="{D7E37C3C-DB18-4018-8011-5204FCFBA7BC}"/>
+              </a:ext>
+            </a:extLst>
+          </p:cNvPr>
+          <p:cNvCxnSpPr>
+            <a:cxnSpLocks/>
+          </p:cNvCxnSpPr>
+          <p:nvPr/>
+        </p:nvCxnSpPr>
+        <p:spPr>
+          <a:xfrm flipH="1" flipV="1">
+            <a:off x="4553610" y="3497072"/>
+            <a:ext cx="1" cy="599442"/>
+          </a:xfrm>
+          <a:prstGeom prst="straightConnector1">
+            <a:avLst/>
+          </a:prstGeom>
+          <a:ln w="19050">
+            <a:solidFill>
+              <a:srgbClr val="00B050"/>
+            </a:solidFill>
+            <a:tailEnd type="triangle"/>
+          </a:ln>
+        </p:spPr>
+        <p:style>
+          <a:lnRef idx="1">
+            <a:schemeClr val="accent1"/>
+          </a:lnRef>
+          <a:fillRef idx="0">
+            <a:schemeClr val="accent1"/>
+          </a:fillRef>
+          <a:effectRef idx="0">
+            <a:schemeClr val="accent1"/>
+          </a:effectRef>
+          <a:fontRef idx="minor">
+            <a:schemeClr val="tx1"/>
+          </a:fontRef>
+        </p:style>
+      </p:cxnSp>
+      <p:cxnSp>
+        <p:nvCxnSpPr>
+          <p:cNvPr id="50" name="Conexão reta unidirecional 49">
+            <a:extLst>
+              <a:ext uri="{FF2B5EF4-FFF2-40B4-BE49-F238E27FC236}">
+                <a16:creationId xmlns:a16="http://schemas.microsoft.com/office/drawing/2014/main" id="{F819F169-DA10-4DD8-A1DD-9D6E5AE8AF7B}"/>
+              </a:ext>
+            </a:extLst>
+          </p:cNvPr>
+          <p:cNvCxnSpPr>
+            <a:cxnSpLocks/>
+          </p:cNvCxnSpPr>
+          <p:nvPr/>
+        </p:nvCxnSpPr>
+        <p:spPr>
+          <a:xfrm flipH="1" flipV="1">
+            <a:off x="1639689" y="3488856"/>
+            <a:ext cx="1" cy="599442"/>
+          </a:xfrm>
+          <a:prstGeom prst="straightConnector1">
+            <a:avLst/>
+          </a:prstGeom>
+          <a:ln w="19050">
+            <a:solidFill>
+              <a:srgbClr val="C00000"/>
+            </a:solidFill>
+            <a:tailEnd type="triangle"/>
+          </a:ln>
+        </p:spPr>
+        <p:style>
+          <a:lnRef idx="1">
+            <a:schemeClr val="accent1"/>
+          </a:lnRef>
+          <a:fillRef idx="0">
+            <a:schemeClr val="accent1"/>
+          </a:fillRef>
+          <a:effectRef idx="0">
+            <a:schemeClr val="accent1"/>
+          </a:effectRef>
+          <a:fontRef idx="minor">
+            <a:schemeClr val="tx1"/>
+          </a:fontRef>
+        </p:style>
+      </p:cxnSp>
+      <p:cxnSp>
+        <p:nvCxnSpPr>
+          <p:cNvPr id="51" name="Conexão reta unidirecional 50">
+            <a:extLst>
+              <a:ext uri="{FF2B5EF4-FFF2-40B4-BE49-F238E27FC236}">
+                <a16:creationId xmlns:a16="http://schemas.microsoft.com/office/drawing/2014/main" id="{69025CBB-5F95-4AE1-BE7B-F8548F2A0F50}"/>
+              </a:ext>
+            </a:extLst>
+          </p:cNvPr>
+          <p:cNvCxnSpPr>
+            <a:cxnSpLocks/>
+          </p:cNvCxnSpPr>
+          <p:nvPr/>
+        </p:nvCxnSpPr>
+        <p:spPr>
+          <a:xfrm flipH="1" flipV="1">
+            <a:off x="6107432" y="3506578"/>
+            <a:ext cx="1" cy="599442"/>
+          </a:xfrm>
+          <a:prstGeom prst="straightConnector1">
+            <a:avLst/>
+          </a:prstGeom>
+          <a:ln w="19050">
+            <a:solidFill>
+              <a:srgbClr val="C00000"/>
+            </a:solidFill>
+            <a:tailEnd type="triangle"/>
+          </a:ln>
+        </p:spPr>
+        <p:style>
+          <a:lnRef idx="1">
+            <a:schemeClr val="accent1"/>
+          </a:lnRef>
+          <a:fillRef idx="0">
+            <a:schemeClr val="accent1"/>
+          </a:fillRef>
+          <a:effectRef idx="0">
+            <a:schemeClr val="accent1"/>
+          </a:effectRef>
+          <a:fontRef idx="minor">
+            <a:schemeClr val="tx1"/>
+          </a:fontRef>
+        </p:style>
+      </p:cxnSp>
+      <p:cxnSp>
+        <p:nvCxnSpPr>
+          <p:cNvPr id="56" name="Conexão reta unidirecional 55">
+            <a:extLst>
+              <a:ext uri="{FF2B5EF4-FFF2-40B4-BE49-F238E27FC236}">
+                <a16:creationId xmlns:a16="http://schemas.microsoft.com/office/drawing/2014/main" id="{85E387B3-C733-4B65-88A6-246D6DE02795}"/>
+              </a:ext>
+            </a:extLst>
+          </p:cNvPr>
+          <p:cNvCxnSpPr>
+            <a:cxnSpLocks/>
+          </p:cNvCxnSpPr>
+          <p:nvPr/>
+        </p:nvCxnSpPr>
+        <p:spPr>
+          <a:xfrm flipH="1" flipV="1">
+            <a:off x="7545870" y="3496612"/>
+            <a:ext cx="1" cy="599442"/>
+          </a:xfrm>
+          <a:prstGeom prst="straightConnector1">
+            <a:avLst/>
+          </a:prstGeom>
+          <a:ln w="19050">
+            <a:solidFill>
+              <a:srgbClr val="C00000"/>
+            </a:solidFill>
+            <a:tailEnd type="triangle"/>
+          </a:ln>
+        </p:spPr>
+        <p:style>
+          <a:lnRef idx="1">
+            <a:schemeClr val="accent1"/>
+          </a:lnRef>
+          <a:fillRef idx="0">
+            <a:schemeClr val="accent1"/>
+          </a:fillRef>
+          <a:effectRef idx="0">
+            <a:schemeClr val="accent1"/>
+          </a:effectRef>
+          <a:fontRef idx="minor">
+            <a:schemeClr val="tx1"/>
+          </a:fontRef>
+        </p:style>
+      </p:cxnSp>
+    </p:spTree>
+    <p:extLst>
+      <p:ext uri="{BB962C8B-B14F-4D97-AF65-F5344CB8AC3E}">
+        <p14:creationId xmlns:p14="http://schemas.microsoft.com/office/powerpoint/2010/main" val="2434026298"/>
+      </p:ext>
+    </p:extLst>
+  </p:cSld>
+  <p:clrMapOvr>
+    <a:masterClrMapping/>
+  </p:clrMapOvr>
+</p:sld>
+</file>
+
+<file path=ppt/slides/slide16.xml><?xml version="1.0" encoding="utf-8"?>
 <p:sld xmlns:a="http://schemas.openxmlformats.org/drawingml/2006/main" xmlns:r="http://schemas.openxmlformats.org/officeDocument/2006/relationships" xmlns:p="http://schemas.openxmlformats.org/presentationml/2006/main">
   <p:cSld>
     <p:spTree>
@@ -12222,7 +14389,7 @@
 </p:sld>
 </file>
 
-<file path=ppt/slides/slide16.xml><?xml version="1.0" encoding="utf-8"?>
+<file path=ppt/slides/slide17.xml><?xml version="1.0" encoding="utf-8"?>
 <p:sld xmlns:a="http://schemas.openxmlformats.org/drawingml/2006/main" xmlns:r="http://schemas.openxmlformats.org/officeDocument/2006/relationships" xmlns:p="http://schemas.openxmlformats.org/presentationml/2006/main">
   <p:cSld>
     <p:spTree>
@@ -12307,7 +14474,7 @@
         </p:nvSpPr>
         <p:spPr>
           <a:xfrm>
-            <a:off x="0" y="224777"/>
+            <a:off x="0" y="457200"/>
             <a:ext cx="9144000" cy="461023"/>
           </a:xfrm>
           <a:prstGeom prst="rect">
@@ -12350,8 +14517,8 @@
         </p:nvSpPr>
         <p:spPr>
           <a:xfrm>
-            <a:off x="323088" y="932296"/>
-            <a:ext cx="8496300" cy="5747900"/>
+            <a:off x="323088" y="1447800"/>
+            <a:ext cx="8496300" cy="4648200"/>
           </a:xfrm>
           <a:prstGeom prst="roundRect">
             <a:avLst/>
@@ -12437,7 +14604,7 @@
           <a:p>
             <a:pPr marL="182563" algn="just"/>
             <a:r>
-              <a:rPr lang="pt-PT" sz="1400" dirty="0" err="1">
+              <a:rPr lang="pt-PT" dirty="0" err="1">
                 <a:solidFill>
                   <a:srgbClr val="488ED4"/>
                 </a:solidFill>
@@ -12447,62 +14614,42 @@
               <a:t>User</a:t>
             </a:r>
             <a:r>
-              <a:rPr lang="pt-PT" sz="1400" dirty="0">
+              <a:rPr lang="pt-PT" dirty="0">
                 <a:solidFill>
                   <a:schemeClr val="tx1"/>
                 </a:solidFill>
                 <a:latin typeface="Consolas" panose="020B0609020204030204" pitchFamily="49" charset="0"/>
                 <a:cs typeface="Segoe UI" panose="020B0502040204020203" pitchFamily="34" charset="0"/>
               </a:rPr>
-              <a:t>: </a:t>
-            </a:r>
-            <a:r>
-              <a:rPr lang="pt-PT" sz="1600" dirty="0">
+              <a:t>: Rally das tascas onde</a:t>
+            </a:r>
+          </a:p>
+          <a:p>
+            <a:pPr marL="182563" algn="just"/>
+            <a:r>
+              <a:rPr lang="pt-PT" dirty="0" err="1">
+                <a:solidFill>
+                  <a:srgbClr val="00B050"/>
+                </a:solidFill>
+                <a:latin typeface="Consolas" panose="020B0609020204030204" pitchFamily="49" charset="0"/>
+                <a:cs typeface="Segoe UI" panose="020B0502040204020203" pitchFamily="34" charset="0"/>
+              </a:rPr>
+              <a:t>Bot</a:t>
+            </a:r>
+            <a:r>
+              <a:rPr lang="pt-PT" dirty="0">
                 <a:solidFill>
                   <a:schemeClr val="tx1"/>
                 </a:solidFill>
                 <a:latin typeface="Consolas" panose="020B0609020204030204" pitchFamily="49" charset="0"/>
                 <a:cs typeface="Segoe UI" panose="020B0502040204020203" pitchFamily="34" charset="0"/>
               </a:rPr>
-              <a:t>Rally das tascas onde</a:t>
+              <a:t>: Largo do Carpe.</a:t>
             </a:r>
           </a:p>
           <a:p>
             <a:pPr marL="182563" algn="just"/>
-            <a:r>
-              <a:rPr lang="pt-PT" sz="1400" dirty="0" err="1">
-                <a:solidFill>
-                  <a:srgbClr val="00B050"/>
-                </a:solidFill>
-                <a:latin typeface="Consolas" panose="020B0609020204030204" pitchFamily="49" charset="0"/>
-                <a:cs typeface="Segoe UI" panose="020B0502040204020203" pitchFamily="34" charset="0"/>
-              </a:rPr>
-              <a:t>Bot</a:t>
-            </a:r>
-            <a:r>
-              <a:rPr lang="pt-PT" sz="1400" dirty="0">
-                <a:solidFill>
-                  <a:schemeClr val="tx1"/>
-                </a:solidFill>
-                <a:latin typeface="Consolas" panose="020B0609020204030204" pitchFamily="49" charset="0"/>
-                <a:cs typeface="Segoe UI" panose="020B0502040204020203" pitchFamily="34" charset="0"/>
-              </a:rPr>
-              <a:t>: </a:t>
-            </a:r>
-            <a:r>
-              <a:rPr lang="pt-PT" sz="1600" dirty="0">
-                <a:solidFill>
-                  <a:schemeClr val="tx1"/>
-                </a:solidFill>
-                <a:latin typeface="Consolas" panose="020B0609020204030204" pitchFamily="49" charset="0"/>
-                <a:cs typeface="Segoe UI" panose="020B0502040204020203" pitchFamily="34" charset="0"/>
-              </a:rPr>
-              <a:t>Largo do Carpe.</a:t>
-            </a:r>
-          </a:p>
-          <a:p>
-            <a:pPr marL="182563" algn="just"/>
-            <a:endParaRPr lang="pt-PT" sz="1600" dirty="0">
+            <a:endParaRPr lang="pt-PT" dirty="0">
               <a:solidFill>
                 <a:srgbClr val="488ED4"/>
               </a:solidFill>
@@ -12513,7 +14660,7 @@
           <a:p>
             <a:pPr marL="182563" algn="just"/>
             <a:r>
-              <a:rPr lang="pt-PT" sz="1600" dirty="0" err="1">
+              <a:rPr lang="pt-PT" dirty="0" err="1">
                 <a:solidFill>
                   <a:srgbClr val="488ED4"/>
                 </a:solidFill>
@@ -12523,62 +14670,42 @@
               <a:t>User</a:t>
             </a:r>
             <a:r>
-              <a:rPr lang="pt-PT" sz="1600" dirty="0">
+              <a:rPr lang="pt-PT" dirty="0">
                 <a:solidFill>
                   <a:schemeClr val="tx1"/>
                 </a:solidFill>
                 <a:latin typeface="Consolas" panose="020B0609020204030204" pitchFamily="49" charset="0"/>
                 <a:cs typeface="Segoe UI" panose="020B0502040204020203" pitchFamily="34" charset="0"/>
               </a:rPr>
-              <a:t>: </a:t>
-            </a:r>
-            <a:r>
-              <a:rPr lang="pt-PT" sz="1700" dirty="0">
+              <a:t>: Na SEI há fruta?</a:t>
+            </a:r>
+          </a:p>
+          <a:p>
+            <a:pPr marL="182563" algn="just"/>
+            <a:r>
+              <a:rPr lang="pt-PT" dirty="0" err="1">
+                <a:solidFill>
+                  <a:srgbClr val="00B050"/>
+                </a:solidFill>
+                <a:latin typeface="Consolas" panose="020B0609020204030204" pitchFamily="49" charset="0"/>
+                <a:cs typeface="Segoe UI" panose="020B0502040204020203" pitchFamily="34" charset="0"/>
+              </a:rPr>
+              <a:t>Bot</a:t>
+            </a:r>
+            <a:r>
+              <a:rPr lang="pt-PT" dirty="0">
                 <a:solidFill>
                   <a:schemeClr val="tx1"/>
                 </a:solidFill>
                 <a:latin typeface="Consolas" panose="020B0609020204030204" pitchFamily="49" charset="0"/>
                 <a:cs typeface="Segoe UI" panose="020B0502040204020203" pitchFamily="34" charset="0"/>
               </a:rPr>
-              <a:t>Na SEI há fruta?</a:t>
+              <a:t>: A fruta proibida é a mais apetecida.</a:t>
             </a:r>
           </a:p>
           <a:p>
             <a:pPr marL="182563" algn="just"/>
-            <a:r>
-              <a:rPr lang="pt-PT" sz="1600" dirty="0" err="1">
-                <a:solidFill>
-                  <a:srgbClr val="00B050"/>
-                </a:solidFill>
-                <a:latin typeface="Consolas" panose="020B0609020204030204" pitchFamily="49" charset="0"/>
-                <a:cs typeface="Segoe UI" panose="020B0502040204020203" pitchFamily="34" charset="0"/>
-              </a:rPr>
-              <a:t>Bot</a:t>
-            </a:r>
-            <a:r>
-              <a:rPr lang="pt-PT" sz="1600" dirty="0">
-                <a:solidFill>
-                  <a:schemeClr val="tx1"/>
-                </a:solidFill>
-                <a:latin typeface="Consolas" panose="020B0609020204030204" pitchFamily="49" charset="0"/>
-                <a:cs typeface="Segoe UI" panose="020B0502040204020203" pitchFamily="34" charset="0"/>
-              </a:rPr>
-              <a:t>: </a:t>
-            </a:r>
-            <a:r>
-              <a:rPr lang="pt-PT" sz="1700" dirty="0">
-                <a:solidFill>
-                  <a:schemeClr val="tx1"/>
-                </a:solidFill>
-                <a:latin typeface="Consolas" panose="020B0609020204030204" pitchFamily="49" charset="0"/>
-                <a:cs typeface="Segoe UI" panose="020B0502040204020203" pitchFamily="34" charset="0"/>
-              </a:rPr>
-              <a:t>A fruta proibida é a mais apetecida.</a:t>
-            </a:r>
-          </a:p>
-          <a:p>
-            <a:pPr marL="182563" algn="just"/>
-            <a:endParaRPr lang="pt-PT" sz="1700" dirty="0">
+            <a:endParaRPr lang="pt-PT" dirty="0">
               <a:solidFill>
                 <a:schemeClr val="tx1"/>
               </a:solidFill>
@@ -12589,7 +14716,7 @@
           <a:p>
             <a:pPr marL="182563" algn="just"/>
             <a:r>
-              <a:rPr lang="pt-PT" sz="1600" dirty="0" err="1">
+              <a:rPr lang="pt-PT" dirty="0" err="1">
                 <a:solidFill>
                   <a:srgbClr val="488ED4"/>
                 </a:solidFill>
@@ -12599,70 +14726,37 @@
               <a:t>User</a:t>
             </a:r>
             <a:r>
-              <a:rPr lang="pt-PT" sz="1600" dirty="0">
+              <a:rPr lang="pt-PT" dirty="0">
                 <a:solidFill>
                   <a:schemeClr val="tx1"/>
                 </a:solidFill>
                 <a:latin typeface="Consolas" panose="020B0609020204030204" pitchFamily="49" charset="0"/>
                 <a:cs typeface="Segoe UI" panose="020B0502040204020203" pitchFamily="34" charset="0"/>
               </a:rPr>
-              <a:t>: </a:t>
-            </a:r>
-            <a:r>
-              <a:rPr lang="pt-PT" sz="1700" dirty="0">
+              <a:t>: O que é fruta?</a:t>
+            </a:r>
+          </a:p>
+          <a:p>
+            <a:pPr marL="182563" algn="just"/>
+            <a:r>
+              <a:rPr lang="pt-PT" dirty="0" err="1">
+                <a:solidFill>
+                  <a:srgbClr val="00B050"/>
+                </a:solidFill>
+                <a:latin typeface="Consolas" panose="020B0609020204030204" pitchFamily="49" charset="0"/>
+                <a:cs typeface="Segoe UI" panose="020B0502040204020203" pitchFamily="34" charset="0"/>
+              </a:rPr>
+              <a:t>Bot</a:t>
+            </a:r>
+            <a:r>
+              <a:rPr lang="pt-PT" dirty="0">
                 <a:solidFill>
                   <a:schemeClr val="tx1"/>
                 </a:solidFill>
                 <a:latin typeface="Consolas" panose="020B0609020204030204" pitchFamily="49" charset="0"/>
                 <a:cs typeface="Segoe UI" panose="020B0502040204020203" pitchFamily="34" charset="0"/>
               </a:rPr>
-              <a:t>O que é fruta?</a:t>
-            </a:r>
-          </a:p>
-          <a:p>
-            <a:pPr marL="182563" algn="just"/>
-            <a:r>
-              <a:rPr lang="pt-PT" sz="1600" dirty="0" err="1">
-                <a:solidFill>
-                  <a:srgbClr val="00B050"/>
-                </a:solidFill>
-                <a:latin typeface="Consolas" panose="020B0609020204030204" pitchFamily="49" charset="0"/>
-                <a:cs typeface="Segoe UI" panose="020B0502040204020203" pitchFamily="34" charset="0"/>
-              </a:rPr>
-              <a:t>Bot</a:t>
-            </a:r>
-            <a:r>
-              <a:rPr lang="pt-PT" sz="1600" dirty="0">
-                <a:solidFill>
-                  <a:schemeClr val="tx1"/>
-                </a:solidFill>
-                <a:latin typeface="Consolas" panose="020B0609020204030204" pitchFamily="49" charset="0"/>
-                <a:cs typeface="Segoe UI" panose="020B0502040204020203" pitchFamily="34" charset="0"/>
-              </a:rPr>
-              <a:t>: </a:t>
-            </a:r>
-            <a:r>
-              <a:rPr lang="pt-PT" sz="1700" dirty="0">
-                <a:solidFill>
-                  <a:schemeClr val="tx1"/>
-                </a:solidFill>
-                <a:latin typeface="Consolas" panose="020B0609020204030204" pitchFamily="49" charset="0"/>
-                <a:cs typeface="Segoe UI" panose="020B0502040204020203" pitchFamily="34" charset="0"/>
-              </a:rPr>
-              <a:t>Fruta é um conceito culinário, por oposição ao de legume, que em geral compreende os frutos e pseudofrutos comestíveis e de sabor adocicado, ainda que haja autores que discordem desta definição, por ser em suas opiniões, demasiado</a:t>
-            </a:r>
-          </a:p>
-          <a:p>
-            <a:pPr marL="182563" algn="just"/>
-            <a:r>
-              <a:rPr lang="pt-PT" sz="1700" dirty="0">
-                <a:solidFill>
-                  <a:schemeClr val="tx1"/>
-                </a:solidFill>
-                <a:latin typeface="Consolas" panose="020B0609020204030204" pitchFamily="49" charset="0"/>
-                <a:cs typeface="Segoe UI" panose="020B0502040204020203" pitchFamily="34" charset="0"/>
-              </a:rPr>
-              <a:t>simplista.</a:t>
+              <a:t>: Fruta é um conceito culinário, por oposição ao de legume, que em geral compreende os frutos e pseudofrutos comestíveis e de sabor adocicado, ainda que haja autores que discordem desta definição, por ser em suas opiniões, demasiado simplista.</a:t>
             </a:r>
           </a:p>
         </p:txBody>
@@ -12680,7 +14774,3387 @@
 </p:sld>
 </file>
 
-<file path=ppt/slides/slide17.xml><?xml version="1.0" encoding="utf-8"?>
+<file path=ppt/slides/slide18.xml><?xml version="1.0" encoding="utf-8"?>
+<p:sld xmlns:a="http://schemas.openxmlformats.org/drawingml/2006/main" xmlns:r="http://schemas.openxmlformats.org/officeDocument/2006/relationships" xmlns:p="http://schemas.openxmlformats.org/presentationml/2006/main">
+  <p:cSld>
+    <p:spTree>
+      <p:nvGrpSpPr>
+        <p:cNvPr id="1" name=""/>
+        <p:cNvGrpSpPr/>
+        <p:nvPr/>
+      </p:nvGrpSpPr>
+      <p:grpSpPr>
+        <a:xfrm>
+          <a:off x="0" y="0"/>
+          <a:ext cx="0" cy="0"/>
+          <a:chOff x="0" y="0"/>
+          <a:chExt cx="0" cy="0"/>
+        </a:xfrm>
+      </p:grpSpPr>
+      <p:sp>
+        <p:nvSpPr>
+          <p:cNvPr id="2" name="object 2"/>
+          <p:cNvSpPr/>
+          <p:nvPr/>
+        </p:nvSpPr>
+        <p:spPr>
+          <a:xfrm>
+            <a:off x="0" y="0"/>
+            <a:ext cx="9144000" cy="6858000"/>
+          </a:xfrm>
+          <a:custGeom>
+            <a:avLst/>
+            <a:gdLst/>
+            <a:ahLst/>
+            <a:cxnLst/>
+            <a:rect l="l" t="t" r="r" b="b"/>
+            <a:pathLst>
+              <a:path w="9144000" h="6858000">
+                <a:moveTo>
+                  <a:pt x="0" y="6857995"/>
+                </a:moveTo>
+                <a:lnTo>
+                  <a:pt x="9144000" y="6857995"/>
+                </a:lnTo>
+                <a:lnTo>
+                  <a:pt x="9144000" y="0"/>
+                </a:lnTo>
+                <a:lnTo>
+                  <a:pt x="0" y="0"/>
+                </a:lnTo>
+                <a:lnTo>
+                  <a:pt x="0" y="6857995"/>
+                </a:lnTo>
+                <a:close/>
+              </a:path>
+            </a:pathLst>
+          </a:custGeom>
+          <a:solidFill>
+            <a:srgbClr val="38505F"/>
+          </a:solidFill>
+        </p:spPr>
+        <p:txBody>
+          <a:bodyPr wrap="square" lIns="0" tIns="0" rIns="0" bIns="0" rtlCol="0"/>
+          <a:lstStyle/>
+          <a:p>
+            <a:endParaRPr dirty="0"/>
+          </a:p>
+        </p:txBody>
+      </p:sp>
+      <p:sp>
+        <p:nvSpPr>
+          <p:cNvPr id="8" name="Retângulo: Cantos Arredondados 7">
+            <a:extLst>
+              <a:ext uri="{FF2B5EF4-FFF2-40B4-BE49-F238E27FC236}">
+                <a16:creationId xmlns:a16="http://schemas.microsoft.com/office/drawing/2014/main" id="{3C45E504-FB1A-48F4-A766-975714195E17}"/>
+              </a:ext>
+            </a:extLst>
+          </p:cNvPr>
+          <p:cNvSpPr/>
+          <p:nvPr/>
+        </p:nvSpPr>
+        <p:spPr>
+          <a:xfrm>
+            <a:off x="419100" y="932296"/>
+            <a:ext cx="8420100" cy="5392304"/>
+          </a:xfrm>
+          <a:prstGeom prst="roundRect">
+            <a:avLst/>
+          </a:prstGeom>
+          <a:solidFill>
+            <a:srgbClr val="DDDDDD"/>
+          </a:solidFill>
+          <a:ln>
+            <a:solidFill>
+              <a:srgbClr val="DDDDDD"/>
+            </a:solidFill>
+          </a:ln>
+        </p:spPr>
+        <p:style>
+          <a:lnRef idx="2">
+            <a:schemeClr val="accent1">
+              <a:shade val="50000"/>
+            </a:schemeClr>
+          </a:lnRef>
+          <a:fillRef idx="1">
+            <a:schemeClr val="accent1"/>
+          </a:fillRef>
+          <a:effectRef idx="0">
+            <a:schemeClr val="accent1"/>
+          </a:effectRef>
+          <a:fontRef idx="minor">
+            <a:schemeClr val="lt1"/>
+          </a:fontRef>
+        </p:style>
+        <p:txBody>
+          <a:bodyPr rtlCol="0" anchor="ctr"/>
+          <a:lstStyle/>
+          <a:p>
+            <a:pPr algn="ctr"/>
+            <a:endParaRPr lang="pt-PT" dirty="0"/>
+          </a:p>
+        </p:txBody>
+      </p:sp>
+      <p:sp>
+        <p:nvSpPr>
+          <p:cNvPr id="7" name="CaixaDeTexto 6">
+            <a:extLst>
+              <a:ext uri="{FF2B5EF4-FFF2-40B4-BE49-F238E27FC236}">
+                <a16:creationId xmlns:a16="http://schemas.microsoft.com/office/drawing/2014/main" id="{84725617-FF18-4130-A845-0C3F25166607}"/>
+              </a:ext>
+            </a:extLst>
+          </p:cNvPr>
+          <p:cNvSpPr txBox="1"/>
+          <p:nvPr/>
+        </p:nvSpPr>
+        <p:spPr>
+          <a:xfrm>
+            <a:off x="361950" y="3276600"/>
+            <a:ext cx="8477250" cy="523220"/>
+          </a:xfrm>
+          <a:prstGeom prst="rect">
+            <a:avLst/>
+          </a:prstGeom>
+          <a:noFill/>
+        </p:spPr>
+        <p:txBody>
+          <a:bodyPr wrap="square" rtlCol="0" anchor="ctr">
+            <a:spAutoFit/>
+          </a:bodyPr>
+          <a:lstStyle/>
+          <a:p>
+            <a:pPr algn="ctr"/>
+            <a:r>
+              <a:rPr lang="pt-PT" sz="2800" dirty="0">
+                <a:solidFill>
+                  <a:srgbClr val="00B050"/>
+                </a:solidFill>
+                <a:latin typeface="Consolas" panose="020B0609020204030204" pitchFamily="49" charset="0"/>
+                <a:cs typeface="Arial" panose="020B0604020202020204" pitchFamily="34" charset="0"/>
+              </a:rPr>
+              <a:t>“</a:t>
+            </a:r>
+            <a:r>
+              <a:rPr lang="pt-PT" sz="2800" dirty="0">
+                <a:solidFill>
+                  <a:srgbClr val="C00000"/>
+                </a:solidFill>
+                <a:latin typeface="Consolas" panose="020B0609020204030204" pitchFamily="49" charset="0"/>
+                <a:cs typeface="Arial" panose="020B0604020202020204" pitchFamily="34" charset="0"/>
+              </a:rPr>
+              <a:t>Rally das Tascas</a:t>
+            </a:r>
+            <a:r>
+              <a:rPr lang="pt-PT" sz="2800" dirty="0">
+                <a:solidFill>
+                  <a:srgbClr val="00B050"/>
+                </a:solidFill>
+                <a:latin typeface="Consolas" panose="020B0609020204030204" pitchFamily="49" charset="0"/>
+                <a:cs typeface="Arial" panose="020B0604020202020204" pitchFamily="34" charset="0"/>
+              </a:rPr>
+              <a:t> onde”</a:t>
+            </a:r>
+          </a:p>
+        </p:txBody>
+      </p:sp>
+      <p:pic>
+        <p:nvPicPr>
+          <p:cNvPr id="14" name="Imagem 13">
+            <a:extLst>
+              <a:ext uri="{FF2B5EF4-FFF2-40B4-BE49-F238E27FC236}">
+                <a16:creationId xmlns:a16="http://schemas.microsoft.com/office/drawing/2014/main" id="{FB20CB1E-E90C-4757-BE49-959662789E67}"/>
+              </a:ext>
+            </a:extLst>
+          </p:cNvPr>
+          <p:cNvPicPr>
+            <a:picLocks noChangeAspect="1"/>
+          </p:cNvPicPr>
+          <p:nvPr/>
+        </p:nvPicPr>
+        <p:blipFill rotWithShape="1">
+          <a:blip r:embed="rId3">
+            <a:extLst>
+              <a:ext uri="{BEBA8EAE-BF5A-486C-A8C5-ECC9F3942E4B}">
+                <a14:imgProps xmlns:a14="http://schemas.microsoft.com/office/drawing/2010/main">
+                  <a14:imgLayer r:embed="rId4">
+                    <a14:imgEffect>
+                      <a14:backgroundRemoval t="4348" b="96377" l="9804" r="89216">
+                        <a14:foregroundMark x1="42327" y1="69077" x2="32353" y2="34058"/>
+                        <a14:foregroundMark x1="42896" y1="71074" x2="42719" y2="70452"/>
+                        <a14:foregroundMark x1="44280" y1="75933" x2="43980" y2="74878"/>
+                        <a14:foregroundMark x1="46078" y1="82246" x2="45495" y2="80198"/>
+                        <a14:foregroundMark x1="59321" y1="76635" x2="59774" y2="76294"/>
+                        <a14:foregroundMark x1="47059" y1="85870" x2="57454" y2="78041"/>
+                        <a14:foregroundMark x1="77585" y1="54932" x2="79085" y2="52899"/>
+                        <a14:foregroundMark x1="67413" y1="68715" x2="75327" y2="57991"/>
+                        <a14:foregroundMark x1="60784" y1="87319" x2="50327" y2="90217"/>
+                        <a14:foregroundMark x1="50327" y1="90217" x2="34009" y2="88071"/>
+                        <a14:foregroundMark x1="39542" y1="87681" x2="51634" y2="89493"/>
+                        <a14:foregroundMark x1="51634" y1="89493" x2="60131" y2="86957"/>
+                        <a14:foregroundMark x1="60131" y1="86957" x2="63072" y2="84058"/>
+                        <a14:foregroundMark x1="63072" y1="85870" x2="54902" y2="91667"/>
+                        <a14:foregroundMark x1="54902" y1="91667" x2="43137" y2="92029"/>
+                        <a14:foregroundMark x1="42157" y1="92391" x2="51634" y2="93116"/>
+                        <a14:foregroundMark x1="51634" y1="93116" x2="55556" y2="92029"/>
+                        <a14:foregroundMark x1="54902" y1="93841" x2="46405" y2="94928"/>
+                        <a14:foregroundMark x1="24749" y1="62028" x2="27778" y2="37681"/>
+                        <a14:foregroundMark x1="27778" y1="37681" x2="30392" y2="34058"/>
+                        <a14:foregroundMark x1="34448" y1="69561" x2="37908" y2="41304"/>
+                        <a14:foregroundMark x1="49520" y1="69784" x2="52614" y2="55797"/>
+                        <a14:foregroundMark x1="59125" y1="68788" x2="60131" y2="56522"/>
+                        <a14:foregroundMark x1="66018" y1="68736" x2="68627" y2="53986"/>
+                        <a14:foregroundMark x1="71518" y1="65483" x2="71242" y2="51087"/>
+                        <a14:foregroundMark x1="70588" y1="60507" x2="70588" y2="43478"/>
+                        <a14:foregroundMark x1="69935" y1="39130" x2="66667" y2="29710"/>
+                        <a14:foregroundMark x1="66667" y1="29710" x2="57516" y2="26449"/>
+                        <a14:foregroundMark x1="57516" y1="26449" x2="36601" y2="28623"/>
+                        <a14:foregroundMark x1="36601" y1="28623" x2="33660" y2="30797"/>
+                        <a14:foregroundMark x1="48366" y1="7971" x2="49346" y2="13406"/>
+                        <a14:foregroundMark x1="49346" y1="7971" x2="49346" y2="12319"/>
+                        <a14:foregroundMark x1="48693" y1="8696" x2="49346" y2="12681"/>
+                        <a14:foregroundMark x1="50000" y1="8333" x2="51307" y2="11957"/>
+                        <a14:foregroundMark x1="50654" y1="8333" x2="49673" y2="13043"/>
+                        <a14:foregroundMark x1="48693" y1="7609" x2="49020" y2="12681"/>
+                        <a14:foregroundMark x1="49020" y1="10145" x2="49020" y2="4710"/>
+                        <a14:foregroundMark x1="18627" y1="50362" x2="27124" y2="50000"/>
+                        <a14:foregroundMark x1="47386" y1="93478" x2="50000" y2="94928"/>
+                        <a14:foregroundMark x1="45752" y1="96377" x2="51634" y2="95290"/>
+                        <a14:foregroundMark x1="51634" y1="94928" x2="51634" y2="94928"/>
+                        <a14:backgroundMark x1="14379" y1="11957" x2="11111" y2="54348"/>
+                        <a14:backgroundMark x1="17647" y1="77174" x2="25163" y2="76812"/>
+                        <a14:backgroundMark x1="24837" y1="71014" x2="22876" y2="84058"/>
+                        <a14:backgroundMark x1="22876" y1="84058" x2="22222" y2="85507"/>
+                        <a14:backgroundMark x1="20261" y1="65217" x2="23856" y2="77174"/>
+                        <a14:backgroundMark x1="23856" y1="77174" x2="30719" y2="75362"/>
+                        <a14:backgroundMark x1="73856" y1="74638" x2="78105" y2="73551"/>
+                        <a14:backgroundMark x1="76144" y1="72101" x2="77778" y2="75362"/>
+                        <a14:backgroundMark x1="72549" y1="75000" x2="76144" y2="77899"/>
+                        <a14:backgroundMark x1="72222" y1="75725" x2="75817" y2="79710"/>
+                        <a14:backgroundMark x1="72222" y1="74638" x2="75817" y2="77536"/>
+                        <a14:backgroundMark x1="71569" y1="74638" x2="76144" y2="76812"/>
+                        <a14:backgroundMark x1="72876" y1="74638" x2="77124" y2="76449"/>
+                        <a14:backgroundMark x1="80719" y1="61957" x2="80065" y2="74638"/>
+                        <a14:backgroundMark x1="80065" y1="74638" x2="71569" y2="86957"/>
+                        <a14:backgroundMark x1="19935" y1="75000" x2="31373" y2="75000"/>
+                        <a14:backgroundMark x1="31373" y1="75000" x2="36275" y2="73913"/>
+                        <a14:backgroundMark x1="63072" y1="73913" x2="74183" y2="73913"/>
+                        <a14:backgroundMark x1="74183" y1="73913" x2="76797" y2="73188"/>
+                        <a14:backgroundMark x1="76797" y1="66667" x2="74183" y2="80797"/>
+                        <a14:backgroundMark x1="17320" y1="60870" x2="18954" y2="74275"/>
+                        <a14:backgroundMark x1="18954" y1="74275" x2="23856" y2="85145"/>
+                        <a14:backgroundMark x1="23856" y1="85145" x2="27778" y2="87319"/>
+                        <a14:backgroundMark x1="17320" y1="59420" x2="18627" y2="61232"/>
+                        <a14:backgroundMark x1="16667" y1="60870" x2="18301" y2="62319"/>
+                        <a14:backgroundMark x1="17320" y1="59058" x2="17974" y2="61594"/>
+                        <a14:backgroundMark x1="27778" y1="86232" x2="26797" y2="91667"/>
+                        <a14:backgroundMark x1="28105" y1="87319" x2="28105" y2="91667"/>
+                        <a14:backgroundMark x1="69935" y1="85507" x2="70588" y2="94928"/>
+                        <a14:backgroundMark x1="28105" y1="86594" x2="29085" y2="92391"/>
+                        <a14:backgroundMark x1="16013" y1="57609" x2="19935" y2="60870"/>
+                        <a14:backgroundMark x1="24183" y1="62319" x2="26144" y2="66667"/>
+                        <a14:backgroundMark x1="67974" y1="71377" x2="61765" y2="73913"/>
+                        <a14:backgroundMark x1="62418" y1="74638" x2="58824" y2="74638"/>
+                        <a14:backgroundMark x1="58497" y1="75000" x2="55556" y2="74275"/>
+                        <a14:backgroundMark x1="37908" y1="74275" x2="40523" y2="74275"/>
+                        <a14:backgroundMark x1="40850" y1="74638" x2="44118" y2="74638"/>
+                        <a14:backgroundMark x1="45098" y1="74638" x2="47386" y2="75000"/>
+                        <a14:backgroundMark x1="48366" y1="75000" x2="49673" y2="75000"/>
+                        <a14:backgroundMark x1="48693" y1="74275" x2="49020" y2="74275"/>
+                        <a14:backgroundMark x1="47386" y1="74275" x2="49020" y2="74275"/>
+                        <a14:backgroundMark x1="78758" y1="61594" x2="82680" y2="59783"/>
+                        <a14:backgroundMark x1="81373" y1="58696" x2="79739" y2="60145"/>
+                        <a14:backgroundMark x1="81373" y1="58696" x2="78758" y2="61232"/>
+                      </a14:backgroundRemoval>
+                    </a14:imgEffect>
+                  </a14:imgLayer>
+                </a14:imgProps>
+              </a:ext>
+            </a:extLst>
+          </a:blip>
+          <a:srcRect l="12176" r="12062"/>
+          <a:stretch/>
+        </p:blipFill>
+        <p:spPr>
+          <a:xfrm>
+            <a:off x="2209800" y="1312157"/>
+            <a:ext cx="752227" cy="895545"/>
+          </a:xfrm>
+          <a:prstGeom prst="rect">
+            <a:avLst/>
+          </a:prstGeom>
+        </p:spPr>
+      </p:pic>
+      <p:sp>
+        <p:nvSpPr>
+          <p:cNvPr id="45" name="CaixaDeTexto 44">
+            <a:extLst>
+              <a:ext uri="{FF2B5EF4-FFF2-40B4-BE49-F238E27FC236}">
+                <a16:creationId xmlns:a16="http://schemas.microsoft.com/office/drawing/2014/main" id="{4656957C-6200-4371-9D49-1E125A611C4D}"/>
+              </a:ext>
+            </a:extLst>
+          </p:cNvPr>
+          <p:cNvSpPr txBox="1"/>
+          <p:nvPr/>
+        </p:nvSpPr>
+        <p:spPr>
+          <a:xfrm>
+            <a:off x="1842963" y="2173069"/>
+            <a:ext cx="1485900" cy="646331"/>
+          </a:xfrm>
+          <a:prstGeom prst="rect">
+            <a:avLst/>
+          </a:prstGeom>
+          <a:noFill/>
+        </p:spPr>
+        <p:txBody>
+          <a:bodyPr wrap="square" rtlCol="0" anchor="ctr">
+            <a:spAutoFit/>
+          </a:bodyPr>
+          <a:lstStyle/>
+          <a:p>
+            <a:pPr algn="ctr"/>
+            <a:r>
+              <a:rPr lang="pt-PT" dirty="0">
+                <a:solidFill>
+                  <a:schemeClr val="accent1">
+                    <a:lumMod val="50000"/>
+                  </a:schemeClr>
+                </a:solidFill>
+                <a:latin typeface="Consolas" panose="020B0609020204030204" pitchFamily="49" charset="0"/>
+                <a:cs typeface="Arial" panose="020B0604020202020204" pitchFamily="34" charset="0"/>
+              </a:rPr>
+              <a:t>Bot2</a:t>
+            </a:r>
+          </a:p>
+          <a:p>
+            <a:pPr algn="ctr"/>
+            <a:r>
+              <a:rPr lang="pt-PT" b="1" dirty="0">
+                <a:solidFill>
+                  <a:schemeClr val="accent1">
+                    <a:lumMod val="50000"/>
+                  </a:schemeClr>
+                </a:solidFill>
+                <a:latin typeface="Consolas" panose="020B0609020204030204" pitchFamily="49" charset="0"/>
+                <a:cs typeface="Arial" panose="020B0604020202020204" pitchFamily="34" charset="0"/>
+              </a:rPr>
+              <a:t>Agenda SEI</a:t>
+            </a:r>
+          </a:p>
+        </p:txBody>
+      </p:sp>
+      <p:sp>
+        <p:nvSpPr>
+          <p:cNvPr id="23" name="Retângulo 22">
+            <a:extLst>
+              <a:ext uri="{FF2B5EF4-FFF2-40B4-BE49-F238E27FC236}">
+                <a16:creationId xmlns:a16="http://schemas.microsoft.com/office/drawing/2014/main" id="{F6C4C90B-38D1-454E-A513-F8CE1579BF09}"/>
+              </a:ext>
+            </a:extLst>
+          </p:cNvPr>
+          <p:cNvSpPr/>
+          <p:nvPr/>
+        </p:nvSpPr>
+        <p:spPr>
+          <a:xfrm>
+            <a:off x="3962400" y="1694393"/>
+            <a:ext cx="3429000" cy="784830"/>
+          </a:xfrm>
+          <a:prstGeom prst="rect">
+            <a:avLst/>
+          </a:prstGeom>
+        </p:spPr>
+        <p:txBody>
+          <a:bodyPr wrap="square">
+            <a:spAutoFit/>
+          </a:bodyPr>
+          <a:lstStyle/>
+          <a:p>
+            <a:pPr lvl="0"/>
+            <a:r>
+              <a:rPr lang="pt-PT" sz="1500" dirty="0">
+                <a:solidFill>
+                  <a:srgbClr val="488ED4"/>
+                </a:solidFill>
+                <a:latin typeface="Consolas" panose="020B0609020204030204" pitchFamily="49" charset="0"/>
+                <a:cs typeface="Arial" panose="020B0604020202020204" pitchFamily="34" charset="0"/>
+              </a:rPr>
+              <a:t>CREATE</a:t>
+            </a:r>
+            <a:r>
+              <a:rPr lang="pt-PT" sz="1500" dirty="0">
+                <a:solidFill>
+                  <a:prstClr val="black"/>
+                </a:solidFill>
+                <a:latin typeface="Consolas" panose="020B0609020204030204" pitchFamily="49" charset="0"/>
+                <a:cs typeface="Arial" panose="020B0604020202020204" pitchFamily="34" charset="0"/>
+              </a:rPr>
+              <a:t> </a:t>
+            </a:r>
+            <a:r>
+              <a:rPr lang="pt-PT" sz="1500" dirty="0" err="1">
+                <a:solidFill>
+                  <a:prstClr val="black"/>
+                </a:solidFill>
+                <a:latin typeface="Consolas" panose="020B0609020204030204" pitchFamily="49" charset="0"/>
+                <a:cs typeface="Arial" panose="020B0604020202020204" pitchFamily="34" charset="0"/>
+              </a:rPr>
+              <a:t>bot_csv</a:t>
+            </a:r>
+            <a:r>
+              <a:rPr lang="pt-PT" sz="1500" dirty="0">
+                <a:solidFill>
+                  <a:prstClr val="black"/>
+                </a:solidFill>
+                <a:latin typeface="Consolas" panose="020B0609020204030204" pitchFamily="49" charset="0"/>
+                <a:cs typeface="Arial" panose="020B0604020202020204" pitchFamily="34" charset="0"/>
+              </a:rPr>
+              <a:t> </a:t>
+            </a:r>
+          </a:p>
+          <a:p>
+            <a:pPr lvl="0"/>
+            <a:r>
+              <a:rPr lang="pt-PT" sz="1500" dirty="0">
+                <a:solidFill>
+                  <a:srgbClr val="C85C57"/>
+                </a:solidFill>
+                <a:latin typeface="Consolas" panose="020B0609020204030204" pitchFamily="49" charset="0"/>
+                <a:cs typeface="Arial" panose="020B0604020202020204" pitchFamily="34" charset="0"/>
+              </a:rPr>
+              <a:t>WITH</a:t>
+            </a:r>
+            <a:r>
+              <a:rPr lang="pt-PT" sz="1500" dirty="0">
+                <a:solidFill>
+                  <a:srgbClr val="488ED4"/>
+                </a:solidFill>
+                <a:latin typeface="Consolas" panose="020B0609020204030204" pitchFamily="49" charset="0"/>
+                <a:cs typeface="Arial" panose="020B0604020202020204" pitchFamily="34" charset="0"/>
+              </a:rPr>
+              <a:t> </a:t>
+            </a:r>
+            <a:r>
+              <a:rPr lang="pt-PT" sz="1500" dirty="0" err="1">
+                <a:solidFill>
+                  <a:prstClr val="black"/>
+                </a:solidFill>
+                <a:latin typeface="Consolas" panose="020B0609020204030204" pitchFamily="49" charset="0"/>
+                <a:cs typeface="Arial" panose="020B0604020202020204" pitchFamily="34" charset="0"/>
+              </a:rPr>
+              <a:t>agenda_SEI_schema.json</a:t>
+            </a:r>
+            <a:r>
+              <a:rPr lang="pt-PT" sz="1500" dirty="0">
+                <a:solidFill>
+                  <a:srgbClr val="488ED4"/>
+                </a:solidFill>
+                <a:latin typeface="Consolas" panose="020B0609020204030204" pitchFamily="49" charset="0"/>
+                <a:cs typeface="Arial" panose="020B0604020202020204" pitchFamily="34" charset="0"/>
+              </a:rPr>
+              <a:t> </a:t>
+            </a:r>
+          </a:p>
+          <a:p>
+            <a:pPr lvl="0"/>
+            <a:r>
+              <a:rPr lang="pt-PT" sz="1500" dirty="0">
+                <a:solidFill>
+                  <a:srgbClr val="00B050"/>
+                </a:solidFill>
+                <a:latin typeface="Consolas" panose="020B0609020204030204" pitchFamily="49" charset="0"/>
+                <a:cs typeface="Arial" panose="020B0604020202020204" pitchFamily="34" charset="0"/>
+              </a:rPr>
+              <a:t>FROM</a:t>
+            </a:r>
+            <a:r>
+              <a:rPr lang="pt-PT" sz="1500" dirty="0">
+                <a:solidFill>
+                  <a:srgbClr val="488ED4"/>
+                </a:solidFill>
+                <a:latin typeface="Consolas" panose="020B0609020204030204" pitchFamily="49" charset="0"/>
+                <a:cs typeface="Arial" panose="020B0604020202020204" pitchFamily="34" charset="0"/>
+              </a:rPr>
+              <a:t> </a:t>
+            </a:r>
+            <a:r>
+              <a:rPr lang="pt-PT" sz="1500" dirty="0">
+                <a:solidFill>
+                  <a:prstClr val="black"/>
+                </a:solidFill>
+                <a:latin typeface="Consolas" panose="020B0609020204030204" pitchFamily="49" charset="0"/>
+                <a:cs typeface="Arial" panose="020B0604020202020204" pitchFamily="34" charset="0"/>
+              </a:rPr>
+              <a:t>agenda_SEI.csv</a:t>
+            </a:r>
+          </a:p>
+        </p:txBody>
+      </p:sp>
+      <p:cxnSp>
+        <p:nvCxnSpPr>
+          <p:cNvPr id="24" name="Conexão reta 23">
+            <a:extLst>
+              <a:ext uri="{FF2B5EF4-FFF2-40B4-BE49-F238E27FC236}">
+                <a16:creationId xmlns:a16="http://schemas.microsoft.com/office/drawing/2014/main" id="{6245EF25-CBCC-40B7-B0E6-014B8DAF64D4}"/>
+              </a:ext>
+            </a:extLst>
+          </p:cNvPr>
+          <p:cNvCxnSpPr>
+            <a:cxnSpLocks/>
+          </p:cNvCxnSpPr>
+          <p:nvPr/>
+        </p:nvCxnSpPr>
+        <p:spPr>
+          <a:xfrm>
+            <a:off x="3767429" y="1641767"/>
+            <a:ext cx="3547771" cy="0"/>
+          </a:xfrm>
+          <a:prstGeom prst="line">
+            <a:avLst/>
+          </a:prstGeom>
+          <a:ln w="19050"/>
+        </p:spPr>
+        <p:style>
+          <a:lnRef idx="1">
+            <a:schemeClr val="accent1"/>
+          </a:lnRef>
+          <a:fillRef idx="0">
+            <a:schemeClr val="accent1"/>
+          </a:fillRef>
+          <a:effectRef idx="0">
+            <a:schemeClr val="accent1"/>
+          </a:effectRef>
+          <a:fontRef idx="minor">
+            <a:schemeClr val="tx1"/>
+          </a:fontRef>
+        </p:style>
+      </p:cxnSp>
+      <p:cxnSp>
+        <p:nvCxnSpPr>
+          <p:cNvPr id="30" name="Conexão reta 29">
+            <a:extLst>
+              <a:ext uri="{FF2B5EF4-FFF2-40B4-BE49-F238E27FC236}">
+                <a16:creationId xmlns:a16="http://schemas.microsoft.com/office/drawing/2014/main" id="{4DA85C04-D9FA-44B7-9360-8C3625ABB9DF}"/>
+              </a:ext>
+            </a:extLst>
+          </p:cNvPr>
+          <p:cNvCxnSpPr>
+            <a:cxnSpLocks/>
+          </p:cNvCxnSpPr>
+          <p:nvPr/>
+        </p:nvCxnSpPr>
+        <p:spPr>
+          <a:xfrm>
+            <a:off x="3767429" y="2556167"/>
+            <a:ext cx="3547771" cy="0"/>
+          </a:xfrm>
+          <a:prstGeom prst="line">
+            <a:avLst/>
+          </a:prstGeom>
+          <a:ln w="19050"/>
+        </p:spPr>
+        <p:style>
+          <a:lnRef idx="1">
+            <a:schemeClr val="accent1"/>
+          </a:lnRef>
+          <a:fillRef idx="0">
+            <a:schemeClr val="accent1"/>
+          </a:fillRef>
+          <a:effectRef idx="0">
+            <a:schemeClr val="accent1"/>
+          </a:effectRef>
+          <a:fontRef idx="minor">
+            <a:schemeClr val="tx1"/>
+          </a:fontRef>
+        </p:style>
+      </p:cxnSp>
+      <p:sp>
+        <p:nvSpPr>
+          <p:cNvPr id="32" name="Parêntese direito 31">
+            <a:extLst>
+              <a:ext uri="{FF2B5EF4-FFF2-40B4-BE49-F238E27FC236}">
+                <a16:creationId xmlns:a16="http://schemas.microsoft.com/office/drawing/2014/main" id="{621DF0D2-38E3-4DFB-AE69-A1CA17AAD67A}"/>
+              </a:ext>
+            </a:extLst>
+          </p:cNvPr>
+          <p:cNvSpPr/>
+          <p:nvPr/>
+        </p:nvSpPr>
+        <p:spPr>
+          <a:xfrm rot="5400000">
+            <a:off x="6133483" y="3360748"/>
+            <a:ext cx="176869" cy="814965"/>
+          </a:xfrm>
+          <a:prstGeom prst="rightBracket">
+            <a:avLst/>
+          </a:prstGeom>
+          <a:ln w="19050"/>
+        </p:spPr>
+        <p:style>
+          <a:lnRef idx="1">
+            <a:schemeClr val="accent1"/>
+          </a:lnRef>
+          <a:fillRef idx="0">
+            <a:schemeClr val="accent1"/>
+          </a:fillRef>
+          <a:effectRef idx="0">
+            <a:schemeClr val="accent1"/>
+          </a:effectRef>
+          <a:fontRef idx="minor">
+            <a:schemeClr val="tx1"/>
+          </a:fontRef>
+        </p:style>
+        <p:txBody>
+          <a:bodyPr rtlCol="0" anchor="ctr"/>
+          <a:lstStyle/>
+          <a:p>
+            <a:pPr algn="ctr"/>
+            <a:endParaRPr lang="pt-PT"/>
+          </a:p>
+        </p:txBody>
+      </p:sp>
+      <p:sp>
+        <p:nvSpPr>
+          <p:cNvPr id="37" name="Parêntese direito 36">
+            <a:extLst>
+              <a:ext uri="{FF2B5EF4-FFF2-40B4-BE49-F238E27FC236}">
+                <a16:creationId xmlns:a16="http://schemas.microsoft.com/office/drawing/2014/main" id="{9F36CC8E-DC30-478E-B5A6-5807BB41472E}"/>
+              </a:ext>
+            </a:extLst>
+          </p:cNvPr>
+          <p:cNvSpPr/>
+          <p:nvPr/>
+        </p:nvSpPr>
+        <p:spPr>
+          <a:xfrm rot="5400000">
+            <a:off x="3980553" y="2210360"/>
+            <a:ext cx="192294" cy="3124200"/>
+          </a:xfrm>
+          <a:prstGeom prst="rightBracket">
+            <a:avLst/>
+          </a:prstGeom>
+          <a:ln w="19050"/>
+        </p:spPr>
+        <p:style>
+          <a:lnRef idx="1">
+            <a:schemeClr val="accent1"/>
+          </a:lnRef>
+          <a:fillRef idx="0">
+            <a:schemeClr val="accent1"/>
+          </a:fillRef>
+          <a:effectRef idx="0">
+            <a:schemeClr val="accent1"/>
+          </a:effectRef>
+          <a:fontRef idx="minor">
+            <a:schemeClr val="tx1"/>
+          </a:fontRef>
+        </p:style>
+        <p:txBody>
+          <a:bodyPr rtlCol="0" anchor="ctr"/>
+          <a:lstStyle/>
+          <a:p>
+            <a:pPr algn="ctr"/>
+            <a:endParaRPr lang="pt-PT"/>
+          </a:p>
+        </p:txBody>
+      </p:sp>
+      <p:sp>
+        <p:nvSpPr>
+          <p:cNvPr id="18" name="CaixaDeTexto 17">
+            <a:extLst>
+              <a:ext uri="{FF2B5EF4-FFF2-40B4-BE49-F238E27FC236}">
+                <a16:creationId xmlns:a16="http://schemas.microsoft.com/office/drawing/2014/main" id="{43C190B6-581F-4A99-B98F-41A6A0969016}"/>
+              </a:ext>
+            </a:extLst>
+          </p:cNvPr>
+          <p:cNvSpPr txBox="1"/>
+          <p:nvPr/>
+        </p:nvSpPr>
+        <p:spPr>
+          <a:xfrm>
+            <a:off x="5486400" y="3856664"/>
+            <a:ext cx="1466850" cy="369332"/>
+          </a:xfrm>
+          <a:prstGeom prst="rect">
+            <a:avLst/>
+          </a:prstGeom>
+          <a:noFill/>
+        </p:spPr>
+        <p:txBody>
+          <a:bodyPr wrap="square" rtlCol="0" anchor="ctr">
+            <a:spAutoFit/>
+          </a:bodyPr>
+          <a:lstStyle/>
+          <a:p>
+            <a:pPr algn="ctr"/>
+            <a:r>
+              <a:rPr lang="pt-PT" dirty="0">
+                <a:solidFill>
+                  <a:schemeClr val="accent1">
+                    <a:lumMod val="50000"/>
+                  </a:schemeClr>
+                </a:solidFill>
+                <a:latin typeface="Consolas" panose="020B0609020204030204" pitchFamily="49" charset="0"/>
+                <a:cs typeface="Arial" panose="020B0604020202020204" pitchFamily="34" charset="0"/>
+              </a:rPr>
+              <a:t>temporal</a:t>
+            </a:r>
+          </a:p>
+        </p:txBody>
+      </p:sp>
+      <p:sp>
+        <p:nvSpPr>
+          <p:cNvPr id="19" name="CaixaDeTexto 18">
+            <a:extLst>
+              <a:ext uri="{FF2B5EF4-FFF2-40B4-BE49-F238E27FC236}">
+                <a16:creationId xmlns:a16="http://schemas.microsoft.com/office/drawing/2014/main" id="{83E81145-A781-40D9-8EBB-3217935445FC}"/>
+              </a:ext>
+            </a:extLst>
+          </p:cNvPr>
+          <p:cNvSpPr txBox="1"/>
+          <p:nvPr/>
+        </p:nvSpPr>
+        <p:spPr>
+          <a:xfrm>
+            <a:off x="2514599" y="3855708"/>
+            <a:ext cx="3124199" cy="369332"/>
+          </a:xfrm>
+          <a:prstGeom prst="rect">
+            <a:avLst/>
+          </a:prstGeom>
+          <a:noFill/>
+        </p:spPr>
+        <p:txBody>
+          <a:bodyPr wrap="square" rtlCol="0" anchor="ctr">
+            <a:spAutoFit/>
+          </a:bodyPr>
+          <a:lstStyle/>
+          <a:p>
+            <a:pPr algn="ctr"/>
+            <a:r>
+              <a:rPr lang="pt-PT" dirty="0">
+                <a:solidFill>
+                  <a:schemeClr val="accent1">
+                    <a:lumMod val="50000"/>
+                  </a:schemeClr>
+                </a:solidFill>
+                <a:latin typeface="Consolas" panose="020B0609020204030204" pitchFamily="49" charset="0"/>
+                <a:cs typeface="Arial" panose="020B0604020202020204" pitchFamily="34" charset="0"/>
+              </a:rPr>
+              <a:t>Atividade</a:t>
+            </a:r>
+          </a:p>
+        </p:txBody>
+      </p:sp>
+      <p:sp>
+        <p:nvSpPr>
+          <p:cNvPr id="20" name="object 2">
+            <a:extLst>
+              <a:ext uri="{FF2B5EF4-FFF2-40B4-BE49-F238E27FC236}">
+                <a16:creationId xmlns:a16="http://schemas.microsoft.com/office/drawing/2014/main" id="{56C6DBED-E3B0-4591-AFF6-E6C0A0B1EFBC}"/>
+              </a:ext>
+            </a:extLst>
+          </p:cNvPr>
+          <p:cNvSpPr txBox="1">
+            <a:spLocks noGrp="1"/>
+          </p:cNvSpPr>
+          <p:nvPr>
+            <p:ph type="title"/>
+          </p:nvPr>
+        </p:nvSpPr>
+        <p:spPr>
+          <a:xfrm>
+            <a:off x="3433762" y="235637"/>
+            <a:ext cx="2390775" cy="461023"/>
+          </a:xfrm>
+          <a:prstGeom prst="rect">
+            <a:avLst/>
+          </a:prstGeom>
+        </p:spPr>
+        <p:txBody>
+          <a:bodyPr vert="horz" wrap="square" lIns="0" tIns="14604" rIns="0" bIns="0" rtlCol="0">
+            <a:spAutoFit/>
+          </a:bodyPr>
+          <a:lstStyle/>
+          <a:p>
+            <a:pPr marL="12700" algn="l">
+              <a:lnSpc>
+                <a:spcPct val="100000"/>
+              </a:lnSpc>
+              <a:spcBef>
+                <a:spcPts val="114"/>
+              </a:spcBef>
+            </a:pPr>
+            <a:r>
+              <a:rPr lang="pt-PT" spc="-185" dirty="0">
+                <a:solidFill>
+                  <a:schemeClr val="bg1"/>
+                </a:solidFill>
+              </a:rPr>
+              <a:t>Frase exemplo</a:t>
+            </a:r>
+            <a:endParaRPr spc="-185" dirty="0">
+              <a:solidFill>
+                <a:schemeClr val="bg1"/>
+              </a:solidFill>
+            </a:endParaRPr>
+          </a:p>
+        </p:txBody>
+      </p:sp>
+      <p:grpSp>
+        <p:nvGrpSpPr>
+          <p:cNvPr id="29" name="Agrupar 28">
+            <a:extLst>
+              <a:ext uri="{FF2B5EF4-FFF2-40B4-BE49-F238E27FC236}">
+                <a16:creationId xmlns:a16="http://schemas.microsoft.com/office/drawing/2014/main" id="{DFDCFCFC-51B1-4847-AB25-F9839D3AA944}"/>
+              </a:ext>
+            </a:extLst>
+          </p:cNvPr>
+          <p:cNvGrpSpPr/>
+          <p:nvPr/>
+        </p:nvGrpSpPr>
+        <p:grpSpPr>
+          <a:xfrm>
+            <a:off x="1461575" y="4404435"/>
+            <a:ext cx="6483351" cy="1178023"/>
+            <a:chOff x="984250" y="2250977"/>
+            <a:chExt cx="6483351" cy="1178023"/>
+          </a:xfrm>
+        </p:grpSpPr>
+        <p:sp>
+          <p:nvSpPr>
+            <p:cNvPr id="31" name="Retângulo 30">
+              <a:extLst>
+                <a:ext uri="{FF2B5EF4-FFF2-40B4-BE49-F238E27FC236}">
+                  <a16:creationId xmlns:a16="http://schemas.microsoft.com/office/drawing/2014/main" id="{77C359DA-3F3A-4667-BA33-3DA13784ADD2}"/>
+                </a:ext>
+              </a:extLst>
+            </p:cNvPr>
+            <p:cNvSpPr/>
+            <p:nvPr/>
+          </p:nvSpPr>
+          <p:spPr>
+            <a:xfrm>
+              <a:off x="984251" y="2250977"/>
+              <a:ext cx="6483350" cy="430179"/>
+            </a:xfrm>
+            <a:prstGeom prst="rect">
+              <a:avLst/>
+            </a:prstGeom>
+            <a:noFill/>
+            <a:ln w="19050">
+              <a:solidFill>
+                <a:srgbClr val="4A7EBB"/>
+              </a:solidFill>
+            </a:ln>
+          </p:spPr>
+          <p:style>
+            <a:lnRef idx="2">
+              <a:schemeClr val="accent1">
+                <a:shade val="50000"/>
+              </a:schemeClr>
+            </a:lnRef>
+            <a:fillRef idx="1">
+              <a:schemeClr val="accent1"/>
+            </a:fillRef>
+            <a:effectRef idx="0">
+              <a:schemeClr val="accent1"/>
+            </a:effectRef>
+            <a:fontRef idx="minor">
+              <a:schemeClr val="lt1"/>
+            </a:fontRef>
+          </p:style>
+          <p:txBody>
+            <a:bodyPr rtlCol="0" anchor="ctr"/>
+            <a:lstStyle/>
+            <a:p>
+              <a:pPr algn="ctr"/>
+              <a:endParaRPr lang="pt-PT"/>
+            </a:p>
+          </p:txBody>
+        </p:sp>
+        <p:sp>
+          <p:nvSpPr>
+            <p:cNvPr id="33" name="Retângulo 32">
+              <a:extLst>
+                <a:ext uri="{FF2B5EF4-FFF2-40B4-BE49-F238E27FC236}">
+                  <a16:creationId xmlns:a16="http://schemas.microsoft.com/office/drawing/2014/main" id="{D570929B-CD1F-4688-BD4A-637382C019E6}"/>
+                </a:ext>
+              </a:extLst>
+            </p:cNvPr>
+            <p:cNvSpPr/>
+            <p:nvPr/>
+          </p:nvSpPr>
+          <p:spPr>
+            <a:xfrm>
+              <a:off x="984250" y="2681157"/>
+              <a:ext cx="6483350" cy="747843"/>
+            </a:xfrm>
+            <a:prstGeom prst="rect">
+              <a:avLst/>
+            </a:prstGeom>
+            <a:noFill/>
+            <a:ln w="19050">
+              <a:solidFill>
+                <a:srgbClr val="4A7EBB"/>
+              </a:solidFill>
+            </a:ln>
+          </p:spPr>
+          <p:style>
+            <a:lnRef idx="2">
+              <a:schemeClr val="accent1">
+                <a:shade val="50000"/>
+              </a:schemeClr>
+            </a:lnRef>
+            <a:fillRef idx="1">
+              <a:schemeClr val="accent1"/>
+            </a:fillRef>
+            <a:effectRef idx="0">
+              <a:schemeClr val="accent1"/>
+            </a:effectRef>
+            <a:fontRef idx="minor">
+              <a:schemeClr val="lt1"/>
+            </a:fontRef>
+          </p:style>
+          <p:txBody>
+            <a:bodyPr rtlCol="0" anchor="ctr"/>
+            <a:lstStyle/>
+            <a:p>
+              <a:pPr algn="ctr"/>
+              <a:endParaRPr lang="pt-PT"/>
+            </a:p>
+          </p:txBody>
+        </p:sp>
+        <p:sp>
+          <p:nvSpPr>
+            <p:cNvPr id="34" name="Retângulo 33">
+              <a:extLst>
+                <a:ext uri="{FF2B5EF4-FFF2-40B4-BE49-F238E27FC236}">
+                  <a16:creationId xmlns:a16="http://schemas.microsoft.com/office/drawing/2014/main" id="{A699CF14-3C27-4D26-9E9C-22EC418E5F32}"/>
+                </a:ext>
+              </a:extLst>
+            </p:cNvPr>
+            <p:cNvSpPr/>
+            <p:nvPr/>
+          </p:nvSpPr>
+          <p:spPr>
+            <a:xfrm>
+              <a:off x="998505" y="2312177"/>
+              <a:ext cx="1079142" cy="307777"/>
+            </a:xfrm>
+            <a:prstGeom prst="rect">
+              <a:avLst/>
+            </a:prstGeom>
+          </p:spPr>
+          <p:txBody>
+            <a:bodyPr wrap="none">
+              <a:spAutoFit/>
+            </a:bodyPr>
+            <a:lstStyle/>
+            <a:p>
+              <a:r>
+                <a:rPr lang="pt-PT" sz="1400" dirty="0">
+                  <a:solidFill>
+                    <a:srgbClr val="C00000"/>
+                  </a:solidFill>
+                  <a:latin typeface="Consolas" panose="020B0609020204030204" pitchFamily="49" charset="0"/>
+                </a:rPr>
+                <a:t>Atividade</a:t>
+              </a:r>
+            </a:p>
+          </p:txBody>
+        </p:sp>
+        <p:sp>
+          <p:nvSpPr>
+            <p:cNvPr id="35" name="Retângulo 34">
+              <a:extLst>
+                <a:ext uri="{FF2B5EF4-FFF2-40B4-BE49-F238E27FC236}">
+                  <a16:creationId xmlns:a16="http://schemas.microsoft.com/office/drawing/2014/main" id="{F5D11B2B-DAAA-4C07-B785-1DE0A41796D5}"/>
+                </a:ext>
+              </a:extLst>
+            </p:cNvPr>
+            <p:cNvSpPr/>
+            <p:nvPr/>
+          </p:nvSpPr>
+          <p:spPr>
+            <a:xfrm>
+              <a:off x="2309818" y="2312176"/>
+              <a:ext cx="582211" cy="307777"/>
+            </a:xfrm>
+            <a:prstGeom prst="rect">
+              <a:avLst/>
+            </a:prstGeom>
+          </p:spPr>
+          <p:txBody>
+            <a:bodyPr wrap="none">
+              <a:spAutoFit/>
+            </a:bodyPr>
+            <a:lstStyle/>
+            <a:p>
+              <a:r>
+                <a:rPr lang="pt-PT" sz="1400" dirty="0">
+                  <a:solidFill>
+                    <a:schemeClr val="accent1">
+                      <a:lumMod val="50000"/>
+                    </a:schemeClr>
+                  </a:solidFill>
+                  <a:latin typeface="Consolas" panose="020B0609020204030204" pitchFamily="49" charset="0"/>
+                </a:rPr>
+                <a:t>Tipo</a:t>
+              </a:r>
+              <a:endParaRPr lang="pt-PT" dirty="0"/>
+            </a:p>
+          </p:txBody>
+        </p:sp>
+        <p:sp>
+          <p:nvSpPr>
+            <p:cNvPr id="36" name="Retângulo 35">
+              <a:extLst>
+                <a:ext uri="{FF2B5EF4-FFF2-40B4-BE49-F238E27FC236}">
+                  <a16:creationId xmlns:a16="http://schemas.microsoft.com/office/drawing/2014/main" id="{40D6F06E-2793-45B4-98C3-69915BDE4AC1}"/>
+                </a:ext>
+              </a:extLst>
+            </p:cNvPr>
+            <p:cNvSpPr/>
+            <p:nvPr/>
+          </p:nvSpPr>
+          <p:spPr>
+            <a:xfrm>
+              <a:off x="3316802" y="2312175"/>
+              <a:ext cx="681597" cy="307777"/>
+            </a:xfrm>
+            <a:prstGeom prst="rect">
+              <a:avLst/>
+            </a:prstGeom>
+          </p:spPr>
+          <p:txBody>
+            <a:bodyPr wrap="none">
+              <a:spAutoFit/>
+            </a:bodyPr>
+            <a:lstStyle/>
+            <a:p>
+              <a:r>
+                <a:rPr lang="pt-PT" sz="1400" dirty="0">
+                  <a:solidFill>
+                    <a:schemeClr val="accent1">
+                      <a:lumMod val="50000"/>
+                    </a:schemeClr>
+                  </a:solidFill>
+                  <a:latin typeface="Consolas" panose="020B0609020204030204" pitchFamily="49" charset="0"/>
+                </a:rPr>
+                <a:t>Local</a:t>
+              </a:r>
+              <a:endParaRPr lang="pt-PT" dirty="0"/>
+            </a:p>
+          </p:txBody>
+        </p:sp>
+        <p:sp>
+          <p:nvSpPr>
+            <p:cNvPr id="38" name="Retângulo 37">
+              <a:extLst>
+                <a:ext uri="{FF2B5EF4-FFF2-40B4-BE49-F238E27FC236}">
+                  <a16:creationId xmlns:a16="http://schemas.microsoft.com/office/drawing/2014/main" id="{9AAD362B-BEBD-4C09-8FBE-6767C5F17CC4}"/>
+                </a:ext>
+              </a:extLst>
+            </p:cNvPr>
+            <p:cNvSpPr/>
+            <p:nvPr/>
+          </p:nvSpPr>
+          <p:spPr>
+            <a:xfrm>
+              <a:off x="4482988" y="2312174"/>
+              <a:ext cx="482824" cy="307777"/>
+            </a:xfrm>
+            <a:prstGeom prst="rect">
+              <a:avLst/>
+            </a:prstGeom>
+          </p:spPr>
+          <p:txBody>
+            <a:bodyPr wrap="none">
+              <a:spAutoFit/>
+            </a:bodyPr>
+            <a:lstStyle/>
+            <a:p>
+              <a:r>
+                <a:rPr lang="pt-PT" sz="1400" dirty="0">
+                  <a:solidFill>
+                    <a:schemeClr val="accent1">
+                      <a:lumMod val="50000"/>
+                    </a:schemeClr>
+                  </a:solidFill>
+                  <a:latin typeface="Consolas" panose="020B0609020204030204" pitchFamily="49" charset="0"/>
+                </a:rPr>
+                <a:t>Dia</a:t>
+              </a:r>
+            </a:p>
+          </p:txBody>
+        </p:sp>
+        <p:sp>
+          <p:nvSpPr>
+            <p:cNvPr id="39" name="Retângulo 38">
+              <a:extLst>
+                <a:ext uri="{FF2B5EF4-FFF2-40B4-BE49-F238E27FC236}">
+                  <a16:creationId xmlns:a16="http://schemas.microsoft.com/office/drawing/2014/main" id="{2F802D55-3431-414D-B852-7BE2915109A7}"/>
+                </a:ext>
+              </a:extLst>
+            </p:cNvPr>
+            <p:cNvSpPr/>
+            <p:nvPr/>
+          </p:nvSpPr>
+          <p:spPr>
+            <a:xfrm>
+              <a:off x="5428627" y="2312173"/>
+              <a:ext cx="780983" cy="307777"/>
+            </a:xfrm>
+            <a:prstGeom prst="rect">
+              <a:avLst/>
+            </a:prstGeom>
+          </p:spPr>
+          <p:txBody>
+            <a:bodyPr wrap="none">
+              <a:spAutoFit/>
+            </a:bodyPr>
+            <a:lstStyle/>
+            <a:p>
+              <a:r>
+                <a:rPr lang="pt-PT" sz="1400" dirty="0">
+                  <a:solidFill>
+                    <a:srgbClr val="254061"/>
+                  </a:solidFill>
+                  <a:latin typeface="Consolas" panose="020B0609020204030204" pitchFamily="49" charset="0"/>
+                </a:rPr>
+                <a:t>Inicio</a:t>
+              </a:r>
+              <a:endParaRPr lang="pt-PT" dirty="0">
+                <a:solidFill>
+                  <a:srgbClr val="254061"/>
+                </a:solidFill>
+              </a:endParaRPr>
+            </a:p>
+          </p:txBody>
+        </p:sp>
+        <p:sp>
+          <p:nvSpPr>
+            <p:cNvPr id="40" name="Retângulo 39">
+              <a:extLst>
+                <a:ext uri="{FF2B5EF4-FFF2-40B4-BE49-F238E27FC236}">
+                  <a16:creationId xmlns:a16="http://schemas.microsoft.com/office/drawing/2014/main" id="{3BA3DDDA-8381-4831-AC29-625DCDCADD1B}"/>
+                </a:ext>
+              </a:extLst>
+            </p:cNvPr>
+            <p:cNvSpPr/>
+            <p:nvPr/>
+          </p:nvSpPr>
+          <p:spPr>
+            <a:xfrm>
+              <a:off x="6656801" y="2312172"/>
+              <a:ext cx="482824" cy="307777"/>
+            </a:xfrm>
+            <a:prstGeom prst="rect">
+              <a:avLst/>
+            </a:prstGeom>
+          </p:spPr>
+          <p:txBody>
+            <a:bodyPr wrap="none">
+              <a:spAutoFit/>
+            </a:bodyPr>
+            <a:lstStyle/>
+            <a:p>
+              <a:r>
+                <a:rPr lang="pt-PT" sz="1400" dirty="0">
+                  <a:solidFill>
+                    <a:srgbClr val="254061"/>
+                  </a:solidFill>
+                  <a:latin typeface="Consolas" panose="020B0609020204030204" pitchFamily="49" charset="0"/>
+                </a:rPr>
+                <a:t>Fim</a:t>
+              </a:r>
+              <a:endParaRPr lang="pt-PT" dirty="0">
+                <a:solidFill>
+                  <a:srgbClr val="254061"/>
+                </a:solidFill>
+              </a:endParaRPr>
+            </a:p>
+          </p:txBody>
+        </p:sp>
+        <p:cxnSp>
+          <p:nvCxnSpPr>
+            <p:cNvPr id="41" name="Conexão reta 40">
+              <a:extLst>
+                <a:ext uri="{FF2B5EF4-FFF2-40B4-BE49-F238E27FC236}">
+                  <a16:creationId xmlns:a16="http://schemas.microsoft.com/office/drawing/2014/main" id="{32390EB5-3D7E-4687-8616-2C060BF27D23}"/>
+                </a:ext>
+              </a:extLst>
+            </p:cNvPr>
+            <p:cNvCxnSpPr>
+              <a:cxnSpLocks/>
+            </p:cNvCxnSpPr>
+            <p:nvPr/>
+          </p:nvCxnSpPr>
+          <p:spPr>
+            <a:xfrm>
+              <a:off x="2057400" y="2250977"/>
+              <a:ext cx="0" cy="1178023"/>
+            </a:xfrm>
+            <a:prstGeom prst="line">
+              <a:avLst/>
+            </a:prstGeom>
+            <a:ln w="19050">
+              <a:solidFill>
+                <a:srgbClr val="4A7EBB"/>
+              </a:solidFill>
+            </a:ln>
+          </p:spPr>
+          <p:style>
+            <a:lnRef idx="1">
+              <a:schemeClr val="accent1"/>
+            </a:lnRef>
+            <a:fillRef idx="0">
+              <a:schemeClr val="accent1"/>
+            </a:fillRef>
+            <a:effectRef idx="0">
+              <a:schemeClr val="accent1"/>
+            </a:effectRef>
+            <a:fontRef idx="minor">
+              <a:schemeClr val="tx1"/>
+            </a:fontRef>
+          </p:style>
+        </p:cxnSp>
+        <p:cxnSp>
+          <p:nvCxnSpPr>
+            <p:cNvPr id="42" name="Conexão reta 41">
+              <a:extLst>
+                <a:ext uri="{FF2B5EF4-FFF2-40B4-BE49-F238E27FC236}">
+                  <a16:creationId xmlns:a16="http://schemas.microsoft.com/office/drawing/2014/main" id="{A0028BEC-EA47-48CA-9072-CB0F523BB737}"/>
+                </a:ext>
+              </a:extLst>
+            </p:cNvPr>
+            <p:cNvCxnSpPr>
+              <a:cxnSpLocks/>
+            </p:cNvCxnSpPr>
+            <p:nvPr/>
+          </p:nvCxnSpPr>
+          <p:spPr>
+            <a:xfrm>
+              <a:off x="3124200" y="2250977"/>
+              <a:ext cx="0" cy="1178023"/>
+            </a:xfrm>
+            <a:prstGeom prst="line">
+              <a:avLst/>
+            </a:prstGeom>
+            <a:ln w="19050">
+              <a:solidFill>
+                <a:srgbClr val="4A7EBB"/>
+              </a:solidFill>
+            </a:ln>
+          </p:spPr>
+          <p:style>
+            <a:lnRef idx="1">
+              <a:schemeClr val="accent1"/>
+            </a:lnRef>
+            <a:fillRef idx="0">
+              <a:schemeClr val="accent1"/>
+            </a:fillRef>
+            <a:effectRef idx="0">
+              <a:schemeClr val="accent1"/>
+            </a:effectRef>
+            <a:fontRef idx="minor">
+              <a:schemeClr val="tx1"/>
+            </a:fontRef>
+          </p:style>
+        </p:cxnSp>
+        <p:cxnSp>
+          <p:nvCxnSpPr>
+            <p:cNvPr id="43" name="Conexão reta 42">
+              <a:extLst>
+                <a:ext uri="{FF2B5EF4-FFF2-40B4-BE49-F238E27FC236}">
+                  <a16:creationId xmlns:a16="http://schemas.microsoft.com/office/drawing/2014/main" id="{F6DF0CBB-21A5-4720-92E5-B9EB056E2B97}"/>
+                </a:ext>
+              </a:extLst>
+            </p:cNvPr>
+            <p:cNvCxnSpPr>
+              <a:cxnSpLocks/>
+            </p:cNvCxnSpPr>
+            <p:nvPr/>
+          </p:nvCxnSpPr>
+          <p:spPr>
+            <a:xfrm>
+              <a:off x="4191000" y="2250977"/>
+              <a:ext cx="0" cy="1178023"/>
+            </a:xfrm>
+            <a:prstGeom prst="line">
+              <a:avLst/>
+            </a:prstGeom>
+            <a:ln w="19050">
+              <a:solidFill>
+                <a:srgbClr val="4A7EBB"/>
+              </a:solidFill>
+            </a:ln>
+          </p:spPr>
+          <p:style>
+            <a:lnRef idx="1">
+              <a:schemeClr val="accent1"/>
+            </a:lnRef>
+            <a:fillRef idx="0">
+              <a:schemeClr val="accent1"/>
+            </a:fillRef>
+            <a:effectRef idx="0">
+              <a:schemeClr val="accent1"/>
+            </a:effectRef>
+            <a:fontRef idx="minor">
+              <a:schemeClr val="tx1"/>
+            </a:fontRef>
+          </p:style>
+        </p:cxnSp>
+        <p:cxnSp>
+          <p:nvCxnSpPr>
+            <p:cNvPr id="44" name="Conexão reta 43">
+              <a:extLst>
+                <a:ext uri="{FF2B5EF4-FFF2-40B4-BE49-F238E27FC236}">
+                  <a16:creationId xmlns:a16="http://schemas.microsoft.com/office/drawing/2014/main" id="{0852CFE9-EDC4-4872-9536-2FB159C624C6}"/>
+                </a:ext>
+              </a:extLst>
+            </p:cNvPr>
+            <p:cNvCxnSpPr>
+              <a:cxnSpLocks/>
+            </p:cNvCxnSpPr>
+            <p:nvPr/>
+          </p:nvCxnSpPr>
+          <p:spPr>
+            <a:xfrm>
+              <a:off x="5257800" y="2250977"/>
+              <a:ext cx="0" cy="1178023"/>
+            </a:xfrm>
+            <a:prstGeom prst="line">
+              <a:avLst/>
+            </a:prstGeom>
+            <a:ln w="19050">
+              <a:solidFill>
+                <a:srgbClr val="4A7EBB"/>
+              </a:solidFill>
+            </a:ln>
+          </p:spPr>
+          <p:style>
+            <a:lnRef idx="1">
+              <a:schemeClr val="accent1"/>
+            </a:lnRef>
+            <a:fillRef idx="0">
+              <a:schemeClr val="accent1"/>
+            </a:fillRef>
+            <a:effectRef idx="0">
+              <a:schemeClr val="accent1"/>
+            </a:effectRef>
+            <a:fontRef idx="minor">
+              <a:schemeClr val="tx1"/>
+            </a:fontRef>
+          </p:style>
+        </p:cxnSp>
+        <p:cxnSp>
+          <p:nvCxnSpPr>
+            <p:cNvPr id="46" name="Conexão reta 45">
+              <a:extLst>
+                <a:ext uri="{FF2B5EF4-FFF2-40B4-BE49-F238E27FC236}">
+                  <a16:creationId xmlns:a16="http://schemas.microsoft.com/office/drawing/2014/main" id="{F2E2F3E6-4E91-465E-BBBC-55852196FCEA}"/>
+                </a:ext>
+              </a:extLst>
+            </p:cNvPr>
+            <p:cNvCxnSpPr>
+              <a:cxnSpLocks/>
+            </p:cNvCxnSpPr>
+            <p:nvPr/>
+          </p:nvCxnSpPr>
+          <p:spPr>
+            <a:xfrm>
+              <a:off x="6400800" y="2250977"/>
+              <a:ext cx="0" cy="1178023"/>
+            </a:xfrm>
+            <a:prstGeom prst="line">
+              <a:avLst/>
+            </a:prstGeom>
+            <a:ln w="19050">
+              <a:solidFill>
+                <a:srgbClr val="4A7EBB"/>
+              </a:solidFill>
+            </a:ln>
+          </p:spPr>
+          <p:style>
+            <a:lnRef idx="1">
+              <a:schemeClr val="accent1"/>
+            </a:lnRef>
+            <a:fillRef idx="0">
+              <a:schemeClr val="accent1"/>
+            </a:fillRef>
+            <a:effectRef idx="0">
+              <a:schemeClr val="accent1"/>
+            </a:effectRef>
+            <a:fontRef idx="minor">
+              <a:schemeClr val="tx1"/>
+            </a:fontRef>
+          </p:style>
+        </p:cxnSp>
+        <p:sp>
+          <p:nvSpPr>
+            <p:cNvPr id="47" name="Retângulo 46">
+              <a:extLst>
+                <a:ext uri="{FF2B5EF4-FFF2-40B4-BE49-F238E27FC236}">
+                  <a16:creationId xmlns:a16="http://schemas.microsoft.com/office/drawing/2014/main" id="{5744DAC8-DCC9-45FA-BAE7-3638AF769826}"/>
+                </a:ext>
+              </a:extLst>
+            </p:cNvPr>
+            <p:cNvSpPr/>
+            <p:nvPr/>
+          </p:nvSpPr>
+          <p:spPr>
+            <a:xfrm>
+              <a:off x="1104896" y="2801161"/>
+              <a:ext cx="905898" cy="430887"/>
+            </a:xfrm>
+            <a:prstGeom prst="rect">
+              <a:avLst/>
+            </a:prstGeom>
+          </p:spPr>
+          <p:txBody>
+            <a:bodyPr wrap="square">
+              <a:spAutoFit/>
+            </a:bodyPr>
+            <a:lstStyle/>
+            <a:p>
+              <a:r>
+                <a:rPr lang="pt-PT" sz="1100" dirty="0">
+                  <a:solidFill>
+                    <a:srgbClr val="C00000"/>
+                  </a:solidFill>
+                  <a:latin typeface="Consolas" panose="020B0609020204030204" pitchFamily="49" charset="0"/>
+                </a:rPr>
+                <a:t>Rally das Tascas</a:t>
+              </a:r>
+            </a:p>
+          </p:txBody>
+        </p:sp>
+        <p:sp>
+          <p:nvSpPr>
+            <p:cNvPr id="48" name="Retângulo 47">
+              <a:extLst>
+                <a:ext uri="{FF2B5EF4-FFF2-40B4-BE49-F238E27FC236}">
+                  <a16:creationId xmlns:a16="http://schemas.microsoft.com/office/drawing/2014/main" id="{84E56CF1-0D54-4BB7-849D-A74ADD6F1D65}"/>
+                </a:ext>
+              </a:extLst>
+            </p:cNvPr>
+            <p:cNvSpPr/>
+            <p:nvPr/>
+          </p:nvSpPr>
+          <p:spPr>
+            <a:xfrm>
+              <a:off x="2275430" y="2885799"/>
+              <a:ext cx="646331" cy="261610"/>
+            </a:xfrm>
+            <a:prstGeom prst="rect">
+              <a:avLst/>
+            </a:prstGeom>
+          </p:spPr>
+          <p:txBody>
+            <a:bodyPr wrap="none">
+              <a:spAutoFit/>
+            </a:bodyPr>
+            <a:lstStyle/>
+            <a:p>
+              <a:r>
+                <a:rPr lang="pt-PT" sz="1100" dirty="0">
+                  <a:solidFill>
+                    <a:schemeClr val="accent1">
+                      <a:lumMod val="50000"/>
+                    </a:schemeClr>
+                  </a:solidFill>
+                  <a:latin typeface="Consolas" panose="020B0609020204030204" pitchFamily="49" charset="0"/>
+                </a:rPr>
+                <a:t>Social</a:t>
+              </a:r>
+              <a:endParaRPr lang="pt-PT" sz="1100" dirty="0"/>
+            </a:p>
+          </p:txBody>
+        </p:sp>
+        <p:sp>
+          <p:nvSpPr>
+            <p:cNvPr id="49" name="Retângulo 48">
+              <a:extLst>
+                <a:ext uri="{FF2B5EF4-FFF2-40B4-BE49-F238E27FC236}">
+                  <a16:creationId xmlns:a16="http://schemas.microsoft.com/office/drawing/2014/main" id="{9585D193-576D-4D30-A516-77D6FBF94A43}"/>
+                </a:ext>
+              </a:extLst>
+            </p:cNvPr>
+            <p:cNvSpPr/>
+            <p:nvPr/>
+          </p:nvSpPr>
+          <p:spPr>
+            <a:xfrm>
+              <a:off x="3139790" y="2871277"/>
+              <a:ext cx="1033236" cy="461665"/>
+            </a:xfrm>
+            <a:prstGeom prst="rect">
+              <a:avLst/>
+            </a:prstGeom>
+          </p:spPr>
+          <p:txBody>
+            <a:bodyPr wrap="square" anchor="ctr">
+              <a:spAutoFit/>
+            </a:bodyPr>
+            <a:lstStyle/>
+            <a:p>
+              <a:pPr algn="ctr"/>
+              <a:r>
+                <a:rPr lang="pt-PT" sz="1200" dirty="0">
+                  <a:solidFill>
+                    <a:schemeClr val="accent1">
+                      <a:lumMod val="50000"/>
+                    </a:schemeClr>
+                  </a:solidFill>
+                  <a:latin typeface="Consolas" panose="020B0609020204030204" pitchFamily="49" charset="0"/>
+                </a:rPr>
+                <a:t>Largo do Carpe</a:t>
+              </a:r>
+            </a:p>
+          </p:txBody>
+        </p:sp>
+        <p:sp>
+          <p:nvSpPr>
+            <p:cNvPr id="50" name="Retângulo 49">
+              <a:extLst>
+                <a:ext uri="{FF2B5EF4-FFF2-40B4-BE49-F238E27FC236}">
+                  <a16:creationId xmlns:a16="http://schemas.microsoft.com/office/drawing/2014/main" id="{E76C7080-C212-43D8-9BBD-1FF9A615F3B3}"/>
+                </a:ext>
+              </a:extLst>
+            </p:cNvPr>
+            <p:cNvSpPr/>
+            <p:nvPr/>
+          </p:nvSpPr>
+          <p:spPr>
+            <a:xfrm>
+              <a:off x="4123311" y="2828069"/>
+              <a:ext cx="1219192" cy="430887"/>
+            </a:xfrm>
+            <a:prstGeom prst="rect">
+              <a:avLst/>
+            </a:prstGeom>
+          </p:spPr>
+          <p:txBody>
+            <a:bodyPr wrap="square">
+              <a:spAutoFit/>
+            </a:bodyPr>
+            <a:lstStyle/>
+            <a:p>
+              <a:pPr algn="ctr"/>
+              <a:r>
+                <a:rPr lang="pt-PT" sz="1100" dirty="0">
+                  <a:solidFill>
+                    <a:schemeClr val="accent1">
+                      <a:lumMod val="50000"/>
+                    </a:schemeClr>
+                  </a:solidFill>
+                  <a:latin typeface="Consolas" panose="020B0609020204030204" pitchFamily="49" charset="0"/>
+                </a:rPr>
+                <a:t>6 de fev. quarta-feira</a:t>
+              </a:r>
+            </a:p>
+          </p:txBody>
+        </p:sp>
+        <p:sp>
+          <p:nvSpPr>
+            <p:cNvPr id="51" name="Retângulo 50">
+              <a:extLst>
+                <a:ext uri="{FF2B5EF4-FFF2-40B4-BE49-F238E27FC236}">
+                  <a16:creationId xmlns:a16="http://schemas.microsoft.com/office/drawing/2014/main" id="{920C5B30-ADED-4BAD-A250-A48E35CC3BF5}"/>
+                </a:ext>
+              </a:extLst>
+            </p:cNvPr>
+            <p:cNvSpPr/>
+            <p:nvPr/>
+          </p:nvSpPr>
+          <p:spPr>
+            <a:xfrm>
+              <a:off x="5513889" y="2885799"/>
+              <a:ext cx="569387" cy="261610"/>
+            </a:xfrm>
+            <a:prstGeom prst="rect">
+              <a:avLst/>
+            </a:prstGeom>
+          </p:spPr>
+          <p:txBody>
+            <a:bodyPr wrap="none">
+              <a:spAutoFit/>
+            </a:bodyPr>
+            <a:lstStyle/>
+            <a:p>
+              <a:pPr algn="ctr"/>
+              <a:r>
+                <a:rPr lang="pt-PT" sz="1100" dirty="0">
+                  <a:solidFill>
+                    <a:srgbClr val="254061"/>
+                  </a:solidFill>
+                  <a:latin typeface="Consolas" panose="020B0609020204030204" pitchFamily="49" charset="0"/>
+                </a:rPr>
+                <a:t>21:00</a:t>
+              </a:r>
+            </a:p>
+          </p:txBody>
+        </p:sp>
+        <p:sp>
+          <p:nvSpPr>
+            <p:cNvPr id="52" name="Retângulo 51">
+              <a:extLst>
+                <a:ext uri="{FF2B5EF4-FFF2-40B4-BE49-F238E27FC236}">
+                  <a16:creationId xmlns:a16="http://schemas.microsoft.com/office/drawing/2014/main" id="{70A871B5-B578-419A-B3D9-15D7A42ED3BA}"/>
+                </a:ext>
+              </a:extLst>
+            </p:cNvPr>
+            <p:cNvSpPr/>
+            <p:nvPr/>
+          </p:nvSpPr>
+          <p:spPr>
+            <a:xfrm>
+              <a:off x="6637751" y="2882348"/>
+              <a:ext cx="569387" cy="261610"/>
+            </a:xfrm>
+            <a:prstGeom prst="rect">
+              <a:avLst/>
+            </a:prstGeom>
+          </p:spPr>
+          <p:txBody>
+            <a:bodyPr wrap="none">
+              <a:spAutoFit/>
+            </a:bodyPr>
+            <a:lstStyle/>
+            <a:p>
+              <a:r>
+                <a:rPr lang="pt-PT" sz="1100" dirty="0">
+                  <a:solidFill>
+                    <a:srgbClr val="254061"/>
+                  </a:solidFill>
+                  <a:latin typeface="Consolas" panose="020B0609020204030204" pitchFamily="49" charset="0"/>
+                </a:rPr>
+                <a:t>00:00</a:t>
+              </a:r>
+            </a:p>
+          </p:txBody>
+        </p:sp>
+      </p:grpSp>
+    </p:spTree>
+    <p:extLst>
+      <p:ext uri="{BB962C8B-B14F-4D97-AF65-F5344CB8AC3E}">
+        <p14:creationId xmlns:p14="http://schemas.microsoft.com/office/powerpoint/2010/main" val="56525184"/>
+      </p:ext>
+    </p:extLst>
+  </p:cSld>
+  <p:clrMapOvr>
+    <a:masterClrMapping/>
+  </p:clrMapOvr>
+  <mc:AlternateContent xmlns:mc="http://schemas.openxmlformats.org/markup-compatibility/2006" xmlns:p14="http://schemas.microsoft.com/office/powerpoint/2010/main">
+    <mc:Choice Requires="p14">
+      <p:transition spd="med" p14:dur="700">
+        <p:fade/>
+      </p:transition>
+    </mc:Choice>
+    <mc:Fallback xmlns="">
+      <p:transition spd="med">
+        <p:fade/>
+      </p:transition>
+    </mc:Fallback>
+  </mc:AlternateContent>
+</p:sld>
+</file>
+
+<file path=ppt/slides/slide19.xml><?xml version="1.0" encoding="utf-8"?>
+<p:sld xmlns:a="http://schemas.openxmlformats.org/drawingml/2006/main" xmlns:r="http://schemas.openxmlformats.org/officeDocument/2006/relationships" xmlns:p="http://schemas.openxmlformats.org/presentationml/2006/main">
+  <p:cSld>
+    <p:spTree>
+      <p:nvGrpSpPr>
+        <p:cNvPr id="1" name=""/>
+        <p:cNvGrpSpPr/>
+        <p:nvPr/>
+      </p:nvGrpSpPr>
+      <p:grpSpPr>
+        <a:xfrm>
+          <a:off x="0" y="0"/>
+          <a:ext cx="0" cy="0"/>
+          <a:chOff x="0" y="0"/>
+          <a:chExt cx="0" cy="0"/>
+        </a:xfrm>
+      </p:grpSpPr>
+      <p:sp>
+        <p:nvSpPr>
+          <p:cNvPr id="2" name="object 2"/>
+          <p:cNvSpPr/>
+          <p:nvPr/>
+        </p:nvSpPr>
+        <p:spPr>
+          <a:xfrm>
+            <a:off x="0" y="0"/>
+            <a:ext cx="9144000" cy="6858000"/>
+          </a:xfrm>
+          <a:custGeom>
+            <a:avLst/>
+            <a:gdLst/>
+            <a:ahLst/>
+            <a:cxnLst/>
+            <a:rect l="l" t="t" r="r" b="b"/>
+            <a:pathLst>
+              <a:path w="9144000" h="6858000">
+                <a:moveTo>
+                  <a:pt x="0" y="6857995"/>
+                </a:moveTo>
+                <a:lnTo>
+                  <a:pt x="9144000" y="6857995"/>
+                </a:lnTo>
+                <a:lnTo>
+                  <a:pt x="9144000" y="0"/>
+                </a:lnTo>
+                <a:lnTo>
+                  <a:pt x="0" y="0"/>
+                </a:lnTo>
+                <a:lnTo>
+                  <a:pt x="0" y="6857995"/>
+                </a:lnTo>
+                <a:close/>
+              </a:path>
+            </a:pathLst>
+          </a:custGeom>
+          <a:solidFill>
+            <a:srgbClr val="38505F"/>
+          </a:solidFill>
+        </p:spPr>
+        <p:txBody>
+          <a:bodyPr wrap="square" lIns="0" tIns="0" rIns="0" bIns="0" rtlCol="0"/>
+          <a:lstStyle/>
+          <a:p>
+            <a:endParaRPr dirty="0"/>
+          </a:p>
+        </p:txBody>
+      </p:sp>
+      <p:sp>
+        <p:nvSpPr>
+          <p:cNvPr id="8" name="Retângulo: Cantos Arredondados 7">
+            <a:extLst>
+              <a:ext uri="{FF2B5EF4-FFF2-40B4-BE49-F238E27FC236}">
+                <a16:creationId xmlns:a16="http://schemas.microsoft.com/office/drawing/2014/main" id="{3C45E504-FB1A-48F4-A766-975714195E17}"/>
+              </a:ext>
+            </a:extLst>
+          </p:cNvPr>
+          <p:cNvSpPr/>
+          <p:nvPr/>
+        </p:nvSpPr>
+        <p:spPr>
+          <a:xfrm>
+            <a:off x="419100" y="932296"/>
+            <a:ext cx="8420100" cy="5392304"/>
+          </a:xfrm>
+          <a:prstGeom prst="roundRect">
+            <a:avLst/>
+          </a:prstGeom>
+          <a:solidFill>
+            <a:srgbClr val="DDDDDD"/>
+          </a:solidFill>
+          <a:ln>
+            <a:solidFill>
+              <a:srgbClr val="DDDDDD"/>
+            </a:solidFill>
+          </a:ln>
+        </p:spPr>
+        <p:style>
+          <a:lnRef idx="2">
+            <a:schemeClr val="accent1">
+              <a:shade val="50000"/>
+            </a:schemeClr>
+          </a:lnRef>
+          <a:fillRef idx="1">
+            <a:schemeClr val="accent1"/>
+          </a:fillRef>
+          <a:effectRef idx="0">
+            <a:schemeClr val="accent1"/>
+          </a:effectRef>
+          <a:fontRef idx="minor">
+            <a:schemeClr val="lt1"/>
+          </a:fontRef>
+        </p:style>
+        <p:txBody>
+          <a:bodyPr rtlCol="0" anchor="ctr"/>
+          <a:lstStyle/>
+          <a:p>
+            <a:pPr algn="ctr"/>
+            <a:endParaRPr lang="pt-PT" dirty="0"/>
+          </a:p>
+        </p:txBody>
+      </p:sp>
+      <p:sp>
+        <p:nvSpPr>
+          <p:cNvPr id="7" name="CaixaDeTexto 6">
+            <a:extLst>
+              <a:ext uri="{FF2B5EF4-FFF2-40B4-BE49-F238E27FC236}">
+                <a16:creationId xmlns:a16="http://schemas.microsoft.com/office/drawing/2014/main" id="{84725617-FF18-4130-A845-0C3F25166607}"/>
+              </a:ext>
+            </a:extLst>
+          </p:cNvPr>
+          <p:cNvSpPr txBox="1"/>
+          <p:nvPr/>
+        </p:nvSpPr>
+        <p:spPr>
+          <a:xfrm>
+            <a:off x="361950" y="3276600"/>
+            <a:ext cx="8477250" cy="523220"/>
+          </a:xfrm>
+          <a:prstGeom prst="rect">
+            <a:avLst/>
+          </a:prstGeom>
+          <a:noFill/>
+        </p:spPr>
+        <p:txBody>
+          <a:bodyPr wrap="square" rtlCol="0" anchor="ctr">
+            <a:spAutoFit/>
+          </a:bodyPr>
+          <a:lstStyle/>
+          <a:p>
+            <a:pPr algn="ctr"/>
+            <a:r>
+              <a:rPr lang="pt-PT" sz="2800" dirty="0">
+                <a:solidFill>
+                  <a:srgbClr val="00B050"/>
+                </a:solidFill>
+                <a:latin typeface="Consolas" panose="020B0609020204030204" pitchFamily="49" charset="0"/>
+                <a:cs typeface="Arial" panose="020B0604020202020204" pitchFamily="34" charset="0"/>
+              </a:rPr>
+              <a:t>“Rally das Tascas </a:t>
+            </a:r>
+            <a:r>
+              <a:rPr lang="pt-PT" sz="2800" dirty="0">
+                <a:solidFill>
+                  <a:srgbClr val="C00000"/>
+                </a:solidFill>
+                <a:latin typeface="Consolas" panose="020B0609020204030204" pitchFamily="49" charset="0"/>
+                <a:cs typeface="Arial" panose="020B0604020202020204" pitchFamily="34" charset="0"/>
+              </a:rPr>
+              <a:t>onde</a:t>
+            </a:r>
+            <a:r>
+              <a:rPr lang="pt-PT" sz="2800" dirty="0">
+                <a:solidFill>
+                  <a:srgbClr val="00B050"/>
+                </a:solidFill>
+                <a:latin typeface="Consolas" panose="020B0609020204030204" pitchFamily="49" charset="0"/>
+                <a:cs typeface="Arial" panose="020B0604020202020204" pitchFamily="34" charset="0"/>
+              </a:rPr>
+              <a:t>”</a:t>
+            </a:r>
+          </a:p>
+        </p:txBody>
+      </p:sp>
+      <p:pic>
+        <p:nvPicPr>
+          <p:cNvPr id="14" name="Imagem 13">
+            <a:extLst>
+              <a:ext uri="{FF2B5EF4-FFF2-40B4-BE49-F238E27FC236}">
+                <a16:creationId xmlns:a16="http://schemas.microsoft.com/office/drawing/2014/main" id="{FB20CB1E-E90C-4757-BE49-959662789E67}"/>
+              </a:ext>
+            </a:extLst>
+          </p:cNvPr>
+          <p:cNvPicPr>
+            <a:picLocks noChangeAspect="1"/>
+          </p:cNvPicPr>
+          <p:nvPr/>
+        </p:nvPicPr>
+        <p:blipFill rotWithShape="1">
+          <a:blip r:embed="rId3">
+            <a:extLst>
+              <a:ext uri="{BEBA8EAE-BF5A-486C-A8C5-ECC9F3942E4B}">
+                <a14:imgProps xmlns:a14="http://schemas.microsoft.com/office/drawing/2010/main">
+                  <a14:imgLayer r:embed="rId4">
+                    <a14:imgEffect>
+                      <a14:backgroundRemoval t="4348" b="96377" l="9804" r="89216">
+                        <a14:foregroundMark x1="42327" y1="69077" x2="32353" y2="34058"/>
+                        <a14:foregroundMark x1="42896" y1="71074" x2="42719" y2="70452"/>
+                        <a14:foregroundMark x1="44280" y1="75933" x2="43980" y2="74878"/>
+                        <a14:foregroundMark x1="46078" y1="82246" x2="45495" y2="80198"/>
+                        <a14:foregroundMark x1="59321" y1="76635" x2="59774" y2="76294"/>
+                        <a14:foregroundMark x1="47059" y1="85870" x2="57454" y2="78041"/>
+                        <a14:foregroundMark x1="77585" y1="54932" x2="79085" y2="52899"/>
+                        <a14:foregroundMark x1="67413" y1="68715" x2="75327" y2="57991"/>
+                        <a14:foregroundMark x1="60784" y1="87319" x2="50327" y2="90217"/>
+                        <a14:foregroundMark x1="50327" y1="90217" x2="34009" y2="88071"/>
+                        <a14:foregroundMark x1="39542" y1="87681" x2="51634" y2="89493"/>
+                        <a14:foregroundMark x1="51634" y1="89493" x2="60131" y2="86957"/>
+                        <a14:foregroundMark x1="60131" y1="86957" x2="63072" y2="84058"/>
+                        <a14:foregroundMark x1="63072" y1="85870" x2="54902" y2="91667"/>
+                        <a14:foregroundMark x1="54902" y1="91667" x2="43137" y2="92029"/>
+                        <a14:foregroundMark x1="42157" y1="92391" x2="51634" y2="93116"/>
+                        <a14:foregroundMark x1="51634" y1="93116" x2="55556" y2="92029"/>
+                        <a14:foregroundMark x1="54902" y1="93841" x2="46405" y2="94928"/>
+                        <a14:foregroundMark x1="24749" y1="62028" x2="27778" y2="37681"/>
+                        <a14:foregroundMark x1="27778" y1="37681" x2="30392" y2="34058"/>
+                        <a14:foregroundMark x1="34448" y1="69561" x2="37908" y2="41304"/>
+                        <a14:foregroundMark x1="49520" y1="69784" x2="52614" y2="55797"/>
+                        <a14:foregroundMark x1="59125" y1="68788" x2="60131" y2="56522"/>
+                        <a14:foregroundMark x1="66018" y1="68736" x2="68627" y2="53986"/>
+                        <a14:foregroundMark x1="71518" y1="65483" x2="71242" y2="51087"/>
+                        <a14:foregroundMark x1="70588" y1="60507" x2="70588" y2="43478"/>
+                        <a14:foregroundMark x1="69935" y1="39130" x2="66667" y2="29710"/>
+                        <a14:foregroundMark x1="66667" y1="29710" x2="57516" y2="26449"/>
+                        <a14:foregroundMark x1="57516" y1="26449" x2="36601" y2="28623"/>
+                        <a14:foregroundMark x1="36601" y1="28623" x2="33660" y2="30797"/>
+                        <a14:foregroundMark x1="48366" y1="7971" x2="49346" y2="13406"/>
+                        <a14:foregroundMark x1="49346" y1="7971" x2="49346" y2="12319"/>
+                        <a14:foregroundMark x1="48693" y1="8696" x2="49346" y2="12681"/>
+                        <a14:foregroundMark x1="50000" y1="8333" x2="51307" y2="11957"/>
+                        <a14:foregroundMark x1="50654" y1="8333" x2="49673" y2="13043"/>
+                        <a14:foregroundMark x1="48693" y1="7609" x2="49020" y2="12681"/>
+                        <a14:foregroundMark x1="49020" y1="10145" x2="49020" y2="4710"/>
+                        <a14:foregroundMark x1="18627" y1="50362" x2="27124" y2="50000"/>
+                        <a14:foregroundMark x1="47386" y1="93478" x2="50000" y2="94928"/>
+                        <a14:foregroundMark x1="45752" y1="96377" x2="51634" y2="95290"/>
+                        <a14:foregroundMark x1="51634" y1="94928" x2="51634" y2="94928"/>
+                        <a14:backgroundMark x1="14379" y1="11957" x2="11111" y2="54348"/>
+                        <a14:backgroundMark x1="17647" y1="77174" x2="25163" y2="76812"/>
+                        <a14:backgroundMark x1="24837" y1="71014" x2="22876" y2="84058"/>
+                        <a14:backgroundMark x1="22876" y1="84058" x2="22222" y2="85507"/>
+                        <a14:backgroundMark x1="20261" y1="65217" x2="23856" y2="77174"/>
+                        <a14:backgroundMark x1="23856" y1="77174" x2="30719" y2="75362"/>
+                        <a14:backgroundMark x1="73856" y1="74638" x2="78105" y2="73551"/>
+                        <a14:backgroundMark x1="76144" y1="72101" x2="77778" y2="75362"/>
+                        <a14:backgroundMark x1="72549" y1="75000" x2="76144" y2="77899"/>
+                        <a14:backgroundMark x1="72222" y1="75725" x2="75817" y2="79710"/>
+                        <a14:backgroundMark x1="72222" y1="74638" x2="75817" y2="77536"/>
+                        <a14:backgroundMark x1="71569" y1="74638" x2="76144" y2="76812"/>
+                        <a14:backgroundMark x1="72876" y1="74638" x2="77124" y2="76449"/>
+                        <a14:backgroundMark x1="80719" y1="61957" x2="80065" y2="74638"/>
+                        <a14:backgroundMark x1="80065" y1="74638" x2="71569" y2="86957"/>
+                        <a14:backgroundMark x1="19935" y1="75000" x2="31373" y2="75000"/>
+                        <a14:backgroundMark x1="31373" y1="75000" x2="36275" y2="73913"/>
+                        <a14:backgroundMark x1="63072" y1="73913" x2="74183" y2="73913"/>
+                        <a14:backgroundMark x1="74183" y1="73913" x2="76797" y2="73188"/>
+                        <a14:backgroundMark x1="76797" y1="66667" x2="74183" y2="80797"/>
+                        <a14:backgroundMark x1="17320" y1="60870" x2="18954" y2="74275"/>
+                        <a14:backgroundMark x1="18954" y1="74275" x2="23856" y2="85145"/>
+                        <a14:backgroundMark x1="23856" y1="85145" x2="27778" y2="87319"/>
+                        <a14:backgroundMark x1="17320" y1="59420" x2="18627" y2="61232"/>
+                        <a14:backgroundMark x1="16667" y1="60870" x2="18301" y2="62319"/>
+                        <a14:backgroundMark x1="17320" y1="59058" x2="17974" y2="61594"/>
+                        <a14:backgroundMark x1="27778" y1="86232" x2="26797" y2="91667"/>
+                        <a14:backgroundMark x1="28105" y1="87319" x2="28105" y2="91667"/>
+                        <a14:backgroundMark x1="69935" y1="85507" x2="70588" y2="94928"/>
+                        <a14:backgroundMark x1="28105" y1="86594" x2="29085" y2="92391"/>
+                        <a14:backgroundMark x1="16013" y1="57609" x2="19935" y2="60870"/>
+                        <a14:backgroundMark x1="24183" y1="62319" x2="26144" y2="66667"/>
+                        <a14:backgroundMark x1="67974" y1="71377" x2="61765" y2="73913"/>
+                        <a14:backgroundMark x1="62418" y1="74638" x2="58824" y2="74638"/>
+                        <a14:backgroundMark x1="58497" y1="75000" x2="55556" y2="74275"/>
+                        <a14:backgroundMark x1="37908" y1="74275" x2="40523" y2="74275"/>
+                        <a14:backgroundMark x1="40850" y1="74638" x2="44118" y2="74638"/>
+                        <a14:backgroundMark x1="45098" y1="74638" x2="47386" y2="75000"/>
+                        <a14:backgroundMark x1="48366" y1="75000" x2="49673" y2="75000"/>
+                        <a14:backgroundMark x1="48693" y1="74275" x2="49020" y2="74275"/>
+                        <a14:backgroundMark x1="47386" y1="74275" x2="49020" y2="74275"/>
+                        <a14:backgroundMark x1="78758" y1="61594" x2="82680" y2="59783"/>
+                        <a14:backgroundMark x1="81373" y1="58696" x2="79739" y2="60145"/>
+                        <a14:backgroundMark x1="81373" y1="58696" x2="78758" y2="61232"/>
+                      </a14:backgroundRemoval>
+                    </a14:imgEffect>
+                  </a14:imgLayer>
+                </a14:imgProps>
+              </a:ext>
+            </a:extLst>
+          </a:blip>
+          <a:srcRect l="12176" r="12062"/>
+          <a:stretch/>
+        </p:blipFill>
+        <p:spPr>
+          <a:xfrm>
+            <a:off x="2209800" y="1312157"/>
+            <a:ext cx="752227" cy="895545"/>
+          </a:xfrm>
+          <a:prstGeom prst="rect">
+            <a:avLst/>
+          </a:prstGeom>
+        </p:spPr>
+      </p:pic>
+      <p:sp>
+        <p:nvSpPr>
+          <p:cNvPr id="45" name="CaixaDeTexto 44">
+            <a:extLst>
+              <a:ext uri="{FF2B5EF4-FFF2-40B4-BE49-F238E27FC236}">
+                <a16:creationId xmlns:a16="http://schemas.microsoft.com/office/drawing/2014/main" id="{4656957C-6200-4371-9D49-1E125A611C4D}"/>
+              </a:ext>
+            </a:extLst>
+          </p:cNvPr>
+          <p:cNvSpPr txBox="1"/>
+          <p:nvPr/>
+        </p:nvSpPr>
+        <p:spPr>
+          <a:xfrm>
+            <a:off x="1842963" y="2173069"/>
+            <a:ext cx="1485900" cy="646331"/>
+          </a:xfrm>
+          <a:prstGeom prst="rect">
+            <a:avLst/>
+          </a:prstGeom>
+          <a:noFill/>
+        </p:spPr>
+        <p:txBody>
+          <a:bodyPr wrap="square" rtlCol="0" anchor="ctr">
+            <a:spAutoFit/>
+          </a:bodyPr>
+          <a:lstStyle/>
+          <a:p>
+            <a:pPr algn="ctr"/>
+            <a:r>
+              <a:rPr lang="pt-PT" dirty="0">
+                <a:solidFill>
+                  <a:schemeClr val="accent1">
+                    <a:lumMod val="50000"/>
+                  </a:schemeClr>
+                </a:solidFill>
+                <a:latin typeface="Consolas" panose="020B0609020204030204" pitchFamily="49" charset="0"/>
+                <a:cs typeface="Arial" panose="020B0604020202020204" pitchFamily="34" charset="0"/>
+              </a:rPr>
+              <a:t>Bot2</a:t>
+            </a:r>
+          </a:p>
+          <a:p>
+            <a:pPr algn="ctr"/>
+            <a:r>
+              <a:rPr lang="pt-PT" b="1" dirty="0">
+                <a:solidFill>
+                  <a:schemeClr val="accent1">
+                    <a:lumMod val="50000"/>
+                  </a:schemeClr>
+                </a:solidFill>
+                <a:latin typeface="Consolas" panose="020B0609020204030204" pitchFamily="49" charset="0"/>
+                <a:cs typeface="Arial" panose="020B0604020202020204" pitchFamily="34" charset="0"/>
+              </a:rPr>
+              <a:t>Agenda SEI</a:t>
+            </a:r>
+          </a:p>
+        </p:txBody>
+      </p:sp>
+      <p:sp>
+        <p:nvSpPr>
+          <p:cNvPr id="23" name="Retângulo 22">
+            <a:extLst>
+              <a:ext uri="{FF2B5EF4-FFF2-40B4-BE49-F238E27FC236}">
+                <a16:creationId xmlns:a16="http://schemas.microsoft.com/office/drawing/2014/main" id="{F6C4C90B-38D1-454E-A513-F8CE1579BF09}"/>
+              </a:ext>
+            </a:extLst>
+          </p:cNvPr>
+          <p:cNvSpPr/>
+          <p:nvPr/>
+        </p:nvSpPr>
+        <p:spPr>
+          <a:xfrm>
+            <a:off x="3962400" y="1694393"/>
+            <a:ext cx="3429000" cy="784830"/>
+          </a:xfrm>
+          <a:prstGeom prst="rect">
+            <a:avLst/>
+          </a:prstGeom>
+        </p:spPr>
+        <p:txBody>
+          <a:bodyPr wrap="square">
+            <a:spAutoFit/>
+          </a:bodyPr>
+          <a:lstStyle/>
+          <a:p>
+            <a:pPr lvl="0"/>
+            <a:r>
+              <a:rPr lang="pt-PT" sz="1500" dirty="0">
+                <a:solidFill>
+                  <a:srgbClr val="488ED4"/>
+                </a:solidFill>
+                <a:latin typeface="Consolas" panose="020B0609020204030204" pitchFamily="49" charset="0"/>
+                <a:cs typeface="Arial" panose="020B0604020202020204" pitchFamily="34" charset="0"/>
+              </a:rPr>
+              <a:t>CREATE</a:t>
+            </a:r>
+            <a:r>
+              <a:rPr lang="pt-PT" sz="1500" dirty="0">
+                <a:solidFill>
+                  <a:prstClr val="black"/>
+                </a:solidFill>
+                <a:latin typeface="Consolas" panose="020B0609020204030204" pitchFamily="49" charset="0"/>
+                <a:cs typeface="Arial" panose="020B0604020202020204" pitchFamily="34" charset="0"/>
+              </a:rPr>
+              <a:t> </a:t>
+            </a:r>
+            <a:r>
+              <a:rPr lang="pt-PT" sz="1500" dirty="0" err="1">
+                <a:solidFill>
+                  <a:prstClr val="black"/>
+                </a:solidFill>
+                <a:latin typeface="Consolas" panose="020B0609020204030204" pitchFamily="49" charset="0"/>
+                <a:cs typeface="Arial" panose="020B0604020202020204" pitchFamily="34" charset="0"/>
+              </a:rPr>
+              <a:t>bot_csv</a:t>
+            </a:r>
+            <a:r>
+              <a:rPr lang="pt-PT" sz="1500" dirty="0">
+                <a:solidFill>
+                  <a:prstClr val="black"/>
+                </a:solidFill>
+                <a:latin typeface="Consolas" panose="020B0609020204030204" pitchFamily="49" charset="0"/>
+                <a:cs typeface="Arial" panose="020B0604020202020204" pitchFamily="34" charset="0"/>
+              </a:rPr>
+              <a:t> </a:t>
+            </a:r>
+          </a:p>
+          <a:p>
+            <a:pPr lvl="0"/>
+            <a:r>
+              <a:rPr lang="pt-PT" sz="1500" dirty="0">
+                <a:solidFill>
+                  <a:srgbClr val="C85C57"/>
+                </a:solidFill>
+                <a:latin typeface="Consolas" panose="020B0609020204030204" pitchFamily="49" charset="0"/>
+                <a:cs typeface="Arial" panose="020B0604020202020204" pitchFamily="34" charset="0"/>
+              </a:rPr>
+              <a:t>WITH</a:t>
+            </a:r>
+            <a:r>
+              <a:rPr lang="pt-PT" sz="1500" dirty="0">
+                <a:solidFill>
+                  <a:srgbClr val="488ED4"/>
+                </a:solidFill>
+                <a:latin typeface="Consolas" panose="020B0609020204030204" pitchFamily="49" charset="0"/>
+                <a:cs typeface="Arial" panose="020B0604020202020204" pitchFamily="34" charset="0"/>
+              </a:rPr>
+              <a:t> </a:t>
+            </a:r>
+            <a:r>
+              <a:rPr lang="pt-PT" sz="1500" dirty="0" err="1">
+                <a:solidFill>
+                  <a:prstClr val="black"/>
+                </a:solidFill>
+                <a:latin typeface="Consolas" panose="020B0609020204030204" pitchFamily="49" charset="0"/>
+                <a:cs typeface="Arial" panose="020B0604020202020204" pitchFamily="34" charset="0"/>
+              </a:rPr>
+              <a:t>agenda_SEI_schema.json</a:t>
+            </a:r>
+            <a:r>
+              <a:rPr lang="pt-PT" sz="1500" dirty="0">
+                <a:solidFill>
+                  <a:srgbClr val="488ED4"/>
+                </a:solidFill>
+                <a:latin typeface="Consolas" panose="020B0609020204030204" pitchFamily="49" charset="0"/>
+                <a:cs typeface="Arial" panose="020B0604020202020204" pitchFamily="34" charset="0"/>
+              </a:rPr>
+              <a:t> </a:t>
+            </a:r>
+          </a:p>
+          <a:p>
+            <a:pPr lvl="0"/>
+            <a:r>
+              <a:rPr lang="pt-PT" sz="1500" dirty="0">
+                <a:solidFill>
+                  <a:srgbClr val="00B050"/>
+                </a:solidFill>
+                <a:latin typeface="Consolas" panose="020B0609020204030204" pitchFamily="49" charset="0"/>
+                <a:cs typeface="Arial" panose="020B0604020202020204" pitchFamily="34" charset="0"/>
+              </a:rPr>
+              <a:t>FROM</a:t>
+            </a:r>
+            <a:r>
+              <a:rPr lang="pt-PT" sz="1500" dirty="0">
+                <a:solidFill>
+                  <a:srgbClr val="488ED4"/>
+                </a:solidFill>
+                <a:latin typeface="Consolas" panose="020B0609020204030204" pitchFamily="49" charset="0"/>
+                <a:cs typeface="Arial" panose="020B0604020202020204" pitchFamily="34" charset="0"/>
+              </a:rPr>
+              <a:t> </a:t>
+            </a:r>
+            <a:r>
+              <a:rPr lang="pt-PT" sz="1500" dirty="0">
+                <a:solidFill>
+                  <a:prstClr val="black"/>
+                </a:solidFill>
+                <a:latin typeface="Consolas" panose="020B0609020204030204" pitchFamily="49" charset="0"/>
+                <a:cs typeface="Arial" panose="020B0604020202020204" pitchFamily="34" charset="0"/>
+              </a:rPr>
+              <a:t>agenda_SEI.csv</a:t>
+            </a:r>
+          </a:p>
+        </p:txBody>
+      </p:sp>
+      <p:cxnSp>
+        <p:nvCxnSpPr>
+          <p:cNvPr id="24" name="Conexão reta 23">
+            <a:extLst>
+              <a:ext uri="{FF2B5EF4-FFF2-40B4-BE49-F238E27FC236}">
+                <a16:creationId xmlns:a16="http://schemas.microsoft.com/office/drawing/2014/main" id="{6245EF25-CBCC-40B7-B0E6-014B8DAF64D4}"/>
+              </a:ext>
+            </a:extLst>
+          </p:cNvPr>
+          <p:cNvCxnSpPr>
+            <a:cxnSpLocks/>
+          </p:cNvCxnSpPr>
+          <p:nvPr/>
+        </p:nvCxnSpPr>
+        <p:spPr>
+          <a:xfrm>
+            <a:off x="3767429" y="1641767"/>
+            <a:ext cx="3547771" cy="0"/>
+          </a:xfrm>
+          <a:prstGeom prst="line">
+            <a:avLst/>
+          </a:prstGeom>
+          <a:ln w="19050"/>
+        </p:spPr>
+        <p:style>
+          <a:lnRef idx="1">
+            <a:schemeClr val="accent1"/>
+          </a:lnRef>
+          <a:fillRef idx="0">
+            <a:schemeClr val="accent1"/>
+          </a:fillRef>
+          <a:effectRef idx="0">
+            <a:schemeClr val="accent1"/>
+          </a:effectRef>
+          <a:fontRef idx="minor">
+            <a:schemeClr val="tx1"/>
+          </a:fontRef>
+        </p:style>
+      </p:cxnSp>
+      <p:cxnSp>
+        <p:nvCxnSpPr>
+          <p:cNvPr id="30" name="Conexão reta 29">
+            <a:extLst>
+              <a:ext uri="{FF2B5EF4-FFF2-40B4-BE49-F238E27FC236}">
+                <a16:creationId xmlns:a16="http://schemas.microsoft.com/office/drawing/2014/main" id="{4DA85C04-D9FA-44B7-9360-8C3625ABB9DF}"/>
+              </a:ext>
+            </a:extLst>
+          </p:cNvPr>
+          <p:cNvCxnSpPr>
+            <a:cxnSpLocks/>
+          </p:cNvCxnSpPr>
+          <p:nvPr/>
+        </p:nvCxnSpPr>
+        <p:spPr>
+          <a:xfrm>
+            <a:off x="3767429" y="2556167"/>
+            <a:ext cx="3547771" cy="0"/>
+          </a:xfrm>
+          <a:prstGeom prst="line">
+            <a:avLst/>
+          </a:prstGeom>
+          <a:ln w="19050"/>
+        </p:spPr>
+        <p:style>
+          <a:lnRef idx="1">
+            <a:schemeClr val="accent1"/>
+          </a:lnRef>
+          <a:fillRef idx="0">
+            <a:schemeClr val="accent1"/>
+          </a:fillRef>
+          <a:effectRef idx="0">
+            <a:schemeClr val="accent1"/>
+          </a:effectRef>
+          <a:fontRef idx="minor">
+            <a:schemeClr val="tx1"/>
+          </a:fontRef>
+        </p:style>
+      </p:cxnSp>
+      <p:sp>
+        <p:nvSpPr>
+          <p:cNvPr id="32" name="Parêntese direito 31">
+            <a:extLst>
+              <a:ext uri="{FF2B5EF4-FFF2-40B4-BE49-F238E27FC236}">
+                <a16:creationId xmlns:a16="http://schemas.microsoft.com/office/drawing/2014/main" id="{621DF0D2-38E3-4DFB-AE69-A1CA17AAD67A}"/>
+              </a:ext>
+            </a:extLst>
+          </p:cNvPr>
+          <p:cNvSpPr/>
+          <p:nvPr/>
+        </p:nvSpPr>
+        <p:spPr>
+          <a:xfrm rot="5400000">
+            <a:off x="6133483" y="3360748"/>
+            <a:ext cx="176869" cy="814965"/>
+          </a:xfrm>
+          <a:prstGeom prst="rightBracket">
+            <a:avLst/>
+          </a:prstGeom>
+          <a:ln w="19050"/>
+        </p:spPr>
+        <p:style>
+          <a:lnRef idx="1">
+            <a:schemeClr val="accent1"/>
+          </a:lnRef>
+          <a:fillRef idx="0">
+            <a:schemeClr val="accent1"/>
+          </a:fillRef>
+          <a:effectRef idx="0">
+            <a:schemeClr val="accent1"/>
+          </a:effectRef>
+          <a:fontRef idx="minor">
+            <a:schemeClr val="tx1"/>
+          </a:fontRef>
+        </p:style>
+        <p:txBody>
+          <a:bodyPr rtlCol="0" anchor="ctr"/>
+          <a:lstStyle/>
+          <a:p>
+            <a:pPr algn="ctr"/>
+            <a:endParaRPr lang="pt-PT"/>
+          </a:p>
+        </p:txBody>
+      </p:sp>
+      <p:sp>
+        <p:nvSpPr>
+          <p:cNvPr id="37" name="Parêntese direito 36">
+            <a:extLst>
+              <a:ext uri="{FF2B5EF4-FFF2-40B4-BE49-F238E27FC236}">
+                <a16:creationId xmlns:a16="http://schemas.microsoft.com/office/drawing/2014/main" id="{9F36CC8E-DC30-478E-B5A6-5807BB41472E}"/>
+              </a:ext>
+            </a:extLst>
+          </p:cNvPr>
+          <p:cNvSpPr/>
+          <p:nvPr/>
+        </p:nvSpPr>
+        <p:spPr>
+          <a:xfrm rot="5400000">
+            <a:off x="3980553" y="2210360"/>
+            <a:ext cx="192294" cy="3124200"/>
+          </a:xfrm>
+          <a:prstGeom prst="rightBracket">
+            <a:avLst/>
+          </a:prstGeom>
+          <a:ln w="19050"/>
+        </p:spPr>
+        <p:style>
+          <a:lnRef idx="1">
+            <a:schemeClr val="accent1"/>
+          </a:lnRef>
+          <a:fillRef idx="0">
+            <a:schemeClr val="accent1"/>
+          </a:fillRef>
+          <a:effectRef idx="0">
+            <a:schemeClr val="accent1"/>
+          </a:effectRef>
+          <a:fontRef idx="minor">
+            <a:schemeClr val="tx1"/>
+          </a:fontRef>
+        </p:style>
+        <p:txBody>
+          <a:bodyPr rtlCol="0" anchor="ctr"/>
+          <a:lstStyle/>
+          <a:p>
+            <a:pPr algn="ctr"/>
+            <a:endParaRPr lang="pt-PT"/>
+          </a:p>
+        </p:txBody>
+      </p:sp>
+      <p:sp>
+        <p:nvSpPr>
+          <p:cNvPr id="18" name="CaixaDeTexto 17">
+            <a:extLst>
+              <a:ext uri="{FF2B5EF4-FFF2-40B4-BE49-F238E27FC236}">
+                <a16:creationId xmlns:a16="http://schemas.microsoft.com/office/drawing/2014/main" id="{43C190B6-581F-4A99-B98F-41A6A0969016}"/>
+              </a:ext>
+            </a:extLst>
+          </p:cNvPr>
+          <p:cNvSpPr txBox="1"/>
+          <p:nvPr/>
+        </p:nvSpPr>
+        <p:spPr>
+          <a:xfrm>
+            <a:off x="5486400" y="3856664"/>
+            <a:ext cx="1466850" cy="369332"/>
+          </a:xfrm>
+          <a:prstGeom prst="rect">
+            <a:avLst/>
+          </a:prstGeom>
+          <a:noFill/>
+        </p:spPr>
+        <p:txBody>
+          <a:bodyPr wrap="square" rtlCol="0" anchor="ctr">
+            <a:spAutoFit/>
+          </a:bodyPr>
+          <a:lstStyle/>
+          <a:p>
+            <a:pPr algn="ctr"/>
+            <a:r>
+              <a:rPr lang="pt-PT" dirty="0">
+                <a:solidFill>
+                  <a:schemeClr val="accent1">
+                    <a:lumMod val="50000"/>
+                  </a:schemeClr>
+                </a:solidFill>
+                <a:latin typeface="Consolas" panose="020B0609020204030204" pitchFamily="49" charset="0"/>
+                <a:cs typeface="Arial" panose="020B0604020202020204" pitchFamily="34" charset="0"/>
+              </a:rPr>
+              <a:t>temporal</a:t>
+            </a:r>
+          </a:p>
+        </p:txBody>
+      </p:sp>
+      <p:sp>
+        <p:nvSpPr>
+          <p:cNvPr id="19" name="CaixaDeTexto 18">
+            <a:extLst>
+              <a:ext uri="{FF2B5EF4-FFF2-40B4-BE49-F238E27FC236}">
+                <a16:creationId xmlns:a16="http://schemas.microsoft.com/office/drawing/2014/main" id="{83E81145-A781-40D9-8EBB-3217935445FC}"/>
+              </a:ext>
+            </a:extLst>
+          </p:cNvPr>
+          <p:cNvSpPr txBox="1"/>
+          <p:nvPr/>
+        </p:nvSpPr>
+        <p:spPr>
+          <a:xfrm>
+            <a:off x="2514599" y="3855708"/>
+            <a:ext cx="3124199" cy="369332"/>
+          </a:xfrm>
+          <a:prstGeom prst="rect">
+            <a:avLst/>
+          </a:prstGeom>
+          <a:noFill/>
+        </p:spPr>
+        <p:txBody>
+          <a:bodyPr wrap="square" rtlCol="0" anchor="ctr">
+            <a:spAutoFit/>
+          </a:bodyPr>
+          <a:lstStyle/>
+          <a:p>
+            <a:pPr algn="ctr"/>
+            <a:r>
+              <a:rPr lang="pt-PT" dirty="0">
+                <a:solidFill>
+                  <a:schemeClr val="accent1">
+                    <a:lumMod val="50000"/>
+                  </a:schemeClr>
+                </a:solidFill>
+                <a:latin typeface="Consolas" panose="020B0609020204030204" pitchFamily="49" charset="0"/>
+                <a:cs typeface="Arial" panose="020B0604020202020204" pitchFamily="34" charset="0"/>
+              </a:rPr>
+              <a:t>Atividade</a:t>
+            </a:r>
+          </a:p>
+        </p:txBody>
+      </p:sp>
+      <p:sp>
+        <p:nvSpPr>
+          <p:cNvPr id="20" name="object 2">
+            <a:extLst>
+              <a:ext uri="{FF2B5EF4-FFF2-40B4-BE49-F238E27FC236}">
+                <a16:creationId xmlns:a16="http://schemas.microsoft.com/office/drawing/2014/main" id="{56C6DBED-E3B0-4591-AFF6-E6C0A0B1EFBC}"/>
+              </a:ext>
+            </a:extLst>
+          </p:cNvPr>
+          <p:cNvSpPr txBox="1">
+            <a:spLocks noGrp="1"/>
+          </p:cNvSpPr>
+          <p:nvPr>
+            <p:ph type="title"/>
+          </p:nvPr>
+        </p:nvSpPr>
+        <p:spPr>
+          <a:xfrm>
+            <a:off x="3433762" y="235637"/>
+            <a:ext cx="2390775" cy="461023"/>
+          </a:xfrm>
+          <a:prstGeom prst="rect">
+            <a:avLst/>
+          </a:prstGeom>
+        </p:spPr>
+        <p:txBody>
+          <a:bodyPr vert="horz" wrap="square" lIns="0" tIns="14604" rIns="0" bIns="0" rtlCol="0">
+            <a:spAutoFit/>
+          </a:bodyPr>
+          <a:lstStyle/>
+          <a:p>
+            <a:pPr marL="12700" algn="l">
+              <a:lnSpc>
+                <a:spcPct val="100000"/>
+              </a:lnSpc>
+              <a:spcBef>
+                <a:spcPts val="114"/>
+              </a:spcBef>
+            </a:pPr>
+            <a:r>
+              <a:rPr lang="pt-PT" spc="-185" dirty="0">
+                <a:solidFill>
+                  <a:schemeClr val="bg1"/>
+                </a:solidFill>
+              </a:rPr>
+              <a:t>Frase exemplo</a:t>
+            </a:r>
+            <a:endParaRPr spc="-185" dirty="0">
+              <a:solidFill>
+                <a:schemeClr val="bg1"/>
+              </a:solidFill>
+            </a:endParaRPr>
+          </a:p>
+        </p:txBody>
+      </p:sp>
+      <p:grpSp>
+        <p:nvGrpSpPr>
+          <p:cNvPr id="29" name="Agrupar 28">
+            <a:extLst>
+              <a:ext uri="{FF2B5EF4-FFF2-40B4-BE49-F238E27FC236}">
+                <a16:creationId xmlns:a16="http://schemas.microsoft.com/office/drawing/2014/main" id="{DFDCFCFC-51B1-4847-AB25-F9839D3AA944}"/>
+              </a:ext>
+            </a:extLst>
+          </p:cNvPr>
+          <p:cNvGrpSpPr/>
+          <p:nvPr/>
+        </p:nvGrpSpPr>
+        <p:grpSpPr>
+          <a:xfrm>
+            <a:off x="1461575" y="4404435"/>
+            <a:ext cx="6483351" cy="1178023"/>
+            <a:chOff x="984250" y="2250977"/>
+            <a:chExt cx="6483351" cy="1178023"/>
+          </a:xfrm>
+        </p:grpSpPr>
+        <p:sp>
+          <p:nvSpPr>
+            <p:cNvPr id="31" name="Retângulo 30">
+              <a:extLst>
+                <a:ext uri="{FF2B5EF4-FFF2-40B4-BE49-F238E27FC236}">
+                  <a16:creationId xmlns:a16="http://schemas.microsoft.com/office/drawing/2014/main" id="{77C359DA-3F3A-4667-BA33-3DA13784ADD2}"/>
+                </a:ext>
+              </a:extLst>
+            </p:cNvPr>
+            <p:cNvSpPr/>
+            <p:nvPr/>
+          </p:nvSpPr>
+          <p:spPr>
+            <a:xfrm>
+              <a:off x="984251" y="2250977"/>
+              <a:ext cx="6483350" cy="430179"/>
+            </a:xfrm>
+            <a:prstGeom prst="rect">
+              <a:avLst/>
+            </a:prstGeom>
+            <a:noFill/>
+            <a:ln w="19050">
+              <a:solidFill>
+                <a:srgbClr val="4A7EBB"/>
+              </a:solidFill>
+            </a:ln>
+          </p:spPr>
+          <p:style>
+            <a:lnRef idx="2">
+              <a:schemeClr val="accent1">
+                <a:shade val="50000"/>
+              </a:schemeClr>
+            </a:lnRef>
+            <a:fillRef idx="1">
+              <a:schemeClr val="accent1"/>
+            </a:fillRef>
+            <a:effectRef idx="0">
+              <a:schemeClr val="accent1"/>
+            </a:effectRef>
+            <a:fontRef idx="minor">
+              <a:schemeClr val="lt1"/>
+            </a:fontRef>
+          </p:style>
+          <p:txBody>
+            <a:bodyPr rtlCol="0" anchor="ctr"/>
+            <a:lstStyle/>
+            <a:p>
+              <a:pPr algn="ctr"/>
+              <a:endParaRPr lang="pt-PT"/>
+            </a:p>
+          </p:txBody>
+        </p:sp>
+        <p:sp>
+          <p:nvSpPr>
+            <p:cNvPr id="33" name="Retângulo 32">
+              <a:extLst>
+                <a:ext uri="{FF2B5EF4-FFF2-40B4-BE49-F238E27FC236}">
+                  <a16:creationId xmlns:a16="http://schemas.microsoft.com/office/drawing/2014/main" id="{D570929B-CD1F-4688-BD4A-637382C019E6}"/>
+                </a:ext>
+              </a:extLst>
+            </p:cNvPr>
+            <p:cNvSpPr/>
+            <p:nvPr/>
+          </p:nvSpPr>
+          <p:spPr>
+            <a:xfrm>
+              <a:off x="984250" y="2681157"/>
+              <a:ext cx="6483350" cy="747843"/>
+            </a:xfrm>
+            <a:prstGeom prst="rect">
+              <a:avLst/>
+            </a:prstGeom>
+            <a:noFill/>
+            <a:ln w="19050">
+              <a:solidFill>
+                <a:srgbClr val="4A7EBB"/>
+              </a:solidFill>
+            </a:ln>
+          </p:spPr>
+          <p:style>
+            <a:lnRef idx="2">
+              <a:schemeClr val="accent1">
+                <a:shade val="50000"/>
+              </a:schemeClr>
+            </a:lnRef>
+            <a:fillRef idx="1">
+              <a:schemeClr val="accent1"/>
+            </a:fillRef>
+            <a:effectRef idx="0">
+              <a:schemeClr val="accent1"/>
+            </a:effectRef>
+            <a:fontRef idx="minor">
+              <a:schemeClr val="lt1"/>
+            </a:fontRef>
+          </p:style>
+          <p:txBody>
+            <a:bodyPr rtlCol="0" anchor="ctr"/>
+            <a:lstStyle/>
+            <a:p>
+              <a:pPr algn="ctr"/>
+              <a:endParaRPr lang="pt-PT"/>
+            </a:p>
+          </p:txBody>
+        </p:sp>
+        <p:sp>
+          <p:nvSpPr>
+            <p:cNvPr id="34" name="Retângulo 33">
+              <a:extLst>
+                <a:ext uri="{FF2B5EF4-FFF2-40B4-BE49-F238E27FC236}">
+                  <a16:creationId xmlns:a16="http://schemas.microsoft.com/office/drawing/2014/main" id="{A699CF14-3C27-4D26-9E9C-22EC418E5F32}"/>
+                </a:ext>
+              </a:extLst>
+            </p:cNvPr>
+            <p:cNvSpPr/>
+            <p:nvPr/>
+          </p:nvSpPr>
+          <p:spPr>
+            <a:xfrm>
+              <a:off x="998505" y="2312177"/>
+              <a:ext cx="1079142" cy="307777"/>
+            </a:xfrm>
+            <a:prstGeom prst="rect">
+              <a:avLst/>
+            </a:prstGeom>
+          </p:spPr>
+          <p:txBody>
+            <a:bodyPr wrap="none">
+              <a:spAutoFit/>
+            </a:bodyPr>
+            <a:lstStyle/>
+            <a:p>
+              <a:r>
+                <a:rPr lang="pt-PT" sz="1400" dirty="0">
+                  <a:solidFill>
+                    <a:schemeClr val="accent1">
+                      <a:lumMod val="50000"/>
+                    </a:schemeClr>
+                  </a:solidFill>
+                  <a:latin typeface="Consolas" panose="020B0609020204030204" pitchFamily="49" charset="0"/>
+                </a:rPr>
+                <a:t>Atividade</a:t>
+              </a:r>
+            </a:p>
+          </p:txBody>
+        </p:sp>
+        <p:sp>
+          <p:nvSpPr>
+            <p:cNvPr id="35" name="Retângulo 34">
+              <a:extLst>
+                <a:ext uri="{FF2B5EF4-FFF2-40B4-BE49-F238E27FC236}">
+                  <a16:creationId xmlns:a16="http://schemas.microsoft.com/office/drawing/2014/main" id="{F5D11B2B-DAAA-4C07-B785-1DE0A41796D5}"/>
+                </a:ext>
+              </a:extLst>
+            </p:cNvPr>
+            <p:cNvSpPr/>
+            <p:nvPr/>
+          </p:nvSpPr>
+          <p:spPr>
+            <a:xfrm>
+              <a:off x="2309818" y="2312176"/>
+              <a:ext cx="582211" cy="307777"/>
+            </a:xfrm>
+            <a:prstGeom prst="rect">
+              <a:avLst/>
+            </a:prstGeom>
+          </p:spPr>
+          <p:txBody>
+            <a:bodyPr wrap="none">
+              <a:spAutoFit/>
+            </a:bodyPr>
+            <a:lstStyle/>
+            <a:p>
+              <a:r>
+                <a:rPr lang="pt-PT" sz="1400" dirty="0">
+                  <a:solidFill>
+                    <a:schemeClr val="accent1">
+                      <a:lumMod val="50000"/>
+                    </a:schemeClr>
+                  </a:solidFill>
+                  <a:latin typeface="Consolas" panose="020B0609020204030204" pitchFamily="49" charset="0"/>
+                </a:rPr>
+                <a:t>Tipo</a:t>
+              </a:r>
+              <a:endParaRPr lang="pt-PT" dirty="0"/>
+            </a:p>
+          </p:txBody>
+        </p:sp>
+        <p:sp>
+          <p:nvSpPr>
+            <p:cNvPr id="36" name="Retângulo 35">
+              <a:extLst>
+                <a:ext uri="{FF2B5EF4-FFF2-40B4-BE49-F238E27FC236}">
+                  <a16:creationId xmlns:a16="http://schemas.microsoft.com/office/drawing/2014/main" id="{40D6F06E-2793-45B4-98C3-69915BDE4AC1}"/>
+                </a:ext>
+              </a:extLst>
+            </p:cNvPr>
+            <p:cNvSpPr/>
+            <p:nvPr/>
+          </p:nvSpPr>
+          <p:spPr>
+            <a:xfrm>
+              <a:off x="3316802" y="2312175"/>
+              <a:ext cx="681597" cy="307777"/>
+            </a:xfrm>
+            <a:prstGeom prst="rect">
+              <a:avLst/>
+            </a:prstGeom>
+          </p:spPr>
+          <p:txBody>
+            <a:bodyPr wrap="none">
+              <a:spAutoFit/>
+            </a:bodyPr>
+            <a:lstStyle/>
+            <a:p>
+              <a:r>
+                <a:rPr lang="pt-PT" sz="1400" dirty="0">
+                  <a:solidFill>
+                    <a:srgbClr val="C00000"/>
+                  </a:solidFill>
+                  <a:latin typeface="Consolas" panose="020B0609020204030204" pitchFamily="49" charset="0"/>
+                </a:rPr>
+                <a:t>Local</a:t>
+              </a:r>
+              <a:endParaRPr lang="pt-PT" dirty="0">
+                <a:solidFill>
+                  <a:srgbClr val="C00000"/>
+                </a:solidFill>
+              </a:endParaRPr>
+            </a:p>
+          </p:txBody>
+        </p:sp>
+        <p:sp>
+          <p:nvSpPr>
+            <p:cNvPr id="38" name="Retângulo 37">
+              <a:extLst>
+                <a:ext uri="{FF2B5EF4-FFF2-40B4-BE49-F238E27FC236}">
+                  <a16:creationId xmlns:a16="http://schemas.microsoft.com/office/drawing/2014/main" id="{9AAD362B-BEBD-4C09-8FBE-6767C5F17CC4}"/>
+                </a:ext>
+              </a:extLst>
+            </p:cNvPr>
+            <p:cNvSpPr/>
+            <p:nvPr/>
+          </p:nvSpPr>
+          <p:spPr>
+            <a:xfrm>
+              <a:off x="4482988" y="2312174"/>
+              <a:ext cx="482824" cy="307777"/>
+            </a:xfrm>
+            <a:prstGeom prst="rect">
+              <a:avLst/>
+            </a:prstGeom>
+          </p:spPr>
+          <p:txBody>
+            <a:bodyPr wrap="none">
+              <a:spAutoFit/>
+            </a:bodyPr>
+            <a:lstStyle/>
+            <a:p>
+              <a:r>
+                <a:rPr lang="pt-PT" sz="1400" dirty="0">
+                  <a:solidFill>
+                    <a:schemeClr val="accent1">
+                      <a:lumMod val="50000"/>
+                    </a:schemeClr>
+                  </a:solidFill>
+                  <a:latin typeface="Consolas" panose="020B0609020204030204" pitchFamily="49" charset="0"/>
+                </a:rPr>
+                <a:t>Dia</a:t>
+              </a:r>
+            </a:p>
+          </p:txBody>
+        </p:sp>
+        <p:sp>
+          <p:nvSpPr>
+            <p:cNvPr id="39" name="Retângulo 38">
+              <a:extLst>
+                <a:ext uri="{FF2B5EF4-FFF2-40B4-BE49-F238E27FC236}">
+                  <a16:creationId xmlns:a16="http://schemas.microsoft.com/office/drawing/2014/main" id="{2F802D55-3431-414D-B852-7BE2915109A7}"/>
+                </a:ext>
+              </a:extLst>
+            </p:cNvPr>
+            <p:cNvSpPr/>
+            <p:nvPr/>
+          </p:nvSpPr>
+          <p:spPr>
+            <a:xfrm>
+              <a:off x="5428627" y="2312173"/>
+              <a:ext cx="780983" cy="307777"/>
+            </a:xfrm>
+            <a:prstGeom prst="rect">
+              <a:avLst/>
+            </a:prstGeom>
+          </p:spPr>
+          <p:txBody>
+            <a:bodyPr wrap="none">
+              <a:spAutoFit/>
+            </a:bodyPr>
+            <a:lstStyle/>
+            <a:p>
+              <a:r>
+                <a:rPr lang="pt-PT" sz="1400" dirty="0">
+                  <a:solidFill>
+                    <a:srgbClr val="254061"/>
+                  </a:solidFill>
+                  <a:latin typeface="Consolas" panose="020B0609020204030204" pitchFamily="49" charset="0"/>
+                </a:rPr>
+                <a:t>Inicio</a:t>
+              </a:r>
+              <a:endParaRPr lang="pt-PT" dirty="0">
+                <a:solidFill>
+                  <a:srgbClr val="254061"/>
+                </a:solidFill>
+              </a:endParaRPr>
+            </a:p>
+          </p:txBody>
+        </p:sp>
+        <p:sp>
+          <p:nvSpPr>
+            <p:cNvPr id="40" name="Retângulo 39">
+              <a:extLst>
+                <a:ext uri="{FF2B5EF4-FFF2-40B4-BE49-F238E27FC236}">
+                  <a16:creationId xmlns:a16="http://schemas.microsoft.com/office/drawing/2014/main" id="{3BA3DDDA-8381-4831-AC29-625DCDCADD1B}"/>
+                </a:ext>
+              </a:extLst>
+            </p:cNvPr>
+            <p:cNvSpPr/>
+            <p:nvPr/>
+          </p:nvSpPr>
+          <p:spPr>
+            <a:xfrm>
+              <a:off x="6656801" y="2312172"/>
+              <a:ext cx="482824" cy="307777"/>
+            </a:xfrm>
+            <a:prstGeom prst="rect">
+              <a:avLst/>
+            </a:prstGeom>
+          </p:spPr>
+          <p:txBody>
+            <a:bodyPr wrap="none">
+              <a:spAutoFit/>
+            </a:bodyPr>
+            <a:lstStyle/>
+            <a:p>
+              <a:r>
+                <a:rPr lang="pt-PT" sz="1400" dirty="0">
+                  <a:solidFill>
+                    <a:srgbClr val="254061"/>
+                  </a:solidFill>
+                  <a:latin typeface="Consolas" panose="020B0609020204030204" pitchFamily="49" charset="0"/>
+                </a:rPr>
+                <a:t>Fim</a:t>
+              </a:r>
+              <a:endParaRPr lang="pt-PT" dirty="0">
+                <a:solidFill>
+                  <a:srgbClr val="254061"/>
+                </a:solidFill>
+              </a:endParaRPr>
+            </a:p>
+          </p:txBody>
+        </p:sp>
+        <p:cxnSp>
+          <p:nvCxnSpPr>
+            <p:cNvPr id="41" name="Conexão reta 40">
+              <a:extLst>
+                <a:ext uri="{FF2B5EF4-FFF2-40B4-BE49-F238E27FC236}">
+                  <a16:creationId xmlns:a16="http://schemas.microsoft.com/office/drawing/2014/main" id="{32390EB5-3D7E-4687-8616-2C060BF27D23}"/>
+                </a:ext>
+              </a:extLst>
+            </p:cNvPr>
+            <p:cNvCxnSpPr>
+              <a:cxnSpLocks/>
+            </p:cNvCxnSpPr>
+            <p:nvPr/>
+          </p:nvCxnSpPr>
+          <p:spPr>
+            <a:xfrm>
+              <a:off x="2057400" y="2250977"/>
+              <a:ext cx="0" cy="1178023"/>
+            </a:xfrm>
+            <a:prstGeom prst="line">
+              <a:avLst/>
+            </a:prstGeom>
+            <a:ln w="19050">
+              <a:solidFill>
+                <a:srgbClr val="4A7EBB"/>
+              </a:solidFill>
+            </a:ln>
+          </p:spPr>
+          <p:style>
+            <a:lnRef idx="1">
+              <a:schemeClr val="accent1"/>
+            </a:lnRef>
+            <a:fillRef idx="0">
+              <a:schemeClr val="accent1"/>
+            </a:fillRef>
+            <a:effectRef idx="0">
+              <a:schemeClr val="accent1"/>
+            </a:effectRef>
+            <a:fontRef idx="minor">
+              <a:schemeClr val="tx1"/>
+            </a:fontRef>
+          </p:style>
+        </p:cxnSp>
+        <p:cxnSp>
+          <p:nvCxnSpPr>
+            <p:cNvPr id="42" name="Conexão reta 41">
+              <a:extLst>
+                <a:ext uri="{FF2B5EF4-FFF2-40B4-BE49-F238E27FC236}">
+                  <a16:creationId xmlns:a16="http://schemas.microsoft.com/office/drawing/2014/main" id="{A0028BEC-EA47-48CA-9072-CB0F523BB737}"/>
+                </a:ext>
+              </a:extLst>
+            </p:cNvPr>
+            <p:cNvCxnSpPr>
+              <a:cxnSpLocks/>
+            </p:cNvCxnSpPr>
+            <p:nvPr/>
+          </p:nvCxnSpPr>
+          <p:spPr>
+            <a:xfrm>
+              <a:off x="3124200" y="2250977"/>
+              <a:ext cx="0" cy="1178023"/>
+            </a:xfrm>
+            <a:prstGeom prst="line">
+              <a:avLst/>
+            </a:prstGeom>
+            <a:ln w="19050">
+              <a:solidFill>
+                <a:srgbClr val="4A7EBB"/>
+              </a:solidFill>
+            </a:ln>
+          </p:spPr>
+          <p:style>
+            <a:lnRef idx="1">
+              <a:schemeClr val="accent1"/>
+            </a:lnRef>
+            <a:fillRef idx="0">
+              <a:schemeClr val="accent1"/>
+            </a:fillRef>
+            <a:effectRef idx="0">
+              <a:schemeClr val="accent1"/>
+            </a:effectRef>
+            <a:fontRef idx="minor">
+              <a:schemeClr val="tx1"/>
+            </a:fontRef>
+          </p:style>
+        </p:cxnSp>
+        <p:cxnSp>
+          <p:nvCxnSpPr>
+            <p:cNvPr id="43" name="Conexão reta 42">
+              <a:extLst>
+                <a:ext uri="{FF2B5EF4-FFF2-40B4-BE49-F238E27FC236}">
+                  <a16:creationId xmlns:a16="http://schemas.microsoft.com/office/drawing/2014/main" id="{F6DF0CBB-21A5-4720-92E5-B9EB056E2B97}"/>
+                </a:ext>
+              </a:extLst>
+            </p:cNvPr>
+            <p:cNvCxnSpPr>
+              <a:cxnSpLocks/>
+            </p:cNvCxnSpPr>
+            <p:nvPr/>
+          </p:nvCxnSpPr>
+          <p:spPr>
+            <a:xfrm>
+              <a:off x="4191000" y="2250977"/>
+              <a:ext cx="0" cy="1178023"/>
+            </a:xfrm>
+            <a:prstGeom prst="line">
+              <a:avLst/>
+            </a:prstGeom>
+            <a:ln w="19050">
+              <a:solidFill>
+                <a:srgbClr val="4A7EBB"/>
+              </a:solidFill>
+            </a:ln>
+          </p:spPr>
+          <p:style>
+            <a:lnRef idx="1">
+              <a:schemeClr val="accent1"/>
+            </a:lnRef>
+            <a:fillRef idx="0">
+              <a:schemeClr val="accent1"/>
+            </a:fillRef>
+            <a:effectRef idx="0">
+              <a:schemeClr val="accent1"/>
+            </a:effectRef>
+            <a:fontRef idx="minor">
+              <a:schemeClr val="tx1"/>
+            </a:fontRef>
+          </p:style>
+        </p:cxnSp>
+        <p:cxnSp>
+          <p:nvCxnSpPr>
+            <p:cNvPr id="44" name="Conexão reta 43">
+              <a:extLst>
+                <a:ext uri="{FF2B5EF4-FFF2-40B4-BE49-F238E27FC236}">
+                  <a16:creationId xmlns:a16="http://schemas.microsoft.com/office/drawing/2014/main" id="{0852CFE9-EDC4-4872-9536-2FB159C624C6}"/>
+                </a:ext>
+              </a:extLst>
+            </p:cNvPr>
+            <p:cNvCxnSpPr>
+              <a:cxnSpLocks/>
+            </p:cNvCxnSpPr>
+            <p:nvPr/>
+          </p:nvCxnSpPr>
+          <p:spPr>
+            <a:xfrm>
+              <a:off x="5257800" y="2250977"/>
+              <a:ext cx="0" cy="1178023"/>
+            </a:xfrm>
+            <a:prstGeom prst="line">
+              <a:avLst/>
+            </a:prstGeom>
+            <a:ln w="19050">
+              <a:solidFill>
+                <a:srgbClr val="4A7EBB"/>
+              </a:solidFill>
+            </a:ln>
+          </p:spPr>
+          <p:style>
+            <a:lnRef idx="1">
+              <a:schemeClr val="accent1"/>
+            </a:lnRef>
+            <a:fillRef idx="0">
+              <a:schemeClr val="accent1"/>
+            </a:fillRef>
+            <a:effectRef idx="0">
+              <a:schemeClr val="accent1"/>
+            </a:effectRef>
+            <a:fontRef idx="minor">
+              <a:schemeClr val="tx1"/>
+            </a:fontRef>
+          </p:style>
+        </p:cxnSp>
+        <p:cxnSp>
+          <p:nvCxnSpPr>
+            <p:cNvPr id="46" name="Conexão reta 45">
+              <a:extLst>
+                <a:ext uri="{FF2B5EF4-FFF2-40B4-BE49-F238E27FC236}">
+                  <a16:creationId xmlns:a16="http://schemas.microsoft.com/office/drawing/2014/main" id="{F2E2F3E6-4E91-465E-BBBC-55852196FCEA}"/>
+                </a:ext>
+              </a:extLst>
+            </p:cNvPr>
+            <p:cNvCxnSpPr>
+              <a:cxnSpLocks/>
+            </p:cNvCxnSpPr>
+            <p:nvPr/>
+          </p:nvCxnSpPr>
+          <p:spPr>
+            <a:xfrm>
+              <a:off x="6400800" y="2250977"/>
+              <a:ext cx="0" cy="1178023"/>
+            </a:xfrm>
+            <a:prstGeom prst="line">
+              <a:avLst/>
+            </a:prstGeom>
+            <a:ln w="19050">
+              <a:solidFill>
+                <a:srgbClr val="4A7EBB"/>
+              </a:solidFill>
+            </a:ln>
+          </p:spPr>
+          <p:style>
+            <a:lnRef idx="1">
+              <a:schemeClr val="accent1"/>
+            </a:lnRef>
+            <a:fillRef idx="0">
+              <a:schemeClr val="accent1"/>
+            </a:fillRef>
+            <a:effectRef idx="0">
+              <a:schemeClr val="accent1"/>
+            </a:effectRef>
+            <a:fontRef idx="minor">
+              <a:schemeClr val="tx1"/>
+            </a:fontRef>
+          </p:style>
+        </p:cxnSp>
+        <p:sp>
+          <p:nvSpPr>
+            <p:cNvPr id="47" name="Retângulo 46">
+              <a:extLst>
+                <a:ext uri="{FF2B5EF4-FFF2-40B4-BE49-F238E27FC236}">
+                  <a16:creationId xmlns:a16="http://schemas.microsoft.com/office/drawing/2014/main" id="{5744DAC8-DCC9-45FA-BAE7-3638AF769826}"/>
+                </a:ext>
+              </a:extLst>
+            </p:cNvPr>
+            <p:cNvSpPr/>
+            <p:nvPr/>
+          </p:nvSpPr>
+          <p:spPr>
+            <a:xfrm>
+              <a:off x="1104896" y="2801161"/>
+              <a:ext cx="905898" cy="430887"/>
+            </a:xfrm>
+            <a:prstGeom prst="rect">
+              <a:avLst/>
+            </a:prstGeom>
+          </p:spPr>
+          <p:txBody>
+            <a:bodyPr wrap="square">
+              <a:spAutoFit/>
+            </a:bodyPr>
+            <a:lstStyle/>
+            <a:p>
+              <a:r>
+                <a:rPr lang="pt-PT" sz="1100" dirty="0">
+                  <a:solidFill>
+                    <a:schemeClr val="accent1">
+                      <a:lumMod val="50000"/>
+                    </a:schemeClr>
+                  </a:solidFill>
+                  <a:latin typeface="Consolas" panose="020B0609020204030204" pitchFamily="49" charset="0"/>
+                </a:rPr>
+                <a:t>Rally das Tascas</a:t>
+              </a:r>
+            </a:p>
+          </p:txBody>
+        </p:sp>
+        <p:sp>
+          <p:nvSpPr>
+            <p:cNvPr id="48" name="Retângulo 47">
+              <a:extLst>
+                <a:ext uri="{FF2B5EF4-FFF2-40B4-BE49-F238E27FC236}">
+                  <a16:creationId xmlns:a16="http://schemas.microsoft.com/office/drawing/2014/main" id="{84E56CF1-0D54-4BB7-849D-A74ADD6F1D65}"/>
+                </a:ext>
+              </a:extLst>
+            </p:cNvPr>
+            <p:cNvSpPr/>
+            <p:nvPr/>
+          </p:nvSpPr>
+          <p:spPr>
+            <a:xfrm>
+              <a:off x="2275430" y="2885799"/>
+              <a:ext cx="646331" cy="261610"/>
+            </a:xfrm>
+            <a:prstGeom prst="rect">
+              <a:avLst/>
+            </a:prstGeom>
+          </p:spPr>
+          <p:txBody>
+            <a:bodyPr wrap="none">
+              <a:spAutoFit/>
+            </a:bodyPr>
+            <a:lstStyle/>
+            <a:p>
+              <a:r>
+                <a:rPr lang="pt-PT" sz="1100" dirty="0">
+                  <a:solidFill>
+                    <a:schemeClr val="accent1">
+                      <a:lumMod val="50000"/>
+                    </a:schemeClr>
+                  </a:solidFill>
+                  <a:latin typeface="Consolas" panose="020B0609020204030204" pitchFamily="49" charset="0"/>
+                </a:rPr>
+                <a:t>Social</a:t>
+              </a:r>
+              <a:endParaRPr lang="pt-PT" sz="1100" dirty="0"/>
+            </a:p>
+          </p:txBody>
+        </p:sp>
+        <p:sp>
+          <p:nvSpPr>
+            <p:cNvPr id="49" name="Retângulo 48">
+              <a:extLst>
+                <a:ext uri="{FF2B5EF4-FFF2-40B4-BE49-F238E27FC236}">
+                  <a16:creationId xmlns:a16="http://schemas.microsoft.com/office/drawing/2014/main" id="{9585D193-576D-4D30-A516-77D6FBF94A43}"/>
+                </a:ext>
+              </a:extLst>
+            </p:cNvPr>
+            <p:cNvSpPr/>
+            <p:nvPr/>
+          </p:nvSpPr>
+          <p:spPr>
+            <a:xfrm>
+              <a:off x="3139790" y="2871277"/>
+              <a:ext cx="1033236" cy="461665"/>
+            </a:xfrm>
+            <a:prstGeom prst="rect">
+              <a:avLst/>
+            </a:prstGeom>
+          </p:spPr>
+          <p:txBody>
+            <a:bodyPr wrap="square" anchor="ctr">
+              <a:spAutoFit/>
+            </a:bodyPr>
+            <a:lstStyle/>
+            <a:p>
+              <a:pPr algn="ctr"/>
+              <a:r>
+                <a:rPr lang="pt-PT" sz="1200" dirty="0">
+                  <a:solidFill>
+                    <a:srgbClr val="C00000"/>
+                  </a:solidFill>
+                  <a:latin typeface="Consolas" panose="020B0609020204030204" pitchFamily="49" charset="0"/>
+                </a:rPr>
+                <a:t>Largo do Carpe</a:t>
+              </a:r>
+            </a:p>
+          </p:txBody>
+        </p:sp>
+        <p:sp>
+          <p:nvSpPr>
+            <p:cNvPr id="50" name="Retângulo 49">
+              <a:extLst>
+                <a:ext uri="{FF2B5EF4-FFF2-40B4-BE49-F238E27FC236}">
+                  <a16:creationId xmlns:a16="http://schemas.microsoft.com/office/drawing/2014/main" id="{E76C7080-C212-43D8-9BBD-1FF9A615F3B3}"/>
+                </a:ext>
+              </a:extLst>
+            </p:cNvPr>
+            <p:cNvSpPr/>
+            <p:nvPr/>
+          </p:nvSpPr>
+          <p:spPr>
+            <a:xfrm>
+              <a:off x="4123311" y="2828069"/>
+              <a:ext cx="1219192" cy="430887"/>
+            </a:xfrm>
+            <a:prstGeom prst="rect">
+              <a:avLst/>
+            </a:prstGeom>
+          </p:spPr>
+          <p:txBody>
+            <a:bodyPr wrap="square">
+              <a:spAutoFit/>
+            </a:bodyPr>
+            <a:lstStyle/>
+            <a:p>
+              <a:pPr algn="ctr"/>
+              <a:r>
+                <a:rPr lang="pt-PT" sz="1100" dirty="0">
+                  <a:solidFill>
+                    <a:schemeClr val="accent1">
+                      <a:lumMod val="50000"/>
+                    </a:schemeClr>
+                  </a:solidFill>
+                  <a:latin typeface="Consolas" panose="020B0609020204030204" pitchFamily="49" charset="0"/>
+                </a:rPr>
+                <a:t>6 de fev. quarta-feira</a:t>
+              </a:r>
+            </a:p>
+          </p:txBody>
+        </p:sp>
+        <p:sp>
+          <p:nvSpPr>
+            <p:cNvPr id="51" name="Retângulo 50">
+              <a:extLst>
+                <a:ext uri="{FF2B5EF4-FFF2-40B4-BE49-F238E27FC236}">
+                  <a16:creationId xmlns:a16="http://schemas.microsoft.com/office/drawing/2014/main" id="{920C5B30-ADED-4BAD-A250-A48E35CC3BF5}"/>
+                </a:ext>
+              </a:extLst>
+            </p:cNvPr>
+            <p:cNvSpPr/>
+            <p:nvPr/>
+          </p:nvSpPr>
+          <p:spPr>
+            <a:xfrm>
+              <a:off x="5513889" y="2885799"/>
+              <a:ext cx="569387" cy="261610"/>
+            </a:xfrm>
+            <a:prstGeom prst="rect">
+              <a:avLst/>
+            </a:prstGeom>
+          </p:spPr>
+          <p:txBody>
+            <a:bodyPr wrap="none">
+              <a:spAutoFit/>
+            </a:bodyPr>
+            <a:lstStyle/>
+            <a:p>
+              <a:pPr algn="ctr"/>
+              <a:r>
+                <a:rPr lang="pt-PT" sz="1100" dirty="0">
+                  <a:solidFill>
+                    <a:srgbClr val="254061"/>
+                  </a:solidFill>
+                  <a:latin typeface="Consolas" panose="020B0609020204030204" pitchFamily="49" charset="0"/>
+                </a:rPr>
+                <a:t>21:00</a:t>
+              </a:r>
+            </a:p>
+          </p:txBody>
+        </p:sp>
+        <p:sp>
+          <p:nvSpPr>
+            <p:cNvPr id="52" name="Retângulo 51">
+              <a:extLst>
+                <a:ext uri="{FF2B5EF4-FFF2-40B4-BE49-F238E27FC236}">
+                  <a16:creationId xmlns:a16="http://schemas.microsoft.com/office/drawing/2014/main" id="{70A871B5-B578-419A-B3D9-15D7A42ED3BA}"/>
+                </a:ext>
+              </a:extLst>
+            </p:cNvPr>
+            <p:cNvSpPr/>
+            <p:nvPr/>
+          </p:nvSpPr>
+          <p:spPr>
+            <a:xfrm>
+              <a:off x="6637751" y="2882348"/>
+              <a:ext cx="569387" cy="261610"/>
+            </a:xfrm>
+            <a:prstGeom prst="rect">
+              <a:avLst/>
+            </a:prstGeom>
+          </p:spPr>
+          <p:txBody>
+            <a:bodyPr wrap="none">
+              <a:spAutoFit/>
+            </a:bodyPr>
+            <a:lstStyle/>
+            <a:p>
+              <a:r>
+                <a:rPr lang="pt-PT" sz="1100" dirty="0">
+                  <a:solidFill>
+                    <a:srgbClr val="254061"/>
+                  </a:solidFill>
+                  <a:latin typeface="Consolas" panose="020B0609020204030204" pitchFamily="49" charset="0"/>
+                </a:rPr>
+                <a:t>00:00</a:t>
+              </a:r>
+            </a:p>
+          </p:txBody>
+        </p:sp>
+      </p:grpSp>
+    </p:spTree>
+    <p:extLst>
+      <p:ext uri="{BB962C8B-B14F-4D97-AF65-F5344CB8AC3E}">
+        <p14:creationId xmlns:p14="http://schemas.microsoft.com/office/powerpoint/2010/main" val="2980083700"/>
+      </p:ext>
+    </p:extLst>
+  </p:cSld>
+  <p:clrMapOvr>
+    <a:masterClrMapping/>
+  </p:clrMapOvr>
+  <mc:AlternateContent xmlns:mc="http://schemas.openxmlformats.org/markup-compatibility/2006" xmlns:p14="http://schemas.microsoft.com/office/powerpoint/2010/main">
+    <mc:Choice Requires="p14">
+      <p:transition spd="med" p14:dur="700">
+        <p:fade/>
+      </p:transition>
+    </mc:Choice>
+    <mc:Fallback xmlns="">
+      <p:transition spd="med">
+        <p:fade/>
+      </p:transition>
+    </mc:Fallback>
+  </mc:AlternateContent>
+</p:sld>
+</file>
+
+<file path=ppt/slides/slide2.xml><?xml version="1.0" encoding="utf-8"?>
 <p:sld xmlns:a="http://schemas.openxmlformats.org/drawingml/2006/main" xmlns:r="http://schemas.openxmlformats.org/officeDocument/2006/relationships" xmlns:p="http://schemas.openxmlformats.org/presentationml/2006/main">
   <p:cSld>
     <p:spTree>
@@ -12765,8 +18239,8 @@
         </p:nvSpPr>
         <p:spPr>
           <a:xfrm>
-            <a:off x="3196205" y="186331"/>
-            <a:ext cx="2705101" cy="461023"/>
+            <a:off x="1" y="224777"/>
+            <a:ext cx="9144000" cy="461023"/>
           </a:xfrm>
           <a:prstGeom prst="rect">
             <a:avLst/>
@@ -12788,139 +18262,18 @@
             </a:pPr>
             <a:r>
               <a:rPr lang="pt-PT" spc="-135" dirty="0"/>
-              <a:t>Trabalho Futuro</a:t>
+              <a:t>Motivação e Objetivos</a:t>
             </a:r>
             <a:endParaRPr spc="-135" dirty="0"/>
           </a:p>
         </p:txBody>
       </p:sp>
-      <p:pic>
-        <p:nvPicPr>
-          <p:cNvPr id="2052" name="Picture 4" descr="Resultado de imagem para ponto interrogaÃ§ao png">
+      <p:sp>
+        <p:nvSpPr>
+          <p:cNvPr id="9" name="Retângulo: Cantos Arredondados 8">
             <a:extLst>
               <a:ext uri="{FF2B5EF4-FFF2-40B4-BE49-F238E27FC236}">
-                <a16:creationId xmlns:a16="http://schemas.microsoft.com/office/drawing/2014/main" id="{DF3841DC-8498-4036-87DF-9A0D93C12B1E}"/>
-              </a:ext>
-            </a:extLst>
-          </p:cNvPr>
-          <p:cNvPicPr>
-            <a:picLocks noChangeAspect="1" noChangeArrowheads="1"/>
-          </p:cNvPicPr>
-          <p:nvPr/>
-        </p:nvPicPr>
-        <p:blipFill>
-          <a:blip r:embed="rId3" cstate="print">
-            <a:extLst>
-              <a:ext uri="{28A0092B-C50C-407E-A947-70E740481C1C}">
-                <a14:useLocalDpi xmlns:a14="http://schemas.microsoft.com/office/drawing/2010/main" val="0"/>
-              </a:ext>
-            </a:extLst>
-          </a:blip>
-          <a:srcRect/>
-          <a:stretch>
-            <a:fillRect/>
-          </a:stretch>
-        </p:blipFill>
-        <p:spPr bwMode="auto">
-          <a:xfrm>
-            <a:off x="7543800" y="368653"/>
-            <a:ext cx="1819969" cy="1819969"/>
-          </a:xfrm>
-          <a:prstGeom prst="rect">
-            <a:avLst/>
-          </a:prstGeom>
-          <a:noFill/>
-          <a:extLst>
-            <a:ext uri="{909E8E84-426E-40DD-AFC4-6F175D3DCCD1}">
-              <a14:hiddenFill xmlns:a14="http://schemas.microsoft.com/office/drawing/2010/main">
-                <a:solidFill>
-                  <a:srgbClr val="FFFFFF"/>
-                </a:solidFill>
-              </a14:hiddenFill>
-            </a:ext>
-          </a:extLst>
-        </p:spPr>
-      </p:pic>
-      <p:pic>
-        <p:nvPicPr>
-          <p:cNvPr id="2054" name="Picture 6" descr="Resultado de imagem para trabalho futuro png">
-            <a:extLst>
-              <a:ext uri="{FF2B5EF4-FFF2-40B4-BE49-F238E27FC236}">
-                <a16:creationId xmlns:a16="http://schemas.microsoft.com/office/drawing/2014/main" id="{7BACF2A3-A54A-444A-A532-AB064B3B4651}"/>
-              </a:ext>
-            </a:extLst>
-          </p:cNvPr>
-          <p:cNvPicPr>
-            <a:picLocks noChangeAspect="1" noChangeArrowheads="1"/>
-          </p:cNvPicPr>
-          <p:nvPr/>
-        </p:nvPicPr>
-        <p:blipFill>
-          <a:blip r:embed="rId4" cstate="print">
-            <a:extLst>
-              <a:ext uri="{BEBA8EAE-BF5A-486C-A8C5-ECC9F3942E4B}">
-                <a14:imgProps xmlns:a14="http://schemas.microsoft.com/office/drawing/2010/main">
-                  <a14:imgLayer r:embed="rId5">
-                    <a14:imgEffect>
-                      <a14:backgroundRemoval t="10000" b="99474" l="10000" r="90000">
-                        <a14:foregroundMark x1="29035" y1="83947" x2="29035" y2="83947"/>
-                        <a14:foregroundMark x1="28860" y1="85000" x2="28070" y2="94211"/>
-                        <a14:foregroundMark x1="27544" y1="80658" x2="26842" y2="92895"/>
-                        <a14:foregroundMark x1="27018" y1="95263" x2="26754" y2="99211"/>
-                        <a14:foregroundMark x1="31228" y1="94474" x2="30351" y2="99474"/>
-                        <a14:foregroundMark x1="30526" y1="79605" x2="30877" y2="98026"/>
-                        <a14:backgroundMark x1="30175" y1="38026" x2="30175" y2="38026"/>
-                        <a14:backgroundMark x1="38158" y1="41053" x2="38158" y2="41053"/>
-                        <a14:backgroundMark x1="34211" y1="72763" x2="34649" y2="78026"/>
-                        <a14:backgroundMark x1="33509" y1="65263" x2="34386" y2="69737"/>
-                        <a14:backgroundMark x1="32018" y1="56447" x2="32018" y2="56447"/>
-                        <a14:backgroundMark x1="32018" y1="56053" x2="32018" y2="56053"/>
-                        <a14:backgroundMark x1="33333" y1="64079" x2="33333" y2="64079"/>
-                        <a14:backgroundMark x1="33070" y1="62237" x2="33070" y2="62237"/>
-                        <a14:backgroundMark x1="42632" y1="43421" x2="42632" y2="43421"/>
-                        <a14:backgroundMark x1="42895" y1="43158" x2="42895" y2="43158"/>
-                        <a14:backgroundMark x1="42105" y1="46974" x2="42105" y2="46974"/>
-                      </a14:backgroundRemoval>
-                    </a14:imgEffect>
-                  </a14:imgLayer>
-                </a14:imgProps>
-              </a:ext>
-              <a:ext uri="{28A0092B-C50C-407E-A947-70E740481C1C}">
-                <a14:useLocalDpi xmlns:a14="http://schemas.microsoft.com/office/drawing/2010/main" val="0"/>
-              </a:ext>
-            </a:extLst>
-          </a:blip>
-          <a:srcRect/>
-          <a:stretch>
-            <a:fillRect/>
-          </a:stretch>
-        </p:blipFill>
-        <p:spPr bwMode="auto">
-          <a:xfrm>
-            <a:off x="-609600" y="152400"/>
-            <a:ext cx="4686301" cy="3124200"/>
-          </a:xfrm>
-          <a:prstGeom prst="rect">
-            <a:avLst/>
-          </a:prstGeom>
-          <a:noFill/>
-          <a:extLst>
-            <a:ext uri="{909E8E84-426E-40DD-AFC4-6F175D3DCCD1}">
-              <a14:hiddenFill xmlns:a14="http://schemas.microsoft.com/office/drawing/2010/main">
-                <a:solidFill>
-                  <a:srgbClr val="FFFFFF"/>
-                </a:solidFill>
-              </a14:hiddenFill>
-            </a:ext>
-          </a:extLst>
-        </p:spPr>
-      </p:pic>
-      <p:sp>
-        <p:nvSpPr>
-          <p:cNvPr id="16" name="Retângulo: Cantos Arredondados 15">
-            <a:extLst>
-              <a:ext uri="{FF2B5EF4-FFF2-40B4-BE49-F238E27FC236}">
-                <a16:creationId xmlns:a16="http://schemas.microsoft.com/office/drawing/2014/main" id="{878AF0DB-B655-457A-AB34-6DE2F0DD9317}"/>
+                <a16:creationId xmlns:a16="http://schemas.microsoft.com/office/drawing/2014/main" id="{D7DCC4F2-C066-4F3C-83D2-FC00228280AF}"/>
               </a:ext>
             </a:extLst>
           </p:cNvPr>
@@ -12929,17 +18282,22 @@
         </p:nvSpPr>
         <p:spPr>
           <a:xfrm>
-            <a:off x="1295400" y="2057399"/>
-            <a:ext cx="6743699" cy="3261479"/>
+            <a:off x="685800" y="1295400"/>
+            <a:ext cx="2267712" cy="2115704"/>
           </a:xfrm>
           <a:prstGeom prst="roundRect">
             <a:avLst/>
           </a:prstGeom>
           <a:solidFill>
-            <a:srgbClr val="DDDDDD"/>
+            <a:schemeClr val="accent5">
+              <a:lumMod val="20000"/>
+              <a:lumOff val="80000"/>
+            </a:schemeClr>
           </a:solidFill>
           <a:ln>
-            <a:noFill/>
+            <a:solidFill>
+              <a:srgbClr val="DDDDDD"/>
+            </a:solidFill>
           </a:ln>
         </p:spPr>
         <p:style>
@@ -12962,17 +18320,118 @@
           <a:bodyPr rtlCol="0" anchor="ctr"/>
           <a:lstStyle/>
           <a:p>
-            <a:pPr algn="ctr"/>
-            <a:endParaRPr lang="pt-PT" dirty="0"/>
+            <a:pPr marL="182563" algn="just"/>
+            <a:r>
+              <a:rPr lang="pt-PT" sz="2800" dirty="0" err="1">
+                <a:solidFill>
+                  <a:srgbClr val="488ED4"/>
+                </a:solidFill>
+                <a:latin typeface="Consolas" panose="020B0609020204030204" pitchFamily="49" charset="0"/>
+                <a:cs typeface="Segoe UI" panose="020B0502040204020203" pitchFamily="34" charset="0"/>
+              </a:rPr>
+              <a:t>D</a:t>
+            </a:r>
+            <a:r>
+              <a:rPr lang="pt-PT" sz="2800" dirty="0" err="1">
+                <a:solidFill>
+                  <a:schemeClr val="tx1">
+                    <a:lumMod val="50000"/>
+                    <a:lumOff val="50000"/>
+                  </a:schemeClr>
+                </a:solidFill>
+                <a:latin typeface="Consolas" panose="020B0609020204030204" pitchFamily="49" charset="0"/>
+                <a:cs typeface="Segoe UI" panose="020B0502040204020203" pitchFamily="34" charset="0"/>
+              </a:rPr>
+              <a:t>omain</a:t>
+            </a:r>
+            <a:endParaRPr lang="pt-PT" sz="2800" dirty="0">
+              <a:solidFill>
+                <a:schemeClr val="tx1">
+                  <a:lumMod val="50000"/>
+                  <a:lumOff val="50000"/>
+                </a:schemeClr>
+              </a:solidFill>
+              <a:latin typeface="Consolas" panose="020B0609020204030204" pitchFamily="49" charset="0"/>
+              <a:cs typeface="Segoe UI" panose="020B0502040204020203" pitchFamily="34" charset="0"/>
+            </a:endParaRPr>
+          </a:p>
+          <a:p>
+            <a:pPr marL="182563" algn="just"/>
+            <a:r>
+              <a:rPr lang="pt-PT" sz="2800" dirty="0" err="1">
+                <a:solidFill>
+                  <a:srgbClr val="488ED4"/>
+                </a:solidFill>
+                <a:latin typeface="Consolas" panose="020B0609020204030204" pitchFamily="49" charset="0"/>
+                <a:cs typeface="Segoe UI" panose="020B0502040204020203" pitchFamily="34" charset="0"/>
+              </a:rPr>
+              <a:t>S</a:t>
+            </a:r>
+            <a:r>
+              <a:rPr lang="pt-PT" sz="2800" dirty="0" err="1">
+                <a:solidFill>
+                  <a:schemeClr val="tx1">
+                    <a:lumMod val="50000"/>
+                    <a:lumOff val="50000"/>
+                  </a:schemeClr>
+                </a:solidFill>
+                <a:latin typeface="Consolas" panose="020B0609020204030204" pitchFamily="49" charset="0"/>
+                <a:cs typeface="Segoe UI" panose="020B0502040204020203" pitchFamily="34" charset="0"/>
+              </a:rPr>
+              <a:t>pecific</a:t>
+            </a:r>
+            <a:endParaRPr lang="pt-PT" sz="2800" dirty="0">
+              <a:solidFill>
+                <a:srgbClr val="488ED4"/>
+              </a:solidFill>
+              <a:latin typeface="Consolas" panose="020B0609020204030204" pitchFamily="49" charset="0"/>
+              <a:cs typeface="Segoe UI" panose="020B0502040204020203" pitchFamily="34" charset="0"/>
+            </a:endParaRPr>
+          </a:p>
+          <a:p>
+            <a:pPr marL="182563" algn="just"/>
+            <a:r>
+              <a:rPr lang="pt-PT" sz="2800" dirty="0" err="1">
+                <a:solidFill>
+                  <a:srgbClr val="488ED4"/>
+                </a:solidFill>
+                <a:latin typeface="Consolas" panose="020B0609020204030204" pitchFamily="49" charset="0"/>
+                <a:cs typeface="Segoe UI" panose="020B0502040204020203" pitchFamily="34" charset="0"/>
+              </a:rPr>
+              <a:t>L</a:t>
+            </a:r>
+            <a:r>
+              <a:rPr lang="pt-PT" sz="2800" dirty="0" err="1">
+                <a:solidFill>
+                  <a:schemeClr val="tx1">
+                    <a:lumMod val="50000"/>
+                    <a:lumOff val="50000"/>
+                  </a:schemeClr>
+                </a:solidFill>
+                <a:latin typeface="Consolas" panose="020B0609020204030204" pitchFamily="49" charset="0"/>
+                <a:cs typeface="Segoe UI" panose="020B0502040204020203" pitchFamily="34" charset="0"/>
+              </a:rPr>
+              <a:t>anguage</a:t>
+            </a:r>
+            <a:endParaRPr lang="pt-PT" sz="2800" dirty="0">
+              <a:solidFill>
+                <a:schemeClr val="tx1">
+                  <a:lumMod val="50000"/>
+                  <a:lumOff val="50000"/>
+                </a:schemeClr>
+              </a:solidFill>
+              <a:latin typeface="Consolas" panose="020B0609020204030204" pitchFamily="49" charset="0"/>
+              <a:cs typeface="Segoe UI" panose="020B0502040204020203" pitchFamily="34" charset="0"/>
+            </a:endParaRPr>
           </a:p>
         </p:txBody>
       </p:sp>
       <p:sp>
         <p:nvSpPr>
-          <p:cNvPr id="10" name="CaixaDeTexto 9">
+          <p:cNvPr id="2" name="CaixaDeTexto 1">
             <a:extLst>
               <a:ext uri="{FF2B5EF4-FFF2-40B4-BE49-F238E27FC236}">
-                <a16:creationId xmlns:a16="http://schemas.microsoft.com/office/drawing/2014/main" id="{665CFF42-7D2E-4CD5-BF8A-19AEEE23089F}"/>
+                <a16:creationId xmlns:a16="http://schemas.microsoft.com/office/drawing/2014/main" id="{E11E820A-E2F9-48F4-9FD3-A29959C82B51}"/>
               </a:ext>
             </a:extLst>
           </p:cNvPr>
@@ -12981,8 +18440,8 @@
         </p:nvSpPr>
         <p:spPr>
           <a:xfrm>
-            <a:off x="1447800" y="2250281"/>
-            <a:ext cx="6391713" cy="3139321"/>
+            <a:off x="685800" y="1307068"/>
+            <a:ext cx="2267712" cy="369332"/>
           </a:xfrm>
           <a:prstGeom prst="rect">
             <a:avLst/>
@@ -12995,183 +18454,404 @@
           </a:bodyPr>
           <a:lstStyle/>
           <a:p>
-            <a:pPr marL="285750" indent="-285750">
-              <a:buFont typeface="Wingdings" panose="05000000000000000000" pitchFamily="2" charset="2"/>
-              <a:buChar char="§"/>
-            </a:pPr>
+            <a:pPr algn="ctr"/>
             <a:r>
               <a:rPr lang="pt-PT" dirty="0">
-                <a:latin typeface="Arial" panose="020B0604020202020204" pitchFamily="34" charset="0"/>
-                <a:cs typeface="Arial" panose="020B0604020202020204" pitchFamily="34" charset="0"/>
-              </a:rPr>
-              <a:t>Aprendizagem</a:t>
-            </a:r>
-          </a:p>
-          <a:p>
-            <a:pPr marL="742950" lvl="1" indent="-285750">
-              <a:buFont typeface="Arial" panose="020B0604020202020204" pitchFamily="34" charset="0"/>
-              <a:buChar char="•"/>
-            </a:pPr>
-            <a:r>
-              <a:rPr lang="pt-PT" dirty="0">
-                <a:latin typeface="Arial" panose="020B0604020202020204" pitchFamily="34" charset="0"/>
-                <a:cs typeface="Arial" panose="020B0604020202020204" pitchFamily="34" charset="0"/>
-              </a:rPr>
-              <a:t>Criação de perfis de utilizador</a:t>
-            </a:r>
-          </a:p>
-          <a:p>
-            <a:pPr marL="742950" lvl="1" indent="-285750">
-              <a:buFont typeface="Arial" panose="020B0604020202020204" pitchFamily="34" charset="0"/>
-              <a:buChar char="•"/>
-            </a:pPr>
-            <a:r>
-              <a:rPr lang="pt-PT" dirty="0">
-                <a:latin typeface="Arial" panose="020B0604020202020204" pitchFamily="34" charset="0"/>
-                <a:cs typeface="Arial" panose="020B0604020202020204" pitchFamily="34" charset="0"/>
-              </a:rPr>
-              <a:t>Aprender através dos diálogos (utilizador, filmes, …)</a:t>
-            </a:r>
-          </a:p>
-          <a:p>
-            <a:pPr marL="285750" indent="-285750">
-              <a:buFont typeface="Arial" panose="020B0604020202020204" pitchFamily="34" charset="0"/>
-              <a:buChar char="•"/>
-            </a:pPr>
-            <a:endParaRPr lang="pt-PT" dirty="0">
-              <a:latin typeface="Arial" panose="020B0604020202020204" pitchFamily="34" charset="0"/>
-              <a:cs typeface="Arial" panose="020B0604020202020204" pitchFamily="34" charset="0"/>
+                <a:solidFill>
+                  <a:schemeClr val="tx2"/>
+                </a:solidFill>
+              </a:rPr>
+              <a:t>criar</a:t>
+            </a:r>
+          </a:p>
+        </p:txBody>
+      </p:sp>
+      <p:sp>
+        <p:nvSpPr>
+          <p:cNvPr id="12" name="Retângulo: Cantos Arredondados 11">
+            <a:extLst>
+              <a:ext uri="{FF2B5EF4-FFF2-40B4-BE49-F238E27FC236}">
+                <a16:creationId xmlns:a16="http://schemas.microsoft.com/office/drawing/2014/main" id="{96F1A943-2B1F-4C1E-86B1-F16B65F0737A}"/>
+              </a:ext>
+            </a:extLst>
+          </p:cNvPr>
+          <p:cNvSpPr/>
+          <p:nvPr/>
+        </p:nvSpPr>
+        <p:spPr>
+          <a:xfrm>
+            <a:off x="3218688" y="1295400"/>
+            <a:ext cx="5239512" cy="2115704"/>
+          </a:xfrm>
+          <a:prstGeom prst="roundRect">
+            <a:avLst/>
+          </a:prstGeom>
+          <a:solidFill>
+            <a:schemeClr val="accent5">
+              <a:lumMod val="20000"/>
+              <a:lumOff val="80000"/>
+            </a:schemeClr>
+          </a:solidFill>
+          <a:ln>
+            <a:solidFill>
+              <a:srgbClr val="DDDDDD"/>
+            </a:solidFill>
+          </a:ln>
+        </p:spPr>
+        <p:style>
+          <a:lnRef idx="2">
+            <a:schemeClr val="accent1">
+              <a:shade val="50000"/>
+            </a:schemeClr>
+          </a:lnRef>
+          <a:fillRef idx="1">
+            <a:schemeClr val="accent1"/>
+          </a:fillRef>
+          <a:effectRef idx="0">
+            <a:schemeClr val="accent1"/>
+          </a:effectRef>
+          <a:fontRef idx="minor">
+            <a:schemeClr val="lt1"/>
+          </a:fontRef>
+        </p:style>
+        <p:txBody>
+          <a:bodyPr rtlCol="0" anchor="ctr"/>
+          <a:lstStyle/>
+          <a:p>
+            <a:pPr marL="182563" algn="ctr"/>
+            <a:r>
+              <a:rPr lang="pt-PT" sz="2800" dirty="0">
+                <a:solidFill>
+                  <a:srgbClr val="488ED4"/>
+                </a:solidFill>
+                <a:latin typeface="Consolas" panose="020B0609020204030204" pitchFamily="49" charset="0"/>
+                <a:cs typeface="Segoe UI" panose="020B0502040204020203" pitchFamily="34" charset="0"/>
+              </a:rPr>
+              <a:t>Geração Automática de Chatbots</a:t>
+            </a:r>
+            <a:endParaRPr lang="pt-PT" sz="2800" dirty="0">
+              <a:solidFill>
+                <a:schemeClr val="tx1">
+                  <a:lumMod val="50000"/>
+                  <a:lumOff val="50000"/>
+                </a:schemeClr>
+              </a:solidFill>
+              <a:latin typeface="Consolas" panose="020B0609020204030204" pitchFamily="49" charset="0"/>
+              <a:cs typeface="Segoe UI" panose="020B0502040204020203" pitchFamily="34" charset="0"/>
             </a:endParaRPr>
           </a:p>
-          <a:p>
-            <a:pPr marL="285750" indent="-285750">
-              <a:buFont typeface="Wingdings" panose="05000000000000000000" pitchFamily="2" charset="2"/>
-              <a:buChar char="§"/>
-            </a:pPr>
-            <a:r>
-              <a:rPr lang="pt-PT" dirty="0">
-                <a:latin typeface="Arial" panose="020B0604020202020204" pitchFamily="34" charset="0"/>
-                <a:cs typeface="Arial" panose="020B0604020202020204" pitchFamily="34" charset="0"/>
-              </a:rPr>
-              <a:t>Guardar estados para dar melhor seguimento à conversa</a:t>
-            </a:r>
-          </a:p>
-          <a:p>
-            <a:pPr marL="285750" indent="-285750">
-              <a:buFont typeface="Wingdings" panose="05000000000000000000" pitchFamily="2" charset="2"/>
-              <a:buChar char="§"/>
-            </a:pPr>
-            <a:endParaRPr lang="pt-PT" dirty="0">
-              <a:latin typeface="Arial" panose="020B0604020202020204" pitchFamily="34" charset="0"/>
-              <a:cs typeface="Arial" panose="020B0604020202020204" pitchFamily="34" charset="0"/>
-            </a:endParaRPr>
-          </a:p>
-          <a:p>
-            <a:pPr marL="285750" indent="-285750">
-              <a:buFont typeface="Wingdings" panose="05000000000000000000" pitchFamily="2" charset="2"/>
-              <a:buChar char="§"/>
-            </a:pPr>
-            <a:r>
-              <a:rPr lang="pt-PT" dirty="0">
-                <a:latin typeface="Arial" panose="020B0604020202020204" pitchFamily="34" charset="0"/>
-                <a:cs typeface="Arial" panose="020B0604020202020204" pitchFamily="34" charset="0"/>
-              </a:rPr>
-              <a:t>Melhorar conteúdo das respostas </a:t>
-            </a:r>
-          </a:p>
-          <a:p>
-            <a:pPr marL="285750" indent="-285750">
-              <a:buFont typeface="Wingdings" panose="05000000000000000000" pitchFamily="2" charset="2"/>
-              <a:buChar char="§"/>
-            </a:pPr>
-            <a:endParaRPr lang="pt-PT" dirty="0">
-              <a:latin typeface="Arial" panose="020B0604020202020204" pitchFamily="34" charset="0"/>
-              <a:cs typeface="Arial" panose="020B0604020202020204" pitchFamily="34" charset="0"/>
-            </a:endParaRPr>
-          </a:p>
-          <a:p>
-            <a:pPr marL="285750" indent="-285750">
-              <a:buFont typeface="Wingdings" panose="05000000000000000000" pitchFamily="2" charset="2"/>
-              <a:buChar char="§"/>
-            </a:pPr>
-            <a:endParaRPr lang="pt-PT" dirty="0">
-              <a:latin typeface="Arial" panose="020B0604020202020204" pitchFamily="34" charset="0"/>
-              <a:cs typeface="Arial" panose="020B0604020202020204" pitchFamily="34" charset="0"/>
-            </a:endParaRPr>
-          </a:p>
-          <a:p>
-            <a:pPr marL="742950" lvl="1" indent="-285750">
-              <a:buFont typeface="Arial" panose="020B0604020202020204" pitchFamily="34" charset="0"/>
-              <a:buChar char="•"/>
-            </a:pPr>
-            <a:endParaRPr lang="pt-PT" dirty="0">
-              <a:latin typeface="Arial" panose="020B0604020202020204" pitchFamily="34" charset="0"/>
-              <a:cs typeface="Arial" panose="020B0604020202020204" pitchFamily="34" charset="0"/>
-            </a:endParaRPr>
-          </a:p>
-          <a:p>
-            <a:pPr marL="742950" lvl="1" indent="-285750">
-              <a:buFont typeface="Arial" panose="020B0604020202020204" pitchFamily="34" charset="0"/>
-              <a:buChar char="•"/>
-            </a:pPr>
-            <a:endParaRPr lang="pt-PT" dirty="0">
-              <a:latin typeface="Arial" panose="020B0604020202020204" pitchFamily="34" charset="0"/>
-              <a:cs typeface="Arial" panose="020B0604020202020204" pitchFamily="34" charset="0"/>
-            </a:endParaRPr>
-          </a:p>
         </p:txBody>
       </p:sp>
-      <p:pic>
-        <p:nvPicPr>
-          <p:cNvPr id="2060" name="Picture 12" descr="Resultado de imagem para bot png">
+      <p:sp>
+        <p:nvSpPr>
+          <p:cNvPr id="13" name="CaixaDeTexto 12">
             <a:extLst>
               <a:ext uri="{FF2B5EF4-FFF2-40B4-BE49-F238E27FC236}">
-                <a16:creationId xmlns:a16="http://schemas.microsoft.com/office/drawing/2014/main" id="{790224CB-C97F-4DAB-8626-1491B3C90123}"/>
+                <a16:creationId xmlns:a16="http://schemas.microsoft.com/office/drawing/2014/main" id="{276AF417-6085-45D3-93D6-523E0D5C7774}"/>
               </a:ext>
             </a:extLst>
           </p:cNvPr>
-          <p:cNvPicPr>
-            <a:picLocks noChangeAspect="1" noChangeArrowheads="1"/>
-          </p:cNvPicPr>
+          <p:cNvSpPr txBox="1"/>
           <p:nvPr/>
-        </p:nvPicPr>
-        <p:blipFill>
-          <a:blip r:embed="rId6" cstate="print">
-            <a:extLst>
-              <a:ext uri="{28A0092B-C50C-407E-A947-70E740481C1C}">
-                <a14:useLocalDpi xmlns:a14="http://schemas.microsoft.com/office/drawing/2010/main" val="0"/>
-              </a:ext>
-            </a:extLst>
-          </a:blip>
-          <a:srcRect/>
-          <a:stretch>
-            <a:fillRect/>
-          </a:stretch>
-        </p:blipFill>
-        <p:spPr bwMode="auto">
+        </p:nvSpPr>
+        <p:spPr>
           <a:xfrm>
-            <a:off x="7051885" y="4350172"/>
-            <a:ext cx="1974428" cy="1974428"/>
+            <a:off x="3200400" y="1295400"/>
+            <a:ext cx="5239512" cy="369332"/>
           </a:xfrm>
           <a:prstGeom prst="rect">
             <a:avLst/>
           </a:prstGeom>
           <a:noFill/>
-          <a:extLst>
-            <a:ext uri="{909E8E84-426E-40DD-AFC4-6F175D3DCCD1}">
-              <a14:hiddenFill xmlns:a14="http://schemas.microsoft.com/office/drawing/2010/main">
-                <a:solidFill>
-                  <a:srgbClr val="FFFFFF"/>
-                </a:solidFill>
-              </a14:hiddenFill>
-            </a:ext>
-          </a:extLst>
-        </p:spPr>
-      </p:pic>
+        </p:spPr>
+        <p:txBody>
+          <a:bodyPr wrap="square" rtlCol="0">
+            <a:spAutoFit/>
+          </a:bodyPr>
+          <a:lstStyle/>
+          <a:p>
+            <a:pPr algn="ctr"/>
+            <a:r>
+              <a:rPr lang="pt-PT" dirty="0">
+                <a:solidFill>
+                  <a:schemeClr val="tx2"/>
+                </a:solidFill>
+              </a:rPr>
+              <a:t>que possibilite</a:t>
+            </a:r>
+          </a:p>
+        </p:txBody>
+      </p:sp>
+      <p:sp>
+        <p:nvSpPr>
+          <p:cNvPr id="14" name="Retângulo: Cantos Arredondados 13">
+            <a:extLst>
+              <a:ext uri="{FF2B5EF4-FFF2-40B4-BE49-F238E27FC236}">
+                <a16:creationId xmlns:a16="http://schemas.microsoft.com/office/drawing/2014/main" id="{B4E37A8A-087D-4754-B8B3-43943946D1B0}"/>
+              </a:ext>
+            </a:extLst>
+          </p:cNvPr>
+          <p:cNvSpPr/>
+          <p:nvPr/>
+        </p:nvSpPr>
+        <p:spPr>
+          <a:xfrm>
+            <a:off x="685800" y="3886200"/>
+            <a:ext cx="3352800" cy="2115704"/>
+          </a:xfrm>
+          <a:prstGeom prst="roundRect">
+            <a:avLst/>
+          </a:prstGeom>
+          <a:solidFill>
+            <a:schemeClr val="accent5">
+              <a:lumMod val="20000"/>
+              <a:lumOff val="80000"/>
+            </a:schemeClr>
+          </a:solidFill>
+          <a:ln>
+            <a:solidFill>
+              <a:srgbClr val="DDDDDD"/>
+            </a:solidFill>
+          </a:ln>
+        </p:spPr>
+        <p:style>
+          <a:lnRef idx="2">
+            <a:schemeClr val="accent1">
+              <a:shade val="50000"/>
+            </a:schemeClr>
+          </a:lnRef>
+          <a:fillRef idx="1">
+            <a:schemeClr val="accent1"/>
+          </a:fillRef>
+          <a:effectRef idx="0">
+            <a:schemeClr val="accent1"/>
+          </a:effectRef>
+          <a:fontRef idx="minor">
+            <a:schemeClr val="lt1"/>
+          </a:fontRef>
+        </p:style>
+        <p:txBody>
+          <a:bodyPr rtlCol="0" anchor="ctr"/>
+          <a:lstStyle/>
+          <a:p>
+            <a:pPr marL="182563" algn="just"/>
+            <a:r>
+              <a:rPr lang="pt-PT" sz="2000" dirty="0">
+                <a:solidFill>
+                  <a:schemeClr val="tx1">
+                    <a:lumMod val="50000"/>
+                    <a:lumOff val="50000"/>
+                  </a:schemeClr>
+                </a:solidFill>
+                <a:latin typeface="Consolas" panose="020B0609020204030204" pitchFamily="49" charset="0"/>
+                <a:cs typeface="Segoe UI" panose="020B0502040204020203" pitchFamily="34" charset="0"/>
+              </a:rPr>
+              <a:t>Especificação</a:t>
+            </a:r>
+          </a:p>
+          <a:p>
+            <a:pPr marL="182563" algn="just"/>
+            <a:r>
+              <a:rPr lang="pt-PT" sz="2000" dirty="0">
+                <a:solidFill>
+                  <a:schemeClr val="tx1">
+                    <a:lumMod val="50000"/>
+                    <a:lumOff val="50000"/>
+                  </a:schemeClr>
+                </a:solidFill>
+                <a:latin typeface="Consolas" panose="020B0609020204030204" pitchFamily="49" charset="0"/>
+                <a:cs typeface="Segoe UI" panose="020B0502040204020203" pitchFamily="34" charset="0"/>
+              </a:rPr>
+              <a:t>Fonte de informação</a:t>
+            </a:r>
+          </a:p>
+        </p:txBody>
+      </p:sp>
+      <p:sp>
+        <p:nvSpPr>
+          <p:cNvPr id="15" name="CaixaDeTexto 14">
+            <a:extLst>
+              <a:ext uri="{FF2B5EF4-FFF2-40B4-BE49-F238E27FC236}">
+                <a16:creationId xmlns:a16="http://schemas.microsoft.com/office/drawing/2014/main" id="{14431CCB-E0B3-4344-A021-6CC6DC84AF97}"/>
+              </a:ext>
+            </a:extLst>
+          </p:cNvPr>
+          <p:cNvSpPr txBox="1"/>
+          <p:nvPr/>
+        </p:nvSpPr>
+        <p:spPr>
+          <a:xfrm>
+            <a:off x="685800" y="3897868"/>
+            <a:ext cx="3352800" cy="369332"/>
+          </a:xfrm>
+          <a:prstGeom prst="rect">
+            <a:avLst/>
+          </a:prstGeom>
+          <a:noFill/>
+        </p:spPr>
+        <p:txBody>
+          <a:bodyPr wrap="square" rtlCol="0">
+            <a:spAutoFit/>
+          </a:bodyPr>
+          <a:lstStyle/>
+          <a:p>
+            <a:pPr algn="ctr"/>
+            <a:r>
+              <a:rPr lang="pt-PT" dirty="0">
+                <a:solidFill>
+                  <a:schemeClr val="tx2"/>
+                </a:solidFill>
+              </a:rPr>
+              <a:t>dado</a:t>
+            </a:r>
+          </a:p>
+        </p:txBody>
+      </p:sp>
+      <p:sp>
+        <p:nvSpPr>
+          <p:cNvPr id="17" name="Retângulo: Cantos Arredondados 16">
+            <a:extLst>
+              <a:ext uri="{FF2B5EF4-FFF2-40B4-BE49-F238E27FC236}">
+                <a16:creationId xmlns:a16="http://schemas.microsoft.com/office/drawing/2014/main" id="{86C30A7A-BCFD-4A1C-B72F-E969C23ACAC8}"/>
+              </a:ext>
+            </a:extLst>
+          </p:cNvPr>
+          <p:cNvSpPr/>
+          <p:nvPr/>
+        </p:nvSpPr>
+        <p:spPr>
+          <a:xfrm>
+            <a:off x="4343400" y="3886200"/>
+            <a:ext cx="4343400" cy="2115704"/>
+          </a:xfrm>
+          <a:prstGeom prst="roundRect">
+            <a:avLst/>
+          </a:prstGeom>
+          <a:solidFill>
+            <a:schemeClr val="accent5">
+              <a:lumMod val="20000"/>
+              <a:lumOff val="80000"/>
+            </a:schemeClr>
+          </a:solidFill>
+          <a:ln>
+            <a:solidFill>
+              <a:srgbClr val="DDDDDD"/>
+            </a:solidFill>
+          </a:ln>
+        </p:spPr>
+        <p:style>
+          <a:lnRef idx="2">
+            <a:schemeClr val="accent1">
+              <a:shade val="50000"/>
+            </a:schemeClr>
+          </a:lnRef>
+          <a:fillRef idx="1">
+            <a:schemeClr val="accent1"/>
+          </a:fillRef>
+          <a:effectRef idx="0">
+            <a:schemeClr val="accent1"/>
+          </a:effectRef>
+          <a:fontRef idx="minor">
+            <a:schemeClr val="lt1"/>
+          </a:fontRef>
+        </p:style>
+        <p:txBody>
+          <a:bodyPr rtlCol="0" anchor="ctr"/>
+          <a:lstStyle/>
+          <a:p>
+            <a:pPr marL="182563" algn="just"/>
+            <a:r>
+              <a:rPr lang="pt-PT" sz="2000" dirty="0">
+                <a:solidFill>
+                  <a:schemeClr val="tx1">
+                    <a:lumMod val="50000"/>
+                    <a:lumOff val="50000"/>
+                  </a:schemeClr>
+                </a:solidFill>
+                <a:latin typeface="Consolas" panose="020B0609020204030204" pitchFamily="49" charset="0"/>
+                <a:cs typeface="Segoe UI" panose="020B0502040204020203" pitchFamily="34" charset="0"/>
+              </a:rPr>
+              <a:t>Manter diálogo</a:t>
+            </a:r>
+          </a:p>
+          <a:p>
+            <a:pPr marL="182563" algn="just"/>
+            <a:r>
+              <a:rPr lang="pt-PT" sz="2000" dirty="0">
+                <a:solidFill>
+                  <a:schemeClr val="tx1">
+                    <a:lumMod val="50000"/>
+                    <a:lumOff val="50000"/>
+                  </a:schemeClr>
+                </a:solidFill>
+                <a:latin typeface="Consolas" panose="020B0609020204030204" pitchFamily="49" charset="0"/>
+                <a:cs typeface="Segoe UI" panose="020B0502040204020203" pitchFamily="34" charset="0"/>
+              </a:rPr>
+              <a:t>Prestar serviços</a:t>
+            </a:r>
+          </a:p>
+          <a:p>
+            <a:pPr marL="182563" algn="just"/>
+            <a:r>
+              <a:rPr lang="pt-PT" sz="2000" dirty="0">
+                <a:solidFill>
+                  <a:schemeClr val="tx1">
+                    <a:lumMod val="50000"/>
+                    <a:lumOff val="50000"/>
+                  </a:schemeClr>
+                </a:solidFill>
+                <a:latin typeface="Consolas" panose="020B0609020204030204" pitchFamily="49" charset="0"/>
+                <a:cs typeface="Segoe UI" panose="020B0502040204020203" pitchFamily="34" charset="0"/>
+              </a:rPr>
+              <a:t>…</a:t>
+            </a:r>
+          </a:p>
+        </p:txBody>
+      </p:sp>
+      <p:sp>
+        <p:nvSpPr>
+          <p:cNvPr id="19" name="CaixaDeTexto 18">
+            <a:extLst>
+              <a:ext uri="{FF2B5EF4-FFF2-40B4-BE49-F238E27FC236}">
+                <a16:creationId xmlns:a16="http://schemas.microsoft.com/office/drawing/2014/main" id="{97409BA4-129D-4054-8EE7-0F50714B5613}"/>
+              </a:ext>
+            </a:extLst>
+          </p:cNvPr>
+          <p:cNvSpPr txBox="1"/>
+          <p:nvPr/>
+        </p:nvSpPr>
+        <p:spPr>
+          <a:xfrm>
+            <a:off x="4343399" y="3897868"/>
+            <a:ext cx="4343401" cy="369332"/>
+          </a:xfrm>
+          <a:prstGeom prst="rect">
+            <a:avLst/>
+          </a:prstGeom>
+          <a:noFill/>
+        </p:spPr>
+        <p:txBody>
+          <a:bodyPr wrap="square" rtlCol="0">
+            <a:spAutoFit/>
+          </a:bodyPr>
+          <a:lstStyle/>
+          <a:p>
+            <a:pPr algn="ctr"/>
+            <a:r>
+              <a:rPr lang="pt-PT" dirty="0">
+                <a:solidFill>
+                  <a:schemeClr val="tx2"/>
+                </a:solidFill>
+              </a:rPr>
+              <a:t>devolve Chatbots para</a:t>
+            </a:r>
+          </a:p>
+        </p:txBody>
+      </p:sp>
     </p:spTree>
     <p:extLst>
       <p:ext uri="{BB962C8B-B14F-4D97-AF65-F5344CB8AC3E}">
-        <p14:creationId xmlns:p14="http://schemas.microsoft.com/office/powerpoint/2010/main" val="724390932"/>
+        <p14:creationId xmlns:p14="http://schemas.microsoft.com/office/powerpoint/2010/main" val="1102670507"/>
       </p:ext>
     </p:extLst>
   </p:cSld>
@@ -13181,7 +18861,1401 @@
 </p:sld>
 </file>
 
-<file path=ppt/slides/slide2.xml><?xml version="1.0" encoding="utf-8"?>
+<file path=ppt/slides/slide20.xml><?xml version="1.0" encoding="utf-8"?>
+<p:sld xmlns:a="http://schemas.openxmlformats.org/drawingml/2006/main" xmlns:r="http://schemas.openxmlformats.org/officeDocument/2006/relationships" xmlns:p="http://schemas.openxmlformats.org/presentationml/2006/main">
+  <p:cSld>
+    <p:spTree>
+      <p:nvGrpSpPr>
+        <p:cNvPr id="1" name=""/>
+        <p:cNvGrpSpPr/>
+        <p:nvPr/>
+      </p:nvGrpSpPr>
+      <p:grpSpPr>
+        <a:xfrm>
+          <a:off x="0" y="0"/>
+          <a:ext cx="0" cy="0"/>
+          <a:chOff x="0" y="0"/>
+          <a:chExt cx="0" cy="0"/>
+        </a:xfrm>
+      </p:grpSpPr>
+      <p:sp>
+        <p:nvSpPr>
+          <p:cNvPr id="2" name="object 2"/>
+          <p:cNvSpPr/>
+          <p:nvPr/>
+        </p:nvSpPr>
+        <p:spPr>
+          <a:xfrm>
+            <a:off x="0" y="0"/>
+            <a:ext cx="9144000" cy="6858000"/>
+          </a:xfrm>
+          <a:custGeom>
+            <a:avLst/>
+            <a:gdLst/>
+            <a:ahLst/>
+            <a:cxnLst/>
+            <a:rect l="l" t="t" r="r" b="b"/>
+            <a:pathLst>
+              <a:path w="9144000" h="6858000">
+                <a:moveTo>
+                  <a:pt x="0" y="6857995"/>
+                </a:moveTo>
+                <a:lnTo>
+                  <a:pt x="9144000" y="6857995"/>
+                </a:lnTo>
+                <a:lnTo>
+                  <a:pt x="9144000" y="0"/>
+                </a:lnTo>
+                <a:lnTo>
+                  <a:pt x="0" y="0"/>
+                </a:lnTo>
+                <a:lnTo>
+                  <a:pt x="0" y="6857995"/>
+                </a:lnTo>
+                <a:close/>
+              </a:path>
+            </a:pathLst>
+          </a:custGeom>
+          <a:solidFill>
+            <a:srgbClr val="38505F"/>
+          </a:solidFill>
+        </p:spPr>
+        <p:txBody>
+          <a:bodyPr wrap="square" lIns="0" tIns="0" rIns="0" bIns="0" rtlCol="0"/>
+          <a:lstStyle/>
+          <a:p>
+            <a:endParaRPr dirty="0"/>
+          </a:p>
+        </p:txBody>
+      </p:sp>
+      <p:sp>
+        <p:nvSpPr>
+          <p:cNvPr id="8" name="Retângulo: Cantos Arredondados 7">
+            <a:extLst>
+              <a:ext uri="{FF2B5EF4-FFF2-40B4-BE49-F238E27FC236}">
+                <a16:creationId xmlns:a16="http://schemas.microsoft.com/office/drawing/2014/main" id="{3C45E504-FB1A-48F4-A766-975714195E17}"/>
+              </a:ext>
+            </a:extLst>
+          </p:cNvPr>
+          <p:cNvSpPr/>
+          <p:nvPr/>
+        </p:nvSpPr>
+        <p:spPr>
+          <a:xfrm>
+            <a:off x="419100" y="932296"/>
+            <a:ext cx="8420100" cy="5392304"/>
+          </a:xfrm>
+          <a:prstGeom prst="roundRect">
+            <a:avLst/>
+          </a:prstGeom>
+          <a:solidFill>
+            <a:srgbClr val="DDDDDD"/>
+          </a:solidFill>
+          <a:ln>
+            <a:solidFill>
+              <a:srgbClr val="DDDDDD"/>
+            </a:solidFill>
+          </a:ln>
+        </p:spPr>
+        <p:style>
+          <a:lnRef idx="2">
+            <a:schemeClr val="accent1">
+              <a:shade val="50000"/>
+            </a:schemeClr>
+          </a:lnRef>
+          <a:fillRef idx="1">
+            <a:schemeClr val="accent1"/>
+          </a:fillRef>
+          <a:effectRef idx="0">
+            <a:schemeClr val="accent1"/>
+          </a:effectRef>
+          <a:fontRef idx="minor">
+            <a:schemeClr val="lt1"/>
+          </a:fontRef>
+        </p:style>
+        <p:txBody>
+          <a:bodyPr rtlCol="0" anchor="ctr"/>
+          <a:lstStyle/>
+          <a:p>
+            <a:pPr algn="ctr"/>
+            <a:endParaRPr lang="pt-PT" dirty="0"/>
+          </a:p>
+        </p:txBody>
+      </p:sp>
+      <p:sp>
+        <p:nvSpPr>
+          <p:cNvPr id="7" name="CaixaDeTexto 6">
+            <a:extLst>
+              <a:ext uri="{FF2B5EF4-FFF2-40B4-BE49-F238E27FC236}">
+                <a16:creationId xmlns:a16="http://schemas.microsoft.com/office/drawing/2014/main" id="{84725617-FF18-4130-A845-0C3F25166607}"/>
+              </a:ext>
+            </a:extLst>
+          </p:cNvPr>
+          <p:cNvSpPr txBox="1"/>
+          <p:nvPr/>
+        </p:nvSpPr>
+        <p:spPr>
+          <a:xfrm>
+            <a:off x="361950" y="3439180"/>
+            <a:ext cx="8477250" cy="523220"/>
+          </a:xfrm>
+          <a:prstGeom prst="rect">
+            <a:avLst/>
+          </a:prstGeom>
+          <a:noFill/>
+        </p:spPr>
+        <p:txBody>
+          <a:bodyPr wrap="square" rtlCol="0" anchor="ctr">
+            <a:spAutoFit/>
+          </a:bodyPr>
+          <a:lstStyle/>
+          <a:p>
+            <a:pPr algn="ctr"/>
+            <a:r>
+              <a:rPr lang="pt-PT" sz="2800" dirty="0">
+                <a:solidFill>
+                  <a:srgbClr val="00B050"/>
+                </a:solidFill>
+                <a:latin typeface="Consolas" panose="020B0609020204030204" pitchFamily="49" charset="0"/>
+                <a:cs typeface="Arial" panose="020B0604020202020204" pitchFamily="34" charset="0"/>
+              </a:rPr>
+              <a:t>“Na SEI há </a:t>
+            </a:r>
+            <a:r>
+              <a:rPr lang="pt-PT" sz="2800" dirty="0">
+                <a:solidFill>
+                  <a:srgbClr val="C00000"/>
+                </a:solidFill>
+                <a:latin typeface="Consolas" panose="020B0609020204030204" pitchFamily="49" charset="0"/>
+                <a:cs typeface="Arial" panose="020B0604020202020204" pitchFamily="34" charset="0"/>
+              </a:rPr>
+              <a:t>fruta</a:t>
+            </a:r>
+            <a:r>
+              <a:rPr lang="pt-PT" sz="2800" dirty="0">
+                <a:solidFill>
+                  <a:srgbClr val="00B050"/>
+                </a:solidFill>
+                <a:latin typeface="Consolas" panose="020B0609020204030204" pitchFamily="49" charset="0"/>
+                <a:cs typeface="Arial" panose="020B0604020202020204" pitchFamily="34" charset="0"/>
+              </a:rPr>
+              <a:t>?”</a:t>
+            </a:r>
+          </a:p>
+        </p:txBody>
+      </p:sp>
+      <p:pic>
+        <p:nvPicPr>
+          <p:cNvPr id="14" name="Imagem 13">
+            <a:extLst>
+              <a:ext uri="{FF2B5EF4-FFF2-40B4-BE49-F238E27FC236}">
+                <a16:creationId xmlns:a16="http://schemas.microsoft.com/office/drawing/2014/main" id="{FB20CB1E-E90C-4757-BE49-959662789E67}"/>
+              </a:ext>
+            </a:extLst>
+          </p:cNvPr>
+          <p:cNvPicPr>
+            <a:picLocks noChangeAspect="1"/>
+          </p:cNvPicPr>
+          <p:nvPr/>
+        </p:nvPicPr>
+        <p:blipFill rotWithShape="1">
+          <a:blip r:embed="rId3">
+            <a:extLst>
+              <a:ext uri="{BEBA8EAE-BF5A-486C-A8C5-ECC9F3942E4B}">
+                <a14:imgProps xmlns:a14="http://schemas.microsoft.com/office/drawing/2010/main">
+                  <a14:imgLayer r:embed="rId4">
+                    <a14:imgEffect>
+                      <a14:backgroundRemoval t="4348" b="96377" l="9804" r="89216">
+                        <a14:foregroundMark x1="42327" y1="69077" x2="32353" y2="34058"/>
+                        <a14:foregroundMark x1="42896" y1="71074" x2="42719" y2="70452"/>
+                        <a14:foregroundMark x1="44280" y1="75933" x2="43980" y2="74878"/>
+                        <a14:foregroundMark x1="46078" y1="82246" x2="45495" y2="80198"/>
+                        <a14:foregroundMark x1="59321" y1="76635" x2="59774" y2="76294"/>
+                        <a14:foregroundMark x1="47059" y1="85870" x2="57454" y2="78041"/>
+                        <a14:foregroundMark x1="77585" y1="54932" x2="79085" y2="52899"/>
+                        <a14:foregroundMark x1="67413" y1="68715" x2="75327" y2="57991"/>
+                        <a14:foregroundMark x1="60784" y1="87319" x2="50327" y2="90217"/>
+                        <a14:foregroundMark x1="50327" y1="90217" x2="34009" y2="88071"/>
+                        <a14:foregroundMark x1="39542" y1="87681" x2="51634" y2="89493"/>
+                        <a14:foregroundMark x1="51634" y1="89493" x2="60131" y2="86957"/>
+                        <a14:foregroundMark x1="60131" y1="86957" x2="63072" y2="84058"/>
+                        <a14:foregroundMark x1="63072" y1="85870" x2="54902" y2="91667"/>
+                        <a14:foregroundMark x1="54902" y1="91667" x2="43137" y2="92029"/>
+                        <a14:foregroundMark x1="42157" y1="92391" x2="51634" y2="93116"/>
+                        <a14:foregroundMark x1="51634" y1="93116" x2="55556" y2="92029"/>
+                        <a14:foregroundMark x1="54902" y1="93841" x2="46405" y2="94928"/>
+                        <a14:foregroundMark x1="24749" y1="62028" x2="27778" y2="37681"/>
+                        <a14:foregroundMark x1="27778" y1="37681" x2="30392" y2="34058"/>
+                        <a14:foregroundMark x1="34448" y1="69561" x2="37908" y2="41304"/>
+                        <a14:foregroundMark x1="49520" y1="69784" x2="52614" y2="55797"/>
+                        <a14:foregroundMark x1="59125" y1="68788" x2="60131" y2="56522"/>
+                        <a14:foregroundMark x1="66018" y1="68736" x2="68627" y2="53986"/>
+                        <a14:foregroundMark x1="71518" y1="65483" x2="71242" y2="51087"/>
+                        <a14:foregroundMark x1="70588" y1="60507" x2="70588" y2="43478"/>
+                        <a14:foregroundMark x1="69935" y1="39130" x2="66667" y2="29710"/>
+                        <a14:foregroundMark x1="66667" y1="29710" x2="57516" y2="26449"/>
+                        <a14:foregroundMark x1="57516" y1="26449" x2="36601" y2="28623"/>
+                        <a14:foregroundMark x1="36601" y1="28623" x2="33660" y2="30797"/>
+                        <a14:foregroundMark x1="48366" y1="7971" x2="49346" y2="13406"/>
+                        <a14:foregroundMark x1="49346" y1="7971" x2="49346" y2="12319"/>
+                        <a14:foregroundMark x1="48693" y1="8696" x2="49346" y2="12681"/>
+                        <a14:foregroundMark x1="50000" y1="8333" x2="51307" y2="11957"/>
+                        <a14:foregroundMark x1="50654" y1="8333" x2="49673" y2="13043"/>
+                        <a14:foregroundMark x1="48693" y1="7609" x2="49020" y2="12681"/>
+                        <a14:foregroundMark x1="49020" y1="10145" x2="49020" y2="4710"/>
+                        <a14:foregroundMark x1="18627" y1="50362" x2="27124" y2="50000"/>
+                        <a14:foregroundMark x1="47386" y1="93478" x2="50000" y2="94928"/>
+                        <a14:foregroundMark x1="45752" y1="96377" x2="51634" y2="95290"/>
+                        <a14:foregroundMark x1="51634" y1="94928" x2="51634" y2="94928"/>
+                        <a14:backgroundMark x1="14379" y1="11957" x2="11111" y2="54348"/>
+                        <a14:backgroundMark x1="17647" y1="77174" x2="25163" y2="76812"/>
+                        <a14:backgroundMark x1="24837" y1="71014" x2="22876" y2="84058"/>
+                        <a14:backgroundMark x1="22876" y1="84058" x2="22222" y2="85507"/>
+                        <a14:backgroundMark x1="20261" y1="65217" x2="23856" y2="77174"/>
+                        <a14:backgroundMark x1="23856" y1="77174" x2="30719" y2="75362"/>
+                        <a14:backgroundMark x1="73856" y1="74638" x2="78105" y2="73551"/>
+                        <a14:backgroundMark x1="76144" y1="72101" x2="77778" y2="75362"/>
+                        <a14:backgroundMark x1="72549" y1="75000" x2="76144" y2="77899"/>
+                        <a14:backgroundMark x1="72222" y1="75725" x2="75817" y2="79710"/>
+                        <a14:backgroundMark x1="72222" y1="74638" x2="75817" y2="77536"/>
+                        <a14:backgroundMark x1="71569" y1="74638" x2="76144" y2="76812"/>
+                        <a14:backgroundMark x1="72876" y1="74638" x2="77124" y2="76449"/>
+                        <a14:backgroundMark x1="80719" y1="61957" x2="80065" y2="74638"/>
+                        <a14:backgroundMark x1="80065" y1="74638" x2="71569" y2="86957"/>
+                        <a14:backgroundMark x1="19935" y1="75000" x2="31373" y2="75000"/>
+                        <a14:backgroundMark x1="31373" y1="75000" x2="36275" y2="73913"/>
+                        <a14:backgroundMark x1="63072" y1="73913" x2="74183" y2="73913"/>
+                        <a14:backgroundMark x1="74183" y1="73913" x2="76797" y2="73188"/>
+                        <a14:backgroundMark x1="76797" y1="66667" x2="74183" y2="80797"/>
+                        <a14:backgroundMark x1="17320" y1="60870" x2="18954" y2="74275"/>
+                        <a14:backgroundMark x1="18954" y1="74275" x2="23856" y2="85145"/>
+                        <a14:backgroundMark x1="23856" y1="85145" x2="27778" y2="87319"/>
+                        <a14:backgroundMark x1="17320" y1="59420" x2="18627" y2="61232"/>
+                        <a14:backgroundMark x1="16667" y1="60870" x2="18301" y2="62319"/>
+                        <a14:backgroundMark x1="17320" y1="59058" x2="17974" y2="61594"/>
+                        <a14:backgroundMark x1="27778" y1="86232" x2="26797" y2="91667"/>
+                        <a14:backgroundMark x1="28105" y1="87319" x2="28105" y2="91667"/>
+                        <a14:backgroundMark x1="69935" y1="85507" x2="70588" y2="94928"/>
+                        <a14:backgroundMark x1="28105" y1="86594" x2="29085" y2="92391"/>
+                        <a14:backgroundMark x1="16013" y1="57609" x2="19935" y2="60870"/>
+                        <a14:backgroundMark x1="24183" y1="62319" x2="26144" y2="66667"/>
+                        <a14:backgroundMark x1="67974" y1="71377" x2="61765" y2="73913"/>
+                        <a14:backgroundMark x1="62418" y1="74638" x2="58824" y2="74638"/>
+                        <a14:backgroundMark x1="58497" y1="75000" x2="55556" y2="74275"/>
+                        <a14:backgroundMark x1="37908" y1="74275" x2="40523" y2="74275"/>
+                        <a14:backgroundMark x1="40850" y1="74638" x2="44118" y2="74638"/>
+                        <a14:backgroundMark x1="45098" y1="74638" x2="47386" y2="75000"/>
+                        <a14:backgroundMark x1="48366" y1="75000" x2="49673" y2="75000"/>
+                        <a14:backgroundMark x1="48693" y1="74275" x2="49020" y2="74275"/>
+                        <a14:backgroundMark x1="47386" y1="74275" x2="49020" y2="74275"/>
+                        <a14:backgroundMark x1="78758" y1="61594" x2="82680" y2="59783"/>
+                        <a14:backgroundMark x1="81373" y1="58696" x2="79739" y2="60145"/>
+                        <a14:backgroundMark x1="81373" y1="58696" x2="78758" y2="61232"/>
+                      </a14:backgroundRemoval>
+                    </a14:imgEffect>
+                  </a14:imgLayer>
+                </a14:imgProps>
+              </a:ext>
+            </a:extLst>
+          </a:blip>
+          <a:srcRect l="12176" r="12062"/>
+          <a:stretch/>
+        </p:blipFill>
+        <p:spPr>
+          <a:xfrm>
+            <a:off x="2209800" y="1312157"/>
+            <a:ext cx="752227" cy="895545"/>
+          </a:xfrm>
+          <a:prstGeom prst="rect">
+            <a:avLst/>
+          </a:prstGeom>
+        </p:spPr>
+      </p:pic>
+      <p:sp>
+        <p:nvSpPr>
+          <p:cNvPr id="45" name="CaixaDeTexto 44">
+            <a:extLst>
+              <a:ext uri="{FF2B5EF4-FFF2-40B4-BE49-F238E27FC236}">
+                <a16:creationId xmlns:a16="http://schemas.microsoft.com/office/drawing/2014/main" id="{4656957C-6200-4371-9D49-1E125A611C4D}"/>
+              </a:ext>
+            </a:extLst>
+          </p:cNvPr>
+          <p:cNvSpPr txBox="1"/>
+          <p:nvPr/>
+        </p:nvSpPr>
+        <p:spPr>
+          <a:xfrm>
+            <a:off x="1842963" y="2173069"/>
+            <a:ext cx="1485900" cy="646331"/>
+          </a:xfrm>
+          <a:prstGeom prst="rect">
+            <a:avLst/>
+          </a:prstGeom>
+          <a:noFill/>
+        </p:spPr>
+        <p:txBody>
+          <a:bodyPr wrap="square" rtlCol="0" anchor="ctr">
+            <a:spAutoFit/>
+          </a:bodyPr>
+          <a:lstStyle/>
+          <a:p>
+            <a:pPr algn="ctr"/>
+            <a:r>
+              <a:rPr lang="pt-PT" dirty="0">
+                <a:solidFill>
+                  <a:schemeClr val="accent1">
+                    <a:lumMod val="50000"/>
+                  </a:schemeClr>
+                </a:solidFill>
+                <a:latin typeface="Consolas" panose="020B0609020204030204" pitchFamily="49" charset="0"/>
+                <a:cs typeface="Arial" panose="020B0604020202020204" pitchFamily="34" charset="0"/>
+              </a:rPr>
+              <a:t>Bot3</a:t>
+            </a:r>
+          </a:p>
+          <a:p>
+            <a:pPr algn="ctr"/>
+            <a:r>
+              <a:rPr lang="pt-PT" b="1" dirty="0">
+                <a:solidFill>
+                  <a:schemeClr val="accent1">
+                    <a:lumMod val="50000"/>
+                  </a:schemeClr>
+                </a:solidFill>
+                <a:latin typeface="Consolas" panose="020B0609020204030204" pitchFamily="49" charset="0"/>
+                <a:cs typeface="Arial" panose="020B0604020202020204" pitchFamily="34" charset="0"/>
+              </a:rPr>
+              <a:t>Provérbios</a:t>
+            </a:r>
+          </a:p>
+        </p:txBody>
+      </p:sp>
+      <p:sp>
+        <p:nvSpPr>
+          <p:cNvPr id="23" name="Retângulo 22">
+            <a:extLst>
+              <a:ext uri="{FF2B5EF4-FFF2-40B4-BE49-F238E27FC236}">
+                <a16:creationId xmlns:a16="http://schemas.microsoft.com/office/drawing/2014/main" id="{F6C4C90B-38D1-454E-A513-F8CE1579BF09}"/>
+              </a:ext>
+            </a:extLst>
+          </p:cNvPr>
+          <p:cNvSpPr/>
+          <p:nvPr/>
+        </p:nvSpPr>
+        <p:spPr>
+          <a:xfrm>
+            <a:off x="3962400" y="1808202"/>
+            <a:ext cx="3429000" cy="553998"/>
+          </a:xfrm>
+          <a:prstGeom prst="rect">
+            <a:avLst/>
+          </a:prstGeom>
+        </p:spPr>
+        <p:txBody>
+          <a:bodyPr wrap="square" anchor="ctr">
+            <a:spAutoFit/>
+          </a:bodyPr>
+          <a:lstStyle/>
+          <a:p>
+            <a:pPr lvl="0"/>
+            <a:r>
+              <a:rPr lang="pt-PT" sz="1500" dirty="0">
+                <a:solidFill>
+                  <a:srgbClr val="488ED4"/>
+                </a:solidFill>
+                <a:latin typeface="Consolas" panose="020B0609020204030204" pitchFamily="49" charset="0"/>
+                <a:cs typeface="Arial" panose="020B0604020202020204" pitchFamily="34" charset="0"/>
+              </a:rPr>
+              <a:t>CREATE</a:t>
+            </a:r>
+            <a:r>
+              <a:rPr lang="pt-PT" sz="1500" dirty="0">
+                <a:solidFill>
+                  <a:prstClr val="black"/>
+                </a:solidFill>
+                <a:latin typeface="Consolas" panose="020B0609020204030204" pitchFamily="49" charset="0"/>
+                <a:cs typeface="Arial" panose="020B0604020202020204" pitchFamily="34" charset="0"/>
+              </a:rPr>
+              <a:t> </a:t>
+            </a:r>
+            <a:r>
+              <a:rPr lang="pt-PT" sz="1500" dirty="0" err="1">
+                <a:solidFill>
+                  <a:prstClr val="black"/>
+                </a:solidFill>
+                <a:latin typeface="Consolas" panose="020B0609020204030204" pitchFamily="49" charset="0"/>
+                <a:cs typeface="Arial" panose="020B0604020202020204" pitchFamily="34" charset="0"/>
+              </a:rPr>
+              <a:t>bot_lista</a:t>
+            </a:r>
+            <a:r>
+              <a:rPr lang="pt-PT" sz="1500" dirty="0">
+                <a:solidFill>
+                  <a:prstClr val="black"/>
+                </a:solidFill>
+                <a:latin typeface="Consolas" panose="020B0609020204030204" pitchFamily="49" charset="0"/>
+                <a:cs typeface="Arial" panose="020B0604020202020204" pitchFamily="34" charset="0"/>
+              </a:rPr>
+              <a:t> </a:t>
+            </a:r>
+          </a:p>
+          <a:p>
+            <a:pPr lvl="0"/>
+            <a:r>
+              <a:rPr lang="pt-PT" sz="1500" dirty="0">
+                <a:solidFill>
+                  <a:srgbClr val="00B050"/>
+                </a:solidFill>
+                <a:latin typeface="Consolas" panose="020B0609020204030204" pitchFamily="49" charset="0"/>
+                <a:cs typeface="Arial" panose="020B0604020202020204" pitchFamily="34" charset="0"/>
+              </a:rPr>
+              <a:t>FROM</a:t>
+            </a:r>
+            <a:r>
+              <a:rPr lang="pt-PT" sz="1500" dirty="0">
+                <a:solidFill>
+                  <a:srgbClr val="488ED4"/>
+                </a:solidFill>
+                <a:latin typeface="Consolas" panose="020B0609020204030204" pitchFamily="49" charset="0"/>
+                <a:cs typeface="Arial" panose="020B0604020202020204" pitchFamily="34" charset="0"/>
+              </a:rPr>
+              <a:t> </a:t>
+            </a:r>
+            <a:r>
+              <a:rPr lang="pt-PT" sz="1500" dirty="0">
+                <a:solidFill>
+                  <a:prstClr val="black"/>
+                </a:solidFill>
+                <a:latin typeface="Consolas" panose="020B0609020204030204" pitchFamily="49" charset="0"/>
+                <a:cs typeface="Arial" panose="020B0604020202020204" pitchFamily="34" charset="0"/>
+              </a:rPr>
+              <a:t>proverbios.txt</a:t>
+            </a:r>
+          </a:p>
+        </p:txBody>
+      </p:sp>
+      <p:cxnSp>
+        <p:nvCxnSpPr>
+          <p:cNvPr id="24" name="Conexão reta 23">
+            <a:extLst>
+              <a:ext uri="{FF2B5EF4-FFF2-40B4-BE49-F238E27FC236}">
+                <a16:creationId xmlns:a16="http://schemas.microsoft.com/office/drawing/2014/main" id="{6245EF25-CBCC-40B7-B0E6-014B8DAF64D4}"/>
+              </a:ext>
+            </a:extLst>
+          </p:cNvPr>
+          <p:cNvCxnSpPr>
+            <a:cxnSpLocks/>
+          </p:cNvCxnSpPr>
+          <p:nvPr/>
+        </p:nvCxnSpPr>
+        <p:spPr>
+          <a:xfrm>
+            <a:off x="3767429" y="1752600"/>
+            <a:ext cx="3547771" cy="0"/>
+          </a:xfrm>
+          <a:prstGeom prst="line">
+            <a:avLst/>
+          </a:prstGeom>
+          <a:ln w="19050"/>
+        </p:spPr>
+        <p:style>
+          <a:lnRef idx="1">
+            <a:schemeClr val="accent1"/>
+          </a:lnRef>
+          <a:fillRef idx="0">
+            <a:schemeClr val="accent1"/>
+          </a:fillRef>
+          <a:effectRef idx="0">
+            <a:schemeClr val="accent1"/>
+          </a:effectRef>
+          <a:fontRef idx="minor">
+            <a:schemeClr val="tx1"/>
+          </a:fontRef>
+        </p:style>
+      </p:cxnSp>
+      <p:cxnSp>
+        <p:nvCxnSpPr>
+          <p:cNvPr id="30" name="Conexão reta 29">
+            <a:extLst>
+              <a:ext uri="{FF2B5EF4-FFF2-40B4-BE49-F238E27FC236}">
+                <a16:creationId xmlns:a16="http://schemas.microsoft.com/office/drawing/2014/main" id="{4DA85C04-D9FA-44B7-9360-8C3625ABB9DF}"/>
+              </a:ext>
+            </a:extLst>
+          </p:cNvPr>
+          <p:cNvCxnSpPr>
+            <a:cxnSpLocks/>
+          </p:cNvCxnSpPr>
+          <p:nvPr/>
+        </p:nvCxnSpPr>
+        <p:spPr>
+          <a:xfrm>
+            <a:off x="3767429" y="2438400"/>
+            <a:ext cx="3547771" cy="0"/>
+          </a:xfrm>
+          <a:prstGeom prst="line">
+            <a:avLst/>
+          </a:prstGeom>
+          <a:ln w="19050"/>
+        </p:spPr>
+        <p:style>
+          <a:lnRef idx="1">
+            <a:schemeClr val="accent1"/>
+          </a:lnRef>
+          <a:fillRef idx="0">
+            <a:schemeClr val="accent1"/>
+          </a:fillRef>
+          <a:effectRef idx="0">
+            <a:schemeClr val="accent1"/>
+          </a:effectRef>
+          <a:fontRef idx="minor">
+            <a:schemeClr val="tx1"/>
+          </a:fontRef>
+        </p:style>
+      </p:cxnSp>
+      <p:sp>
+        <p:nvSpPr>
+          <p:cNvPr id="20" name="object 2">
+            <a:extLst>
+              <a:ext uri="{FF2B5EF4-FFF2-40B4-BE49-F238E27FC236}">
+                <a16:creationId xmlns:a16="http://schemas.microsoft.com/office/drawing/2014/main" id="{56C6DBED-E3B0-4591-AFF6-E6C0A0B1EFBC}"/>
+              </a:ext>
+            </a:extLst>
+          </p:cNvPr>
+          <p:cNvSpPr txBox="1">
+            <a:spLocks noGrp="1"/>
+          </p:cNvSpPr>
+          <p:nvPr>
+            <p:ph type="title"/>
+          </p:nvPr>
+        </p:nvSpPr>
+        <p:spPr>
+          <a:xfrm>
+            <a:off x="3433762" y="235637"/>
+            <a:ext cx="2390775" cy="461023"/>
+          </a:xfrm>
+          <a:prstGeom prst="rect">
+            <a:avLst/>
+          </a:prstGeom>
+        </p:spPr>
+        <p:txBody>
+          <a:bodyPr vert="horz" wrap="square" lIns="0" tIns="14604" rIns="0" bIns="0" rtlCol="0">
+            <a:spAutoFit/>
+          </a:bodyPr>
+          <a:lstStyle/>
+          <a:p>
+            <a:pPr marL="12700" algn="l">
+              <a:lnSpc>
+                <a:spcPct val="100000"/>
+              </a:lnSpc>
+              <a:spcBef>
+                <a:spcPts val="114"/>
+              </a:spcBef>
+            </a:pPr>
+            <a:r>
+              <a:rPr lang="pt-PT" spc="-185" dirty="0">
+                <a:solidFill>
+                  <a:schemeClr val="bg1"/>
+                </a:solidFill>
+              </a:rPr>
+              <a:t>Frase exemplo</a:t>
+            </a:r>
+            <a:endParaRPr spc="-185" dirty="0">
+              <a:solidFill>
+                <a:schemeClr val="bg1"/>
+              </a:solidFill>
+            </a:endParaRPr>
+          </a:p>
+        </p:txBody>
+      </p:sp>
+      <p:sp>
+        <p:nvSpPr>
+          <p:cNvPr id="53" name="CaixaDeTexto 52">
+            <a:extLst>
+              <a:ext uri="{FF2B5EF4-FFF2-40B4-BE49-F238E27FC236}">
+                <a16:creationId xmlns:a16="http://schemas.microsoft.com/office/drawing/2014/main" id="{7F759DFD-4465-4D29-AC8E-09FEC1D769E3}"/>
+              </a:ext>
+            </a:extLst>
+          </p:cNvPr>
+          <p:cNvSpPr txBox="1"/>
+          <p:nvPr/>
+        </p:nvSpPr>
+        <p:spPr>
+          <a:xfrm>
+            <a:off x="361950" y="4328755"/>
+            <a:ext cx="8477250" cy="400110"/>
+          </a:xfrm>
+          <a:prstGeom prst="rect">
+            <a:avLst/>
+          </a:prstGeom>
+          <a:noFill/>
+        </p:spPr>
+        <p:txBody>
+          <a:bodyPr wrap="square" rtlCol="0" anchor="ctr">
+            <a:spAutoFit/>
+          </a:bodyPr>
+          <a:lstStyle/>
+          <a:p>
+            <a:pPr algn="ctr"/>
+            <a:r>
+              <a:rPr lang="pt-PT" sz="2000" dirty="0">
+                <a:solidFill>
+                  <a:schemeClr val="tx1">
+                    <a:lumMod val="50000"/>
+                    <a:lumOff val="50000"/>
+                  </a:schemeClr>
+                </a:solidFill>
+                <a:latin typeface="Consolas" panose="020B0609020204030204" pitchFamily="49" charset="0"/>
+                <a:cs typeface="Arial" panose="020B0604020202020204" pitchFamily="34" charset="0"/>
+              </a:rPr>
+              <a:t>“</a:t>
+            </a:r>
+            <a:r>
+              <a:rPr lang="pt-PT" sz="2000" dirty="0">
+                <a:solidFill>
+                  <a:schemeClr val="tx1">
+                    <a:lumMod val="50000"/>
+                    <a:lumOff val="50000"/>
+                  </a:schemeClr>
+                </a:solidFill>
+                <a:latin typeface="Consolas" panose="020B0609020204030204" pitchFamily="49" charset="0"/>
+                <a:cs typeface="Segoe UI" panose="020B0502040204020203" pitchFamily="34" charset="0"/>
+              </a:rPr>
+              <a:t>A fruta proibida é a mais apetecida.</a:t>
+            </a:r>
+            <a:r>
+              <a:rPr lang="pt-PT" sz="2000" dirty="0">
+                <a:solidFill>
+                  <a:schemeClr val="tx1">
+                    <a:lumMod val="50000"/>
+                    <a:lumOff val="50000"/>
+                  </a:schemeClr>
+                </a:solidFill>
+                <a:latin typeface="Consolas" panose="020B0609020204030204" pitchFamily="49" charset="0"/>
+                <a:cs typeface="Arial" panose="020B0604020202020204" pitchFamily="34" charset="0"/>
+              </a:rPr>
+              <a:t>”</a:t>
+            </a:r>
+          </a:p>
+        </p:txBody>
+      </p:sp>
+    </p:spTree>
+    <p:extLst>
+      <p:ext uri="{BB962C8B-B14F-4D97-AF65-F5344CB8AC3E}">
+        <p14:creationId xmlns:p14="http://schemas.microsoft.com/office/powerpoint/2010/main" val="1615595232"/>
+      </p:ext>
+    </p:extLst>
+  </p:cSld>
+  <p:clrMapOvr>
+    <a:masterClrMapping/>
+  </p:clrMapOvr>
+  <mc:AlternateContent xmlns:mc="http://schemas.openxmlformats.org/markup-compatibility/2006" xmlns:p14="http://schemas.microsoft.com/office/powerpoint/2010/main">
+    <mc:Choice Requires="p14">
+      <p:transition spd="med" p14:dur="700">
+        <p:fade/>
+      </p:transition>
+    </mc:Choice>
+    <mc:Fallback xmlns="">
+      <p:transition spd="med">
+        <p:fade/>
+      </p:transition>
+    </mc:Fallback>
+  </mc:AlternateContent>
+</p:sld>
+</file>
+
+<file path=ppt/slides/slide21.xml><?xml version="1.0" encoding="utf-8"?>
+<p:sld xmlns:a="http://schemas.openxmlformats.org/drawingml/2006/main" xmlns:r="http://schemas.openxmlformats.org/officeDocument/2006/relationships" xmlns:p="http://schemas.openxmlformats.org/presentationml/2006/main">
+  <p:cSld>
+    <p:spTree>
+      <p:nvGrpSpPr>
+        <p:cNvPr id="1" name=""/>
+        <p:cNvGrpSpPr/>
+        <p:nvPr/>
+      </p:nvGrpSpPr>
+      <p:grpSpPr>
+        <a:xfrm>
+          <a:off x="0" y="0"/>
+          <a:ext cx="0" cy="0"/>
+          <a:chOff x="0" y="0"/>
+          <a:chExt cx="0" cy="0"/>
+        </a:xfrm>
+      </p:grpSpPr>
+      <p:sp>
+        <p:nvSpPr>
+          <p:cNvPr id="2" name="object 2"/>
+          <p:cNvSpPr/>
+          <p:nvPr/>
+        </p:nvSpPr>
+        <p:spPr>
+          <a:xfrm>
+            <a:off x="0" y="0"/>
+            <a:ext cx="9144000" cy="6858000"/>
+          </a:xfrm>
+          <a:custGeom>
+            <a:avLst/>
+            <a:gdLst/>
+            <a:ahLst/>
+            <a:cxnLst/>
+            <a:rect l="l" t="t" r="r" b="b"/>
+            <a:pathLst>
+              <a:path w="9144000" h="6858000">
+                <a:moveTo>
+                  <a:pt x="0" y="6857995"/>
+                </a:moveTo>
+                <a:lnTo>
+                  <a:pt x="9144000" y="6857995"/>
+                </a:lnTo>
+                <a:lnTo>
+                  <a:pt x="9144000" y="0"/>
+                </a:lnTo>
+                <a:lnTo>
+                  <a:pt x="0" y="0"/>
+                </a:lnTo>
+                <a:lnTo>
+                  <a:pt x="0" y="6857995"/>
+                </a:lnTo>
+                <a:close/>
+              </a:path>
+            </a:pathLst>
+          </a:custGeom>
+          <a:solidFill>
+            <a:srgbClr val="38505F"/>
+          </a:solidFill>
+        </p:spPr>
+        <p:txBody>
+          <a:bodyPr wrap="square" lIns="0" tIns="0" rIns="0" bIns="0" rtlCol="0"/>
+          <a:lstStyle/>
+          <a:p>
+            <a:endParaRPr dirty="0"/>
+          </a:p>
+        </p:txBody>
+      </p:sp>
+      <p:sp>
+        <p:nvSpPr>
+          <p:cNvPr id="8" name="Retângulo: Cantos Arredondados 7">
+            <a:extLst>
+              <a:ext uri="{FF2B5EF4-FFF2-40B4-BE49-F238E27FC236}">
+                <a16:creationId xmlns:a16="http://schemas.microsoft.com/office/drawing/2014/main" id="{3C45E504-FB1A-48F4-A766-975714195E17}"/>
+              </a:ext>
+            </a:extLst>
+          </p:cNvPr>
+          <p:cNvSpPr/>
+          <p:nvPr/>
+        </p:nvSpPr>
+        <p:spPr>
+          <a:xfrm>
+            <a:off x="419100" y="932296"/>
+            <a:ext cx="8420100" cy="5392304"/>
+          </a:xfrm>
+          <a:prstGeom prst="roundRect">
+            <a:avLst/>
+          </a:prstGeom>
+          <a:solidFill>
+            <a:srgbClr val="DDDDDD"/>
+          </a:solidFill>
+          <a:ln>
+            <a:solidFill>
+              <a:srgbClr val="DDDDDD"/>
+            </a:solidFill>
+          </a:ln>
+        </p:spPr>
+        <p:style>
+          <a:lnRef idx="2">
+            <a:schemeClr val="accent1">
+              <a:shade val="50000"/>
+            </a:schemeClr>
+          </a:lnRef>
+          <a:fillRef idx="1">
+            <a:schemeClr val="accent1"/>
+          </a:fillRef>
+          <a:effectRef idx="0">
+            <a:schemeClr val="accent1"/>
+          </a:effectRef>
+          <a:fontRef idx="minor">
+            <a:schemeClr val="lt1"/>
+          </a:fontRef>
+        </p:style>
+        <p:txBody>
+          <a:bodyPr rtlCol="0" anchor="ctr"/>
+          <a:lstStyle/>
+          <a:p>
+            <a:pPr algn="ctr"/>
+            <a:endParaRPr lang="pt-PT" dirty="0"/>
+          </a:p>
+        </p:txBody>
+      </p:sp>
+      <p:sp>
+        <p:nvSpPr>
+          <p:cNvPr id="7" name="CaixaDeTexto 6">
+            <a:extLst>
+              <a:ext uri="{FF2B5EF4-FFF2-40B4-BE49-F238E27FC236}">
+                <a16:creationId xmlns:a16="http://schemas.microsoft.com/office/drawing/2014/main" id="{84725617-FF18-4130-A845-0C3F25166607}"/>
+              </a:ext>
+            </a:extLst>
+          </p:cNvPr>
+          <p:cNvSpPr txBox="1"/>
+          <p:nvPr/>
+        </p:nvSpPr>
+        <p:spPr>
+          <a:xfrm>
+            <a:off x="361950" y="3439180"/>
+            <a:ext cx="8477250" cy="523220"/>
+          </a:xfrm>
+          <a:prstGeom prst="rect">
+            <a:avLst/>
+          </a:prstGeom>
+          <a:noFill/>
+        </p:spPr>
+        <p:txBody>
+          <a:bodyPr wrap="square" rtlCol="0" anchor="ctr">
+            <a:spAutoFit/>
+          </a:bodyPr>
+          <a:lstStyle/>
+          <a:p>
+            <a:pPr algn="ctr"/>
+            <a:r>
+              <a:rPr lang="pt-PT" sz="2800" dirty="0">
+                <a:solidFill>
+                  <a:srgbClr val="00B050"/>
+                </a:solidFill>
+                <a:latin typeface="Consolas" panose="020B0609020204030204" pitchFamily="49" charset="0"/>
+                <a:cs typeface="Arial" panose="020B0604020202020204" pitchFamily="34" charset="0"/>
+              </a:rPr>
+              <a:t>“O que é </a:t>
+            </a:r>
+            <a:r>
+              <a:rPr lang="pt-PT" sz="2800" dirty="0">
+                <a:solidFill>
+                  <a:srgbClr val="C00000"/>
+                </a:solidFill>
+                <a:latin typeface="Consolas" panose="020B0609020204030204" pitchFamily="49" charset="0"/>
+                <a:cs typeface="Arial" panose="020B0604020202020204" pitchFamily="34" charset="0"/>
+              </a:rPr>
+              <a:t>fruta</a:t>
+            </a:r>
+            <a:r>
+              <a:rPr lang="pt-PT" sz="2800" dirty="0">
+                <a:solidFill>
+                  <a:srgbClr val="00B050"/>
+                </a:solidFill>
+                <a:latin typeface="Consolas" panose="020B0609020204030204" pitchFamily="49" charset="0"/>
+                <a:cs typeface="Arial" panose="020B0604020202020204" pitchFamily="34" charset="0"/>
+              </a:rPr>
+              <a:t>?”</a:t>
+            </a:r>
+          </a:p>
+        </p:txBody>
+      </p:sp>
+      <p:pic>
+        <p:nvPicPr>
+          <p:cNvPr id="14" name="Imagem 13">
+            <a:extLst>
+              <a:ext uri="{FF2B5EF4-FFF2-40B4-BE49-F238E27FC236}">
+                <a16:creationId xmlns:a16="http://schemas.microsoft.com/office/drawing/2014/main" id="{FB20CB1E-E90C-4757-BE49-959662789E67}"/>
+              </a:ext>
+            </a:extLst>
+          </p:cNvPr>
+          <p:cNvPicPr>
+            <a:picLocks noChangeAspect="1"/>
+          </p:cNvPicPr>
+          <p:nvPr/>
+        </p:nvPicPr>
+        <p:blipFill rotWithShape="1">
+          <a:blip r:embed="rId3">
+            <a:extLst>
+              <a:ext uri="{BEBA8EAE-BF5A-486C-A8C5-ECC9F3942E4B}">
+                <a14:imgProps xmlns:a14="http://schemas.microsoft.com/office/drawing/2010/main">
+                  <a14:imgLayer r:embed="rId4">
+                    <a14:imgEffect>
+                      <a14:backgroundRemoval t="4348" b="96377" l="9804" r="89216">
+                        <a14:foregroundMark x1="42327" y1="69077" x2="32353" y2="34058"/>
+                        <a14:foregroundMark x1="42896" y1="71074" x2="42719" y2="70452"/>
+                        <a14:foregroundMark x1="44280" y1="75933" x2="43980" y2="74878"/>
+                        <a14:foregroundMark x1="46078" y1="82246" x2="45495" y2="80198"/>
+                        <a14:foregroundMark x1="59321" y1="76635" x2="59774" y2="76294"/>
+                        <a14:foregroundMark x1="47059" y1="85870" x2="57454" y2="78041"/>
+                        <a14:foregroundMark x1="77585" y1="54932" x2="79085" y2="52899"/>
+                        <a14:foregroundMark x1="67413" y1="68715" x2="75327" y2="57991"/>
+                        <a14:foregroundMark x1="60784" y1="87319" x2="50327" y2="90217"/>
+                        <a14:foregroundMark x1="50327" y1="90217" x2="34009" y2="88071"/>
+                        <a14:foregroundMark x1="39542" y1="87681" x2="51634" y2="89493"/>
+                        <a14:foregroundMark x1="51634" y1="89493" x2="60131" y2="86957"/>
+                        <a14:foregroundMark x1="60131" y1="86957" x2="63072" y2="84058"/>
+                        <a14:foregroundMark x1="63072" y1="85870" x2="54902" y2="91667"/>
+                        <a14:foregroundMark x1="54902" y1="91667" x2="43137" y2="92029"/>
+                        <a14:foregroundMark x1="42157" y1="92391" x2="51634" y2="93116"/>
+                        <a14:foregroundMark x1="51634" y1="93116" x2="55556" y2="92029"/>
+                        <a14:foregroundMark x1="54902" y1="93841" x2="46405" y2="94928"/>
+                        <a14:foregroundMark x1="24749" y1="62028" x2="27778" y2="37681"/>
+                        <a14:foregroundMark x1="27778" y1="37681" x2="30392" y2="34058"/>
+                        <a14:foregroundMark x1="34448" y1="69561" x2="37908" y2="41304"/>
+                        <a14:foregroundMark x1="49520" y1="69784" x2="52614" y2="55797"/>
+                        <a14:foregroundMark x1="59125" y1="68788" x2="60131" y2="56522"/>
+                        <a14:foregroundMark x1="66018" y1="68736" x2="68627" y2="53986"/>
+                        <a14:foregroundMark x1="71518" y1="65483" x2="71242" y2="51087"/>
+                        <a14:foregroundMark x1="70588" y1="60507" x2="70588" y2="43478"/>
+                        <a14:foregroundMark x1="69935" y1="39130" x2="66667" y2="29710"/>
+                        <a14:foregroundMark x1="66667" y1="29710" x2="57516" y2="26449"/>
+                        <a14:foregroundMark x1="57516" y1="26449" x2="36601" y2="28623"/>
+                        <a14:foregroundMark x1="36601" y1="28623" x2="33660" y2="30797"/>
+                        <a14:foregroundMark x1="48366" y1="7971" x2="49346" y2="13406"/>
+                        <a14:foregroundMark x1="49346" y1="7971" x2="49346" y2="12319"/>
+                        <a14:foregroundMark x1="48693" y1="8696" x2="49346" y2="12681"/>
+                        <a14:foregroundMark x1="50000" y1="8333" x2="51307" y2="11957"/>
+                        <a14:foregroundMark x1="50654" y1="8333" x2="49673" y2="13043"/>
+                        <a14:foregroundMark x1="48693" y1="7609" x2="49020" y2="12681"/>
+                        <a14:foregroundMark x1="49020" y1="10145" x2="49020" y2="4710"/>
+                        <a14:foregroundMark x1="18627" y1="50362" x2="27124" y2="50000"/>
+                        <a14:foregroundMark x1="47386" y1="93478" x2="50000" y2="94928"/>
+                        <a14:foregroundMark x1="45752" y1="96377" x2="51634" y2="95290"/>
+                        <a14:foregroundMark x1="51634" y1="94928" x2="51634" y2="94928"/>
+                        <a14:backgroundMark x1="14379" y1="11957" x2="11111" y2="54348"/>
+                        <a14:backgroundMark x1="17647" y1="77174" x2="25163" y2="76812"/>
+                        <a14:backgroundMark x1="24837" y1="71014" x2="22876" y2="84058"/>
+                        <a14:backgroundMark x1="22876" y1="84058" x2="22222" y2="85507"/>
+                        <a14:backgroundMark x1="20261" y1="65217" x2="23856" y2="77174"/>
+                        <a14:backgroundMark x1="23856" y1="77174" x2="30719" y2="75362"/>
+                        <a14:backgroundMark x1="73856" y1="74638" x2="78105" y2="73551"/>
+                        <a14:backgroundMark x1="76144" y1="72101" x2="77778" y2="75362"/>
+                        <a14:backgroundMark x1="72549" y1="75000" x2="76144" y2="77899"/>
+                        <a14:backgroundMark x1="72222" y1="75725" x2="75817" y2="79710"/>
+                        <a14:backgroundMark x1="72222" y1="74638" x2="75817" y2="77536"/>
+                        <a14:backgroundMark x1="71569" y1="74638" x2="76144" y2="76812"/>
+                        <a14:backgroundMark x1="72876" y1="74638" x2="77124" y2="76449"/>
+                        <a14:backgroundMark x1="80719" y1="61957" x2="80065" y2="74638"/>
+                        <a14:backgroundMark x1="80065" y1="74638" x2="71569" y2="86957"/>
+                        <a14:backgroundMark x1="19935" y1="75000" x2="31373" y2="75000"/>
+                        <a14:backgroundMark x1="31373" y1="75000" x2="36275" y2="73913"/>
+                        <a14:backgroundMark x1="63072" y1="73913" x2="74183" y2="73913"/>
+                        <a14:backgroundMark x1="74183" y1="73913" x2="76797" y2="73188"/>
+                        <a14:backgroundMark x1="76797" y1="66667" x2="74183" y2="80797"/>
+                        <a14:backgroundMark x1="17320" y1="60870" x2="18954" y2="74275"/>
+                        <a14:backgroundMark x1="18954" y1="74275" x2="23856" y2="85145"/>
+                        <a14:backgroundMark x1="23856" y1="85145" x2="27778" y2="87319"/>
+                        <a14:backgroundMark x1="17320" y1="59420" x2="18627" y2="61232"/>
+                        <a14:backgroundMark x1="16667" y1="60870" x2="18301" y2="62319"/>
+                        <a14:backgroundMark x1="17320" y1="59058" x2="17974" y2="61594"/>
+                        <a14:backgroundMark x1="27778" y1="86232" x2="26797" y2="91667"/>
+                        <a14:backgroundMark x1="28105" y1="87319" x2="28105" y2="91667"/>
+                        <a14:backgroundMark x1="69935" y1="85507" x2="70588" y2="94928"/>
+                        <a14:backgroundMark x1="28105" y1="86594" x2="29085" y2="92391"/>
+                        <a14:backgroundMark x1="16013" y1="57609" x2="19935" y2="60870"/>
+                        <a14:backgroundMark x1="24183" y1="62319" x2="26144" y2="66667"/>
+                        <a14:backgroundMark x1="67974" y1="71377" x2="61765" y2="73913"/>
+                        <a14:backgroundMark x1="62418" y1="74638" x2="58824" y2="74638"/>
+                        <a14:backgroundMark x1="58497" y1="75000" x2="55556" y2="74275"/>
+                        <a14:backgroundMark x1="37908" y1="74275" x2="40523" y2="74275"/>
+                        <a14:backgroundMark x1="40850" y1="74638" x2="44118" y2="74638"/>
+                        <a14:backgroundMark x1="45098" y1="74638" x2="47386" y2="75000"/>
+                        <a14:backgroundMark x1="48366" y1="75000" x2="49673" y2="75000"/>
+                        <a14:backgroundMark x1="48693" y1="74275" x2="49020" y2="74275"/>
+                        <a14:backgroundMark x1="47386" y1="74275" x2="49020" y2="74275"/>
+                        <a14:backgroundMark x1="78758" y1="61594" x2="82680" y2="59783"/>
+                        <a14:backgroundMark x1="81373" y1="58696" x2="79739" y2="60145"/>
+                        <a14:backgroundMark x1="81373" y1="58696" x2="78758" y2="61232"/>
+                      </a14:backgroundRemoval>
+                    </a14:imgEffect>
+                  </a14:imgLayer>
+                </a14:imgProps>
+              </a:ext>
+            </a:extLst>
+          </a:blip>
+          <a:srcRect l="12176" r="12062"/>
+          <a:stretch/>
+        </p:blipFill>
+        <p:spPr>
+          <a:xfrm>
+            <a:off x="2209800" y="1312157"/>
+            <a:ext cx="752227" cy="895545"/>
+          </a:xfrm>
+          <a:prstGeom prst="rect">
+            <a:avLst/>
+          </a:prstGeom>
+        </p:spPr>
+      </p:pic>
+      <p:sp>
+        <p:nvSpPr>
+          <p:cNvPr id="45" name="CaixaDeTexto 44">
+            <a:extLst>
+              <a:ext uri="{FF2B5EF4-FFF2-40B4-BE49-F238E27FC236}">
+                <a16:creationId xmlns:a16="http://schemas.microsoft.com/office/drawing/2014/main" id="{4656957C-6200-4371-9D49-1E125A611C4D}"/>
+              </a:ext>
+            </a:extLst>
+          </p:cNvPr>
+          <p:cNvSpPr txBox="1"/>
+          <p:nvPr/>
+        </p:nvSpPr>
+        <p:spPr>
+          <a:xfrm>
+            <a:off x="1842963" y="2173069"/>
+            <a:ext cx="1485900" cy="646331"/>
+          </a:xfrm>
+          <a:prstGeom prst="rect">
+            <a:avLst/>
+          </a:prstGeom>
+          <a:noFill/>
+        </p:spPr>
+        <p:txBody>
+          <a:bodyPr wrap="square" rtlCol="0" anchor="ctr">
+            <a:spAutoFit/>
+          </a:bodyPr>
+          <a:lstStyle/>
+          <a:p>
+            <a:pPr algn="ctr"/>
+            <a:r>
+              <a:rPr lang="pt-PT" dirty="0">
+                <a:solidFill>
+                  <a:schemeClr val="accent1">
+                    <a:lumMod val="50000"/>
+                  </a:schemeClr>
+                </a:solidFill>
+                <a:latin typeface="Consolas" panose="020B0609020204030204" pitchFamily="49" charset="0"/>
+                <a:cs typeface="Arial" panose="020B0604020202020204" pitchFamily="34" charset="0"/>
+              </a:rPr>
+              <a:t>Bot5</a:t>
+            </a:r>
+          </a:p>
+          <a:p>
+            <a:pPr algn="ctr"/>
+            <a:r>
+              <a:rPr lang="pt-PT" b="1" dirty="0" err="1">
+                <a:solidFill>
+                  <a:schemeClr val="accent1">
+                    <a:lumMod val="50000"/>
+                  </a:schemeClr>
+                </a:solidFill>
+                <a:latin typeface="Consolas" panose="020B0609020204030204" pitchFamily="49" charset="0"/>
+                <a:cs typeface="Arial" panose="020B0604020202020204" pitchFamily="34" charset="0"/>
+              </a:rPr>
+              <a:t>Wikipedia</a:t>
+            </a:r>
+            <a:endParaRPr lang="pt-PT" b="1" dirty="0">
+              <a:solidFill>
+                <a:schemeClr val="accent1">
+                  <a:lumMod val="50000"/>
+                </a:schemeClr>
+              </a:solidFill>
+              <a:latin typeface="Consolas" panose="020B0609020204030204" pitchFamily="49" charset="0"/>
+              <a:cs typeface="Arial" panose="020B0604020202020204" pitchFamily="34" charset="0"/>
+            </a:endParaRPr>
+          </a:p>
+        </p:txBody>
+      </p:sp>
+      <p:sp>
+        <p:nvSpPr>
+          <p:cNvPr id="23" name="Retângulo 22">
+            <a:extLst>
+              <a:ext uri="{FF2B5EF4-FFF2-40B4-BE49-F238E27FC236}">
+                <a16:creationId xmlns:a16="http://schemas.microsoft.com/office/drawing/2014/main" id="{F6C4C90B-38D1-454E-A513-F8CE1579BF09}"/>
+              </a:ext>
+            </a:extLst>
+          </p:cNvPr>
+          <p:cNvSpPr/>
+          <p:nvPr/>
+        </p:nvSpPr>
+        <p:spPr>
+          <a:xfrm>
+            <a:off x="3962400" y="1808202"/>
+            <a:ext cx="3429000" cy="553998"/>
+          </a:xfrm>
+          <a:prstGeom prst="rect">
+            <a:avLst/>
+          </a:prstGeom>
+        </p:spPr>
+        <p:txBody>
+          <a:bodyPr wrap="square" anchor="ctr">
+            <a:spAutoFit/>
+          </a:bodyPr>
+          <a:lstStyle/>
+          <a:p>
+            <a:pPr lvl="0"/>
+            <a:r>
+              <a:rPr lang="pt-PT" sz="1500" dirty="0">
+                <a:solidFill>
+                  <a:srgbClr val="488ED4"/>
+                </a:solidFill>
+                <a:latin typeface="Consolas" panose="020B0609020204030204" pitchFamily="49" charset="0"/>
+                <a:cs typeface="Arial" panose="020B0604020202020204" pitchFamily="34" charset="0"/>
+              </a:rPr>
+              <a:t>CREATE</a:t>
+            </a:r>
+            <a:r>
+              <a:rPr lang="pt-PT" sz="1500" dirty="0">
+                <a:solidFill>
+                  <a:prstClr val="black"/>
+                </a:solidFill>
+                <a:latin typeface="Consolas" panose="020B0609020204030204" pitchFamily="49" charset="0"/>
+                <a:cs typeface="Arial" panose="020B0604020202020204" pitchFamily="34" charset="0"/>
+              </a:rPr>
+              <a:t> </a:t>
+            </a:r>
+            <a:r>
+              <a:rPr lang="pt-PT" sz="1500" dirty="0" err="1">
+                <a:solidFill>
+                  <a:prstClr val="black"/>
+                </a:solidFill>
+                <a:latin typeface="Consolas" panose="020B0609020204030204" pitchFamily="49" charset="0"/>
+                <a:cs typeface="Arial" panose="020B0604020202020204" pitchFamily="34" charset="0"/>
+              </a:rPr>
+              <a:t>bot_wiki</a:t>
+            </a:r>
+            <a:r>
+              <a:rPr lang="pt-PT" sz="1500" dirty="0">
+                <a:solidFill>
+                  <a:prstClr val="black"/>
+                </a:solidFill>
+                <a:latin typeface="Consolas" panose="020B0609020204030204" pitchFamily="49" charset="0"/>
+                <a:cs typeface="Arial" panose="020B0604020202020204" pitchFamily="34" charset="0"/>
+              </a:rPr>
+              <a:t> </a:t>
+            </a:r>
+          </a:p>
+          <a:p>
+            <a:pPr lvl="0"/>
+            <a:r>
+              <a:rPr lang="pt-PT" sz="1500" dirty="0">
+                <a:solidFill>
+                  <a:srgbClr val="00B050"/>
+                </a:solidFill>
+                <a:latin typeface="Consolas" panose="020B0609020204030204" pitchFamily="49" charset="0"/>
+                <a:cs typeface="Arial" panose="020B0604020202020204" pitchFamily="34" charset="0"/>
+              </a:rPr>
+              <a:t>FROM</a:t>
+            </a:r>
+            <a:r>
+              <a:rPr lang="pt-PT" sz="1500" dirty="0">
+                <a:solidFill>
+                  <a:srgbClr val="488ED4"/>
+                </a:solidFill>
+                <a:latin typeface="Consolas" panose="020B0609020204030204" pitchFamily="49" charset="0"/>
+                <a:cs typeface="Arial" panose="020B0604020202020204" pitchFamily="34" charset="0"/>
+              </a:rPr>
+              <a:t> </a:t>
+            </a:r>
+            <a:r>
+              <a:rPr lang="pt-PT" sz="1500" dirty="0" err="1">
+                <a:solidFill>
+                  <a:prstClr val="black"/>
+                </a:solidFill>
+                <a:latin typeface="Consolas" panose="020B0609020204030204" pitchFamily="49" charset="0"/>
+                <a:cs typeface="Arial" panose="020B0604020202020204" pitchFamily="34" charset="0"/>
+              </a:rPr>
+              <a:t>wiki.json</a:t>
+            </a:r>
+            <a:endParaRPr lang="pt-PT" sz="1500" dirty="0">
+              <a:solidFill>
+                <a:prstClr val="black"/>
+              </a:solidFill>
+              <a:latin typeface="Consolas" panose="020B0609020204030204" pitchFamily="49" charset="0"/>
+              <a:cs typeface="Arial" panose="020B0604020202020204" pitchFamily="34" charset="0"/>
+            </a:endParaRPr>
+          </a:p>
+        </p:txBody>
+      </p:sp>
+      <p:cxnSp>
+        <p:nvCxnSpPr>
+          <p:cNvPr id="24" name="Conexão reta 23">
+            <a:extLst>
+              <a:ext uri="{FF2B5EF4-FFF2-40B4-BE49-F238E27FC236}">
+                <a16:creationId xmlns:a16="http://schemas.microsoft.com/office/drawing/2014/main" id="{6245EF25-CBCC-40B7-B0E6-014B8DAF64D4}"/>
+              </a:ext>
+            </a:extLst>
+          </p:cNvPr>
+          <p:cNvCxnSpPr>
+            <a:cxnSpLocks/>
+          </p:cNvCxnSpPr>
+          <p:nvPr/>
+        </p:nvCxnSpPr>
+        <p:spPr>
+          <a:xfrm>
+            <a:off x="3767429" y="1752600"/>
+            <a:ext cx="3547771" cy="0"/>
+          </a:xfrm>
+          <a:prstGeom prst="line">
+            <a:avLst/>
+          </a:prstGeom>
+          <a:ln w="19050"/>
+        </p:spPr>
+        <p:style>
+          <a:lnRef idx="1">
+            <a:schemeClr val="accent1"/>
+          </a:lnRef>
+          <a:fillRef idx="0">
+            <a:schemeClr val="accent1"/>
+          </a:fillRef>
+          <a:effectRef idx="0">
+            <a:schemeClr val="accent1"/>
+          </a:effectRef>
+          <a:fontRef idx="minor">
+            <a:schemeClr val="tx1"/>
+          </a:fontRef>
+        </p:style>
+      </p:cxnSp>
+      <p:cxnSp>
+        <p:nvCxnSpPr>
+          <p:cNvPr id="30" name="Conexão reta 29">
+            <a:extLst>
+              <a:ext uri="{FF2B5EF4-FFF2-40B4-BE49-F238E27FC236}">
+                <a16:creationId xmlns:a16="http://schemas.microsoft.com/office/drawing/2014/main" id="{4DA85C04-D9FA-44B7-9360-8C3625ABB9DF}"/>
+              </a:ext>
+            </a:extLst>
+          </p:cNvPr>
+          <p:cNvCxnSpPr>
+            <a:cxnSpLocks/>
+          </p:cNvCxnSpPr>
+          <p:nvPr/>
+        </p:nvCxnSpPr>
+        <p:spPr>
+          <a:xfrm>
+            <a:off x="3767429" y="2438400"/>
+            <a:ext cx="3547771" cy="0"/>
+          </a:xfrm>
+          <a:prstGeom prst="line">
+            <a:avLst/>
+          </a:prstGeom>
+          <a:ln w="19050"/>
+        </p:spPr>
+        <p:style>
+          <a:lnRef idx="1">
+            <a:schemeClr val="accent1"/>
+          </a:lnRef>
+          <a:fillRef idx="0">
+            <a:schemeClr val="accent1"/>
+          </a:fillRef>
+          <a:effectRef idx="0">
+            <a:schemeClr val="accent1"/>
+          </a:effectRef>
+          <a:fontRef idx="minor">
+            <a:schemeClr val="tx1"/>
+          </a:fontRef>
+        </p:style>
+      </p:cxnSp>
+      <p:sp>
+        <p:nvSpPr>
+          <p:cNvPr id="20" name="object 2">
+            <a:extLst>
+              <a:ext uri="{FF2B5EF4-FFF2-40B4-BE49-F238E27FC236}">
+                <a16:creationId xmlns:a16="http://schemas.microsoft.com/office/drawing/2014/main" id="{56C6DBED-E3B0-4591-AFF6-E6C0A0B1EFBC}"/>
+              </a:ext>
+            </a:extLst>
+          </p:cNvPr>
+          <p:cNvSpPr txBox="1">
+            <a:spLocks noGrp="1"/>
+          </p:cNvSpPr>
+          <p:nvPr>
+            <p:ph type="title"/>
+          </p:nvPr>
+        </p:nvSpPr>
+        <p:spPr>
+          <a:xfrm>
+            <a:off x="3433762" y="235637"/>
+            <a:ext cx="2390775" cy="461023"/>
+          </a:xfrm>
+          <a:prstGeom prst="rect">
+            <a:avLst/>
+          </a:prstGeom>
+        </p:spPr>
+        <p:txBody>
+          <a:bodyPr vert="horz" wrap="square" lIns="0" tIns="14604" rIns="0" bIns="0" rtlCol="0">
+            <a:spAutoFit/>
+          </a:bodyPr>
+          <a:lstStyle/>
+          <a:p>
+            <a:pPr marL="12700" algn="l">
+              <a:lnSpc>
+                <a:spcPct val="100000"/>
+              </a:lnSpc>
+              <a:spcBef>
+                <a:spcPts val="114"/>
+              </a:spcBef>
+            </a:pPr>
+            <a:r>
+              <a:rPr lang="pt-PT" spc="-185" dirty="0">
+                <a:solidFill>
+                  <a:schemeClr val="bg1"/>
+                </a:solidFill>
+              </a:rPr>
+              <a:t>Frase exemplo</a:t>
+            </a:r>
+            <a:endParaRPr spc="-185" dirty="0">
+              <a:solidFill>
+                <a:schemeClr val="bg1"/>
+              </a:solidFill>
+            </a:endParaRPr>
+          </a:p>
+        </p:txBody>
+      </p:sp>
+      <p:sp>
+        <p:nvSpPr>
+          <p:cNvPr id="53" name="CaixaDeTexto 52">
+            <a:extLst>
+              <a:ext uri="{FF2B5EF4-FFF2-40B4-BE49-F238E27FC236}">
+                <a16:creationId xmlns:a16="http://schemas.microsoft.com/office/drawing/2014/main" id="{7F759DFD-4465-4D29-AC8E-09FEC1D769E3}"/>
+              </a:ext>
+            </a:extLst>
+          </p:cNvPr>
+          <p:cNvSpPr txBox="1"/>
+          <p:nvPr/>
+        </p:nvSpPr>
+        <p:spPr>
+          <a:xfrm>
+            <a:off x="819150" y="4207015"/>
+            <a:ext cx="7639050" cy="1477328"/>
+          </a:xfrm>
+          <a:prstGeom prst="rect">
+            <a:avLst/>
+          </a:prstGeom>
+          <a:noFill/>
+        </p:spPr>
+        <p:txBody>
+          <a:bodyPr wrap="square" rtlCol="0" anchor="ctr">
+            <a:spAutoFit/>
+          </a:bodyPr>
+          <a:lstStyle/>
+          <a:p>
+            <a:pPr algn="just"/>
+            <a:r>
+              <a:rPr lang="pt-PT" dirty="0">
+                <a:solidFill>
+                  <a:schemeClr val="tx1">
+                    <a:lumMod val="50000"/>
+                    <a:lumOff val="50000"/>
+                  </a:schemeClr>
+                </a:solidFill>
+                <a:latin typeface="Consolas" panose="020B0609020204030204" pitchFamily="49" charset="0"/>
+                <a:cs typeface="Arial" panose="020B0604020202020204" pitchFamily="34" charset="0"/>
+              </a:rPr>
+              <a:t>“Fruta é um conceito culinário, por oposição ao de legume, que em geral compreende os frutos e pseudofrutos comestíveis e de sabor adocicado, ainda que haja autores que discordem desta definição, por ser em suas opiniões, demasiado simplista.”</a:t>
+            </a:r>
+          </a:p>
+        </p:txBody>
+      </p:sp>
+    </p:spTree>
+    <p:extLst>
+      <p:ext uri="{BB962C8B-B14F-4D97-AF65-F5344CB8AC3E}">
+        <p14:creationId xmlns:p14="http://schemas.microsoft.com/office/powerpoint/2010/main" val="1437103299"/>
+      </p:ext>
+    </p:extLst>
+  </p:cSld>
+  <p:clrMapOvr>
+    <a:masterClrMapping/>
+  </p:clrMapOvr>
+  <mc:AlternateContent xmlns:mc="http://schemas.openxmlformats.org/markup-compatibility/2006" xmlns:p14="http://schemas.microsoft.com/office/powerpoint/2010/main">
+    <mc:Choice Requires="p14">
+      <p:transition spd="med" p14:dur="700">
+        <p:fade/>
+      </p:transition>
+    </mc:Choice>
+    <mc:Fallback xmlns="">
+      <p:transition spd="med">
+        <p:fade/>
+      </p:transition>
+    </mc:Fallback>
+  </mc:AlternateContent>
+</p:sld>
+</file>
+
+<file path=ppt/slides/slide22.xml><?xml version="1.0" encoding="utf-8"?>
 <p:sld xmlns:a="http://schemas.openxmlformats.org/drawingml/2006/main" xmlns:r="http://schemas.openxmlformats.org/officeDocument/2006/relationships" xmlns:p="http://schemas.openxmlformats.org/presentationml/2006/main">
   <p:cSld>
     <p:spTree>
@@ -13482,8 +20556,8 @@
         </p:nvSpPr>
         <p:spPr>
           <a:xfrm>
-            <a:off x="1447800" y="2250281"/>
-            <a:ext cx="6391713" cy="3139321"/>
+            <a:off x="1447800" y="2616875"/>
+            <a:ext cx="6391713" cy="2031325"/>
           </a:xfrm>
           <a:prstGeom prst="rect">
             <a:avLst/>
@@ -13579,46 +20653,6 @@
               </a:rPr>
               <a:t>Melhorar conteúdo das respostas </a:t>
             </a:r>
-          </a:p>
-          <a:p>
-            <a:pPr marL="285750" indent="-285750">
-              <a:buFont typeface="Wingdings" panose="05000000000000000000" pitchFamily="2" charset="2"/>
-              <a:buChar char="§"/>
-            </a:pPr>
-            <a:endParaRPr lang="pt-PT" dirty="0">
-              <a:latin typeface="Arial" panose="020B0604020202020204" pitchFamily="34" charset="0"/>
-              <a:cs typeface="Arial" panose="020B0604020202020204" pitchFamily="34" charset="0"/>
-            </a:endParaRPr>
-          </a:p>
-          <a:p>
-            <a:pPr marL="285750" indent="-285750">
-              <a:buFont typeface="Wingdings" panose="05000000000000000000" pitchFamily="2" charset="2"/>
-              <a:buChar char="§"/>
-            </a:pPr>
-            <a:endParaRPr lang="pt-PT" dirty="0">
-              <a:latin typeface="Arial" panose="020B0604020202020204" pitchFamily="34" charset="0"/>
-              <a:cs typeface="Arial" panose="020B0604020202020204" pitchFamily="34" charset="0"/>
-            </a:endParaRPr>
-          </a:p>
-          <a:p>
-            <a:pPr marL="742950" lvl="1" indent="-285750">
-              <a:buFont typeface="Arial" panose="020B0604020202020204" pitchFamily="34" charset="0"/>
-              <a:buChar char="•"/>
-            </a:pPr>
-            <a:endParaRPr lang="pt-PT" dirty="0">
-              <a:latin typeface="Arial" panose="020B0604020202020204" pitchFamily="34" charset="0"/>
-              <a:cs typeface="Arial" panose="020B0604020202020204" pitchFamily="34" charset="0"/>
-            </a:endParaRPr>
-          </a:p>
-          <a:p>
-            <a:pPr marL="742950" lvl="1" indent="-285750">
-              <a:buFont typeface="Arial" panose="020B0604020202020204" pitchFamily="34" charset="0"/>
-              <a:buChar char="•"/>
-            </a:pPr>
-            <a:endParaRPr lang="pt-PT" dirty="0">
-              <a:latin typeface="Arial" panose="020B0604020202020204" pitchFamily="34" charset="0"/>
-              <a:cs typeface="Arial" panose="020B0604020202020204" pitchFamily="34" charset="0"/>
-            </a:endParaRPr>
           </a:p>
         </p:txBody>
       </p:sp>
@@ -13672,7 +20706,7 @@
     </p:spTree>
     <p:extLst>
       <p:ext uri="{BB962C8B-B14F-4D97-AF65-F5344CB8AC3E}">
-        <p14:creationId xmlns:p14="http://schemas.microsoft.com/office/powerpoint/2010/main" val="1102670507"/>
+        <p14:creationId xmlns:p14="http://schemas.microsoft.com/office/powerpoint/2010/main" val="724390932"/>
       </p:ext>
     </p:extLst>
   </p:cSld>

--- a/LEI/apresentações/checkpoint2/apresLEI_grupo47.pptx
+++ b/LEI/apresentações/checkpoint2/apresLEI_grupo47.pptx
@@ -5,11 +5,11 @@
     <p:sldMasterId id="2147483648" r:id="rId1"/>
   </p:sldMasterIdLst>
   <p:notesMasterIdLst>
-    <p:notesMasterId r:id="rId24"/>
+    <p:notesMasterId r:id="rId25"/>
   </p:notesMasterIdLst>
   <p:sldIdLst>
     <p:sldId id="256" r:id="rId2"/>
-    <p:sldId id="322" r:id="rId3"/>
+    <p:sldId id="331" r:id="rId3"/>
     <p:sldId id="296" r:id="rId4"/>
     <p:sldId id="266" r:id="rId5"/>
     <p:sldId id="301" r:id="rId6"/>
@@ -30,6 +30,7 @@
     <p:sldId id="329" r:id="rId21"/>
     <p:sldId id="330" r:id="rId22"/>
     <p:sldId id="295" r:id="rId23"/>
+    <p:sldId id="332" r:id="rId24"/>
   </p:sldIdLst>
   <p:sldSz cx="9144000" cy="6858000" type="screen4x3"/>
   <p:notesSz cx="9144000" cy="6858000"/>
@@ -229,7 +230,7 @@
           <a:p>
             <a:fld id="{06D80BC0-DB8E-4343-896B-DB141BAE3B05}" type="datetimeFigureOut">
               <a:rPr lang="pt-PT" smtClean="0"/>
-              <a:t>27/05/2019</a:t>
+              <a:t>28/05/2019</a:t>
             </a:fld>
             <a:endParaRPr lang="pt-PT"/>
           </a:p>
@@ -1535,7 +1536,7 @@
     </p:spTree>
     <p:extLst>
       <p:ext uri="{BB962C8B-B14F-4D97-AF65-F5344CB8AC3E}">
-        <p14:creationId xmlns:p14="http://schemas.microsoft.com/office/powerpoint/2010/main" val="70191606"/>
+        <p14:creationId xmlns:p14="http://schemas.microsoft.com/office/powerpoint/2010/main" val="1860876849"/>
       </p:ext>
     </p:extLst>
   </p:cSld>
@@ -1797,6 +1798,131 @@
 </p:notes>
 </file>
 
+<file path=ppt/notesSlides/notesSlide23.xml><?xml version="1.0" encoding="utf-8"?>
+<p:notes xmlns:a="http://schemas.openxmlformats.org/drawingml/2006/main" xmlns:r="http://schemas.openxmlformats.org/officeDocument/2006/relationships" xmlns:p="http://schemas.openxmlformats.org/presentationml/2006/main">
+  <p:cSld>
+    <p:spTree>
+      <p:nvGrpSpPr>
+        <p:cNvPr id="1" name=""/>
+        <p:cNvGrpSpPr/>
+        <p:nvPr/>
+      </p:nvGrpSpPr>
+      <p:grpSpPr>
+        <a:xfrm>
+          <a:off x="0" y="0"/>
+          <a:ext cx="0" cy="0"/>
+          <a:chOff x="0" y="0"/>
+          <a:chExt cx="0" cy="0"/>
+        </a:xfrm>
+      </p:grpSpPr>
+      <p:sp>
+        <p:nvSpPr>
+          <p:cNvPr id="2" name="Marcador de Posição da Imagem do Diapositivo 1"/>
+          <p:cNvSpPr>
+            <a:spLocks noGrp="1" noRot="1" noChangeAspect="1"/>
+          </p:cNvSpPr>
+          <p:nvPr>
+            <p:ph type="sldImg"/>
+          </p:nvPr>
+        </p:nvSpPr>
+        <p:spPr/>
+      </p:sp>
+      <p:sp>
+        <p:nvSpPr>
+          <p:cNvPr id="3" name="Marcador de Posição de Notas 2"/>
+          <p:cNvSpPr>
+            <a:spLocks noGrp="1"/>
+          </p:cNvSpPr>
+          <p:nvPr>
+            <p:ph type="body" idx="1"/>
+          </p:nvPr>
+        </p:nvSpPr>
+        <p:spPr/>
+        <p:txBody>
+          <a:bodyPr/>
+          <a:lstStyle/>
+          <a:p>
+            <a:r>
+              <a:rPr lang="pt-PT" dirty="0"/>
+              <a:t>KIKO</a:t>
+            </a:r>
+          </a:p>
+          <a:p>
+            <a:r>
+              <a:rPr lang="pt-PT" b="1" u="sng" dirty="0"/>
+              <a:t>Bom dia!!!</a:t>
+            </a:r>
+          </a:p>
+          <a:p>
+            <a:r>
+              <a:rPr lang="pt-PT" dirty="0"/>
+              <a:t>Eu sou o Francisco, este é o Raul, e esta é a Diana e vamos começar a nossa apresentação do </a:t>
+            </a:r>
+            <a:r>
+              <a:rPr lang="pt-PT" u="sng" dirty="0"/>
+              <a:t>projeto de Laboratórios de Engenharia Informática</a:t>
+            </a:r>
+            <a:r>
+              <a:rPr lang="pt-PT" dirty="0"/>
+              <a:t>.</a:t>
+            </a:r>
+          </a:p>
+          <a:p>
+            <a:r>
+              <a:rPr lang="pt-PT" dirty="0"/>
+              <a:t>O tema do projeto é uma </a:t>
+            </a:r>
+            <a:r>
+              <a:rPr lang="pt-PT" b="1" u="sng" dirty="0"/>
+              <a:t>“DSL para geração de </a:t>
+            </a:r>
+            <a:r>
+              <a:rPr lang="pt-PT" b="1" u="sng" dirty="0" err="1"/>
+              <a:t>ChatBots</a:t>
+            </a:r>
+            <a:r>
+              <a:rPr lang="pt-PT" b="1" u="sng" dirty="0"/>
+              <a:t>”</a:t>
+            </a:r>
+          </a:p>
+        </p:txBody>
+      </p:sp>
+      <p:sp>
+        <p:nvSpPr>
+          <p:cNvPr id="4" name="Marcador de Posição do Número do Diapositivo 3"/>
+          <p:cNvSpPr>
+            <a:spLocks noGrp="1"/>
+          </p:cNvSpPr>
+          <p:nvPr>
+            <p:ph type="sldNum" sz="quarter" idx="10"/>
+          </p:nvPr>
+        </p:nvSpPr>
+        <p:spPr/>
+        <p:txBody>
+          <a:bodyPr/>
+          <a:lstStyle/>
+          <a:p>
+            <a:fld id="{62C9FF69-D9AD-48B5-8D39-7AA42039F77D}" type="slidenum">
+              <a:rPr lang="pt-PT" smtClean="0"/>
+              <a:t>23</a:t>
+            </a:fld>
+            <a:endParaRPr lang="pt-PT"/>
+          </a:p>
+        </p:txBody>
+      </p:sp>
+    </p:spTree>
+    <p:extLst>
+      <p:ext uri="{BB962C8B-B14F-4D97-AF65-F5344CB8AC3E}">
+        <p14:creationId xmlns:p14="http://schemas.microsoft.com/office/powerpoint/2010/main" val="389749458"/>
+      </p:ext>
+    </p:extLst>
+  </p:cSld>
+  <p:clrMapOvr>
+    <a:masterClrMapping/>
+  </p:clrMapOvr>
+</p:notes>
+</file>
+
 <file path=ppt/notesSlides/notesSlide3.xml><?xml version="1.0" encoding="utf-8"?>
 <p:notes xmlns:a="http://schemas.openxmlformats.org/drawingml/2006/main" xmlns:r="http://schemas.openxmlformats.org/officeDocument/2006/relationships" xmlns:p="http://schemas.openxmlformats.org/presentationml/2006/main">
   <p:cSld>
@@ -2524,7 +2650,7 @@
           <a:p>
             <a:fld id="{1D8BD707-D9CF-40AE-B4C6-C98DA3205C09}" type="datetimeFigureOut">
               <a:rPr lang="en-US"/>
-              <a:t>5/27/2019</a:t>
+              <a:t>5/28/2019</a:t>
             </a:fld>
             <a:endParaRPr lang="en-US"/>
           </a:p>
@@ -2695,7 +2821,7 @@
           <a:p>
             <a:fld id="{1D8BD707-D9CF-40AE-B4C6-C98DA3205C09}" type="datetimeFigureOut">
               <a:rPr lang="en-US"/>
-              <a:t>5/27/2019</a:t>
+              <a:t>5/28/2019</a:t>
             </a:fld>
             <a:endParaRPr lang="en-US"/>
           </a:p>
@@ -3135,7 +3261,7 @@
           <a:p>
             <a:fld id="{1D8BD707-D9CF-40AE-B4C6-C98DA3205C09}" type="datetimeFigureOut">
               <a:rPr lang="en-US"/>
-              <a:t>5/27/2019</a:t>
+              <a:t>5/28/2019</a:t>
             </a:fld>
             <a:endParaRPr lang="en-US"/>
           </a:p>
@@ -3341,7 +3467,7 @@
           <a:p>
             <a:fld id="{1D8BD707-D9CF-40AE-B4C6-C98DA3205C09}" type="datetimeFigureOut">
               <a:rPr lang="en-US"/>
-              <a:t>5/27/2019</a:t>
+              <a:t>5/28/2019</a:t>
             </a:fld>
             <a:endParaRPr lang="en-US"/>
           </a:p>
@@ -3460,7 +3586,7 @@
           <a:p>
             <a:fld id="{1D8BD707-D9CF-40AE-B4C6-C98DA3205C09}" type="datetimeFigureOut">
               <a:rPr lang="en-US"/>
-              <a:t>5/27/2019</a:t>
+              <a:t>5/28/2019</a:t>
             </a:fld>
             <a:endParaRPr lang="en-US"/>
           </a:p>
@@ -3679,7 +3805,7 @@
           <a:p>
             <a:fld id="{1D8BD707-D9CF-40AE-B4C6-C98DA3205C09}" type="datetimeFigureOut">
               <a:rPr lang="en-US"/>
-              <a:t>5/27/2019</a:t>
+              <a:t>5/28/2019</a:t>
             </a:fld>
             <a:endParaRPr lang="en-US"/>
           </a:p>
@@ -14408,10 +14534,10 @@
       </p:grpSpPr>
       <p:sp>
         <p:nvSpPr>
-          <p:cNvPr id="18" name="object 2">
+          <p:cNvPr id="6" name="object 2">
             <a:extLst>
               <a:ext uri="{FF2B5EF4-FFF2-40B4-BE49-F238E27FC236}">
-                <a16:creationId xmlns:a16="http://schemas.microsoft.com/office/drawing/2014/main" id="{05AAF6C0-D971-4C1B-B829-B8B4D0B5493A}"/>
+                <a16:creationId xmlns:a16="http://schemas.microsoft.com/office/drawing/2014/main" id="{88C87B3B-5FF6-45A8-AAD5-FCAFA969CA09}"/>
               </a:ext>
             </a:extLst>
           </p:cNvPr>
@@ -14420,7 +14546,7 @@
         </p:nvSpPr>
         <p:spPr>
           <a:xfrm>
-            <a:off x="0" y="6"/>
+            <a:off x="0" y="0"/>
             <a:ext cx="9144000" cy="6858000"/>
           </a:xfrm>
           <a:custGeom>
@@ -14432,10 +14558,10 @@
             <a:pathLst>
               <a:path w="9144000" h="6858000">
                 <a:moveTo>
-                  <a:pt x="0" y="6857993"/>
+                  <a:pt x="0" y="6857995"/>
                 </a:moveTo>
                 <a:lnTo>
-                  <a:pt x="9144000" y="6857993"/>
+                  <a:pt x="9144000" y="6857995"/>
                 </a:lnTo>
                 <a:lnTo>
                   <a:pt x="9144000" y="0"/>
@@ -14444,71 +14570,30 @@
                   <a:pt x="0" y="0"/>
                 </a:lnTo>
                 <a:lnTo>
-                  <a:pt x="0" y="6857993"/>
+                  <a:pt x="0" y="6857995"/>
                 </a:lnTo>
                 <a:close/>
               </a:path>
             </a:pathLst>
           </a:custGeom>
           <a:solidFill>
-            <a:srgbClr val="FAB200"/>
+            <a:srgbClr val="38505F"/>
           </a:solidFill>
         </p:spPr>
         <p:txBody>
           <a:bodyPr wrap="square" lIns="0" tIns="0" rIns="0" bIns="0" rtlCol="0"/>
           <a:lstStyle/>
           <a:p>
-            <a:endParaRPr/>
+            <a:endParaRPr dirty="0"/>
           </a:p>
         </p:txBody>
       </p:sp>
       <p:sp>
         <p:nvSpPr>
-          <p:cNvPr id="3" name="object 3"/>
-          <p:cNvSpPr txBox="1">
-            <a:spLocks noGrp="1"/>
-          </p:cNvSpPr>
-          <p:nvPr>
-            <p:ph type="title"/>
-          </p:nvPr>
-        </p:nvSpPr>
-        <p:spPr>
-          <a:xfrm>
-            <a:off x="0" y="457200"/>
-            <a:ext cx="9144000" cy="461023"/>
-          </a:xfrm>
-          <a:prstGeom prst="rect">
-            <a:avLst/>
-          </a:prstGeom>
-        </p:spPr>
-        <p:txBody>
-          <a:bodyPr vert="horz" wrap="square" lIns="0" tIns="14604" rIns="0" bIns="0" rtlCol="0">
-            <a:spAutoFit/>
-          </a:bodyPr>
-          <a:lstStyle/>
-          <a:p>
-            <a:pPr marL="12700" algn="ctr">
-              <a:lnSpc>
-                <a:spcPct val="100000"/>
-              </a:lnSpc>
-              <a:spcBef>
-                <a:spcPts val="114"/>
-              </a:spcBef>
-            </a:pPr>
-            <a:r>
-              <a:rPr lang="pt-PT" spc="-135" dirty="0"/>
-              <a:t>Exemplos diversos</a:t>
-            </a:r>
-            <a:endParaRPr spc="-135" dirty="0"/>
-          </a:p>
-        </p:txBody>
-      </p:sp>
-      <p:sp>
-        <p:nvSpPr>
-          <p:cNvPr id="8" name="Retângulo: Cantos Arredondados 7">
+          <p:cNvPr id="7" name="Retângulo: Cantos Arredondados 6">
             <a:extLst>
               <a:ext uri="{FF2B5EF4-FFF2-40B4-BE49-F238E27FC236}">
-                <a16:creationId xmlns:a16="http://schemas.microsoft.com/office/drawing/2014/main" id="{908BDC70-7C18-4922-ADB8-130022C17DF3}"/>
+                <a16:creationId xmlns:a16="http://schemas.microsoft.com/office/drawing/2014/main" id="{CE2628BA-8959-4149-AE64-F3238FBAF334}"/>
               </a:ext>
             </a:extLst>
           </p:cNvPr>
@@ -14517,8 +14602,8 @@
         </p:nvSpPr>
         <p:spPr>
           <a:xfrm>
-            <a:off x="323088" y="1447800"/>
-            <a:ext cx="8496300" cy="4648200"/>
+            <a:off x="419100" y="932296"/>
+            <a:ext cx="8420100" cy="5392304"/>
           </a:xfrm>
           <a:prstGeom prst="roundRect">
             <a:avLst/>
@@ -14571,8 +14656,8 @@
         </p:nvSpPr>
         <p:spPr>
           <a:xfrm>
-            <a:off x="399289" y="941440"/>
-            <a:ext cx="8420100" cy="5747900"/>
+            <a:off x="428624" y="1845878"/>
+            <a:ext cx="8296275" cy="3565140"/>
           </a:xfrm>
           <a:prstGeom prst="roundRect">
             <a:avLst/>
@@ -14758,6 +14843,67 @@
               </a:rPr>
               <a:t>: Fruta é um conceito culinário, por oposição ao de legume, que em geral compreende os frutos e pseudofrutos comestíveis e de sabor adocicado, ainda que haja autores que discordem desta definição, por ser em suas opiniões, demasiado simplista.</a:t>
             </a:r>
+          </a:p>
+        </p:txBody>
+      </p:sp>
+      <p:sp>
+        <p:nvSpPr>
+          <p:cNvPr id="14" name="object 2">
+            <a:extLst>
+              <a:ext uri="{FF2B5EF4-FFF2-40B4-BE49-F238E27FC236}">
+                <a16:creationId xmlns:a16="http://schemas.microsoft.com/office/drawing/2014/main" id="{933CBABD-41EA-4024-BE3B-7B105DE0EA75}"/>
+              </a:ext>
+            </a:extLst>
+          </p:cNvPr>
+          <p:cNvSpPr txBox="1">
+            <a:spLocks/>
+          </p:cNvSpPr>
+          <p:nvPr/>
+        </p:nvSpPr>
+        <p:spPr>
+          <a:xfrm>
+            <a:off x="3433762" y="235637"/>
+            <a:ext cx="2390775" cy="461023"/>
+          </a:xfrm>
+          <a:prstGeom prst="rect">
+            <a:avLst/>
+          </a:prstGeom>
+        </p:spPr>
+        <p:txBody>
+          <a:bodyPr vert="horz" wrap="square" lIns="0" tIns="14604" rIns="0" bIns="0" rtlCol="0">
+            <a:spAutoFit/>
+          </a:bodyPr>
+          <a:lstStyle>
+            <a:lvl1pPr>
+              <a:defRPr sz="2900" b="1" i="0">
+                <a:solidFill>
+                  <a:srgbClr val="38505F"/>
+                </a:solidFill>
+                <a:latin typeface="Arial"/>
+                <a:ea typeface="+mj-ea"/>
+                <a:cs typeface="Arial"/>
+              </a:defRPr>
+            </a:lvl1pPr>
+          </a:lstStyle>
+          <a:p>
+            <a:pPr marL="12700" algn="l">
+              <a:spcBef>
+                <a:spcPts val="114"/>
+              </a:spcBef>
+            </a:pPr>
+            <a:r>
+              <a:rPr lang="pt-PT" kern="0" spc="-185">
+                <a:solidFill>
+                  <a:schemeClr val="bg1"/>
+                </a:solidFill>
+              </a:rPr>
+              <a:t>Frase exemplo</a:t>
+            </a:r>
+            <a:endParaRPr lang="pt-PT" kern="0" spc="-185" dirty="0">
+              <a:solidFill>
+                <a:schemeClr val="bg1"/>
+              </a:solidFill>
+            </a:endParaRPr>
           </a:p>
         </p:txBody>
       </p:sp>
@@ -18173,10 +18319,10 @@
       </p:grpSpPr>
       <p:sp>
         <p:nvSpPr>
-          <p:cNvPr id="18" name="object 2">
+          <p:cNvPr id="16" name="object 2">
             <a:extLst>
               <a:ext uri="{FF2B5EF4-FFF2-40B4-BE49-F238E27FC236}">
-                <a16:creationId xmlns:a16="http://schemas.microsoft.com/office/drawing/2014/main" id="{05AAF6C0-D971-4C1B-B829-B8B4D0B5493A}"/>
+                <a16:creationId xmlns:a16="http://schemas.microsoft.com/office/drawing/2014/main" id="{F79EC2BA-4CA7-48C9-870B-848A9A897A86}"/>
               </a:ext>
             </a:extLst>
           </p:cNvPr>
@@ -18185,7 +18331,7 @@
         </p:nvSpPr>
         <p:spPr>
           <a:xfrm>
-            <a:off x="0" y="6"/>
+            <a:off x="0" y="0"/>
             <a:ext cx="9144000" cy="6858000"/>
           </a:xfrm>
           <a:custGeom>
@@ -18197,10 +18343,10 @@
             <a:pathLst>
               <a:path w="9144000" h="6858000">
                 <a:moveTo>
-                  <a:pt x="0" y="6857993"/>
+                  <a:pt x="0" y="6857995"/>
                 </a:moveTo>
                 <a:lnTo>
-                  <a:pt x="9144000" y="6857993"/>
+                  <a:pt x="9144000" y="6857995"/>
                 </a:lnTo>
                 <a:lnTo>
                   <a:pt x="9144000" y="0"/>
@@ -18209,21 +18355,21 @@
                   <a:pt x="0" y="0"/>
                 </a:lnTo>
                 <a:lnTo>
-                  <a:pt x="0" y="6857993"/>
+                  <a:pt x="0" y="6857995"/>
                 </a:lnTo>
                 <a:close/>
               </a:path>
             </a:pathLst>
           </a:custGeom>
           <a:solidFill>
-            <a:srgbClr val="FAB200"/>
+            <a:srgbClr val="38505F"/>
           </a:solidFill>
         </p:spPr>
         <p:txBody>
           <a:bodyPr wrap="square" lIns="0" tIns="0" rIns="0" bIns="0" rtlCol="0"/>
           <a:lstStyle/>
           <a:p>
-            <a:endParaRPr/>
+            <a:endParaRPr dirty="0"/>
           </a:p>
         </p:txBody>
       </p:sp>
@@ -18239,7 +18385,7 @@
         </p:nvSpPr>
         <p:spPr>
           <a:xfrm>
-            <a:off x="1" y="224777"/>
+            <a:off x="1" y="266473"/>
             <a:ext cx="9144000" cy="461023"/>
           </a:xfrm>
           <a:prstGeom prst="rect">
@@ -18261,19 +18407,27 @@
               </a:spcBef>
             </a:pPr>
             <a:r>
-              <a:rPr lang="pt-PT" spc="-135" dirty="0"/>
+              <a:rPr lang="pt-PT" spc="-135" dirty="0">
+                <a:solidFill>
+                  <a:schemeClr val="bg1"/>
+                </a:solidFill>
+              </a:rPr>
               <a:t>Motivação e Objetivos</a:t>
             </a:r>
-            <a:endParaRPr spc="-135" dirty="0"/>
+            <a:endParaRPr spc="-135" dirty="0">
+              <a:solidFill>
+                <a:schemeClr val="bg1"/>
+              </a:solidFill>
+            </a:endParaRPr>
           </a:p>
         </p:txBody>
       </p:sp>
       <p:sp>
         <p:nvSpPr>
-          <p:cNvPr id="9" name="Retângulo: Cantos Arredondados 8">
+          <p:cNvPr id="23" name="Retângulo: Cantos Arredondados 22">
             <a:extLst>
               <a:ext uri="{FF2B5EF4-FFF2-40B4-BE49-F238E27FC236}">
-                <a16:creationId xmlns:a16="http://schemas.microsoft.com/office/drawing/2014/main" id="{D7DCC4F2-C066-4F3C-83D2-FC00228280AF}"/>
+                <a16:creationId xmlns:a16="http://schemas.microsoft.com/office/drawing/2014/main" id="{110543FC-D81F-4ADC-B645-654F37486A37}"/>
               </a:ext>
             </a:extLst>
           </p:cNvPr>
@@ -18282,17 +18436,14 @@
         </p:nvSpPr>
         <p:spPr>
           <a:xfrm>
-            <a:off x="685800" y="1295400"/>
-            <a:ext cx="2267712" cy="2115704"/>
+            <a:off x="1028700" y="1447800"/>
+            <a:ext cx="6286500" cy="3505200"/>
           </a:xfrm>
           <a:prstGeom prst="roundRect">
             <a:avLst/>
           </a:prstGeom>
           <a:solidFill>
-            <a:schemeClr val="accent5">
-              <a:lumMod val="20000"/>
-              <a:lumOff val="80000"/>
-            </a:schemeClr>
+            <a:srgbClr val="DDDDDD"/>
           </a:solidFill>
           <a:ln>
             <a:solidFill>
@@ -18320,118 +18471,17 @@
           <a:bodyPr rtlCol="0" anchor="ctr"/>
           <a:lstStyle/>
           <a:p>
-            <a:pPr marL="182563" algn="just"/>
-            <a:r>
-              <a:rPr lang="pt-PT" sz="2800" dirty="0" err="1">
-                <a:solidFill>
-                  <a:srgbClr val="488ED4"/>
-                </a:solidFill>
-                <a:latin typeface="Consolas" panose="020B0609020204030204" pitchFamily="49" charset="0"/>
-                <a:cs typeface="Segoe UI" panose="020B0502040204020203" pitchFamily="34" charset="0"/>
-              </a:rPr>
-              <a:t>D</a:t>
-            </a:r>
-            <a:r>
-              <a:rPr lang="pt-PT" sz="2800" dirty="0" err="1">
-                <a:solidFill>
-                  <a:schemeClr val="tx1">
-                    <a:lumMod val="50000"/>
-                    <a:lumOff val="50000"/>
-                  </a:schemeClr>
-                </a:solidFill>
-                <a:latin typeface="Consolas" panose="020B0609020204030204" pitchFamily="49" charset="0"/>
-                <a:cs typeface="Segoe UI" panose="020B0502040204020203" pitchFamily="34" charset="0"/>
-              </a:rPr>
-              <a:t>omain</a:t>
-            </a:r>
-            <a:endParaRPr lang="pt-PT" sz="2800" dirty="0">
-              <a:solidFill>
-                <a:schemeClr val="tx1">
-                  <a:lumMod val="50000"/>
-                  <a:lumOff val="50000"/>
-                </a:schemeClr>
-              </a:solidFill>
-              <a:latin typeface="Consolas" panose="020B0609020204030204" pitchFamily="49" charset="0"/>
-              <a:cs typeface="Segoe UI" panose="020B0502040204020203" pitchFamily="34" charset="0"/>
-            </a:endParaRPr>
-          </a:p>
-          <a:p>
-            <a:pPr marL="182563" algn="just"/>
-            <a:r>
-              <a:rPr lang="pt-PT" sz="2800" dirty="0" err="1">
-                <a:solidFill>
-                  <a:srgbClr val="488ED4"/>
-                </a:solidFill>
-                <a:latin typeface="Consolas" panose="020B0609020204030204" pitchFamily="49" charset="0"/>
-                <a:cs typeface="Segoe UI" panose="020B0502040204020203" pitchFamily="34" charset="0"/>
-              </a:rPr>
-              <a:t>S</a:t>
-            </a:r>
-            <a:r>
-              <a:rPr lang="pt-PT" sz="2800" dirty="0" err="1">
-                <a:solidFill>
-                  <a:schemeClr val="tx1">
-                    <a:lumMod val="50000"/>
-                    <a:lumOff val="50000"/>
-                  </a:schemeClr>
-                </a:solidFill>
-                <a:latin typeface="Consolas" panose="020B0609020204030204" pitchFamily="49" charset="0"/>
-                <a:cs typeface="Segoe UI" panose="020B0502040204020203" pitchFamily="34" charset="0"/>
-              </a:rPr>
-              <a:t>pecific</a:t>
-            </a:r>
-            <a:endParaRPr lang="pt-PT" sz="2800" dirty="0">
-              <a:solidFill>
-                <a:srgbClr val="488ED4"/>
-              </a:solidFill>
-              <a:latin typeface="Consolas" panose="020B0609020204030204" pitchFamily="49" charset="0"/>
-              <a:cs typeface="Segoe UI" panose="020B0502040204020203" pitchFamily="34" charset="0"/>
-            </a:endParaRPr>
-          </a:p>
-          <a:p>
-            <a:pPr marL="182563" algn="just"/>
-            <a:r>
-              <a:rPr lang="pt-PT" sz="2800" dirty="0" err="1">
-                <a:solidFill>
-                  <a:srgbClr val="488ED4"/>
-                </a:solidFill>
-                <a:latin typeface="Consolas" panose="020B0609020204030204" pitchFamily="49" charset="0"/>
-                <a:cs typeface="Segoe UI" panose="020B0502040204020203" pitchFamily="34" charset="0"/>
-              </a:rPr>
-              <a:t>L</a:t>
-            </a:r>
-            <a:r>
-              <a:rPr lang="pt-PT" sz="2800" dirty="0" err="1">
-                <a:solidFill>
-                  <a:schemeClr val="tx1">
-                    <a:lumMod val="50000"/>
-                    <a:lumOff val="50000"/>
-                  </a:schemeClr>
-                </a:solidFill>
-                <a:latin typeface="Consolas" panose="020B0609020204030204" pitchFamily="49" charset="0"/>
-                <a:cs typeface="Segoe UI" panose="020B0502040204020203" pitchFamily="34" charset="0"/>
-              </a:rPr>
-              <a:t>anguage</a:t>
-            </a:r>
-            <a:endParaRPr lang="pt-PT" sz="2800" dirty="0">
-              <a:solidFill>
-                <a:schemeClr val="tx1">
-                  <a:lumMod val="50000"/>
-                  <a:lumOff val="50000"/>
-                </a:schemeClr>
-              </a:solidFill>
-              <a:latin typeface="Consolas" panose="020B0609020204030204" pitchFamily="49" charset="0"/>
-              <a:cs typeface="Segoe UI" panose="020B0502040204020203" pitchFamily="34" charset="0"/>
-            </a:endParaRPr>
+            <a:pPr algn="ctr"/>
+            <a:endParaRPr lang="pt-PT" dirty="0"/>
           </a:p>
         </p:txBody>
       </p:sp>
       <p:sp>
         <p:nvSpPr>
-          <p:cNvPr id="2" name="CaixaDeTexto 1">
+          <p:cNvPr id="5" name="CaixaDeTexto 4">
             <a:extLst>
               <a:ext uri="{FF2B5EF4-FFF2-40B4-BE49-F238E27FC236}">
-                <a16:creationId xmlns:a16="http://schemas.microsoft.com/office/drawing/2014/main" id="{E11E820A-E2F9-48F4-9FD3-A29959C82B51}"/>
+                <a16:creationId xmlns:a16="http://schemas.microsoft.com/office/drawing/2014/main" id="{30FE9CF7-43A2-49E3-9E1A-71C579CF89D8}"/>
               </a:ext>
             </a:extLst>
           </p:cNvPr>
@@ -18440,8 +18490,8 @@
         </p:nvSpPr>
         <p:spPr>
           <a:xfrm>
-            <a:off x="685800" y="1307068"/>
-            <a:ext cx="2267712" cy="369332"/>
+            <a:off x="1600200" y="1905000"/>
+            <a:ext cx="5867400" cy="2585323"/>
           </a:xfrm>
           <a:prstGeom prst="rect">
             <a:avLst/>
@@ -18454,404 +18504,219 @@
           </a:bodyPr>
           <a:lstStyle/>
           <a:p>
-            <a:pPr algn="ctr"/>
+            <a:pPr marL="285750" indent="-285750">
+              <a:buFont typeface="Arial" panose="020B0604020202020204" pitchFamily="34" charset="0"/>
+              <a:buChar char="•"/>
+            </a:pPr>
             <a:r>
               <a:rPr lang="pt-PT" dirty="0">
-                <a:solidFill>
-                  <a:schemeClr val="tx2"/>
-                </a:solidFill>
-              </a:rPr>
-              <a:t>criar</a:t>
+                <a:latin typeface="Arial" panose="020B0604020202020204" pitchFamily="34" charset="0"/>
+                <a:cs typeface="Arial" panose="020B0604020202020204" pitchFamily="34" charset="0"/>
+              </a:rPr>
+              <a:t>Desenvolver uma </a:t>
+            </a:r>
+            <a:r>
+              <a:rPr lang="pt-PT" dirty="0" err="1">
+                <a:latin typeface="Arial" panose="020B0604020202020204" pitchFamily="34" charset="0"/>
+                <a:cs typeface="Arial" panose="020B0604020202020204" pitchFamily="34" charset="0"/>
+              </a:rPr>
+              <a:t>Domain</a:t>
+            </a:r>
+            <a:r>
+              <a:rPr lang="pt-PT" dirty="0">
+                <a:latin typeface="Arial" panose="020B0604020202020204" pitchFamily="34" charset="0"/>
+                <a:cs typeface="Arial" panose="020B0604020202020204" pitchFamily="34" charset="0"/>
+              </a:rPr>
+              <a:t> </a:t>
+            </a:r>
+            <a:r>
+              <a:rPr lang="pt-PT" dirty="0" err="1">
+                <a:latin typeface="Arial" panose="020B0604020202020204" pitchFamily="34" charset="0"/>
+                <a:cs typeface="Arial" panose="020B0604020202020204" pitchFamily="34" charset="0"/>
+              </a:rPr>
+              <a:t>Specific</a:t>
+            </a:r>
+            <a:r>
+              <a:rPr lang="pt-PT" dirty="0">
+                <a:latin typeface="Arial" panose="020B0604020202020204" pitchFamily="34" charset="0"/>
+                <a:cs typeface="Arial" panose="020B0604020202020204" pitchFamily="34" charset="0"/>
+              </a:rPr>
+              <a:t> </a:t>
+            </a:r>
+            <a:r>
+              <a:rPr lang="pt-PT" dirty="0" err="1">
+                <a:latin typeface="Arial" panose="020B0604020202020204" pitchFamily="34" charset="0"/>
+                <a:cs typeface="Arial" panose="020B0604020202020204" pitchFamily="34" charset="0"/>
+              </a:rPr>
+              <a:t>Language</a:t>
+            </a:r>
+            <a:r>
+              <a:rPr lang="pt-PT" dirty="0">
+                <a:latin typeface="Arial" panose="020B0604020202020204" pitchFamily="34" charset="0"/>
+                <a:cs typeface="Arial" panose="020B0604020202020204" pitchFamily="34" charset="0"/>
+              </a:rPr>
+              <a:t>;</a:t>
+            </a:r>
+          </a:p>
+          <a:p>
+            <a:pPr marL="285750" indent="-285750">
+              <a:buFont typeface="Arial" panose="020B0604020202020204" pitchFamily="34" charset="0"/>
+              <a:buChar char="•"/>
+            </a:pPr>
+            <a:endParaRPr lang="pt-PT" dirty="0">
+              <a:latin typeface="Arial" panose="020B0604020202020204" pitchFamily="34" charset="0"/>
+              <a:cs typeface="Arial" panose="020B0604020202020204" pitchFamily="34" charset="0"/>
+            </a:endParaRPr>
+          </a:p>
+          <a:p>
+            <a:pPr marL="285750" indent="-285750">
+              <a:buFont typeface="Arial" panose="020B0604020202020204" pitchFamily="34" charset="0"/>
+              <a:buChar char="•"/>
+            </a:pPr>
+            <a:r>
+              <a:rPr lang="pt-PT" dirty="0">
+                <a:latin typeface="Arial" panose="020B0604020202020204" pitchFamily="34" charset="0"/>
+                <a:cs typeface="Arial" panose="020B0604020202020204" pitchFamily="34" charset="0"/>
+              </a:rPr>
+              <a:t>Possibilitar a geração automática de </a:t>
+            </a:r>
+            <a:r>
+              <a:rPr lang="pt-PT" dirty="0" err="1">
+                <a:latin typeface="Arial" panose="020B0604020202020204" pitchFamily="34" charset="0"/>
+                <a:cs typeface="Arial" panose="020B0604020202020204" pitchFamily="34" charset="0"/>
+              </a:rPr>
+              <a:t>Chatbots</a:t>
+            </a:r>
+            <a:r>
+              <a:rPr lang="pt-PT" dirty="0">
+                <a:latin typeface="Arial" panose="020B0604020202020204" pitchFamily="34" charset="0"/>
+                <a:cs typeface="Arial" panose="020B0604020202020204" pitchFamily="34" charset="0"/>
+              </a:rPr>
+              <a:t>;</a:t>
+            </a:r>
+          </a:p>
+          <a:p>
+            <a:pPr marL="285750" indent="-285750">
+              <a:buFont typeface="Arial" panose="020B0604020202020204" pitchFamily="34" charset="0"/>
+              <a:buChar char="•"/>
+            </a:pPr>
+            <a:endParaRPr lang="pt-PT" dirty="0">
+              <a:latin typeface="Arial" panose="020B0604020202020204" pitchFamily="34" charset="0"/>
+              <a:cs typeface="Arial" panose="020B0604020202020204" pitchFamily="34" charset="0"/>
+            </a:endParaRPr>
+          </a:p>
+          <a:p>
+            <a:pPr marL="285750" indent="-285750">
+              <a:buFont typeface="Arial" panose="020B0604020202020204" pitchFamily="34" charset="0"/>
+              <a:buChar char="•"/>
+            </a:pPr>
+            <a:r>
+              <a:rPr lang="pt-PT" dirty="0">
+                <a:latin typeface="Arial" panose="020B0604020202020204" pitchFamily="34" charset="0"/>
+                <a:cs typeface="Arial" panose="020B0604020202020204" pitchFamily="34" charset="0"/>
+              </a:rPr>
+              <a:t>Especificar as fontes de informação;</a:t>
+            </a:r>
+          </a:p>
+          <a:p>
+            <a:pPr marL="285750" indent="-285750">
+              <a:buFont typeface="Arial" panose="020B0604020202020204" pitchFamily="34" charset="0"/>
+              <a:buChar char="•"/>
+            </a:pPr>
+            <a:endParaRPr lang="pt-PT" dirty="0">
+              <a:latin typeface="Arial" panose="020B0604020202020204" pitchFamily="34" charset="0"/>
+              <a:cs typeface="Arial" panose="020B0604020202020204" pitchFamily="34" charset="0"/>
+            </a:endParaRPr>
+          </a:p>
+          <a:p>
+            <a:pPr marL="285750" indent="-285750">
+              <a:buFont typeface="Arial" panose="020B0604020202020204" pitchFamily="34" charset="0"/>
+              <a:buChar char="•"/>
+            </a:pPr>
+            <a:r>
+              <a:rPr lang="pt-PT" dirty="0">
+                <a:latin typeface="Arial" panose="020B0604020202020204" pitchFamily="34" charset="0"/>
+                <a:cs typeface="Arial" panose="020B0604020202020204" pitchFamily="34" charset="0"/>
+              </a:rPr>
+              <a:t>Prestar serviços;</a:t>
+            </a:r>
+          </a:p>
+          <a:p>
+            <a:pPr marL="285750" indent="-285750">
+              <a:buFont typeface="Arial" panose="020B0604020202020204" pitchFamily="34" charset="0"/>
+              <a:buChar char="•"/>
+            </a:pPr>
+            <a:endParaRPr lang="pt-PT" dirty="0">
+              <a:latin typeface="Arial" panose="020B0604020202020204" pitchFamily="34" charset="0"/>
+              <a:cs typeface="Arial" panose="020B0604020202020204" pitchFamily="34" charset="0"/>
+            </a:endParaRPr>
+          </a:p>
+          <a:p>
+            <a:pPr marL="285750" indent="-285750">
+              <a:buFont typeface="Arial" panose="020B0604020202020204" pitchFamily="34" charset="0"/>
+              <a:buChar char="•"/>
+            </a:pPr>
+            <a:r>
+              <a:rPr lang="pt-PT" dirty="0">
+                <a:latin typeface="Arial" panose="020B0604020202020204" pitchFamily="34" charset="0"/>
+                <a:cs typeface="Arial" panose="020B0604020202020204" pitchFamily="34" charset="0"/>
+              </a:rPr>
+              <a:t>Manter um diálogo;</a:t>
             </a:r>
           </a:p>
         </p:txBody>
       </p:sp>
-      <p:sp>
-        <p:nvSpPr>
-          <p:cNvPr id="12" name="Retângulo: Cantos Arredondados 11">
+      <p:pic>
+        <p:nvPicPr>
+          <p:cNvPr id="1026" name="Picture 2" descr="Resultado de imagem para objetivos png">
             <a:extLst>
               <a:ext uri="{FF2B5EF4-FFF2-40B4-BE49-F238E27FC236}">
-                <a16:creationId xmlns:a16="http://schemas.microsoft.com/office/drawing/2014/main" id="{96F1A943-2B1F-4C1E-86B1-F16B65F0737A}"/>
+                <a16:creationId xmlns:a16="http://schemas.microsoft.com/office/drawing/2014/main" id="{05FB05E5-31F3-48FA-AF0B-C4DBEAC2A086}"/>
               </a:ext>
             </a:extLst>
           </p:cNvPr>
-          <p:cNvSpPr/>
+          <p:cNvPicPr>
+            <a:picLocks noChangeAspect="1" noChangeArrowheads="1"/>
+          </p:cNvPicPr>
           <p:nvPr/>
-        </p:nvSpPr>
-        <p:spPr>
+        </p:nvPicPr>
+        <p:blipFill>
+          <a:blip r:embed="rId3" cstate="print">
+            <a:extLst>
+              <a:ext uri="{28A0092B-C50C-407E-A947-70E740481C1C}">
+                <a14:useLocalDpi xmlns:a14="http://schemas.microsoft.com/office/drawing/2010/main" val="0"/>
+              </a:ext>
+            </a:extLst>
+          </a:blip>
+          <a:srcRect/>
+          <a:stretch>
+            <a:fillRect/>
+          </a:stretch>
+        </p:blipFill>
+        <p:spPr bwMode="auto">
           <a:xfrm>
-            <a:off x="3218688" y="1295400"/>
-            <a:ext cx="5239512" cy="2115704"/>
-          </a:xfrm>
-          <a:prstGeom prst="roundRect">
-            <a:avLst/>
-          </a:prstGeom>
-          <a:solidFill>
-            <a:schemeClr val="accent5">
-              <a:lumMod val="20000"/>
-              <a:lumOff val="80000"/>
-            </a:schemeClr>
-          </a:solidFill>
-          <a:ln>
-            <a:solidFill>
-              <a:srgbClr val="DDDDDD"/>
-            </a:solidFill>
-          </a:ln>
-        </p:spPr>
-        <p:style>
-          <a:lnRef idx="2">
-            <a:schemeClr val="accent1">
-              <a:shade val="50000"/>
-            </a:schemeClr>
-          </a:lnRef>
-          <a:fillRef idx="1">
-            <a:schemeClr val="accent1"/>
-          </a:fillRef>
-          <a:effectRef idx="0">
-            <a:schemeClr val="accent1"/>
-          </a:effectRef>
-          <a:fontRef idx="minor">
-            <a:schemeClr val="lt1"/>
-          </a:fontRef>
-        </p:style>
-        <p:txBody>
-          <a:bodyPr rtlCol="0" anchor="ctr"/>
-          <a:lstStyle/>
-          <a:p>
-            <a:pPr marL="182563" algn="ctr"/>
-            <a:r>
-              <a:rPr lang="pt-PT" sz="2800" dirty="0">
-                <a:solidFill>
-                  <a:srgbClr val="488ED4"/>
-                </a:solidFill>
-                <a:latin typeface="Consolas" panose="020B0609020204030204" pitchFamily="49" charset="0"/>
-                <a:cs typeface="Segoe UI" panose="020B0502040204020203" pitchFamily="34" charset="0"/>
-              </a:rPr>
-              <a:t>Geração Automática de Chatbots</a:t>
-            </a:r>
-            <a:endParaRPr lang="pt-PT" sz="2800" dirty="0">
-              <a:solidFill>
-                <a:schemeClr val="tx1">
-                  <a:lumMod val="50000"/>
-                  <a:lumOff val="50000"/>
-                </a:schemeClr>
-              </a:solidFill>
-              <a:latin typeface="Consolas" panose="020B0609020204030204" pitchFamily="49" charset="0"/>
-              <a:cs typeface="Segoe UI" panose="020B0502040204020203" pitchFamily="34" charset="0"/>
-            </a:endParaRPr>
-          </a:p>
-        </p:txBody>
-      </p:sp>
-      <p:sp>
-        <p:nvSpPr>
-          <p:cNvPr id="13" name="CaixaDeTexto 12">
-            <a:extLst>
-              <a:ext uri="{FF2B5EF4-FFF2-40B4-BE49-F238E27FC236}">
-                <a16:creationId xmlns:a16="http://schemas.microsoft.com/office/drawing/2014/main" id="{276AF417-6085-45D3-93D6-523E0D5C7774}"/>
-              </a:ext>
-            </a:extLst>
-          </p:cNvPr>
-          <p:cNvSpPr txBox="1"/>
-          <p:nvPr/>
-        </p:nvSpPr>
-        <p:spPr>
-          <a:xfrm>
-            <a:off x="3200400" y="1295400"/>
-            <a:ext cx="5239512" cy="369332"/>
+            <a:off x="6146323" y="3581400"/>
+            <a:ext cx="2337753" cy="2819400"/>
           </a:xfrm>
           <a:prstGeom prst="rect">
             <a:avLst/>
           </a:prstGeom>
           <a:noFill/>
-        </p:spPr>
-        <p:txBody>
-          <a:bodyPr wrap="square" rtlCol="0">
-            <a:spAutoFit/>
-          </a:bodyPr>
-          <a:lstStyle/>
-          <a:p>
-            <a:pPr algn="ctr"/>
-            <a:r>
-              <a:rPr lang="pt-PT" dirty="0">
-                <a:solidFill>
-                  <a:schemeClr val="tx2"/>
-                </a:solidFill>
-              </a:rPr>
-              <a:t>que possibilite</a:t>
-            </a:r>
-          </a:p>
-        </p:txBody>
-      </p:sp>
-      <p:sp>
-        <p:nvSpPr>
-          <p:cNvPr id="14" name="Retângulo: Cantos Arredondados 13">
-            <a:extLst>
-              <a:ext uri="{FF2B5EF4-FFF2-40B4-BE49-F238E27FC236}">
-                <a16:creationId xmlns:a16="http://schemas.microsoft.com/office/drawing/2014/main" id="{B4E37A8A-087D-4754-B8B3-43943946D1B0}"/>
-              </a:ext>
-            </a:extLst>
-          </p:cNvPr>
-          <p:cNvSpPr/>
-          <p:nvPr/>
-        </p:nvSpPr>
-        <p:spPr>
-          <a:xfrm>
-            <a:off x="685800" y="3886200"/>
-            <a:ext cx="3352800" cy="2115704"/>
-          </a:xfrm>
-          <a:prstGeom prst="roundRect">
-            <a:avLst/>
-          </a:prstGeom>
-          <a:solidFill>
-            <a:schemeClr val="accent5">
-              <a:lumMod val="20000"/>
-              <a:lumOff val="80000"/>
-            </a:schemeClr>
-          </a:solidFill>
-          <a:ln>
-            <a:solidFill>
-              <a:srgbClr val="DDDDDD"/>
-            </a:solidFill>
-          </a:ln>
-        </p:spPr>
-        <p:style>
-          <a:lnRef idx="2">
-            <a:schemeClr val="accent1">
-              <a:shade val="50000"/>
-            </a:schemeClr>
-          </a:lnRef>
-          <a:fillRef idx="1">
-            <a:schemeClr val="accent1"/>
-          </a:fillRef>
-          <a:effectRef idx="0">
-            <a:schemeClr val="accent1"/>
-          </a:effectRef>
-          <a:fontRef idx="minor">
-            <a:schemeClr val="lt1"/>
-          </a:fontRef>
-        </p:style>
-        <p:txBody>
-          <a:bodyPr rtlCol="0" anchor="ctr"/>
-          <a:lstStyle/>
-          <a:p>
-            <a:pPr marL="182563" algn="just"/>
-            <a:r>
-              <a:rPr lang="pt-PT" sz="2000" dirty="0">
-                <a:solidFill>
-                  <a:schemeClr val="tx1">
-                    <a:lumMod val="50000"/>
-                    <a:lumOff val="50000"/>
-                  </a:schemeClr>
-                </a:solidFill>
-                <a:latin typeface="Consolas" panose="020B0609020204030204" pitchFamily="49" charset="0"/>
-                <a:cs typeface="Segoe UI" panose="020B0502040204020203" pitchFamily="34" charset="0"/>
-              </a:rPr>
-              <a:t>Especificação</a:t>
-            </a:r>
-          </a:p>
-          <a:p>
-            <a:pPr marL="182563" algn="just"/>
-            <a:r>
-              <a:rPr lang="pt-PT" sz="2000" dirty="0">
-                <a:solidFill>
-                  <a:schemeClr val="tx1">
-                    <a:lumMod val="50000"/>
-                    <a:lumOff val="50000"/>
-                  </a:schemeClr>
-                </a:solidFill>
-                <a:latin typeface="Consolas" panose="020B0609020204030204" pitchFamily="49" charset="0"/>
-                <a:cs typeface="Segoe UI" panose="020B0502040204020203" pitchFamily="34" charset="0"/>
-              </a:rPr>
-              <a:t>Fonte de informação</a:t>
-            </a:r>
-          </a:p>
-        </p:txBody>
-      </p:sp>
-      <p:sp>
-        <p:nvSpPr>
-          <p:cNvPr id="15" name="CaixaDeTexto 14">
-            <a:extLst>
-              <a:ext uri="{FF2B5EF4-FFF2-40B4-BE49-F238E27FC236}">
-                <a16:creationId xmlns:a16="http://schemas.microsoft.com/office/drawing/2014/main" id="{14431CCB-E0B3-4344-A021-6CC6DC84AF97}"/>
-              </a:ext>
-            </a:extLst>
-          </p:cNvPr>
-          <p:cNvSpPr txBox="1"/>
-          <p:nvPr/>
-        </p:nvSpPr>
-        <p:spPr>
-          <a:xfrm>
-            <a:off x="685800" y="3897868"/>
-            <a:ext cx="3352800" cy="369332"/>
-          </a:xfrm>
-          <a:prstGeom prst="rect">
-            <a:avLst/>
-          </a:prstGeom>
-          <a:noFill/>
-        </p:spPr>
-        <p:txBody>
-          <a:bodyPr wrap="square" rtlCol="0">
-            <a:spAutoFit/>
-          </a:bodyPr>
-          <a:lstStyle/>
-          <a:p>
-            <a:pPr algn="ctr"/>
-            <a:r>
-              <a:rPr lang="pt-PT" dirty="0">
-                <a:solidFill>
-                  <a:schemeClr val="tx2"/>
-                </a:solidFill>
-              </a:rPr>
-              <a:t>dado</a:t>
-            </a:r>
-          </a:p>
-        </p:txBody>
-      </p:sp>
-      <p:sp>
-        <p:nvSpPr>
-          <p:cNvPr id="17" name="Retângulo: Cantos Arredondados 16">
-            <a:extLst>
-              <a:ext uri="{FF2B5EF4-FFF2-40B4-BE49-F238E27FC236}">
-                <a16:creationId xmlns:a16="http://schemas.microsoft.com/office/drawing/2014/main" id="{86C30A7A-BCFD-4A1C-B72F-E969C23ACAC8}"/>
-              </a:ext>
-            </a:extLst>
-          </p:cNvPr>
-          <p:cNvSpPr/>
-          <p:nvPr/>
-        </p:nvSpPr>
-        <p:spPr>
-          <a:xfrm>
-            <a:off x="4343400" y="3886200"/>
-            <a:ext cx="4343400" cy="2115704"/>
-          </a:xfrm>
-          <a:prstGeom prst="roundRect">
-            <a:avLst/>
-          </a:prstGeom>
-          <a:solidFill>
-            <a:schemeClr val="accent5">
-              <a:lumMod val="20000"/>
-              <a:lumOff val="80000"/>
-            </a:schemeClr>
-          </a:solidFill>
-          <a:ln>
-            <a:solidFill>
-              <a:srgbClr val="DDDDDD"/>
-            </a:solidFill>
-          </a:ln>
-        </p:spPr>
-        <p:style>
-          <a:lnRef idx="2">
-            <a:schemeClr val="accent1">
-              <a:shade val="50000"/>
-            </a:schemeClr>
-          </a:lnRef>
-          <a:fillRef idx="1">
-            <a:schemeClr val="accent1"/>
-          </a:fillRef>
-          <a:effectRef idx="0">
-            <a:schemeClr val="accent1"/>
-          </a:effectRef>
-          <a:fontRef idx="minor">
-            <a:schemeClr val="lt1"/>
-          </a:fontRef>
-        </p:style>
-        <p:txBody>
-          <a:bodyPr rtlCol="0" anchor="ctr"/>
-          <a:lstStyle/>
-          <a:p>
-            <a:pPr marL="182563" algn="just"/>
-            <a:r>
-              <a:rPr lang="pt-PT" sz="2000" dirty="0">
-                <a:solidFill>
-                  <a:schemeClr val="tx1">
-                    <a:lumMod val="50000"/>
-                    <a:lumOff val="50000"/>
-                  </a:schemeClr>
-                </a:solidFill>
-                <a:latin typeface="Consolas" panose="020B0609020204030204" pitchFamily="49" charset="0"/>
-                <a:cs typeface="Segoe UI" panose="020B0502040204020203" pitchFamily="34" charset="0"/>
-              </a:rPr>
-              <a:t>Manter diálogo</a:t>
-            </a:r>
-          </a:p>
-          <a:p>
-            <a:pPr marL="182563" algn="just"/>
-            <a:r>
-              <a:rPr lang="pt-PT" sz="2000" dirty="0">
-                <a:solidFill>
-                  <a:schemeClr val="tx1">
-                    <a:lumMod val="50000"/>
-                    <a:lumOff val="50000"/>
-                  </a:schemeClr>
-                </a:solidFill>
-                <a:latin typeface="Consolas" panose="020B0609020204030204" pitchFamily="49" charset="0"/>
-                <a:cs typeface="Segoe UI" panose="020B0502040204020203" pitchFamily="34" charset="0"/>
-              </a:rPr>
-              <a:t>Prestar serviços</a:t>
-            </a:r>
-          </a:p>
-          <a:p>
-            <a:pPr marL="182563" algn="just"/>
-            <a:r>
-              <a:rPr lang="pt-PT" sz="2000" dirty="0">
-                <a:solidFill>
-                  <a:schemeClr val="tx1">
-                    <a:lumMod val="50000"/>
-                    <a:lumOff val="50000"/>
-                  </a:schemeClr>
-                </a:solidFill>
-                <a:latin typeface="Consolas" panose="020B0609020204030204" pitchFamily="49" charset="0"/>
-                <a:cs typeface="Segoe UI" panose="020B0502040204020203" pitchFamily="34" charset="0"/>
-              </a:rPr>
-              <a:t>…</a:t>
-            </a:r>
-          </a:p>
-        </p:txBody>
-      </p:sp>
-      <p:sp>
-        <p:nvSpPr>
-          <p:cNvPr id="19" name="CaixaDeTexto 18">
-            <a:extLst>
-              <a:ext uri="{FF2B5EF4-FFF2-40B4-BE49-F238E27FC236}">
-                <a16:creationId xmlns:a16="http://schemas.microsoft.com/office/drawing/2014/main" id="{97409BA4-129D-4054-8EE7-0F50714B5613}"/>
-              </a:ext>
-            </a:extLst>
-          </p:cNvPr>
-          <p:cNvSpPr txBox="1"/>
-          <p:nvPr/>
-        </p:nvSpPr>
-        <p:spPr>
-          <a:xfrm>
-            <a:off x="4343399" y="3897868"/>
-            <a:ext cx="4343401" cy="369332"/>
-          </a:xfrm>
-          <a:prstGeom prst="rect">
-            <a:avLst/>
-          </a:prstGeom>
-          <a:noFill/>
-        </p:spPr>
-        <p:txBody>
-          <a:bodyPr wrap="square" rtlCol="0">
-            <a:spAutoFit/>
-          </a:bodyPr>
-          <a:lstStyle/>
-          <a:p>
-            <a:pPr algn="ctr"/>
-            <a:r>
-              <a:rPr lang="pt-PT" dirty="0">
-                <a:solidFill>
-                  <a:schemeClr val="tx2"/>
-                </a:solidFill>
-              </a:rPr>
-              <a:t>devolve Chatbots para</a:t>
-            </a:r>
-          </a:p>
-        </p:txBody>
-      </p:sp>
+          <a:extLst>
+            <a:ext uri="{909E8E84-426E-40DD-AFC4-6F175D3DCCD1}">
+              <a14:hiddenFill xmlns:a14="http://schemas.microsoft.com/office/drawing/2010/main">
+                <a:solidFill>
+                  <a:srgbClr val="FFFFFF"/>
+                </a:solidFill>
+              </a14:hiddenFill>
+            </a:ext>
+          </a:extLst>
+        </p:spPr>
+      </p:pic>
     </p:spTree>
     <p:extLst>
       <p:ext uri="{BB962C8B-B14F-4D97-AF65-F5344CB8AC3E}">
-        <p14:creationId xmlns:p14="http://schemas.microsoft.com/office/powerpoint/2010/main" val="1102670507"/>
+        <p14:creationId xmlns:p14="http://schemas.microsoft.com/office/powerpoint/2010/main" val="3376227602"/>
       </p:ext>
     </p:extLst>
   </p:cSld>
@@ -20592,7 +20457,7 @@
                 <a:latin typeface="Arial" panose="020B0604020202020204" pitchFamily="34" charset="0"/>
                 <a:cs typeface="Arial" panose="020B0604020202020204" pitchFamily="34" charset="0"/>
               </a:rPr>
-              <a:t>Criação de perfis de utilizador</a:t>
+              <a:t>Criação de perfis de utilizador;</a:t>
             </a:r>
           </a:p>
           <a:p>
@@ -20605,7 +20470,7 @@
                 <a:latin typeface="Arial" panose="020B0604020202020204" pitchFamily="34" charset="0"/>
                 <a:cs typeface="Arial" panose="020B0604020202020204" pitchFamily="34" charset="0"/>
               </a:rPr>
-              <a:t>Aprender através dos diálogos (utilizador, filmes, …)</a:t>
+              <a:t>Aprender através dos diálogos (utilizador, filmes, …);</a:t>
             </a:r>
           </a:p>
           <a:p>
@@ -20628,7 +20493,7 @@
                 <a:latin typeface="Arial" panose="020B0604020202020204" pitchFamily="34" charset="0"/>
                 <a:cs typeface="Arial" panose="020B0604020202020204" pitchFamily="34" charset="0"/>
               </a:rPr>
-              <a:t>Guardar estados para dar melhor seguimento à conversa</a:t>
+              <a:t>Guardar estados para dar melhor seguimento à conversa;</a:t>
             </a:r>
           </a:p>
           <a:p>
@@ -20651,7 +20516,7 @@
                 <a:latin typeface="Arial" panose="020B0604020202020204" pitchFamily="34" charset="0"/>
                 <a:cs typeface="Arial" panose="020B0604020202020204" pitchFamily="34" charset="0"/>
               </a:rPr>
-              <a:t>Melhorar conteúdo das respostas </a:t>
+              <a:t>Melhorar conteúdo das respostas;</a:t>
             </a:r>
           </a:p>
         </p:txBody>
@@ -20707,6 +20572,919 @@
     <p:extLst>
       <p:ext uri="{BB962C8B-B14F-4D97-AF65-F5344CB8AC3E}">
         <p14:creationId xmlns:p14="http://schemas.microsoft.com/office/powerpoint/2010/main" val="724390932"/>
+      </p:ext>
+    </p:extLst>
+  </p:cSld>
+  <p:clrMapOvr>
+    <a:masterClrMapping/>
+  </p:clrMapOvr>
+</p:sld>
+</file>
+
+<file path=ppt/slides/slide23.xml><?xml version="1.0" encoding="utf-8"?>
+<p:sld xmlns:a="http://schemas.openxmlformats.org/drawingml/2006/main" xmlns:r="http://schemas.openxmlformats.org/officeDocument/2006/relationships" xmlns:p="http://schemas.openxmlformats.org/presentationml/2006/main">
+  <p:cSld>
+    <p:spTree>
+      <p:nvGrpSpPr>
+        <p:cNvPr id="1" name=""/>
+        <p:cNvGrpSpPr/>
+        <p:nvPr/>
+      </p:nvGrpSpPr>
+      <p:grpSpPr>
+        <a:xfrm>
+          <a:off x="0" y="0"/>
+          <a:ext cx="0" cy="0"/>
+          <a:chOff x="0" y="0"/>
+          <a:chExt cx="0" cy="0"/>
+        </a:xfrm>
+      </p:grpSpPr>
+      <p:sp>
+        <p:nvSpPr>
+          <p:cNvPr id="2" name="object 2"/>
+          <p:cNvSpPr/>
+          <p:nvPr/>
+        </p:nvSpPr>
+        <p:spPr>
+          <a:xfrm>
+            <a:off x="0" y="0"/>
+            <a:ext cx="3790950" cy="6858000"/>
+          </a:xfrm>
+          <a:custGeom>
+            <a:avLst/>
+            <a:gdLst/>
+            <a:ahLst/>
+            <a:cxnLst/>
+            <a:rect l="l" t="t" r="r" b="b"/>
+            <a:pathLst>
+              <a:path w="3790950" h="6858000">
+                <a:moveTo>
+                  <a:pt x="0" y="6858000"/>
+                </a:moveTo>
+                <a:lnTo>
+                  <a:pt x="3790416" y="6858000"/>
+                </a:lnTo>
+                <a:lnTo>
+                  <a:pt x="3790416" y="0"/>
+                </a:lnTo>
+                <a:lnTo>
+                  <a:pt x="0" y="0"/>
+                </a:lnTo>
+                <a:lnTo>
+                  <a:pt x="0" y="6858000"/>
+                </a:lnTo>
+                <a:close/>
+              </a:path>
+            </a:pathLst>
+          </a:custGeom>
+          <a:solidFill>
+            <a:srgbClr val="00ADE2"/>
+          </a:solidFill>
+        </p:spPr>
+        <p:txBody>
+          <a:bodyPr wrap="square" lIns="0" tIns="0" rIns="0" bIns="0" rtlCol="0"/>
+          <a:lstStyle/>
+          <a:p>
+            <a:endParaRPr dirty="0">
+              <a:solidFill>
+                <a:srgbClr val="FF0000"/>
+              </a:solidFill>
+            </a:endParaRPr>
+          </a:p>
+        </p:txBody>
+      </p:sp>
+      <p:sp>
+        <p:nvSpPr>
+          <p:cNvPr id="3" name="object 3"/>
+          <p:cNvSpPr/>
+          <p:nvPr/>
+        </p:nvSpPr>
+        <p:spPr>
+          <a:xfrm>
+            <a:off x="3806432" y="0"/>
+            <a:ext cx="5337924" cy="6858000"/>
+          </a:xfrm>
+          <a:custGeom>
+            <a:avLst/>
+            <a:gdLst/>
+            <a:ahLst/>
+            <a:cxnLst/>
+            <a:rect l="l" t="t" r="r" b="b"/>
+            <a:pathLst>
+              <a:path w="5254625" h="6858000">
+                <a:moveTo>
+                  <a:pt x="0" y="6858000"/>
+                </a:moveTo>
+                <a:lnTo>
+                  <a:pt x="5254269" y="6858000"/>
+                </a:lnTo>
+                <a:lnTo>
+                  <a:pt x="5254269" y="0"/>
+                </a:lnTo>
+                <a:lnTo>
+                  <a:pt x="0" y="0"/>
+                </a:lnTo>
+                <a:lnTo>
+                  <a:pt x="0" y="6858000"/>
+                </a:lnTo>
+                <a:close/>
+              </a:path>
+            </a:pathLst>
+          </a:custGeom>
+          <a:solidFill>
+            <a:srgbClr val="38505F"/>
+          </a:solidFill>
+        </p:spPr>
+        <p:txBody>
+          <a:bodyPr wrap="square" lIns="0" tIns="0" rIns="0" bIns="0" rtlCol="0"/>
+          <a:lstStyle/>
+          <a:p>
+            <a:endParaRPr dirty="0"/>
+          </a:p>
+        </p:txBody>
+      </p:sp>
+      <p:sp>
+        <p:nvSpPr>
+          <p:cNvPr id="4" name="object 4"/>
+          <p:cNvSpPr txBox="1"/>
+          <p:nvPr/>
+        </p:nvSpPr>
+        <p:spPr>
+          <a:xfrm>
+            <a:off x="4393769" y="2907495"/>
+            <a:ext cx="4481552" cy="446276"/>
+          </a:xfrm>
+          <a:prstGeom prst="rect">
+            <a:avLst/>
+          </a:prstGeom>
+        </p:spPr>
+        <p:txBody>
+          <a:bodyPr vert="horz" wrap="square" lIns="0" tIns="76200" rIns="0" bIns="0" rtlCol="0">
+            <a:spAutoFit/>
+          </a:bodyPr>
+          <a:lstStyle/>
+          <a:p>
+            <a:pPr algn="ctr">
+              <a:lnSpc>
+                <a:spcPct val="100000"/>
+              </a:lnSpc>
+              <a:spcBef>
+                <a:spcPts val="600"/>
+              </a:spcBef>
+            </a:pPr>
+            <a:r>
+              <a:rPr lang="pt-PT" sz="2400" b="1" spc="-90" dirty="0">
+                <a:solidFill>
+                  <a:srgbClr val="FFFFFF"/>
+                </a:solidFill>
+                <a:latin typeface="Arial"/>
+                <a:cs typeface="Arial"/>
+              </a:rPr>
+              <a:t>DSL para a geração de Chatbots</a:t>
+            </a:r>
+            <a:endParaRPr sz="2400" dirty="0">
+              <a:latin typeface="Arial"/>
+              <a:cs typeface="Arial"/>
+            </a:endParaRPr>
+          </a:p>
+        </p:txBody>
+      </p:sp>
+      <p:sp>
+        <p:nvSpPr>
+          <p:cNvPr id="5" name="object 5"/>
+          <p:cNvSpPr/>
+          <p:nvPr/>
+        </p:nvSpPr>
+        <p:spPr>
+          <a:xfrm>
+            <a:off x="7689417" y="406961"/>
+            <a:ext cx="1485900" cy="762000"/>
+          </a:xfrm>
+          <a:prstGeom prst="rect">
+            <a:avLst/>
+          </a:prstGeom>
+          <a:blipFill>
+            <a:blip r:embed="rId3" cstate="print"/>
+            <a:stretch>
+              <a:fillRect/>
+            </a:stretch>
+          </a:blipFill>
+        </p:spPr>
+        <p:txBody>
+          <a:bodyPr wrap="square" lIns="0" tIns="0" rIns="0" bIns="0" rtlCol="0"/>
+          <a:lstStyle/>
+          <a:p>
+            <a:endParaRPr dirty="0"/>
+          </a:p>
+        </p:txBody>
+      </p:sp>
+      <p:sp>
+        <p:nvSpPr>
+          <p:cNvPr id="6" name="object 6"/>
+          <p:cNvSpPr txBox="1"/>
+          <p:nvPr/>
+        </p:nvSpPr>
+        <p:spPr>
+          <a:xfrm>
+            <a:off x="5187761" y="5486015"/>
+            <a:ext cx="2743200" cy="1043491"/>
+          </a:xfrm>
+          <a:prstGeom prst="rect">
+            <a:avLst/>
+          </a:prstGeom>
+        </p:spPr>
+        <p:txBody>
+          <a:bodyPr vert="horz" wrap="square" lIns="0" tIns="12700" rIns="0" bIns="0" rtlCol="0">
+            <a:spAutoFit/>
+          </a:bodyPr>
+          <a:lstStyle/>
+          <a:p>
+            <a:pPr marL="19685" marR="11430" algn="ctr">
+              <a:lnSpc>
+                <a:spcPct val="166700"/>
+              </a:lnSpc>
+            </a:pPr>
+            <a:r>
+              <a:rPr lang="pt-PT" sz="1400" spc="35" dirty="0">
+                <a:solidFill>
+                  <a:srgbClr val="FFFFFF"/>
+                </a:solidFill>
+                <a:latin typeface="Arial" panose="020B0604020202020204" pitchFamily="34" charset="0"/>
+                <a:cs typeface="Arial" panose="020B0604020202020204" pitchFamily="34" charset="0"/>
+              </a:rPr>
+              <a:t>Diana Ribeiro Barbosa</a:t>
+            </a:r>
+          </a:p>
+          <a:p>
+            <a:pPr marL="19685" marR="11430" algn="ctr">
+              <a:lnSpc>
+                <a:spcPct val="166700"/>
+              </a:lnSpc>
+            </a:pPr>
+            <a:r>
+              <a:rPr sz="1400" spc="35" dirty="0">
+                <a:solidFill>
+                  <a:srgbClr val="FFFFFF"/>
+                </a:solidFill>
+                <a:latin typeface="Arial" panose="020B0604020202020204" pitchFamily="34" charset="0"/>
+                <a:cs typeface="Arial" panose="020B0604020202020204" pitchFamily="34" charset="0"/>
+              </a:rPr>
+              <a:t>Francisco </a:t>
+            </a:r>
+            <a:r>
+              <a:rPr sz="1400" spc="60" dirty="0">
+                <a:solidFill>
+                  <a:srgbClr val="FFFFFF"/>
+                </a:solidFill>
+                <a:latin typeface="Arial" panose="020B0604020202020204" pitchFamily="34" charset="0"/>
+                <a:cs typeface="Arial" panose="020B0604020202020204" pitchFamily="34" charset="0"/>
+              </a:rPr>
+              <a:t>José </a:t>
+            </a:r>
+            <a:r>
+              <a:rPr sz="1400" spc="20" dirty="0">
+                <a:solidFill>
+                  <a:srgbClr val="FFFFFF"/>
+                </a:solidFill>
+                <a:latin typeface="Arial" panose="020B0604020202020204" pitchFamily="34" charset="0"/>
+                <a:cs typeface="Arial" panose="020B0604020202020204" pitchFamily="34" charset="0"/>
+              </a:rPr>
+              <a:t>Moreira</a:t>
+            </a:r>
+            <a:r>
+              <a:rPr sz="1400" spc="-195" dirty="0">
+                <a:solidFill>
+                  <a:srgbClr val="FFFFFF"/>
+                </a:solidFill>
+                <a:latin typeface="Arial" panose="020B0604020202020204" pitchFamily="34" charset="0"/>
+                <a:cs typeface="Arial" panose="020B0604020202020204" pitchFamily="34" charset="0"/>
+              </a:rPr>
+              <a:t> </a:t>
+            </a:r>
+            <a:r>
+              <a:rPr sz="1400" spc="-5" dirty="0">
+                <a:solidFill>
+                  <a:srgbClr val="FFFFFF"/>
+                </a:solidFill>
+                <a:latin typeface="Arial" panose="020B0604020202020204" pitchFamily="34" charset="0"/>
+                <a:cs typeface="Arial" panose="020B0604020202020204" pitchFamily="34" charset="0"/>
+              </a:rPr>
+              <a:t>Oliveira  </a:t>
+            </a:r>
+            <a:r>
+              <a:rPr sz="1400" spc="20" dirty="0">
+                <a:solidFill>
+                  <a:srgbClr val="FFFFFF"/>
+                </a:solidFill>
+                <a:latin typeface="Arial" panose="020B0604020202020204" pitchFamily="34" charset="0"/>
+                <a:cs typeface="Arial" panose="020B0604020202020204" pitchFamily="34" charset="0"/>
+              </a:rPr>
+              <a:t>Raul Vilas</a:t>
+            </a:r>
+            <a:r>
+              <a:rPr sz="1400" spc="-114" dirty="0">
+                <a:solidFill>
+                  <a:srgbClr val="FFFFFF"/>
+                </a:solidFill>
+                <a:latin typeface="Arial" panose="020B0604020202020204" pitchFamily="34" charset="0"/>
+                <a:cs typeface="Arial" panose="020B0604020202020204" pitchFamily="34" charset="0"/>
+              </a:rPr>
+              <a:t> </a:t>
+            </a:r>
+            <a:r>
+              <a:rPr sz="1400" spc="75" dirty="0">
+                <a:solidFill>
+                  <a:srgbClr val="FFFFFF"/>
+                </a:solidFill>
+                <a:latin typeface="Arial" panose="020B0604020202020204" pitchFamily="34" charset="0"/>
+                <a:cs typeface="Arial" panose="020B0604020202020204" pitchFamily="34" charset="0"/>
+              </a:rPr>
+              <a:t>Boas</a:t>
+            </a:r>
+            <a:endParaRPr sz="1400" dirty="0">
+              <a:latin typeface="Arial" panose="020B0604020202020204" pitchFamily="34" charset="0"/>
+              <a:cs typeface="Arial" panose="020B0604020202020204" pitchFamily="34" charset="0"/>
+            </a:endParaRPr>
+          </a:p>
+        </p:txBody>
+      </p:sp>
+      <p:sp>
+        <p:nvSpPr>
+          <p:cNvPr id="8" name="object 8"/>
+          <p:cNvSpPr txBox="1">
+            <a:spLocks noGrp="1"/>
+          </p:cNvSpPr>
+          <p:nvPr>
+            <p:ph type="title"/>
+          </p:nvPr>
+        </p:nvSpPr>
+        <p:spPr>
+          <a:xfrm>
+            <a:off x="3851945" y="440382"/>
+            <a:ext cx="3577870" cy="704680"/>
+          </a:xfrm>
+          <a:prstGeom prst="rect">
+            <a:avLst/>
+          </a:prstGeom>
+        </p:spPr>
+        <p:txBody>
+          <a:bodyPr vert="horz" wrap="square" lIns="0" tIns="83185" rIns="0" bIns="0" rtlCol="0">
+            <a:spAutoFit/>
+          </a:bodyPr>
+          <a:lstStyle/>
+          <a:p>
+            <a:pPr marL="12700" algn="ctr">
+              <a:lnSpc>
+                <a:spcPct val="100000"/>
+              </a:lnSpc>
+              <a:spcBef>
+                <a:spcPts val="655"/>
+              </a:spcBef>
+            </a:pPr>
+            <a:r>
+              <a:rPr sz="2050" spc="-95" dirty="0" err="1">
+                <a:solidFill>
+                  <a:srgbClr val="FFFFFF"/>
+                </a:solidFill>
+                <a:latin typeface="Arial" panose="020B0604020202020204" pitchFamily="34" charset="0"/>
+                <a:cs typeface="Arial" panose="020B0604020202020204" pitchFamily="34" charset="0"/>
+              </a:rPr>
+              <a:t>Universidade</a:t>
+            </a:r>
+            <a:r>
+              <a:rPr sz="2050" spc="-95" dirty="0">
+                <a:solidFill>
+                  <a:srgbClr val="FFFFFF"/>
+                </a:solidFill>
+                <a:latin typeface="Arial" panose="020B0604020202020204" pitchFamily="34" charset="0"/>
+                <a:cs typeface="Arial" panose="020B0604020202020204" pitchFamily="34" charset="0"/>
+              </a:rPr>
+              <a:t> </a:t>
+            </a:r>
+            <a:r>
+              <a:rPr sz="2050" spc="-80" dirty="0">
+                <a:solidFill>
+                  <a:srgbClr val="FFFFFF"/>
+                </a:solidFill>
+                <a:latin typeface="Arial" panose="020B0604020202020204" pitchFamily="34" charset="0"/>
+                <a:cs typeface="Arial" panose="020B0604020202020204" pitchFamily="34" charset="0"/>
+              </a:rPr>
+              <a:t>do</a:t>
+            </a:r>
+            <a:r>
+              <a:rPr lang="pt-PT" sz="2050" spc="-80" dirty="0">
+                <a:solidFill>
+                  <a:srgbClr val="FFFFFF"/>
+                </a:solidFill>
+                <a:latin typeface="Arial" panose="020B0604020202020204" pitchFamily="34" charset="0"/>
+                <a:cs typeface="Arial" panose="020B0604020202020204" pitchFamily="34" charset="0"/>
+              </a:rPr>
+              <a:t> </a:t>
+            </a:r>
+            <a:r>
+              <a:rPr sz="2050" spc="-470" dirty="0">
+                <a:solidFill>
+                  <a:srgbClr val="FFFFFF"/>
+                </a:solidFill>
+                <a:latin typeface="Arial" panose="020B0604020202020204" pitchFamily="34" charset="0"/>
+                <a:cs typeface="Arial" panose="020B0604020202020204" pitchFamily="34" charset="0"/>
+              </a:rPr>
+              <a:t> </a:t>
+            </a:r>
+            <a:r>
+              <a:rPr sz="2050" spc="-90" dirty="0">
+                <a:solidFill>
+                  <a:srgbClr val="FFFFFF"/>
+                </a:solidFill>
+                <a:latin typeface="Arial" panose="020B0604020202020204" pitchFamily="34" charset="0"/>
+                <a:cs typeface="Arial" panose="020B0604020202020204" pitchFamily="34" charset="0"/>
+              </a:rPr>
+              <a:t>Minho</a:t>
+            </a:r>
+            <a:endParaRPr sz="2050" dirty="0">
+              <a:latin typeface="Arial" panose="020B0604020202020204" pitchFamily="34" charset="0"/>
+              <a:cs typeface="Arial" panose="020B0604020202020204" pitchFamily="34" charset="0"/>
+            </a:endParaRPr>
+          </a:p>
+          <a:p>
+            <a:pPr marL="24765" algn="ctr">
+              <a:lnSpc>
+                <a:spcPct val="100000"/>
+              </a:lnSpc>
+              <a:spcBef>
+                <a:spcPts val="439"/>
+              </a:spcBef>
+            </a:pPr>
+            <a:r>
+              <a:rPr lang="pt-PT" sz="1650" b="0" spc="-70" dirty="0">
+                <a:solidFill>
+                  <a:srgbClr val="FFFFFF"/>
+                </a:solidFill>
+                <a:latin typeface="Arial" panose="020B0604020202020204" pitchFamily="34" charset="0"/>
+                <a:cs typeface="Arial" panose="020B0604020202020204" pitchFamily="34" charset="0"/>
+              </a:rPr>
+              <a:t>Laboratório em Engenharia Informática</a:t>
+            </a:r>
+            <a:endParaRPr sz="1650" dirty="0">
+              <a:latin typeface="Arial" panose="020B0604020202020204" pitchFamily="34" charset="0"/>
+              <a:cs typeface="Arial" panose="020B0604020202020204" pitchFamily="34" charset="0"/>
+            </a:endParaRPr>
+          </a:p>
+        </p:txBody>
+      </p:sp>
+      <p:sp>
+        <p:nvSpPr>
+          <p:cNvPr id="9" name="object 9"/>
+          <p:cNvSpPr/>
+          <p:nvPr/>
+        </p:nvSpPr>
+        <p:spPr>
+          <a:xfrm>
+            <a:off x="4356914" y="2635658"/>
+            <a:ext cx="4404995" cy="0"/>
+          </a:xfrm>
+          <a:custGeom>
+            <a:avLst/>
+            <a:gdLst/>
+            <a:ahLst/>
+            <a:cxnLst/>
+            <a:rect l="l" t="t" r="r" b="b"/>
+            <a:pathLst>
+              <a:path w="4404995">
+                <a:moveTo>
+                  <a:pt x="0" y="0"/>
+                </a:moveTo>
+                <a:lnTo>
+                  <a:pt x="4404462" y="1"/>
+                </a:lnTo>
+              </a:path>
+            </a:pathLst>
+          </a:custGeom>
+          <a:ln w="52916">
+            <a:solidFill>
+              <a:srgbClr val="00ADE2"/>
+            </a:solidFill>
+          </a:ln>
+        </p:spPr>
+        <p:txBody>
+          <a:bodyPr wrap="square" lIns="0" tIns="0" rIns="0" bIns="0" rtlCol="0"/>
+          <a:lstStyle/>
+          <a:p>
+            <a:endParaRPr/>
+          </a:p>
+        </p:txBody>
+      </p:sp>
+      <p:sp>
+        <p:nvSpPr>
+          <p:cNvPr id="10" name="object 10"/>
+          <p:cNvSpPr/>
+          <p:nvPr/>
+        </p:nvSpPr>
+        <p:spPr>
+          <a:xfrm>
+            <a:off x="4639756" y="2468881"/>
+            <a:ext cx="3839210" cy="0"/>
+          </a:xfrm>
+          <a:custGeom>
+            <a:avLst/>
+            <a:gdLst/>
+            <a:ahLst/>
+            <a:cxnLst/>
+            <a:rect l="l" t="t" r="r" b="b"/>
+            <a:pathLst>
+              <a:path w="3839209">
+                <a:moveTo>
+                  <a:pt x="0" y="0"/>
+                </a:moveTo>
+                <a:lnTo>
+                  <a:pt x="3838782" y="1"/>
+                </a:lnTo>
+              </a:path>
+            </a:pathLst>
+          </a:custGeom>
+          <a:ln w="52916">
+            <a:solidFill>
+              <a:srgbClr val="00ADE2"/>
+            </a:solidFill>
+          </a:ln>
+        </p:spPr>
+        <p:txBody>
+          <a:bodyPr wrap="square" lIns="0" tIns="0" rIns="0" bIns="0" rtlCol="0"/>
+          <a:lstStyle/>
+          <a:p>
+            <a:endParaRPr/>
+          </a:p>
+        </p:txBody>
+      </p:sp>
+      <p:sp>
+        <p:nvSpPr>
+          <p:cNvPr id="11" name="object 11"/>
+          <p:cNvSpPr/>
+          <p:nvPr/>
+        </p:nvSpPr>
+        <p:spPr>
+          <a:xfrm>
+            <a:off x="4356914" y="3693822"/>
+            <a:ext cx="4404995" cy="0"/>
+          </a:xfrm>
+          <a:custGeom>
+            <a:avLst/>
+            <a:gdLst/>
+            <a:ahLst/>
+            <a:cxnLst/>
+            <a:rect l="l" t="t" r="r" b="b"/>
+            <a:pathLst>
+              <a:path w="4404995">
+                <a:moveTo>
+                  <a:pt x="0" y="0"/>
+                </a:moveTo>
+                <a:lnTo>
+                  <a:pt x="4404462" y="1"/>
+                </a:lnTo>
+              </a:path>
+            </a:pathLst>
+          </a:custGeom>
+          <a:ln w="52916">
+            <a:solidFill>
+              <a:srgbClr val="00ADE2"/>
+            </a:solidFill>
+          </a:ln>
+        </p:spPr>
+        <p:txBody>
+          <a:bodyPr wrap="square" lIns="0" tIns="0" rIns="0" bIns="0" rtlCol="0"/>
+          <a:lstStyle/>
+          <a:p>
+            <a:endParaRPr/>
+          </a:p>
+        </p:txBody>
+      </p:sp>
+      <p:sp>
+        <p:nvSpPr>
+          <p:cNvPr id="12" name="object 12"/>
+          <p:cNvSpPr/>
+          <p:nvPr/>
+        </p:nvSpPr>
+        <p:spPr>
+          <a:xfrm>
+            <a:off x="4639756" y="3863481"/>
+            <a:ext cx="3839210" cy="0"/>
+          </a:xfrm>
+          <a:custGeom>
+            <a:avLst/>
+            <a:gdLst/>
+            <a:ahLst/>
+            <a:cxnLst/>
+            <a:rect l="l" t="t" r="r" b="b"/>
+            <a:pathLst>
+              <a:path w="3839209">
+                <a:moveTo>
+                  <a:pt x="0" y="0"/>
+                </a:moveTo>
+                <a:lnTo>
+                  <a:pt x="3838782" y="1"/>
+                </a:lnTo>
+              </a:path>
+            </a:pathLst>
+          </a:custGeom>
+          <a:ln w="52916">
+            <a:solidFill>
+              <a:srgbClr val="00ADE2"/>
+            </a:solidFill>
+          </a:ln>
+        </p:spPr>
+        <p:txBody>
+          <a:bodyPr wrap="square" lIns="0" tIns="0" rIns="0" bIns="0" rtlCol="0"/>
+          <a:lstStyle/>
+          <a:p>
+            <a:endParaRPr/>
+          </a:p>
+        </p:txBody>
+      </p:sp>
+      <p:sp>
+        <p:nvSpPr>
+          <p:cNvPr id="13" name="object 13"/>
+          <p:cNvSpPr/>
+          <p:nvPr/>
+        </p:nvSpPr>
+        <p:spPr>
+          <a:xfrm>
+            <a:off x="3697846" y="0"/>
+            <a:ext cx="108585" cy="6858000"/>
+          </a:xfrm>
+          <a:custGeom>
+            <a:avLst/>
+            <a:gdLst/>
+            <a:ahLst/>
+            <a:cxnLst/>
+            <a:rect l="l" t="t" r="r" b="b"/>
+            <a:pathLst>
+              <a:path w="108585" h="6858000">
+                <a:moveTo>
+                  <a:pt x="0" y="6858000"/>
+                </a:moveTo>
+                <a:lnTo>
+                  <a:pt x="108220" y="6858000"/>
+                </a:lnTo>
+                <a:lnTo>
+                  <a:pt x="108220" y="0"/>
+                </a:lnTo>
+                <a:lnTo>
+                  <a:pt x="0" y="0"/>
+                </a:lnTo>
+                <a:lnTo>
+                  <a:pt x="0" y="6858000"/>
+                </a:lnTo>
+                <a:close/>
+              </a:path>
+            </a:pathLst>
+          </a:custGeom>
+          <a:solidFill>
+            <a:srgbClr val="FAB200"/>
+          </a:solidFill>
+        </p:spPr>
+        <p:txBody>
+          <a:bodyPr wrap="square" lIns="0" tIns="0" rIns="0" bIns="0" rtlCol="0"/>
+          <a:lstStyle/>
+          <a:p>
+            <a:endParaRPr/>
+          </a:p>
+        </p:txBody>
+      </p:sp>
+      <p:pic>
+        <p:nvPicPr>
+          <p:cNvPr id="14" name="Imagem 13">
+            <a:extLst>
+              <a:ext uri="{FF2B5EF4-FFF2-40B4-BE49-F238E27FC236}">
+                <a16:creationId xmlns:a16="http://schemas.microsoft.com/office/drawing/2014/main" id="{C738E9B3-4162-4211-8E04-17E91A6E4892}"/>
+              </a:ext>
+            </a:extLst>
+          </p:cNvPr>
+          <p:cNvPicPr>
+            <a:picLocks noChangeAspect="1"/>
+          </p:cNvPicPr>
+          <p:nvPr/>
+        </p:nvPicPr>
+        <p:blipFill>
+          <a:blip r:embed="rId4"/>
+          <a:stretch>
+            <a:fillRect/>
+          </a:stretch>
+        </p:blipFill>
+        <p:spPr>
+          <a:xfrm>
+            <a:off x="7535422" y="386937"/>
+            <a:ext cx="1608578" cy="801678"/>
+          </a:xfrm>
+          <a:prstGeom prst="rect">
+            <a:avLst/>
+          </a:prstGeom>
+        </p:spPr>
+      </p:pic>
+      <p:pic>
+        <p:nvPicPr>
+          <p:cNvPr id="20" name="Imagem 19">
+            <a:extLst>
+              <a:ext uri="{FF2B5EF4-FFF2-40B4-BE49-F238E27FC236}">
+                <a16:creationId xmlns:a16="http://schemas.microsoft.com/office/drawing/2014/main" id="{344E8D08-D3B1-4847-AFDC-BC0E4DA08605}"/>
+              </a:ext>
+            </a:extLst>
+          </p:cNvPr>
+          <p:cNvPicPr>
+            <a:picLocks noChangeAspect="1"/>
+          </p:cNvPicPr>
+          <p:nvPr/>
+        </p:nvPicPr>
+        <p:blipFill>
+          <a:blip r:embed="rId5"/>
+          <a:stretch>
+            <a:fillRect/>
+          </a:stretch>
+        </p:blipFill>
+        <p:spPr>
+          <a:xfrm>
+            <a:off x="4567238" y="3424238"/>
+            <a:ext cx="9524" cy="9524"/>
+          </a:xfrm>
+          <a:prstGeom prst="rect">
+            <a:avLst/>
+          </a:prstGeom>
+        </p:spPr>
+      </p:pic>
+      <p:sp>
+        <p:nvSpPr>
+          <p:cNvPr id="16" name="object 6">
+            <a:extLst>
+              <a:ext uri="{FF2B5EF4-FFF2-40B4-BE49-F238E27FC236}">
+                <a16:creationId xmlns:a16="http://schemas.microsoft.com/office/drawing/2014/main" id="{55768048-FC68-4E4D-8D20-2FA55FDC5EF5}"/>
+              </a:ext>
+            </a:extLst>
+          </p:cNvPr>
+          <p:cNvSpPr txBox="1"/>
+          <p:nvPr/>
+        </p:nvSpPr>
+        <p:spPr>
+          <a:xfrm>
+            <a:off x="523875" y="5486400"/>
+            <a:ext cx="2743200" cy="1043106"/>
+          </a:xfrm>
+          <a:prstGeom prst="rect">
+            <a:avLst/>
+          </a:prstGeom>
+        </p:spPr>
+        <p:txBody>
+          <a:bodyPr vert="horz" wrap="square" lIns="0" tIns="12700" rIns="0" bIns="0" rtlCol="0">
+            <a:spAutoFit/>
+          </a:bodyPr>
+          <a:lstStyle/>
+          <a:p>
+            <a:pPr marL="19685" marR="11430" algn="ctr">
+              <a:lnSpc>
+                <a:spcPct val="166700"/>
+              </a:lnSpc>
+            </a:pPr>
+            <a:r>
+              <a:rPr lang="pt-PT" sz="1400" b="1" spc="35" dirty="0">
+                <a:solidFill>
+                  <a:srgbClr val="FFFFFF"/>
+                </a:solidFill>
+                <a:latin typeface="Arial" panose="020B0604020202020204" pitchFamily="34" charset="0"/>
+                <a:cs typeface="Arial" panose="020B0604020202020204" pitchFamily="34" charset="0"/>
+              </a:rPr>
+              <a:t>Orientadores</a:t>
+            </a:r>
+            <a:r>
+              <a:rPr lang="pt-PT" sz="1400" spc="35" dirty="0">
+                <a:solidFill>
+                  <a:srgbClr val="FFFFFF"/>
+                </a:solidFill>
+                <a:latin typeface="Arial" panose="020B0604020202020204" pitchFamily="34" charset="0"/>
+                <a:cs typeface="Arial" panose="020B0604020202020204" pitchFamily="34" charset="0"/>
+              </a:rPr>
+              <a:t>:</a:t>
+            </a:r>
+          </a:p>
+          <a:p>
+            <a:pPr marL="19685" marR="11430" algn="ctr">
+              <a:lnSpc>
+                <a:spcPct val="166700"/>
+              </a:lnSpc>
+            </a:pPr>
+            <a:r>
+              <a:rPr lang="pt-PT" sz="1400" spc="35" dirty="0">
+                <a:solidFill>
+                  <a:srgbClr val="FFFFFF"/>
+                </a:solidFill>
+                <a:latin typeface="Arial" panose="020B0604020202020204" pitchFamily="34" charset="0"/>
+                <a:cs typeface="Arial" panose="020B0604020202020204" pitchFamily="34" charset="0"/>
+              </a:rPr>
+              <a:t>José João Almeida</a:t>
+            </a:r>
+          </a:p>
+          <a:p>
+            <a:pPr marL="19685" marR="11430" algn="ctr">
+              <a:lnSpc>
+                <a:spcPct val="166700"/>
+              </a:lnSpc>
+            </a:pPr>
+            <a:r>
+              <a:rPr lang="pt-PT" sz="1400" spc="35" dirty="0">
+                <a:solidFill>
+                  <a:srgbClr val="FFFFFF"/>
+                </a:solidFill>
+                <a:latin typeface="Arial" panose="020B0604020202020204" pitchFamily="34" charset="0"/>
+                <a:cs typeface="Arial" panose="020B0604020202020204" pitchFamily="34" charset="0"/>
+              </a:rPr>
+              <a:t>Pedro Rangel Henriques</a:t>
+            </a:r>
+          </a:p>
+        </p:txBody>
+      </p:sp>
+      <p:pic>
+        <p:nvPicPr>
+          <p:cNvPr id="17" name="Imagem 16">
+            <a:extLst>
+              <a:ext uri="{FF2B5EF4-FFF2-40B4-BE49-F238E27FC236}">
+                <a16:creationId xmlns:a16="http://schemas.microsoft.com/office/drawing/2014/main" id="{3DB48BAB-F75E-4B06-A739-EBEE10B66AE6}"/>
+              </a:ext>
+            </a:extLst>
+          </p:cNvPr>
+          <p:cNvPicPr>
+            <a:picLocks noChangeAspect="1"/>
+          </p:cNvPicPr>
+          <p:nvPr/>
+        </p:nvPicPr>
+        <p:blipFill rotWithShape="1">
+          <a:blip r:embed="rId6">
+            <a:clrChange>
+              <a:clrFrom>
+                <a:srgbClr val="FF8E1C"/>
+              </a:clrFrom>
+              <a:clrTo>
+                <a:srgbClr val="FF8E1C">
+                  <a:alpha val="0"/>
+                </a:srgbClr>
+              </a:clrTo>
+            </a:clrChange>
+            <a:extLst>
+              <a:ext uri="{BEBA8EAE-BF5A-486C-A8C5-ECC9F3942E4B}">
+                <a14:imgProps xmlns:a14="http://schemas.microsoft.com/office/drawing/2010/main">
+                  <a14:imgLayer r:embed="rId7">
+                    <a14:imgEffect>
+                      <a14:backgroundRemoval t="10000" b="90000" l="10000" r="90000">
+                        <a14:foregroundMark x1="44500" y1="44667" x2="44250" y2="46333"/>
+                        <a14:foregroundMark x1="73500" y1="48833" x2="67625" y2="45667"/>
+                        <a14:foregroundMark x1="67625" y1="45667" x2="76875" y2="44833"/>
+                        <a14:foregroundMark x1="76875" y1="44833" x2="71625" y2="50333"/>
+                        <a14:foregroundMark x1="71625" y1="50333" x2="77000" y2="55667"/>
+                        <a14:foregroundMark x1="71375" y1="55000" x2="67625" y2="48167"/>
+                        <a14:foregroundMark x1="67625" y1="48167" x2="68500" y2="49333"/>
+                        <a14:foregroundMark x1="45250" y1="77167" x2="44250" y2="77833"/>
+                        <a14:backgroundMark x1="21625" y1="62333" x2="28875" y2="59833"/>
+                        <a14:backgroundMark x1="26625" y1="57333" x2="26375" y2="59833"/>
+                        <a14:backgroundMark x1="59750" y1="67167" x2="61750" y2="68167"/>
+                        <a14:backgroundMark x1="58125" y1="67500" x2="60875" y2="79167"/>
+                        <a14:backgroundMark x1="60875" y1="79167" x2="65375" y2="68167"/>
+                        <a14:backgroundMark x1="65375" y1="68167" x2="59750" y2="61833"/>
+                        <a14:backgroundMark x1="24625" y1="53167" x2="22375" y2="61000"/>
+                        <a14:backgroundMark x1="22375" y1="61000" x2="24125" y2="69500"/>
+                        <a14:backgroundMark x1="24125" y1="69500" x2="29500" y2="65500"/>
+                        <a14:backgroundMark x1="29500" y1="65500" x2="29875" y2="57500"/>
+                        <a14:backgroundMark x1="29875" y1="57500" x2="24500" y2="53333"/>
+                        <a14:backgroundMark x1="24500" y1="53333" x2="24250" y2="53333"/>
+                        <a14:backgroundMark x1="27125" y1="57500" x2="25000" y2="64833"/>
+                        <a14:backgroundMark x1="25000" y1="64833" x2="26250" y2="72167"/>
+                        <a14:backgroundMark x1="26250" y1="72167" x2="30500" y2="66667"/>
+                        <a14:backgroundMark x1="30500" y1="66667" x2="28250" y2="59667"/>
+                        <a14:backgroundMark x1="28250" y1="59667" x2="28125" y2="59667"/>
+                        <a14:backgroundMark x1="34125" y1="62500" x2="28250" y2="60000"/>
+                        <a14:backgroundMark x1="28250" y1="60000" x2="32750" y2="65167"/>
+                        <a14:backgroundMark x1="32750" y1="65167" x2="33750" y2="61500"/>
+                        <a14:backgroundMark x1="62000" y1="65000" x2="56375" y2="62167"/>
+                        <a14:backgroundMark x1="56375" y1="62167" x2="58750" y2="69667"/>
+                        <a14:backgroundMark x1="58750" y1="69667" x2="60625" y2="63833"/>
+                      </a14:backgroundRemoval>
+                    </a14:imgEffect>
+                  </a14:imgLayer>
+                </a14:imgProps>
+              </a:ext>
+            </a:extLst>
+          </a:blip>
+          <a:srcRect l="21000" t="11334" r="13000" b="8666"/>
+          <a:stretch/>
+        </p:blipFill>
+        <p:spPr>
+          <a:xfrm>
+            <a:off x="839379" y="2038227"/>
+            <a:ext cx="2257640" cy="2184812"/>
+          </a:xfrm>
+          <a:prstGeom prst="rect">
+            <a:avLst/>
+          </a:prstGeom>
+        </p:spPr>
+      </p:pic>
+    </p:spTree>
+    <p:extLst>
+      <p:ext uri="{BB962C8B-B14F-4D97-AF65-F5344CB8AC3E}">
+        <p14:creationId xmlns:p14="http://schemas.microsoft.com/office/powerpoint/2010/main" val="510639415"/>
       </p:ext>
     </p:extLst>
   </p:cSld>

--- a/LEI/apresentações/checkpoint2/apresLEI_grupo47.pptx
+++ b/LEI/apresentações/checkpoint2/apresLEI_grupo47.pptx
@@ -9,7 +9,7 @@
   </p:notesMasterIdLst>
   <p:sldIdLst>
     <p:sldId id="256" r:id="rId2"/>
-    <p:sldId id="331" r:id="rId3"/>
+    <p:sldId id="334" r:id="rId3"/>
     <p:sldId id="296" r:id="rId4"/>
     <p:sldId id="266" r:id="rId5"/>
     <p:sldId id="301" r:id="rId6"/>
@@ -1254,7 +1254,10 @@
           <a:bodyPr/>
           <a:lstStyle/>
           <a:p>
-            <a:endParaRPr lang="pt-PT" dirty="0"/>
+            <a:r>
+              <a:rPr lang="pt-PT" dirty="0"/>
+              <a:t>DIANA</a:t>
+            </a:r>
           </a:p>
         </p:txBody>
       </p:sp>
@@ -1338,7 +1341,10 @@
           <a:bodyPr/>
           <a:lstStyle/>
           <a:p>
-            <a:endParaRPr lang="pt-PT" dirty="0"/>
+            <a:r>
+              <a:rPr lang="pt-PT" dirty="0"/>
+              <a:t>DIANA</a:t>
+            </a:r>
           </a:p>
         </p:txBody>
       </p:sp>
@@ -1422,7 +1428,10 @@
           <a:bodyPr/>
           <a:lstStyle/>
           <a:p>
-            <a:endParaRPr lang="pt-PT" dirty="0"/>
+            <a:r>
+              <a:rPr lang="pt-PT" dirty="0"/>
+              <a:t>DIANA</a:t>
+            </a:r>
           </a:p>
         </p:txBody>
       </p:sp>
@@ -1506,7 +1515,10 @@
           <a:bodyPr/>
           <a:lstStyle/>
           <a:p>
-            <a:endParaRPr lang="pt-PT" dirty="0"/>
+            <a:r>
+              <a:rPr lang="pt-PT" dirty="0"/>
+              <a:t>KIKO</a:t>
+            </a:r>
           </a:p>
         </p:txBody>
       </p:sp>
@@ -1536,7 +1548,7 @@
     </p:spTree>
     <p:extLst>
       <p:ext uri="{BB962C8B-B14F-4D97-AF65-F5344CB8AC3E}">
-        <p14:creationId xmlns:p14="http://schemas.microsoft.com/office/powerpoint/2010/main" val="1860876849"/>
+        <p14:creationId xmlns:p14="http://schemas.microsoft.com/office/powerpoint/2010/main" val="695037917"/>
       </p:ext>
     </p:extLst>
   </p:cSld>
@@ -1590,7 +1602,10 @@
           <a:bodyPr/>
           <a:lstStyle/>
           <a:p>
-            <a:endParaRPr lang="pt-PT" dirty="0"/>
+            <a:r>
+              <a:rPr lang="pt-PT" dirty="0"/>
+              <a:t>DIANA</a:t>
+            </a:r>
           </a:p>
         </p:txBody>
       </p:sp>
@@ -1674,7 +1689,10 @@
           <a:bodyPr/>
           <a:lstStyle/>
           <a:p>
-            <a:endParaRPr lang="pt-PT" dirty="0"/>
+            <a:r>
+              <a:rPr lang="pt-PT" dirty="0"/>
+              <a:t>DIANA</a:t>
+            </a:r>
           </a:p>
         </p:txBody>
       </p:sp>
@@ -1758,7 +1776,10 @@
           <a:bodyPr/>
           <a:lstStyle/>
           <a:p>
-            <a:endParaRPr lang="pt-PT" dirty="0"/>
+            <a:r>
+              <a:rPr lang="pt-PT" dirty="0"/>
+              <a:t>DIANA</a:t>
+            </a:r>
           </a:p>
         </p:txBody>
       </p:sp>
@@ -1843,47 +1864,10 @@
           <a:lstStyle/>
           <a:p>
             <a:r>
-              <a:rPr lang="pt-PT" dirty="0"/>
-              <a:t>KIKO</a:t>
-            </a:r>
-          </a:p>
-          <a:p>
-            <a:r>
-              <a:rPr lang="pt-PT" b="1" u="sng" dirty="0"/>
-              <a:t>Bom dia!!!</a:t>
-            </a:r>
-          </a:p>
-          <a:p>
-            <a:r>
-              <a:rPr lang="pt-PT" dirty="0"/>
-              <a:t>Eu sou o Francisco, este é o Raul, e esta é a Diana e vamos começar a nossa apresentação do </a:t>
-            </a:r>
-            <a:r>
-              <a:rPr lang="pt-PT" u="sng" dirty="0"/>
-              <a:t>projeto de Laboratórios de Engenharia Informática</a:t>
-            </a:r>
-            <a:r>
-              <a:rPr lang="pt-PT" dirty="0"/>
-              <a:t>.</a:t>
-            </a:r>
-          </a:p>
-          <a:p>
-            <a:r>
-              <a:rPr lang="pt-PT" dirty="0"/>
-              <a:t>O tema do projeto é uma </a:t>
-            </a:r>
-            <a:r>
-              <a:rPr lang="pt-PT" b="1" u="sng" dirty="0"/>
-              <a:t>“DSL para geração de </a:t>
-            </a:r>
-            <a:r>
-              <a:rPr lang="pt-PT" b="1" u="sng" dirty="0" err="1"/>
-              <a:t>ChatBots</a:t>
-            </a:r>
-            <a:r>
-              <a:rPr lang="pt-PT" b="1" u="sng" dirty="0"/>
-              <a:t>”</a:t>
-            </a:r>
+              <a:rPr lang="pt-PT" b="0" u="none"/>
+              <a:t>DIANA</a:t>
+            </a:r>
+            <a:endParaRPr lang="pt-PT" b="0" u="none" dirty="0"/>
           </a:p>
         </p:txBody>
       </p:sp>
@@ -1967,7 +1951,10 @@
           <a:bodyPr/>
           <a:lstStyle/>
           <a:p>
-            <a:endParaRPr lang="pt-PT" dirty="0"/>
+            <a:r>
+              <a:rPr lang="pt-PT" dirty="0"/>
+              <a:t>KIKO</a:t>
+            </a:r>
           </a:p>
         </p:txBody>
       </p:sp>
@@ -2051,7 +2038,10 @@
           <a:bodyPr/>
           <a:lstStyle/>
           <a:p>
-            <a:endParaRPr lang="pt-PT" dirty="0"/>
+            <a:r>
+              <a:rPr lang="pt-PT" dirty="0"/>
+              <a:t>RAUL</a:t>
+            </a:r>
           </a:p>
         </p:txBody>
       </p:sp>
@@ -18436,8 +18426,8 @@
         </p:nvSpPr>
         <p:spPr>
           <a:xfrm>
-            <a:off x="1028700" y="1447800"/>
-            <a:ext cx="6286500" cy="3505200"/>
+            <a:off x="1447800" y="2669234"/>
+            <a:ext cx="6248400" cy="1339045"/>
           </a:xfrm>
           <a:prstGeom prst="roundRect">
             <a:avLst/>
@@ -18476,196 +18466,6 @@
           </a:p>
         </p:txBody>
       </p:sp>
-      <p:sp>
-        <p:nvSpPr>
-          <p:cNvPr id="5" name="CaixaDeTexto 4">
-            <a:extLst>
-              <a:ext uri="{FF2B5EF4-FFF2-40B4-BE49-F238E27FC236}">
-                <a16:creationId xmlns:a16="http://schemas.microsoft.com/office/drawing/2014/main" id="{30FE9CF7-43A2-49E3-9E1A-71C579CF89D8}"/>
-              </a:ext>
-            </a:extLst>
-          </p:cNvPr>
-          <p:cNvSpPr txBox="1"/>
-          <p:nvPr/>
-        </p:nvSpPr>
-        <p:spPr>
-          <a:xfrm>
-            <a:off x="1600200" y="1905000"/>
-            <a:ext cx="5867400" cy="2585323"/>
-          </a:xfrm>
-          <a:prstGeom prst="rect">
-            <a:avLst/>
-          </a:prstGeom>
-          <a:noFill/>
-        </p:spPr>
-        <p:txBody>
-          <a:bodyPr wrap="square" rtlCol="0">
-            <a:spAutoFit/>
-          </a:bodyPr>
-          <a:lstStyle/>
-          <a:p>
-            <a:pPr marL="285750" indent="-285750">
-              <a:buFont typeface="Arial" panose="020B0604020202020204" pitchFamily="34" charset="0"/>
-              <a:buChar char="•"/>
-            </a:pPr>
-            <a:r>
-              <a:rPr lang="pt-PT" dirty="0">
-                <a:latin typeface="Arial" panose="020B0604020202020204" pitchFamily="34" charset="0"/>
-                <a:cs typeface="Arial" panose="020B0604020202020204" pitchFamily="34" charset="0"/>
-              </a:rPr>
-              <a:t>Desenvolver uma </a:t>
-            </a:r>
-            <a:r>
-              <a:rPr lang="pt-PT" dirty="0" err="1">
-                <a:latin typeface="Arial" panose="020B0604020202020204" pitchFamily="34" charset="0"/>
-                <a:cs typeface="Arial" panose="020B0604020202020204" pitchFamily="34" charset="0"/>
-              </a:rPr>
-              <a:t>Domain</a:t>
-            </a:r>
-            <a:r>
-              <a:rPr lang="pt-PT" dirty="0">
-                <a:latin typeface="Arial" panose="020B0604020202020204" pitchFamily="34" charset="0"/>
-                <a:cs typeface="Arial" panose="020B0604020202020204" pitchFamily="34" charset="0"/>
-              </a:rPr>
-              <a:t> </a:t>
-            </a:r>
-            <a:r>
-              <a:rPr lang="pt-PT" dirty="0" err="1">
-                <a:latin typeface="Arial" panose="020B0604020202020204" pitchFamily="34" charset="0"/>
-                <a:cs typeface="Arial" panose="020B0604020202020204" pitchFamily="34" charset="0"/>
-              </a:rPr>
-              <a:t>Specific</a:t>
-            </a:r>
-            <a:r>
-              <a:rPr lang="pt-PT" dirty="0">
-                <a:latin typeface="Arial" panose="020B0604020202020204" pitchFamily="34" charset="0"/>
-                <a:cs typeface="Arial" panose="020B0604020202020204" pitchFamily="34" charset="0"/>
-              </a:rPr>
-              <a:t> </a:t>
-            </a:r>
-            <a:r>
-              <a:rPr lang="pt-PT" dirty="0" err="1">
-                <a:latin typeface="Arial" panose="020B0604020202020204" pitchFamily="34" charset="0"/>
-                <a:cs typeface="Arial" panose="020B0604020202020204" pitchFamily="34" charset="0"/>
-              </a:rPr>
-              <a:t>Language</a:t>
-            </a:r>
-            <a:r>
-              <a:rPr lang="pt-PT" dirty="0">
-                <a:latin typeface="Arial" panose="020B0604020202020204" pitchFamily="34" charset="0"/>
-                <a:cs typeface="Arial" panose="020B0604020202020204" pitchFamily="34" charset="0"/>
-              </a:rPr>
-              <a:t>;</a:t>
-            </a:r>
-          </a:p>
-          <a:p>
-            <a:pPr marL="285750" indent="-285750">
-              <a:buFont typeface="Arial" panose="020B0604020202020204" pitchFamily="34" charset="0"/>
-              <a:buChar char="•"/>
-            </a:pPr>
-            <a:endParaRPr lang="pt-PT" dirty="0">
-              <a:latin typeface="Arial" panose="020B0604020202020204" pitchFamily="34" charset="0"/>
-              <a:cs typeface="Arial" panose="020B0604020202020204" pitchFamily="34" charset="0"/>
-            </a:endParaRPr>
-          </a:p>
-          <a:p>
-            <a:pPr marL="285750" indent="-285750">
-              <a:buFont typeface="Arial" panose="020B0604020202020204" pitchFamily="34" charset="0"/>
-              <a:buChar char="•"/>
-            </a:pPr>
-            <a:r>
-              <a:rPr lang="pt-PT" dirty="0">
-                <a:latin typeface="Arial" panose="020B0604020202020204" pitchFamily="34" charset="0"/>
-                <a:cs typeface="Arial" panose="020B0604020202020204" pitchFamily="34" charset="0"/>
-              </a:rPr>
-              <a:t>Possibilitar a geração automática de </a:t>
-            </a:r>
-            <a:r>
-              <a:rPr lang="pt-PT" dirty="0" err="1">
-                <a:latin typeface="Arial" panose="020B0604020202020204" pitchFamily="34" charset="0"/>
-                <a:cs typeface="Arial" panose="020B0604020202020204" pitchFamily="34" charset="0"/>
-              </a:rPr>
-              <a:t>Chatbots</a:t>
-            </a:r>
-            <a:r>
-              <a:rPr lang="pt-PT" dirty="0">
-                <a:latin typeface="Arial" panose="020B0604020202020204" pitchFamily="34" charset="0"/>
-                <a:cs typeface="Arial" panose="020B0604020202020204" pitchFamily="34" charset="0"/>
-              </a:rPr>
-              <a:t>;</a:t>
-            </a:r>
-          </a:p>
-          <a:p>
-            <a:pPr marL="285750" indent="-285750">
-              <a:buFont typeface="Arial" panose="020B0604020202020204" pitchFamily="34" charset="0"/>
-              <a:buChar char="•"/>
-            </a:pPr>
-            <a:endParaRPr lang="pt-PT" dirty="0">
-              <a:latin typeface="Arial" panose="020B0604020202020204" pitchFamily="34" charset="0"/>
-              <a:cs typeface="Arial" panose="020B0604020202020204" pitchFamily="34" charset="0"/>
-            </a:endParaRPr>
-          </a:p>
-          <a:p>
-            <a:pPr marL="285750" indent="-285750">
-              <a:buFont typeface="Arial" panose="020B0604020202020204" pitchFamily="34" charset="0"/>
-              <a:buChar char="•"/>
-            </a:pPr>
-            <a:r>
-              <a:rPr lang="pt-PT" dirty="0">
-                <a:latin typeface="Arial" panose="020B0604020202020204" pitchFamily="34" charset="0"/>
-                <a:cs typeface="Arial" panose="020B0604020202020204" pitchFamily="34" charset="0"/>
-              </a:rPr>
-              <a:t>Especificar as fontes de informação;</a:t>
-            </a:r>
-          </a:p>
-          <a:p>
-            <a:pPr marL="285750" indent="-285750">
-              <a:buFont typeface="Arial" panose="020B0604020202020204" pitchFamily="34" charset="0"/>
-              <a:buChar char="•"/>
-            </a:pPr>
-            <a:endParaRPr lang="pt-PT" dirty="0">
-              <a:latin typeface="Arial" panose="020B0604020202020204" pitchFamily="34" charset="0"/>
-              <a:cs typeface="Arial" panose="020B0604020202020204" pitchFamily="34" charset="0"/>
-            </a:endParaRPr>
-          </a:p>
-          <a:p>
-            <a:pPr marL="285750" indent="-285750">
-              <a:buFont typeface="Arial" panose="020B0604020202020204" pitchFamily="34" charset="0"/>
-              <a:buChar char="•"/>
-            </a:pPr>
-            <a:r>
-              <a:rPr lang="pt-PT" dirty="0">
-                <a:latin typeface="Arial" panose="020B0604020202020204" pitchFamily="34" charset="0"/>
-                <a:cs typeface="Arial" panose="020B0604020202020204" pitchFamily="34" charset="0"/>
-              </a:rPr>
-              <a:t>Prestar serviços;</a:t>
-            </a:r>
-          </a:p>
-          <a:p>
-            <a:pPr marL="285750" indent="-285750">
-              <a:buFont typeface="Arial" panose="020B0604020202020204" pitchFamily="34" charset="0"/>
-              <a:buChar char="•"/>
-            </a:pPr>
-            <a:endParaRPr lang="pt-PT" dirty="0">
-              <a:latin typeface="Arial" panose="020B0604020202020204" pitchFamily="34" charset="0"/>
-              <a:cs typeface="Arial" panose="020B0604020202020204" pitchFamily="34" charset="0"/>
-            </a:endParaRPr>
-          </a:p>
-          <a:p>
-            <a:pPr marL="285750" indent="-285750">
-              <a:buFont typeface="Arial" panose="020B0604020202020204" pitchFamily="34" charset="0"/>
-              <a:buChar char="•"/>
-            </a:pPr>
-            <a:r>
-              <a:rPr lang="pt-PT" dirty="0">
-                <a:latin typeface="Arial" panose="020B0604020202020204" pitchFamily="34" charset="0"/>
-                <a:cs typeface="Arial" panose="020B0604020202020204" pitchFamily="34" charset="0"/>
-              </a:rPr>
-              <a:t>Manter um diálogo;</a:t>
-            </a:r>
-          </a:p>
-        </p:txBody>
-      </p:sp>
       <p:pic>
         <p:nvPicPr>
           <p:cNvPr id="1026" name="Picture 2" descr="Resultado de imagem para objetivos png">
@@ -18695,8 +18495,8 @@
         </p:blipFill>
         <p:spPr bwMode="auto">
           <a:xfrm>
-            <a:off x="6146323" y="3581400"/>
-            <a:ext cx="2337753" cy="2819400"/>
+            <a:off x="3714736" y="4561628"/>
+            <a:ext cx="1714528" cy="2067772"/>
           </a:xfrm>
           <a:prstGeom prst="rect">
             <a:avLst/>
@@ -18713,10 +18513,427 @@
           </a:extLst>
         </p:spPr>
       </p:pic>
+      <p:sp>
+        <p:nvSpPr>
+          <p:cNvPr id="7" name="CaixaDeTexto 6">
+            <a:extLst>
+              <a:ext uri="{FF2B5EF4-FFF2-40B4-BE49-F238E27FC236}">
+                <a16:creationId xmlns:a16="http://schemas.microsoft.com/office/drawing/2014/main" id="{7A1654AB-C9E5-4350-9C7D-B97417410F84}"/>
+              </a:ext>
+            </a:extLst>
+          </p:cNvPr>
+          <p:cNvSpPr txBox="1"/>
+          <p:nvPr/>
+        </p:nvSpPr>
+        <p:spPr>
+          <a:xfrm>
+            <a:off x="2005897" y="3181174"/>
+            <a:ext cx="1820567" cy="369332"/>
+          </a:xfrm>
+          <a:prstGeom prst="rect">
+            <a:avLst/>
+          </a:prstGeom>
+          <a:noFill/>
+          <a:ln>
+            <a:noFill/>
+          </a:ln>
+        </p:spPr>
+        <p:txBody>
+          <a:bodyPr wrap="square" rtlCol="0">
+            <a:spAutoFit/>
+          </a:bodyPr>
+          <a:lstStyle/>
+          <a:p>
+            <a:pPr algn="ctr"/>
+            <a:r>
+              <a:rPr lang="pt-PT" dirty="0">
+                <a:latin typeface="Consolas" panose="020B0609020204030204" pitchFamily="49" charset="0"/>
+                <a:cs typeface="Arial" panose="020B0604020202020204" pitchFamily="34" charset="0"/>
+              </a:rPr>
+              <a:t>Especificação</a:t>
+            </a:r>
+          </a:p>
+        </p:txBody>
+      </p:sp>
+      <p:sp>
+        <p:nvSpPr>
+          <p:cNvPr id="8" name="CaixaDeTexto 7">
+            <a:extLst>
+              <a:ext uri="{FF2B5EF4-FFF2-40B4-BE49-F238E27FC236}">
+                <a16:creationId xmlns:a16="http://schemas.microsoft.com/office/drawing/2014/main" id="{9E44657E-853B-418E-898E-AC4A0DECDE44}"/>
+              </a:ext>
+            </a:extLst>
+          </p:cNvPr>
+          <p:cNvSpPr txBox="1"/>
+          <p:nvPr/>
+        </p:nvSpPr>
+        <p:spPr>
+          <a:xfrm>
+            <a:off x="3826465" y="3181174"/>
+            <a:ext cx="440736" cy="369332"/>
+          </a:xfrm>
+          <a:prstGeom prst="rect">
+            <a:avLst/>
+          </a:prstGeom>
+          <a:noFill/>
+        </p:spPr>
+        <p:txBody>
+          <a:bodyPr wrap="square" rtlCol="0">
+            <a:spAutoFit/>
+          </a:bodyPr>
+          <a:lstStyle/>
+          <a:p>
+            <a:pPr algn="ctr"/>
+            <a:r>
+              <a:rPr lang="pt-PT" dirty="0">
+                <a:solidFill>
+                  <a:srgbClr val="C00000"/>
+                </a:solidFill>
+                <a:latin typeface="Consolas" panose="020B0609020204030204" pitchFamily="49" charset="0"/>
+                <a:cs typeface="Arial" panose="020B0604020202020204" pitchFamily="34" charset="0"/>
+              </a:rPr>
+              <a:t>+</a:t>
+            </a:r>
+          </a:p>
+        </p:txBody>
+      </p:sp>
+      <p:sp>
+        <p:nvSpPr>
+          <p:cNvPr id="9" name="CaixaDeTexto 8">
+            <a:extLst>
+              <a:ext uri="{FF2B5EF4-FFF2-40B4-BE49-F238E27FC236}">
+                <a16:creationId xmlns:a16="http://schemas.microsoft.com/office/drawing/2014/main" id="{D2302BC9-A31D-47B1-A57E-3F1BBA4531A5}"/>
+              </a:ext>
+            </a:extLst>
+          </p:cNvPr>
+          <p:cNvSpPr txBox="1"/>
+          <p:nvPr/>
+        </p:nvSpPr>
+        <p:spPr>
+          <a:xfrm>
+            <a:off x="4195843" y="3003205"/>
+            <a:ext cx="1623391" cy="646331"/>
+          </a:xfrm>
+          <a:prstGeom prst="rect">
+            <a:avLst/>
+          </a:prstGeom>
+          <a:noFill/>
+          <a:ln>
+            <a:noFill/>
+          </a:ln>
+        </p:spPr>
+        <p:txBody>
+          <a:bodyPr wrap="square" rtlCol="0">
+            <a:spAutoFit/>
+          </a:bodyPr>
+          <a:lstStyle/>
+          <a:p>
+            <a:pPr algn="ctr"/>
+            <a:r>
+              <a:rPr lang="pt-PT" dirty="0">
+                <a:latin typeface="Consolas" panose="020B0609020204030204" pitchFamily="49" charset="0"/>
+                <a:cs typeface="Arial" panose="020B0604020202020204" pitchFamily="34" charset="0"/>
+              </a:rPr>
+              <a:t>Fonte de Informação</a:t>
+            </a:r>
+          </a:p>
+        </p:txBody>
+      </p:sp>
+      <p:pic>
+        <p:nvPicPr>
+          <p:cNvPr id="11" name="Imagem 10">
+            <a:extLst>
+              <a:ext uri="{FF2B5EF4-FFF2-40B4-BE49-F238E27FC236}">
+                <a16:creationId xmlns:a16="http://schemas.microsoft.com/office/drawing/2014/main" id="{AC1FCE58-527F-4B21-A2E0-2772821A643E}"/>
+              </a:ext>
+            </a:extLst>
+          </p:cNvPr>
+          <p:cNvPicPr>
+            <a:picLocks noChangeAspect="1"/>
+          </p:cNvPicPr>
+          <p:nvPr/>
+        </p:nvPicPr>
+        <p:blipFill rotWithShape="1">
+          <a:blip r:embed="rId4">
+            <a:extLst>
+              <a:ext uri="{BEBA8EAE-BF5A-486C-A8C5-ECC9F3942E4B}">
+                <a14:imgProps xmlns:a14="http://schemas.microsoft.com/office/drawing/2010/main">
+                  <a14:imgLayer r:embed="rId5">
+                    <a14:imgEffect>
+                      <a14:backgroundRemoval t="4348" b="96377" l="9804" r="89216">
+                        <a14:foregroundMark x1="42327" y1="69077" x2="32353" y2="34058"/>
+                        <a14:foregroundMark x1="42896" y1="71074" x2="42719" y2="70452"/>
+                        <a14:foregroundMark x1="44280" y1="75933" x2="43980" y2="74878"/>
+                        <a14:foregroundMark x1="46078" y1="82246" x2="45495" y2="80198"/>
+                        <a14:foregroundMark x1="59321" y1="76635" x2="59774" y2="76294"/>
+                        <a14:foregroundMark x1="47059" y1="85870" x2="57454" y2="78041"/>
+                        <a14:foregroundMark x1="77585" y1="54932" x2="79085" y2="52899"/>
+                        <a14:foregroundMark x1="67413" y1="68715" x2="75327" y2="57991"/>
+                        <a14:foregroundMark x1="60784" y1="87319" x2="50327" y2="90217"/>
+                        <a14:foregroundMark x1="50327" y1="90217" x2="34009" y2="88071"/>
+                        <a14:foregroundMark x1="39542" y1="87681" x2="51634" y2="89493"/>
+                        <a14:foregroundMark x1="51634" y1="89493" x2="60131" y2="86957"/>
+                        <a14:foregroundMark x1="60131" y1="86957" x2="63072" y2="84058"/>
+                        <a14:foregroundMark x1="63072" y1="85870" x2="54902" y2="91667"/>
+                        <a14:foregroundMark x1="54902" y1="91667" x2="43137" y2="92029"/>
+                        <a14:foregroundMark x1="42157" y1="92391" x2="51634" y2="93116"/>
+                        <a14:foregroundMark x1="51634" y1="93116" x2="55556" y2="92029"/>
+                        <a14:foregroundMark x1="54902" y1="93841" x2="46405" y2="94928"/>
+                        <a14:foregroundMark x1="24749" y1="62028" x2="27778" y2="37681"/>
+                        <a14:foregroundMark x1="27778" y1="37681" x2="30392" y2="34058"/>
+                        <a14:foregroundMark x1="34448" y1="69561" x2="37908" y2="41304"/>
+                        <a14:foregroundMark x1="49520" y1="69784" x2="52614" y2="55797"/>
+                        <a14:foregroundMark x1="59125" y1="68788" x2="60131" y2="56522"/>
+                        <a14:foregroundMark x1="66018" y1="68736" x2="68627" y2="53986"/>
+                        <a14:foregroundMark x1="71518" y1="65483" x2="71242" y2="51087"/>
+                        <a14:foregroundMark x1="70588" y1="60507" x2="70588" y2="43478"/>
+                        <a14:foregroundMark x1="69935" y1="39130" x2="66667" y2="29710"/>
+                        <a14:foregroundMark x1="66667" y1="29710" x2="57516" y2="26449"/>
+                        <a14:foregroundMark x1="57516" y1="26449" x2="36601" y2="28623"/>
+                        <a14:foregroundMark x1="36601" y1="28623" x2="33660" y2="30797"/>
+                        <a14:foregroundMark x1="48366" y1="7971" x2="49346" y2="13406"/>
+                        <a14:foregroundMark x1="49346" y1="7971" x2="49346" y2="12319"/>
+                        <a14:foregroundMark x1="48693" y1="8696" x2="49346" y2="12681"/>
+                        <a14:foregroundMark x1="50000" y1="8333" x2="51307" y2="11957"/>
+                        <a14:foregroundMark x1="50654" y1="8333" x2="49673" y2="13043"/>
+                        <a14:foregroundMark x1="48693" y1="7609" x2="49020" y2="12681"/>
+                        <a14:foregroundMark x1="49020" y1="10145" x2="49020" y2="4710"/>
+                        <a14:foregroundMark x1="18627" y1="50362" x2="27124" y2="50000"/>
+                        <a14:foregroundMark x1="47386" y1="93478" x2="50000" y2="94928"/>
+                        <a14:foregroundMark x1="45752" y1="96377" x2="51634" y2="95290"/>
+                        <a14:foregroundMark x1="51634" y1="94928" x2="51634" y2="94928"/>
+                        <a14:backgroundMark x1="14379" y1="11957" x2="11111" y2="54348"/>
+                        <a14:backgroundMark x1="17647" y1="77174" x2="25163" y2="76812"/>
+                        <a14:backgroundMark x1="24837" y1="71014" x2="22876" y2="84058"/>
+                        <a14:backgroundMark x1="22876" y1="84058" x2="22222" y2="85507"/>
+                        <a14:backgroundMark x1="20261" y1="65217" x2="23856" y2="77174"/>
+                        <a14:backgroundMark x1="23856" y1="77174" x2="30719" y2="75362"/>
+                        <a14:backgroundMark x1="73856" y1="74638" x2="78105" y2="73551"/>
+                        <a14:backgroundMark x1="76144" y1="72101" x2="77778" y2="75362"/>
+                        <a14:backgroundMark x1="72549" y1="75000" x2="76144" y2="77899"/>
+                        <a14:backgroundMark x1="72222" y1="75725" x2="75817" y2="79710"/>
+                        <a14:backgroundMark x1="72222" y1="74638" x2="75817" y2="77536"/>
+                        <a14:backgroundMark x1="71569" y1="74638" x2="76144" y2="76812"/>
+                        <a14:backgroundMark x1="72876" y1="74638" x2="77124" y2="76449"/>
+                        <a14:backgroundMark x1="80719" y1="61957" x2="80065" y2="74638"/>
+                        <a14:backgroundMark x1="80065" y1="74638" x2="71569" y2="86957"/>
+                        <a14:backgroundMark x1="19935" y1="75000" x2="31373" y2="75000"/>
+                        <a14:backgroundMark x1="31373" y1="75000" x2="36275" y2="73913"/>
+                        <a14:backgroundMark x1="63072" y1="73913" x2="74183" y2="73913"/>
+                        <a14:backgroundMark x1="74183" y1="73913" x2="76797" y2="73188"/>
+                        <a14:backgroundMark x1="76797" y1="66667" x2="74183" y2="80797"/>
+                        <a14:backgroundMark x1="17320" y1="60870" x2="18954" y2="74275"/>
+                        <a14:backgroundMark x1="18954" y1="74275" x2="23856" y2="85145"/>
+                        <a14:backgroundMark x1="23856" y1="85145" x2="27778" y2="87319"/>
+                        <a14:backgroundMark x1="17320" y1="59420" x2="18627" y2="61232"/>
+                        <a14:backgroundMark x1="16667" y1="60870" x2="18301" y2="62319"/>
+                        <a14:backgroundMark x1="17320" y1="59058" x2="17974" y2="61594"/>
+                        <a14:backgroundMark x1="27778" y1="86232" x2="26797" y2="91667"/>
+                        <a14:backgroundMark x1="28105" y1="87319" x2="28105" y2="91667"/>
+                        <a14:backgroundMark x1="69935" y1="85507" x2="70588" y2="94928"/>
+                        <a14:backgroundMark x1="28105" y1="86594" x2="29085" y2="92391"/>
+                        <a14:backgroundMark x1="16013" y1="57609" x2="19935" y2="60870"/>
+                        <a14:backgroundMark x1="24183" y1="62319" x2="26144" y2="66667"/>
+                        <a14:backgroundMark x1="67974" y1="71377" x2="61765" y2="73913"/>
+                        <a14:backgroundMark x1="62418" y1="74638" x2="58824" y2="74638"/>
+                        <a14:backgroundMark x1="58497" y1="75000" x2="55556" y2="74275"/>
+                        <a14:backgroundMark x1="37908" y1="74275" x2="40523" y2="74275"/>
+                        <a14:backgroundMark x1="40850" y1="74638" x2="44118" y2="74638"/>
+                        <a14:backgroundMark x1="45098" y1="74638" x2="47386" y2="75000"/>
+                        <a14:backgroundMark x1="48366" y1="75000" x2="49673" y2="75000"/>
+                        <a14:backgroundMark x1="48693" y1="74275" x2="49020" y2="74275"/>
+                        <a14:backgroundMark x1="47386" y1="74275" x2="49020" y2="74275"/>
+                        <a14:backgroundMark x1="78758" y1="61594" x2="82680" y2="59783"/>
+                        <a14:backgroundMark x1="81373" y1="58696" x2="79739" y2="60145"/>
+                        <a14:backgroundMark x1="81373" y1="58696" x2="78758" y2="61232"/>
+                      </a14:backgroundRemoval>
+                    </a14:imgEffect>
+                  </a14:imgLayer>
+                </a14:imgProps>
+              </a:ext>
+            </a:extLst>
+          </a:blip>
+          <a:srcRect l="12176" r="12062"/>
+          <a:stretch/>
+        </p:blipFill>
+        <p:spPr>
+          <a:xfrm>
+            <a:off x="6410573" y="2840489"/>
+            <a:ext cx="752227" cy="895545"/>
+          </a:xfrm>
+          <a:prstGeom prst="rect">
+            <a:avLst/>
+          </a:prstGeom>
+        </p:spPr>
+      </p:pic>
+      <p:sp>
+        <p:nvSpPr>
+          <p:cNvPr id="12" name="CaixaDeTexto 11">
+            <a:extLst>
+              <a:ext uri="{FF2B5EF4-FFF2-40B4-BE49-F238E27FC236}">
+                <a16:creationId xmlns:a16="http://schemas.microsoft.com/office/drawing/2014/main" id="{A00493A6-2CDB-4C85-915F-BEC52A23EF20}"/>
+              </a:ext>
+            </a:extLst>
+          </p:cNvPr>
+          <p:cNvSpPr txBox="1"/>
+          <p:nvPr/>
+        </p:nvSpPr>
+        <p:spPr>
+          <a:xfrm>
+            <a:off x="5791151" y="3178097"/>
+            <a:ext cx="440736" cy="369332"/>
+          </a:xfrm>
+          <a:prstGeom prst="rect">
+            <a:avLst/>
+          </a:prstGeom>
+          <a:noFill/>
+        </p:spPr>
+        <p:txBody>
+          <a:bodyPr wrap="square" rtlCol="0">
+            <a:spAutoFit/>
+          </a:bodyPr>
+          <a:lstStyle/>
+          <a:p>
+            <a:pPr algn="ctr"/>
+            <a:r>
+              <a:rPr lang="pt-PT" dirty="0">
+                <a:solidFill>
+                  <a:srgbClr val="C00000"/>
+                </a:solidFill>
+                <a:latin typeface="Consolas" panose="020B0609020204030204" pitchFamily="49" charset="0"/>
+                <a:cs typeface="Arial" panose="020B0604020202020204" pitchFamily="34" charset="0"/>
+              </a:rPr>
+              <a:t>=</a:t>
+            </a:r>
+          </a:p>
+        </p:txBody>
+      </p:sp>
+      <p:sp>
+        <p:nvSpPr>
+          <p:cNvPr id="13" name="Retângulo: Cantos Arredondados 12">
+            <a:extLst>
+              <a:ext uri="{FF2B5EF4-FFF2-40B4-BE49-F238E27FC236}">
+                <a16:creationId xmlns:a16="http://schemas.microsoft.com/office/drawing/2014/main" id="{1600E0F3-A7E3-4C46-B0BD-66C03E6627E0}"/>
+              </a:ext>
+            </a:extLst>
+          </p:cNvPr>
+          <p:cNvSpPr/>
+          <p:nvPr/>
+        </p:nvSpPr>
+        <p:spPr>
+          <a:xfrm>
+            <a:off x="1447800" y="1524000"/>
+            <a:ext cx="6248400" cy="872989"/>
+          </a:xfrm>
+          <a:prstGeom prst="roundRect">
+            <a:avLst/>
+          </a:prstGeom>
+          <a:solidFill>
+            <a:srgbClr val="DDDDDD"/>
+          </a:solidFill>
+          <a:ln>
+            <a:solidFill>
+              <a:srgbClr val="DDDDDD"/>
+            </a:solidFill>
+          </a:ln>
+        </p:spPr>
+        <p:style>
+          <a:lnRef idx="2">
+            <a:schemeClr val="accent1">
+              <a:shade val="50000"/>
+            </a:schemeClr>
+          </a:lnRef>
+          <a:fillRef idx="1">
+            <a:schemeClr val="accent1"/>
+          </a:fillRef>
+          <a:effectRef idx="0">
+            <a:schemeClr val="accent1"/>
+          </a:effectRef>
+          <a:fontRef idx="minor">
+            <a:schemeClr val="lt1"/>
+          </a:fontRef>
+        </p:style>
+        <p:txBody>
+          <a:bodyPr rtlCol="0" anchor="ctr"/>
+          <a:lstStyle/>
+          <a:p>
+            <a:pPr algn="ctr"/>
+            <a:endParaRPr lang="pt-PT" dirty="0"/>
+          </a:p>
+        </p:txBody>
+      </p:sp>
+      <p:sp>
+        <p:nvSpPr>
+          <p:cNvPr id="5" name="CaixaDeTexto 4">
+            <a:extLst>
+              <a:ext uri="{FF2B5EF4-FFF2-40B4-BE49-F238E27FC236}">
+                <a16:creationId xmlns:a16="http://schemas.microsoft.com/office/drawing/2014/main" id="{30FE9CF7-43A2-49E3-9E1A-71C579CF89D8}"/>
+              </a:ext>
+            </a:extLst>
+          </p:cNvPr>
+          <p:cNvSpPr txBox="1"/>
+          <p:nvPr/>
+        </p:nvSpPr>
+        <p:spPr>
+          <a:xfrm>
+            <a:off x="1600200" y="1548329"/>
+            <a:ext cx="5943600" cy="769441"/>
+          </a:xfrm>
+          <a:prstGeom prst="rect">
+            <a:avLst/>
+          </a:prstGeom>
+          <a:noFill/>
+        </p:spPr>
+        <p:txBody>
+          <a:bodyPr wrap="square" rtlCol="0">
+            <a:spAutoFit/>
+          </a:bodyPr>
+          <a:lstStyle/>
+          <a:p>
+            <a:pPr algn="ctr"/>
+            <a:r>
+              <a:rPr lang="en-US" sz="2200" dirty="0">
+                <a:solidFill>
+                  <a:schemeClr val="tx1">
+                    <a:lumMod val="50000"/>
+                    <a:lumOff val="50000"/>
+                  </a:schemeClr>
+                </a:solidFill>
+                <a:latin typeface="Consolas" panose="020B0609020204030204" pitchFamily="49" charset="0"/>
+                <a:cs typeface="Arial" panose="020B0604020202020204" pitchFamily="34" charset="0"/>
+              </a:rPr>
+              <a:t>Domain Specific Language</a:t>
+            </a:r>
+          </a:p>
+          <a:p>
+            <a:pPr algn="ctr"/>
+            <a:r>
+              <a:rPr lang="pt-PT" sz="2200" dirty="0">
+                <a:solidFill>
+                  <a:srgbClr val="00B050"/>
+                </a:solidFill>
+                <a:latin typeface="Consolas" panose="020B0609020204030204" pitchFamily="49" charset="0"/>
+                <a:cs typeface="Arial" panose="020B0604020202020204" pitchFamily="34" charset="0"/>
+              </a:rPr>
+              <a:t>Geração Automática </a:t>
+            </a:r>
+            <a:r>
+              <a:rPr lang="en-US" sz="2200" dirty="0">
+                <a:solidFill>
+                  <a:srgbClr val="00B050"/>
+                </a:solidFill>
+                <a:latin typeface="Consolas" panose="020B0609020204030204" pitchFamily="49" charset="0"/>
+                <a:cs typeface="Arial" panose="020B0604020202020204" pitchFamily="34" charset="0"/>
+              </a:rPr>
+              <a:t>de Chatbots</a:t>
+            </a:r>
+          </a:p>
+        </p:txBody>
+      </p:sp>
     </p:spTree>
     <p:extLst>
       <p:ext uri="{BB962C8B-B14F-4D97-AF65-F5344CB8AC3E}">
-        <p14:creationId xmlns:p14="http://schemas.microsoft.com/office/powerpoint/2010/main" val="3376227602"/>
+        <p14:creationId xmlns:p14="http://schemas.microsoft.com/office/powerpoint/2010/main" val="786646419"/>
       </p:ext>
     </p:extLst>
   </p:cSld>

--- a/LEI/apresentações/checkpoint2/apresLEI_grupo47.pptx
+++ b/LEI/apresentações/checkpoint2/apresLEI_grupo47.pptx
@@ -555,7 +555,7 @@
           <a:p>
             <a:r>
               <a:rPr lang="pt-PT" dirty="0"/>
-              <a:t>Eu sou o Francisco, este é o Raul, e esta é a Diana e vamos começar a nossa apresentação do </a:t>
+              <a:t>Eu sou o Francisco, Raul, Diana e vamos começar a nossa segunda apresentação do </a:t>
             </a:r>
             <a:r>
               <a:rPr lang="pt-PT" u="sng" dirty="0"/>
@@ -581,8 +581,25 @@
             </a:r>
             <a:r>
               <a:rPr lang="pt-PT" b="1" u="sng" dirty="0"/>
-              <a:t>”</a:t>
-            </a:r>
+              <a:t>”,</a:t>
+            </a:r>
+            <a:r>
+              <a:rPr lang="pt-PT" b="0" u="none" dirty="0"/>
+              <a:t> </a:t>
+            </a:r>
+            <a:r>
+              <a:rPr lang="pt-PT" b="0" u="sng" dirty="0"/>
+              <a:t>orientado </a:t>
+            </a:r>
+            <a:r>
+              <a:rPr lang="pt-PT" b="0" u="none" dirty="0"/>
+              <a:t>pelos professores </a:t>
+            </a:r>
+            <a:r>
+              <a:rPr lang="pt-PT" b="0" u="sng" dirty="0"/>
+              <a:t>José João e Pedro Henriques</a:t>
+            </a:r>
+            <a:endParaRPr lang="pt-PT" b="1" u="sng" dirty="0"/>
           </a:p>
         </p:txBody>
       </p:sp>
@@ -1520,6 +1537,65 @@
               <a:t>KIKO</a:t>
             </a:r>
           </a:p>
+          <a:p>
+            <a:pPr algn="l"/>
+            <a:r>
+              <a:rPr lang="pt-PT" dirty="0"/>
+              <a:t>Portanto nesta segunda apresentação, relembro que o nosso </a:t>
+            </a:r>
+            <a:r>
+              <a:rPr lang="pt-PT" b="1" dirty="0"/>
+              <a:t>objetivo</a:t>
+            </a:r>
+            <a:r>
+              <a:rPr lang="pt-PT" b="0" dirty="0"/>
+              <a:t> é:</a:t>
+            </a:r>
+          </a:p>
+          <a:p>
+            <a:pPr algn="l"/>
+            <a:r>
+              <a:rPr lang="pt-PT" b="0" dirty="0"/>
+              <a:t>-criação de uma </a:t>
+            </a:r>
+            <a:r>
+              <a:rPr lang="pt-PT" b="1" u="none" dirty="0"/>
+              <a:t>DSL </a:t>
+            </a:r>
+            <a:r>
+              <a:rPr lang="pt-PT" b="0" u="none" dirty="0"/>
+              <a:t>para a </a:t>
+            </a:r>
+            <a:r>
+              <a:rPr lang="pt-PT" b="1" u="none" dirty="0"/>
+              <a:t>geração automática de </a:t>
+            </a:r>
+            <a:r>
+              <a:rPr lang="pt-PT" b="1" u="none" dirty="0" err="1"/>
+              <a:t>bots</a:t>
+            </a:r>
+            <a:endParaRPr lang="pt-PT" b="1" u="none" dirty="0"/>
+          </a:p>
+          <a:p>
+            <a:pPr algn="l"/>
+            <a:r>
+              <a:rPr lang="pt-PT" b="0" u="none" dirty="0"/>
+              <a:t>-&gt; juntamos a especificação (DSL) e fontes de informação (</a:t>
+            </a:r>
+            <a:r>
+              <a:rPr lang="pt-PT" b="0" u="none" dirty="0" err="1"/>
+              <a:t>datasets</a:t>
+            </a:r>
+            <a:r>
+              <a:rPr lang="pt-PT" b="0" u="none" dirty="0"/>
+              <a:t>) para gerar os </a:t>
+            </a:r>
+            <a:r>
+              <a:rPr lang="pt-PT" b="0" u="none" dirty="0" err="1"/>
+              <a:t>bots</a:t>
+            </a:r>
+            <a:endParaRPr lang="pt-PT" b="0" u="none" dirty="0"/>
+          </a:p>
         </p:txBody>
       </p:sp>
       <p:sp>
@@ -1956,6 +2032,141 @@
               <a:t>KIKO</a:t>
             </a:r>
           </a:p>
+          <a:p>
+            <a:r>
+              <a:rPr lang="pt-PT" dirty="0"/>
+              <a:t>Aqui temos uma amostra da nossa </a:t>
+            </a:r>
+            <a:r>
+              <a:rPr lang="pt-PT" b="1" dirty="0"/>
+              <a:t>DSL.</a:t>
+            </a:r>
+          </a:p>
+          <a:p>
+            <a:r>
+              <a:rPr lang="pt-PT" b="0" dirty="0"/>
+              <a:t>DSL esta dividida em 3partes: </a:t>
+            </a:r>
+            <a:r>
+              <a:rPr lang="pt-PT" b="1" i="0" u="sng" dirty="0"/>
+              <a:t>CREATE, STATES, JOIN</a:t>
+            </a:r>
+          </a:p>
+          <a:p>
+            <a:r>
+              <a:rPr lang="pt-PT" b="0" i="0" u="none" dirty="0"/>
+              <a:t>-</a:t>
+            </a:r>
+            <a:r>
+              <a:rPr lang="pt-PT" b="0" i="0" u="sng" dirty="0"/>
+              <a:t>CREATE</a:t>
+            </a:r>
+            <a:r>
+              <a:rPr lang="pt-PT" b="0" i="0" u="none" dirty="0"/>
+              <a:t> permite definir </a:t>
+            </a:r>
+            <a:r>
+              <a:rPr lang="pt-PT" b="1" i="0" u="none" dirty="0" err="1"/>
+              <a:t>bots</a:t>
+            </a:r>
+            <a:r>
+              <a:rPr lang="pt-PT" b="1" i="0" u="none" dirty="0"/>
+              <a:t> individuais</a:t>
+            </a:r>
+            <a:r>
+              <a:rPr lang="pt-PT" b="0" i="0" u="none" dirty="0"/>
+              <a:t>. CREATE &lt;</a:t>
+            </a:r>
+            <a:r>
+              <a:rPr lang="pt-PT" b="0" i="0" u="none" dirty="0" err="1"/>
+              <a:t>bot_nosso</a:t>
+            </a:r>
+            <a:r>
+              <a:rPr lang="pt-PT" b="0" i="0" u="none" dirty="0"/>
+              <a:t>&gt; FROM &lt;dataset.info&gt; WITH &lt;</a:t>
+            </a:r>
+            <a:r>
+              <a:rPr lang="pt-PT" b="0" i="0" u="none" dirty="0" err="1"/>
+              <a:t>schema.json</a:t>
+            </a:r>
+            <a:r>
+              <a:rPr lang="pt-PT" b="0" i="0" u="none" dirty="0"/>
+              <a:t>&gt;</a:t>
+            </a:r>
+          </a:p>
+          <a:p>
+            <a:r>
+              <a:rPr lang="pt-PT" b="0" i="0" u="none" dirty="0"/>
+              <a:t>-</a:t>
+            </a:r>
+            <a:r>
+              <a:rPr lang="pt-PT" b="0" i="0" u="sng" dirty="0"/>
+              <a:t>STATES</a:t>
+            </a:r>
+            <a:r>
+              <a:rPr lang="pt-PT" b="0" i="0" u="none" dirty="0"/>
+              <a:t> é onde definimos os </a:t>
+            </a:r>
+            <a:r>
+              <a:rPr lang="pt-PT" b="1" i="0" u="none" dirty="0"/>
+              <a:t>estados do </a:t>
+            </a:r>
+            <a:r>
+              <a:rPr lang="pt-PT" b="1" i="0" u="none" dirty="0" err="1"/>
+              <a:t>bot</a:t>
+            </a:r>
+            <a:r>
+              <a:rPr lang="pt-PT" b="0" i="0" u="none" dirty="0"/>
+              <a:t>, que servem para alterar um pouco as reações do </a:t>
+            </a:r>
+            <a:r>
+              <a:rPr lang="pt-PT" b="0" i="0" u="none" dirty="0" err="1"/>
+              <a:t>bot</a:t>
+            </a:r>
+            <a:r>
+              <a:rPr lang="pt-PT" b="0" i="0" u="none" dirty="0"/>
+              <a:t>, em tempo real de dialogo.</a:t>
+            </a:r>
+          </a:p>
+          <a:p>
+            <a:r>
+              <a:rPr lang="pt-PT" b="0" i="0" u="none" dirty="0"/>
+              <a:t>-</a:t>
+            </a:r>
+            <a:r>
+              <a:rPr lang="pt-PT" b="0" i="0" u="sng" dirty="0"/>
+              <a:t>JOIN</a:t>
+            </a:r>
+            <a:r>
+              <a:rPr lang="pt-PT" b="0" i="0" u="none" dirty="0"/>
+              <a:t> é onde </a:t>
+            </a:r>
+            <a:r>
+              <a:rPr lang="pt-PT" b="1" i="0" u="none" dirty="0"/>
+              <a:t>definimos os </a:t>
+            </a:r>
+            <a:r>
+              <a:rPr lang="pt-PT" b="1" i="0" u="none" dirty="0" err="1"/>
+              <a:t>bots</a:t>
+            </a:r>
+            <a:r>
+              <a:rPr lang="pt-PT" b="1" i="0" u="none" dirty="0"/>
+              <a:t> </a:t>
+            </a:r>
+            <a:r>
+              <a:rPr lang="pt-PT" b="0" i="0" u="none" dirty="0"/>
+              <a:t>a usar e a sua </a:t>
+            </a:r>
+            <a:r>
+              <a:rPr lang="pt-PT" b="1" i="0" u="none" dirty="0"/>
+              <a:t>prioridade</a:t>
+            </a:r>
+            <a:r>
+              <a:rPr lang="pt-PT" b="0" i="0" u="none" dirty="0"/>
+              <a:t>.</a:t>
+            </a:r>
+            <a:endParaRPr lang="pt-PT" b="0" i="0" u="sng" dirty="0"/>
+          </a:p>
         </p:txBody>
       </p:sp>
       <p:sp>
@@ -2040,7 +2251,65 @@
           <a:p>
             <a:r>
               <a:rPr lang="pt-PT" dirty="0"/>
-              <a:t>RAUL</a:t>
+              <a:t>KIKO</a:t>
+            </a:r>
+          </a:p>
+          <a:p>
+            <a:r>
+              <a:rPr lang="pt-PT" dirty="0"/>
+              <a:t>Portanto aqui temos um </a:t>
+            </a:r>
+            <a:r>
+              <a:rPr lang="pt-PT" b="1" dirty="0"/>
+              <a:t>excerto de uma conversa</a:t>
+            </a:r>
+            <a:r>
+              <a:rPr lang="pt-PT" b="0" dirty="0"/>
+              <a:t> entre o nosso </a:t>
+            </a:r>
+            <a:r>
+              <a:rPr lang="pt-PT" b="0" dirty="0" err="1"/>
+              <a:t>bot</a:t>
+            </a:r>
+            <a:r>
+              <a:rPr lang="pt-PT" b="0" dirty="0"/>
+              <a:t> e um utilizador, num </a:t>
+            </a:r>
+            <a:r>
+              <a:rPr lang="pt-PT" b="1" i="0" u="sng" dirty="0"/>
+              <a:t>contexto da SEI</a:t>
+            </a:r>
+          </a:p>
+          <a:p>
+            <a:r>
+              <a:rPr lang="pt-PT" b="0" i="0" dirty="0"/>
+              <a:t>-Saudação</a:t>
+            </a:r>
+          </a:p>
+          <a:p>
+            <a:r>
+              <a:rPr lang="pt-PT" b="0" i="0" dirty="0"/>
+              <a:t>-Quando + começa SEI -&gt; segundo semestre </a:t>
+            </a:r>
+            <a:r>
+              <a:rPr lang="pt-PT" b="1" i="0" dirty="0"/>
+              <a:t>[FAQ]</a:t>
+            </a:r>
+          </a:p>
+          <a:p>
+            <a:r>
+              <a:rPr lang="pt-PT" b="0" i="0" dirty="0"/>
+              <a:t>-Onde + SEI -&gt; Campus de Gualtar </a:t>
+            </a:r>
+            <a:r>
+              <a:rPr lang="pt-PT" b="1" i="0" dirty="0"/>
+              <a:t>[FAQ]</a:t>
+            </a:r>
+          </a:p>
+          <a:p>
+            <a:r>
+              <a:rPr lang="pt-PT" b="0" i="0" dirty="0"/>
+              <a:t>-Quando + sessão de abertura -&gt; RAUL GO</a:t>
             </a:r>
           </a:p>
         </p:txBody>
@@ -23015,7 +23284,7 @@
                 <a:latin typeface="Consolas" panose="020B0609020204030204" pitchFamily="49" charset="0"/>
                 <a:cs typeface="Segoe UI" panose="020B0502040204020203" pitchFamily="34" charset="0"/>
               </a:rPr>
-              <a:t>: A SEI é gratuita, n tens que </a:t>
+              <a:t>: A SEI é gratuita, não tens que </a:t>
             </a:r>
             <a:r>
               <a:rPr lang="pt-PT" dirty="0">
